--- a/images/2022/画图.pptx
+++ b/images/2022/画图.pptx
@@ -8,6 +8,7 @@
     <p:sldId id="256" r:id="rId2"/>
     <p:sldId id="257" r:id="rId3"/>
     <p:sldId id="258" r:id="rId4"/>
+    <p:sldId id="259" r:id="rId5"/>
   </p:sldIdLst>
   <p:sldSz cx="12192000" cy="6858000"/>
   <p:notesSz cx="6858000" cy="9144000"/>
@@ -240,7 +241,7 @@
           <a:p>
             <a:fld id="{D997B5FA-0921-464F-AAE1-844C04324D75}" type="datetimeFigureOut">
               <a:rPr lang="zh-CN" altLang="en-US" smtClean="0"/>
-              <a:t>2022/1/20</a:t>
+              <a:t>2022/1/22</a:t>
             </a:fld>
             <a:endParaRPr lang="zh-CN" altLang="en-US"/>
           </a:p>
@@ -410,7 +411,7 @@
           <a:p>
             <a:fld id="{D997B5FA-0921-464F-AAE1-844C04324D75}" type="datetimeFigureOut">
               <a:rPr lang="zh-CN" altLang="en-US" smtClean="0"/>
-              <a:t>2022/1/20</a:t>
+              <a:t>2022/1/22</a:t>
             </a:fld>
             <a:endParaRPr lang="zh-CN" altLang="en-US"/>
           </a:p>
@@ -590,7 +591,7 @@
           <a:p>
             <a:fld id="{D997B5FA-0921-464F-AAE1-844C04324D75}" type="datetimeFigureOut">
               <a:rPr lang="zh-CN" altLang="en-US" smtClean="0"/>
-              <a:t>2022/1/20</a:t>
+              <a:t>2022/1/22</a:t>
             </a:fld>
             <a:endParaRPr lang="zh-CN" altLang="en-US"/>
           </a:p>
@@ -760,7 +761,7 @@
           <a:p>
             <a:fld id="{D997B5FA-0921-464F-AAE1-844C04324D75}" type="datetimeFigureOut">
               <a:rPr lang="zh-CN" altLang="en-US" smtClean="0"/>
-              <a:t>2022/1/20</a:t>
+              <a:t>2022/1/22</a:t>
             </a:fld>
             <a:endParaRPr lang="zh-CN" altLang="en-US"/>
           </a:p>
@@ -1006,7 +1007,7 @@
           <a:p>
             <a:fld id="{D997B5FA-0921-464F-AAE1-844C04324D75}" type="datetimeFigureOut">
               <a:rPr lang="zh-CN" altLang="en-US" smtClean="0"/>
-              <a:t>2022/1/20</a:t>
+              <a:t>2022/1/22</a:t>
             </a:fld>
             <a:endParaRPr lang="zh-CN" altLang="en-US"/>
           </a:p>
@@ -1238,7 +1239,7 @@
           <a:p>
             <a:fld id="{D997B5FA-0921-464F-AAE1-844C04324D75}" type="datetimeFigureOut">
               <a:rPr lang="zh-CN" altLang="en-US" smtClean="0"/>
-              <a:t>2022/1/20</a:t>
+              <a:t>2022/1/22</a:t>
             </a:fld>
             <a:endParaRPr lang="zh-CN" altLang="en-US"/>
           </a:p>
@@ -1605,7 +1606,7 @@
           <a:p>
             <a:fld id="{D997B5FA-0921-464F-AAE1-844C04324D75}" type="datetimeFigureOut">
               <a:rPr lang="zh-CN" altLang="en-US" smtClean="0"/>
-              <a:t>2022/1/20</a:t>
+              <a:t>2022/1/22</a:t>
             </a:fld>
             <a:endParaRPr lang="zh-CN" altLang="en-US"/>
           </a:p>
@@ -1723,7 +1724,7 @@
           <a:p>
             <a:fld id="{D997B5FA-0921-464F-AAE1-844C04324D75}" type="datetimeFigureOut">
               <a:rPr lang="zh-CN" altLang="en-US" smtClean="0"/>
-              <a:t>2022/1/20</a:t>
+              <a:t>2022/1/22</a:t>
             </a:fld>
             <a:endParaRPr lang="zh-CN" altLang="en-US"/>
           </a:p>
@@ -1818,7 +1819,7 @@
           <a:p>
             <a:fld id="{D997B5FA-0921-464F-AAE1-844C04324D75}" type="datetimeFigureOut">
               <a:rPr lang="zh-CN" altLang="en-US" smtClean="0"/>
-              <a:t>2022/1/20</a:t>
+              <a:t>2022/1/22</a:t>
             </a:fld>
             <a:endParaRPr lang="zh-CN" altLang="en-US"/>
           </a:p>
@@ -2095,7 +2096,7 @@
           <a:p>
             <a:fld id="{D997B5FA-0921-464F-AAE1-844C04324D75}" type="datetimeFigureOut">
               <a:rPr lang="zh-CN" altLang="en-US" smtClean="0"/>
-              <a:t>2022/1/20</a:t>
+              <a:t>2022/1/22</a:t>
             </a:fld>
             <a:endParaRPr lang="zh-CN" altLang="en-US"/>
           </a:p>
@@ -2348,7 +2349,7 @@
           <a:p>
             <a:fld id="{D997B5FA-0921-464F-AAE1-844C04324D75}" type="datetimeFigureOut">
               <a:rPr lang="zh-CN" altLang="en-US" smtClean="0"/>
-              <a:t>2022/1/20</a:t>
+              <a:t>2022/1/22</a:t>
             </a:fld>
             <a:endParaRPr lang="zh-CN" altLang="en-US"/>
           </a:p>
@@ -2561,7 +2562,7 @@
           <a:p>
             <a:fld id="{D997B5FA-0921-464F-AAE1-844C04324D75}" type="datetimeFigureOut">
               <a:rPr lang="zh-CN" altLang="en-US" smtClean="0"/>
-              <a:t>2022/1/20</a:t>
+              <a:t>2022/1/22</a:t>
             </a:fld>
             <a:endParaRPr lang="zh-CN" altLang="en-US"/>
           </a:p>
@@ -8378,6 +8379,589 @@
 </p:sld>
 </file>
 
+<file path=ppt/slides/slide4.xml><?xml version="1.0" encoding="utf-8"?>
+<p:sld xmlns:a="http://schemas.openxmlformats.org/drawingml/2006/main" xmlns:r="http://schemas.openxmlformats.org/officeDocument/2006/relationships" xmlns:p="http://schemas.openxmlformats.org/presentationml/2006/main">
+  <p:cSld>
+    <p:spTree>
+      <p:nvGrpSpPr>
+        <p:cNvPr id="1" name=""/>
+        <p:cNvGrpSpPr/>
+        <p:nvPr/>
+      </p:nvGrpSpPr>
+      <p:grpSpPr>
+        <a:xfrm>
+          <a:off x="0" y="0"/>
+          <a:ext cx="0" cy="0"/>
+          <a:chOff x="0" y="0"/>
+          <a:chExt cx="0" cy="0"/>
+        </a:xfrm>
+      </p:grpSpPr>
+      <p:pic>
+        <p:nvPicPr>
+          <p:cNvPr id="1026" name="Picture 2" descr="pandas教程"/>
+          <p:cNvPicPr>
+            <a:picLocks noChangeAspect="1" noChangeArrowheads="1"/>
+          </p:cNvPicPr>
+          <p:nvPr/>
+        </p:nvPicPr>
+        <p:blipFill>
+          <a:blip r:embed="rId2">
+            <a:extLst>
+              <a:ext uri="{28A0092B-C50C-407E-A947-70E740481C1C}">
+                <a14:useLocalDpi xmlns:a14="http://schemas.microsoft.com/office/drawing/2010/main" val="0"/>
+              </a:ext>
+            </a:extLst>
+          </a:blip>
+          <a:srcRect/>
+          <a:stretch>
+            <a:fillRect/>
+          </a:stretch>
+        </p:blipFill>
+        <p:spPr bwMode="auto">
+          <a:xfrm>
+            <a:off x="3914169" y="2669034"/>
+            <a:ext cx="2934273" cy="948748"/>
+          </a:xfrm>
+          <a:prstGeom prst="rect">
+            <a:avLst/>
+          </a:prstGeom>
+          <a:noFill/>
+          <a:extLst>
+            <a:ext uri="{909E8E84-426E-40DD-AFC4-6F175D3DCCD1}">
+              <a14:hiddenFill xmlns:a14="http://schemas.microsoft.com/office/drawing/2010/main">
+                <a:solidFill>
+                  <a:srgbClr val="FFFFFF"/>
+                </a:solidFill>
+              </a14:hiddenFill>
+            </a:ext>
+          </a:extLst>
+        </p:spPr>
+      </p:pic>
+      <p:pic>
+        <p:nvPicPr>
+          <p:cNvPr id="1028" name="Picture 4" descr="https://gimg2.baidu.com/image_search/src=http%3A%2F%2Fpic.51yuansu.com%2Fpic2%2Fcover%2F00%2F36%2F24%2F5811c9f86a6c4_610.jpg&amp;refer=http%3A%2F%2Fpic.51yuansu.com&amp;app=2002&amp;size=f9999,10000&amp;q=a80&amp;n=0&amp;g=0n&amp;fmt=jpeg?sec=1645426835&amp;t=2848284126296b7606c2b78d21770f28"/>
+          <p:cNvPicPr>
+            <a:picLocks noChangeAspect="1" noChangeArrowheads="1"/>
+          </p:cNvPicPr>
+          <p:nvPr/>
+        </p:nvPicPr>
+        <p:blipFill>
+          <a:blip r:embed="rId3" cstate="print">
+            <a:extLst>
+              <a:ext uri="{28A0092B-C50C-407E-A947-70E740481C1C}">
+                <a14:useLocalDpi xmlns:a14="http://schemas.microsoft.com/office/drawing/2010/main" val="0"/>
+              </a:ext>
+            </a:extLst>
+          </a:blip>
+          <a:srcRect/>
+          <a:stretch>
+            <a:fillRect/>
+          </a:stretch>
+        </p:blipFill>
+        <p:spPr bwMode="auto">
+          <a:xfrm>
+            <a:off x="1934343" y="2953931"/>
+            <a:ext cx="724905" cy="724905"/>
+          </a:xfrm>
+          <a:prstGeom prst="rect">
+            <a:avLst/>
+          </a:prstGeom>
+          <a:noFill/>
+          <a:extLst>
+            <a:ext uri="{909E8E84-426E-40DD-AFC4-6F175D3DCCD1}">
+              <a14:hiddenFill xmlns:a14="http://schemas.microsoft.com/office/drawing/2010/main">
+                <a:solidFill>
+                  <a:srgbClr val="FFFFFF"/>
+                </a:solidFill>
+              </a14:hiddenFill>
+            </a:ext>
+          </a:extLst>
+        </p:spPr>
+      </p:pic>
+      <p:pic>
+        <p:nvPicPr>
+          <p:cNvPr id="1030" name="Picture 6" descr="https://gimg2.baidu.com/image_search/src=http%3A%2F%2Fwww.ucbug.com%2Fuploads%2Ftag%2Fx19%2F0622%2F1906225d0d4475119de.jpg&amp;refer=http%3A%2F%2Fwww.ucbug.com&amp;app=2002&amp;size=f9999,10000&amp;q=a80&amp;n=0&amp;g=0n&amp;fmt=jpeg?sec=1645426928&amp;t=b1eb08d118f66097571bb906c6de33d2"/>
+          <p:cNvPicPr>
+            <a:picLocks noChangeAspect="1" noChangeArrowheads="1"/>
+          </p:cNvPicPr>
+          <p:nvPr/>
+        </p:nvPicPr>
+        <p:blipFill>
+          <a:blip r:embed="rId4" cstate="print">
+            <a:extLst>
+              <a:ext uri="{28A0092B-C50C-407E-A947-70E740481C1C}">
+                <a14:useLocalDpi xmlns:a14="http://schemas.microsoft.com/office/drawing/2010/main" val="0"/>
+              </a:ext>
+            </a:extLst>
+          </a:blip>
+          <a:srcRect/>
+          <a:stretch>
+            <a:fillRect/>
+          </a:stretch>
+        </p:blipFill>
+        <p:spPr bwMode="auto">
+          <a:xfrm>
+            <a:off x="1947663" y="2036246"/>
+            <a:ext cx="743982" cy="743982"/>
+          </a:xfrm>
+          <a:prstGeom prst="rect">
+            <a:avLst/>
+          </a:prstGeom>
+          <a:noFill/>
+          <a:extLst>
+            <a:ext uri="{909E8E84-426E-40DD-AFC4-6F175D3DCCD1}">
+              <a14:hiddenFill xmlns:a14="http://schemas.microsoft.com/office/drawing/2010/main">
+                <a:solidFill>
+                  <a:srgbClr val="FFFFFF"/>
+                </a:solidFill>
+              </a14:hiddenFill>
+            </a:ext>
+          </a:extLst>
+        </p:spPr>
+      </p:pic>
+      <p:pic>
+        <p:nvPicPr>
+          <p:cNvPr id="1032" name="Picture 8" descr="https://gimg2.baidu.com/image_search/src=http%3A%2F%2Fbkimg.cdn.bcebos.com%2Fpic%2F6a63f6246b600c3352788017134c510fd8f9a1e8&amp;refer=http%3A%2F%2Fbkimg.cdn.bcebos.com&amp;app=2002&amp;size=f9999,10000&amp;q=a80&amp;n=0&amp;g=0n&amp;fmt=jpeg?sec=1645427016&amp;t=17d892d23818ff1aaedd0a9a18c4eb33"/>
+          <p:cNvPicPr>
+            <a:picLocks noChangeAspect="1" noChangeArrowheads="1"/>
+          </p:cNvPicPr>
+          <p:nvPr/>
+        </p:nvPicPr>
+        <p:blipFill>
+          <a:blip r:embed="rId5" cstate="print">
+            <a:extLst>
+              <a:ext uri="{28A0092B-C50C-407E-A947-70E740481C1C}">
+                <a14:useLocalDpi xmlns:a14="http://schemas.microsoft.com/office/drawing/2010/main" val="0"/>
+              </a:ext>
+            </a:extLst>
+          </a:blip>
+          <a:srcRect/>
+          <a:stretch>
+            <a:fillRect/>
+          </a:stretch>
+        </p:blipFill>
+        <p:spPr bwMode="auto">
+          <a:xfrm>
+            <a:off x="1908600" y="1195348"/>
+            <a:ext cx="765888" cy="765888"/>
+          </a:xfrm>
+          <a:prstGeom prst="rect">
+            <a:avLst/>
+          </a:prstGeom>
+          <a:noFill/>
+          <a:extLst>
+            <a:ext uri="{909E8E84-426E-40DD-AFC4-6F175D3DCCD1}">
+              <a14:hiddenFill xmlns:a14="http://schemas.microsoft.com/office/drawing/2010/main">
+                <a:solidFill>
+                  <a:srgbClr val="FFFFFF"/>
+                </a:solidFill>
+              </a14:hiddenFill>
+            </a:ext>
+          </a:extLst>
+        </p:spPr>
+      </p:pic>
+      <p:pic>
+        <p:nvPicPr>
+          <p:cNvPr id="1036" name="Picture 12" descr="http://5b0988e595225.cdn.sohucs.com/images/20190917/9ebcff02cf674653800606fa01aa27fb.jpeg"/>
+          <p:cNvPicPr>
+            <a:picLocks noChangeAspect="1" noChangeArrowheads="1"/>
+          </p:cNvPicPr>
+          <p:nvPr/>
+        </p:nvPicPr>
+        <p:blipFill>
+          <a:blip r:embed="rId6" cstate="print">
+            <a:extLst>
+              <a:ext uri="{28A0092B-C50C-407E-A947-70E740481C1C}">
+                <a14:useLocalDpi xmlns:a14="http://schemas.microsoft.com/office/drawing/2010/main" val="0"/>
+              </a:ext>
+            </a:extLst>
+          </a:blip>
+          <a:srcRect/>
+          <a:stretch>
+            <a:fillRect/>
+          </a:stretch>
+        </p:blipFill>
+        <p:spPr bwMode="auto">
+          <a:xfrm>
+            <a:off x="1757434" y="3856869"/>
+            <a:ext cx="924674" cy="640957"/>
+          </a:xfrm>
+          <a:prstGeom prst="rect">
+            <a:avLst/>
+          </a:prstGeom>
+          <a:noFill/>
+          <a:extLst>
+            <a:ext uri="{909E8E84-426E-40DD-AFC4-6F175D3DCCD1}">
+              <a14:hiddenFill xmlns:a14="http://schemas.microsoft.com/office/drawing/2010/main">
+                <a:solidFill>
+                  <a:srgbClr val="FFFFFF"/>
+                </a:solidFill>
+              </a14:hiddenFill>
+            </a:ext>
+          </a:extLst>
+        </p:spPr>
+      </p:pic>
+      <p:sp>
+        <p:nvSpPr>
+          <p:cNvPr id="6" name="右箭头 5"/>
+          <p:cNvSpPr/>
+          <p:nvPr/>
+        </p:nvSpPr>
+        <p:spPr>
+          <a:xfrm>
+            <a:off x="3432810" y="2968099"/>
+            <a:ext cx="236220" cy="473512"/>
+          </a:xfrm>
+          <a:prstGeom prst="rightArrow">
+            <a:avLst/>
+          </a:prstGeom>
+        </p:spPr>
+        <p:style>
+          <a:lnRef idx="2">
+            <a:schemeClr val="accent5">
+              <a:shade val="50000"/>
+            </a:schemeClr>
+          </a:lnRef>
+          <a:fillRef idx="1">
+            <a:schemeClr val="accent5"/>
+          </a:fillRef>
+          <a:effectRef idx="0">
+            <a:schemeClr val="accent5"/>
+          </a:effectRef>
+          <a:fontRef idx="minor">
+            <a:schemeClr val="lt1"/>
+          </a:fontRef>
+        </p:style>
+        <p:txBody>
+          <a:bodyPr rtlCol="0" anchor="ctr"/>
+          <a:lstStyle/>
+          <a:p>
+            <a:pPr algn="ctr"/>
+            <a:endParaRPr lang="zh-CN" altLang="en-US"/>
+          </a:p>
+        </p:txBody>
+      </p:sp>
+      <p:sp>
+        <p:nvSpPr>
+          <p:cNvPr id="13" name="右箭头 12"/>
+          <p:cNvSpPr/>
+          <p:nvPr/>
+        </p:nvSpPr>
+        <p:spPr>
+          <a:xfrm>
+            <a:off x="7044690" y="2923003"/>
+            <a:ext cx="236220" cy="473512"/>
+          </a:xfrm>
+          <a:prstGeom prst="rightArrow">
+            <a:avLst/>
+          </a:prstGeom>
+        </p:spPr>
+        <p:style>
+          <a:lnRef idx="2">
+            <a:schemeClr val="accent5">
+              <a:shade val="50000"/>
+            </a:schemeClr>
+          </a:lnRef>
+          <a:fillRef idx="1">
+            <a:schemeClr val="accent5"/>
+          </a:fillRef>
+          <a:effectRef idx="0">
+            <a:schemeClr val="accent5"/>
+          </a:effectRef>
+          <a:fontRef idx="minor">
+            <a:schemeClr val="lt1"/>
+          </a:fontRef>
+        </p:style>
+        <p:txBody>
+          <a:bodyPr rtlCol="0" anchor="ctr"/>
+          <a:lstStyle/>
+          <a:p>
+            <a:pPr algn="ctr"/>
+            <a:endParaRPr lang="zh-CN" altLang="en-US"/>
+          </a:p>
+        </p:txBody>
+      </p:sp>
+      <p:sp>
+        <p:nvSpPr>
+          <p:cNvPr id="7" name="右大括号 6"/>
+          <p:cNvSpPr/>
+          <p:nvPr/>
+        </p:nvSpPr>
+        <p:spPr>
+          <a:xfrm>
+            <a:off x="2948940" y="1584960"/>
+            <a:ext cx="266700" cy="3238500"/>
+          </a:xfrm>
+          <a:prstGeom prst="rightBrace">
+            <a:avLst/>
+          </a:prstGeom>
+        </p:spPr>
+        <p:style>
+          <a:lnRef idx="3">
+            <a:schemeClr val="dk1"/>
+          </a:lnRef>
+          <a:fillRef idx="0">
+            <a:schemeClr val="dk1"/>
+          </a:fillRef>
+          <a:effectRef idx="2">
+            <a:schemeClr val="dk1"/>
+          </a:effectRef>
+          <a:fontRef idx="minor">
+            <a:schemeClr val="tx1"/>
+          </a:fontRef>
+        </p:style>
+        <p:txBody>
+          <a:bodyPr rtlCol="0" anchor="ctr"/>
+          <a:lstStyle/>
+          <a:p>
+            <a:pPr algn="ctr"/>
+            <a:endParaRPr lang="zh-CN" altLang="en-US"/>
+          </a:p>
+        </p:txBody>
+      </p:sp>
+      <p:pic>
+        <p:nvPicPr>
+          <p:cNvPr id="1039" name="Picture 15"/>
+          <p:cNvPicPr>
+            <a:picLocks noChangeAspect="1" noChangeArrowheads="1"/>
+          </p:cNvPicPr>
+          <p:nvPr/>
+        </p:nvPicPr>
+        <p:blipFill>
+          <a:blip r:embed="rId7" cstate="print">
+            <a:extLst>
+              <a:ext uri="{28A0092B-C50C-407E-A947-70E740481C1C}">
+                <a14:useLocalDpi xmlns:a14="http://schemas.microsoft.com/office/drawing/2010/main" val="0"/>
+              </a:ext>
+            </a:extLst>
+          </a:blip>
+          <a:srcRect/>
+          <a:stretch>
+            <a:fillRect/>
+          </a:stretch>
+        </p:blipFill>
+        <p:spPr bwMode="auto">
+          <a:xfrm>
+            <a:off x="7689294" y="1557641"/>
+            <a:ext cx="2234034" cy="1437467"/>
+          </a:xfrm>
+          <a:prstGeom prst="rect">
+            <a:avLst/>
+          </a:prstGeom>
+          <a:noFill/>
+          <a:ln>
+            <a:noFill/>
+          </a:ln>
+          <a:extLst>
+            <a:ext uri="{909E8E84-426E-40DD-AFC4-6F175D3DCCD1}">
+              <a14:hiddenFill xmlns:a14="http://schemas.microsoft.com/office/drawing/2010/main">
+                <a:solidFill>
+                  <a:schemeClr val="accent1"/>
+                </a:solidFill>
+              </a14:hiddenFill>
+            </a:ext>
+            <a:ext uri="{91240B29-F687-4F45-9708-019B960494DF}">
+              <a14:hiddenLine xmlns:a14="http://schemas.microsoft.com/office/drawing/2010/main" w="9525">
+                <a:solidFill>
+                  <a:schemeClr val="tx1"/>
+                </a:solidFill>
+                <a:miter lim="800000"/>
+                <a:headEnd/>
+                <a:tailEnd/>
+              </a14:hiddenLine>
+            </a:ext>
+          </a:extLst>
+        </p:spPr>
+      </p:pic>
+      <p:pic>
+        <p:nvPicPr>
+          <p:cNvPr id="1041" name="Picture 17" descr="https://gimg2.baidu.com/image_search/src=http%3A%2F%2Finews.gtimg.com%2Fnewsapp_match%2F0%2F9225109941%2F0.jpg&amp;refer=http%3A%2F%2Finews.gtimg.com&amp;app=2002&amp;size=f9999,10000&amp;q=a80&amp;n=0&amp;g=0n&amp;fmt=jpeg?sec=1645427357&amp;t=1561034f72d7347cd376b0ba330ba277"/>
+          <p:cNvPicPr>
+            <a:picLocks noChangeAspect="1" noChangeArrowheads="1"/>
+          </p:cNvPicPr>
+          <p:nvPr/>
+        </p:nvPicPr>
+        <p:blipFill>
+          <a:blip r:embed="rId8" cstate="print">
+            <a:extLst>
+              <a:ext uri="{28A0092B-C50C-407E-A947-70E740481C1C}">
+                <a14:useLocalDpi xmlns:a14="http://schemas.microsoft.com/office/drawing/2010/main" val="0"/>
+              </a:ext>
+            </a:extLst>
+          </a:blip>
+          <a:srcRect/>
+          <a:stretch>
+            <a:fillRect/>
+          </a:stretch>
+        </p:blipFill>
+        <p:spPr bwMode="auto">
+          <a:xfrm>
+            <a:off x="7704685" y="3342645"/>
+            <a:ext cx="2218643" cy="1479856"/>
+          </a:xfrm>
+          <a:prstGeom prst="rect">
+            <a:avLst/>
+          </a:prstGeom>
+          <a:noFill/>
+          <a:ln>
+            <a:solidFill>
+              <a:schemeClr val="accent1"/>
+            </a:solidFill>
+          </a:ln>
+          <a:extLst>
+            <a:ext uri="{909E8E84-426E-40DD-AFC4-6F175D3DCCD1}">
+              <a14:hiddenFill xmlns:a14="http://schemas.microsoft.com/office/drawing/2010/main">
+                <a:solidFill>
+                  <a:srgbClr val="FFFFFF"/>
+                </a:solidFill>
+              </a14:hiddenFill>
+            </a:ext>
+          </a:extLst>
+        </p:spPr>
+      </p:pic>
+      <p:sp>
+        <p:nvSpPr>
+          <p:cNvPr id="8" name="TextBox 7"/>
+          <p:cNvSpPr txBox="1"/>
+          <p:nvPr/>
+        </p:nvSpPr>
+        <p:spPr>
+          <a:xfrm>
+            <a:off x="8475525" y="2980933"/>
+            <a:ext cx="466794" cy="261610"/>
+          </a:xfrm>
+          <a:prstGeom prst="rect">
+            <a:avLst/>
+          </a:prstGeom>
+          <a:noFill/>
+        </p:spPr>
+        <p:txBody>
+          <a:bodyPr wrap="none" rtlCol="0">
+            <a:spAutoFit/>
+          </a:bodyPr>
+          <a:lstStyle/>
+          <a:p>
+            <a:r>
+              <a:rPr lang="zh-CN" altLang="en-US" sz="1050" dirty="0"/>
+              <a:t>表格</a:t>
+            </a:r>
+          </a:p>
+        </p:txBody>
+      </p:sp>
+      <p:sp>
+        <p:nvSpPr>
+          <p:cNvPr id="20" name="TextBox 19"/>
+          <p:cNvSpPr txBox="1"/>
+          <p:nvPr/>
+        </p:nvSpPr>
+        <p:spPr>
+          <a:xfrm>
+            <a:off x="8513625" y="4816288"/>
+            <a:ext cx="453970" cy="253916"/>
+          </a:xfrm>
+          <a:prstGeom prst="rect">
+            <a:avLst/>
+          </a:prstGeom>
+          <a:noFill/>
+        </p:spPr>
+        <p:txBody>
+          <a:bodyPr wrap="none" rtlCol="0">
+            <a:spAutoFit/>
+          </a:bodyPr>
+          <a:lstStyle/>
+          <a:p>
+            <a:r>
+              <a:rPr lang="zh-CN" altLang="en-US" sz="1050" dirty="0" smtClean="0"/>
+              <a:t>图表</a:t>
+            </a:r>
+            <a:endParaRPr lang="zh-CN" altLang="en-US" sz="1050" dirty="0"/>
+          </a:p>
+        </p:txBody>
+      </p:sp>
+      <p:sp>
+        <p:nvSpPr>
+          <p:cNvPr id="9" name="TextBox 8"/>
+          <p:cNvSpPr txBox="1"/>
+          <p:nvPr/>
+        </p:nvSpPr>
+        <p:spPr>
+          <a:xfrm>
+            <a:off x="4135027" y="3913444"/>
+            <a:ext cx="2698175" cy="307777"/>
+          </a:xfrm>
+          <a:prstGeom prst="rect">
+            <a:avLst/>
+          </a:prstGeom>
+          <a:noFill/>
+        </p:spPr>
+        <p:txBody>
+          <a:bodyPr wrap="none" rtlCol="0">
+            <a:spAutoFit/>
+          </a:bodyPr>
+          <a:lstStyle/>
+          <a:p>
+            <a:r>
+              <a:rPr lang="zh-CN" altLang="en-US" sz="1400" dirty="0" smtClean="0"/>
+              <a:t>读取、汇聚、处理、分析、输出</a:t>
+            </a:r>
+            <a:endParaRPr lang="zh-CN" altLang="en-US" sz="1400" dirty="0"/>
+          </a:p>
+        </p:txBody>
+      </p:sp>
+      <p:pic>
+        <p:nvPicPr>
+          <p:cNvPr id="1043" name="Picture 19" descr="https://gimg2.baidu.com/image_search/src=http%3A%2F%2F5b0988e595225.cdn.sohucs.com%2Fq_70%2Cc_zoom%2Cw_640%2Fimages%2F20180709%2Fa1f69686edbf4090a483a6885f6b32fe.jpg&amp;refer=http%3A%2F%2F5b0988e595225.cdn.sohucs.com&amp;app=2002&amp;size=f9999,10000&amp;q=a80&amp;n=0&amp;g=0n&amp;fmt=jpeg?sec=1645428574&amp;t=3bed6f70c411cdc8e0fdba38179b3de7"/>
+          <p:cNvPicPr>
+            <a:picLocks noChangeAspect="1" noChangeArrowheads="1"/>
+          </p:cNvPicPr>
+          <p:nvPr/>
+        </p:nvPicPr>
+        <p:blipFill>
+          <a:blip r:embed="rId9" cstate="print">
+            <a:extLst>
+              <a:ext uri="{28A0092B-C50C-407E-A947-70E740481C1C}">
+                <a14:useLocalDpi xmlns:a14="http://schemas.microsoft.com/office/drawing/2010/main" val="0"/>
+              </a:ext>
+            </a:extLst>
+          </a:blip>
+          <a:srcRect/>
+          <a:stretch>
+            <a:fillRect/>
+          </a:stretch>
+        </p:blipFill>
+        <p:spPr bwMode="auto">
+          <a:xfrm>
+            <a:off x="1846213" y="4701477"/>
+            <a:ext cx="869037" cy="503045"/>
+          </a:xfrm>
+          <a:prstGeom prst="rect">
+            <a:avLst/>
+          </a:prstGeom>
+          <a:noFill/>
+          <a:extLst>
+            <a:ext uri="{909E8E84-426E-40DD-AFC4-6F175D3DCCD1}">
+              <a14:hiddenFill xmlns:a14="http://schemas.microsoft.com/office/drawing/2010/main">
+                <a:solidFill>
+                  <a:srgbClr val="FFFFFF"/>
+                </a:solidFill>
+              </a14:hiddenFill>
+            </a:ext>
+          </a:extLst>
+        </p:spPr>
+      </p:pic>
+    </p:spTree>
+    <p:extLst>
+      <p:ext uri="{BB962C8B-B14F-4D97-AF65-F5344CB8AC3E}">
+        <p14:creationId xmlns:p14="http://schemas.microsoft.com/office/powerpoint/2010/main" val="310030735"/>
+      </p:ext>
+    </p:extLst>
+  </p:cSld>
+  <p:clrMapOvr>
+    <a:masterClrMapping/>
+  </p:clrMapOvr>
+</p:sld>
+</file>
+
 <file path=ppt/theme/theme1.xml><?xml version="1.0" encoding="utf-8"?>
 <a:theme xmlns:a="http://schemas.openxmlformats.org/drawingml/2006/main" name="Office 主题">
   <a:themeElements>
@@ -8633,7 +9217,7 @@
   <a:extraClrSchemeLst/>
   <a:extLst>
     <a:ext uri="{05A4C25C-085E-4340-85A3-A5531E510DB2}">
-      <thm15:themeFamily xmlns="" xmlns:thm15="http://schemas.microsoft.com/office/thememl/2012/main" name="Office Theme" id="{62F939B6-93AF-4DB8-9C6B-D6C7DFDC589F}" vid="{4A3C46E8-61CC-4603-A589-7422A47A8E4A}"/>
+      <thm15:themeFamily xmlns:thm15="http://schemas.microsoft.com/office/thememl/2012/main" xmlns="" name="Office Theme" id="{62F939B6-93AF-4DB8-9C6B-D6C7DFDC589F}" vid="{4A3C46E8-61CC-4603-A589-7422A47A8E4A}"/>
     </a:ext>
   </a:extLst>
 </a:theme>

--- a/images/2022/画图.pptx
+++ b/images/2022/画图.pptx
@@ -9,6 +9,7 @@
     <p:sldId id="257" r:id="rId3"/>
     <p:sldId id="258" r:id="rId4"/>
     <p:sldId id="259" r:id="rId5"/>
+    <p:sldId id="260" r:id="rId6"/>
   </p:sldIdLst>
   <p:sldSz cx="12192000" cy="6858000"/>
   <p:notesSz cx="6858000" cy="9144000"/>
@@ -241,7 +242,7 @@
           <a:p>
             <a:fld id="{D997B5FA-0921-464F-AAE1-844C04324D75}" type="datetimeFigureOut">
               <a:rPr lang="zh-CN" altLang="en-US" smtClean="0"/>
-              <a:t>2022/1/22</a:t>
+              <a:t>2022/1/23</a:t>
             </a:fld>
             <a:endParaRPr lang="zh-CN" altLang="en-US"/>
           </a:p>
@@ -411,7 +412,7 @@
           <a:p>
             <a:fld id="{D997B5FA-0921-464F-AAE1-844C04324D75}" type="datetimeFigureOut">
               <a:rPr lang="zh-CN" altLang="en-US" smtClean="0"/>
-              <a:t>2022/1/22</a:t>
+              <a:t>2022/1/23</a:t>
             </a:fld>
             <a:endParaRPr lang="zh-CN" altLang="en-US"/>
           </a:p>
@@ -591,7 +592,7 @@
           <a:p>
             <a:fld id="{D997B5FA-0921-464F-AAE1-844C04324D75}" type="datetimeFigureOut">
               <a:rPr lang="zh-CN" altLang="en-US" smtClean="0"/>
-              <a:t>2022/1/22</a:t>
+              <a:t>2022/1/23</a:t>
             </a:fld>
             <a:endParaRPr lang="zh-CN" altLang="en-US"/>
           </a:p>
@@ -761,7 +762,7 @@
           <a:p>
             <a:fld id="{D997B5FA-0921-464F-AAE1-844C04324D75}" type="datetimeFigureOut">
               <a:rPr lang="zh-CN" altLang="en-US" smtClean="0"/>
-              <a:t>2022/1/22</a:t>
+              <a:t>2022/1/23</a:t>
             </a:fld>
             <a:endParaRPr lang="zh-CN" altLang="en-US"/>
           </a:p>
@@ -1007,7 +1008,7 @@
           <a:p>
             <a:fld id="{D997B5FA-0921-464F-AAE1-844C04324D75}" type="datetimeFigureOut">
               <a:rPr lang="zh-CN" altLang="en-US" smtClean="0"/>
-              <a:t>2022/1/22</a:t>
+              <a:t>2022/1/23</a:t>
             </a:fld>
             <a:endParaRPr lang="zh-CN" altLang="en-US"/>
           </a:p>
@@ -1239,7 +1240,7 @@
           <a:p>
             <a:fld id="{D997B5FA-0921-464F-AAE1-844C04324D75}" type="datetimeFigureOut">
               <a:rPr lang="zh-CN" altLang="en-US" smtClean="0"/>
-              <a:t>2022/1/22</a:t>
+              <a:t>2022/1/23</a:t>
             </a:fld>
             <a:endParaRPr lang="zh-CN" altLang="en-US"/>
           </a:p>
@@ -1606,7 +1607,7 @@
           <a:p>
             <a:fld id="{D997B5FA-0921-464F-AAE1-844C04324D75}" type="datetimeFigureOut">
               <a:rPr lang="zh-CN" altLang="en-US" smtClean="0"/>
-              <a:t>2022/1/22</a:t>
+              <a:t>2022/1/23</a:t>
             </a:fld>
             <a:endParaRPr lang="zh-CN" altLang="en-US"/>
           </a:p>
@@ -1724,7 +1725,7 @@
           <a:p>
             <a:fld id="{D997B5FA-0921-464F-AAE1-844C04324D75}" type="datetimeFigureOut">
               <a:rPr lang="zh-CN" altLang="en-US" smtClean="0"/>
-              <a:t>2022/1/22</a:t>
+              <a:t>2022/1/23</a:t>
             </a:fld>
             <a:endParaRPr lang="zh-CN" altLang="en-US"/>
           </a:p>
@@ -1819,7 +1820,7 @@
           <a:p>
             <a:fld id="{D997B5FA-0921-464F-AAE1-844C04324D75}" type="datetimeFigureOut">
               <a:rPr lang="zh-CN" altLang="en-US" smtClean="0"/>
-              <a:t>2022/1/22</a:t>
+              <a:t>2022/1/23</a:t>
             </a:fld>
             <a:endParaRPr lang="zh-CN" altLang="en-US"/>
           </a:p>
@@ -2096,7 +2097,7 @@
           <a:p>
             <a:fld id="{D997B5FA-0921-464F-AAE1-844C04324D75}" type="datetimeFigureOut">
               <a:rPr lang="zh-CN" altLang="en-US" smtClean="0"/>
-              <a:t>2022/1/22</a:t>
+              <a:t>2022/1/23</a:t>
             </a:fld>
             <a:endParaRPr lang="zh-CN" altLang="en-US"/>
           </a:p>
@@ -2349,7 +2350,7 @@
           <a:p>
             <a:fld id="{D997B5FA-0921-464F-AAE1-844C04324D75}" type="datetimeFigureOut">
               <a:rPr lang="zh-CN" altLang="en-US" smtClean="0"/>
-              <a:t>2022/1/22</a:t>
+              <a:t>2022/1/23</a:t>
             </a:fld>
             <a:endParaRPr lang="zh-CN" altLang="en-US"/>
           </a:p>
@@ -2562,7 +2563,7 @@
           <a:p>
             <a:fld id="{D997B5FA-0921-464F-AAE1-844C04324D75}" type="datetimeFigureOut">
               <a:rPr lang="zh-CN" altLang="en-US" smtClean="0"/>
-              <a:t>2022/1/22</a:t>
+              <a:t>2022/1/23</a:t>
             </a:fld>
             <a:endParaRPr lang="zh-CN" altLang="en-US"/>
           </a:p>
@@ -3026,7 +3027,7 @@
             <a:lstStyle/>
             <a:p>
               <a:pPr algn="ctr"/>
-              <a:endParaRPr lang="en-US" altLang="zh-CN">
+              <a:endParaRPr lang="en-US" altLang="zh-CN" dirty="0">
                 <a:solidFill>
                   <a:schemeClr val="tx1"/>
                 </a:solidFill>
@@ -3430,7 +3431,7 @@
                   <a:buNone/>
                   <a:defRPr/>
                 </a:pPr>
-                <a:endParaRPr kumimoji="0" lang="en-US" sz="2400" b="0" i="0" u="none" strike="noStrike" kern="0" cap="none" spc="0" normalizeH="0" baseline="0" noProof="0">
+                <a:endParaRPr kumimoji="0" lang="en-US" sz="2400" b="0" i="0" u="none" strike="noStrike" kern="0" cap="none" spc="0" normalizeH="0" baseline="0" noProof="0" dirty="0">
                   <a:ln>
                     <a:noFill/>
                   </a:ln>
@@ -3634,7 +3635,7 @@
                   <a:buNone/>
                   <a:defRPr/>
                 </a:pPr>
-                <a:endParaRPr kumimoji="0" lang="en-US" sz="2400" b="0" i="0" u="none" strike="noStrike" kern="0" cap="none" spc="0" normalizeH="0" baseline="0" noProof="0">
+                <a:endParaRPr kumimoji="0" lang="en-US" sz="2400" b="0" i="0" u="none" strike="noStrike" kern="0" cap="none" spc="0" normalizeH="0" baseline="0" noProof="0" dirty="0">
                   <a:ln>
                     <a:noFill/>
                   </a:ln>
@@ -3838,7 +3839,7 @@
                   <a:buNone/>
                   <a:defRPr/>
                 </a:pPr>
-                <a:endParaRPr kumimoji="0" lang="en-US" sz="2400" b="0" i="0" u="none" strike="noStrike" kern="0" cap="none" spc="0" normalizeH="0" baseline="0" noProof="0">
+                <a:endParaRPr kumimoji="0" lang="en-US" sz="2400" b="0" i="0" u="none" strike="noStrike" kern="0" cap="none" spc="0" normalizeH="0" baseline="0" noProof="0" dirty="0">
                   <a:ln>
                     <a:noFill/>
                   </a:ln>
@@ -4088,7 +4089,7 @@
                   <a:buNone/>
                   <a:defRPr/>
                 </a:pPr>
-                <a:endParaRPr kumimoji="0" lang="en-US" sz="2400" b="0" i="0" u="none" strike="noStrike" kern="0" cap="none" spc="0" normalizeH="0" baseline="0" noProof="0">
+                <a:endParaRPr kumimoji="0" lang="en-US" sz="2400" b="0" i="0" u="none" strike="noStrike" kern="0" cap="none" spc="0" normalizeH="0" baseline="0" noProof="0" dirty="0">
                   <a:ln>
                     <a:noFill/>
                   </a:ln>
@@ -4501,7 +4502,7 @@
                 <a:buNone/>
                 <a:defRPr/>
               </a:pPr>
-              <a:endParaRPr kumimoji="0" lang="en-US" sz="2400" b="0" i="0" u="none" strike="noStrike" kern="0" cap="none" spc="0" normalizeH="0" baseline="0" noProof="0">
+              <a:endParaRPr kumimoji="0" lang="en-US" sz="2400" b="0" i="0" u="none" strike="noStrike" kern="0" cap="none" spc="0" normalizeH="0" baseline="0" noProof="0" dirty="0">
                 <a:ln>
                   <a:noFill/>
                 </a:ln>
@@ -4570,7 +4571,7 @@
                 <a:buNone/>
                 <a:defRPr/>
               </a:pPr>
-              <a:endParaRPr kumimoji="0" lang="en-US" sz="1800" b="0" i="0" u="none" strike="noStrike" kern="0" cap="none" spc="0" normalizeH="0" baseline="0" noProof="0">
+              <a:endParaRPr kumimoji="0" lang="en-US" sz="1800" b="0" i="0" u="none" strike="noStrike" kern="0" cap="none" spc="0" normalizeH="0" baseline="0" noProof="0" dirty="0">
                 <a:ln>
                   <a:noFill/>
                 </a:ln>
@@ -5040,7 +5041,7 @@
             <a:lstStyle/>
             <a:p>
               <a:r>
-                <a:rPr lang="en-US" altLang="zh-CN" sz="1400" b="1">
+                <a:rPr lang="en-US" altLang="zh-CN" sz="1400" b="1" dirty="0">
                   <a:solidFill>
                     <a:schemeClr val="tx1">
                       <a:lumMod val="65000"/>
@@ -5480,7 +5481,7 @@
             <a:lstStyle/>
             <a:p>
               <a:pPr algn="ctr"/>
-              <a:endParaRPr lang="en-US" altLang="zh-CN" sz="1200">
+              <a:endParaRPr lang="en-US" altLang="zh-CN" sz="1200" dirty="0">
                 <a:solidFill>
                   <a:schemeClr val="tx1"/>
                 </a:solidFill>
@@ -6710,7 +6711,7 @@
                 <a:buNone/>
                 <a:defRPr/>
               </a:pPr>
-              <a:endParaRPr kumimoji="0" lang="en-US" sz="1800" b="0" i="0" u="none" strike="noStrike" kern="0" cap="none" spc="0" normalizeH="0" baseline="0" noProof="0">
+              <a:endParaRPr kumimoji="0" lang="en-US" sz="1800" b="0" i="0" u="none" strike="noStrike" kern="0" cap="none" spc="0" normalizeH="0" baseline="0" noProof="0" dirty="0">
                 <a:ln>
                   <a:noFill/>
                 </a:ln>
@@ -6852,7 +6853,7 @@
             <a:lstStyle/>
             <a:p>
               <a:pPr algn="ctr"/>
-              <a:endParaRPr lang="en-US" altLang="zh-CN" sz="1200">
+              <a:endParaRPr lang="en-US" altLang="zh-CN" sz="1200" dirty="0">
                 <a:solidFill>
                   <a:schemeClr val="tx1"/>
                 </a:solidFill>
@@ -8959,6 +8960,1393 @@
   <p:clrMapOvr>
     <a:masterClrMapping/>
   </p:clrMapOvr>
+  <p:timing>
+    <p:tnLst>
+      <p:par>
+        <p:cTn id="1" dur="indefinite" restart="never" nodeType="tmRoot"/>
+      </p:par>
+    </p:tnLst>
+  </p:timing>
+</p:sld>
+</file>
+
+<file path=ppt/slides/slide5.xml><?xml version="1.0" encoding="utf-8"?>
+<p:sld xmlns:a="http://schemas.openxmlformats.org/drawingml/2006/main" xmlns:r="http://schemas.openxmlformats.org/officeDocument/2006/relationships" xmlns:p="http://schemas.openxmlformats.org/presentationml/2006/main">
+  <p:cSld>
+    <p:spTree>
+      <p:nvGrpSpPr>
+        <p:cNvPr id="1" name=""/>
+        <p:cNvGrpSpPr/>
+        <p:nvPr/>
+      </p:nvGrpSpPr>
+      <p:grpSpPr>
+        <a:xfrm>
+          <a:off x="0" y="0"/>
+          <a:ext cx="0" cy="0"/>
+          <a:chOff x="0" y="0"/>
+          <a:chExt cx="0" cy="0"/>
+        </a:xfrm>
+      </p:grpSpPr>
+      <p:grpSp>
+        <p:nvGrpSpPr>
+          <p:cNvPr id="22" name="组合 21"/>
+          <p:cNvGrpSpPr/>
+          <p:nvPr/>
+        </p:nvGrpSpPr>
+        <p:grpSpPr>
+          <a:xfrm>
+            <a:off x="666399" y="205006"/>
+            <a:ext cx="6105525" cy="2233738"/>
+            <a:chOff x="833437" y="1255395"/>
+            <a:chExt cx="6105525" cy="2233738"/>
+          </a:xfrm>
+        </p:grpSpPr>
+        <p:pic>
+          <p:nvPicPr>
+            <p:cNvPr id="1026" name="Picture 2"/>
+            <p:cNvPicPr>
+              <a:picLocks noChangeAspect="1" noChangeArrowheads="1"/>
+            </p:cNvPicPr>
+            <p:nvPr/>
+          </p:nvPicPr>
+          <p:blipFill>
+            <a:blip r:embed="rId2">
+              <a:extLst>
+                <a:ext uri="{28A0092B-C50C-407E-A947-70E740481C1C}">
+                  <a14:useLocalDpi xmlns:a14="http://schemas.microsoft.com/office/drawing/2010/main" val="0"/>
+                </a:ext>
+              </a:extLst>
+            </a:blip>
+            <a:srcRect/>
+            <a:stretch>
+              <a:fillRect/>
+            </a:stretch>
+          </p:blipFill>
+          <p:spPr bwMode="auto">
+            <a:xfrm>
+              <a:off x="833437" y="1255395"/>
+              <a:ext cx="6105525" cy="2228850"/>
+            </a:xfrm>
+            <a:prstGeom prst="rect">
+              <a:avLst/>
+            </a:prstGeom>
+            <a:noFill/>
+            <a:ln>
+              <a:noFill/>
+            </a:ln>
+            <a:extLst>
+              <a:ext uri="{909E8E84-426E-40DD-AFC4-6F175D3DCCD1}">
+                <a14:hiddenFill xmlns:a14="http://schemas.microsoft.com/office/drawing/2010/main">
+                  <a:solidFill>
+                    <a:schemeClr val="accent1"/>
+                  </a:solidFill>
+                </a14:hiddenFill>
+              </a:ext>
+              <a:ext uri="{91240B29-F687-4F45-9708-019B960494DF}">
+                <a14:hiddenLine xmlns:a14="http://schemas.microsoft.com/office/drawing/2010/main" w="9525">
+                  <a:solidFill>
+                    <a:schemeClr val="tx1"/>
+                  </a:solidFill>
+                  <a:miter lim="800000"/>
+                  <a:headEnd/>
+                  <a:tailEnd/>
+                </a14:hiddenLine>
+              </a:ext>
+            </a:extLst>
+          </p:spPr>
+        </p:pic>
+        <p:sp>
+          <p:nvSpPr>
+            <p:cNvPr id="5" name="矩形 4"/>
+            <p:cNvSpPr/>
+            <p:nvPr/>
+          </p:nvSpPr>
+          <p:spPr>
+            <a:xfrm>
+              <a:off x="964966" y="1882140"/>
+              <a:ext cx="191287" cy="1424940"/>
+            </a:xfrm>
+            <a:prstGeom prst="rect">
+              <a:avLst/>
+            </a:prstGeom>
+            <a:solidFill>
+              <a:schemeClr val="accent1">
+                <a:alpha val="0"/>
+              </a:schemeClr>
+            </a:solidFill>
+            <a:ln>
+              <a:solidFill>
+                <a:srgbClr val="FF0000"/>
+              </a:solidFill>
+            </a:ln>
+          </p:spPr>
+          <p:style>
+            <a:lnRef idx="2">
+              <a:schemeClr val="accent1">
+                <a:shade val="50000"/>
+              </a:schemeClr>
+            </a:lnRef>
+            <a:fillRef idx="1">
+              <a:schemeClr val="accent1"/>
+            </a:fillRef>
+            <a:effectRef idx="0">
+              <a:schemeClr val="accent1"/>
+            </a:effectRef>
+            <a:fontRef idx="minor">
+              <a:schemeClr val="lt1"/>
+            </a:fontRef>
+          </p:style>
+          <p:txBody>
+            <a:bodyPr rtlCol="0" anchor="ctr"/>
+            <a:lstStyle/>
+            <a:p>
+              <a:pPr algn="ctr"/>
+              <a:endParaRPr lang="zh-CN" altLang="en-US"/>
+            </a:p>
+          </p:txBody>
+        </p:sp>
+        <p:sp>
+          <p:nvSpPr>
+            <p:cNvPr id="6" name="矩形 5"/>
+            <p:cNvSpPr/>
+            <p:nvPr/>
+          </p:nvSpPr>
+          <p:spPr>
+            <a:xfrm>
+              <a:off x="964966" y="3346008"/>
+              <a:ext cx="1008614" cy="143125"/>
+            </a:xfrm>
+            <a:prstGeom prst="rect">
+              <a:avLst/>
+            </a:prstGeom>
+            <a:solidFill>
+              <a:schemeClr val="accent1">
+                <a:alpha val="0"/>
+              </a:schemeClr>
+            </a:solidFill>
+            <a:ln>
+              <a:solidFill>
+                <a:srgbClr val="00B050"/>
+              </a:solidFill>
+            </a:ln>
+          </p:spPr>
+          <p:style>
+            <a:lnRef idx="2">
+              <a:schemeClr val="accent1">
+                <a:shade val="50000"/>
+              </a:schemeClr>
+            </a:lnRef>
+            <a:fillRef idx="1">
+              <a:schemeClr val="accent1"/>
+            </a:fillRef>
+            <a:effectRef idx="0">
+              <a:schemeClr val="accent1"/>
+            </a:effectRef>
+            <a:fontRef idx="minor">
+              <a:schemeClr val="lt1"/>
+            </a:fontRef>
+          </p:style>
+          <p:txBody>
+            <a:bodyPr rtlCol="0" anchor="ctr"/>
+            <a:lstStyle/>
+            <a:p>
+              <a:pPr algn="ctr"/>
+              <a:endParaRPr lang="zh-CN" altLang="en-US"/>
+            </a:p>
+          </p:txBody>
+        </p:sp>
+        <p:sp>
+          <p:nvSpPr>
+            <p:cNvPr id="7" name="矩形 6"/>
+            <p:cNvSpPr/>
+            <p:nvPr/>
+          </p:nvSpPr>
+          <p:spPr>
+            <a:xfrm>
+              <a:off x="1295400" y="1882140"/>
+              <a:ext cx="678180" cy="1424940"/>
+            </a:xfrm>
+            <a:prstGeom prst="rect">
+              <a:avLst/>
+            </a:prstGeom>
+            <a:noFill/>
+            <a:ln>
+              <a:solidFill>
+                <a:srgbClr val="0070C0"/>
+              </a:solidFill>
+            </a:ln>
+          </p:spPr>
+          <p:style>
+            <a:lnRef idx="2">
+              <a:schemeClr val="accent1">
+                <a:shade val="50000"/>
+              </a:schemeClr>
+            </a:lnRef>
+            <a:fillRef idx="1">
+              <a:schemeClr val="accent1"/>
+            </a:fillRef>
+            <a:effectRef idx="0">
+              <a:schemeClr val="accent1"/>
+            </a:effectRef>
+            <a:fontRef idx="minor">
+              <a:schemeClr val="lt1"/>
+            </a:fontRef>
+          </p:style>
+          <p:txBody>
+            <a:bodyPr rtlCol="0" anchor="ctr"/>
+            <a:lstStyle/>
+            <a:p>
+              <a:pPr algn="ctr"/>
+              <a:endParaRPr lang="zh-CN" altLang="en-US"/>
+            </a:p>
+          </p:txBody>
+        </p:sp>
+        <p:sp>
+          <p:nvSpPr>
+            <p:cNvPr id="8" name="TextBox 7"/>
+            <p:cNvSpPr txBox="1"/>
+            <p:nvPr/>
+          </p:nvSpPr>
+          <p:spPr>
+            <a:xfrm>
+              <a:off x="2376170" y="2078990"/>
+              <a:ext cx="2497094" cy="276999"/>
+            </a:xfrm>
+            <a:prstGeom prst="rect">
+              <a:avLst/>
+            </a:prstGeom>
+            <a:noFill/>
+          </p:spPr>
+          <p:txBody>
+            <a:bodyPr wrap="none" rtlCol="0">
+              <a:spAutoFit/>
+            </a:bodyPr>
+            <a:lstStyle/>
+            <a:p>
+              <a:r>
+                <a:rPr lang="zh-CN" altLang="en-US" sz="1200" dirty="0" smtClean="0">
+                  <a:solidFill>
+                    <a:srgbClr val="FF0000"/>
+                  </a:solidFill>
+                </a:rPr>
+                <a:t>红色框框为：标签（索引）</a:t>
+              </a:r>
+              <a:r>
+                <a:rPr lang="en-US" altLang="zh-CN" sz="1200" dirty="0" smtClean="0">
+                  <a:solidFill>
+                    <a:srgbClr val="FF0000"/>
+                  </a:solidFill>
+                </a:rPr>
+                <a:t>-- index</a:t>
+              </a:r>
+              <a:endParaRPr lang="zh-CN" altLang="en-US" sz="1200" dirty="0">
+                <a:solidFill>
+                  <a:srgbClr val="FF0000"/>
+                </a:solidFill>
+              </a:endParaRPr>
+            </a:p>
+          </p:txBody>
+        </p:sp>
+        <p:sp>
+          <p:nvSpPr>
+            <p:cNvPr id="10" name="TextBox 9"/>
+            <p:cNvSpPr txBox="1"/>
+            <p:nvPr/>
+          </p:nvSpPr>
+          <p:spPr>
+            <a:xfrm>
+              <a:off x="2376170" y="2428170"/>
+              <a:ext cx="2162130" cy="276999"/>
+            </a:xfrm>
+            <a:prstGeom prst="rect">
+              <a:avLst/>
+            </a:prstGeom>
+            <a:noFill/>
+          </p:spPr>
+          <p:txBody>
+            <a:bodyPr wrap="none" rtlCol="0">
+              <a:spAutoFit/>
+            </a:bodyPr>
+            <a:lstStyle/>
+            <a:p>
+              <a:r>
+                <a:rPr lang="zh-CN" altLang="en-US" sz="1200" dirty="0" smtClean="0">
+                  <a:solidFill>
+                    <a:srgbClr val="0070C0"/>
+                  </a:solidFill>
+                </a:rPr>
+                <a:t>蓝色框框为：数据值  </a:t>
+              </a:r>
+              <a:r>
+                <a:rPr lang="en-US" altLang="zh-CN" sz="1200" dirty="0" smtClean="0">
+                  <a:solidFill>
+                    <a:srgbClr val="0070C0"/>
+                  </a:solidFill>
+                </a:rPr>
+                <a:t>-- values</a:t>
+              </a:r>
+              <a:endParaRPr lang="zh-CN" altLang="en-US" sz="1200" dirty="0">
+                <a:solidFill>
+                  <a:srgbClr val="0070C0"/>
+                </a:solidFill>
+              </a:endParaRPr>
+            </a:p>
+          </p:txBody>
+        </p:sp>
+        <p:sp>
+          <p:nvSpPr>
+            <p:cNvPr id="11" name="TextBox 10"/>
+            <p:cNvSpPr txBox="1"/>
+            <p:nvPr/>
+          </p:nvSpPr>
+          <p:spPr>
+            <a:xfrm>
+              <a:off x="2376170" y="2791460"/>
+              <a:ext cx="2433680" cy="276999"/>
+            </a:xfrm>
+            <a:prstGeom prst="rect">
+              <a:avLst/>
+            </a:prstGeom>
+            <a:noFill/>
+          </p:spPr>
+          <p:txBody>
+            <a:bodyPr wrap="none" rtlCol="0">
+              <a:spAutoFit/>
+            </a:bodyPr>
+            <a:lstStyle/>
+            <a:p>
+              <a:r>
+                <a:rPr lang="zh-CN" altLang="en-US" sz="1200" dirty="0" smtClean="0">
+                  <a:solidFill>
+                    <a:srgbClr val="00B050"/>
+                  </a:solidFill>
+                </a:rPr>
+                <a:t>绿色框框为：数据值类型  </a:t>
+              </a:r>
+              <a:r>
+                <a:rPr lang="en-US" altLang="zh-CN" sz="1200" dirty="0" smtClean="0">
+                  <a:solidFill>
+                    <a:srgbClr val="00B050"/>
+                  </a:solidFill>
+                </a:rPr>
+                <a:t>-- dtype</a:t>
+              </a:r>
+              <a:endParaRPr lang="zh-CN" altLang="en-US" sz="1200" dirty="0">
+                <a:solidFill>
+                  <a:srgbClr val="00B050"/>
+                </a:solidFill>
+              </a:endParaRPr>
+            </a:p>
+          </p:txBody>
+        </p:sp>
+      </p:grpSp>
+      <p:pic>
+        <p:nvPicPr>
+          <p:cNvPr id="1027" name="Picture 3"/>
+          <p:cNvPicPr>
+            <a:picLocks noChangeAspect="1" noChangeArrowheads="1"/>
+          </p:cNvPicPr>
+          <p:nvPr/>
+        </p:nvPicPr>
+        <p:blipFill>
+          <a:blip r:embed="rId3">
+            <a:extLst>
+              <a:ext uri="{28A0092B-C50C-407E-A947-70E740481C1C}">
+                <a14:useLocalDpi xmlns:a14="http://schemas.microsoft.com/office/drawing/2010/main" val="0"/>
+              </a:ext>
+            </a:extLst>
+          </a:blip>
+          <a:srcRect/>
+          <a:stretch>
+            <a:fillRect/>
+          </a:stretch>
+        </p:blipFill>
+        <p:spPr bwMode="auto">
+          <a:xfrm>
+            <a:off x="734377" y="2633663"/>
+            <a:ext cx="6267450" cy="3495675"/>
+          </a:xfrm>
+          <a:prstGeom prst="rect">
+            <a:avLst/>
+          </a:prstGeom>
+          <a:noFill/>
+          <a:ln>
+            <a:noFill/>
+          </a:ln>
+          <a:extLst>
+            <a:ext uri="{909E8E84-426E-40DD-AFC4-6F175D3DCCD1}">
+              <a14:hiddenFill xmlns:a14="http://schemas.microsoft.com/office/drawing/2010/main">
+                <a:solidFill>
+                  <a:schemeClr val="accent1"/>
+                </a:solidFill>
+              </a14:hiddenFill>
+            </a:ext>
+            <a:ext uri="{91240B29-F687-4F45-9708-019B960494DF}">
+              <a14:hiddenLine xmlns:a14="http://schemas.microsoft.com/office/drawing/2010/main" w="9525">
+                <a:solidFill>
+                  <a:schemeClr val="tx1"/>
+                </a:solidFill>
+                <a:miter lim="800000"/>
+                <a:headEnd/>
+                <a:tailEnd/>
+              </a14:hiddenLine>
+            </a:ext>
+          </a:extLst>
+        </p:spPr>
+      </p:pic>
+      <p:sp>
+        <p:nvSpPr>
+          <p:cNvPr id="26" name="矩形 25"/>
+          <p:cNvSpPr/>
+          <p:nvPr/>
+        </p:nvSpPr>
+        <p:spPr>
+          <a:xfrm>
+            <a:off x="873526" y="3725470"/>
+            <a:ext cx="191287" cy="2294329"/>
+          </a:xfrm>
+          <a:prstGeom prst="rect">
+            <a:avLst/>
+          </a:prstGeom>
+          <a:solidFill>
+            <a:schemeClr val="accent1">
+              <a:alpha val="0"/>
+            </a:schemeClr>
+          </a:solidFill>
+          <a:ln>
+            <a:solidFill>
+              <a:srgbClr val="FF0000"/>
+            </a:solidFill>
+          </a:ln>
+        </p:spPr>
+        <p:style>
+          <a:lnRef idx="2">
+            <a:schemeClr val="accent1">
+              <a:shade val="50000"/>
+            </a:schemeClr>
+          </a:lnRef>
+          <a:fillRef idx="1">
+            <a:schemeClr val="accent1"/>
+          </a:fillRef>
+          <a:effectRef idx="0">
+            <a:schemeClr val="accent1"/>
+          </a:effectRef>
+          <a:fontRef idx="minor">
+            <a:schemeClr val="lt1"/>
+          </a:fontRef>
+        </p:style>
+        <p:txBody>
+          <a:bodyPr rtlCol="0" anchor="ctr"/>
+          <a:lstStyle/>
+          <a:p>
+            <a:pPr algn="ctr"/>
+            <a:endParaRPr lang="zh-CN" altLang="en-US"/>
+          </a:p>
+        </p:txBody>
+      </p:sp>
+      <p:sp>
+        <p:nvSpPr>
+          <p:cNvPr id="27" name="矩形 26"/>
+          <p:cNvSpPr/>
+          <p:nvPr/>
+        </p:nvSpPr>
+        <p:spPr>
+          <a:xfrm>
+            <a:off x="1120140" y="3740001"/>
+            <a:ext cx="4053840" cy="2287418"/>
+          </a:xfrm>
+          <a:prstGeom prst="rect">
+            <a:avLst/>
+          </a:prstGeom>
+          <a:noFill/>
+          <a:ln>
+            <a:solidFill>
+              <a:srgbClr val="0070C0"/>
+            </a:solidFill>
+          </a:ln>
+        </p:spPr>
+        <p:style>
+          <a:lnRef idx="2">
+            <a:schemeClr val="accent1">
+              <a:shade val="50000"/>
+            </a:schemeClr>
+          </a:lnRef>
+          <a:fillRef idx="1">
+            <a:schemeClr val="accent1"/>
+          </a:fillRef>
+          <a:effectRef idx="0">
+            <a:schemeClr val="accent1"/>
+          </a:effectRef>
+          <a:fontRef idx="minor">
+            <a:schemeClr val="lt1"/>
+          </a:fontRef>
+        </p:style>
+        <p:txBody>
+          <a:bodyPr rtlCol="0" anchor="ctr"/>
+          <a:lstStyle/>
+          <a:p>
+            <a:pPr algn="ctr"/>
+            <a:endParaRPr lang="zh-CN" altLang="en-US"/>
+          </a:p>
+        </p:txBody>
+      </p:sp>
+      <p:sp>
+        <p:nvSpPr>
+          <p:cNvPr id="23" name="矩形 22"/>
+          <p:cNvSpPr/>
+          <p:nvPr/>
+        </p:nvSpPr>
+        <p:spPr>
+          <a:xfrm>
+            <a:off x="1120140" y="3528060"/>
+            <a:ext cx="4053840" cy="167640"/>
+          </a:xfrm>
+          <a:prstGeom prst="rect">
+            <a:avLst/>
+          </a:prstGeom>
+          <a:noFill/>
+          <a:ln>
+            <a:solidFill>
+              <a:schemeClr val="accent4">
+                <a:lumMod val="75000"/>
+              </a:schemeClr>
+            </a:solidFill>
+          </a:ln>
+        </p:spPr>
+        <p:style>
+          <a:lnRef idx="2">
+            <a:schemeClr val="accent1">
+              <a:shade val="50000"/>
+            </a:schemeClr>
+          </a:lnRef>
+          <a:fillRef idx="1">
+            <a:schemeClr val="accent1"/>
+          </a:fillRef>
+          <a:effectRef idx="0">
+            <a:schemeClr val="accent1"/>
+          </a:effectRef>
+          <a:fontRef idx="minor">
+            <a:schemeClr val="lt1"/>
+          </a:fontRef>
+        </p:style>
+        <p:txBody>
+          <a:bodyPr rtlCol="0" anchor="ctr"/>
+          <a:lstStyle/>
+          <a:p>
+            <a:pPr algn="ctr"/>
+            <a:endParaRPr lang="zh-CN" altLang="en-US"/>
+          </a:p>
+        </p:txBody>
+      </p:sp>
+      <p:sp>
+        <p:nvSpPr>
+          <p:cNvPr id="24" name="TextBox 23"/>
+          <p:cNvSpPr txBox="1"/>
+          <p:nvPr/>
+        </p:nvSpPr>
+        <p:spPr>
+          <a:xfrm>
+            <a:off x="5570219" y="3427214"/>
+            <a:ext cx="992579" cy="369332"/>
+          </a:xfrm>
+          <a:prstGeom prst="rect">
+            <a:avLst/>
+          </a:prstGeom>
+          <a:noFill/>
+        </p:spPr>
+        <p:txBody>
+          <a:bodyPr wrap="none" rtlCol="0">
+            <a:spAutoFit/>
+          </a:bodyPr>
+          <a:lstStyle/>
+          <a:p>
+            <a:r>
+              <a:rPr lang="en-US" altLang="zh-CN" b="1" dirty="0">
+                <a:solidFill>
+                  <a:schemeClr val="accent4">
+                    <a:lumMod val="75000"/>
+                  </a:schemeClr>
+                </a:solidFill>
+              </a:rPr>
+              <a:t>columns</a:t>
+            </a:r>
+            <a:endParaRPr lang="zh-CN" altLang="en-US" b="1" dirty="0">
+              <a:solidFill>
+                <a:schemeClr val="accent4">
+                  <a:lumMod val="75000"/>
+                </a:schemeClr>
+              </a:solidFill>
+            </a:endParaRPr>
+          </a:p>
+        </p:txBody>
+      </p:sp>
+      <p:cxnSp>
+        <p:nvCxnSpPr>
+          <p:cNvPr id="29" name="直接箭头连接符 28"/>
+          <p:cNvCxnSpPr/>
+          <p:nvPr/>
+        </p:nvCxnSpPr>
+        <p:spPr>
+          <a:xfrm flipH="1" flipV="1">
+            <a:off x="5189220" y="3611170"/>
+            <a:ext cx="342898" cy="710"/>
+          </a:xfrm>
+          <a:prstGeom prst="straightConnector1">
+            <a:avLst/>
+          </a:prstGeom>
+          <a:ln w="12700">
+            <a:solidFill>
+              <a:schemeClr val="accent2">
+                <a:lumMod val="75000"/>
+              </a:schemeClr>
+            </a:solidFill>
+            <a:tailEnd type="arrow"/>
+          </a:ln>
+        </p:spPr>
+        <p:style>
+          <a:lnRef idx="1">
+            <a:schemeClr val="accent1"/>
+          </a:lnRef>
+          <a:fillRef idx="0">
+            <a:schemeClr val="accent1"/>
+          </a:fillRef>
+          <a:effectRef idx="0">
+            <a:schemeClr val="accent1"/>
+          </a:effectRef>
+          <a:fontRef idx="minor">
+            <a:schemeClr val="tx1"/>
+          </a:fontRef>
+        </p:style>
+      </p:cxnSp>
+      <p:sp>
+        <p:nvSpPr>
+          <p:cNvPr id="33" name="TextBox 32"/>
+          <p:cNvSpPr txBox="1"/>
+          <p:nvPr/>
+        </p:nvSpPr>
+        <p:spPr>
+          <a:xfrm>
+            <a:off x="5647373" y="4514378"/>
+            <a:ext cx="611514" cy="369332"/>
+          </a:xfrm>
+          <a:prstGeom prst="rect">
+            <a:avLst/>
+          </a:prstGeom>
+          <a:noFill/>
+        </p:spPr>
+        <p:txBody>
+          <a:bodyPr wrap="none" rtlCol="0">
+            <a:spAutoFit/>
+          </a:bodyPr>
+          <a:lstStyle/>
+          <a:p>
+            <a:r>
+              <a:rPr lang="en-US" altLang="zh-CN" b="1" dirty="0" smtClean="0">
+                <a:solidFill>
+                  <a:srgbClr val="0070C0"/>
+                </a:solidFill>
+              </a:rPr>
+              <a:t>data</a:t>
+            </a:r>
+            <a:endParaRPr lang="zh-CN" altLang="en-US" b="1" dirty="0">
+              <a:solidFill>
+                <a:srgbClr val="0070C0"/>
+              </a:solidFill>
+            </a:endParaRPr>
+          </a:p>
+        </p:txBody>
+      </p:sp>
+      <p:cxnSp>
+        <p:nvCxnSpPr>
+          <p:cNvPr id="34" name="直接箭头连接符 33"/>
+          <p:cNvCxnSpPr/>
+          <p:nvPr/>
+        </p:nvCxnSpPr>
+        <p:spPr>
+          <a:xfrm flipH="1">
+            <a:off x="5189220" y="4714284"/>
+            <a:ext cx="407667" cy="0"/>
+          </a:xfrm>
+          <a:prstGeom prst="straightConnector1">
+            <a:avLst/>
+          </a:prstGeom>
+          <a:ln w="12700">
+            <a:tailEnd type="arrow"/>
+          </a:ln>
+        </p:spPr>
+        <p:style>
+          <a:lnRef idx="1">
+            <a:schemeClr val="accent1"/>
+          </a:lnRef>
+          <a:fillRef idx="0">
+            <a:schemeClr val="accent1"/>
+          </a:fillRef>
+          <a:effectRef idx="0">
+            <a:schemeClr val="accent1"/>
+          </a:effectRef>
+          <a:fontRef idx="minor">
+            <a:schemeClr val="tx1"/>
+          </a:fontRef>
+        </p:style>
+      </p:cxnSp>
+      <p:sp>
+        <p:nvSpPr>
+          <p:cNvPr id="32" name="矩形 31"/>
+          <p:cNvSpPr/>
+          <p:nvPr/>
+        </p:nvSpPr>
+        <p:spPr>
+          <a:xfrm>
+            <a:off x="666399" y="6121718"/>
+            <a:ext cx="705258" cy="369332"/>
+          </a:xfrm>
+          <a:prstGeom prst="rect">
+            <a:avLst/>
+          </a:prstGeom>
+        </p:spPr>
+        <p:txBody>
+          <a:bodyPr wrap="none">
+            <a:spAutoFit/>
+          </a:bodyPr>
+          <a:lstStyle/>
+          <a:p>
+            <a:r>
+              <a:rPr lang="en-US" altLang="zh-CN" b="1" dirty="0">
+                <a:solidFill>
+                  <a:srgbClr val="FF0000"/>
+                </a:solidFill>
+              </a:rPr>
+              <a:t>index</a:t>
+            </a:r>
+            <a:endParaRPr lang="zh-CN" altLang="en-US" dirty="0"/>
+          </a:p>
+        </p:txBody>
+      </p:sp>
+      <p:cxnSp>
+        <p:nvCxnSpPr>
+          <p:cNvPr id="37" name="直接箭头连接符 36"/>
+          <p:cNvCxnSpPr/>
+          <p:nvPr/>
+        </p:nvCxnSpPr>
+        <p:spPr>
+          <a:xfrm flipV="1">
+            <a:off x="987619" y="6037005"/>
+            <a:ext cx="0" cy="184666"/>
+          </a:xfrm>
+          <a:prstGeom prst="straightConnector1">
+            <a:avLst/>
+          </a:prstGeom>
+          <a:ln w="12700">
+            <a:solidFill>
+              <a:srgbClr val="FF0000"/>
+            </a:solidFill>
+            <a:tailEnd type="arrow"/>
+          </a:ln>
+        </p:spPr>
+        <p:style>
+          <a:lnRef idx="1">
+            <a:schemeClr val="accent1"/>
+          </a:lnRef>
+          <a:fillRef idx="0">
+            <a:schemeClr val="accent1"/>
+          </a:fillRef>
+          <a:effectRef idx="0">
+            <a:schemeClr val="accent1"/>
+          </a:effectRef>
+          <a:fontRef idx="minor">
+            <a:schemeClr val="tx1"/>
+          </a:fontRef>
+        </p:style>
+      </p:cxnSp>
+      <p:sp>
+        <p:nvSpPr>
+          <p:cNvPr id="40" name="TextBox 39"/>
+          <p:cNvSpPr txBox="1"/>
+          <p:nvPr/>
+        </p:nvSpPr>
+        <p:spPr>
+          <a:xfrm>
+            <a:off x="2690118" y="4716249"/>
+            <a:ext cx="611514" cy="369332"/>
+          </a:xfrm>
+          <a:prstGeom prst="rect">
+            <a:avLst/>
+          </a:prstGeom>
+          <a:noFill/>
+        </p:spPr>
+        <p:txBody>
+          <a:bodyPr wrap="none" rtlCol="0">
+            <a:spAutoFit/>
+          </a:bodyPr>
+          <a:lstStyle/>
+          <a:p>
+            <a:r>
+              <a:rPr lang="en-US" altLang="zh-CN" b="1" dirty="0" smtClean="0">
+                <a:solidFill>
+                  <a:srgbClr val="0070C0"/>
+                </a:solidFill>
+              </a:rPr>
+              <a:t>data</a:t>
+            </a:r>
+            <a:endParaRPr lang="zh-CN" altLang="en-US" b="1" dirty="0">
+              <a:solidFill>
+                <a:srgbClr val="0070C0"/>
+              </a:solidFill>
+            </a:endParaRPr>
+          </a:p>
+        </p:txBody>
+      </p:sp>
+      <p:sp>
+        <p:nvSpPr>
+          <p:cNvPr id="43" name="矩形 42"/>
+          <p:cNvSpPr/>
+          <p:nvPr/>
+        </p:nvSpPr>
+        <p:spPr>
+          <a:xfrm>
+            <a:off x="1725612" y="6132960"/>
+            <a:ext cx="5418138" cy="646331"/>
+          </a:xfrm>
+          <a:prstGeom prst="rect">
+            <a:avLst/>
+          </a:prstGeom>
+        </p:spPr>
+        <p:txBody>
+          <a:bodyPr wrap="square">
+            <a:spAutoFit/>
+          </a:bodyPr>
+          <a:lstStyle/>
+          <a:p>
+            <a:r>
+              <a:rPr lang="pt-BR" altLang="zh-CN" b="1" dirty="0"/>
+              <a:t>import pandas as pd</a:t>
+            </a:r>
+          </a:p>
+          <a:p>
+            <a:r>
+              <a:rPr lang="pt-BR" altLang="zh-CN" b="1" dirty="0"/>
+              <a:t>d</a:t>
+            </a:r>
+            <a:r>
+              <a:rPr lang="pt-BR" altLang="zh-CN" b="1" dirty="0" smtClean="0"/>
+              <a:t>f=</a:t>
+            </a:r>
+            <a:r>
+              <a:rPr lang="pt-BR" altLang="zh-CN" b="1" dirty="0" smtClean="0"/>
+              <a:t>pd.DataFrame</a:t>
+            </a:r>
+            <a:r>
+              <a:rPr lang="pt-BR" altLang="zh-CN" b="1" dirty="0"/>
+              <a:t>( </a:t>
+            </a:r>
+            <a:r>
+              <a:rPr lang="pt-BR" altLang="zh-CN" b="1" dirty="0">
+                <a:solidFill>
+                  <a:srgbClr val="0070C0"/>
+                </a:solidFill>
+              </a:rPr>
+              <a:t>data</a:t>
+            </a:r>
+            <a:r>
+              <a:rPr lang="pt-BR" altLang="zh-CN" b="1" dirty="0"/>
+              <a:t>, </a:t>
+            </a:r>
+            <a:r>
+              <a:rPr lang="pt-BR" altLang="zh-CN" b="1" dirty="0">
+                <a:solidFill>
+                  <a:srgbClr val="FF0000"/>
+                </a:solidFill>
+              </a:rPr>
+              <a:t>index</a:t>
+            </a:r>
+            <a:r>
+              <a:rPr lang="pt-BR" altLang="zh-CN" b="1" dirty="0"/>
+              <a:t>, </a:t>
+            </a:r>
+            <a:r>
+              <a:rPr lang="pt-BR" altLang="zh-CN" b="1" dirty="0">
+                <a:solidFill>
+                  <a:schemeClr val="accent4">
+                    <a:lumMod val="75000"/>
+                  </a:schemeClr>
+                </a:solidFill>
+              </a:rPr>
+              <a:t>columns</a:t>
+            </a:r>
+            <a:r>
+              <a:rPr lang="pt-BR" altLang="zh-CN" b="1" dirty="0"/>
+              <a:t>, dtype, copy)</a:t>
+            </a:r>
+          </a:p>
+        </p:txBody>
+      </p:sp>
+      <p:cxnSp>
+        <p:nvCxnSpPr>
+          <p:cNvPr id="47" name="直接连接符 46"/>
+          <p:cNvCxnSpPr/>
+          <p:nvPr/>
+        </p:nvCxnSpPr>
+        <p:spPr>
+          <a:xfrm>
+            <a:off x="960001" y="901601"/>
+            <a:ext cx="211885" cy="0"/>
+          </a:xfrm>
+          <a:prstGeom prst="line">
+            <a:avLst/>
+          </a:prstGeom>
+          <a:ln w="9525">
+            <a:solidFill>
+              <a:schemeClr val="bg1">
+                <a:lumMod val="75000"/>
+              </a:schemeClr>
+            </a:solidFill>
+            <a:prstDash val="dash"/>
+          </a:ln>
+        </p:spPr>
+        <p:style>
+          <a:lnRef idx="1">
+            <a:schemeClr val="accent1"/>
+          </a:lnRef>
+          <a:fillRef idx="0">
+            <a:schemeClr val="accent1"/>
+          </a:fillRef>
+          <a:effectRef idx="0">
+            <a:schemeClr val="accent1"/>
+          </a:effectRef>
+          <a:fontRef idx="minor">
+            <a:schemeClr val="tx1"/>
+          </a:fontRef>
+        </p:style>
+      </p:cxnSp>
+      <p:cxnSp>
+        <p:nvCxnSpPr>
+          <p:cNvPr id="50" name="直接连接符 49"/>
+          <p:cNvCxnSpPr/>
+          <p:nvPr/>
+        </p:nvCxnSpPr>
+        <p:spPr>
+          <a:xfrm>
+            <a:off x="951664" y="1045151"/>
+            <a:ext cx="211885" cy="0"/>
+          </a:xfrm>
+          <a:prstGeom prst="line">
+            <a:avLst/>
+          </a:prstGeom>
+          <a:ln w="9525">
+            <a:solidFill>
+              <a:schemeClr val="bg1">
+                <a:lumMod val="75000"/>
+              </a:schemeClr>
+            </a:solidFill>
+            <a:prstDash val="dash"/>
+          </a:ln>
+        </p:spPr>
+        <p:style>
+          <a:lnRef idx="1">
+            <a:schemeClr val="accent1"/>
+          </a:lnRef>
+          <a:fillRef idx="0">
+            <a:schemeClr val="accent1"/>
+          </a:fillRef>
+          <a:effectRef idx="0">
+            <a:schemeClr val="accent1"/>
+          </a:effectRef>
+          <a:fontRef idx="minor">
+            <a:schemeClr val="tx1"/>
+          </a:fontRef>
+        </p:style>
+      </p:cxnSp>
+      <p:cxnSp>
+        <p:nvCxnSpPr>
+          <p:cNvPr id="51" name="直接连接符 50"/>
+          <p:cNvCxnSpPr/>
+          <p:nvPr/>
+        </p:nvCxnSpPr>
+        <p:spPr>
+          <a:xfrm>
+            <a:off x="951664" y="1191201"/>
+            <a:ext cx="211885" cy="0"/>
+          </a:xfrm>
+          <a:prstGeom prst="line">
+            <a:avLst/>
+          </a:prstGeom>
+          <a:ln w="9525">
+            <a:solidFill>
+              <a:schemeClr val="bg1">
+                <a:lumMod val="75000"/>
+              </a:schemeClr>
+            </a:solidFill>
+            <a:prstDash val="dash"/>
+          </a:ln>
+        </p:spPr>
+        <p:style>
+          <a:lnRef idx="1">
+            <a:schemeClr val="accent1"/>
+          </a:lnRef>
+          <a:fillRef idx="0">
+            <a:schemeClr val="accent1"/>
+          </a:fillRef>
+          <a:effectRef idx="0">
+            <a:schemeClr val="accent1"/>
+          </a:effectRef>
+          <a:fontRef idx="minor">
+            <a:schemeClr val="tx1"/>
+          </a:fontRef>
+        </p:style>
+      </p:cxnSp>
+      <p:cxnSp>
+        <p:nvCxnSpPr>
+          <p:cNvPr id="52" name="直接连接符 51"/>
+          <p:cNvCxnSpPr/>
+          <p:nvPr/>
+        </p:nvCxnSpPr>
+        <p:spPr>
+          <a:xfrm>
+            <a:off x="951664" y="1329532"/>
+            <a:ext cx="211885" cy="0"/>
+          </a:xfrm>
+          <a:prstGeom prst="line">
+            <a:avLst/>
+          </a:prstGeom>
+          <a:ln w="9525">
+            <a:solidFill>
+              <a:schemeClr val="bg1">
+                <a:lumMod val="75000"/>
+              </a:schemeClr>
+            </a:solidFill>
+            <a:prstDash val="dash"/>
+          </a:ln>
+        </p:spPr>
+        <p:style>
+          <a:lnRef idx="1">
+            <a:schemeClr val="accent1"/>
+          </a:lnRef>
+          <a:fillRef idx="0">
+            <a:schemeClr val="accent1"/>
+          </a:fillRef>
+          <a:effectRef idx="0">
+            <a:schemeClr val="accent1"/>
+          </a:effectRef>
+          <a:fontRef idx="minor">
+            <a:schemeClr val="tx1"/>
+          </a:fontRef>
+        </p:style>
+      </p:cxnSp>
+      <p:cxnSp>
+        <p:nvCxnSpPr>
+          <p:cNvPr id="53" name="直接连接符 52"/>
+          <p:cNvCxnSpPr/>
+          <p:nvPr/>
+        </p:nvCxnSpPr>
+        <p:spPr>
+          <a:xfrm>
+            <a:off x="967870" y="1476753"/>
+            <a:ext cx="211885" cy="0"/>
+          </a:xfrm>
+          <a:prstGeom prst="line">
+            <a:avLst/>
+          </a:prstGeom>
+          <a:ln w="9525">
+            <a:solidFill>
+              <a:schemeClr val="bg1">
+                <a:lumMod val="75000"/>
+              </a:schemeClr>
+            </a:solidFill>
+            <a:prstDash val="dash"/>
+          </a:ln>
+        </p:spPr>
+        <p:style>
+          <a:lnRef idx="1">
+            <a:schemeClr val="accent1"/>
+          </a:lnRef>
+          <a:fillRef idx="0">
+            <a:schemeClr val="accent1"/>
+          </a:fillRef>
+          <a:effectRef idx="0">
+            <a:schemeClr val="accent1"/>
+          </a:effectRef>
+          <a:fontRef idx="minor">
+            <a:schemeClr val="tx1"/>
+          </a:fontRef>
+        </p:style>
+      </p:cxnSp>
+      <p:cxnSp>
+        <p:nvCxnSpPr>
+          <p:cNvPr id="54" name="直接连接符 53"/>
+          <p:cNvCxnSpPr/>
+          <p:nvPr/>
+        </p:nvCxnSpPr>
+        <p:spPr>
+          <a:xfrm>
+            <a:off x="967870" y="1635473"/>
+            <a:ext cx="211885" cy="0"/>
+          </a:xfrm>
+          <a:prstGeom prst="line">
+            <a:avLst/>
+          </a:prstGeom>
+          <a:ln w="9525">
+            <a:solidFill>
+              <a:schemeClr val="bg1">
+                <a:lumMod val="75000"/>
+              </a:schemeClr>
+            </a:solidFill>
+            <a:prstDash val="dash"/>
+          </a:ln>
+        </p:spPr>
+        <p:style>
+          <a:lnRef idx="1">
+            <a:schemeClr val="accent1"/>
+          </a:lnRef>
+          <a:fillRef idx="0">
+            <a:schemeClr val="accent1"/>
+          </a:fillRef>
+          <a:effectRef idx="0">
+            <a:schemeClr val="accent1"/>
+          </a:effectRef>
+          <a:fontRef idx="minor">
+            <a:schemeClr val="tx1"/>
+          </a:fontRef>
+        </p:style>
+      </p:cxnSp>
+      <p:cxnSp>
+        <p:nvCxnSpPr>
+          <p:cNvPr id="55" name="直接连接符 54"/>
+          <p:cNvCxnSpPr/>
+          <p:nvPr/>
+        </p:nvCxnSpPr>
+        <p:spPr>
+          <a:xfrm>
+            <a:off x="961273" y="1773943"/>
+            <a:ext cx="211885" cy="0"/>
+          </a:xfrm>
+          <a:prstGeom prst="line">
+            <a:avLst/>
+          </a:prstGeom>
+          <a:ln w="9525">
+            <a:solidFill>
+              <a:schemeClr val="bg1">
+                <a:lumMod val="75000"/>
+              </a:schemeClr>
+            </a:solidFill>
+            <a:prstDash val="dash"/>
+          </a:ln>
+        </p:spPr>
+        <p:style>
+          <a:lnRef idx="1">
+            <a:schemeClr val="accent1"/>
+          </a:lnRef>
+          <a:fillRef idx="0">
+            <a:schemeClr val="accent1"/>
+          </a:fillRef>
+          <a:effectRef idx="0">
+            <a:schemeClr val="accent1"/>
+          </a:effectRef>
+          <a:fontRef idx="minor">
+            <a:schemeClr val="tx1"/>
+          </a:fontRef>
+        </p:style>
+      </p:cxnSp>
+      <p:cxnSp>
+        <p:nvCxnSpPr>
+          <p:cNvPr id="56" name="直接连接符 55"/>
+          <p:cNvCxnSpPr/>
+          <p:nvPr/>
+        </p:nvCxnSpPr>
+        <p:spPr>
+          <a:xfrm>
+            <a:off x="961273" y="1907293"/>
+            <a:ext cx="211885" cy="0"/>
+          </a:xfrm>
+          <a:prstGeom prst="line">
+            <a:avLst/>
+          </a:prstGeom>
+          <a:ln w="9525">
+            <a:solidFill>
+              <a:schemeClr val="bg1">
+                <a:lumMod val="75000"/>
+              </a:schemeClr>
+            </a:solidFill>
+            <a:prstDash val="dash"/>
+          </a:ln>
+        </p:spPr>
+        <p:style>
+          <a:lnRef idx="1">
+            <a:schemeClr val="accent1"/>
+          </a:lnRef>
+          <a:fillRef idx="0">
+            <a:schemeClr val="accent1"/>
+          </a:fillRef>
+          <a:effectRef idx="0">
+            <a:schemeClr val="accent1"/>
+          </a:effectRef>
+          <a:fontRef idx="minor">
+            <a:schemeClr val="tx1"/>
+          </a:fontRef>
+        </p:style>
+      </p:cxnSp>
+      <p:cxnSp>
+        <p:nvCxnSpPr>
+          <p:cNvPr id="57" name="直接连接符 56"/>
+          <p:cNvCxnSpPr/>
+          <p:nvPr/>
+        </p:nvCxnSpPr>
+        <p:spPr>
+          <a:xfrm>
+            <a:off x="967870" y="2066043"/>
+            <a:ext cx="211885" cy="0"/>
+          </a:xfrm>
+          <a:prstGeom prst="line">
+            <a:avLst/>
+          </a:prstGeom>
+          <a:ln w="9525">
+            <a:solidFill>
+              <a:schemeClr val="bg1">
+                <a:lumMod val="75000"/>
+              </a:schemeClr>
+            </a:solidFill>
+            <a:prstDash val="dash"/>
+          </a:ln>
+        </p:spPr>
+        <p:style>
+          <a:lnRef idx="1">
+            <a:schemeClr val="accent1"/>
+          </a:lnRef>
+          <a:fillRef idx="0">
+            <a:schemeClr val="accent1"/>
+          </a:fillRef>
+          <a:effectRef idx="0">
+            <a:schemeClr val="accent1"/>
+          </a:effectRef>
+          <a:fontRef idx="minor">
+            <a:schemeClr val="tx1"/>
+          </a:fontRef>
+        </p:style>
+      </p:cxnSp>
+      <p:cxnSp>
+        <p:nvCxnSpPr>
+          <p:cNvPr id="58" name="直接连接符 57"/>
+          <p:cNvCxnSpPr/>
+          <p:nvPr/>
+        </p:nvCxnSpPr>
+        <p:spPr>
+          <a:xfrm>
+            <a:off x="952326" y="2193043"/>
+            <a:ext cx="211885" cy="0"/>
+          </a:xfrm>
+          <a:prstGeom prst="line">
+            <a:avLst/>
+          </a:prstGeom>
+          <a:ln w="9525">
+            <a:solidFill>
+              <a:schemeClr val="bg1">
+                <a:lumMod val="75000"/>
+              </a:schemeClr>
+            </a:solidFill>
+            <a:prstDash val="dash"/>
+          </a:ln>
+        </p:spPr>
+        <p:style>
+          <a:lnRef idx="1">
+            <a:schemeClr val="accent1"/>
+          </a:lnRef>
+          <a:fillRef idx="0">
+            <a:schemeClr val="accent1"/>
+          </a:fillRef>
+          <a:effectRef idx="0">
+            <a:schemeClr val="accent1"/>
+          </a:effectRef>
+          <a:fontRef idx="minor">
+            <a:schemeClr val="tx1"/>
+          </a:fontRef>
+        </p:style>
+      </p:cxnSp>
+      <p:sp>
+        <p:nvSpPr>
+          <p:cNvPr id="59" name="矩形 58"/>
+          <p:cNvSpPr/>
+          <p:nvPr/>
+        </p:nvSpPr>
+        <p:spPr>
+          <a:xfrm>
+            <a:off x="7359957" y="834133"/>
+            <a:ext cx="4163650" cy="646331"/>
+          </a:xfrm>
+          <a:prstGeom prst="rect">
+            <a:avLst/>
+          </a:prstGeom>
+        </p:spPr>
+        <p:txBody>
+          <a:bodyPr>
+            <a:spAutoFit/>
+          </a:bodyPr>
+          <a:lstStyle/>
+          <a:p>
+            <a:r>
+              <a:rPr lang="en-US" altLang="zh-CN" b="1" dirty="0"/>
+              <a:t>import pandas as pd</a:t>
+            </a:r>
+          </a:p>
+          <a:p>
+            <a:r>
+              <a:rPr lang="en-US" altLang="zh-CN" b="1" dirty="0"/>
+              <a:t>s=pd.Series( </a:t>
+            </a:r>
+            <a:r>
+              <a:rPr lang="en-US" altLang="zh-CN" b="1" dirty="0">
+                <a:solidFill>
+                  <a:srgbClr val="0070C0"/>
+                </a:solidFill>
+              </a:rPr>
+              <a:t>data</a:t>
+            </a:r>
+            <a:r>
+              <a:rPr lang="en-US" altLang="zh-CN" b="1" dirty="0"/>
+              <a:t>, </a:t>
+            </a:r>
+            <a:r>
+              <a:rPr lang="en-US" altLang="zh-CN" b="1" dirty="0">
+                <a:solidFill>
+                  <a:srgbClr val="FF0000"/>
+                </a:solidFill>
+              </a:rPr>
+              <a:t>index</a:t>
+            </a:r>
+            <a:r>
+              <a:rPr lang="en-US" altLang="zh-CN" b="1" dirty="0"/>
+              <a:t>, </a:t>
+            </a:r>
+            <a:r>
+              <a:rPr lang="en-US" altLang="zh-CN" b="1" dirty="0">
+                <a:solidFill>
+                  <a:srgbClr val="00B050"/>
+                </a:solidFill>
+              </a:rPr>
+              <a:t>dtype</a:t>
+            </a:r>
+            <a:r>
+              <a:rPr lang="en-US" altLang="zh-CN" b="1" dirty="0"/>
+              <a:t>, copy)</a:t>
+            </a:r>
+          </a:p>
+        </p:txBody>
+      </p:sp>
+    </p:spTree>
+    <p:extLst>
+      <p:ext uri="{BB962C8B-B14F-4D97-AF65-F5344CB8AC3E}">
+        <p14:creationId xmlns:p14="http://schemas.microsoft.com/office/powerpoint/2010/main" val="4063928789"/>
+      </p:ext>
+    </p:extLst>
+  </p:cSld>
+  <p:clrMapOvr>
+    <a:masterClrMapping/>
+  </p:clrMapOvr>
+  <p:timing>
+    <p:tnLst>
+      <p:par>
+        <p:cTn id="1" dur="indefinite" restart="never" nodeType="tmRoot"/>
+      </p:par>
+    </p:tnLst>
+  </p:timing>
 </p:sld>
 </file>
 

--- a/images/2022/画图.pptx
+++ b/images/2022/画图.pptx
@@ -10,6 +10,7 @@
     <p:sldId id="258" r:id="rId4"/>
     <p:sldId id="259" r:id="rId5"/>
     <p:sldId id="260" r:id="rId6"/>
+    <p:sldId id="261" r:id="rId7"/>
   </p:sldIdLst>
   <p:sldSz cx="12192000" cy="6858000"/>
   <p:notesSz cx="6858000" cy="9144000"/>
@@ -242,7 +243,7 @@
           <a:p>
             <a:fld id="{D997B5FA-0921-464F-AAE1-844C04324D75}" type="datetimeFigureOut">
               <a:rPr lang="zh-CN" altLang="en-US" smtClean="0"/>
-              <a:t>2022/1/23</a:t>
+              <a:t>2022/2/4</a:t>
             </a:fld>
             <a:endParaRPr lang="zh-CN" altLang="en-US"/>
           </a:p>
@@ -412,7 +413,7 @@
           <a:p>
             <a:fld id="{D997B5FA-0921-464F-AAE1-844C04324D75}" type="datetimeFigureOut">
               <a:rPr lang="zh-CN" altLang="en-US" smtClean="0"/>
-              <a:t>2022/1/23</a:t>
+              <a:t>2022/2/4</a:t>
             </a:fld>
             <a:endParaRPr lang="zh-CN" altLang="en-US"/>
           </a:p>
@@ -592,7 +593,7 @@
           <a:p>
             <a:fld id="{D997B5FA-0921-464F-AAE1-844C04324D75}" type="datetimeFigureOut">
               <a:rPr lang="zh-CN" altLang="en-US" smtClean="0"/>
-              <a:t>2022/1/23</a:t>
+              <a:t>2022/2/4</a:t>
             </a:fld>
             <a:endParaRPr lang="zh-CN" altLang="en-US"/>
           </a:p>
@@ -762,7 +763,7 @@
           <a:p>
             <a:fld id="{D997B5FA-0921-464F-AAE1-844C04324D75}" type="datetimeFigureOut">
               <a:rPr lang="zh-CN" altLang="en-US" smtClean="0"/>
-              <a:t>2022/1/23</a:t>
+              <a:t>2022/2/4</a:t>
             </a:fld>
             <a:endParaRPr lang="zh-CN" altLang="en-US"/>
           </a:p>
@@ -1008,7 +1009,7 @@
           <a:p>
             <a:fld id="{D997B5FA-0921-464F-AAE1-844C04324D75}" type="datetimeFigureOut">
               <a:rPr lang="zh-CN" altLang="en-US" smtClean="0"/>
-              <a:t>2022/1/23</a:t>
+              <a:t>2022/2/4</a:t>
             </a:fld>
             <a:endParaRPr lang="zh-CN" altLang="en-US"/>
           </a:p>
@@ -1240,7 +1241,7 @@
           <a:p>
             <a:fld id="{D997B5FA-0921-464F-AAE1-844C04324D75}" type="datetimeFigureOut">
               <a:rPr lang="zh-CN" altLang="en-US" smtClean="0"/>
-              <a:t>2022/1/23</a:t>
+              <a:t>2022/2/4</a:t>
             </a:fld>
             <a:endParaRPr lang="zh-CN" altLang="en-US"/>
           </a:p>
@@ -1607,7 +1608,7 @@
           <a:p>
             <a:fld id="{D997B5FA-0921-464F-AAE1-844C04324D75}" type="datetimeFigureOut">
               <a:rPr lang="zh-CN" altLang="en-US" smtClean="0"/>
-              <a:t>2022/1/23</a:t>
+              <a:t>2022/2/4</a:t>
             </a:fld>
             <a:endParaRPr lang="zh-CN" altLang="en-US"/>
           </a:p>
@@ -1725,7 +1726,7 @@
           <a:p>
             <a:fld id="{D997B5FA-0921-464F-AAE1-844C04324D75}" type="datetimeFigureOut">
               <a:rPr lang="zh-CN" altLang="en-US" smtClean="0"/>
-              <a:t>2022/1/23</a:t>
+              <a:t>2022/2/4</a:t>
             </a:fld>
             <a:endParaRPr lang="zh-CN" altLang="en-US"/>
           </a:p>
@@ -1820,7 +1821,7 @@
           <a:p>
             <a:fld id="{D997B5FA-0921-464F-AAE1-844C04324D75}" type="datetimeFigureOut">
               <a:rPr lang="zh-CN" altLang="en-US" smtClean="0"/>
-              <a:t>2022/1/23</a:t>
+              <a:t>2022/2/4</a:t>
             </a:fld>
             <a:endParaRPr lang="zh-CN" altLang="en-US"/>
           </a:p>
@@ -2097,7 +2098,7 @@
           <a:p>
             <a:fld id="{D997B5FA-0921-464F-AAE1-844C04324D75}" type="datetimeFigureOut">
               <a:rPr lang="zh-CN" altLang="en-US" smtClean="0"/>
-              <a:t>2022/1/23</a:t>
+              <a:t>2022/2/4</a:t>
             </a:fld>
             <a:endParaRPr lang="zh-CN" altLang="en-US"/>
           </a:p>
@@ -2350,7 +2351,7 @@
           <a:p>
             <a:fld id="{D997B5FA-0921-464F-AAE1-844C04324D75}" type="datetimeFigureOut">
               <a:rPr lang="zh-CN" altLang="en-US" smtClean="0"/>
-              <a:t>2022/1/23</a:t>
+              <a:t>2022/2/4</a:t>
             </a:fld>
             <a:endParaRPr lang="zh-CN" altLang="en-US"/>
           </a:p>
@@ -2563,7 +2564,7 @@
           <a:p>
             <a:fld id="{D997B5FA-0921-464F-AAE1-844C04324D75}" type="datetimeFigureOut">
               <a:rPr lang="zh-CN" altLang="en-US" smtClean="0"/>
-              <a:t>2022/1/23</a:t>
+              <a:t>2022/2/4</a:t>
             </a:fld>
             <a:endParaRPr lang="zh-CN" altLang="en-US"/>
           </a:p>
@@ -9829,11 +9830,7 @@
             </a:r>
             <a:r>
               <a:rPr lang="pt-BR" altLang="zh-CN" b="1" dirty="0" smtClean="0"/>
-              <a:t>f=</a:t>
-            </a:r>
-            <a:r>
-              <a:rPr lang="pt-BR" altLang="zh-CN" b="1" dirty="0" smtClean="0"/>
-              <a:t>pd.DataFrame</a:t>
+              <a:t>f=pd.DataFrame</a:t>
             </a:r>
             <a:r>
               <a:rPr lang="pt-BR" altLang="zh-CN" b="1" dirty="0"/>
@@ -10334,6 +10331,1680 @@
     <p:extLst>
       <p:ext uri="{BB962C8B-B14F-4D97-AF65-F5344CB8AC3E}">
         <p14:creationId xmlns:p14="http://schemas.microsoft.com/office/powerpoint/2010/main" val="4063928789"/>
+      </p:ext>
+    </p:extLst>
+  </p:cSld>
+  <p:clrMapOvr>
+    <a:masterClrMapping/>
+  </p:clrMapOvr>
+  <p:timing>
+    <p:tnLst>
+      <p:par>
+        <p:cTn id="1" dur="indefinite" restart="never" nodeType="tmRoot"/>
+      </p:par>
+    </p:tnLst>
+  </p:timing>
+</p:sld>
+</file>
+
+<file path=ppt/slides/slide6.xml><?xml version="1.0" encoding="utf-8"?>
+<p:sld xmlns:a="http://schemas.openxmlformats.org/drawingml/2006/main" xmlns:r="http://schemas.openxmlformats.org/officeDocument/2006/relationships" xmlns:p="http://schemas.openxmlformats.org/presentationml/2006/main">
+  <p:cSld>
+    <p:spTree>
+      <p:nvGrpSpPr>
+        <p:cNvPr id="1" name=""/>
+        <p:cNvGrpSpPr/>
+        <p:nvPr/>
+      </p:nvGrpSpPr>
+      <p:grpSpPr>
+        <a:xfrm>
+          <a:off x="0" y="0"/>
+          <a:ext cx="0" cy="0"/>
+          <a:chOff x="0" y="0"/>
+          <a:chExt cx="0" cy="0"/>
+        </a:xfrm>
+      </p:grpSpPr>
+      <p:pic>
+        <p:nvPicPr>
+          <p:cNvPr id="1032" name="Picture 8"/>
+          <p:cNvPicPr>
+            <a:picLocks noChangeAspect="1" noChangeArrowheads="1"/>
+          </p:cNvPicPr>
+          <p:nvPr/>
+        </p:nvPicPr>
+        <p:blipFill>
+          <a:blip r:embed="rId2">
+            <a:extLst>
+              <a:ext uri="{28A0092B-C50C-407E-A947-70E740481C1C}">
+                <a14:useLocalDpi xmlns:a14="http://schemas.microsoft.com/office/drawing/2010/main" val="0"/>
+              </a:ext>
+            </a:extLst>
+          </a:blip>
+          <a:srcRect/>
+          <a:stretch>
+            <a:fillRect/>
+          </a:stretch>
+        </p:blipFill>
+        <p:spPr bwMode="auto">
+          <a:xfrm>
+            <a:off x="677163" y="984048"/>
+            <a:ext cx="2016768" cy="1620512"/>
+          </a:xfrm>
+          <a:prstGeom prst="rect">
+            <a:avLst/>
+          </a:prstGeom>
+          <a:noFill/>
+          <a:ln>
+            <a:noFill/>
+          </a:ln>
+          <a:extLst>
+            <a:ext uri="{909E8E84-426E-40DD-AFC4-6F175D3DCCD1}">
+              <a14:hiddenFill xmlns:a14="http://schemas.microsoft.com/office/drawing/2010/main">
+                <a:solidFill>
+                  <a:schemeClr val="accent1"/>
+                </a:solidFill>
+              </a14:hiddenFill>
+            </a:ext>
+            <a:ext uri="{91240B29-F687-4F45-9708-019B960494DF}">
+              <a14:hiddenLine xmlns:a14="http://schemas.microsoft.com/office/drawing/2010/main" w="9525">
+                <a:solidFill>
+                  <a:schemeClr val="tx1"/>
+                </a:solidFill>
+                <a:miter lim="800000"/>
+                <a:headEnd/>
+                <a:tailEnd/>
+              </a14:hiddenLine>
+            </a:ext>
+          </a:extLst>
+        </p:spPr>
+      </p:pic>
+      <p:pic>
+        <p:nvPicPr>
+          <p:cNvPr id="1030" name="Picture 6"/>
+          <p:cNvPicPr>
+            <a:picLocks noChangeAspect="1" noChangeArrowheads="1"/>
+          </p:cNvPicPr>
+          <p:nvPr/>
+        </p:nvPicPr>
+        <p:blipFill>
+          <a:blip r:embed="rId3">
+            <a:extLst>
+              <a:ext uri="{28A0092B-C50C-407E-A947-70E740481C1C}">
+                <a14:useLocalDpi xmlns:a14="http://schemas.microsoft.com/office/drawing/2010/main" val="0"/>
+              </a:ext>
+            </a:extLst>
+          </a:blip>
+          <a:srcRect/>
+          <a:stretch>
+            <a:fillRect/>
+          </a:stretch>
+        </p:blipFill>
+        <p:spPr bwMode="auto">
+          <a:xfrm>
+            <a:off x="4364748" y="1077180"/>
+            <a:ext cx="361397" cy="1505421"/>
+          </a:xfrm>
+          <a:prstGeom prst="rect">
+            <a:avLst/>
+          </a:prstGeom>
+          <a:noFill/>
+          <a:ln>
+            <a:noFill/>
+          </a:ln>
+          <a:extLst>
+            <a:ext uri="{909E8E84-426E-40DD-AFC4-6F175D3DCCD1}">
+              <a14:hiddenFill xmlns:a14="http://schemas.microsoft.com/office/drawing/2010/main">
+                <a:solidFill>
+                  <a:schemeClr val="accent1"/>
+                </a:solidFill>
+              </a14:hiddenFill>
+            </a:ext>
+            <a:ext uri="{91240B29-F687-4F45-9708-019B960494DF}">
+              <a14:hiddenLine xmlns:a14="http://schemas.microsoft.com/office/drawing/2010/main" w="9525">
+                <a:solidFill>
+                  <a:schemeClr val="tx1"/>
+                </a:solidFill>
+                <a:miter lim="800000"/>
+                <a:headEnd/>
+                <a:tailEnd/>
+              </a14:hiddenLine>
+            </a:ext>
+          </a:extLst>
+        </p:spPr>
+      </p:pic>
+      <p:sp>
+        <p:nvSpPr>
+          <p:cNvPr id="4" name="下箭头 3"/>
+          <p:cNvSpPr/>
+          <p:nvPr/>
+        </p:nvSpPr>
+        <p:spPr>
+          <a:xfrm>
+            <a:off x="2693931" y="1157634"/>
+            <a:ext cx="222738" cy="1411541"/>
+          </a:xfrm>
+          <a:prstGeom prst="downArrow">
+            <a:avLst/>
+          </a:prstGeom>
+        </p:spPr>
+        <p:style>
+          <a:lnRef idx="2">
+            <a:schemeClr val="accent2">
+              <a:shade val="50000"/>
+            </a:schemeClr>
+          </a:lnRef>
+          <a:fillRef idx="1">
+            <a:schemeClr val="accent2"/>
+          </a:fillRef>
+          <a:effectRef idx="0">
+            <a:schemeClr val="accent2"/>
+          </a:effectRef>
+          <a:fontRef idx="minor">
+            <a:schemeClr val="lt1"/>
+          </a:fontRef>
+        </p:style>
+        <p:txBody>
+          <a:bodyPr rtlCol="0" anchor="ctr"/>
+          <a:lstStyle/>
+          <a:p>
+            <a:pPr algn="ctr"/>
+            <a:r>
+              <a:rPr lang="zh-CN" altLang="en-US" sz="1000" dirty="0" smtClean="0"/>
+              <a:t>逐元素</a:t>
+            </a:r>
+            <a:r>
+              <a:rPr lang="zh-CN" altLang="en-US" sz="1000" dirty="0"/>
+              <a:t>映射</a:t>
+            </a:r>
+          </a:p>
+        </p:txBody>
+      </p:sp>
+      <p:sp>
+        <p:nvSpPr>
+          <p:cNvPr id="12" name="右箭头 11"/>
+          <p:cNvSpPr/>
+          <p:nvPr/>
+        </p:nvSpPr>
+        <p:spPr>
+          <a:xfrm>
+            <a:off x="3508084" y="2632650"/>
+            <a:ext cx="189740" cy="215442"/>
+          </a:xfrm>
+          <a:prstGeom prst="rightArrow">
+            <a:avLst/>
+          </a:prstGeom>
+        </p:spPr>
+        <p:style>
+          <a:lnRef idx="2">
+            <a:schemeClr val="accent1">
+              <a:shade val="50000"/>
+            </a:schemeClr>
+          </a:lnRef>
+          <a:fillRef idx="1">
+            <a:schemeClr val="accent1"/>
+          </a:fillRef>
+          <a:effectRef idx="0">
+            <a:schemeClr val="accent1"/>
+          </a:effectRef>
+          <a:fontRef idx="minor">
+            <a:schemeClr val="lt1"/>
+          </a:fontRef>
+        </p:style>
+        <p:txBody>
+          <a:bodyPr rtlCol="0" anchor="ctr"/>
+          <a:lstStyle/>
+          <a:p>
+            <a:pPr algn="ctr"/>
+            <a:endParaRPr lang="zh-CN" altLang="en-US"/>
+          </a:p>
+        </p:txBody>
+      </p:sp>
+      <p:sp>
+        <p:nvSpPr>
+          <p:cNvPr id="6" name="TextBox 5"/>
+          <p:cNvSpPr txBox="1"/>
+          <p:nvPr/>
+        </p:nvSpPr>
+        <p:spPr>
+          <a:xfrm>
+            <a:off x="1141600" y="2632650"/>
+            <a:ext cx="301686" cy="261610"/>
+          </a:xfrm>
+          <a:prstGeom prst="rect">
+            <a:avLst/>
+          </a:prstGeom>
+          <a:noFill/>
+        </p:spPr>
+        <p:txBody>
+          <a:bodyPr wrap="none" rtlCol="0">
+            <a:spAutoFit/>
+          </a:bodyPr>
+          <a:lstStyle/>
+          <a:p>
+            <a:r>
+              <a:rPr lang="en-US" altLang="zh-CN" sz="1050" dirty="0" err="1" smtClean="0"/>
+              <a:t>df</a:t>
+            </a:r>
+            <a:endParaRPr lang="zh-CN" altLang="en-US" sz="1050" dirty="0"/>
+          </a:p>
+        </p:txBody>
+      </p:sp>
+      <p:sp>
+        <p:nvSpPr>
+          <p:cNvPr id="16" name="矩形 15"/>
+          <p:cNvSpPr/>
+          <p:nvPr/>
+        </p:nvSpPr>
+        <p:spPr>
+          <a:xfrm>
+            <a:off x="4181294" y="2637146"/>
+            <a:ext cx="684803" cy="246221"/>
+          </a:xfrm>
+          <a:prstGeom prst="rect">
+            <a:avLst/>
+          </a:prstGeom>
+        </p:spPr>
+        <p:txBody>
+          <a:bodyPr wrap="none">
+            <a:spAutoFit/>
+          </a:bodyPr>
+          <a:lstStyle/>
+          <a:p>
+            <a:r>
+              <a:rPr lang="en-US" altLang="zh-CN" sz="1000" dirty="0" err="1"/>
+              <a:t>df</a:t>
+            </a:r>
+            <a:r>
+              <a:rPr lang="en-US" altLang="zh-CN" sz="1000" dirty="0"/>
+              <a:t>['</a:t>
+            </a:r>
+            <a:r>
+              <a:rPr lang="zh-CN" altLang="en-US" sz="1000" dirty="0"/>
+              <a:t>性别</a:t>
+            </a:r>
+            <a:r>
+              <a:rPr lang="en-US" altLang="zh-CN" sz="1000" dirty="0"/>
+              <a:t>']</a:t>
+            </a:r>
+            <a:endParaRPr lang="zh-CN" altLang="en-US" sz="1000" dirty="0"/>
+          </a:p>
+        </p:txBody>
+      </p:sp>
+      <p:sp>
+        <p:nvSpPr>
+          <p:cNvPr id="8" name="矩形 7"/>
+          <p:cNvSpPr/>
+          <p:nvPr/>
+        </p:nvSpPr>
+        <p:spPr>
+          <a:xfrm>
+            <a:off x="2805300" y="830959"/>
+            <a:ext cx="1595309" cy="246221"/>
+          </a:xfrm>
+          <a:prstGeom prst="rect">
+            <a:avLst/>
+          </a:prstGeom>
+        </p:spPr>
+        <p:txBody>
+          <a:bodyPr wrap="none">
+            <a:spAutoFit/>
+          </a:bodyPr>
+          <a:lstStyle/>
+          <a:p>
+            <a:r>
+              <a:rPr lang="da-DK" altLang="zh-CN" sz="1000" dirty="0"/>
+              <a:t>gender_map={1:'</a:t>
+            </a:r>
+            <a:r>
+              <a:rPr lang="zh-CN" altLang="da-DK" sz="1000" dirty="0"/>
+              <a:t>男</a:t>
+            </a:r>
+            <a:r>
+              <a:rPr lang="da-DK" altLang="zh-CN" sz="1000" dirty="0"/>
+              <a:t>',2:'</a:t>
+            </a:r>
+            <a:r>
+              <a:rPr lang="zh-CN" altLang="da-DK" sz="1000" dirty="0"/>
+              <a:t>女</a:t>
+            </a:r>
+            <a:r>
+              <a:rPr lang="da-DK" altLang="zh-CN" sz="1000" dirty="0"/>
+              <a:t>'}</a:t>
+            </a:r>
+            <a:endParaRPr lang="zh-CN" altLang="en-US" sz="1000" dirty="0"/>
+          </a:p>
+        </p:txBody>
+      </p:sp>
+      <p:sp>
+        <p:nvSpPr>
+          <p:cNvPr id="18" name="矩形 17"/>
+          <p:cNvSpPr/>
+          <p:nvPr/>
+        </p:nvSpPr>
+        <p:spPr>
+          <a:xfrm>
+            <a:off x="2231865" y="2632650"/>
+            <a:ext cx="684803" cy="246221"/>
+          </a:xfrm>
+          <a:prstGeom prst="rect">
+            <a:avLst/>
+          </a:prstGeom>
+        </p:spPr>
+        <p:txBody>
+          <a:bodyPr wrap="none">
+            <a:spAutoFit/>
+          </a:bodyPr>
+          <a:lstStyle/>
+          <a:p>
+            <a:r>
+              <a:rPr lang="en-US" altLang="zh-CN" sz="1000" dirty="0" err="1"/>
+              <a:t>df</a:t>
+            </a:r>
+            <a:r>
+              <a:rPr lang="en-US" altLang="zh-CN" sz="1000" dirty="0"/>
+              <a:t>['</a:t>
+            </a:r>
+            <a:r>
+              <a:rPr lang="zh-CN" altLang="en-US" sz="1000" dirty="0"/>
+              <a:t>性别</a:t>
+            </a:r>
+            <a:r>
+              <a:rPr lang="en-US" altLang="zh-CN" sz="1000" dirty="0"/>
+              <a:t>']</a:t>
+            </a:r>
+            <a:endParaRPr lang="zh-CN" altLang="en-US" sz="1000" dirty="0"/>
+          </a:p>
+        </p:txBody>
+      </p:sp>
+      <p:cxnSp>
+        <p:nvCxnSpPr>
+          <p:cNvPr id="10" name="直接箭头连接符 9"/>
+          <p:cNvCxnSpPr/>
+          <p:nvPr/>
+        </p:nvCxnSpPr>
+        <p:spPr>
+          <a:xfrm>
+            <a:off x="3009051" y="1186482"/>
+            <a:ext cx="1507862" cy="0"/>
+          </a:xfrm>
+          <a:prstGeom prst="straightConnector1">
+            <a:avLst/>
+          </a:prstGeom>
+          <a:ln>
+            <a:prstDash val="dash"/>
+            <a:tailEnd type="arrow"/>
+          </a:ln>
+        </p:spPr>
+        <p:style>
+          <a:lnRef idx="1">
+            <a:schemeClr val="accent1"/>
+          </a:lnRef>
+          <a:fillRef idx="0">
+            <a:schemeClr val="accent1"/>
+          </a:fillRef>
+          <a:effectRef idx="0">
+            <a:schemeClr val="accent1"/>
+          </a:effectRef>
+          <a:fontRef idx="minor">
+            <a:schemeClr val="tx1"/>
+          </a:fontRef>
+        </p:style>
+      </p:cxnSp>
+      <p:cxnSp>
+        <p:nvCxnSpPr>
+          <p:cNvPr id="22" name="直接箭头连接符 21"/>
+          <p:cNvCxnSpPr/>
+          <p:nvPr/>
+        </p:nvCxnSpPr>
+        <p:spPr>
+          <a:xfrm>
+            <a:off x="3009051" y="1351582"/>
+            <a:ext cx="1507862" cy="0"/>
+          </a:xfrm>
+          <a:prstGeom prst="straightConnector1">
+            <a:avLst/>
+          </a:prstGeom>
+          <a:ln>
+            <a:prstDash val="dash"/>
+            <a:tailEnd type="arrow"/>
+          </a:ln>
+        </p:spPr>
+        <p:style>
+          <a:lnRef idx="1">
+            <a:schemeClr val="accent1"/>
+          </a:lnRef>
+          <a:fillRef idx="0">
+            <a:schemeClr val="accent1"/>
+          </a:fillRef>
+          <a:effectRef idx="0">
+            <a:schemeClr val="accent1"/>
+          </a:effectRef>
+          <a:fontRef idx="minor">
+            <a:schemeClr val="tx1"/>
+          </a:fontRef>
+        </p:style>
+      </p:cxnSp>
+      <p:cxnSp>
+        <p:nvCxnSpPr>
+          <p:cNvPr id="23" name="直接箭头连接符 22"/>
+          <p:cNvCxnSpPr/>
+          <p:nvPr/>
+        </p:nvCxnSpPr>
+        <p:spPr>
+          <a:xfrm>
+            <a:off x="3009051" y="1478582"/>
+            <a:ext cx="1507862" cy="0"/>
+          </a:xfrm>
+          <a:prstGeom prst="straightConnector1">
+            <a:avLst/>
+          </a:prstGeom>
+          <a:ln>
+            <a:prstDash val="dash"/>
+            <a:tailEnd type="arrow"/>
+          </a:ln>
+        </p:spPr>
+        <p:style>
+          <a:lnRef idx="1">
+            <a:schemeClr val="accent1"/>
+          </a:lnRef>
+          <a:fillRef idx="0">
+            <a:schemeClr val="accent1"/>
+          </a:fillRef>
+          <a:effectRef idx="0">
+            <a:schemeClr val="accent1"/>
+          </a:effectRef>
+          <a:fontRef idx="minor">
+            <a:schemeClr val="tx1"/>
+          </a:fontRef>
+        </p:style>
+      </p:cxnSp>
+      <p:cxnSp>
+        <p:nvCxnSpPr>
+          <p:cNvPr id="24" name="直接箭头连接符 23"/>
+          <p:cNvCxnSpPr/>
+          <p:nvPr/>
+        </p:nvCxnSpPr>
+        <p:spPr>
+          <a:xfrm>
+            <a:off x="3009051" y="1630982"/>
+            <a:ext cx="1507862" cy="0"/>
+          </a:xfrm>
+          <a:prstGeom prst="straightConnector1">
+            <a:avLst/>
+          </a:prstGeom>
+          <a:ln>
+            <a:prstDash val="dash"/>
+            <a:tailEnd type="arrow"/>
+          </a:ln>
+        </p:spPr>
+        <p:style>
+          <a:lnRef idx="1">
+            <a:schemeClr val="accent1"/>
+          </a:lnRef>
+          <a:fillRef idx="0">
+            <a:schemeClr val="accent1"/>
+          </a:fillRef>
+          <a:effectRef idx="0">
+            <a:schemeClr val="accent1"/>
+          </a:effectRef>
+          <a:fontRef idx="minor">
+            <a:schemeClr val="tx1"/>
+          </a:fontRef>
+        </p:style>
+      </p:cxnSp>
+      <p:cxnSp>
+        <p:nvCxnSpPr>
+          <p:cNvPr id="25" name="直接箭头连接符 24"/>
+          <p:cNvCxnSpPr/>
+          <p:nvPr/>
+        </p:nvCxnSpPr>
+        <p:spPr>
+          <a:xfrm>
+            <a:off x="3009051" y="1775177"/>
+            <a:ext cx="1507862" cy="0"/>
+          </a:xfrm>
+          <a:prstGeom prst="straightConnector1">
+            <a:avLst/>
+          </a:prstGeom>
+          <a:ln>
+            <a:prstDash val="dash"/>
+            <a:tailEnd type="arrow"/>
+          </a:ln>
+        </p:spPr>
+        <p:style>
+          <a:lnRef idx="1">
+            <a:schemeClr val="accent1"/>
+          </a:lnRef>
+          <a:fillRef idx="0">
+            <a:schemeClr val="accent1"/>
+          </a:fillRef>
+          <a:effectRef idx="0">
+            <a:schemeClr val="accent1"/>
+          </a:effectRef>
+          <a:fontRef idx="minor">
+            <a:schemeClr val="tx1"/>
+          </a:fontRef>
+        </p:style>
+      </p:cxnSp>
+      <p:cxnSp>
+        <p:nvCxnSpPr>
+          <p:cNvPr id="26" name="直接箭头连接符 25"/>
+          <p:cNvCxnSpPr/>
+          <p:nvPr/>
+        </p:nvCxnSpPr>
+        <p:spPr>
+          <a:xfrm>
+            <a:off x="3009051" y="1927577"/>
+            <a:ext cx="1507862" cy="0"/>
+          </a:xfrm>
+          <a:prstGeom prst="straightConnector1">
+            <a:avLst/>
+          </a:prstGeom>
+          <a:ln>
+            <a:prstDash val="dash"/>
+            <a:tailEnd type="arrow"/>
+          </a:ln>
+        </p:spPr>
+        <p:style>
+          <a:lnRef idx="1">
+            <a:schemeClr val="accent1"/>
+          </a:lnRef>
+          <a:fillRef idx="0">
+            <a:schemeClr val="accent1"/>
+          </a:fillRef>
+          <a:effectRef idx="0">
+            <a:schemeClr val="accent1"/>
+          </a:effectRef>
+          <a:fontRef idx="minor">
+            <a:schemeClr val="tx1"/>
+          </a:fontRef>
+        </p:style>
+      </p:cxnSp>
+      <p:cxnSp>
+        <p:nvCxnSpPr>
+          <p:cNvPr id="27" name="直接箭头连接符 26"/>
+          <p:cNvCxnSpPr/>
+          <p:nvPr/>
+        </p:nvCxnSpPr>
+        <p:spPr>
+          <a:xfrm>
+            <a:off x="3009051" y="2067277"/>
+            <a:ext cx="1507862" cy="0"/>
+          </a:xfrm>
+          <a:prstGeom prst="straightConnector1">
+            <a:avLst/>
+          </a:prstGeom>
+          <a:ln>
+            <a:prstDash val="dash"/>
+            <a:tailEnd type="arrow"/>
+          </a:ln>
+        </p:spPr>
+        <p:style>
+          <a:lnRef idx="1">
+            <a:schemeClr val="accent1"/>
+          </a:lnRef>
+          <a:fillRef idx="0">
+            <a:schemeClr val="accent1"/>
+          </a:fillRef>
+          <a:effectRef idx="0">
+            <a:schemeClr val="accent1"/>
+          </a:effectRef>
+          <a:fontRef idx="minor">
+            <a:schemeClr val="tx1"/>
+          </a:fontRef>
+        </p:style>
+      </p:cxnSp>
+      <p:cxnSp>
+        <p:nvCxnSpPr>
+          <p:cNvPr id="28" name="直接箭头连接符 27"/>
+          <p:cNvCxnSpPr/>
+          <p:nvPr/>
+        </p:nvCxnSpPr>
+        <p:spPr>
+          <a:xfrm>
+            <a:off x="3009051" y="2226027"/>
+            <a:ext cx="1507862" cy="0"/>
+          </a:xfrm>
+          <a:prstGeom prst="straightConnector1">
+            <a:avLst/>
+          </a:prstGeom>
+          <a:ln>
+            <a:prstDash val="dash"/>
+            <a:tailEnd type="arrow"/>
+          </a:ln>
+        </p:spPr>
+        <p:style>
+          <a:lnRef idx="1">
+            <a:schemeClr val="accent1"/>
+          </a:lnRef>
+          <a:fillRef idx="0">
+            <a:schemeClr val="accent1"/>
+          </a:fillRef>
+          <a:effectRef idx="0">
+            <a:schemeClr val="accent1"/>
+          </a:effectRef>
+          <a:fontRef idx="minor">
+            <a:schemeClr val="tx1"/>
+          </a:fontRef>
+        </p:style>
+      </p:cxnSp>
+      <p:cxnSp>
+        <p:nvCxnSpPr>
+          <p:cNvPr id="29" name="直接箭头连接符 28"/>
+          <p:cNvCxnSpPr/>
+          <p:nvPr/>
+        </p:nvCxnSpPr>
+        <p:spPr>
+          <a:xfrm>
+            <a:off x="3009051" y="2353027"/>
+            <a:ext cx="1507862" cy="0"/>
+          </a:xfrm>
+          <a:prstGeom prst="straightConnector1">
+            <a:avLst/>
+          </a:prstGeom>
+          <a:ln>
+            <a:prstDash val="dash"/>
+            <a:tailEnd type="arrow"/>
+          </a:ln>
+        </p:spPr>
+        <p:style>
+          <a:lnRef idx="1">
+            <a:schemeClr val="accent1"/>
+          </a:lnRef>
+          <a:fillRef idx="0">
+            <a:schemeClr val="accent1"/>
+          </a:fillRef>
+          <a:effectRef idx="0">
+            <a:schemeClr val="accent1"/>
+          </a:effectRef>
+          <a:fontRef idx="minor">
+            <a:schemeClr val="tx1"/>
+          </a:fontRef>
+        </p:style>
+      </p:cxnSp>
+      <p:cxnSp>
+        <p:nvCxnSpPr>
+          <p:cNvPr id="30" name="直接箭头连接符 29"/>
+          <p:cNvCxnSpPr/>
+          <p:nvPr/>
+        </p:nvCxnSpPr>
+        <p:spPr>
+          <a:xfrm>
+            <a:off x="3009051" y="2492727"/>
+            <a:ext cx="1507862" cy="0"/>
+          </a:xfrm>
+          <a:prstGeom prst="straightConnector1">
+            <a:avLst/>
+          </a:prstGeom>
+          <a:ln>
+            <a:prstDash val="dash"/>
+            <a:tailEnd type="arrow"/>
+          </a:ln>
+        </p:spPr>
+        <p:style>
+          <a:lnRef idx="1">
+            <a:schemeClr val="accent1"/>
+          </a:lnRef>
+          <a:fillRef idx="0">
+            <a:schemeClr val="accent1"/>
+          </a:fillRef>
+          <a:effectRef idx="0">
+            <a:schemeClr val="accent1"/>
+          </a:effectRef>
+          <a:fontRef idx="minor">
+            <a:schemeClr val="tx1"/>
+          </a:fontRef>
+        </p:style>
+      </p:cxnSp>
+      <p:sp>
+        <p:nvSpPr>
+          <p:cNvPr id="13" name="矩形 12"/>
+          <p:cNvSpPr/>
+          <p:nvPr/>
+        </p:nvSpPr>
+        <p:spPr>
+          <a:xfrm>
+            <a:off x="2561566" y="1157634"/>
+            <a:ext cx="119665" cy="1411541"/>
+          </a:xfrm>
+          <a:prstGeom prst="rect">
+            <a:avLst/>
+          </a:prstGeom>
+          <a:noFill/>
+          <a:ln>
+            <a:solidFill>
+              <a:srgbClr val="FF0000"/>
+            </a:solidFill>
+          </a:ln>
+        </p:spPr>
+        <p:style>
+          <a:lnRef idx="2">
+            <a:schemeClr val="accent1">
+              <a:shade val="50000"/>
+            </a:schemeClr>
+          </a:lnRef>
+          <a:fillRef idx="1">
+            <a:schemeClr val="accent1"/>
+          </a:fillRef>
+          <a:effectRef idx="0">
+            <a:schemeClr val="accent1"/>
+          </a:effectRef>
+          <a:fontRef idx="minor">
+            <a:schemeClr val="lt1"/>
+          </a:fontRef>
+        </p:style>
+        <p:txBody>
+          <a:bodyPr rtlCol="0" anchor="ctr"/>
+          <a:lstStyle/>
+          <a:p>
+            <a:pPr algn="ctr"/>
+            <a:endParaRPr lang="zh-CN" altLang="en-US"/>
+          </a:p>
+        </p:txBody>
+      </p:sp>
+      <p:sp>
+        <p:nvSpPr>
+          <p:cNvPr id="33" name="矩形 32"/>
+          <p:cNvSpPr/>
+          <p:nvPr/>
+        </p:nvSpPr>
+        <p:spPr>
+          <a:xfrm>
+            <a:off x="4573975" y="1077180"/>
+            <a:ext cx="159275" cy="1491995"/>
+          </a:xfrm>
+          <a:prstGeom prst="rect">
+            <a:avLst/>
+          </a:prstGeom>
+          <a:noFill/>
+          <a:ln>
+            <a:solidFill>
+              <a:srgbClr val="FF0000"/>
+            </a:solidFill>
+          </a:ln>
+        </p:spPr>
+        <p:style>
+          <a:lnRef idx="2">
+            <a:schemeClr val="accent1">
+              <a:shade val="50000"/>
+            </a:schemeClr>
+          </a:lnRef>
+          <a:fillRef idx="1">
+            <a:schemeClr val="accent1"/>
+          </a:fillRef>
+          <a:effectRef idx="0">
+            <a:schemeClr val="accent1"/>
+          </a:effectRef>
+          <a:fontRef idx="minor">
+            <a:schemeClr val="lt1"/>
+          </a:fontRef>
+        </p:style>
+        <p:txBody>
+          <a:bodyPr rtlCol="0" anchor="ctr"/>
+          <a:lstStyle/>
+          <a:p>
+            <a:pPr algn="ctr"/>
+            <a:endParaRPr lang="zh-CN" altLang="en-US"/>
+          </a:p>
+        </p:txBody>
+      </p:sp>
+      <p:sp>
+        <p:nvSpPr>
+          <p:cNvPr id="15" name="矩形 14"/>
+          <p:cNvSpPr/>
+          <p:nvPr/>
+        </p:nvSpPr>
+        <p:spPr>
+          <a:xfrm>
+            <a:off x="2776446" y="2894260"/>
+            <a:ext cx="1624163" cy="200055"/>
+          </a:xfrm>
+          <a:prstGeom prst="rect">
+            <a:avLst/>
+          </a:prstGeom>
+        </p:spPr>
+        <p:txBody>
+          <a:bodyPr wrap="none">
+            <a:spAutoFit/>
+          </a:bodyPr>
+          <a:lstStyle/>
+          <a:p>
+            <a:r>
+              <a:rPr lang="en-US" altLang="zh-CN" sz="700" dirty="0" err="1"/>
+              <a:t>df</a:t>
+            </a:r>
+            <a:r>
+              <a:rPr lang="en-US" altLang="zh-CN" sz="700" dirty="0"/>
+              <a:t>['</a:t>
+            </a:r>
+            <a:r>
+              <a:rPr lang="zh-CN" altLang="en-US" sz="700" dirty="0"/>
+              <a:t>性别</a:t>
+            </a:r>
+            <a:r>
+              <a:rPr lang="en-US" altLang="zh-CN" sz="700" dirty="0"/>
+              <a:t>']=</a:t>
+            </a:r>
+            <a:r>
+              <a:rPr lang="en-US" altLang="zh-CN" sz="700" dirty="0" err="1"/>
+              <a:t>df</a:t>
+            </a:r>
+            <a:r>
+              <a:rPr lang="en-US" altLang="zh-CN" sz="700" dirty="0"/>
+              <a:t>['</a:t>
+            </a:r>
+            <a:r>
+              <a:rPr lang="zh-CN" altLang="en-US" sz="700" dirty="0"/>
+              <a:t>性别</a:t>
+            </a:r>
+            <a:r>
+              <a:rPr lang="en-US" altLang="zh-CN" sz="700" dirty="0"/>
+              <a:t>'].map(</a:t>
+            </a:r>
+            <a:r>
+              <a:rPr lang="en-US" altLang="zh-CN" sz="700" dirty="0" err="1"/>
+              <a:t>gender_map</a:t>
+            </a:r>
+            <a:r>
+              <a:rPr lang="en-US" altLang="zh-CN" sz="700" dirty="0"/>
+              <a:t>)</a:t>
+            </a:r>
+            <a:endParaRPr lang="zh-CN" altLang="en-US" sz="700" dirty="0"/>
+          </a:p>
+        </p:txBody>
+      </p:sp>
+      <p:pic>
+        <p:nvPicPr>
+          <p:cNvPr id="1033" name="Picture 9"/>
+          <p:cNvPicPr>
+            <a:picLocks noChangeAspect="1" noChangeArrowheads="1"/>
+          </p:cNvPicPr>
+          <p:nvPr/>
+        </p:nvPicPr>
+        <p:blipFill>
+          <a:blip r:embed="rId4">
+            <a:extLst>
+              <a:ext uri="{28A0092B-C50C-407E-A947-70E740481C1C}">
+                <a14:useLocalDpi xmlns:a14="http://schemas.microsoft.com/office/drawing/2010/main" val="0"/>
+              </a:ext>
+            </a:extLst>
+          </a:blip>
+          <a:srcRect/>
+          <a:stretch>
+            <a:fillRect/>
+          </a:stretch>
+        </p:blipFill>
+        <p:spPr bwMode="auto">
+          <a:xfrm>
+            <a:off x="223879" y="3803039"/>
+            <a:ext cx="3539103" cy="1841114"/>
+          </a:xfrm>
+          <a:prstGeom prst="rect">
+            <a:avLst/>
+          </a:prstGeom>
+          <a:noFill/>
+          <a:ln>
+            <a:noFill/>
+          </a:ln>
+          <a:extLst>
+            <a:ext uri="{909E8E84-426E-40DD-AFC4-6F175D3DCCD1}">
+              <a14:hiddenFill xmlns:a14="http://schemas.microsoft.com/office/drawing/2010/main">
+                <a:solidFill>
+                  <a:schemeClr val="accent1"/>
+                </a:solidFill>
+              </a14:hiddenFill>
+            </a:ext>
+            <a:ext uri="{91240B29-F687-4F45-9708-019B960494DF}">
+              <a14:hiddenLine xmlns:a14="http://schemas.microsoft.com/office/drawing/2010/main" w="9525">
+                <a:solidFill>
+                  <a:schemeClr val="tx1"/>
+                </a:solidFill>
+                <a:miter lim="800000"/>
+                <a:headEnd/>
+                <a:tailEnd/>
+              </a14:hiddenLine>
+            </a:ext>
+          </a:extLst>
+        </p:spPr>
+      </p:pic>
+      <p:pic>
+        <p:nvPicPr>
+          <p:cNvPr id="1034" name="Picture 10"/>
+          <p:cNvPicPr>
+            <a:picLocks noChangeAspect="1" noChangeArrowheads="1"/>
+          </p:cNvPicPr>
+          <p:nvPr/>
+        </p:nvPicPr>
+        <p:blipFill>
+          <a:blip r:embed="rId5">
+            <a:extLst>
+              <a:ext uri="{28A0092B-C50C-407E-A947-70E740481C1C}">
+                <a14:useLocalDpi xmlns:a14="http://schemas.microsoft.com/office/drawing/2010/main" val="0"/>
+              </a:ext>
+            </a:extLst>
+          </a:blip>
+          <a:srcRect/>
+          <a:stretch>
+            <a:fillRect/>
+          </a:stretch>
+        </p:blipFill>
+        <p:spPr bwMode="auto">
+          <a:xfrm>
+            <a:off x="4261836" y="3829778"/>
+            <a:ext cx="945968" cy="1861851"/>
+          </a:xfrm>
+          <a:prstGeom prst="rect">
+            <a:avLst/>
+          </a:prstGeom>
+          <a:noFill/>
+          <a:ln>
+            <a:noFill/>
+          </a:ln>
+          <a:extLst>
+            <a:ext uri="{909E8E84-426E-40DD-AFC4-6F175D3DCCD1}">
+              <a14:hiddenFill xmlns:a14="http://schemas.microsoft.com/office/drawing/2010/main">
+                <a:solidFill>
+                  <a:schemeClr val="accent1"/>
+                </a:solidFill>
+              </a14:hiddenFill>
+            </a:ext>
+            <a:ext uri="{91240B29-F687-4F45-9708-019B960494DF}">
+              <a14:hiddenLine xmlns:a14="http://schemas.microsoft.com/office/drawing/2010/main" w="9525">
+                <a:solidFill>
+                  <a:schemeClr val="tx1"/>
+                </a:solidFill>
+                <a:miter lim="800000"/>
+                <a:headEnd/>
+                <a:tailEnd/>
+              </a14:hiddenLine>
+            </a:ext>
+          </a:extLst>
+        </p:spPr>
+      </p:pic>
+      <p:sp>
+        <p:nvSpPr>
+          <p:cNvPr id="37" name="右箭头 36"/>
+          <p:cNvSpPr/>
+          <p:nvPr/>
+        </p:nvSpPr>
+        <p:spPr>
+          <a:xfrm>
+            <a:off x="3905158" y="4252097"/>
+            <a:ext cx="189740" cy="1197842"/>
+          </a:xfrm>
+          <a:prstGeom prst="rightArrow">
+            <a:avLst/>
+          </a:prstGeom>
+        </p:spPr>
+        <p:style>
+          <a:lnRef idx="2">
+            <a:schemeClr val="accent1">
+              <a:shade val="50000"/>
+            </a:schemeClr>
+          </a:lnRef>
+          <a:fillRef idx="1">
+            <a:schemeClr val="accent1"/>
+          </a:fillRef>
+          <a:effectRef idx="0">
+            <a:schemeClr val="accent1"/>
+          </a:effectRef>
+          <a:fontRef idx="minor">
+            <a:schemeClr val="lt1"/>
+          </a:fontRef>
+        </p:style>
+        <p:txBody>
+          <a:bodyPr rtlCol="0" anchor="ctr"/>
+          <a:lstStyle/>
+          <a:p>
+            <a:pPr algn="ctr"/>
+            <a:endParaRPr lang="zh-CN" altLang="en-US"/>
+          </a:p>
+        </p:txBody>
+      </p:sp>
+      <p:sp>
+        <p:nvSpPr>
+          <p:cNvPr id="17" name="矩形 16"/>
+          <p:cNvSpPr/>
+          <p:nvPr/>
+        </p:nvSpPr>
+        <p:spPr>
+          <a:xfrm>
+            <a:off x="2896136" y="5691628"/>
+            <a:ext cx="1851789" cy="230832"/>
+          </a:xfrm>
+          <a:prstGeom prst="rect">
+            <a:avLst/>
+          </a:prstGeom>
+        </p:spPr>
+        <p:txBody>
+          <a:bodyPr wrap="none">
+            <a:spAutoFit/>
+          </a:bodyPr>
+          <a:lstStyle/>
+          <a:p>
+            <a:r>
+              <a:rPr lang="en-US" altLang="zh-CN" sz="900" dirty="0" err="1"/>
+              <a:t>df.replace</a:t>
+            </a:r>
+            <a:r>
+              <a:rPr lang="en-US" altLang="zh-CN" sz="900" dirty="0"/>
+              <a:t>(['</a:t>
+            </a:r>
+            <a:r>
+              <a:rPr lang="zh-CN" altLang="en-US" sz="900" dirty="0"/>
+              <a:t>优秀</a:t>
+            </a:r>
+            <a:r>
+              <a:rPr lang="en-US" altLang="zh-CN" sz="900" dirty="0"/>
+              <a:t>','</a:t>
+            </a:r>
+            <a:r>
+              <a:rPr lang="zh-CN" altLang="en-US" sz="900" dirty="0"/>
+              <a:t>良好</a:t>
+            </a:r>
+            <a:r>
+              <a:rPr lang="en-US" altLang="zh-CN" sz="900" dirty="0"/>
+              <a:t>'],['</a:t>
+            </a:r>
+            <a:r>
+              <a:rPr lang="zh-CN" altLang="en-US" sz="900" dirty="0"/>
+              <a:t>优</a:t>
+            </a:r>
+            <a:r>
+              <a:rPr lang="en-US" altLang="zh-CN" sz="900" dirty="0"/>
+              <a:t>','</a:t>
+            </a:r>
+            <a:r>
+              <a:rPr lang="zh-CN" altLang="en-US" sz="900" dirty="0"/>
+              <a:t>良</a:t>
+            </a:r>
+            <a:r>
+              <a:rPr lang="en-US" altLang="zh-CN" sz="900" dirty="0"/>
+              <a:t>'])</a:t>
+            </a:r>
+            <a:endParaRPr lang="zh-CN" altLang="en-US" sz="900" dirty="0"/>
+          </a:p>
+        </p:txBody>
+      </p:sp>
+      <p:sp>
+        <p:nvSpPr>
+          <p:cNvPr id="39" name="矩形 38"/>
+          <p:cNvSpPr/>
+          <p:nvPr/>
+        </p:nvSpPr>
+        <p:spPr>
+          <a:xfrm>
+            <a:off x="2807800" y="3987694"/>
+            <a:ext cx="890024" cy="1606189"/>
+          </a:xfrm>
+          <a:prstGeom prst="rect">
+            <a:avLst/>
+          </a:prstGeom>
+          <a:noFill/>
+          <a:ln>
+            <a:solidFill>
+              <a:srgbClr val="FF0000"/>
+            </a:solidFill>
+          </a:ln>
+        </p:spPr>
+        <p:style>
+          <a:lnRef idx="2">
+            <a:schemeClr val="accent1">
+              <a:shade val="50000"/>
+            </a:schemeClr>
+          </a:lnRef>
+          <a:fillRef idx="1">
+            <a:schemeClr val="accent1"/>
+          </a:fillRef>
+          <a:effectRef idx="0">
+            <a:schemeClr val="accent1"/>
+          </a:effectRef>
+          <a:fontRef idx="minor">
+            <a:schemeClr val="lt1"/>
+          </a:fontRef>
+        </p:style>
+        <p:txBody>
+          <a:bodyPr rtlCol="0" anchor="ctr"/>
+          <a:lstStyle/>
+          <a:p>
+            <a:pPr algn="ctr"/>
+            <a:endParaRPr lang="zh-CN" altLang="en-US"/>
+          </a:p>
+        </p:txBody>
+      </p:sp>
+      <p:sp>
+        <p:nvSpPr>
+          <p:cNvPr id="42" name="矩形 41"/>
+          <p:cNvSpPr/>
+          <p:nvPr/>
+        </p:nvSpPr>
+        <p:spPr>
+          <a:xfrm>
+            <a:off x="4281133" y="4031508"/>
+            <a:ext cx="890024" cy="1606189"/>
+          </a:xfrm>
+          <a:prstGeom prst="rect">
+            <a:avLst/>
+          </a:prstGeom>
+          <a:noFill/>
+          <a:ln>
+            <a:solidFill>
+              <a:srgbClr val="FF0000"/>
+            </a:solidFill>
+          </a:ln>
+        </p:spPr>
+        <p:style>
+          <a:lnRef idx="2">
+            <a:schemeClr val="accent1">
+              <a:shade val="50000"/>
+            </a:schemeClr>
+          </a:lnRef>
+          <a:fillRef idx="1">
+            <a:schemeClr val="accent1"/>
+          </a:fillRef>
+          <a:effectRef idx="0">
+            <a:schemeClr val="accent1"/>
+          </a:effectRef>
+          <a:fontRef idx="minor">
+            <a:schemeClr val="lt1"/>
+          </a:fontRef>
+        </p:style>
+        <p:txBody>
+          <a:bodyPr rtlCol="0" anchor="ctr"/>
+          <a:lstStyle/>
+          <a:p>
+            <a:pPr algn="ctr"/>
+            <a:endParaRPr lang="zh-CN" altLang="en-US"/>
+          </a:p>
+        </p:txBody>
+      </p:sp>
+      <p:sp>
+        <p:nvSpPr>
+          <p:cNvPr id="19" name="TextBox 18"/>
+          <p:cNvSpPr txBox="1"/>
+          <p:nvPr/>
+        </p:nvSpPr>
+        <p:spPr>
+          <a:xfrm>
+            <a:off x="3385498" y="3650342"/>
+            <a:ext cx="1204177" cy="646331"/>
+          </a:xfrm>
+          <a:prstGeom prst="rect">
+            <a:avLst/>
+          </a:prstGeom>
+          <a:noFill/>
+        </p:spPr>
+        <p:txBody>
+          <a:bodyPr wrap="none" rtlCol="0">
+            <a:spAutoFit/>
+          </a:bodyPr>
+          <a:lstStyle/>
+          <a:p>
+            <a:pPr algn="ctr"/>
+            <a:r>
+              <a:rPr lang="en-US" altLang="zh-CN" sz="900" dirty="0" err="1" smtClean="0">
+                <a:solidFill>
+                  <a:srgbClr val="FF0000"/>
+                </a:solidFill>
+              </a:rPr>
+              <a:t>df</a:t>
+            </a:r>
+            <a:r>
+              <a:rPr lang="zh-CN" altLang="en-US" sz="900" dirty="0" smtClean="0">
+                <a:solidFill>
+                  <a:srgbClr val="FF0000"/>
+                </a:solidFill>
+              </a:rPr>
+              <a:t>中的数据全部替换</a:t>
+            </a:r>
+            <a:endParaRPr lang="en-US" altLang="zh-CN" sz="900" dirty="0" smtClean="0">
+              <a:solidFill>
+                <a:srgbClr val="FF0000"/>
+              </a:solidFill>
+            </a:endParaRPr>
+          </a:p>
+          <a:p>
+            <a:pPr algn="ctr"/>
+            <a:r>
+              <a:rPr lang="zh-CN" altLang="en-US" sz="900" dirty="0">
+                <a:solidFill>
+                  <a:srgbClr val="FF0000"/>
+                </a:solidFill>
+              </a:rPr>
+              <a:t>良好</a:t>
+            </a:r>
+            <a:r>
+              <a:rPr lang="en-US" altLang="zh-CN" sz="900" dirty="0">
+                <a:solidFill>
+                  <a:srgbClr val="FF0000"/>
+                </a:solidFill>
+              </a:rPr>
+              <a:t>-&gt;</a:t>
+            </a:r>
+            <a:r>
+              <a:rPr lang="zh-CN" altLang="en-US" sz="900" dirty="0">
+                <a:solidFill>
+                  <a:srgbClr val="FF0000"/>
+                </a:solidFill>
+              </a:rPr>
+              <a:t>良</a:t>
+            </a:r>
+            <a:endParaRPr lang="en-US" altLang="zh-CN" sz="900" dirty="0">
+              <a:solidFill>
+                <a:srgbClr val="FF0000"/>
+              </a:solidFill>
+            </a:endParaRPr>
+          </a:p>
+          <a:p>
+            <a:pPr algn="ctr"/>
+            <a:r>
+              <a:rPr lang="zh-CN" altLang="en-US" sz="900" dirty="0">
+                <a:solidFill>
+                  <a:srgbClr val="FF0000"/>
+                </a:solidFill>
+              </a:rPr>
+              <a:t>优秀</a:t>
+            </a:r>
+            <a:r>
+              <a:rPr lang="en-US" altLang="zh-CN" sz="900" dirty="0">
+                <a:solidFill>
+                  <a:srgbClr val="FF0000"/>
+                </a:solidFill>
+              </a:rPr>
+              <a:t>-&gt;</a:t>
+            </a:r>
+            <a:r>
+              <a:rPr lang="zh-CN" altLang="en-US" sz="900" dirty="0">
+                <a:solidFill>
+                  <a:srgbClr val="FF0000"/>
+                </a:solidFill>
+              </a:rPr>
+              <a:t>优</a:t>
+            </a:r>
+            <a:endParaRPr lang="en-US" altLang="zh-CN" sz="900" dirty="0">
+              <a:solidFill>
+                <a:srgbClr val="FF0000"/>
+              </a:solidFill>
+            </a:endParaRPr>
+          </a:p>
+          <a:p>
+            <a:pPr algn="ctr"/>
+            <a:endParaRPr lang="zh-CN" altLang="en-US" sz="900" dirty="0">
+              <a:solidFill>
+                <a:srgbClr val="FF0000"/>
+              </a:solidFill>
+            </a:endParaRPr>
+          </a:p>
+        </p:txBody>
+      </p:sp>
+      <p:pic>
+        <p:nvPicPr>
+          <p:cNvPr id="1035" name="Picture 11"/>
+          <p:cNvPicPr>
+            <a:picLocks noChangeAspect="1" noChangeArrowheads="1"/>
+          </p:cNvPicPr>
+          <p:nvPr/>
+        </p:nvPicPr>
+        <p:blipFill>
+          <a:blip r:embed="rId6">
+            <a:extLst>
+              <a:ext uri="{28A0092B-C50C-407E-A947-70E740481C1C}">
+                <a14:useLocalDpi xmlns:a14="http://schemas.microsoft.com/office/drawing/2010/main" val="0"/>
+              </a:ext>
+            </a:extLst>
+          </a:blip>
+          <a:srcRect/>
+          <a:stretch>
+            <a:fillRect/>
+          </a:stretch>
+        </p:blipFill>
+        <p:spPr bwMode="auto">
+          <a:xfrm>
+            <a:off x="5908675" y="1275822"/>
+            <a:ext cx="1504950" cy="2657475"/>
+          </a:xfrm>
+          <a:prstGeom prst="rect">
+            <a:avLst/>
+          </a:prstGeom>
+          <a:noFill/>
+          <a:ln>
+            <a:noFill/>
+          </a:ln>
+          <a:extLst>
+            <a:ext uri="{909E8E84-426E-40DD-AFC4-6F175D3DCCD1}">
+              <a14:hiddenFill xmlns:a14="http://schemas.microsoft.com/office/drawing/2010/main">
+                <a:solidFill>
+                  <a:schemeClr val="accent1"/>
+                </a:solidFill>
+              </a14:hiddenFill>
+            </a:ext>
+            <a:ext uri="{91240B29-F687-4F45-9708-019B960494DF}">
+              <a14:hiddenLine xmlns:a14="http://schemas.microsoft.com/office/drawing/2010/main" w="9525">
+                <a:solidFill>
+                  <a:schemeClr val="tx1"/>
+                </a:solidFill>
+                <a:miter lim="800000"/>
+                <a:headEnd/>
+                <a:tailEnd/>
+              </a14:hiddenLine>
+            </a:ext>
+          </a:extLst>
+        </p:spPr>
+      </p:pic>
+      <p:pic>
+        <p:nvPicPr>
+          <p:cNvPr id="1036" name="Picture 12"/>
+          <p:cNvPicPr>
+            <a:picLocks noChangeAspect="1" noChangeArrowheads="1"/>
+          </p:cNvPicPr>
+          <p:nvPr/>
+        </p:nvPicPr>
+        <p:blipFill>
+          <a:blip r:embed="rId7">
+            <a:extLst>
+              <a:ext uri="{28A0092B-C50C-407E-A947-70E740481C1C}">
+                <a14:useLocalDpi xmlns:a14="http://schemas.microsoft.com/office/drawing/2010/main" val="0"/>
+              </a:ext>
+            </a:extLst>
+          </a:blip>
+          <a:srcRect/>
+          <a:stretch>
+            <a:fillRect/>
+          </a:stretch>
+        </p:blipFill>
+        <p:spPr bwMode="auto">
+          <a:xfrm>
+            <a:off x="8348230" y="1275822"/>
+            <a:ext cx="1134341" cy="2610377"/>
+          </a:xfrm>
+          <a:prstGeom prst="rect">
+            <a:avLst/>
+          </a:prstGeom>
+          <a:noFill/>
+          <a:ln>
+            <a:noFill/>
+          </a:ln>
+          <a:extLst>
+            <a:ext uri="{909E8E84-426E-40DD-AFC4-6F175D3DCCD1}">
+              <a14:hiddenFill xmlns:a14="http://schemas.microsoft.com/office/drawing/2010/main">
+                <a:solidFill>
+                  <a:schemeClr val="accent1"/>
+                </a:solidFill>
+              </a14:hiddenFill>
+            </a:ext>
+            <a:ext uri="{91240B29-F687-4F45-9708-019B960494DF}">
+              <a14:hiddenLine xmlns:a14="http://schemas.microsoft.com/office/drawing/2010/main" w="9525">
+                <a:solidFill>
+                  <a:schemeClr val="tx1"/>
+                </a:solidFill>
+                <a:miter lim="800000"/>
+                <a:headEnd/>
+                <a:tailEnd/>
+              </a14:hiddenLine>
+            </a:ext>
+          </a:extLst>
+        </p:spPr>
+      </p:pic>
+      <p:sp>
+        <p:nvSpPr>
+          <p:cNvPr id="46" name="矩形 45"/>
+          <p:cNvSpPr/>
+          <p:nvPr/>
+        </p:nvSpPr>
+        <p:spPr>
+          <a:xfrm>
+            <a:off x="5965166" y="1328831"/>
+            <a:ext cx="1356384" cy="201520"/>
+          </a:xfrm>
+          <a:prstGeom prst="rect">
+            <a:avLst/>
+          </a:prstGeom>
+          <a:noFill/>
+          <a:ln>
+            <a:solidFill>
+              <a:srgbClr val="FF0000"/>
+            </a:solidFill>
+          </a:ln>
+        </p:spPr>
+        <p:style>
+          <a:lnRef idx="2">
+            <a:schemeClr val="accent1">
+              <a:shade val="50000"/>
+            </a:schemeClr>
+          </a:lnRef>
+          <a:fillRef idx="1">
+            <a:schemeClr val="accent1"/>
+          </a:fillRef>
+          <a:effectRef idx="0">
+            <a:schemeClr val="accent1"/>
+          </a:effectRef>
+          <a:fontRef idx="minor">
+            <a:schemeClr val="lt1"/>
+          </a:fontRef>
+        </p:style>
+        <p:txBody>
+          <a:bodyPr rtlCol="0" anchor="ctr"/>
+          <a:lstStyle/>
+          <a:p>
+            <a:pPr algn="ctr"/>
+            <a:endParaRPr lang="zh-CN" altLang="en-US"/>
+          </a:p>
+        </p:txBody>
+      </p:sp>
+      <p:sp>
+        <p:nvSpPr>
+          <p:cNvPr id="47" name="矩形 46"/>
+          <p:cNvSpPr/>
+          <p:nvPr/>
+        </p:nvSpPr>
+        <p:spPr>
+          <a:xfrm>
+            <a:off x="8397874" y="1307132"/>
+            <a:ext cx="971551" cy="201520"/>
+          </a:xfrm>
+          <a:prstGeom prst="rect">
+            <a:avLst/>
+          </a:prstGeom>
+          <a:noFill/>
+          <a:ln>
+            <a:solidFill>
+              <a:srgbClr val="FF0000"/>
+            </a:solidFill>
+          </a:ln>
+        </p:spPr>
+        <p:style>
+          <a:lnRef idx="2">
+            <a:schemeClr val="accent1">
+              <a:shade val="50000"/>
+            </a:schemeClr>
+          </a:lnRef>
+          <a:fillRef idx="1">
+            <a:schemeClr val="accent1"/>
+          </a:fillRef>
+          <a:effectRef idx="0">
+            <a:schemeClr val="accent1"/>
+          </a:effectRef>
+          <a:fontRef idx="minor">
+            <a:schemeClr val="lt1"/>
+          </a:fontRef>
+        </p:style>
+        <p:txBody>
+          <a:bodyPr rtlCol="0" anchor="ctr"/>
+          <a:lstStyle/>
+          <a:p>
+            <a:pPr algn="ctr"/>
+            <a:endParaRPr lang="zh-CN" altLang="en-US" dirty="0"/>
+          </a:p>
+        </p:txBody>
+      </p:sp>
+      <p:sp>
+        <p:nvSpPr>
+          <p:cNvPr id="20" name="矩形 19"/>
+          <p:cNvSpPr/>
+          <p:nvPr/>
+        </p:nvSpPr>
+        <p:spPr>
+          <a:xfrm>
+            <a:off x="4819650" y="3968280"/>
+            <a:ext cx="6096000" cy="230832"/>
+          </a:xfrm>
+          <a:prstGeom prst="rect">
+            <a:avLst/>
+          </a:prstGeom>
+        </p:spPr>
+        <p:txBody>
+          <a:bodyPr>
+            <a:spAutoFit/>
+          </a:bodyPr>
+          <a:lstStyle/>
+          <a:p>
+            <a:pPr algn="ctr"/>
+            <a:r>
+              <a:rPr lang="en-US" altLang="zh-CN" sz="900" dirty="0" err="1"/>
+              <a:t>df</a:t>
+            </a:r>
+            <a:r>
+              <a:rPr lang="en-US" altLang="zh-CN" sz="900" dirty="0"/>
+              <a:t>[['1-</a:t>
+            </a:r>
+            <a:r>
+              <a:rPr lang="zh-CN" altLang="en-US" sz="900" dirty="0"/>
+              <a:t>学号</a:t>
+            </a:r>
+            <a:r>
+              <a:rPr lang="en-US" altLang="zh-CN" sz="900" dirty="0"/>
+              <a:t>','2-</a:t>
+            </a:r>
+            <a:r>
+              <a:rPr lang="zh-CN" altLang="en-US" sz="900" dirty="0"/>
+              <a:t>姓名</a:t>
+            </a:r>
+            <a:r>
+              <a:rPr lang="en-US" altLang="zh-CN" sz="900" dirty="0"/>
+              <a:t>','3-</a:t>
+            </a:r>
+            <a:r>
+              <a:rPr lang="zh-CN" altLang="en-US" sz="900" dirty="0"/>
+              <a:t>年龄</a:t>
+            </a:r>
+            <a:r>
+              <a:rPr lang="en-US" altLang="zh-CN" sz="900" dirty="0"/>
+              <a:t>']].rename(columns={'1-</a:t>
+            </a:r>
+            <a:r>
+              <a:rPr lang="zh-CN" altLang="en-US" sz="900" dirty="0"/>
+              <a:t>学号</a:t>
+            </a:r>
+            <a:r>
+              <a:rPr lang="en-US" altLang="zh-CN" sz="900" dirty="0"/>
+              <a:t>':'ID','2-</a:t>
+            </a:r>
+            <a:r>
+              <a:rPr lang="zh-CN" altLang="en-US" sz="900" dirty="0"/>
+              <a:t>姓名</a:t>
+            </a:r>
+            <a:r>
+              <a:rPr lang="en-US" altLang="zh-CN" sz="900" dirty="0"/>
+              <a:t>':'name','3-</a:t>
+            </a:r>
+            <a:r>
+              <a:rPr lang="zh-CN" altLang="en-US" sz="900" dirty="0"/>
+              <a:t>年龄</a:t>
+            </a:r>
+            <a:r>
+              <a:rPr lang="en-US" altLang="zh-CN" sz="900" dirty="0"/>
+              <a:t>':'age'})</a:t>
+            </a:r>
+            <a:endParaRPr lang="zh-CN" altLang="en-US" sz="900" dirty="0"/>
+          </a:p>
+        </p:txBody>
+      </p:sp>
+      <p:cxnSp>
+        <p:nvCxnSpPr>
+          <p:cNvPr id="31" name="直接箭头连接符 30"/>
+          <p:cNvCxnSpPr>
+            <a:endCxn id="47" idx="1"/>
+          </p:cNvCxnSpPr>
+          <p:nvPr/>
+        </p:nvCxnSpPr>
+        <p:spPr>
+          <a:xfrm flipV="1">
+            <a:off x="7321550" y="1407892"/>
+            <a:ext cx="1076324" cy="21700"/>
+          </a:xfrm>
+          <a:prstGeom prst="straightConnector1">
+            <a:avLst/>
+          </a:prstGeom>
+          <a:ln>
+            <a:prstDash val="dash"/>
+            <a:tailEnd type="arrow"/>
+          </a:ln>
+        </p:spPr>
+        <p:style>
+          <a:lnRef idx="3">
+            <a:schemeClr val="accent1"/>
+          </a:lnRef>
+          <a:fillRef idx="0">
+            <a:schemeClr val="accent1"/>
+          </a:fillRef>
+          <a:effectRef idx="2">
+            <a:schemeClr val="accent1"/>
+          </a:effectRef>
+          <a:fontRef idx="minor">
+            <a:schemeClr val="tx1"/>
+          </a:fontRef>
+        </p:style>
+      </p:cxnSp>
+      <p:sp>
+        <p:nvSpPr>
+          <p:cNvPr id="35" name="TextBox 34"/>
+          <p:cNvSpPr txBox="1"/>
+          <p:nvPr/>
+        </p:nvSpPr>
+        <p:spPr>
+          <a:xfrm>
+            <a:off x="7239232" y="1564820"/>
+            <a:ext cx="1396536" cy="253916"/>
+          </a:xfrm>
+          <a:prstGeom prst="rect">
+            <a:avLst/>
+          </a:prstGeom>
+          <a:noFill/>
+        </p:spPr>
+        <p:txBody>
+          <a:bodyPr wrap="none" rtlCol="0">
+            <a:spAutoFit/>
+          </a:bodyPr>
+          <a:lstStyle/>
+          <a:p>
+            <a:r>
+              <a:rPr lang="zh-CN" altLang="en-US" sz="1050" dirty="0">
+                <a:solidFill>
+                  <a:srgbClr val="FF0000"/>
+                </a:solidFill>
+              </a:rPr>
+              <a:t>列</a:t>
+            </a:r>
+            <a:r>
+              <a:rPr lang="zh-CN" altLang="en-US" sz="1050" dirty="0" smtClean="0">
+                <a:solidFill>
+                  <a:srgbClr val="FF0000"/>
+                </a:solidFill>
+              </a:rPr>
+              <a:t>索引进行了重命名</a:t>
+            </a:r>
+            <a:endParaRPr lang="zh-CN" altLang="en-US" sz="1050" dirty="0">
+              <a:solidFill>
+                <a:srgbClr val="FF0000"/>
+              </a:solidFill>
+            </a:endParaRPr>
+          </a:p>
+        </p:txBody>
+      </p:sp>
+    </p:spTree>
+    <p:extLst>
+      <p:ext uri="{BB962C8B-B14F-4D97-AF65-F5344CB8AC3E}">
+        <p14:creationId xmlns:p14="http://schemas.microsoft.com/office/powerpoint/2010/main" val="885821848"/>
       </p:ext>
     </p:extLst>
   </p:cSld>
@@ -10605,7 +12276,7 @@
   <a:extraClrSchemeLst/>
   <a:extLst>
     <a:ext uri="{05A4C25C-085E-4340-85A3-A5531E510DB2}">
-      <thm15:themeFamily xmlns:thm15="http://schemas.microsoft.com/office/thememl/2012/main" xmlns="" name="Office Theme" id="{62F939B6-93AF-4DB8-9C6B-D6C7DFDC589F}" vid="{4A3C46E8-61CC-4603-A589-7422A47A8E4A}"/>
+      <thm15:themeFamily xmlns="" xmlns:thm15="http://schemas.microsoft.com/office/thememl/2012/main" name="Office Theme" id="{62F939B6-93AF-4DB8-9C6B-D6C7DFDC589F}" vid="{4A3C46E8-61CC-4603-A589-7422A47A8E4A}"/>
     </a:ext>
   </a:extLst>
 </a:theme>

--- a/images/2022/画图.pptx
+++ b/images/2022/画图.pptx
@@ -11,6 +11,9 @@
     <p:sldId id="259" r:id="rId5"/>
     <p:sldId id="260" r:id="rId6"/>
     <p:sldId id="261" r:id="rId7"/>
+    <p:sldId id="262" r:id="rId8"/>
+    <p:sldId id="263" r:id="rId9"/>
+    <p:sldId id="264" r:id="rId10"/>
   </p:sldIdLst>
   <p:sldSz cx="12192000" cy="6858000"/>
   <p:notesSz cx="6858000" cy="9144000"/>
@@ -243,7 +246,7 @@
           <a:p>
             <a:fld id="{D997B5FA-0921-464F-AAE1-844C04324D75}" type="datetimeFigureOut">
               <a:rPr lang="zh-CN" altLang="en-US" smtClean="0"/>
-              <a:t>2022/2/4</a:t>
+              <a:t>2022/2/13</a:t>
             </a:fld>
             <a:endParaRPr lang="zh-CN" altLang="en-US"/>
           </a:p>
@@ -413,7 +416,7 @@
           <a:p>
             <a:fld id="{D997B5FA-0921-464F-AAE1-844C04324D75}" type="datetimeFigureOut">
               <a:rPr lang="zh-CN" altLang="en-US" smtClean="0"/>
-              <a:t>2022/2/4</a:t>
+              <a:t>2022/2/13</a:t>
             </a:fld>
             <a:endParaRPr lang="zh-CN" altLang="en-US"/>
           </a:p>
@@ -593,7 +596,7 @@
           <a:p>
             <a:fld id="{D997B5FA-0921-464F-AAE1-844C04324D75}" type="datetimeFigureOut">
               <a:rPr lang="zh-CN" altLang="en-US" smtClean="0"/>
-              <a:t>2022/2/4</a:t>
+              <a:t>2022/2/13</a:t>
             </a:fld>
             <a:endParaRPr lang="zh-CN" altLang="en-US"/>
           </a:p>
@@ -763,7 +766,7 @@
           <a:p>
             <a:fld id="{D997B5FA-0921-464F-AAE1-844C04324D75}" type="datetimeFigureOut">
               <a:rPr lang="zh-CN" altLang="en-US" smtClean="0"/>
-              <a:t>2022/2/4</a:t>
+              <a:t>2022/2/13</a:t>
             </a:fld>
             <a:endParaRPr lang="zh-CN" altLang="en-US"/>
           </a:p>
@@ -1009,7 +1012,7 @@
           <a:p>
             <a:fld id="{D997B5FA-0921-464F-AAE1-844C04324D75}" type="datetimeFigureOut">
               <a:rPr lang="zh-CN" altLang="en-US" smtClean="0"/>
-              <a:t>2022/2/4</a:t>
+              <a:t>2022/2/13</a:t>
             </a:fld>
             <a:endParaRPr lang="zh-CN" altLang="en-US"/>
           </a:p>
@@ -1241,7 +1244,7 @@
           <a:p>
             <a:fld id="{D997B5FA-0921-464F-AAE1-844C04324D75}" type="datetimeFigureOut">
               <a:rPr lang="zh-CN" altLang="en-US" smtClean="0"/>
-              <a:t>2022/2/4</a:t>
+              <a:t>2022/2/13</a:t>
             </a:fld>
             <a:endParaRPr lang="zh-CN" altLang="en-US"/>
           </a:p>
@@ -1608,7 +1611,7 @@
           <a:p>
             <a:fld id="{D997B5FA-0921-464F-AAE1-844C04324D75}" type="datetimeFigureOut">
               <a:rPr lang="zh-CN" altLang="en-US" smtClean="0"/>
-              <a:t>2022/2/4</a:t>
+              <a:t>2022/2/13</a:t>
             </a:fld>
             <a:endParaRPr lang="zh-CN" altLang="en-US"/>
           </a:p>
@@ -1726,7 +1729,7 @@
           <a:p>
             <a:fld id="{D997B5FA-0921-464F-AAE1-844C04324D75}" type="datetimeFigureOut">
               <a:rPr lang="zh-CN" altLang="en-US" smtClean="0"/>
-              <a:t>2022/2/4</a:t>
+              <a:t>2022/2/13</a:t>
             </a:fld>
             <a:endParaRPr lang="zh-CN" altLang="en-US"/>
           </a:p>
@@ -1821,7 +1824,7 @@
           <a:p>
             <a:fld id="{D997B5FA-0921-464F-AAE1-844C04324D75}" type="datetimeFigureOut">
               <a:rPr lang="zh-CN" altLang="en-US" smtClean="0"/>
-              <a:t>2022/2/4</a:t>
+              <a:t>2022/2/13</a:t>
             </a:fld>
             <a:endParaRPr lang="zh-CN" altLang="en-US"/>
           </a:p>
@@ -2098,7 +2101,7 @@
           <a:p>
             <a:fld id="{D997B5FA-0921-464F-AAE1-844C04324D75}" type="datetimeFigureOut">
               <a:rPr lang="zh-CN" altLang="en-US" smtClean="0"/>
-              <a:t>2022/2/4</a:t>
+              <a:t>2022/2/13</a:t>
             </a:fld>
             <a:endParaRPr lang="zh-CN" altLang="en-US"/>
           </a:p>
@@ -2351,7 +2354,7 @@
           <a:p>
             <a:fld id="{D997B5FA-0921-464F-AAE1-844C04324D75}" type="datetimeFigureOut">
               <a:rPr lang="zh-CN" altLang="en-US" smtClean="0"/>
-              <a:t>2022/2/4</a:t>
+              <a:t>2022/2/13</a:t>
             </a:fld>
             <a:endParaRPr lang="zh-CN" altLang="en-US"/>
           </a:p>
@@ -2564,7 +2567,7 @@
           <a:p>
             <a:fld id="{D997B5FA-0921-464F-AAE1-844C04324D75}" type="datetimeFigureOut">
               <a:rPr lang="zh-CN" altLang="en-US" smtClean="0"/>
-              <a:t>2022/2/4</a:t>
+              <a:t>2022/2/13</a:t>
             </a:fld>
             <a:endParaRPr lang="zh-CN" altLang="en-US"/>
           </a:p>
@@ -12021,6 +12024,4088 @@
 </p:sld>
 </file>
 
+<file path=ppt/slides/slide7.xml><?xml version="1.0" encoding="utf-8"?>
+<p:sld xmlns:a="http://schemas.openxmlformats.org/drawingml/2006/main" xmlns:r="http://schemas.openxmlformats.org/officeDocument/2006/relationships" xmlns:p="http://schemas.openxmlformats.org/presentationml/2006/main">
+  <p:cSld>
+    <p:spTree>
+      <p:nvGrpSpPr>
+        <p:cNvPr id="1" name=""/>
+        <p:cNvGrpSpPr/>
+        <p:nvPr/>
+      </p:nvGrpSpPr>
+      <p:grpSpPr>
+        <a:xfrm>
+          <a:off x="0" y="0"/>
+          <a:ext cx="0" cy="0"/>
+          <a:chOff x="0" y="0"/>
+          <a:chExt cx="0" cy="0"/>
+        </a:xfrm>
+      </p:grpSpPr>
+      <p:pic>
+        <p:nvPicPr>
+          <p:cNvPr id="1026" name="Picture 2"/>
+          <p:cNvPicPr>
+            <a:picLocks noChangeAspect="1" noChangeArrowheads="1"/>
+          </p:cNvPicPr>
+          <p:nvPr/>
+        </p:nvPicPr>
+        <p:blipFill>
+          <a:blip r:embed="rId2">
+            <a:extLst>
+              <a:ext uri="{28A0092B-C50C-407E-A947-70E740481C1C}">
+                <a14:useLocalDpi xmlns:a14="http://schemas.microsoft.com/office/drawing/2010/main" val="0"/>
+              </a:ext>
+            </a:extLst>
+          </a:blip>
+          <a:srcRect/>
+          <a:stretch>
+            <a:fillRect/>
+          </a:stretch>
+        </p:blipFill>
+        <p:spPr bwMode="auto">
+          <a:xfrm>
+            <a:off x="928688" y="1462088"/>
+            <a:ext cx="1609725" cy="1914525"/>
+          </a:xfrm>
+          <a:prstGeom prst="rect">
+            <a:avLst/>
+          </a:prstGeom>
+          <a:noFill/>
+          <a:ln>
+            <a:noFill/>
+          </a:ln>
+          <a:extLst>
+            <a:ext uri="{909E8E84-426E-40DD-AFC4-6F175D3DCCD1}">
+              <a14:hiddenFill xmlns:a14="http://schemas.microsoft.com/office/drawing/2010/main">
+                <a:solidFill>
+                  <a:schemeClr val="accent1"/>
+                </a:solidFill>
+              </a14:hiddenFill>
+            </a:ext>
+            <a:ext uri="{91240B29-F687-4F45-9708-019B960494DF}">
+              <a14:hiddenLine xmlns:a14="http://schemas.microsoft.com/office/drawing/2010/main" w="9525">
+                <a:solidFill>
+                  <a:schemeClr val="tx1"/>
+                </a:solidFill>
+                <a:miter lim="800000"/>
+                <a:headEnd/>
+                <a:tailEnd/>
+              </a14:hiddenLine>
+            </a:ext>
+          </a:extLst>
+        </p:spPr>
+      </p:pic>
+      <p:pic>
+        <p:nvPicPr>
+          <p:cNvPr id="1027" name="Picture 3"/>
+          <p:cNvPicPr>
+            <a:picLocks noChangeAspect="1" noChangeArrowheads="1"/>
+          </p:cNvPicPr>
+          <p:nvPr/>
+        </p:nvPicPr>
+        <p:blipFill>
+          <a:blip r:embed="rId3">
+            <a:extLst>
+              <a:ext uri="{28A0092B-C50C-407E-A947-70E740481C1C}">
+                <a14:useLocalDpi xmlns:a14="http://schemas.microsoft.com/office/drawing/2010/main" val="0"/>
+              </a:ext>
+            </a:extLst>
+          </a:blip>
+          <a:srcRect/>
+          <a:stretch>
+            <a:fillRect/>
+          </a:stretch>
+        </p:blipFill>
+        <p:spPr bwMode="auto">
+          <a:xfrm>
+            <a:off x="3463925" y="647700"/>
+            <a:ext cx="1428750" cy="4076700"/>
+          </a:xfrm>
+          <a:prstGeom prst="rect">
+            <a:avLst/>
+          </a:prstGeom>
+          <a:noFill/>
+          <a:ln>
+            <a:noFill/>
+          </a:ln>
+          <a:extLst>
+            <a:ext uri="{909E8E84-426E-40DD-AFC4-6F175D3DCCD1}">
+              <a14:hiddenFill xmlns:a14="http://schemas.microsoft.com/office/drawing/2010/main">
+                <a:solidFill>
+                  <a:schemeClr val="accent1"/>
+                </a:solidFill>
+              </a14:hiddenFill>
+            </a:ext>
+            <a:ext uri="{91240B29-F687-4F45-9708-019B960494DF}">
+              <a14:hiddenLine xmlns:a14="http://schemas.microsoft.com/office/drawing/2010/main" w="9525">
+                <a:solidFill>
+                  <a:schemeClr val="tx1"/>
+                </a:solidFill>
+                <a:miter lim="800000"/>
+                <a:headEnd/>
+                <a:tailEnd/>
+              </a14:hiddenLine>
+            </a:ext>
+          </a:extLst>
+        </p:spPr>
+      </p:pic>
+      <p:sp>
+        <p:nvSpPr>
+          <p:cNvPr id="4" name="矩形 3"/>
+          <p:cNvSpPr/>
+          <p:nvPr/>
+        </p:nvSpPr>
+        <p:spPr>
+          <a:xfrm>
+            <a:off x="4178300" y="1162050"/>
+            <a:ext cx="311150" cy="660400"/>
+          </a:xfrm>
+          <a:prstGeom prst="rect">
+            <a:avLst/>
+          </a:prstGeom>
+          <a:solidFill>
+            <a:schemeClr val="lt1">
+              <a:alpha val="0"/>
+            </a:schemeClr>
+          </a:solidFill>
+          <a:ln>
+            <a:solidFill>
+              <a:srgbClr val="FF0000"/>
+            </a:solidFill>
+          </a:ln>
+        </p:spPr>
+        <p:style>
+          <a:lnRef idx="2">
+            <a:schemeClr val="accent2"/>
+          </a:lnRef>
+          <a:fillRef idx="1">
+            <a:schemeClr val="lt1"/>
+          </a:fillRef>
+          <a:effectRef idx="0">
+            <a:schemeClr val="accent2"/>
+          </a:effectRef>
+          <a:fontRef idx="minor">
+            <a:schemeClr val="dk1"/>
+          </a:fontRef>
+        </p:style>
+        <p:txBody>
+          <a:bodyPr rtlCol="0" anchor="ctr"/>
+          <a:lstStyle/>
+          <a:p>
+            <a:pPr algn="ctr"/>
+            <a:endParaRPr lang="zh-CN" altLang="en-US"/>
+          </a:p>
+        </p:txBody>
+      </p:sp>
+      <p:sp>
+        <p:nvSpPr>
+          <p:cNvPr id="7" name="矩形 6"/>
+          <p:cNvSpPr/>
+          <p:nvPr/>
+        </p:nvSpPr>
+        <p:spPr>
+          <a:xfrm>
+            <a:off x="4178300" y="1868487"/>
+            <a:ext cx="311150" cy="660400"/>
+          </a:xfrm>
+          <a:prstGeom prst="rect">
+            <a:avLst/>
+          </a:prstGeom>
+          <a:solidFill>
+            <a:schemeClr val="lt1">
+              <a:alpha val="0"/>
+            </a:schemeClr>
+          </a:solidFill>
+          <a:ln>
+            <a:solidFill>
+              <a:srgbClr val="FF0000"/>
+            </a:solidFill>
+          </a:ln>
+        </p:spPr>
+        <p:style>
+          <a:lnRef idx="2">
+            <a:schemeClr val="accent2"/>
+          </a:lnRef>
+          <a:fillRef idx="1">
+            <a:schemeClr val="lt1"/>
+          </a:fillRef>
+          <a:effectRef idx="0">
+            <a:schemeClr val="accent2"/>
+          </a:effectRef>
+          <a:fontRef idx="minor">
+            <a:schemeClr val="dk1"/>
+          </a:fontRef>
+        </p:style>
+        <p:txBody>
+          <a:bodyPr rtlCol="0" anchor="ctr"/>
+          <a:lstStyle/>
+          <a:p>
+            <a:pPr algn="ctr"/>
+            <a:endParaRPr lang="zh-CN" altLang="en-US"/>
+          </a:p>
+        </p:txBody>
+      </p:sp>
+      <p:sp>
+        <p:nvSpPr>
+          <p:cNvPr id="8" name="矩形 7"/>
+          <p:cNvSpPr/>
+          <p:nvPr/>
+        </p:nvSpPr>
+        <p:spPr>
+          <a:xfrm>
+            <a:off x="4178300" y="2574924"/>
+            <a:ext cx="311150" cy="660400"/>
+          </a:xfrm>
+          <a:prstGeom prst="rect">
+            <a:avLst/>
+          </a:prstGeom>
+          <a:solidFill>
+            <a:schemeClr val="lt1">
+              <a:alpha val="0"/>
+            </a:schemeClr>
+          </a:solidFill>
+          <a:ln>
+            <a:solidFill>
+              <a:srgbClr val="FF0000"/>
+            </a:solidFill>
+          </a:ln>
+        </p:spPr>
+        <p:style>
+          <a:lnRef idx="2">
+            <a:schemeClr val="accent2"/>
+          </a:lnRef>
+          <a:fillRef idx="1">
+            <a:schemeClr val="lt1"/>
+          </a:fillRef>
+          <a:effectRef idx="0">
+            <a:schemeClr val="accent2"/>
+          </a:effectRef>
+          <a:fontRef idx="minor">
+            <a:schemeClr val="dk1"/>
+          </a:fontRef>
+        </p:style>
+        <p:txBody>
+          <a:bodyPr rtlCol="0" anchor="ctr"/>
+          <a:lstStyle/>
+          <a:p>
+            <a:pPr algn="ctr"/>
+            <a:endParaRPr lang="zh-CN" altLang="en-US"/>
+          </a:p>
+        </p:txBody>
+      </p:sp>
+      <p:sp>
+        <p:nvSpPr>
+          <p:cNvPr id="9" name="矩形 8"/>
+          <p:cNvSpPr/>
+          <p:nvPr/>
+        </p:nvSpPr>
+        <p:spPr>
+          <a:xfrm>
+            <a:off x="4178300" y="3281361"/>
+            <a:ext cx="311150" cy="660400"/>
+          </a:xfrm>
+          <a:prstGeom prst="rect">
+            <a:avLst/>
+          </a:prstGeom>
+          <a:solidFill>
+            <a:schemeClr val="lt1">
+              <a:alpha val="0"/>
+            </a:schemeClr>
+          </a:solidFill>
+          <a:ln>
+            <a:solidFill>
+              <a:srgbClr val="FF0000"/>
+            </a:solidFill>
+          </a:ln>
+        </p:spPr>
+        <p:style>
+          <a:lnRef idx="2">
+            <a:schemeClr val="accent2"/>
+          </a:lnRef>
+          <a:fillRef idx="1">
+            <a:schemeClr val="lt1"/>
+          </a:fillRef>
+          <a:effectRef idx="0">
+            <a:schemeClr val="accent2"/>
+          </a:effectRef>
+          <a:fontRef idx="minor">
+            <a:schemeClr val="dk1"/>
+          </a:fontRef>
+        </p:style>
+        <p:txBody>
+          <a:bodyPr rtlCol="0" anchor="ctr"/>
+          <a:lstStyle/>
+          <a:p>
+            <a:pPr algn="ctr"/>
+            <a:endParaRPr lang="zh-CN" altLang="en-US"/>
+          </a:p>
+        </p:txBody>
+      </p:sp>
+      <p:sp>
+        <p:nvSpPr>
+          <p:cNvPr id="10" name="矩形 9"/>
+          <p:cNvSpPr/>
+          <p:nvPr/>
+        </p:nvSpPr>
+        <p:spPr>
+          <a:xfrm>
+            <a:off x="4178300" y="3987800"/>
+            <a:ext cx="311150" cy="660400"/>
+          </a:xfrm>
+          <a:prstGeom prst="rect">
+            <a:avLst/>
+          </a:prstGeom>
+          <a:solidFill>
+            <a:schemeClr val="lt1">
+              <a:alpha val="0"/>
+            </a:schemeClr>
+          </a:solidFill>
+          <a:ln>
+            <a:solidFill>
+              <a:srgbClr val="FF0000"/>
+            </a:solidFill>
+          </a:ln>
+        </p:spPr>
+        <p:style>
+          <a:lnRef idx="2">
+            <a:schemeClr val="accent2"/>
+          </a:lnRef>
+          <a:fillRef idx="1">
+            <a:schemeClr val="lt1"/>
+          </a:fillRef>
+          <a:effectRef idx="0">
+            <a:schemeClr val="accent2"/>
+          </a:effectRef>
+          <a:fontRef idx="minor">
+            <a:schemeClr val="dk1"/>
+          </a:fontRef>
+        </p:style>
+        <p:txBody>
+          <a:bodyPr rtlCol="0" anchor="ctr"/>
+          <a:lstStyle/>
+          <a:p>
+            <a:pPr algn="ctr"/>
+            <a:endParaRPr lang="zh-CN" altLang="en-US"/>
+          </a:p>
+        </p:txBody>
+      </p:sp>
+      <p:sp>
+        <p:nvSpPr>
+          <p:cNvPr id="11" name="矩形 10"/>
+          <p:cNvSpPr/>
+          <p:nvPr/>
+        </p:nvSpPr>
+        <p:spPr>
+          <a:xfrm>
+            <a:off x="1593848" y="1714500"/>
+            <a:ext cx="944565" cy="215900"/>
+          </a:xfrm>
+          <a:prstGeom prst="rect">
+            <a:avLst/>
+          </a:prstGeom>
+          <a:solidFill>
+            <a:schemeClr val="lt1">
+              <a:alpha val="0"/>
+            </a:schemeClr>
+          </a:solidFill>
+          <a:ln>
+            <a:solidFill>
+              <a:srgbClr val="FF0000"/>
+            </a:solidFill>
+          </a:ln>
+        </p:spPr>
+        <p:style>
+          <a:lnRef idx="2">
+            <a:schemeClr val="accent2"/>
+          </a:lnRef>
+          <a:fillRef idx="1">
+            <a:schemeClr val="lt1"/>
+          </a:fillRef>
+          <a:effectRef idx="0">
+            <a:schemeClr val="accent2"/>
+          </a:effectRef>
+          <a:fontRef idx="minor">
+            <a:schemeClr val="dk1"/>
+          </a:fontRef>
+        </p:style>
+        <p:txBody>
+          <a:bodyPr rtlCol="0" anchor="ctr"/>
+          <a:lstStyle/>
+          <a:p>
+            <a:pPr algn="ctr"/>
+            <a:endParaRPr lang="zh-CN" altLang="en-US"/>
+          </a:p>
+        </p:txBody>
+      </p:sp>
+      <p:cxnSp>
+        <p:nvCxnSpPr>
+          <p:cNvPr id="6" name="直接箭头连接符 5"/>
+          <p:cNvCxnSpPr/>
+          <p:nvPr/>
+        </p:nvCxnSpPr>
+        <p:spPr>
+          <a:xfrm flipV="1">
+            <a:off x="2584450" y="1462088"/>
+            <a:ext cx="1549400" cy="360362"/>
+          </a:xfrm>
+          <a:prstGeom prst="straightConnector1">
+            <a:avLst/>
+          </a:prstGeom>
+          <a:ln>
+            <a:solidFill>
+              <a:srgbClr val="FF0000"/>
+            </a:solidFill>
+            <a:tailEnd type="arrow"/>
+          </a:ln>
+        </p:spPr>
+        <p:style>
+          <a:lnRef idx="1">
+            <a:schemeClr val="accent1"/>
+          </a:lnRef>
+          <a:fillRef idx="0">
+            <a:schemeClr val="accent1"/>
+          </a:fillRef>
+          <a:effectRef idx="0">
+            <a:schemeClr val="accent1"/>
+          </a:effectRef>
+          <a:fontRef idx="minor">
+            <a:schemeClr val="tx1"/>
+          </a:fontRef>
+        </p:style>
+      </p:cxnSp>
+      <p:sp>
+        <p:nvSpPr>
+          <p:cNvPr id="12" name="TextBox 11"/>
+          <p:cNvSpPr txBox="1"/>
+          <p:nvPr/>
+        </p:nvSpPr>
+        <p:spPr>
+          <a:xfrm>
+            <a:off x="3622011" y="4724400"/>
+            <a:ext cx="1023678" cy="307777"/>
+          </a:xfrm>
+          <a:prstGeom prst="rect">
+            <a:avLst/>
+          </a:prstGeom>
+          <a:noFill/>
+        </p:spPr>
+        <p:txBody>
+          <a:bodyPr wrap="none" rtlCol="0">
+            <a:spAutoFit/>
+          </a:bodyPr>
+          <a:lstStyle/>
+          <a:p>
+            <a:r>
+              <a:rPr lang="zh-CN" altLang="en-US" sz="1400" dirty="0" smtClean="0"/>
+              <a:t>堆叠</a:t>
+            </a:r>
+            <a:r>
+              <a:rPr lang="en-US" altLang="zh-CN" sz="1400" dirty="0" smtClean="0"/>
+              <a:t>stack()</a:t>
+            </a:r>
+            <a:endParaRPr lang="zh-CN" altLang="en-US" sz="1400" dirty="0"/>
+          </a:p>
+        </p:txBody>
+      </p:sp>
+      <p:sp>
+        <p:nvSpPr>
+          <p:cNvPr id="13" name="TextBox 12"/>
+          <p:cNvSpPr txBox="1"/>
+          <p:nvPr/>
+        </p:nvSpPr>
+        <p:spPr>
+          <a:xfrm>
+            <a:off x="2418409" y="3787774"/>
+            <a:ext cx="697626" cy="600164"/>
+          </a:xfrm>
+          <a:prstGeom prst="rect">
+            <a:avLst/>
+          </a:prstGeom>
+          <a:noFill/>
+        </p:spPr>
+        <p:txBody>
+          <a:bodyPr wrap="square" rtlCol="0">
+            <a:spAutoFit/>
+          </a:bodyPr>
+          <a:lstStyle/>
+          <a:p>
+            <a:pPr algn="ctr"/>
+            <a:r>
+              <a:rPr lang="zh-CN" altLang="en-US" sz="1100" dirty="0" smtClean="0">
+                <a:solidFill>
+                  <a:srgbClr val="FF0000"/>
+                </a:solidFill>
+              </a:rPr>
+              <a:t> 将列</a:t>
+            </a:r>
+            <a:endParaRPr lang="en-US" altLang="zh-CN" sz="1100" dirty="0" smtClean="0">
+              <a:solidFill>
+                <a:srgbClr val="FF0000"/>
+              </a:solidFill>
+            </a:endParaRPr>
+          </a:p>
+          <a:p>
+            <a:pPr algn="ctr"/>
+            <a:r>
+              <a:rPr lang="zh-CN" altLang="en-US" sz="1100" dirty="0" smtClean="0">
+                <a:solidFill>
+                  <a:srgbClr val="FF0000"/>
+                </a:solidFill>
+              </a:rPr>
+              <a:t>“堆叠”</a:t>
+            </a:r>
+            <a:endParaRPr lang="en-US" altLang="zh-CN" sz="1100" dirty="0" smtClean="0">
+              <a:solidFill>
+                <a:srgbClr val="FF0000"/>
+              </a:solidFill>
+            </a:endParaRPr>
+          </a:p>
+          <a:p>
+            <a:pPr algn="ctr"/>
+            <a:r>
+              <a:rPr lang="zh-CN" altLang="en-US" sz="1100" dirty="0" smtClean="0">
+                <a:solidFill>
+                  <a:srgbClr val="FF0000"/>
+                </a:solidFill>
+              </a:rPr>
+              <a:t>成行</a:t>
+            </a:r>
+            <a:endParaRPr lang="zh-CN" altLang="en-US" sz="1100" dirty="0">
+              <a:solidFill>
+                <a:srgbClr val="FF0000"/>
+              </a:solidFill>
+            </a:endParaRPr>
+          </a:p>
+        </p:txBody>
+      </p:sp>
+      <p:sp>
+        <p:nvSpPr>
+          <p:cNvPr id="14" name="矩形 13"/>
+          <p:cNvSpPr/>
+          <p:nvPr/>
+        </p:nvSpPr>
+        <p:spPr>
+          <a:xfrm>
+            <a:off x="1628773" y="2198687"/>
+            <a:ext cx="874713" cy="220663"/>
+          </a:xfrm>
+          <a:prstGeom prst="rect">
+            <a:avLst/>
+          </a:prstGeom>
+          <a:solidFill>
+            <a:schemeClr val="lt1">
+              <a:alpha val="0"/>
+            </a:schemeClr>
+          </a:solidFill>
+        </p:spPr>
+        <p:style>
+          <a:lnRef idx="2">
+            <a:schemeClr val="accent2"/>
+          </a:lnRef>
+          <a:fillRef idx="1">
+            <a:schemeClr val="lt1"/>
+          </a:fillRef>
+          <a:effectRef idx="0">
+            <a:schemeClr val="accent2"/>
+          </a:effectRef>
+          <a:fontRef idx="minor">
+            <a:schemeClr val="dk1"/>
+          </a:fontRef>
+        </p:style>
+        <p:txBody>
+          <a:bodyPr rtlCol="0" anchor="ctr"/>
+          <a:lstStyle/>
+          <a:p>
+            <a:pPr algn="ctr"/>
+            <a:endParaRPr lang="zh-CN" altLang="en-US"/>
+          </a:p>
+        </p:txBody>
+      </p:sp>
+      <p:sp>
+        <p:nvSpPr>
+          <p:cNvPr id="17" name="矩形 16"/>
+          <p:cNvSpPr/>
+          <p:nvPr/>
+        </p:nvSpPr>
+        <p:spPr>
+          <a:xfrm>
+            <a:off x="1628773" y="2430263"/>
+            <a:ext cx="874713" cy="220663"/>
+          </a:xfrm>
+          <a:prstGeom prst="rect">
+            <a:avLst/>
+          </a:prstGeom>
+          <a:solidFill>
+            <a:schemeClr val="lt1">
+              <a:alpha val="0"/>
+            </a:schemeClr>
+          </a:solidFill>
+        </p:spPr>
+        <p:style>
+          <a:lnRef idx="2">
+            <a:schemeClr val="accent2"/>
+          </a:lnRef>
+          <a:fillRef idx="1">
+            <a:schemeClr val="lt1"/>
+          </a:fillRef>
+          <a:effectRef idx="0">
+            <a:schemeClr val="accent2"/>
+          </a:effectRef>
+          <a:fontRef idx="minor">
+            <a:schemeClr val="dk1"/>
+          </a:fontRef>
+        </p:style>
+        <p:txBody>
+          <a:bodyPr rtlCol="0" anchor="ctr"/>
+          <a:lstStyle/>
+          <a:p>
+            <a:pPr algn="ctr"/>
+            <a:endParaRPr lang="zh-CN" altLang="en-US"/>
+          </a:p>
+        </p:txBody>
+      </p:sp>
+      <p:sp>
+        <p:nvSpPr>
+          <p:cNvPr id="18" name="矩形 17"/>
+          <p:cNvSpPr/>
+          <p:nvPr/>
+        </p:nvSpPr>
+        <p:spPr>
+          <a:xfrm>
+            <a:off x="1628772" y="2661839"/>
+            <a:ext cx="874713" cy="220663"/>
+          </a:xfrm>
+          <a:prstGeom prst="rect">
+            <a:avLst/>
+          </a:prstGeom>
+          <a:solidFill>
+            <a:schemeClr val="lt1">
+              <a:alpha val="0"/>
+            </a:schemeClr>
+          </a:solidFill>
+        </p:spPr>
+        <p:style>
+          <a:lnRef idx="2">
+            <a:schemeClr val="accent2"/>
+          </a:lnRef>
+          <a:fillRef idx="1">
+            <a:schemeClr val="lt1"/>
+          </a:fillRef>
+          <a:effectRef idx="0">
+            <a:schemeClr val="accent2"/>
+          </a:effectRef>
+          <a:fontRef idx="minor">
+            <a:schemeClr val="dk1"/>
+          </a:fontRef>
+        </p:style>
+        <p:txBody>
+          <a:bodyPr rtlCol="0" anchor="ctr"/>
+          <a:lstStyle/>
+          <a:p>
+            <a:pPr algn="ctr"/>
+            <a:endParaRPr lang="zh-CN" altLang="en-US"/>
+          </a:p>
+        </p:txBody>
+      </p:sp>
+      <p:sp>
+        <p:nvSpPr>
+          <p:cNvPr id="19" name="矩形 18"/>
+          <p:cNvSpPr/>
+          <p:nvPr/>
+        </p:nvSpPr>
+        <p:spPr>
+          <a:xfrm>
+            <a:off x="1628771" y="2893415"/>
+            <a:ext cx="874713" cy="220663"/>
+          </a:xfrm>
+          <a:prstGeom prst="rect">
+            <a:avLst/>
+          </a:prstGeom>
+          <a:solidFill>
+            <a:schemeClr val="lt1">
+              <a:alpha val="0"/>
+            </a:schemeClr>
+          </a:solidFill>
+        </p:spPr>
+        <p:style>
+          <a:lnRef idx="2">
+            <a:schemeClr val="accent2"/>
+          </a:lnRef>
+          <a:fillRef idx="1">
+            <a:schemeClr val="lt1"/>
+          </a:fillRef>
+          <a:effectRef idx="0">
+            <a:schemeClr val="accent2"/>
+          </a:effectRef>
+          <a:fontRef idx="minor">
+            <a:schemeClr val="dk1"/>
+          </a:fontRef>
+        </p:style>
+        <p:txBody>
+          <a:bodyPr rtlCol="0" anchor="ctr"/>
+          <a:lstStyle/>
+          <a:p>
+            <a:pPr algn="ctr"/>
+            <a:endParaRPr lang="zh-CN" altLang="en-US"/>
+          </a:p>
+        </p:txBody>
+      </p:sp>
+      <p:sp>
+        <p:nvSpPr>
+          <p:cNvPr id="20" name="矩形 19"/>
+          <p:cNvSpPr/>
+          <p:nvPr/>
+        </p:nvSpPr>
+        <p:spPr>
+          <a:xfrm>
+            <a:off x="1628773" y="3124992"/>
+            <a:ext cx="874713" cy="220663"/>
+          </a:xfrm>
+          <a:prstGeom prst="rect">
+            <a:avLst/>
+          </a:prstGeom>
+          <a:solidFill>
+            <a:schemeClr val="lt1">
+              <a:alpha val="0"/>
+            </a:schemeClr>
+          </a:solidFill>
+        </p:spPr>
+        <p:style>
+          <a:lnRef idx="2">
+            <a:schemeClr val="accent2"/>
+          </a:lnRef>
+          <a:fillRef idx="1">
+            <a:schemeClr val="lt1"/>
+          </a:fillRef>
+          <a:effectRef idx="0">
+            <a:schemeClr val="accent2"/>
+          </a:effectRef>
+          <a:fontRef idx="minor">
+            <a:schemeClr val="dk1"/>
+          </a:fontRef>
+        </p:style>
+        <p:txBody>
+          <a:bodyPr rtlCol="0" anchor="ctr"/>
+          <a:lstStyle/>
+          <a:p>
+            <a:pPr algn="ctr"/>
+            <a:endParaRPr lang="zh-CN" altLang="en-US"/>
+          </a:p>
+        </p:txBody>
+      </p:sp>
+      <p:sp>
+        <p:nvSpPr>
+          <p:cNvPr id="21" name="矩形 20"/>
+          <p:cNvSpPr/>
+          <p:nvPr/>
+        </p:nvSpPr>
+        <p:spPr>
+          <a:xfrm>
+            <a:off x="4543423" y="1162050"/>
+            <a:ext cx="244477" cy="660400"/>
+          </a:xfrm>
+          <a:prstGeom prst="rect">
+            <a:avLst/>
+          </a:prstGeom>
+          <a:solidFill>
+            <a:schemeClr val="lt1">
+              <a:alpha val="0"/>
+            </a:schemeClr>
+          </a:solidFill>
+        </p:spPr>
+        <p:style>
+          <a:lnRef idx="2">
+            <a:schemeClr val="accent2"/>
+          </a:lnRef>
+          <a:fillRef idx="1">
+            <a:schemeClr val="lt1"/>
+          </a:fillRef>
+          <a:effectRef idx="0">
+            <a:schemeClr val="accent2"/>
+          </a:effectRef>
+          <a:fontRef idx="minor">
+            <a:schemeClr val="dk1"/>
+          </a:fontRef>
+        </p:style>
+        <p:txBody>
+          <a:bodyPr rtlCol="0" anchor="ctr"/>
+          <a:lstStyle/>
+          <a:p>
+            <a:pPr algn="ctr"/>
+            <a:endParaRPr lang="zh-CN" altLang="en-US"/>
+          </a:p>
+        </p:txBody>
+      </p:sp>
+      <p:sp>
+        <p:nvSpPr>
+          <p:cNvPr id="22" name="矩形 21"/>
+          <p:cNvSpPr/>
+          <p:nvPr/>
+        </p:nvSpPr>
+        <p:spPr>
+          <a:xfrm>
+            <a:off x="4529800" y="1868487"/>
+            <a:ext cx="244477" cy="660400"/>
+          </a:xfrm>
+          <a:prstGeom prst="rect">
+            <a:avLst/>
+          </a:prstGeom>
+          <a:solidFill>
+            <a:schemeClr val="lt1">
+              <a:alpha val="0"/>
+            </a:schemeClr>
+          </a:solidFill>
+        </p:spPr>
+        <p:style>
+          <a:lnRef idx="2">
+            <a:schemeClr val="accent2"/>
+          </a:lnRef>
+          <a:fillRef idx="1">
+            <a:schemeClr val="lt1"/>
+          </a:fillRef>
+          <a:effectRef idx="0">
+            <a:schemeClr val="accent2"/>
+          </a:effectRef>
+          <a:fontRef idx="minor">
+            <a:schemeClr val="dk1"/>
+          </a:fontRef>
+        </p:style>
+        <p:txBody>
+          <a:bodyPr rtlCol="0" anchor="ctr"/>
+          <a:lstStyle/>
+          <a:p>
+            <a:pPr algn="ctr"/>
+            <a:endParaRPr lang="zh-CN" altLang="en-US"/>
+          </a:p>
+        </p:txBody>
+      </p:sp>
+      <p:sp>
+        <p:nvSpPr>
+          <p:cNvPr id="23" name="矩形 22"/>
+          <p:cNvSpPr/>
+          <p:nvPr/>
+        </p:nvSpPr>
+        <p:spPr>
+          <a:xfrm>
+            <a:off x="4543423" y="2574924"/>
+            <a:ext cx="244477" cy="660400"/>
+          </a:xfrm>
+          <a:prstGeom prst="rect">
+            <a:avLst/>
+          </a:prstGeom>
+          <a:solidFill>
+            <a:schemeClr val="lt1">
+              <a:alpha val="0"/>
+            </a:schemeClr>
+          </a:solidFill>
+        </p:spPr>
+        <p:style>
+          <a:lnRef idx="2">
+            <a:schemeClr val="accent2"/>
+          </a:lnRef>
+          <a:fillRef idx="1">
+            <a:schemeClr val="lt1"/>
+          </a:fillRef>
+          <a:effectRef idx="0">
+            <a:schemeClr val="accent2"/>
+          </a:effectRef>
+          <a:fontRef idx="minor">
+            <a:schemeClr val="dk1"/>
+          </a:fontRef>
+        </p:style>
+        <p:txBody>
+          <a:bodyPr rtlCol="0" anchor="ctr"/>
+          <a:lstStyle/>
+          <a:p>
+            <a:pPr algn="ctr"/>
+            <a:endParaRPr lang="zh-CN" altLang="en-US"/>
+          </a:p>
+        </p:txBody>
+      </p:sp>
+      <p:sp>
+        <p:nvSpPr>
+          <p:cNvPr id="25" name="矩形 24"/>
+          <p:cNvSpPr/>
+          <p:nvPr/>
+        </p:nvSpPr>
+        <p:spPr>
+          <a:xfrm>
+            <a:off x="4523450" y="3281361"/>
+            <a:ext cx="244477" cy="660400"/>
+          </a:xfrm>
+          <a:prstGeom prst="rect">
+            <a:avLst/>
+          </a:prstGeom>
+          <a:solidFill>
+            <a:schemeClr val="lt1">
+              <a:alpha val="0"/>
+            </a:schemeClr>
+          </a:solidFill>
+        </p:spPr>
+        <p:style>
+          <a:lnRef idx="2">
+            <a:schemeClr val="accent2"/>
+          </a:lnRef>
+          <a:fillRef idx="1">
+            <a:schemeClr val="lt1"/>
+          </a:fillRef>
+          <a:effectRef idx="0">
+            <a:schemeClr val="accent2"/>
+          </a:effectRef>
+          <a:fontRef idx="minor">
+            <a:schemeClr val="dk1"/>
+          </a:fontRef>
+        </p:style>
+        <p:txBody>
+          <a:bodyPr rtlCol="0" anchor="ctr"/>
+          <a:lstStyle/>
+          <a:p>
+            <a:pPr algn="ctr"/>
+            <a:endParaRPr lang="zh-CN" altLang="en-US"/>
+          </a:p>
+        </p:txBody>
+      </p:sp>
+      <p:sp>
+        <p:nvSpPr>
+          <p:cNvPr id="26" name="矩形 25"/>
+          <p:cNvSpPr/>
+          <p:nvPr/>
+        </p:nvSpPr>
+        <p:spPr>
+          <a:xfrm>
+            <a:off x="4529800" y="3987800"/>
+            <a:ext cx="244477" cy="660400"/>
+          </a:xfrm>
+          <a:prstGeom prst="rect">
+            <a:avLst/>
+          </a:prstGeom>
+          <a:solidFill>
+            <a:schemeClr val="lt1">
+              <a:alpha val="0"/>
+            </a:schemeClr>
+          </a:solidFill>
+        </p:spPr>
+        <p:style>
+          <a:lnRef idx="2">
+            <a:schemeClr val="accent2"/>
+          </a:lnRef>
+          <a:fillRef idx="1">
+            <a:schemeClr val="lt1"/>
+          </a:fillRef>
+          <a:effectRef idx="0">
+            <a:schemeClr val="accent2"/>
+          </a:effectRef>
+          <a:fontRef idx="minor">
+            <a:schemeClr val="dk1"/>
+          </a:fontRef>
+        </p:style>
+        <p:txBody>
+          <a:bodyPr rtlCol="0" anchor="ctr"/>
+          <a:lstStyle/>
+          <a:p>
+            <a:pPr algn="ctr"/>
+            <a:endParaRPr lang="zh-CN" altLang="en-US"/>
+          </a:p>
+        </p:txBody>
+      </p:sp>
+      <p:cxnSp>
+        <p:nvCxnSpPr>
+          <p:cNvPr id="35" name="直接箭头连接符 34"/>
+          <p:cNvCxnSpPr/>
+          <p:nvPr/>
+        </p:nvCxnSpPr>
+        <p:spPr>
+          <a:xfrm flipV="1">
+            <a:off x="2503484" y="1492250"/>
+            <a:ext cx="2019966" cy="816768"/>
+          </a:xfrm>
+          <a:prstGeom prst="straightConnector1">
+            <a:avLst/>
+          </a:prstGeom>
+          <a:ln>
+            <a:solidFill>
+              <a:srgbClr val="FF0000"/>
+            </a:solidFill>
+            <a:prstDash val="dash"/>
+            <a:tailEnd type="arrow"/>
+          </a:ln>
+        </p:spPr>
+        <p:style>
+          <a:lnRef idx="1">
+            <a:schemeClr val="accent1"/>
+          </a:lnRef>
+          <a:fillRef idx="0">
+            <a:schemeClr val="accent1"/>
+          </a:fillRef>
+          <a:effectRef idx="0">
+            <a:schemeClr val="accent1"/>
+          </a:effectRef>
+          <a:fontRef idx="minor">
+            <a:schemeClr val="tx1"/>
+          </a:fontRef>
+        </p:style>
+      </p:cxnSp>
+      <p:cxnSp>
+        <p:nvCxnSpPr>
+          <p:cNvPr id="37" name="直接箭头连接符 36"/>
+          <p:cNvCxnSpPr>
+            <a:endCxn id="22" idx="1"/>
+          </p:cNvCxnSpPr>
+          <p:nvPr/>
+        </p:nvCxnSpPr>
+        <p:spPr>
+          <a:xfrm flipV="1">
+            <a:off x="2509834" y="2198687"/>
+            <a:ext cx="2019966" cy="376237"/>
+          </a:xfrm>
+          <a:prstGeom prst="straightConnector1">
+            <a:avLst/>
+          </a:prstGeom>
+          <a:ln>
+            <a:solidFill>
+              <a:srgbClr val="FF0000"/>
+            </a:solidFill>
+            <a:prstDash val="dash"/>
+            <a:tailEnd type="arrow"/>
+          </a:ln>
+        </p:spPr>
+        <p:style>
+          <a:lnRef idx="1">
+            <a:schemeClr val="accent1"/>
+          </a:lnRef>
+          <a:fillRef idx="0">
+            <a:schemeClr val="accent1"/>
+          </a:fillRef>
+          <a:effectRef idx="0">
+            <a:schemeClr val="accent1"/>
+          </a:effectRef>
+          <a:fontRef idx="minor">
+            <a:schemeClr val="tx1"/>
+          </a:fontRef>
+        </p:style>
+      </p:cxnSp>
+      <p:cxnSp>
+        <p:nvCxnSpPr>
+          <p:cNvPr id="39" name="直接箭头连接符 38"/>
+          <p:cNvCxnSpPr>
+            <a:endCxn id="8" idx="3"/>
+          </p:cNvCxnSpPr>
+          <p:nvPr/>
+        </p:nvCxnSpPr>
+        <p:spPr>
+          <a:xfrm>
+            <a:off x="2503484" y="2790030"/>
+            <a:ext cx="1985966" cy="115094"/>
+          </a:xfrm>
+          <a:prstGeom prst="straightConnector1">
+            <a:avLst/>
+          </a:prstGeom>
+          <a:ln>
+            <a:solidFill>
+              <a:srgbClr val="FF0000"/>
+            </a:solidFill>
+            <a:prstDash val="dash"/>
+            <a:tailEnd type="arrow"/>
+          </a:ln>
+        </p:spPr>
+        <p:style>
+          <a:lnRef idx="1">
+            <a:schemeClr val="accent1"/>
+          </a:lnRef>
+          <a:fillRef idx="0">
+            <a:schemeClr val="accent1"/>
+          </a:fillRef>
+          <a:effectRef idx="0">
+            <a:schemeClr val="accent1"/>
+          </a:effectRef>
+          <a:fontRef idx="minor">
+            <a:schemeClr val="tx1"/>
+          </a:fontRef>
+        </p:style>
+      </p:cxnSp>
+      <p:cxnSp>
+        <p:nvCxnSpPr>
+          <p:cNvPr id="41" name="直接箭头连接符 40"/>
+          <p:cNvCxnSpPr>
+            <a:endCxn id="25" idx="1"/>
+          </p:cNvCxnSpPr>
+          <p:nvPr/>
+        </p:nvCxnSpPr>
+        <p:spPr>
+          <a:xfrm>
+            <a:off x="2503484" y="3056531"/>
+            <a:ext cx="2019966" cy="555030"/>
+          </a:xfrm>
+          <a:prstGeom prst="straightConnector1">
+            <a:avLst/>
+          </a:prstGeom>
+          <a:ln>
+            <a:solidFill>
+              <a:srgbClr val="FF0000"/>
+            </a:solidFill>
+            <a:prstDash val="dash"/>
+            <a:tailEnd type="arrow"/>
+          </a:ln>
+        </p:spPr>
+        <p:style>
+          <a:lnRef idx="1">
+            <a:schemeClr val="accent1"/>
+          </a:lnRef>
+          <a:fillRef idx="0">
+            <a:schemeClr val="accent1"/>
+          </a:fillRef>
+          <a:effectRef idx="0">
+            <a:schemeClr val="accent1"/>
+          </a:effectRef>
+          <a:fontRef idx="minor">
+            <a:schemeClr val="tx1"/>
+          </a:fontRef>
+        </p:style>
+      </p:cxnSp>
+      <p:cxnSp>
+        <p:nvCxnSpPr>
+          <p:cNvPr id="43" name="直接箭头连接符 42"/>
+          <p:cNvCxnSpPr>
+            <a:endCxn id="26" idx="1"/>
+          </p:cNvCxnSpPr>
+          <p:nvPr/>
+        </p:nvCxnSpPr>
+        <p:spPr>
+          <a:xfrm>
+            <a:off x="2486484" y="3292474"/>
+            <a:ext cx="2043316" cy="1025526"/>
+          </a:xfrm>
+          <a:prstGeom prst="straightConnector1">
+            <a:avLst/>
+          </a:prstGeom>
+          <a:ln>
+            <a:solidFill>
+              <a:srgbClr val="FF0000"/>
+            </a:solidFill>
+            <a:prstDash val="dash"/>
+            <a:tailEnd type="arrow"/>
+          </a:ln>
+        </p:spPr>
+        <p:style>
+          <a:lnRef idx="1">
+            <a:schemeClr val="accent1"/>
+          </a:lnRef>
+          <a:fillRef idx="0">
+            <a:schemeClr val="accent1"/>
+          </a:fillRef>
+          <a:effectRef idx="0">
+            <a:schemeClr val="accent1"/>
+          </a:effectRef>
+          <a:fontRef idx="minor">
+            <a:schemeClr val="tx1"/>
+          </a:fontRef>
+        </p:style>
+      </p:cxnSp>
+      <p:pic>
+        <p:nvPicPr>
+          <p:cNvPr id="45" name="Picture 2"/>
+          <p:cNvPicPr>
+            <a:picLocks noChangeAspect="1" noChangeArrowheads="1"/>
+          </p:cNvPicPr>
+          <p:nvPr/>
+        </p:nvPicPr>
+        <p:blipFill>
+          <a:blip r:embed="rId2">
+            <a:extLst>
+              <a:ext uri="{28A0092B-C50C-407E-A947-70E740481C1C}">
+                <a14:useLocalDpi xmlns:a14="http://schemas.microsoft.com/office/drawing/2010/main" val="0"/>
+              </a:ext>
+            </a:extLst>
+          </a:blip>
+          <a:srcRect/>
+          <a:stretch>
+            <a:fillRect/>
+          </a:stretch>
+        </p:blipFill>
+        <p:spPr bwMode="auto">
+          <a:xfrm>
+            <a:off x="6186488" y="1492250"/>
+            <a:ext cx="1609725" cy="1914525"/>
+          </a:xfrm>
+          <a:prstGeom prst="rect">
+            <a:avLst/>
+          </a:prstGeom>
+          <a:noFill/>
+          <a:ln>
+            <a:noFill/>
+          </a:ln>
+          <a:extLst>
+            <a:ext uri="{909E8E84-426E-40DD-AFC4-6F175D3DCCD1}">
+              <a14:hiddenFill xmlns:a14="http://schemas.microsoft.com/office/drawing/2010/main">
+                <a:solidFill>
+                  <a:schemeClr val="accent1"/>
+                </a:solidFill>
+              </a14:hiddenFill>
+            </a:ext>
+            <a:ext uri="{91240B29-F687-4F45-9708-019B960494DF}">
+              <a14:hiddenLine xmlns:a14="http://schemas.microsoft.com/office/drawing/2010/main" w="9525">
+                <a:solidFill>
+                  <a:schemeClr val="tx1"/>
+                </a:solidFill>
+                <a:miter lim="800000"/>
+                <a:headEnd/>
+                <a:tailEnd/>
+              </a14:hiddenLine>
+            </a:ext>
+          </a:extLst>
+        </p:spPr>
+      </p:pic>
+      <p:sp>
+        <p:nvSpPr>
+          <p:cNvPr id="46" name="矩形 45"/>
+          <p:cNvSpPr/>
+          <p:nvPr/>
+        </p:nvSpPr>
+        <p:spPr>
+          <a:xfrm>
+            <a:off x="6851648" y="1744662"/>
+            <a:ext cx="944565" cy="215900"/>
+          </a:xfrm>
+          <a:prstGeom prst="rect">
+            <a:avLst/>
+          </a:prstGeom>
+          <a:solidFill>
+            <a:schemeClr val="lt1">
+              <a:alpha val="0"/>
+            </a:schemeClr>
+          </a:solidFill>
+          <a:ln>
+            <a:solidFill>
+              <a:srgbClr val="FF0000"/>
+            </a:solidFill>
+          </a:ln>
+        </p:spPr>
+        <p:style>
+          <a:lnRef idx="2">
+            <a:schemeClr val="accent2"/>
+          </a:lnRef>
+          <a:fillRef idx="1">
+            <a:schemeClr val="lt1"/>
+          </a:fillRef>
+          <a:effectRef idx="0">
+            <a:schemeClr val="accent2"/>
+          </a:effectRef>
+          <a:fontRef idx="minor">
+            <a:schemeClr val="dk1"/>
+          </a:fontRef>
+        </p:style>
+        <p:txBody>
+          <a:bodyPr rtlCol="0" anchor="ctr"/>
+          <a:lstStyle/>
+          <a:p>
+            <a:pPr algn="ctr"/>
+            <a:endParaRPr lang="zh-CN" altLang="en-US"/>
+          </a:p>
+        </p:txBody>
+      </p:sp>
+      <p:sp>
+        <p:nvSpPr>
+          <p:cNvPr id="47" name="矩形 46"/>
+          <p:cNvSpPr/>
+          <p:nvPr/>
+        </p:nvSpPr>
+        <p:spPr>
+          <a:xfrm>
+            <a:off x="6886573" y="2228849"/>
+            <a:ext cx="874713" cy="220663"/>
+          </a:xfrm>
+          <a:prstGeom prst="rect">
+            <a:avLst/>
+          </a:prstGeom>
+          <a:solidFill>
+            <a:schemeClr val="lt1">
+              <a:alpha val="0"/>
+            </a:schemeClr>
+          </a:solidFill>
+        </p:spPr>
+        <p:style>
+          <a:lnRef idx="2">
+            <a:schemeClr val="accent2"/>
+          </a:lnRef>
+          <a:fillRef idx="1">
+            <a:schemeClr val="lt1"/>
+          </a:fillRef>
+          <a:effectRef idx="0">
+            <a:schemeClr val="accent2"/>
+          </a:effectRef>
+          <a:fontRef idx="minor">
+            <a:schemeClr val="dk1"/>
+          </a:fontRef>
+        </p:style>
+        <p:txBody>
+          <a:bodyPr rtlCol="0" anchor="ctr"/>
+          <a:lstStyle/>
+          <a:p>
+            <a:pPr algn="ctr"/>
+            <a:endParaRPr lang="zh-CN" altLang="en-US"/>
+          </a:p>
+        </p:txBody>
+      </p:sp>
+      <p:sp>
+        <p:nvSpPr>
+          <p:cNvPr id="48" name="矩形 47"/>
+          <p:cNvSpPr/>
+          <p:nvPr/>
+        </p:nvSpPr>
+        <p:spPr>
+          <a:xfrm>
+            <a:off x="6886573" y="2460425"/>
+            <a:ext cx="874713" cy="220663"/>
+          </a:xfrm>
+          <a:prstGeom prst="rect">
+            <a:avLst/>
+          </a:prstGeom>
+          <a:solidFill>
+            <a:schemeClr val="lt1">
+              <a:alpha val="0"/>
+            </a:schemeClr>
+          </a:solidFill>
+        </p:spPr>
+        <p:style>
+          <a:lnRef idx="2">
+            <a:schemeClr val="accent2"/>
+          </a:lnRef>
+          <a:fillRef idx="1">
+            <a:schemeClr val="lt1"/>
+          </a:fillRef>
+          <a:effectRef idx="0">
+            <a:schemeClr val="accent2"/>
+          </a:effectRef>
+          <a:fontRef idx="minor">
+            <a:schemeClr val="dk1"/>
+          </a:fontRef>
+        </p:style>
+        <p:txBody>
+          <a:bodyPr rtlCol="0" anchor="ctr"/>
+          <a:lstStyle/>
+          <a:p>
+            <a:pPr algn="ctr"/>
+            <a:endParaRPr lang="zh-CN" altLang="en-US"/>
+          </a:p>
+        </p:txBody>
+      </p:sp>
+      <p:sp>
+        <p:nvSpPr>
+          <p:cNvPr id="49" name="矩形 48"/>
+          <p:cNvSpPr/>
+          <p:nvPr/>
+        </p:nvSpPr>
+        <p:spPr>
+          <a:xfrm>
+            <a:off x="6886572" y="2692001"/>
+            <a:ext cx="874713" cy="220663"/>
+          </a:xfrm>
+          <a:prstGeom prst="rect">
+            <a:avLst/>
+          </a:prstGeom>
+          <a:solidFill>
+            <a:schemeClr val="lt1">
+              <a:alpha val="0"/>
+            </a:schemeClr>
+          </a:solidFill>
+        </p:spPr>
+        <p:style>
+          <a:lnRef idx="2">
+            <a:schemeClr val="accent2"/>
+          </a:lnRef>
+          <a:fillRef idx="1">
+            <a:schemeClr val="lt1"/>
+          </a:fillRef>
+          <a:effectRef idx="0">
+            <a:schemeClr val="accent2"/>
+          </a:effectRef>
+          <a:fontRef idx="minor">
+            <a:schemeClr val="dk1"/>
+          </a:fontRef>
+        </p:style>
+        <p:txBody>
+          <a:bodyPr rtlCol="0" anchor="ctr"/>
+          <a:lstStyle/>
+          <a:p>
+            <a:pPr algn="ctr"/>
+            <a:endParaRPr lang="zh-CN" altLang="en-US"/>
+          </a:p>
+        </p:txBody>
+      </p:sp>
+      <p:sp>
+        <p:nvSpPr>
+          <p:cNvPr id="50" name="矩形 49"/>
+          <p:cNvSpPr/>
+          <p:nvPr/>
+        </p:nvSpPr>
+        <p:spPr>
+          <a:xfrm>
+            <a:off x="6886571" y="2923577"/>
+            <a:ext cx="874713" cy="220663"/>
+          </a:xfrm>
+          <a:prstGeom prst="rect">
+            <a:avLst/>
+          </a:prstGeom>
+          <a:solidFill>
+            <a:schemeClr val="lt1">
+              <a:alpha val="0"/>
+            </a:schemeClr>
+          </a:solidFill>
+        </p:spPr>
+        <p:style>
+          <a:lnRef idx="2">
+            <a:schemeClr val="accent2"/>
+          </a:lnRef>
+          <a:fillRef idx="1">
+            <a:schemeClr val="lt1"/>
+          </a:fillRef>
+          <a:effectRef idx="0">
+            <a:schemeClr val="accent2"/>
+          </a:effectRef>
+          <a:fontRef idx="minor">
+            <a:schemeClr val="dk1"/>
+          </a:fontRef>
+        </p:style>
+        <p:txBody>
+          <a:bodyPr rtlCol="0" anchor="ctr"/>
+          <a:lstStyle/>
+          <a:p>
+            <a:pPr algn="ctr"/>
+            <a:endParaRPr lang="zh-CN" altLang="en-US"/>
+          </a:p>
+        </p:txBody>
+      </p:sp>
+      <p:sp>
+        <p:nvSpPr>
+          <p:cNvPr id="51" name="矩形 50"/>
+          <p:cNvSpPr/>
+          <p:nvPr/>
+        </p:nvSpPr>
+        <p:spPr>
+          <a:xfrm>
+            <a:off x="6886573" y="3155154"/>
+            <a:ext cx="874713" cy="220663"/>
+          </a:xfrm>
+          <a:prstGeom prst="rect">
+            <a:avLst/>
+          </a:prstGeom>
+          <a:solidFill>
+            <a:schemeClr val="lt1">
+              <a:alpha val="0"/>
+            </a:schemeClr>
+          </a:solidFill>
+        </p:spPr>
+        <p:style>
+          <a:lnRef idx="2">
+            <a:schemeClr val="accent2"/>
+          </a:lnRef>
+          <a:fillRef idx="1">
+            <a:schemeClr val="lt1"/>
+          </a:fillRef>
+          <a:effectRef idx="0">
+            <a:schemeClr val="accent2"/>
+          </a:effectRef>
+          <a:fontRef idx="minor">
+            <a:schemeClr val="dk1"/>
+          </a:fontRef>
+        </p:style>
+        <p:txBody>
+          <a:bodyPr rtlCol="0" anchor="ctr"/>
+          <a:lstStyle/>
+          <a:p>
+            <a:pPr algn="ctr"/>
+            <a:endParaRPr lang="zh-CN" altLang="en-US"/>
+          </a:p>
+        </p:txBody>
+      </p:sp>
+      <p:cxnSp>
+        <p:nvCxnSpPr>
+          <p:cNvPr id="52" name="直接箭头连接符 51"/>
+          <p:cNvCxnSpPr/>
+          <p:nvPr/>
+        </p:nvCxnSpPr>
+        <p:spPr>
+          <a:xfrm>
+            <a:off x="4489450" y="1397000"/>
+            <a:ext cx="2362198" cy="471487"/>
+          </a:xfrm>
+          <a:prstGeom prst="straightConnector1">
+            <a:avLst/>
+          </a:prstGeom>
+          <a:ln>
+            <a:solidFill>
+              <a:srgbClr val="FF0000"/>
+            </a:solidFill>
+            <a:tailEnd type="arrow"/>
+          </a:ln>
+        </p:spPr>
+        <p:style>
+          <a:lnRef idx="1">
+            <a:schemeClr val="accent1"/>
+          </a:lnRef>
+          <a:fillRef idx="0">
+            <a:schemeClr val="accent1"/>
+          </a:fillRef>
+          <a:effectRef idx="0">
+            <a:schemeClr val="accent1"/>
+          </a:effectRef>
+          <a:fontRef idx="minor">
+            <a:schemeClr val="tx1"/>
+          </a:fontRef>
+        </p:style>
+      </p:cxnSp>
+      <p:cxnSp>
+        <p:nvCxnSpPr>
+          <p:cNvPr id="54" name="直接箭头连接符 53"/>
+          <p:cNvCxnSpPr>
+            <a:endCxn id="47" idx="1"/>
+          </p:cNvCxnSpPr>
+          <p:nvPr/>
+        </p:nvCxnSpPr>
+        <p:spPr>
+          <a:xfrm>
+            <a:off x="4787900" y="1582736"/>
+            <a:ext cx="2098673" cy="756445"/>
+          </a:xfrm>
+          <a:prstGeom prst="straightConnector1">
+            <a:avLst/>
+          </a:prstGeom>
+          <a:ln>
+            <a:solidFill>
+              <a:srgbClr val="FF0000"/>
+            </a:solidFill>
+            <a:prstDash val="dash"/>
+            <a:tailEnd type="arrow"/>
+          </a:ln>
+        </p:spPr>
+        <p:style>
+          <a:lnRef idx="1">
+            <a:schemeClr val="accent1"/>
+          </a:lnRef>
+          <a:fillRef idx="0">
+            <a:schemeClr val="accent1"/>
+          </a:fillRef>
+          <a:effectRef idx="0">
+            <a:schemeClr val="accent1"/>
+          </a:effectRef>
+          <a:fontRef idx="minor">
+            <a:schemeClr val="tx1"/>
+          </a:fontRef>
+        </p:style>
+      </p:cxnSp>
+      <p:cxnSp>
+        <p:nvCxnSpPr>
+          <p:cNvPr id="56" name="直接箭头连接符 55"/>
+          <p:cNvCxnSpPr/>
+          <p:nvPr/>
+        </p:nvCxnSpPr>
+        <p:spPr>
+          <a:xfrm>
+            <a:off x="4787900" y="2207021"/>
+            <a:ext cx="2098671" cy="378222"/>
+          </a:xfrm>
+          <a:prstGeom prst="straightConnector1">
+            <a:avLst/>
+          </a:prstGeom>
+          <a:ln>
+            <a:solidFill>
+              <a:srgbClr val="FF0000"/>
+            </a:solidFill>
+            <a:prstDash val="dash"/>
+            <a:tailEnd type="arrow"/>
+          </a:ln>
+        </p:spPr>
+        <p:style>
+          <a:lnRef idx="1">
+            <a:schemeClr val="accent1"/>
+          </a:lnRef>
+          <a:fillRef idx="0">
+            <a:schemeClr val="accent1"/>
+          </a:fillRef>
+          <a:effectRef idx="0">
+            <a:schemeClr val="accent1"/>
+          </a:effectRef>
+          <a:fontRef idx="minor">
+            <a:schemeClr val="tx1"/>
+          </a:fontRef>
+        </p:style>
+      </p:cxnSp>
+      <p:cxnSp>
+        <p:nvCxnSpPr>
+          <p:cNvPr id="58" name="直接箭头连接符 57"/>
+          <p:cNvCxnSpPr>
+            <a:endCxn id="49" idx="1"/>
+          </p:cNvCxnSpPr>
+          <p:nvPr/>
+        </p:nvCxnSpPr>
+        <p:spPr>
+          <a:xfrm flipV="1">
+            <a:off x="4787899" y="2802333"/>
+            <a:ext cx="2098673" cy="90485"/>
+          </a:xfrm>
+          <a:prstGeom prst="straightConnector1">
+            <a:avLst/>
+          </a:prstGeom>
+          <a:ln>
+            <a:solidFill>
+              <a:srgbClr val="FF0000"/>
+            </a:solidFill>
+            <a:prstDash val="dash"/>
+            <a:tailEnd type="arrow"/>
+          </a:ln>
+        </p:spPr>
+        <p:style>
+          <a:lnRef idx="1">
+            <a:schemeClr val="accent1"/>
+          </a:lnRef>
+          <a:fillRef idx="0">
+            <a:schemeClr val="accent1"/>
+          </a:fillRef>
+          <a:effectRef idx="0">
+            <a:schemeClr val="accent1"/>
+          </a:effectRef>
+          <a:fontRef idx="minor">
+            <a:schemeClr val="tx1"/>
+          </a:fontRef>
+        </p:style>
+      </p:cxnSp>
+      <p:cxnSp>
+        <p:nvCxnSpPr>
+          <p:cNvPr id="60" name="直接箭头连接符 59"/>
+          <p:cNvCxnSpPr>
+            <a:endCxn id="50" idx="1"/>
+          </p:cNvCxnSpPr>
+          <p:nvPr/>
+        </p:nvCxnSpPr>
+        <p:spPr>
+          <a:xfrm flipV="1">
+            <a:off x="4787898" y="3033909"/>
+            <a:ext cx="2098673" cy="595906"/>
+          </a:xfrm>
+          <a:prstGeom prst="straightConnector1">
+            <a:avLst/>
+          </a:prstGeom>
+          <a:ln>
+            <a:solidFill>
+              <a:srgbClr val="FF0000"/>
+            </a:solidFill>
+            <a:prstDash val="dash"/>
+            <a:tailEnd type="arrow"/>
+          </a:ln>
+        </p:spPr>
+        <p:style>
+          <a:lnRef idx="1">
+            <a:schemeClr val="accent1"/>
+          </a:lnRef>
+          <a:fillRef idx="0">
+            <a:schemeClr val="accent1"/>
+          </a:fillRef>
+          <a:effectRef idx="0">
+            <a:schemeClr val="accent1"/>
+          </a:effectRef>
+          <a:fontRef idx="minor">
+            <a:schemeClr val="tx1"/>
+          </a:fontRef>
+        </p:style>
+      </p:cxnSp>
+      <p:cxnSp>
+        <p:nvCxnSpPr>
+          <p:cNvPr id="63" name="直接箭头连接符 62"/>
+          <p:cNvCxnSpPr/>
+          <p:nvPr/>
+        </p:nvCxnSpPr>
+        <p:spPr>
+          <a:xfrm flipV="1">
+            <a:off x="4787897" y="3265485"/>
+            <a:ext cx="2063751" cy="1020268"/>
+          </a:xfrm>
+          <a:prstGeom prst="straightConnector1">
+            <a:avLst/>
+          </a:prstGeom>
+          <a:ln>
+            <a:solidFill>
+              <a:srgbClr val="FF0000"/>
+            </a:solidFill>
+            <a:prstDash val="dash"/>
+            <a:tailEnd type="arrow"/>
+          </a:ln>
+        </p:spPr>
+        <p:style>
+          <a:lnRef idx="1">
+            <a:schemeClr val="accent1"/>
+          </a:lnRef>
+          <a:fillRef idx="0">
+            <a:schemeClr val="accent1"/>
+          </a:fillRef>
+          <a:effectRef idx="0">
+            <a:schemeClr val="accent1"/>
+          </a:effectRef>
+          <a:fontRef idx="minor">
+            <a:schemeClr val="tx1"/>
+          </a:fontRef>
+        </p:style>
+      </p:cxnSp>
+      <p:sp>
+        <p:nvSpPr>
+          <p:cNvPr id="65" name="TextBox 64"/>
+          <p:cNvSpPr txBox="1"/>
+          <p:nvPr/>
+        </p:nvSpPr>
+        <p:spPr>
+          <a:xfrm>
+            <a:off x="6320761" y="4724400"/>
+            <a:ext cx="1571905" cy="307777"/>
+          </a:xfrm>
+          <a:prstGeom prst="rect">
+            <a:avLst/>
+          </a:prstGeom>
+          <a:noFill/>
+        </p:spPr>
+        <p:txBody>
+          <a:bodyPr wrap="none" rtlCol="0">
+            <a:spAutoFit/>
+          </a:bodyPr>
+          <a:lstStyle/>
+          <a:p>
+            <a:r>
+              <a:rPr lang="zh-CN" altLang="en-US" sz="1400" dirty="0"/>
+              <a:t>取消</a:t>
+            </a:r>
+            <a:r>
+              <a:rPr lang="zh-CN" altLang="en-US" sz="1400" dirty="0" smtClean="0"/>
+              <a:t>堆叠</a:t>
+            </a:r>
+            <a:r>
+              <a:rPr lang="en-US" altLang="zh-CN" sz="1400" dirty="0" smtClean="0"/>
+              <a:t>unstack()</a:t>
+            </a:r>
+            <a:endParaRPr lang="zh-CN" altLang="en-US" sz="1400" dirty="0"/>
+          </a:p>
+        </p:txBody>
+      </p:sp>
+      <p:sp>
+        <p:nvSpPr>
+          <p:cNvPr id="66" name="TextBox 65"/>
+          <p:cNvSpPr txBox="1"/>
+          <p:nvPr/>
+        </p:nvSpPr>
+        <p:spPr>
+          <a:xfrm>
+            <a:off x="5670549" y="3805237"/>
+            <a:ext cx="697626" cy="600164"/>
+          </a:xfrm>
+          <a:prstGeom prst="rect">
+            <a:avLst/>
+          </a:prstGeom>
+          <a:noFill/>
+        </p:spPr>
+        <p:txBody>
+          <a:bodyPr wrap="square" rtlCol="0">
+            <a:spAutoFit/>
+          </a:bodyPr>
+          <a:lstStyle/>
+          <a:p>
+            <a:pPr algn="ctr"/>
+            <a:r>
+              <a:rPr lang="zh-CN" altLang="en-US" sz="1100" dirty="0" smtClean="0">
+                <a:solidFill>
+                  <a:srgbClr val="FF0000"/>
+                </a:solidFill>
+              </a:rPr>
+              <a:t> 将行</a:t>
+            </a:r>
+            <a:endParaRPr lang="en-US" altLang="zh-CN" sz="1100" dirty="0" smtClean="0">
+              <a:solidFill>
+                <a:srgbClr val="FF0000"/>
+              </a:solidFill>
+            </a:endParaRPr>
+          </a:p>
+          <a:p>
+            <a:pPr algn="ctr"/>
+            <a:r>
+              <a:rPr lang="zh-CN" altLang="en-US" sz="1100" dirty="0" smtClean="0">
+                <a:solidFill>
+                  <a:srgbClr val="FF0000"/>
+                </a:solidFill>
+              </a:rPr>
+              <a:t>“拆堆”</a:t>
+            </a:r>
+            <a:endParaRPr lang="en-US" altLang="zh-CN" sz="1100" dirty="0" smtClean="0">
+              <a:solidFill>
+                <a:srgbClr val="FF0000"/>
+              </a:solidFill>
+            </a:endParaRPr>
+          </a:p>
+          <a:p>
+            <a:pPr algn="ctr"/>
+            <a:r>
+              <a:rPr lang="zh-CN" altLang="en-US" sz="1100" dirty="0" smtClean="0">
+                <a:solidFill>
+                  <a:srgbClr val="FF0000"/>
+                </a:solidFill>
+              </a:rPr>
+              <a:t>成列</a:t>
+            </a:r>
+            <a:endParaRPr lang="zh-CN" altLang="en-US" sz="1100" dirty="0">
+              <a:solidFill>
+                <a:srgbClr val="FF0000"/>
+              </a:solidFill>
+            </a:endParaRPr>
+          </a:p>
+        </p:txBody>
+      </p:sp>
+      <p:sp>
+        <p:nvSpPr>
+          <p:cNvPr id="67" name="TextBox 66"/>
+          <p:cNvSpPr txBox="1"/>
+          <p:nvPr/>
+        </p:nvSpPr>
+        <p:spPr>
+          <a:xfrm>
+            <a:off x="1221711" y="4724400"/>
+            <a:ext cx="902811" cy="307777"/>
+          </a:xfrm>
+          <a:prstGeom prst="rect">
+            <a:avLst/>
+          </a:prstGeom>
+          <a:noFill/>
+        </p:spPr>
+        <p:txBody>
+          <a:bodyPr wrap="none" rtlCol="0">
+            <a:spAutoFit/>
+          </a:bodyPr>
+          <a:lstStyle/>
+          <a:p>
+            <a:r>
+              <a:rPr lang="zh-CN" altLang="en-US" sz="1400" dirty="0" smtClean="0"/>
+              <a:t>原始数据</a:t>
+            </a:r>
+            <a:endParaRPr lang="zh-CN" altLang="en-US" sz="1400" dirty="0"/>
+          </a:p>
+        </p:txBody>
+      </p:sp>
+    </p:spTree>
+    <p:extLst>
+      <p:ext uri="{BB962C8B-B14F-4D97-AF65-F5344CB8AC3E}">
+        <p14:creationId xmlns:p14="http://schemas.microsoft.com/office/powerpoint/2010/main" val="1056113022"/>
+      </p:ext>
+    </p:extLst>
+  </p:cSld>
+  <p:clrMapOvr>
+    <a:masterClrMapping/>
+  </p:clrMapOvr>
+</p:sld>
+</file>
+
+<file path=ppt/slides/slide8.xml><?xml version="1.0" encoding="utf-8"?>
+<p:sld xmlns:a="http://schemas.openxmlformats.org/drawingml/2006/main" xmlns:r="http://schemas.openxmlformats.org/officeDocument/2006/relationships" xmlns:p="http://schemas.openxmlformats.org/presentationml/2006/main">
+  <p:cSld>
+    <p:spTree>
+      <p:nvGrpSpPr>
+        <p:cNvPr id="1" name=""/>
+        <p:cNvGrpSpPr/>
+        <p:nvPr/>
+      </p:nvGrpSpPr>
+      <p:grpSpPr>
+        <a:xfrm>
+          <a:off x="0" y="0"/>
+          <a:ext cx="0" cy="0"/>
+          <a:chOff x="0" y="0"/>
+          <a:chExt cx="0" cy="0"/>
+        </a:xfrm>
+      </p:grpSpPr>
+      <p:pic>
+        <p:nvPicPr>
+          <p:cNvPr id="2050" name="Picture 2"/>
+          <p:cNvPicPr>
+            <a:picLocks noChangeAspect="1" noChangeArrowheads="1"/>
+          </p:cNvPicPr>
+          <p:nvPr/>
+        </p:nvPicPr>
+        <p:blipFill>
+          <a:blip r:embed="rId2">
+            <a:extLst>
+              <a:ext uri="{28A0092B-C50C-407E-A947-70E740481C1C}">
+                <a14:useLocalDpi xmlns:a14="http://schemas.microsoft.com/office/drawing/2010/main" val="0"/>
+              </a:ext>
+            </a:extLst>
+          </a:blip>
+          <a:srcRect/>
+          <a:stretch>
+            <a:fillRect/>
+          </a:stretch>
+        </p:blipFill>
+        <p:spPr bwMode="auto">
+          <a:xfrm>
+            <a:off x="1133475" y="1822450"/>
+            <a:ext cx="1905000" cy="1828800"/>
+          </a:xfrm>
+          <a:prstGeom prst="rect">
+            <a:avLst/>
+          </a:prstGeom>
+          <a:noFill/>
+          <a:ln>
+            <a:noFill/>
+          </a:ln>
+          <a:extLst>
+            <a:ext uri="{909E8E84-426E-40DD-AFC4-6F175D3DCCD1}">
+              <a14:hiddenFill xmlns:a14="http://schemas.microsoft.com/office/drawing/2010/main">
+                <a:solidFill>
+                  <a:schemeClr val="accent1"/>
+                </a:solidFill>
+              </a14:hiddenFill>
+            </a:ext>
+            <a:ext uri="{91240B29-F687-4F45-9708-019B960494DF}">
+              <a14:hiddenLine xmlns:a14="http://schemas.microsoft.com/office/drawing/2010/main" w="9525">
+                <a:solidFill>
+                  <a:schemeClr val="tx1"/>
+                </a:solidFill>
+                <a:miter lim="800000"/>
+                <a:headEnd/>
+                <a:tailEnd/>
+              </a14:hiddenLine>
+            </a:ext>
+          </a:extLst>
+        </p:spPr>
+      </p:pic>
+      <p:pic>
+        <p:nvPicPr>
+          <p:cNvPr id="2052" name="Picture 4"/>
+          <p:cNvPicPr>
+            <a:picLocks noChangeAspect="1" noChangeArrowheads="1"/>
+          </p:cNvPicPr>
+          <p:nvPr/>
+        </p:nvPicPr>
+        <p:blipFill>
+          <a:blip r:embed="rId3">
+            <a:extLst>
+              <a:ext uri="{28A0092B-C50C-407E-A947-70E740481C1C}">
+                <a14:useLocalDpi xmlns:a14="http://schemas.microsoft.com/office/drawing/2010/main" val="0"/>
+              </a:ext>
+            </a:extLst>
+          </a:blip>
+          <a:srcRect/>
+          <a:stretch>
+            <a:fillRect/>
+          </a:stretch>
+        </p:blipFill>
+        <p:spPr bwMode="auto">
+          <a:xfrm>
+            <a:off x="5305425" y="1509712"/>
+            <a:ext cx="1581150" cy="3838575"/>
+          </a:xfrm>
+          <a:prstGeom prst="rect">
+            <a:avLst/>
+          </a:prstGeom>
+          <a:noFill/>
+          <a:ln>
+            <a:noFill/>
+          </a:ln>
+          <a:extLst>
+            <a:ext uri="{909E8E84-426E-40DD-AFC4-6F175D3DCCD1}">
+              <a14:hiddenFill xmlns:a14="http://schemas.microsoft.com/office/drawing/2010/main">
+                <a:solidFill>
+                  <a:schemeClr val="accent1"/>
+                </a:solidFill>
+              </a14:hiddenFill>
+            </a:ext>
+            <a:ext uri="{91240B29-F687-4F45-9708-019B960494DF}">
+              <a14:hiddenLine xmlns:a14="http://schemas.microsoft.com/office/drawing/2010/main" w="9525">
+                <a:solidFill>
+                  <a:schemeClr val="tx1"/>
+                </a:solidFill>
+                <a:miter lim="800000"/>
+                <a:headEnd/>
+                <a:tailEnd/>
+              </a14:hiddenLine>
+            </a:ext>
+          </a:extLst>
+        </p:spPr>
+      </p:pic>
+      <p:sp>
+        <p:nvSpPr>
+          <p:cNvPr id="5" name="矩形 4"/>
+          <p:cNvSpPr/>
+          <p:nvPr/>
+        </p:nvSpPr>
+        <p:spPr>
+          <a:xfrm>
+            <a:off x="939800" y="4454436"/>
+            <a:ext cx="4197350" cy="954107"/>
+          </a:xfrm>
+          <a:prstGeom prst="rect">
+            <a:avLst/>
+          </a:prstGeom>
+        </p:spPr>
+        <p:txBody>
+          <a:bodyPr wrap="square">
+            <a:spAutoFit/>
+          </a:bodyPr>
+          <a:lstStyle/>
+          <a:p>
+            <a:r>
+              <a:rPr lang="en-US" altLang="zh-CN" sz="1400" b="1" dirty="0">
+                <a:solidFill>
+                  <a:srgbClr val="0070C0"/>
+                </a:solidFill>
+              </a:rPr>
+              <a:t>df_student[0:5].melt(id_vars=['</a:t>
+            </a:r>
+            <a:r>
+              <a:rPr lang="zh-CN" altLang="en-US" sz="1400" b="1" dirty="0">
+                <a:solidFill>
+                  <a:srgbClr val="0070C0"/>
+                </a:solidFill>
+              </a:rPr>
+              <a:t>班级</a:t>
+            </a:r>
+            <a:r>
+              <a:rPr lang="en-US" altLang="zh-CN" sz="1400" b="1" dirty="0">
+                <a:solidFill>
+                  <a:srgbClr val="0070C0"/>
+                </a:solidFill>
+              </a:rPr>
+              <a:t>','</a:t>
+            </a:r>
+            <a:r>
+              <a:rPr lang="zh-CN" altLang="en-US" sz="1400" b="1" dirty="0">
+                <a:solidFill>
+                  <a:srgbClr val="0070C0"/>
+                </a:solidFill>
+              </a:rPr>
+              <a:t>姓名</a:t>
+            </a:r>
+            <a:r>
+              <a:rPr lang="en-US" altLang="zh-CN" sz="1400" b="1" dirty="0">
+                <a:solidFill>
+                  <a:srgbClr val="0070C0"/>
+                </a:solidFill>
+              </a:rPr>
+              <a:t>'],</a:t>
+            </a:r>
+          </a:p>
+          <a:p>
+            <a:r>
+              <a:rPr lang="en-US" altLang="zh-CN" sz="1400" b="1" dirty="0">
+                <a:solidFill>
+                  <a:srgbClr val="0070C0"/>
+                </a:solidFill>
+              </a:rPr>
+              <a:t>                     value_vars=['</a:t>
+            </a:r>
+            <a:r>
+              <a:rPr lang="zh-CN" altLang="en-US" sz="1400" b="1" dirty="0">
+                <a:solidFill>
+                  <a:srgbClr val="0070C0"/>
+                </a:solidFill>
+              </a:rPr>
+              <a:t>语文</a:t>
+            </a:r>
+            <a:r>
+              <a:rPr lang="en-US" altLang="zh-CN" sz="1400" b="1" dirty="0">
+                <a:solidFill>
+                  <a:srgbClr val="0070C0"/>
+                </a:solidFill>
+              </a:rPr>
+              <a:t>','</a:t>
+            </a:r>
+            <a:r>
+              <a:rPr lang="zh-CN" altLang="en-US" sz="1400" b="1" dirty="0">
+                <a:solidFill>
+                  <a:srgbClr val="0070C0"/>
+                </a:solidFill>
+              </a:rPr>
+              <a:t>数学</a:t>
+            </a:r>
+            <a:r>
+              <a:rPr lang="en-US" altLang="zh-CN" sz="1400" b="1" dirty="0">
+                <a:solidFill>
+                  <a:srgbClr val="0070C0"/>
+                </a:solidFill>
+              </a:rPr>
+              <a:t>','</a:t>
+            </a:r>
+            <a:r>
+              <a:rPr lang="zh-CN" altLang="en-US" sz="1400" b="1" dirty="0">
+                <a:solidFill>
+                  <a:srgbClr val="0070C0"/>
+                </a:solidFill>
+              </a:rPr>
+              <a:t>英语</a:t>
+            </a:r>
+            <a:r>
+              <a:rPr lang="en-US" altLang="zh-CN" sz="1400" b="1" dirty="0">
+                <a:solidFill>
+                  <a:srgbClr val="0070C0"/>
+                </a:solidFill>
+              </a:rPr>
+              <a:t>'],</a:t>
+            </a:r>
+          </a:p>
+          <a:p>
+            <a:r>
+              <a:rPr lang="en-US" altLang="zh-CN" sz="1400" b="1" dirty="0">
+                <a:solidFill>
+                  <a:srgbClr val="0070C0"/>
+                </a:solidFill>
+              </a:rPr>
+              <a:t>                     var_name='</a:t>
+            </a:r>
+            <a:r>
+              <a:rPr lang="zh-CN" altLang="en-US" sz="1400" b="1" dirty="0">
+                <a:solidFill>
+                  <a:srgbClr val="0070C0"/>
+                </a:solidFill>
+              </a:rPr>
+              <a:t>学科</a:t>
+            </a:r>
+            <a:r>
+              <a:rPr lang="en-US" altLang="zh-CN" sz="1400" b="1" dirty="0">
+                <a:solidFill>
+                  <a:srgbClr val="0070C0"/>
+                </a:solidFill>
+              </a:rPr>
+              <a:t>',</a:t>
+            </a:r>
+          </a:p>
+          <a:p>
+            <a:r>
+              <a:rPr lang="en-US" altLang="zh-CN" sz="1400" b="1" dirty="0">
+                <a:solidFill>
+                  <a:srgbClr val="0070C0"/>
+                </a:solidFill>
+              </a:rPr>
+              <a:t>                     value_name='</a:t>
+            </a:r>
+            <a:r>
+              <a:rPr lang="zh-CN" altLang="en-US" sz="1400" b="1" dirty="0">
+                <a:solidFill>
+                  <a:srgbClr val="0070C0"/>
+                </a:solidFill>
+              </a:rPr>
+              <a:t>分数</a:t>
+            </a:r>
+            <a:r>
+              <a:rPr lang="en-US" altLang="zh-CN" sz="1400" b="1" dirty="0">
+                <a:solidFill>
+                  <a:srgbClr val="0070C0"/>
+                </a:solidFill>
+              </a:rPr>
+              <a:t>',col_level=1)</a:t>
+            </a:r>
+            <a:endParaRPr lang="zh-CN" altLang="en-US" sz="1400" b="1" dirty="0">
+              <a:solidFill>
+                <a:srgbClr val="0070C0"/>
+              </a:solidFill>
+            </a:endParaRPr>
+          </a:p>
+        </p:txBody>
+      </p:sp>
+      <p:sp>
+        <p:nvSpPr>
+          <p:cNvPr id="6" name="矩形 5"/>
+          <p:cNvSpPr/>
+          <p:nvPr/>
+        </p:nvSpPr>
+        <p:spPr>
+          <a:xfrm>
+            <a:off x="1352550" y="2178050"/>
+            <a:ext cx="584200" cy="1397000"/>
+          </a:xfrm>
+          <a:prstGeom prst="rect">
+            <a:avLst/>
+          </a:prstGeom>
+          <a:noFill/>
+        </p:spPr>
+        <p:style>
+          <a:lnRef idx="2">
+            <a:schemeClr val="accent1">
+              <a:shade val="50000"/>
+            </a:schemeClr>
+          </a:lnRef>
+          <a:fillRef idx="1">
+            <a:schemeClr val="accent1"/>
+          </a:fillRef>
+          <a:effectRef idx="0">
+            <a:schemeClr val="accent1"/>
+          </a:effectRef>
+          <a:fontRef idx="minor">
+            <a:schemeClr val="lt1"/>
+          </a:fontRef>
+        </p:style>
+        <p:txBody>
+          <a:bodyPr rtlCol="0" anchor="ctr"/>
+          <a:lstStyle/>
+          <a:p>
+            <a:pPr algn="ctr"/>
+            <a:endParaRPr lang="zh-CN" altLang="en-US"/>
+          </a:p>
+        </p:txBody>
+      </p:sp>
+      <p:sp>
+        <p:nvSpPr>
+          <p:cNvPr id="10" name="矩形 9"/>
+          <p:cNvSpPr/>
+          <p:nvPr/>
+        </p:nvSpPr>
+        <p:spPr>
+          <a:xfrm>
+            <a:off x="5594350" y="1574800"/>
+            <a:ext cx="584200" cy="3702050"/>
+          </a:xfrm>
+          <a:prstGeom prst="rect">
+            <a:avLst/>
+          </a:prstGeom>
+          <a:noFill/>
+        </p:spPr>
+        <p:style>
+          <a:lnRef idx="2">
+            <a:schemeClr val="accent1">
+              <a:shade val="50000"/>
+            </a:schemeClr>
+          </a:lnRef>
+          <a:fillRef idx="1">
+            <a:schemeClr val="accent1"/>
+          </a:fillRef>
+          <a:effectRef idx="0">
+            <a:schemeClr val="accent1"/>
+          </a:effectRef>
+          <a:fontRef idx="minor">
+            <a:schemeClr val="lt1"/>
+          </a:fontRef>
+        </p:style>
+        <p:txBody>
+          <a:bodyPr rtlCol="0" anchor="ctr"/>
+          <a:lstStyle/>
+          <a:p>
+            <a:pPr algn="ctr"/>
+            <a:endParaRPr lang="zh-CN" altLang="en-US"/>
+          </a:p>
+        </p:txBody>
+      </p:sp>
+      <p:sp>
+        <p:nvSpPr>
+          <p:cNvPr id="7" name="矩形 6"/>
+          <p:cNvSpPr/>
+          <p:nvPr/>
+        </p:nvSpPr>
+        <p:spPr>
+          <a:xfrm>
+            <a:off x="2006600" y="2178050"/>
+            <a:ext cx="908050" cy="196850"/>
+          </a:xfrm>
+          <a:prstGeom prst="rect">
+            <a:avLst/>
+          </a:prstGeom>
+          <a:noFill/>
+          <a:ln>
+            <a:solidFill>
+              <a:srgbClr val="FF0000"/>
+            </a:solidFill>
+          </a:ln>
+        </p:spPr>
+        <p:style>
+          <a:lnRef idx="2">
+            <a:schemeClr val="accent1">
+              <a:shade val="50000"/>
+            </a:schemeClr>
+          </a:lnRef>
+          <a:fillRef idx="1">
+            <a:schemeClr val="accent1"/>
+          </a:fillRef>
+          <a:effectRef idx="0">
+            <a:schemeClr val="accent1"/>
+          </a:effectRef>
+          <a:fontRef idx="minor">
+            <a:schemeClr val="lt1"/>
+          </a:fontRef>
+        </p:style>
+        <p:txBody>
+          <a:bodyPr rtlCol="0" anchor="ctr"/>
+          <a:lstStyle/>
+          <a:p>
+            <a:pPr algn="ctr"/>
+            <a:endParaRPr lang="zh-CN" altLang="en-US"/>
+          </a:p>
+        </p:txBody>
+      </p:sp>
+      <p:sp>
+        <p:nvSpPr>
+          <p:cNvPr id="13" name="矩形 12"/>
+          <p:cNvSpPr/>
+          <p:nvPr/>
+        </p:nvSpPr>
+        <p:spPr>
+          <a:xfrm>
+            <a:off x="6191250" y="1778000"/>
+            <a:ext cx="266700" cy="3498850"/>
+          </a:xfrm>
+          <a:prstGeom prst="rect">
+            <a:avLst/>
+          </a:prstGeom>
+          <a:noFill/>
+          <a:ln>
+            <a:solidFill>
+              <a:srgbClr val="FF0000"/>
+            </a:solidFill>
+          </a:ln>
+        </p:spPr>
+        <p:style>
+          <a:lnRef idx="2">
+            <a:schemeClr val="accent1">
+              <a:shade val="50000"/>
+            </a:schemeClr>
+          </a:lnRef>
+          <a:fillRef idx="1">
+            <a:schemeClr val="accent1"/>
+          </a:fillRef>
+          <a:effectRef idx="0">
+            <a:schemeClr val="accent1"/>
+          </a:effectRef>
+          <a:fontRef idx="minor">
+            <a:schemeClr val="lt1"/>
+          </a:fontRef>
+        </p:style>
+        <p:txBody>
+          <a:bodyPr rtlCol="0" anchor="ctr"/>
+          <a:lstStyle/>
+          <a:p>
+            <a:pPr algn="ctr"/>
+            <a:endParaRPr lang="zh-CN" altLang="en-US"/>
+          </a:p>
+        </p:txBody>
+      </p:sp>
+      <p:sp>
+        <p:nvSpPr>
+          <p:cNvPr id="8" name="矩形 7"/>
+          <p:cNvSpPr/>
+          <p:nvPr/>
+        </p:nvSpPr>
+        <p:spPr>
+          <a:xfrm>
+            <a:off x="2008332" y="2432050"/>
+            <a:ext cx="288636" cy="1143000"/>
+          </a:xfrm>
+          <a:prstGeom prst="rect">
+            <a:avLst/>
+          </a:prstGeom>
+          <a:noFill/>
+        </p:spPr>
+        <p:style>
+          <a:lnRef idx="2">
+            <a:schemeClr val="accent2"/>
+          </a:lnRef>
+          <a:fillRef idx="1">
+            <a:schemeClr val="lt1"/>
+          </a:fillRef>
+          <a:effectRef idx="0">
+            <a:schemeClr val="accent2"/>
+          </a:effectRef>
+          <a:fontRef idx="minor">
+            <a:schemeClr val="dk1"/>
+          </a:fontRef>
+        </p:style>
+        <p:txBody>
+          <a:bodyPr rtlCol="0" anchor="ctr"/>
+          <a:lstStyle/>
+          <a:p>
+            <a:pPr algn="ctr"/>
+            <a:endParaRPr lang="zh-CN" altLang="en-US"/>
+          </a:p>
+        </p:txBody>
+      </p:sp>
+      <p:sp>
+        <p:nvSpPr>
+          <p:cNvPr id="15" name="矩形 14"/>
+          <p:cNvSpPr/>
+          <p:nvPr/>
+        </p:nvSpPr>
+        <p:spPr>
+          <a:xfrm>
+            <a:off x="6489700" y="1778000"/>
+            <a:ext cx="317500" cy="1143000"/>
+          </a:xfrm>
+          <a:prstGeom prst="rect">
+            <a:avLst/>
+          </a:prstGeom>
+          <a:noFill/>
+        </p:spPr>
+        <p:style>
+          <a:lnRef idx="2">
+            <a:schemeClr val="accent2"/>
+          </a:lnRef>
+          <a:fillRef idx="1">
+            <a:schemeClr val="lt1"/>
+          </a:fillRef>
+          <a:effectRef idx="0">
+            <a:schemeClr val="accent2"/>
+          </a:effectRef>
+          <a:fontRef idx="minor">
+            <a:schemeClr val="dk1"/>
+          </a:fontRef>
+        </p:style>
+        <p:txBody>
+          <a:bodyPr rtlCol="0" anchor="ctr"/>
+          <a:lstStyle/>
+          <a:p>
+            <a:pPr algn="ctr"/>
+            <a:endParaRPr lang="zh-CN" altLang="en-US"/>
+          </a:p>
+        </p:txBody>
+      </p:sp>
+      <p:sp>
+        <p:nvSpPr>
+          <p:cNvPr id="16" name="矩形 15"/>
+          <p:cNvSpPr/>
+          <p:nvPr/>
+        </p:nvSpPr>
+        <p:spPr>
+          <a:xfrm>
+            <a:off x="6496050" y="2955925"/>
+            <a:ext cx="317500" cy="1143000"/>
+          </a:xfrm>
+          <a:prstGeom prst="rect">
+            <a:avLst/>
+          </a:prstGeom>
+          <a:noFill/>
+        </p:spPr>
+        <p:style>
+          <a:lnRef idx="2">
+            <a:schemeClr val="accent2"/>
+          </a:lnRef>
+          <a:fillRef idx="1">
+            <a:schemeClr val="lt1"/>
+          </a:fillRef>
+          <a:effectRef idx="0">
+            <a:schemeClr val="accent2"/>
+          </a:effectRef>
+          <a:fontRef idx="minor">
+            <a:schemeClr val="dk1"/>
+          </a:fontRef>
+        </p:style>
+        <p:txBody>
+          <a:bodyPr rtlCol="0" anchor="ctr"/>
+          <a:lstStyle/>
+          <a:p>
+            <a:pPr algn="ctr"/>
+            <a:endParaRPr lang="zh-CN" altLang="en-US"/>
+          </a:p>
+        </p:txBody>
+      </p:sp>
+      <p:sp>
+        <p:nvSpPr>
+          <p:cNvPr id="17" name="矩形 16"/>
+          <p:cNvSpPr/>
+          <p:nvPr/>
+        </p:nvSpPr>
+        <p:spPr>
+          <a:xfrm>
+            <a:off x="6489700" y="4133850"/>
+            <a:ext cx="317500" cy="1143000"/>
+          </a:xfrm>
+          <a:prstGeom prst="rect">
+            <a:avLst/>
+          </a:prstGeom>
+          <a:noFill/>
+        </p:spPr>
+        <p:style>
+          <a:lnRef idx="2">
+            <a:schemeClr val="accent2"/>
+          </a:lnRef>
+          <a:fillRef idx="1">
+            <a:schemeClr val="lt1"/>
+          </a:fillRef>
+          <a:effectRef idx="0">
+            <a:schemeClr val="accent2"/>
+          </a:effectRef>
+          <a:fontRef idx="minor">
+            <a:schemeClr val="dk1"/>
+          </a:fontRef>
+        </p:style>
+        <p:txBody>
+          <a:bodyPr rtlCol="0" anchor="ctr"/>
+          <a:lstStyle/>
+          <a:p>
+            <a:pPr algn="ctr"/>
+            <a:endParaRPr lang="zh-CN" altLang="en-US"/>
+          </a:p>
+        </p:txBody>
+      </p:sp>
+      <p:sp>
+        <p:nvSpPr>
+          <p:cNvPr id="9" name="矩形 8"/>
+          <p:cNvSpPr/>
+          <p:nvPr/>
+        </p:nvSpPr>
+        <p:spPr>
+          <a:xfrm>
+            <a:off x="2085975" y="1137244"/>
+            <a:ext cx="2867645" cy="307777"/>
+          </a:xfrm>
+          <a:prstGeom prst="rect">
+            <a:avLst/>
+          </a:prstGeom>
+        </p:spPr>
+        <p:txBody>
+          <a:bodyPr wrap="none">
+            <a:spAutoFit/>
+          </a:bodyPr>
+          <a:lstStyle/>
+          <a:p>
+            <a:r>
+              <a:rPr lang="en-US" altLang="zh-CN" sz="1400" dirty="0">
+                <a:solidFill>
+                  <a:schemeClr val="accent1">
+                    <a:lumMod val="75000"/>
+                  </a:schemeClr>
+                </a:solidFill>
+              </a:rPr>
+              <a:t>id_vars</a:t>
+            </a:r>
+            <a:r>
+              <a:rPr lang="en-US" altLang="zh-CN" sz="1400" dirty="0" smtClean="0">
+                <a:solidFill>
+                  <a:schemeClr val="accent1">
+                    <a:lumMod val="75000"/>
+                  </a:schemeClr>
+                </a:solidFill>
+              </a:rPr>
+              <a:t>=[‘</a:t>
+            </a:r>
+            <a:r>
+              <a:rPr lang="zh-CN" altLang="en-US" sz="1400" dirty="0" smtClean="0">
+                <a:solidFill>
+                  <a:schemeClr val="accent1">
+                    <a:lumMod val="75000"/>
+                  </a:schemeClr>
+                </a:solidFill>
+              </a:rPr>
+              <a:t>班级</a:t>
+            </a:r>
+            <a:r>
+              <a:rPr lang="en-US" altLang="zh-CN" sz="1400" dirty="0" smtClean="0">
+                <a:solidFill>
+                  <a:schemeClr val="accent1">
+                    <a:lumMod val="75000"/>
+                  </a:schemeClr>
+                </a:solidFill>
+              </a:rPr>
+              <a:t>’,‘</a:t>
+            </a:r>
+            <a:r>
+              <a:rPr lang="zh-CN" altLang="en-US" sz="1400" dirty="0" smtClean="0">
+                <a:solidFill>
+                  <a:schemeClr val="accent1">
+                    <a:lumMod val="75000"/>
+                  </a:schemeClr>
+                </a:solidFill>
+              </a:rPr>
+              <a:t>姓名</a:t>
+            </a:r>
+            <a:r>
+              <a:rPr lang="en-US" altLang="zh-CN" sz="1400" dirty="0" smtClean="0">
+                <a:solidFill>
+                  <a:schemeClr val="accent1">
+                    <a:lumMod val="75000"/>
+                  </a:schemeClr>
+                </a:solidFill>
+              </a:rPr>
+              <a:t>’]   </a:t>
+            </a:r>
+            <a:r>
+              <a:rPr lang="en-US" altLang="zh-CN" sz="1100" dirty="0" smtClean="0">
+                <a:solidFill>
+                  <a:schemeClr val="tx1">
+                    <a:lumMod val="95000"/>
+                    <a:lumOff val="5000"/>
+                  </a:schemeClr>
+                </a:solidFill>
+              </a:rPr>
+              <a:t>--</a:t>
+            </a:r>
+            <a:r>
+              <a:rPr lang="zh-CN" altLang="en-US" sz="1100" dirty="0" smtClean="0">
+                <a:solidFill>
+                  <a:schemeClr val="tx1">
+                    <a:lumMod val="95000"/>
+                    <a:lumOff val="5000"/>
+                  </a:schemeClr>
+                </a:solidFill>
+              </a:rPr>
+              <a:t>基准列，固定</a:t>
+            </a:r>
+            <a:endParaRPr lang="zh-CN" altLang="en-US" sz="1100" dirty="0">
+              <a:solidFill>
+                <a:schemeClr val="tx1">
+                  <a:lumMod val="95000"/>
+                  <a:lumOff val="5000"/>
+                </a:schemeClr>
+              </a:solidFill>
+            </a:endParaRPr>
+          </a:p>
+        </p:txBody>
+      </p:sp>
+      <p:cxnSp>
+        <p:nvCxnSpPr>
+          <p:cNvPr id="19" name="直接箭头连接符 18"/>
+          <p:cNvCxnSpPr/>
+          <p:nvPr/>
+        </p:nvCxnSpPr>
+        <p:spPr>
+          <a:xfrm flipH="1">
+            <a:off x="1727200" y="1506576"/>
+            <a:ext cx="1428750" cy="576224"/>
+          </a:xfrm>
+          <a:prstGeom prst="straightConnector1">
+            <a:avLst/>
+          </a:prstGeom>
+          <a:ln>
+            <a:tailEnd type="arrow"/>
+          </a:ln>
+        </p:spPr>
+        <p:style>
+          <a:lnRef idx="1">
+            <a:schemeClr val="accent1"/>
+          </a:lnRef>
+          <a:fillRef idx="0">
+            <a:schemeClr val="accent1"/>
+          </a:fillRef>
+          <a:effectRef idx="0">
+            <a:schemeClr val="accent1"/>
+          </a:effectRef>
+          <a:fontRef idx="minor">
+            <a:schemeClr val="tx1"/>
+          </a:fontRef>
+        </p:style>
+      </p:cxnSp>
+      <p:cxnSp>
+        <p:nvCxnSpPr>
+          <p:cNvPr id="23" name="直接箭头连接符 22"/>
+          <p:cNvCxnSpPr/>
+          <p:nvPr/>
+        </p:nvCxnSpPr>
+        <p:spPr>
+          <a:xfrm>
+            <a:off x="3752850" y="1447800"/>
+            <a:ext cx="1778000" cy="250825"/>
+          </a:xfrm>
+          <a:prstGeom prst="straightConnector1">
+            <a:avLst/>
+          </a:prstGeom>
+          <a:ln>
+            <a:tailEnd type="arrow"/>
+          </a:ln>
+        </p:spPr>
+        <p:style>
+          <a:lnRef idx="1">
+            <a:schemeClr val="accent1"/>
+          </a:lnRef>
+          <a:fillRef idx="0">
+            <a:schemeClr val="accent1"/>
+          </a:fillRef>
+          <a:effectRef idx="0">
+            <a:schemeClr val="accent1"/>
+          </a:effectRef>
+          <a:fontRef idx="minor">
+            <a:schemeClr val="tx1"/>
+          </a:fontRef>
+        </p:style>
+      </p:cxnSp>
+      <p:cxnSp>
+        <p:nvCxnSpPr>
+          <p:cNvPr id="27" name="直接连接符 26"/>
+          <p:cNvCxnSpPr/>
+          <p:nvPr/>
+        </p:nvCxnSpPr>
+        <p:spPr>
+          <a:xfrm>
+            <a:off x="2778125" y="1422400"/>
+            <a:ext cx="1028780" cy="0"/>
+          </a:xfrm>
+          <a:prstGeom prst="line">
+            <a:avLst/>
+          </a:prstGeom>
+        </p:spPr>
+        <p:style>
+          <a:lnRef idx="3">
+            <a:schemeClr val="accent1"/>
+          </a:lnRef>
+          <a:fillRef idx="0">
+            <a:schemeClr val="accent1"/>
+          </a:fillRef>
+          <a:effectRef idx="2">
+            <a:schemeClr val="accent1"/>
+          </a:effectRef>
+          <a:fontRef idx="minor">
+            <a:schemeClr val="tx1"/>
+          </a:fontRef>
+        </p:style>
+      </p:cxnSp>
+      <p:sp>
+        <p:nvSpPr>
+          <p:cNvPr id="28" name="矩形 27"/>
+          <p:cNvSpPr/>
+          <p:nvPr/>
+        </p:nvSpPr>
+        <p:spPr>
+          <a:xfrm>
+            <a:off x="2638748" y="1821934"/>
+            <a:ext cx="2612895" cy="307777"/>
+          </a:xfrm>
+          <a:prstGeom prst="rect">
+            <a:avLst/>
+          </a:prstGeom>
+        </p:spPr>
+        <p:txBody>
+          <a:bodyPr wrap="none">
+            <a:spAutoFit/>
+          </a:bodyPr>
+          <a:lstStyle/>
+          <a:p>
+            <a:r>
+              <a:rPr lang="en-US" altLang="zh-CN" sz="1400" dirty="0">
+                <a:solidFill>
+                  <a:srgbClr val="FF0000"/>
+                </a:solidFill>
+              </a:rPr>
+              <a:t>value_vars=['</a:t>
+            </a:r>
+            <a:r>
+              <a:rPr lang="zh-CN" altLang="en-US" sz="1400" dirty="0">
+                <a:solidFill>
+                  <a:srgbClr val="FF0000"/>
+                </a:solidFill>
+              </a:rPr>
+              <a:t>语文</a:t>
+            </a:r>
+            <a:r>
+              <a:rPr lang="en-US" altLang="zh-CN" sz="1400" dirty="0">
+                <a:solidFill>
+                  <a:srgbClr val="FF0000"/>
+                </a:solidFill>
+              </a:rPr>
+              <a:t>','</a:t>
+            </a:r>
+            <a:r>
+              <a:rPr lang="zh-CN" altLang="en-US" sz="1400" dirty="0">
+                <a:solidFill>
+                  <a:srgbClr val="FF0000"/>
+                </a:solidFill>
+              </a:rPr>
+              <a:t>数学</a:t>
+            </a:r>
+            <a:r>
+              <a:rPr lang="en-US" altLang="zh-CN" sz="1400" dirty="0">
+                <a:solidFill>
+                  <a:srgbClr val="FF0000"/>
+                </a:solidFill>
+              </a:rPr>
+              <a:t>','</a:t>
+            </a:r>
+            <a:r>
+              <a:rPr lang="zh-CN" altLang="en-US" sz="1400" dirty="0">
+                <a:solidFill>
+                  <a:srgbClr val="FF0000"/>
+                </a:solidFill>
+              </a:rPr>
+              <a:t>英语</a:t>
+            </a:r>
+            <a:r>
+              <a:rPr lang="en-US" altLang="zh-CN" sz="1400" dirty="0">
+                <a:solidFill>
+                  <a:srgbClr val="FF0000"/>
+                </a:solidFill>
+              </a:rPr>
+              <a:t>'],</a:t>
+            </a:r>
+            <a:endParaRPr lang="zh-CN" altLang="en-US" sz="1400" dirty="0">
+              <a:solidFill>
+                <a:srgbClr val="FF0000"/>
+              </a:solidFill>
+            </a:endParaRPr>
+          </a:p>
+        </p:txBody>
+      </p:sp>
+      <p:sp>
+        <p:nvSpPr>
+          <p:cNvPr id="29" name="矩形 28"/>
+          <p:cNvSpPr/>
+          <p:nvPr/>
+        </p:nvSpPr>
+        <p:spPr>
+          <a:xfrm>
+            <a:off x="3155950" y="2129711"/>
+            <a:ext cx="1445204" cy="307777"/>
+          </a:xfrm>
+          <a:prstGeom prst="rect">
+            <a:avLst/>
+          </a:prstGeom>
+        </p:spPr>
+        <p:txBody>
+          <a:bodyPr wrap="none">
+            <a:spAutoFit/>
+          </a:bodyPr>
+          <a:lstStyle/>
+          <a:p>
+            <a:r>
+              <a:rPr lang="en-US" altLang="zh-CN" sz="1400" dirty="0">
+                <a:solidFill>
+                  <a:srgbClr val="FF0000"/>
+                </a:solidFill>
+              </a:rPr>
+              <a:t>var_name='</a:t>
+            </a:r>
+            <a:r>
+              <a:rPr lang="zh-CN" altLang="en-US" sz="1400" dirty="0">
+                <a:solidFill>
+                  <a:srgbClr val="FF0000"/>
+                </a:solidFill>
+              </a:rPr>
+              <a:t>学科</a:t>
+            </a:r>
+            <a:r>
+              <a:rPr lang="en-US" altLang="zh-CN" sz="1400" dirty="0">
+                <a:solidFill>
+                  <a:srgbClr val="FF0000"/>
+                </a:solidFill>
+              </a:rPr>
+              <a:t>'</a:t>
+            </a:r>
+            <a:endParaRPr lang="zh-CN" altLang="en-US" sz="1400" dirty="0">
+              <a:solidFill>
+                <a:srgbClr val="FF0000"/>
+              </a:solidFill>
+            </a:endParaRPr>
+          </a:p>
+        </p:txBody>
+      </p:sp>
+      <p:cxnSp>
+        <p:nvCxnSpPr>
+          <p:cNvPr id="31" name="直接箭头连接符 30"/>
+          <p:cNvCxnSpPr/>
+          <p:nvPr/>
+        </p:nvCxnSpPr>
+        <p:spPr>
+          <a:xfrm flipH="1">
+            <a:off x="2914650" y="2082800"/>
+            <a:ext cx="317500" cy="95250"/>
+          </a:xfrm>
+          <a:prstGeom prst="straightConnector1">
+            <a:avLst/>
+          </a:prstGeom>
+          <a:ln>
+            <a:solidFill>
+              <a:srgbClr val="FF0000"/>
+            </a:solidFill>
+            <a:tailEnd type="arrow"/>
+          </a:ln>
+        </p:spPr>
+        <p:style>
+          <a:lnRef idx="1">
+            <a:schemeClr val="accent1"/>
+          </a:lnRef>
+          <a:fillRef idx="0">
+            <a:schemeClr val="accent1"/>
+          </a:fillRef>
+          <a:effectRef idx="0">
+            <a:schemeClr val="accent1"/>
+          </a:effectRef>
+          <a:fontRef idx="minor">
+            <a:schemeClr val="tx1"/>
+          </a:fontRef>
+        </p:style>
+      </p:cxnSp>
+      <p:cxnSp>
+        <p:nvCxnSpPr>
+          <p:cNvPr id="2049" name="直接箭头连接符 2048"/>
+          <p:cNvCxnSpPr/>
+          <p:nvPr/>
+        </p:nvCxnSpPr>
+        <p:spPr>
+          <a:xfrm flipV="1">
+            <a:off x="4476750" y="1698625"/>
+            <a:ext cx="1765300" cy="584974"/>
+          </a:xfrm>
+          <a:prstGeom prst="straightConnector1">
+            <a:avLst/>
+          </a:prstGeom>
+          <a:ln>
+            <a:solidFill>
+              <a:srgbClr val="FF0000"/>
+            </a:solidFill>
+            <a:tailEnd type="arrow"/>
+          </a:ln>
+        </p:spPr>
+        <p:style>
+          <a:lnRef idx="1">
+            <a:schemeClr val="accent1"/>
+          </a:lnRef>
+          <a:fillRef idx="0">
+            <a:schemeClr val="accent1"/>
+          </a:fillRef>
+          <a:effectRef idx="0">
+            <a:schemeClr val="accent1"/>
+          </a:effectRef>
+          <a:fontRef idx="minor">
+            <a:schemeClr val="tx1"/>
+          </a:fontRef>
+        </p:style>
+      </p:cxnSp>
+      <p:sp>
+        <p:nvSpPr>
+          <p:cNvPr id="2053" name="矩形 2052"/>
+          <p:cNvSpPr/>
+          <p:nvPr/>
+        </p:nvSpPr>
+        <p:spPr>
+          <a:xfrm>
+            <a:off x="3006439" y="2445663"/>
+            <a:ext cx="2130711" cy="430887"/>
+          </a:xfrm>
+          <a:prstGeom prst="rect">
+            <a:avLst/>
+          </a:prstGeom>
+        </p:spPr>
+        <p:txBody>
+          <a:bodyPr wrap="none">
+            <a:spAutoFit/>
+          </a:bodyPr>
+          <a:lstStyle/>
+          <a:p>
+            <a:r>
+              <a:rPr lang="en-US" altLang="zh-CN" sz="1100" dirty="0"/>
+              <a:t>'</a:t>
+            </a:r>
+            <a:r>
+              <a:rPr lang="zh-CN" altLang="en-US" sz="1100" dirty="0"/>
+              <a:t>语文</a:t>
+            </a:r>
+            <a:r>
+              <a:rPr lang="en-US" altLang="zh-CN" sz="1100" dirty="0"/>
+              <a:t>','</a:t>
+            </a:r>
+            <a:r>
+              <a:rPr lang="zh-CN" altLang="en-US" sz="1100" dirty="0"/>
+              <a:t>数学</a:t>
+            </a:r>
+            <a:r>
+              <a:rPr lang="en-US" altLang="zh-CN" sz="1100" dirty="0"/>
+              <a:t>','</a:t>
+            </a:r>
+            <a:r>
+              <a:rPr lang="zh-CN" altLang="en-US" sz="1100" dirty="0"/>
+              <a:t>英语</a:t>
+            </a:r>
+            <a:r>
+              <a:rPr lang="en-US" altLang="zh-CN" sz="1100" dirty="0"/>
+              <a:t>'</a:t>
+            </a:r>
+            <a:r>
+              <a:rPr lang="zh-CN" altLang="en-US" sz="1100" dirty="0"/>
+              <a:t>三列转换</a:t>
+            </a:r>
+            <a:r>
+              <a:rPr lang="zh-CN" altLang="en-US" sz="1100" dirty="0" smtClean="0"/>
+              <a:t>成行</a:t>
+            </a:r>
+            <a:endParaRPr lang="en-US" altLang="zh-CN" sz="1100" dirty="0" smtClean="0"/>
+          </a:p>
+          <a:p>
+            <a:r>
+              <a:rPr lang="zh-CN" altLang="en-US" sz="1100" dirty="0" smtClean="0"/>
+              <a:t>融合</a:t>
+            </a:r>
+            <a:r>
+              <a:rPr lang="zh-CN" altLang="en-US" sz="1100" dirty="0"/>
+              <a:t>为</a:t>
+            </a:r>
+            <a:r>
+              <a:rPr lang="zh-CN" altLang="en-US" sz="1100" dirty="0"/>
+              <a:t>“学科”字段</a:t>
+            </a:r>
+          </a:p>
+        </p:txBody>
+      </p:sp>
+      <p:sp>
+        <p:nvSpPr>
+          <p:cNvPr id="38" name="矩形 37"/>
+          <p:cNvSpPr/>
+          <p:nvPr/>
+        </p:nvSpPr>
+        <p:spPr>
+          <a:xfrm>
+            <a:off x="2350237" y="2432050"/>
+            <a:ext cx="268725" cy="1143000"/>
+          </a:xfrm>
+          <a:prstGeom prst="rect">
+            <a:avLst/>
+          </a:prstGeom>
+          <a:noFill/>
+        </p:spPr>
+        <p:style>
+          <a:lnRef idx="2">
+            <a:schemeClr val="accent2"/>
+          </a:lnRef>
+          <a:fillRef idx="1">
+            <a:schemeClr val="lt1"/>
+          </a:fillRef>
+          <a:effectRef idx="0">
+            <a:schemeClr val="accent2"/>
+          </a:effectRef>
+          <a:fontRef idx="minor">
+            <a:schemeClr val="dk1"/>
+          </a:fontRef>
+        </p:style>
+        <p:txBody>
+          <a:bodyPr rtlCol="0" anchor="ctr"/>
+          <a:lstStyle/>
+          <a:p>
+            <a:pPr algn="ctr"/>
+            <a:endParaRPr lang="zh-CN" altLang="en-US"/>
+          </a:p>
+        </p:txBody>
+      </p:sp>
+      <p:sp>
+        <p:nvSpPr>
+          <p:cNvPr id="41" name="矩形 40"/>
+          <p:cNvSpPr/>
+          <p:nvPr/>
+        </p:nvSpPr>
+        <p:spPr>
+          <a:xfrm>
+            <a:off x="2664400" y="2432050"/>
+            <a:ext cx="244295" cy="1143000"/>
+          </a:xfrm>
+          <a:prstGeom prst="rect">
+            <a:avLst/>
+          </a:prstGeom>
+          <a:noFill/>
+        </p:spPr>
+        <p:style>
+          <a:lnRef idx="2">
+            <a:schemeClr val="accent2"/>
+          </a:lnRef>
+          <a:fillRef idx="1">
+            <a:schemeClr val="lt1"/>
+          </a:fillRef>
+          <a:effectRef idx="0">
+            <a:schemeClr val="accent2"/>
+          </a:effectRef>
+          <a:fontRef idx="minor">
+            <a:schemeClr val="dk1"/>
+          </a:fontRef>
+        </p:style>
+        <p:txBody>
+          <a:bodyPr rtlCol="0" anchor="ctr"/>
+          <a:lstStyle/>
+          <a:p>
+            <a:pPr algn="ctr"/>
+            <a:endParaRPr lang="zh-CN" altLang="en-US"/>
+          </a:p>
+        </p:txBody>
+      </p:sp>
+      <p:sp>
+        <p:nvSpPr>
+          <p:cNvPr id="2054" name="矩形 2053"/>
+          <p:cNvSpPr/>
+          <p:nvPr/>
+        </p:nvSpPr>
+        <p:spPr>
+          <a:xfrm>
+            <a:off x="3112944" y="3466584"/>
+            <a:ext cx="1619931" cy="369332"/>
+          </a:xfrm>
+          <a:prstGeom prst="rect">
+            <a:avLst/>
+          </a:prstGeom>
+        </p:spPr>
+        <p:txBody>
+          <a:bodyPr wrap="none">
+            <a:spAutoFit/>
+          </a:bodyPr>
+          <a:lstStyle/>
+          <a:p>
+            <a:r>
+              <a:rPr lang="en-US" altLang="zh-CN" sz="1400" dirty="0">
+                <a:solidFill>
+                  <a:schemeClr val="accent2">
+                    <a:lumMod val="75000"/>
+                  </a:schemeClr>
+                </a:solidFill>
+              </a:rPr>
+              <a:t>value_name='</a:t>
+            </a:r>
+            <a:r>
+              <a:rPr lang="zh-CN" altLang="en-US" sz="1400" dirty="0">
+                <a:solidFill>
+                  <a:schemeClr val="accent2">
+                    <a:lumMod val="75000"/>
+                  </a:schemeClr>
+                </a:solidFill>
+              </a:rPr>
+              <a:t>分数</a:t>
+            </a:r>
+            <a:r>
+              <a:rPr lang="en-US" altLang="zh-CN" dirty="0">
+                <a:solidFill>
+                  <a:schemeClr val="accent2">
+                    <a:lumMod val="75000"/>
+                  </a:schemeClr>
+                </a:solidFill>
+              </a:rPr>
+              <a:t>'</a:t>
+            </a:r>
+            <a:endParaRPr lang="zh-CN" altLang="en-US" dirty="0">
+              <a:solidFill>
+                <a:schemeClr val="accent2">
+                  <a:lumMod val="75000"/>
+                </a:schemeClr>
+              </a:solidFill>
+            </a:endParaRPr>
+          </a:p>
+        </p:txBody>
+      </p:sp>
+      <p:sp>
+        <p:nvSpPr>
+          <p:cNvPr id="2055" name="矩形 2054"/>
+          <p:cNvSpPr/>
+          <p:nvPr/>
+        </p:nvSpPr>
+        <p:spPr>
+          <a:xfrm>
+            <a:off x="2865412" y="3766066"/>
+            <a:ext cx="2159566" cy="261610"/>
+          </a:xfrm>
+          <a:prstGeom prst="rect">
+            <a:avLst/>
+          </a:prstGeom>
+        </p:spPr>
+        <p:txBody>
+          <a:bodyPr wrap="none">
+            <a:spAutoFit/>
+          </a:bodyPr>
+          <a:lstStyle/>
+          <a:p>
+            <a:r>
+              <a:rPr lang="zh-CN" altLang="en-US" sz="1100" dirty="0"/>
+              <a:t>这三个列的值定义为“分数”列</a:t>
+            </a:r>
+          </a:p>
+        </p:txBody>
+      </p:sp>
+      <p:cxnSp>
+        <p:nvCxnSpPr>
+          <p:cNvPr id="2057" name="直接箭头连接符 2056"/>
+          <p:cNvCxnSpPr>
+            <a:stCxn id="2054" idx="1"/>
+          </p:cNvCxnSpPr>
+          <p:nvPr/>
+        </p:nvCxnSpPr>
+        <p:spPr>
+          <a:xfrm flipH="1" flipV="1">
+            <a:off x="2519815" y="3613150"/>
+            <a:ext cx="593129" cy="38100"/>
+          </a:xfrm>
+          <a:prstGeom prst="straightConnector1">
+            <a:avLst/>
+          </a:prstGeom>
+          <a:ln>
+            <a:solidFill>
+              <a:schemeClr val="accent2">
+                <a:lumMod val="75000"/>
+              </a:schemeClr>
+            </a:solidFill>
+            <a:tailEnd type="arrow"/>
+          </a:ln>
+        </p:spPr>
+        <p:style>
+          <a:lnRef idx="1">
+            <a:schemeClr val="accent1"/>
+          </a:lnRef>
+          <a:fillRef idx="0">
+            <a:schemeClr val="accent1"/>
+          </a:fillRef>
+          <a:effectRef idx="0">
+            <a:schemeClr val="accent1"/>
+          </a:effectRef>
+          <a:fontRef idx="minor">
+            <a:schemeClr val="tx1"/>
+          </a:fontRef>
+        </p:style>
+      </p:cxnSp>
+      <p:cxnSp>
+        <p:nvCxnSpPr>
+          <p:cNvPr id="46" name="直接箭头连接符 45"/>
+          <p:cNvCxnSpPr>
+            <a:stCxn id="2054" idx="3"/>
+          </p:cNvCxnSpPr>
+          <p:nvPr/>
+        </p:nvCxnSpPr>
+        <p:spPr>
+          <a:xfrm flipV="1">
+            <a:off x="4732875" y="3219450"/>
+            <a:ext cx="1756825" cy="431800"/>
+          </a:xfrm>
+          <a:prstGeom prst="straightConnector1">
+            <a:avLst/>
+          </a:prstGeom>
+          <a:ln>
+            <a:solidFill>
+              <a:schemeClr val="accent2">
+                <a:lumMod val="75000"/>
+              </a:schemeClr>
+            </a:solidFill>
+            <a:tailEnd type="arrow"/>
+          </a:ln>
+        </p:spPr>
+        <p:style>
+          <a:lnRef idx="1">
+            <a:schemeClr val="accent1"/>
+          </a:lnRef>
+          <a:fillRef idx="0">
+            <a:schemeClr val="accent1"/>
+          </a:fillRef>
+          <a:effectRef idx="0">
+            <a:schemeClr val="accent1"/>
+          </a:effectRef>
+          <a:fontRef idx="minor">
+            <a:schemeClr val="tx1"/>
+          </a:fontRef>
+        </p:style>
+      </p:cxnSp>
+      <p:sp>
+        <p:nvSpPr>
+          <p:cNvPr id="2061" name="矩形 2060"/>
+          <p:cNvSpPr/>
+          <p:nvPr/>
+        </p:nvSpPr>
+        <p:spPr>
+          <a:xfrm>
+            <a:off x="416139" y="2137658"/>
+            <a:ext cx="832279" cy="261610"/>
+          </a:xfrm>
+          <a:prstGeom prst="rect">
+            <a:avLst/>
+          </a:prstGeom>
+        </p:spPr>
+        <p:txBody>
+          <a:bodyPr wrap="none">
+            <a:spAutoFit/>
+          </a:bodyPr>
+          <a:lstStyle/>
+          <a:p>
+            <a:r>
+              <a:rPr lang="en-US" altLang="zh-CN" sz="1050" dirty="0"/>
+              <a:t>col_level=1</a:t>
+            </a:r>
+            <a:endParaRPr lang="zh-CN" altLang="en-US" sz="1050" dirty="0"/>
+          </a:p>
+        </p:txBody>
+      </p:sp>
+      <p:sp>
+        <p:nvSpPr>
+          <p:cNvPr id="51" name="矩形 50"/>
+          <p:cNvSpPr/>
+          <p:nvPr/>
+        </p:nvSpPr>
+        <p:spPr>
+          <a:xfrm>
+            <a:off x="6813550" y="1497934"/>
+            <a:ext cx="832279" cy="261610"/>
+          </a:xfrm>
+          <a:prstGeom prst="rect">
+            <a:avLst/>
+          </a:prstGeom>
+        </p:spPr>
+        <p:txBody>
+          <a:bodyPr wrap="none">
+            <a:spAutoFit/>
+          </a:bodyPr>
+          <a:lstStyle/>
+          <a:p>
+            <a:r>
+              <a:rPr lang="en-US" altLang="zh-CN" sz="1050" dirty="0"/>
+              <a:t>col_level=1</a:t>
+            </a:r>
+            <a:endParaRPr lang="zh-CN" altLang="en-US" sz="1050" dirty="0"/>
+          </a:p>
+        </p:txBody>
+      </p:sp>
+    </p:spTree>
+    <p:extLst>
+      <p:ext uri="{BB962C8B-B14F-4D97-AF65-F5344CB8AC3E}">
+        <p14:creationId xmlns:p14="http://schemas.microsoft.com/office/powerpoint/2010/main" val="2734345850"/>
+      </p:ext>
+    </p:extLst>
+  </p:cSld>
+  <p:clrMapOvr>
+    <a:masterClrMapping/>
+  </p:clrMapOvr>
+</p:sld>
+</file>
+
+<file path=ppt/slides/slide9.xml><?xml version="1.0" encoding="utf-8"?>
+<p:sld xmlns:a="http://schemas.openxmlformats.org/drawingml/2006/main" xmlns:r="http://schemas.openxmlformats.org/officeDocument/2006/relationships" xmlns:p="http://schemas.openxmlformats.org/presentationml/2006/main">
+  <p:cSld>
+    <p:spTree>
+      <p:nvGrpSpPr>
+        <p:cNvPr id="1" name=""/>
+        <p:cNvGrpSpPr/>
+        <p:nvPr/>
+      </p:nvGrpSpPr>
+      <p:grpSpPr>
+        <a:xfrm>
+          <a:off x="0" y="0"/>
+          <a:ext cx="0" cy="0"/>
+          <a:chOff x="0" y="0"/>
+          <a:chExt cx="0" cy="0"/>
+        </a:xfrm>
+      </p:grpSpPr>
+      <p:pic>
+        <p:nvPicPr>
+          <p:cNvPr id="3074" name="Picture 2"/>
+          <p:cNvPicPr>
+            <a:picLocks noChangeAspect="1" noChangeArrowheads="1"/>
+          </p:cNvPicPr>
+          <p:nvPr/>
+        </p:nvPicPr>
+        <p:blipFill>
+          <a:blip r:embed="rId2">
+            <a:extLst>
+              <a:ext uri="{28A0092B-C50C-407E-A947-70E740481C1C}">
+                <a14:useLocalDpi xmlns:a14="http://schemas.microsoft.com/office/drawing/2010/main" val="0"/>
+              </a:ext>
+            </a:extLst>
+          </a:blip>
+          <a:srcRect/>
+          <a:stretch>
+            <a:fillRect/>
+          </a:stretch>
+        </p:blipFill>
+        <p:spPr bwMode="auto">
+          <a:xfrm>
+            <a:off x="1309688" y="1196975"/>
+            <a:ext cx="1571625" cy="3867150"/>
+          </a:xfrm>
+          <a:prstGeom prst="rect">
+            <a:avLst/>
+          </a:prstGeom>
+          <a:noFill/>
+          <a:ln>
+            <a:noFill/>
+          </a:ln>
+          <a:extLst>
+            <a:ext uri="{909E8E84-426E-40DD-AFC4-6F175D3DCCD1}">
+              <a14:hiddenFill xmlns:a14="http://schemas.microsoft.com/office/drawing/2010/main">
+                <a:solidFill>
+                  <a:schemeClr val="accent1"/>
+                </a:solidFill>
+              </a14:hiddenFill>
+            </a:ext>
+            <a:ext uri="{91240B29-F687-4F45-9708-019B960494DF}">
+              <a14:hiddenLine xmlns:a14="http://schemas.microsoft.com/office/drawing/2010/main" w="9525">
+                <a:solidFill>
+                  <a:schemeClr val="tx1"/>
+                </a:solidFill>
+                <a:miter lim="800000"/>
+                <a:headEnd/>
+                <a:tailEnd/>
+              </a14:hiddenLine>
+            </a:ext>
+          </a:extLst>
+        </p:spPr>
+      </p:pic>
+      <p:pic>
+        <p:nvPicPr>
+          <p:cNvPr id="3075" name="Picture 3"/>
+          <p:cNvPicPr>
+            <a:picLocks noChangeAspect="1" noChangeArrowheads="1"/>
+          </p:cNvPicPr>
+          <p:nvPr/>
+        </p:nvPicPr>
+        <p:blipFill>
+          <a:blip r:embed="rId3">
+            <a:extLst>
+              <a:ext uri="{28A0092B-C50C-407E-A947-70E740481C1C}">
+                <a14:useLocalDpi xmlns:a14="http://schemas.microsoft.com/office/drawing/2010/main" val="0"/>
+              </a:ext>
+            </a:extLst>
+          </a:blip>
+          <a:srcRect/>
+          <a:stretch>
+            <a:fillRect/>
+          </a:stretch>
+        </p:blipFill>
+        <p:spPr bwMode="auto">
+          <a:xfrm>
+            <a:off x="4676775" y="2293938"/>
+            <a:ext cx="1695450" cy="1800225"/>
+          </a:xfrm>
+          <a:prstGeom prst="rect">
+            <a:avLst/>
+          </a:prstGeom>
+          <a:noFill/>
+          <a:ln>
+            <a:noFill/>
+          </a:ln>
+          <a:extLst>
+            <a:ext uri="{909E8E84-426E-40DD-AFC4-6F175D3DCCD1}">
+              <a14:hiddenFill xmlns:a14="http://schemas.microsoft.com/office/drawing/2010/main">
+                <a:solidFill>
+                  <a:schemeClr val="accent1"/>
+                </a:solidFill>
+              </a14:hiddenFill>
+            </a:ext>
+            <a:ext uri="{91240B29-F687-4F45-9708-019B960494DF}">
+              <a14:hiddenLine xmlns:a14="http://schemas.microsoft.com/office/drawing/2010/main" w="9525">
+                <a:solidFill>
+                  <a:schemeClr val="tx1"/>
+                </a:solidFill>
+                <a:miter lim="800000"/>
+                <a:headEnd/>
+                <a:tailEnd/>
+              </a14:hiddenLine>
+            </a:ext>
+          </a:extLst>
+        </p:spPr>
+      </p:pic>
+      <p:sp>
+        <p:nvSpPr>
+          <p:cNvPr id="4" name="矩形 3"/>
+          <p:cNvSpPr/>
+          <p:nvPr/>
+        </p:nvSpPr>
+        <p:spPr>
+          <a:xfrm>
+            <a:off x="1212850" y="5169585"/>
+            <a:ext cx="5346700" cy="307777"/>
+          </a:xfrm>
+          <a:prstGeom prst="rect">
+            <a:avLst/>
+          </a:prstGeom>
+        </p:spPr>
+        <p:txBody>
+          <a:bodyPr wrap="square">
+            <a:spAutoFit/>
+          </a:bodyPr>
+          <a:lstStyle/>
+          <a:p>
+            <a:r>
+              <a:rPr lang="en-US" altLang="zh-CN" sz="1400" dirty="0"/>
+              <a:t>df_student5.pivot(index=['</a:t>
+            </a:r>
+            <a:r>
+              <a:rPr lang="zh-CN" altLang="en-US" sz="1400" dirty="0"/>
+              <a:t>班级</a:t>
+            </a:r>
+            <a:r>
+              <a:rPr lang="en-US" altLang="zh-CN" sz="1400" dirty="0"/>
+              <a:t>','</a:t>
+            </a:r>
+            <a:r>
+              <a:rPr lang="zh-CN" altLang="en-US" sz="1400" dirty="0"/>
+              <a:t>姓名</a:t>
+            </a:r>
+            <a:r>
+              <a:rPr lang="en-US" altLang="zh-CN" sz="1400" dirty="0"/>
+              <a:t>'],columns='</a:t>
+            </a:r>
+            <a:r>
+              <a:rPr lang="zh-CN" altLang="en-US" sz="1400" dirty="0"/>
+              <a:t>学科</a:t>
+            </a:r>
+            <a:r>
+              <a:rPr lang="en-US" altLang="zh-CN" sz="1400" dirty="0"/>
+              <a:t>',values='</a:t>
+            </a:r>
+            <a:r>
+              <a:rPr lang="zh-CN" altLang="en-US" sz="1400" dirty="0"/>
+              <a:t>分数</a:t>
+            </a:r>
+            <a:r>
+              <a:rPr lang="en-US" altLang="zh-CN" sz="1400" dirty="0"/>
+              <a:t>')</a:t>
+            </a:r>
+            <a:endParaRPr lang="zh-CN" altLang="en-US" sz="1400" dirty="0"/>
+          </a:p>
+        </p:txBody>
+      </p:sp>
+      <p:sp>
+        <p:nvSpPr>
+          <p:cNvPr id="5" name="矩形 4"/>
+          <p:cNvSpPr/>
+          <p:nvPr/>
+        </p:nvSpPr>
+        <p:spPr>
+          <a:xfrm>
+            <a:off x="1638300" y="1289050"/>
+            <a:ext cx="558800" cy="3714750"/>
+          </a:xfrm>
+          <a:prstGeom prst="rect">
+            <a:avLst/>
+          </a:prstGeom>
+          <a:noFill/>
+          <a:ln>
+            <a:solidFill>
+              <a:schemeClr val="accent1"/>
+            </a:solidFill>
+          </a:ln>
+        </p:spPr>
+        <p:style>
+          <a:lnRef idx="2">
+            <a:schemeClr val="accent1"/>
+          </a:lnRef>
+          <a:fillRef idx="1">
+            <a:schemeClr val="lt1"/>
+          </a:fillRef>
+          <a:effectRef idx="0">
+            <a:schemeClr val="accent1"/>
+          </a:effectRef>
+          <a:fontRef idx="minor">
+            <a:schemeClr val="dk1"/>
+          </a:fontRef>
+        </p:style>
+        <p:txBody>
+          <a:bodyPr rtlCol="0" anchor="ctr"/>
+          <a:lstStyle/>
+          <a:p>
+            <a:pPr algn="ctr"/>
+            <a:endParaRPr lang="zh-CN" altLang="en-US"/>
+          </a:p>
+        </p:txBody>
+      </p:sp>
+      <p:sp>
+        <p:nvSpPr>
+          <p:cNvPr id="9" name="矩形 8"/>
+          <p:cNvSpPr/>
+          <p:nvPr/>
+        </p:nvSpPr>
+        <p:spPr>
+          <a:xfrm>
+            <a:off x="4737100" y="2603500"/>
+            <a:ext cx="615950" cy="1490663"/>
+          </a:xfrm>
+          <a:prstGeom prst="rect">
+            <a:avLst/>
+          </a:prstGeom>
+          <a:noFill/>
+          <a:ln>
+            <a:solidFill>
+              <a:schemeClr val="accent1"/>
+            </a:solidFill>
+          </a:ln>
+        </p:spPr>
+        <p:style>
+          <a:lnRef idx="2">
+            <a:schemeClr val="accent1"/>
+          </a:lnRef>
+          <a:fillRef idx="1">
+            <a:schemeClr val="lt1"/>
+          </a:fillRef>
+          <a:effectRef idx="0">
+            <a:schemeClr val="accent1"/>
+          </a:effectRef>
+          <a:fontRef idx="minor">
+            <a:schemeClr val="dk1"/>
+          </a:fontRef>
+        </p:style>
+        <p:txBody>
+          <a:bodyPr rtlCol="0" anchor="ctr"/>
+          <a:lstStyle/>
+          <a:p>
+            <a:pPr algn="ctr"/>
+            <a:endParaRPr lang="zh-CN" altLang="en-US"/>
+          </a:p>
+        </p:txBody>
+      </p:sp>
+      <p:sp>
+        <p:nvSpPr>
+          <p:cNvPr id="6" name="矩形 5"/>
+          <p:cNvSpPr/>
+          <p:nvPr/>
+        </p:nvSpPr>
+        <p:spPr>
+          <a:xfrm>
+            <a:off x="2254250" y="1289050"/>
+            <a:ext cx="285750" cy="3714750"/>
+          </a:xfrm>
+          <a:prstGeom prst="rect">
+            <a:avLst/>
+          </a:prstGeom>
+          <a:noFill/>
+          <a:ln>
+            <a:solidFill>
+              <a:srgbClr val="FF0000"/>
+            </a:solidFill>
+          </a:ln>
+        </p:spPr>
+        <p:style>
+          <a:lnRef idx="2">
+            <a:schemeClr val="accent1">
+              <a:shade val="50000"/>
+            </a:schemeClr>
+          </a:lnRef>
+          <a:fillRef idx="1">
+            <a:schemeClr val="accent1"/>
+          </a:fillRef>
+          <a:effectRef idx="0">
+            <a:schemeClr val="accent1"/>
+          </a:effectRef>
+          <a:fontRef idx="minor">
+            <a:schemeClr val="lt1"/>
+          </a:fontRef>
+        </p:style>
+        <p:txBody>
+          <a:bodyPr rtlCol="0" anchor="ctr"/>
+          <a:lstStyle/>
+          <a:p>
+            <a:pPr algn="ctr"/>
+            <a:endParaRPr lang="zh-CN" altLang="en-US"/>
+          </a:p>
+        </p:txBody>
+      </p:sp>
+      <p:sp>
+        <p:nvSpPr>
+          <p:cNvPr id="11" name="矩形 10"/>
+          <p:cNvSpPr/>
+          <p:nvPr/>
+        </p:nvSpPr>
+        <p:spPr>
+          <a:xfrm>
+            <a:off x="5353050" y="2374900"/>
+            <a:ext cx="908050" cy="171450"/>
+          </a:xfrm>
+          <a:prstGeom prst="rect">
+            <a:avLst/>
+          </a:prstGeom>
+          <a:noFill/>
+          <a:ln>
+            <a:solidFill>
+              <a:srgbClr val="FF0000"/>
+            </a:solidFill>
+          </a:ln>
+        </p:spPr>
+        <p:style>
+          <a:lnRef idx="2">
+            <a:schemeClr val="accent1">
+              <a:shade val="50000"/>
+            </a:schemeClr>
+          </a:lnRef>
+          <a:fillRef idx="1">
+            <a:schemeClr val="accent1"/>
+          </a:fillRef>
+          <a:effectRef idx="0">
+            <a:schemeClr val="accent1"/>
+          </a:effectRef>
+          <a:fontRef idx="minor">
+            <a:schemeClr val="lt1"/>
+          </a:fontRef>
+        </p:style>
+        <p:txBody>
+          <a:bodyPr rtlCol="0" anchor="ctr"/>
+          <a:lstStyle/>
+          <a:p>
+            <a:pPr algn="ctr"/>
+            <a:endParaRPr lang="zh-CN" altLang="en-US"/>
+          </a:p>
+        </p:txBody>
+      </p:sp>
+      <p:sp>
+        <p:nvSpPr>
+          <p:cNvPr id="7" name="矩形 6"/>
+          <p:cNvSpPr/>
+          <p:nvPr/>
+        </p:nvSpPr>
+        <p:spPr>
+          <a:xfrm>
+            <a:off x="2597150" y="1289050"/>
+            <a:ext cx="265113" cy="3714750"/>
+          </a:xfrm>
+          <a:prstGeom prst="rect">
+            <a:avLst/>
+          </a:prstGeom>
+          <a:noFill/>
+        </p:spPr>
+        <p:style>
+          <a:lnRef idx="2">
+            <a:schemeClr val="accent2"/>
+          </a:lnRef>
+          <a:fillRef idx="1">
+            <a:schemeClr val="lt1"/>
+          </a:fillRef>
+          <a:effectRef idx="0">
+            <a:schemeClr val="accent2"/>
+          </a:effectRef>
+          <a:fontRef idx="minor">
+            <a:schemeClr val="dk1"/>
+          </a:fontRef>
+        </p:style>
+        <p:txBody>
+          <a:bodyPr rtlCol="0" anchor="ctr"/>
+          <a:lstStyle/>
+          <a:p>
+            <a:pPr algn="ctr"/>
+            <a:endParaRPr lang="zh-CN" altLang="en-US"/>
+          </a:p>
+        </p:txBody>
+      </p:sp>
+      <p:sp>
+        <p:nvSpPr>
+          <p:cNvPr id="13" name="矩形 12"/>
+          <p:cNvSpPr/>
+          <p:nvPr/>
+        </p:nvSpPr>
+        <p:spPr>
+          <a:xfrm>
+            <a:off x="5391943" y="2876550"/>
+            <a:ext cx="869157" cy="1217613"/>
+          </a:xfrm>
+          <a:prstGeom prst="rect">
+            <a:avLst/>
+          </a:prstGeom>
+          <a:noFill/>
+        </p:spPr>
+        <p:style>
+          <a:lnRef idx="2">
+            <a:schemeClr val="accent2"/>
+          </a:lnRef>
+          <a:fillRef idx="1">
+            <a:schemeClr val="lt1"/>
+          </a:fillRef>
+          <a:effectRef idx="0">
+            <a:schemeClr val="accent2"/>
+          </a:effectRef>
+          <a:fontRef idx="minor">
+            <a:schemeClr val="dk1"/>
+          </a:fontRef>
+        </p:style>
+        <p:txBody>
+          <a:bodyPr rtlCol="0" anchor="ctr"/>
+          <a:lstStyle/>
+          <a:p>
+            <a:pPr algn="ctr"/>
+            <a:endParaRPr lang="zh-CN" altLang="en-US"/>
+          </a:p>
+        </p:txBody>
+      </p:sp>
+      <p:cxnSp>
+        <p:nvCxnSpPr>
+          <p:cNvPr id="12" name="直接箭头连接符 11"/>
+          <p:cNvCxnSpPr/>
+          <p:nvPr/>
+        </p:nvCxnSpPr>
+        <p:spPr>
+          <a:xfrm>
+            <a:off x="2197100" y="1289050"/>
+            <a:ext cx="2540000" cy="1314450"/>
+          </a:xfrm>
+          <a:prstGeom prst="straightConnector1">
+            <a:avLst/>
+          </a:prstGeom>
+          <a:ln>
+            <a:prstDash val="dash"/>
+            <a:tailEnd type="arrow"/>
+          </a:ln>
+        </p:spPr>
+        <p:style>
+          <a:lnRef idx="1">
+            <a:schemeClr val="accent1"/>
+          </a:lnRef>
+          <a:fillRef idx="0">
+            <a:schemeClr val="accent1"/>
+          </a:fillRef>
+          <a:effectRef idx="0">
+            <a:schemeClr val="accent1"/>
+          </a:effectRef>
+          <a:fontRef idx="minor">
+            <a:schemeClr val="tx1"/>
+          </a:fontRef>
+        </p:style>
+      </p:cxnSp>
+      <p:sp>
+        <p:nvSpPr>
+          <p:cNvPr id="14" name="矩形 13"/>
+          <p:cNvSpPr/>
+          <p:nvPr/>
+        </p:nvSpPr>
+        <p:spPr>
+          <a:xfrm>
+            <a:off x="3154285" y="1900277"/>
+            <a:ext cx="1480790" cy="276999"/>
+          </a:xfrm>
+          <a:prstGeom prst="rect">
+            <a:avLst/>
+          </a:prstGeom>
+        </p:spPr>
+        <p:txBody>
+          <a:bodyPr wrap="none">
+            <a:spAutoFit/>
+          </a:bodyPr>
+          <a:lstStyle/>
+          <a:p>
+            <a:r>
+              <a:rPr lang="en-US" altLang="zh-CN" sz="1200" dirty="0" smtClean="0">
+                <a:solidFill>
+                  <a:srgbClr val="0070C0"/>
+                </a:solidFill>
+              </a:rPr>
+              <a:t>index</a:t>
+            </a:r>
+            <a:r>
+              <a:rPr lang="en-US" altLang="zh-CN" sz="1200" dirty="0">
+                <a:solidFill>
+                  <a:srgbClr val="0070C0"/>
+                </a:solidFill>
+              </a:rPr>
+              <a:t>=['</a:t>
+            </a:r>
+            <a:r>
+              <a:rPr lang="zh-CN" altLang="en-US" sz="1200" dirty="0">
+                <a:solidFill>
+                  <a:srgbClr val="0070C0"/>
+                </a:solidFill>
+              </a:rPr>
+              <a:t>班级</a:t>
+            </a:r>
+            <a:r>
+              <a:rPr lang="en-US" altLang="zh-CN" sz="1200" dirty="0">
+                <a:solidFill>
+                  <a:srgbClr val="0070C0"/>
+                </a:solidFill>
+              </a:rPr>
+              <a:t>','</a:t>
+            </a:r>
+            <a:r>
+              <a:rPr lang="zh-CN" altLang="en-US" sz="1200" dirty="0">
+                <a:solidFill>
+                  <a:srgbClr val="0070C0"/>
+                </a:solidFill>
+              </a:rPr>
+              <a:t>姓名</a:t>
+            </a:r>
+            <a:r>
+              <a:rPr lang="en-US" altLang="zh-CN" sz="1200" dirty="0">
+                <a:solidFill>
+                  <a:srgbClr val="0070C0"/>
+                </a:solidFill>
+              </a:rPr>
+              <a:t>']</a:t>
+            </a:r>
+            <a:endParaRPr lang="zh-CN" altLang="en-US" sz="1200" dirty="0">
+              <a:solidFill>
+                <a:srgbClr val="0070C0"/>
+              </a:solidFill>
+            </a:endParaRPr>
+          </a:p>
+        </p:txBody>
+      </p:sp>
+      <p:cxnSp>
+        <p:nvCxnSpPr>
+          <p:cNvPr id="16" name="直接箭头连接符 15"/>
+          <p:cNvCxnSpPr>
+            <a:endCxn id="11" idx="1"/>
+          </p:cNvCxnSpPr>
+          <p:nvPr/>
+        </p:nvCxnSpPr>
+        <p:spPr>
+          <a:xfrm flipV="1">
+            <a:off x="2540000" y="2460625"/>
+            <a:ext cx="2813050" cy="21431"/>
+          </a:xfrm>
+          <a:prstGeom prst="straightConnector1">
+            <a:avLst/>
+          </a:prstGeom>
+          <a:ln>
+            <a:solidFill>
+              <a:srgbClr val="FF0000"/>
+            </a:solidFill>
+            <a:prstDash val="dash"/>
+            <a:tailEnd type="arrow"/>
+          </a:ln>
+        </p:spPr>
+        <p:style>
+          <a:lnRef idx="1">
+            <a:schemeClr val="accent1"/>
+          </a:lnRef>
+          <a:fillRef idx="0">
+            <a:schemeClr val="accent1"/>
+          </a:fillRef>
+          <a:effectRef idx="0">
+            <a:schemeClr val="accent1"/>
+          </a:effectRef>
+          <a:fontRef idx="minor">
+            <a:schemeClr val="tx1"/>
+          </a:fontRef>
+        </p:style>
+      </p:cxnSp>
+      <p:sp>
+        <p:nvSpPr>
+          <p:cNvPr id="19" name="矩形 18"/>
+          <p:cNvSpPr/>
+          <p:nvPr/>
+        </p:nvSpPr>
+        <p:spPr>
+          <a:xfrm>
+            <a:off x="3154285" y="2431534"/>
+            <a:ext cx="1162819" cy="276999"/>
+          </a:xfrm>
+          <a:prstGeom prst="rect">
+            <a:avLst/>
+          </a:prstGeom>
+        </p:spPr>
+        <p:txBody>
+          <a:bodyPr wrap="none">
+            <a:spAutoFit/>
+          </a:bodyPr>
+          <a:lstStyle/>
+          <a:p>
+            <a:r>
+              <a:rPr lang="en-US" altLang="zh-CN" sz="1200" dirty="0">
+                <a:solidFill>
+                  <a:srgbClr val="FF0000"/>
+                </a:solidFill>
+              </a:rPr>
+              <a:t>columns='</a:t>
+            </a:r>
+            <a:r>
+              <a:rPr lang="zh-CN" altLang="en-US" sz="1200" dirty="0">
+                <a:solidFill>
+                  <a:srgbClr val="FF0000"/>
+                </a:solidFill>
+              </a:rPr>
+              <a:t>学科</a:t>
+            </a:r>
+            <a:r>
+              <a:rPr lang="en-US" altLang="zh-CN" sz="1200" dirty="0">
+                <a:solidFill>
+                  <a:srgbClr val="FF0000"/>
+                </a:solidFill>
+              </a:rPr>
+              <a:t>'</a:t>
+            </a:r>
+            <a:endParaRPr lang="zh-CN" altLang="en-US" sz="1200" dirty="0">
+              <a:solidFill>
+                <a:srgbClr val="FF0000"/>
+              </a:solidFill>
+            </a:endParaRPr>
+          </a:p>
+        </p:txBody>
+      </p:sp>
+      <p:cxnSp>
+        <p:nvCxnSpPr>
+          <p:cNvPr id="22" name="直接箭头连接符 21"/>
+          <p:cNvCxnSpPr>
+            <a:endCxn id="3075" idx="2"/>
+          </p:cNvCxnSpPr>
+          <p:nvPr/>
+        </p:nvCxnSpPr>
+        <p:spPr>
+          <a:xfrm flipV="1">
+            <a:off x="2862263" y="4094163"/>
+            <a:ext cx="2662237" cy="909637"/>
+          </a:xfrm>
+          <a:prstGeom prst="straightConnector1">
+            <a:avLst/>
+          </a:prstGeom>
+          <a:ln>
+            <a:solidFill>
+              <a:schemeClr val="accent2">
+                <a:lumMod val="75000"/>
+              </a:schemeClr>
+            </a:solidFill>
+            <a:prstDash val="dash"/>
+            <a:tailEnd type="arrow"/>
+          </a:ln>
+        </p:spPr>
+        <p:style>
+          <a:lnRef idx="1">
+            <a:schemeClr val="accent1"/>
+          </a:lnRef>
+          <a:fillRef idx="0">
+            <a:schemeClr val="accent1"/>
+          </a:fillRef>
+          <a:effectRef idx="0">
+            <a:schemeClr val="accent1"/>
+          </a:effectRef>
+          <a:fontRef idx="minor">
+            <a:schemeClr val="tx1"/>
+          </a:fontRef>
+        </p:style>
+      </p:cxnSp>
+      <p:sp>
+        <p:nvSpPr>
+          <p:cNvPr id="23" name="矩形 22"/>
+          <p:cNvSpPr/>
+          <p:nvPr/>
+        </p:nvSpPr>
+        <p:spPr>
+          <a:xfrm>
+            <a:off x="3361072" y="4534857"/>
+            <a:ext cx="1030410" cy="276999"/>
+          </a:xfrm>
+          <a:prstGeom prst="rect">
+            <a:avLst/>
+          </a:prstGeom>
+        </p:spPr>
+        <p:txBody>
+          <a:bodyPr wrap="none">
+            <a:spAutoFit/>
+          </a:bodyPr>
+          <a:lstStyle/>
+          <a:p>
+            <a:r>
+              <a:rPr lang="en-US" altLang="zh-CN" sz="1200" dirty="0">
+                <a:solidFill>
+                  <a:schemeClr val="accent2">
+                    <a:lumMod val="75000"/>
+                  </a:schemeClr>
+                </a:solidFill>
+              </a:rPr>
+              <a:t>values='</a:t>
+            </a:r>
+            <a:r>
+              <a:rPr lang="zh-CN" altLang="en-US" sz="1200" dirty="0">
+                <a:solidFill>
+                  <a:schemeClr val="accent2">
+                    <a:lumMod val="75000"/>
+                  </a:schemeClr>
+                </a:solidFill>
+              </a:rPr>
+              <a:t>分数</a:t>
+            </a:r>
+            <a:r>
+              <a:rPr lang="en-US" altLang="zh-CN" sz="1200" dirty="0">
+                <a:solidFill>
+                  <a:schemeClr val="accent2">
+                    <a:lumMod val="75000"/>
+                  </a:schemeClr>
+                </a:solidFill>
+              </a:rPr>
+              <a:t>'</a:t>
+            </a:r>
+            <a:endParaRPr lang="zh-CN" altLang="en-US" sz="1200" dirty="0">
+              <a:solidFill>
+                <a:schemeClr val="accent2">
+                  <a:lumMod val="75000"/>
+                </a:schemeClr>
+              </a:solidFill>
+            </a:endParaRPr>
+          </a:p>
+        </p:txBody>
+      </p:sp>
+    </p:spTree>
+    <p:extLst>
+      <p:ext uri="{BB962C8B-B14F-4D97-AF65-F5344CB8AC3E}">
+        <p14:creationId xmlns:p14="http://schemas.microsoft.com/office/powerpoint/2010/main" val="2186134259"/>
+      </p:ext>
+    </p:extLst>
+  </p:cSld>
+  <p:clrMapOvr>
+    <a:masterClrMapping/>
+  </p:clrMapOvr>
+</p:sld>
+</file>
+
 <file path=ppt/theme/theme1.xml><?xml version="1.0" encoding="utf-8"?>
 <a:theme xmlns:a="http://schemas.openxmlformats.org/drawingml/2006/main" name="Office 主题">
   <a:themeElements>
@@ -12276,7 +16361,7 @@
   <a:extraClrSchemeLst/>
   <a:extLst>
     <a:ext uri="{05A4C25C-085E-4340-85A3-A5531E510DB2}">
-      <thm15:themeFamily xmlns="" xmlns:thm15="http://schemas.microsoft.com/office/thememl/2012/main" name="Office Theme" id="{62F939B6-93AF-4DB8-9C6B-D6C7DFDC589F}" vid="{4A3C46E8-61CC-4603-A589-7422A47A8E4A}"/>
+      <thm15:themeFamily xmlns:thm15="http://schemas.microsoft.com/office/thememl/2012/main" xmlns="" name="Office Theme" id="{62F939B6-93AF-4DB8-9C6B-D6C7DFDC589F}" vid="{4A3C46E8-61CC-4603-A589-7422A47A8E4A}"/>
     </a:ext>
   </a:extLst>
 </a:theme>

--- a/images/2022/画图.pptx
+++ b/images/2022/画图.pptx
@@ -14,6 +14,7 @@
     <p:sldId id="262" r:id="rId8"/>
     <p:sldId id="263" r:id="rId9"/>
     <p:sldId id="264" r:id="rId10"/>
+    <p:sldId id="265" r:id="rId11"/>
   </p:sldIdLst>
   <p:sldSz cx="12192000" cy="6858000"/>
   <p:notesSz cx="6858000" cy="9144000"/>
@@ -246,7 +247,7 @@
           <a:p>
             <a:fld id="{D997B5FA-0921-464F-AAE1-844C04324D75}" type="datetimeFigureOut">
               <a:rPr lang="zh-CN" altLang="en-US" smtClean="0"/>
-              <a:t>2022/2/13</a:t>
+              <a:t>2022/3/24</a:t>
             </a:fld>
             <a:endParaRPr lang="zh-CN" altLang="en-US"/>
           </a:p>
@@ -416,7 +417,7 @@
           <a:p>
             <a:fld id="{D997B5FA-0921-464F-AAE1-844C04324D75}" type="datetimeFigureOut">
               <a:rPr lang="zh-CN" altLang="en-US" smtClean="0"/>
-              <a:t>2022/2/13</a:t>
+              <a:t>2022/3/24</a:t>
             </a:fld>
             <a:endParaRPr lang="zh-CN" altLang="en-US"/>
           </a:p>
@@ -596,7 +597,7 @@
           <a:p>
             <a:fld id="{D997B5FA-0921-464F-AAE1-844C04324D75}" type="datetimeFigureOut">
               <a:rPr lang="zh-CN" altLang="en-US" smtClean="0"/>
-              <a:t>2022/2/13</a:t>
+              <a:t>2022/3/24</a:t>
             </a:fld>
             <a:endParaRPr lang="zh-CN" altLang="en-US"/>
           </a:p>
@@ -766,7 +767,7 @@
           <a:p>
             <a:fld id="{D997B5FA-0921-464F-AAE1-844C04324D75}" type="datetimeFigureOut">
               <a:rPr lang="zh-CN" altLang="en-US" smtClean="0"/>
-              <a:t>2022/2/13</a:t>
+              <a:t>2022/3/24</a:t>
             </a:fld>
             <a:endParaRPr lang="zh-CN" altLang="en-US"/>
           </a:p>
@@ -1012,7 +1013,7 @@
           <a:p>
             <a:fld id="{D997B5FA-0921-464F-AAE1-844C04324D75}" type="datetimeFigureOut">
               <a:rPr lang="zh-CN" altLang="en-US" smtClean="0"/>
-              <a:t>2022/2/13</a:t>
+              <a:t>2022/3/24</a:t>
             </a:fld>
             <a:endParaRPr lang="zh-CN" altLang="en-US"/>
           </a:p>
@@ -1244,7 +1245,7 @@
           <a:p>
             <a:fld id="{D997B5FA-0921-464F-AAE1-844C04324D75}" type="datetimeFigureOut">
               <a:rPr lang="zh-CN" altLang="en-US" smtClean="0"/>
-              <a:t>2022/2/13</a:t>
+              <a:t>2022/3/24</a:t>
             </a:fld>
             <a:endParaRPr lang="zh-CN" altLang="en-US"/>
           </a:p>
@@ -1611,7 +1612,7 @@
           <a:p>
             <a:fld id="{D997B5FA-0921-464F-AAE1-844C04324D75}" type="datetimeFigureOut">
               <a:rPr lang="zh-CN" altLang="en-US" smtClean="0"/>
-              <a:t>2022/2/13</a:t>
+              <a:t>2022/3/24</a:t>
             </a:fld>
             <a:endParaRPr lang="zh-CN" altLang="en-US"/>
           </a:p>
@@ -1729,7 +1730,7 @@
           <a:p>
             <a:fld id="{D997B5FA-0921-464F-AAE1-844C04324D75}" type="datetimeFigureOut">
               <a:rPr lang="zh-CN" altLang="en-US" smtClean="0"/>
-              <a:t>2022/2/13</a:t>
+              <a:t>2022/3/24</a:t>
             </a:fld>
             <a:endParaRPr lang="zh-CN" altLang="en-US"/>
           </a:p>
@@ -1824,7 +1825,7 @@
           <a:p>
             <a:fld id="{D997B5FA-0921-464F-AAE1-844C04324D75}" type="datetimeFigureOut">
               <a:rPr lang="zh-CN" altLang="en-US" smtClean="0"/>
-              <a:t>2022/2/13</a:t>
+              <a:t>2022/3/24</a:t>
             </a:fld>
             <a:endParaRPr lang="zh-CN" altLang="en-US"/>
           </a:p>
@@ -2101,7 +2102,7 @@
           <a:p>
             <a:fld id="{D997B5FA-0921-464F-AAE1-844C04324D75}" type="datetimeFigureOut">
               <a:rPr lang="zh-CN" altLang="en-US" smtClean="0"/>
-              <a:t>2022/2/13</a:t>
+              <a:t>2022/3/24</a:t>
             </a:fld>
             <a:endParaRPr lang="zh-CN" altLang="en-US"/>
           </a:p>
@@ -2354,7 +2355,7 @@
           <a:p>
             <a:fld id="{D997B5FA-0921-464F-AAE1-844C04324D75}" type="datetimeFigureOut">
               <a:rPr lang="zh-CN" altLang="en-US" smtClean="0"/>
-              <a:t>2022/2/13</a:t>
+              <a:t>2022/3/24</a:t>
             </a:fld>
             <a:endParaRPr lang="zh-CN" altLang="en-US"/>
           </a:p>
@@ -2567,7 +2568,7 @@
           <a:p>
             <a:fld id="{D997B5FA-0921-464F-AAE1-844C04324D75}" type="datetimeFigureOut">
               <a:rPr lang="zh-CN" altLang="en-US" smtClean="0"/>
-              <a:t>2022/2/13</a:t>
+              <a:t>2022/3/24</a:t>
             </a:fld>
             <a:endParaRPr lang="zh-CN" altLang="en-US"/>
           </a:p>
@@ -6904,6 +6905,1634 @@
 </p:sld>
 </file>
 
+<file path=ppt/slides/slide10.xml><?xml version="1.0" encoding="utf-8"?>
+<p:sld xmlns:a="http://schemas.openxmlformats.org/drawingml/2006/main" xmlns:r="http://schemas.openxmlformats.org/officeDocument/2006/relationships" xmlns:p="http://schemas.openxmlformats.org/presentationml/2006/main">
+  <p:cSld>
+    <p:spTree>
+      <p:nvGrpSpPr>
+        <p:cNvPr id="1" name=""/>
+        <p:cNvGrpSpPr/>
+        <p:nvPr/>
+      </p:nvGrpSpPr>
+      <p:grpSpPr>
+        <a:xfrm>
+          <a:off x="0" y="0"/>
+          <a:ext cx="0" cy="0"/>
+          <a:chOff x="0" y="0"/>
+          <a:chExt cx="0" cy="0"/>
+        </a:xfrm>
+      </p:grpSpPr>
+      <p:sp>
+        <p:nvSpPr>
+          <p:cNvPr id="5" name="矩形 4"/>
+          <p:cNvSpPr/>
+          <p:nvPr/>
+        </p:nvSpPr>
+        <p:spPr>
+          <a:xfrm>
+            <a:off x="1422400" y="3771899"/>
+            <a:ext cx="8128000" cy="1934179"/>
+          </a:xfrm>
+          <a:prstGeom prst="rect">
+            <a:avLst/>
+          </a:prstGeom>
+        </p:spPr>
+        <p:style>
+          <a:lnRef idx="2">
+            <a:schemeClr val="accent1"/>
+          </a:lnRef>
+          <a:fillRef idx="1">
+            <a:schemeClr val="lt1"/>
+          </a:fillRef>
+          <a:effectRef idx="0">
+            <a:schemeClr val="accent1"/>
+          </a:effectRef>
+          <a:fontRef idx="minor">
+            <a:schemeClr val="dk1"/>
+          </a:fontRef>
+        </p:style>
+        <p:txBody>
+          <a:bodyPr rtlCol="0" anchor="ctr"/>
+          <a:lstStyle/>
+          <a:p>
+            <a:pPr algn="ctr"/>
+            <a:endParaRPr lang="zh-CN" altLang="en-US"/>
+          </a:p>
+        </p:txBody>
+      </p:sp>
+      <p:pic>
+        <p:nvPicPr>
+          <p:cNvPr id="1026" name="Picture 2"/>
+          <p:cNvPicPr>
+            <a:picLocks noChangeAspect="1" noChangeArrowheads="1"/>
+          </p:cNvPicPr>
+          <p:nvPr/>
+        </p:nvPicPr>
+        <p:blipFill>
+          <a:blip r:embed="rId2">
+            <a:extLst>
+              <a:ext uri="{28A0092B-C50C-407E-A947-70E740481C1C}">
+                <a14:useLocalDpi xmlns:a14="http://schemas.microsoft.com/office/drawing/2010/main" val="0"/>
+              </a:ext>
+            </a:extLst>
+          </a:blip>
+          <a:srcRect/>
+          <a:stretch>
+            <a:fillRect/>
+          </a:stretch>
+        </p:blipFill>
+        <p:spPr bwMode="auto">
+          <a:xfrm>
+            <a:off x="2118821" y="4542823"/>
+            <a:ext cx="7343171" cy="1121378"/>
+          </a:xfrm>
+          <a:prstGeom prst="rect">
+            <a:avLst/>
+          </a:prstGeom>
+          <a:noFill/>
+          <a:ln>
+            <a:noFill/>
+          </a:ln>
+          <a:extLst>
+            <a:ext uri="{909E8E84-426E-40DD-AFC4-6F175D3DCCD1}">
+              <a14:hiddenFill xmlns:a14="http://schemas.microsoft.com/office/drawing/2010/main">
+                <a:solidFill>
+                  <a:schemeClr val="accent1"/>
+                </a:solidFill>
+              </a14:hiddenFill>
+            </a:ext>
+            <a:ext uri="{91240B29-F687-4F45-9708-019B960494DF}">
+              <a14:hiddenLine xmlns:a14="http://schemas.microsoft.com/office/drawing/2010/main" w="9525">
+                <a:solidFill>
+                  <a:schemeClr val="tx1"/>
+                </a:solidFill>
+                <a:miter lim="800000"/>
+                <a:headEnd/>
+                <a:tailEnd/>
+              </a14:hiddenLine>
+            </a:ext>
+          </a:extLst>
+        </p:spPr>
+      </p:pic>
+      <p:sp>
+        <p:nvSpPr>
+          <p:cNvPr id="4" name="矩形 3"/>
+          <p:cNvSpPr/>
+          <p:nvPr/>
+        </p:nvSpPr>
+        <p:spPr>
+          <a:xfrm>
+            <a:off x="2169192" y="4198636"/>
+            <a:ext cx="2297367" cy="332772"/>
+          </a:xfrm>
+          <a:prstGeom prst="rect">
+            <a:avLst/>
+          </a:prstGeom>
+        </p:spPr>
+        <p:style>
+          <a:lnRef idx="2">
+            <a:schemeClr val="accent1">
+              <a:shade val="50000"/>
+            </a:schemeClr>
+          </a:lnRef>
+          <a:fillRef idx="1">
+            <a:schemeClr val="accent1"/>
+          </a:fillRef>
+          <a:effectRef idx="0">
+            <a:schemeClr val="accent1"/>
+          </a:effectRef>
+          <a:fontRef idx="minor">
+            <a:schemeClr val="lt1"/>
+          </a:fontRef>
+        </p:style>
+        <p:txBody>
+          <a:bodyPr rtlCol="0" anchor="ctr"/>
+          <a:lstStyle/>
+          <a:p>
+            <a:pPr algn="ctr"/>
+            <a:r>
+              <a:rPr lang="zh-CN" altLang="en-US" sz="1200" dirty="0" smtClean="0"/>
+              <a:t>数据解析</a:t>
+            </a:r>
+            <a:endParaRPr lang="zh-CN" altLang="en-US" sz="1200" dirty="0"/>
+          </a:p>
+        </p:txBody>
+      </p:sp>
+      <p:sp>
+        <p:nvSpPr>
+          <p:cNvPr id="6" name="矩形 5"/>
+          <p:cNvSpPr/>
+          <p:nvPr/>
+        </p:nvSpPr>
+        <p:spPr>
+          <a:xfrm>
+            <a:off x="4666909" y="4198636"/>
+            <a:ext cx="2297367" cy="332772"/>
+          </a:xfrm>
+          <a:prstGeom prst="rect">
+            <a:avLst/>
+          </a:prstGeom>
+        </p:spPr>
+        <p:style>
+          <a:lnRef idx="2">
+            <a:schemeClr val="accent1">
+              <a:shade val="50000"/>
+            </a:schemeClr>
+          </a:lnRef>
+          <a:fillRef idx="1">
+            <a:schemeClr val="accent1"/>
+          </a:fillRef>
+          <a:effectRef idx="0">
+            <a:schemeClr val="accent1"/>
+          </a:effectRef>
+          <a:fontRef idx="minor">
+            <a:schemeClr val="lt1"/>
+          </a:fontRef>
+        </p:style>
+        <p:txBody>
+          <a:bodyPr rtlCol="0" anchor="ctr"/>
+          <a:lstStyle/>
+          <a:p>
+            <a:pPr algn="ctr"/>
+            <a:r>
+              <a:rPr lang="zh-CN" altLang="en-US" sz="1200" dirty="0" smtClean="0"/>
+              <a:t>数据治理</a:t>
+            </a:r>
+            <a:endParaRPr lang="zh-CN" altLang="en-US" sz="1200" dirty="0"/>
+          </a:p>
+        </p:txBody>
+      </p:sp>
+      <p:sp>
+        <p:nvSpPr>
+          <p:cNvPr id="7" name="矩形 6"/>
+          <p:cNvSpPr/>
+          <p:nvPr/>
+        </p:nvSpPr>
+        <p:spPr>
+          <a:xfrm>
+            <a:off x="7164625" y="4198636"/>
+            <a:ext cx="2297367" cy="332772"/>
+          </a:xfrm>
+          <a:prstGeom prst="rect">
+            <a:avLst/>
+          </a:prstGeom>
+        </p:spPr>
+        <p:style>
+          <a:lnRef idx="2">
+            <a:schemeClr val="accent1">
+              <a:shade val="50000"/>
+            </a:schemeClr>
+          </a:lnRef>
+          <a:fillRef idx="1">
+            <a:schemeClr val="accent1"/>
+          </a:fillRef>
+          <a:effectRef idx="0">
+            <a:schemeClr val="accent1"/>
+          </a:effectRef>
+          <a:fontRef idx="minor">
+            <a:schemeClr val="lt1"/>
+          </a:fontRef>
+        </p:style>
+        <p:txBody>
+          <a:bodyPr rtlCol="0" anchor="ctr"/>
+          <a:lstStyle/>
+          <a:p>
+            <a:pPr algn="ctr"/>
+            <a:r>
+              <a:rPr lang="zh-CN" altLang="en-US" sz="1200" dirty="0" smtClean="0"/>
+              <a:t>数据管理</a:t>
+            </a:r>
+            <a:endParaRPr lang="zh-CN" altLang="en-US" sz="1200" dirty="0"/>
+          </a:p>
+        </p:txBody>
+      </p:sp>
+      <p:sp>
+        <p:nvSpPr>
+          <p:cNvPr id="8" name="TextBox 7"/>
+          <p:cNvSpPr txBox="1"/>
+          <p:nvPr/>
+        </p:nvSpPr>
+        <p:spPr>
+          <a:xfrm>
+            <a:off x="1450801" y="4457181"/>
+            <a:ext cx="668019" cy="646331"/>
+          </a:xfrm>
+          <a:prstGeom prst="rect">
+            <a:avLst/>
+          </a:prstGeom>
+          <a:noFill/>
+        </p:spPr>
+        <p:txBody>
+          <a:bodyPr wrap="square" rtlCol="0">
+            <a:spAutoFit/>
+          </a:bodyPr>
+          <a:lstStyle/>
+          <a:p>
+            <a:r>
+              <a:rPr lang="zh-CN" altLang="en-US" dirty="0" smtClean="0"/>
+              <a:t>数据中心</a:t>
+            </a:r>
+            <a:endParaRPr lang="zh-CN" altLang="en-US" dirty="0"/>
+          </a:p>
+        </p:txBody>
+      </p:sp>
+      <p:sp>
+        <p:nvSpPr>
+          <p:cNvPr id="9" name="矩形 8"/>
+          <p:cNvSpPr/>
+          <p:nvPr/>
+        </p:nvSpPr>
+        <p:spPr>
+          <a:xfrm>
+            <a:off x="2169192" y="3816350"/>
+            <a:ext cx="7292800" cy="311150"/>
+          </a:xfrm>
+          <a:prstGeom prst="rect">
+            <a:avLst/>
+          </a:prstGeom>
+        </p:spPr>
+        <p:style>
+          <a:lnRef idx="2">
+            <a:schemeClr val="accent1">
+              <a:shade val="50000"/>
+            </a:schemeClr>
+          </a:lnRef>
+          <a:fillRef idx="1">
+            <a:schemeClr val="accent1"/>
+          </a:fillRef>
+          <a:effectRef idx="0">
+            <a:schemeClr val="accent1"/>
+          </a:effectRef>
+          <a:fontRef idx="minor">
+            <a:schemeClr val="lt1"/>
+          </a:fontRef>
+        </p:style>
+        <p:txBody>
+          <a:bodyPr rtlCol="0" anchor="ctr"/>
+          <a:lstStyle/>
+          <a:p>
+            <a:pPr algn="ctr"/>
+            <a:r>
+              <a:rPr lang="zh-CN" altLang="en-US" sz="1200" dirty="0"/>
+              <a:t>数据服务总线</a:t>
+            </a:r>
+            <a:endParaRPr lang="zh-CN" altLang="en-US" sz="1200" dirty="0"/>
+          </a:p>
+        </p:txBody>
+      </p:sp>
+      <p:sp>
+        <p:nvSpPr>
+          <p:cNvPr id="11" name="矩形 10"/>
+          <p:cNvSpPr/>
+          <p:nvPr/>
+        </p:nvSpPr>
+        <p:spPr>
+          <a:xfrm>
+            <a:off x="1416050" y="1784349"/>
+            <a:ext cx="8128000" cy="1934179"/>
+          </a:xfrm>
+          <a:prstGeom prst="rect">
+            <a:avLst/>
+          </a:prstGeom>
+        </p:spPr>
+        <p:style>
+          <a:lnRef idx="2">
+            <a:schemeClr val="accent1"/>
+          </a:lnRef>
+          <a:fillRef idx="1">
+            <a:schemeClr val="lt1"/>
+          </a:fillRef>
+          <a:effectRef idx="0">
+            <a:schemeClr val="accent1"/>
+          </a:effectRef>
+          <a:fontRef idx="minor">
+            <a:schemeClr val="dk1"/>
+          </a:fontRef>
+        </p:style>
+        <p:txBody>
+          <a:bodyPr rtlCol="0" anchor="ctr"/>
+          <a:lstStyle/>
+          <a:p>
+            <a:pPr algn="ctr"/>
+            <a:endParaRPr lang="zh-CN" altLang="en-US"/>
+          </a:p>
+        </p:txBody>
+      </p:sp>
+      <p:sp>
+        <p:nvSpPr>
+          <p:cNvPr id="12" name="TextBox 11"/>
+          <p:cNvSpPr txBox="1"/>
+          <p:nvPr/>
+        </p:nvSpPr>
+        <p:spPr>
+          <a:xfrm>
+            <a:off x="1450801" y="2428272"/>
+            <a:ext cx="668019" cy="646331"/>
+          </a:xfrm>
+          <a:prstGeom prst="rect">
+            <a:avLst/>
+          </a:prstGeom>
+          <a:noFill/>
+        </p:spPr>
+        <p:txBody>
+          <a:bodyPr wrap="square" rtlCol="0">
+            <a:spAutoFit/>
+          </a:bodyPr>
+          <a:lstStyle/>
+          <a:p>
+            <a:r>
+              <a:rPr lang="zh-CN" altLang="en-US" dirty="0" smtClean="0"/>
+              <a:t>算法分析</a:t>
+            </a:r>
+            <a:endParaRPr lang="zh-CN" altLang="en-US" dirty="0"/>
+          </a:p>
+        </p:txBody>
+      </p:sp>
+      <p:sp>
+        <p:nvSpPr>
+          <p:cNvPr id="13" name="矩形 12"/>
+          <p:cNvSpPr/>
+          <p:nvPr/>
+        </p:nvSpPr>
+        <p:spPr>
+          <a:xfrm>
+            <a:off x="2169192" y="3074603"/>
+            <a:ext cx="7197058" cy="519497"/>
+          </a:xfrm>
+          <a:prstGeom prst="rect">
+            <a:avLst/>
+          </a:prstGeom>
+        </p:spPr>
+        <p:style>
+          <a:lnRef idx="3">
+            <a:schemeClr val="lt1"/>
+          </a:lnRef>
+          <a:fillRef idx="1">
+            <a:schemeClr val="accent3"/>
+          </a:fillRef>
+          <a:effectRef idx="1">
+            <a:schemeClr val="accent3"/>
+          </a:effectRef>
+          <a:fontRef idx="minor">
+            <a:schemeClr val="lt1"/>
+          </a:fontRef>
+        </p:style>
+        <p:txBody>
+          <a:bodyPr rtlCol="0" anchor="ctr"/>
+          <a:lstStyle/>
+          <a:p>
+            <a:pPr algn="ctr"/>
+            <a:endParaRPr lang="zh-CN" altLang="en-US"/>
+          </a:p>
+        </p:txBody>
+      </p:sp>
+      <p:sp>
+        <p:nvSpPr>
+          <p:cNvPr id="10" name="矩形 9"/>
+          <p:cNvSpPr/>
+          <p:nvPr/>
+        </p:nvSpPr>
+        <p:spPr>
+          <a:xfrm>
+            <a:off x="3151251" y="3155950"/>
+            <a:ext cx="1444498" cy="361950"/>
+          </a:xfrm>
+          <a:prstGeom prst="rect">
+            <a:avLst/>
+          </a:prstGeom>
+        </p:spPr>
+        <p:style>
+          <a:lnRef idx="2">
+            <a:schemeClr val="accent6">
+              <a:shade val="50000"/>
+            </a:schemeClr>
+          </a:lnRef>
+          <a:fillRef idx="1">
+            <a:schemeClr val="accent6"/>
+          </a:fillRef>
+          <a:effectRef idx="0">
+            <a:schemeClr val="accent6"/>
+          </a:effectRef>
+          <a:fontRef idx="minor">
+            <a:schemeClr val="lt1"/>
+          </a:fontRef>
+        </p:style>
+        <p:txBody>
+          <a:bodyPr rtlCol="0" anchor="ctr"/>
+          <a:lstStyle/>
+          <a:p>
+            <a:pPr algn="ctr"/>
+            <a:r>
+              <a:rPr lang="zh-CN" altLang="en-US" sz="1100" dirty="0" smtClean="0"/>
+              <a:t>机器学习引擎</a:t>
+            </a:r>
+            <a:endParaRPr lang="zh-CN" altLang="en-US" sz="1100" dirty="0"/>
+          </a:p>
+        </p:txBody>
+      </p:sp>
+      <p:sp>
+        <p:nvSpPr>
+          <p:cNvPr id="14" name="矩形 13"/>
+          <p:cNvSpPr/>
+          <p:nvPr/>
+        </p:nvSpPr>
+        <p:spPr>
+          <a:xfrm>
+            <a:off x="4710676" y="3155950"/>
+            <a:ext cx="1444498" cy="361950"/>
+          </a:xfrm>
+          <a:prstGeom prst="rect">
+            <a:avLst/>
+          </a:prstGeom>
+        </p:spPr>
+        <p:style>
+          <a:lnRef idx="2">
+            <a:schemeClr val="accent6">
+              <a:shade val="50000"/>
+            </a:schemeClr>
+          </a:lnRef>
+          <a:fillRef idx="1">
+            <a:schemeClr val="accent6"/>
+          </a:fillRef>
+          <a:effectRef idx="0">
+            <a:schemeClr val="accent6"/>
+          </a:effectRef>
+          <a:fontRef idx="minor">
+            <a:schemeClr val="lt1"/>
+          </a:fontRef>
+        </p:style>
+        <p:txBody>
+          <a:bodyPr rtlCol="0" anchor="ctr"/>
+          <a:lstStyle/>
+          <a:p>
+            <a:pPr algn="ctr"/>
+            <a:r>
+              <a:rPr lang="zh-CN" altLang="en-US" sz="1100" dirty="0" smtClean="0"/>
+              <a:t>关联分析引擎</a:t>
+            </a:r>
+            <a:endParaRPr lang="zh-CN" altLang="en-US" sz="1100" dirty="0"/>
+          </a:p>
+        </p:txBody>
+      </p:sp>
+      <p:sp>
+        <p:nvSpPr>
+          <p:cNvPr id="15" name="矩形 14"/>
+          <p:cNvSpPr/>
+          <p:nvPr/>
+        </p:nvSpPr>
+        <p:spPr>
+          <a:xfrm>
+            <a:off x="6270101" y="3155950"/>
+            <a:ext cx="1444498" cy="361950"/>
+          </a:xfrm>
+          <a:prstGeom prst="rect">
+            <a:avLst/>
+          </a:prstGeom>
+        </p:spPr>
+        <p:style>
+          <a:lnRef idx="2">
+            <a:schemeClr val="accent6">
+              <a:shade val="50000"/>
+            </a:schemeClr>
+          </a:lnRef>
+          <a:fillRef idx="1">
+            <a:schemeClr val="accent6"/>
+          </a:fillRef>
+          <a:effectRef idx="0">
+            <a:schemeClr val="accent6"/>
+          </a:effectRef>
+          <a:fontRef idx="minor">
+            <a:schemeClr val="lt1"/>
+          </a:fontRef>
+        </p:style>
+        <p:txBody>
+          <a:bodyPr rtlCol="0" anchor="ctr"/>
+          <a:lstStyle/>
+          <a:p>
+            <a:pPr algn="ctr"/>
+            <a:r>
+              <a:rPr lang="zh-CN" altLang="en-US" sz="1100" dirty="0" smtClean="0"/>
+              <a:t>统计分析引擎</a:t>
+            </a:r>
+            <a:endParaRPr lang="zh-CN" altLang="en-US" sz="1100" dirty="0"/>
+          </a:p>
+        </p:txBody>
+      </p:sp>
+      <p:sp>
+        <p:nvSpPr>
+          <p:cNvPr id="16" name="矩形 15"/>
+          <p:cNvSpPr/>
+          <p:nvPr/>
+        </p:nvSpPr>
+        <p:spPr>
+          <a:xfrm>
+            <a:off x="7829527" y="3155950"/>
+            <a:ext cx="1444498" cy="361950"/>
+          </a:xfrm>
+          <a:prstGeom prst="rect">
+            <a:avLst/>
+          </a:prstGeom>
+        </p:spPr>
+        <p:style>
+          <a:lnRef idx="2">
+            <a:schemeClr val="accent6">
+              <a:shade val="50000"/>
+            </a:schemeClr>
+          </a:lnRef>
+          <a:fillRef idx="1">
+            <a:schemeClr val="accent6"/>
+          </a:fillRef>
+          <a:effectRef idx="0">
+            <a:schemeClr val="accent6"/>
+          </a:effectRef>
+          <a:fontRef idx="minor">
+            <a:schemeClr val="lt1"/>
+          </a:fontRef>
+        </p:style>
+        <p:txBody>
+          <a:bodyPr rtlCol="0" anchor="ctr"/>
+          <a:lstStyle/>
+          <a:p>
+            <a:pPr algn="ctr"/>
+            <a:r>
+              <a:rPr lang="zh-CN" altLang="en-US" sz="1100" dirty="0" smtClean="0"/>
+              <a:t>实时分析引擎</a:t>
+            </a:r>
+            <a:endParaRPr lang="zh-CN" altLang="en-US" sz="1100" dirty="0"/>
+          </a:p>
+        </p:txBody>
+      </p:sp>
+      <p:sp>
+        <p:nvSpPr>
+          <p:cNvPr id="17" name="TextBox 16"/>
+          <p:cNvSpPr txBox="1"/>
+          <p:nvPr/>
+        </p:nvSpPr>
+        <p:spPr>
+          <a:xfrm>
+            <a:off x="2169192" y="3206750"/>
+            <a:ext cx="800219" cy="276999"/>
+          </a:xfrm>
+          <a:prstGeom prst="rect">
+            <a:avLst/>
+          </a:prstGeom>
+          <a:noFill/>
+        </p:spPr>
+        <p:txBody>
+          <a:bodyPr wrap="none" rtlCol="0">
+            <a:spAutoFit/>
+          </a:bodyPr>
+          <a:lstStyle/>
+          <a:p>
+            <a:r>
+              <a:rPr lang="zh-CN" altLang="en-US" sz="1200" dirty="0" smtClean="0">
+                <a:solidFill>
+                  <a:schemeClr val="bg1">
+                    <a:lumMod val="95000"/>
+                  </a:schemeClr>
+                </a:solidFill>
+              </a:rPr>
+              <a:t>分析引擎</a:t>
+            </a:r>
+            <a:endParaRPr lang="zh-CN" altLang="en-US" sz="1200" dirty="0">
+              <a:solidFill>
+                <a:schemeClr val="bg1">
+                  <a:lumMod val="95000"/>
+                </a:schemeClr>
+              </a:solidFill>
+            </a:endParaRPr>
+          </a:p>
+        </p:txBody>
+      </p:sp>
+      <p:sp>
+        <p:nvSpPr>
+          <p:cNvPr id="18" name="矩形 17"/>
+          <p:cNvSpPr/>
+          <p:nvPr/>
+        </p:nvSpPr>
+        <p:spPr>
+          <a:xfrm>
+            <a:off x="2169191" y="1879600"/>
+            <a:ext cx="3598529" cy="1149350"/>
+          </a:xfrm>
+          <a:prstGeom prst="rect">
+            <a:avLst/>
+          </a:prstGeom>
+        </p:spPr>
+        <p:style>
+          <a:lnRef idx="3">
+            <a:schemeClr val="lt1"/>
+          </a:lnRef>
+          <a:fillRef idx="1">
+            <a:schemeClr val="accent3"/>
+          </a:fillRef>
+          <a:effectRef idx="1">
+            <a:schemeClr val="accent3"/>
+          </a:effectRef>
+          <a:fontRef idx="minor">
+            <a:schemeClr val="lt1"/>
+          </a:fontRef>
+        </p:style>
+        <p:txBody>
+          <a:bodyPr rtlCol="0" anchor="ctr"/>
+          <a:lstStyle/>
+          <a:p>
+            <a:pPr algn="ctr"/>
+            <a:endParaRPr lang="zh-CN" altLang="en-US"/>
+          </a:p>
+        </p:txBody>
+      </p:sp>
+      <p:sp>
+        <p:nvSpPr>
+          <p:cNvPr id="20" name="矩形 19"/>
+          <p:cNvSpPr/>
+          <p:nvPr/>
+        </p:nvSpPr>
+        <p:spPr>
+          <a:xfrm>
+            <a:off x="5815592" y="1879600"/>
+            <a:ext cx="3550658" cy="1149350"/>
+          </a:xfrm>
+          <a:prstGeom prst="rect">
+            <a:avLst/>
+          </a:prstGeom>
+        </p:spPr>
+        <p:style>
+          <a:lnRef idx="3">
+            <a:schemeClr val="lt1"/>
+          </a:lnRef>
+          <a:fillRef idx="1">
+            <a:schemeClr val="accent3"/>
+          </a:fillRef>
+          <a:effectRef idx="1">
+            <a:schemeClr val="accent3"/>
+          </a:effectRef>
+          <a:fontRef idx="minor">
+            <a:schemeClr val="lt1"/>
+          </a:fontRef>
+        </p:style>
+        <p:txBody>
+          <a:bodyPr rtlCol="0" anchor="ctr"/>
+          <a:lstStyle/>
+          <a:p>
+            <a:pPr algn="ctr"/>
+            <a:endParaRPr lang="zh-CN" altLang="en-US"/>
+          </a:p>
+        </p:txBody>
+      </p:sp>
+      <p:sp>
+        <p:nvSpPr>
+          <p:cNvPr id="21" name="TextBox 20"/>
+          <p:cNvSpPr txBox="1"/>
+          <p:nvPr/>
+        </p:nvSpPr>
+        <p:spPr>
+          <a:xfrm>
+            <a:off x="3568345" y="1879600"/>
+            <a:ext cx="800219" cy="276999"/>
+          </a:xfrm>
+          <a:prstGeom prst="rect">
+            <a:avLst/>
+          </a:prstGeom>
+          <a:noFill/>
+        </p:spPr>
+        <p:txBody>
+          <a:bodyPr wrap="none" rtlCol="0">
+            <a:spAutoFit/>
+          </a:bodyPr>
+          <a:lstStyle/>
+          <a:p>
+            <a:r>
+              <a:rPr lang="zh-CN" altLang="en-US" sz="1200" dirty="0" smtClean="0">
+                <a:solidFill>
+                  <a:schemeClr val="bg1">
+                    <a:lumMod val="95000"/>
+                  </a:schemeClr>
+                </a:solidFill>
+              </a:rPr>
+              <a:t>实体安全</a:t>
+            </a:r>
+            <a:endParaRPr lang="zh-CN" altLang="en-US" sz="1200" dirty="0">
+              <a:solidFill>
+                <a:schemeClr val="bg1">
+                  <a:lumMod val="95000"/>
+                </a:schemeClr>
+              </a:solidFill>
+            </a:endParaRPr>
+          </a:p>
+        </p:txBody>
+      </p:sp>
+      <p:sp>
+        <p:nvSpPr>
+          <p:cNvPr id="22" name="TextBox 21"/>
+          <p:cNvSpPr txBox="1"/>
+          <p:nvPr/>
+        </p:nvSpPr>
+        <p:spPr>
+          <a:xfrm>
+            <a:off x="7190811" y="1885950"/>
+            <a:ext cx="800219" cy="276999"/>
+          </a:xfrm>
+          <a:prstGeom prst="rect">
+            <a:avLst/>
+          </a:prstGeom>
+          <a:noFill/>
+        </p:spPr>
+        <p:txBody>
+          <a:bodyPr wrap="none" rtlCol="0">
+            <a:spAutoFit/>
+          </a:bodyPr>
+          <a:lstStyle/>
+          <a:p>
+            <a:r>
+              <a:rPr lang="zh-CN" altLang="en-US" sz="1200" dirty="0" smtClean="0">
+                <a:solidFill>
+                  <a:schemeClr val="bg1">
+                    <a:lumMod val="95000"/>
+                  </a:schemeClr>
+                </a:solidFill>
+              </a:rPr>
+              <a:t>用户安全</a:t>
+            </a:r>
+            <a:endParaRPr lang="zh-CN" altLang="en-US" sz="1200" dirty="0">
+              <a:solidFill>
+                <a:schemeClr val="bg1">
+                  <a:lumMod val="95000"/>
+                </a:schemeClr>
+              </a:solidFill>
+            </a:endParaRPr>
+          </a:p>
+        </p:txBody>
+      </p:sp>
+      <p:sp>
+        <p:nvSpPr>
+          <p:cNvPr id="19" name="矩形 18"/>
+          <p:cNvSpPr/>
+          <p:nvPr/>
+        </p:nvSpPr>
+        <p:spPr>
+          <a:xfrm>
+            <a:off x="2470150" y="2162949"/>
+            <a:ext cx="901700" cy="265323"/>
+          </a:xfrm>
+          <a:prstGeom prst="rect">
+            <a:avLst/>
+          </a:prstGeom>
+        </p:spPr>
+        <p:style>
+          <a:lnRef idx="2">
+            <a:schemeClr val="accent4">
+              <a:shade val="50000"/>
+            </a:schemeClr>
+          </a:lnRef>
+          <a:fillRef idx="1">
+            <a:schemeClr val="accent4"/>
+          </a:fillRef>
+          <a:effectRef idx="0">
+            <a:schemeClr val="accent4"/>
+          </a:effectRef>
+          <a:fontRef idx="minor">
+            <a:schemeClr val="lt1"/>
+          </a:fontRef>
+        </p:style>
+        <p:txBody>
+          <a:bodyPr rtlCol="0" anchor="ctr"/>
+          <a:lstStyle/>
+          <a:p>
+            <a:pPr algn="ctr"/>
+            <a:r>
+              <a:rPr lang="zh-CN" altLang="en-US" sz="900" dirty="0" smtClean="0"/>
+              <a:t>数据泄露</a:t>
+            </a:r>
+            <a:endParaRPr lang="zh-CN" altLang="en-US" sz="900" dirty="0"/>
+          </a:p>
+        </p:txBody>
+      </p:sp>
+      <p:sp>
+        <p:nvSpPr>
+          <p:cNvPr id="24" name="矩形 23"/>
+          <p:cNvSpPr/>
+          <p:nvPr/>
+        </p:nvSpPr>
+        <p:spPr>
+          <a:xfrm>
+            <a:off x="3564859" y="2173851"/>
+            <a:ext cx="901700" cy="265323"/>
+          </a:xfrm>
+          <a:prstGeom prst="rect">
+            <a:avLst/>
+          </a:prstGeom>
+        </p:spPr>
+        <p:style>
+          <a:lnRef idx="2">
+            <a:schemeClr val="accent4">
+              <a:shade val="50000"/>
+            </a:schemeClr>
+          </a:lnRef>
+          <a:fillRef idx="1">
+            <a:schemeClr val="accent4"/>
+          </a:fillRef>
+          <a:effectRef idx="0">
+            <a:schemeClr val="accent4"/>
+          </a:effectRef>
+          <a:fontRef idx="minor">
+            <a:schemeClr val="lt1"/>
+          </a:fontRef>
+        </p:style>
+        <p:txBody>
+          <a:bodyPr rtlCol="0" anchor="ctr"/>
+          <a:lstStyle/>
+          <a:p>
+            <a:pPr algn="ctr"/>
+            <a:r>
+              <a:rPr lang="zh-CN" altLang="en-US" sz="900" dirty="0" smtClean="0"/>
+              <a:t>数据破坏</a:t>
+            </a:r>
+            <a:endParaRPr lang="zh-CN" altLang="en-US" sz="900" dirty="0"/>
+          </a:p>
+        </p:txBody>
+      </p:sp>
+      <p:sp>
+        <p:nvSpPr>
+          <p:cNvPr id="25" name="矩形 24"/>
+          <p:cNvSpPr/>
+          <p:nvPr/>
+        </p:nvSpPr>
+        <p:spPr>
+          <a:xfrm>
+            <a:off x="4595749" y="2162948"/>
+            <a:ext cx="901700" cy="265323"/>
+          </a:xfrm>
+          <a:prstGeom prst="rect">
+            <a:avLst/>
+          </a:prstGeom>
+        </p:spPr>
+        <p:style>
+          <a:lnRef idx="2">
+            <a:schemeClr val="accent4">
+              <a:shade val="50000"/>
+            </a:schemeClr>
+          </a:lnRef>
+          <a:fillRef idx="1">
+            <a:schemeClr val="accent4"/>
+          </a:fillRef>
+          <a:effectRef idx="0">
+            <a:schemeClr val="accent4"/>
+          </a:effectRef>
+          <a:fontRef idx="minor">
+            <a:schemeClr val="lt1"/>
+          </a:fontRef>
+        </p:style>
+        <p:txBody>
+          <a:bodyPr rtlCol="0" anchor="ctr"/>
+          <a:lstStyle/>
+          <a:p>
+            <a:pPr algn="ctr"/>
+            <a:r>
+              <a:rPr lang="zh-CN" altLang="en-US" sz="900" dirty="0" smtClean="0"/>
+              <a:t>恶意程序</a:t>
+            </a:r>
+            <a:endParaRPr lang="zh-CN" altLang="en-US" sz="900" dirty="0"/>
+          </a:p>
+        </p:txBody>
+      </p:sp>
+      <p:sp>
+        <p:nvSpPr>
+          <p:cNvPr id="26" name="矩形 25"/>
+          <p:cNvSpPr/>
+          <p:nvPr/>
+        </p:nvSpPr>
+        <p:spPr>
+          <a:xfrm>
+            <a:off x="2470150" y="2543948"/>
+            <a:ext cx="901700" cy="265323"/>
+          </a:xfrm>
+          <a:prstGeom prst="rect">
+            <a:avLst/>
+          </a:prstGeom>
+        </p:spPr>
+        <p:style>
+          <a:lnRef idx="2">
+            <a:schemeClr val="accent4">
+              <a:shade val="50000"/>
+            </a:schemeClr>
+          </a:lnRef>
+          <a:fillRef idx="1">
+            <a:schemeClr val="accent4"/>
+          </a:fillRef>
+          <a:effectRef idx="0">
+            <a:schemeClr val="accent4"/>
+          </a:effectRef>
+          <a:fontRef idx="minor">
+            <a:schemeClr val="lt1"/>
+          </a:fontRef>
+        </p:style>
+        <p:txBody>
+          <a:bodyPr rtlCol="0" anchor="ctr"/>
+          <a:lstStyle/>
+          <a:p>
+            <a:pPr algn="ctr"/>
+            <a:r>
+              <a:rPr lang="zh-CN" altLang="en-US" sz="900" dirty="0" smtClean="0"/>
+              <a:t>邮件欺诈</a:t>
+            </a:r>
+            <a:endParaRPr lang="zh-CN" altLang="en-US" sz="900" dirty="0"/>
+          </a:p>
+        </p:txBody>
+      </p:sp>
+      <p:sp>
+        <p:nvSpPr>
+          <p:cNvPr id="27" name="矩形 26"/>
+          <p:cNvSpPr/>
+          <p:nvPr/>
+        </p:nvSpPr>
+        <p:spPr>
+          <a:xfrm>
+            <a:off x="3568345" y="2543948"/>
+            <a:ext cx="901700" cy="265323"/>
+          </a:xfrm>
+          <a:prstGeom prst="rect">
+            <a:avLst/>
+          </a:prstGeom>
+        </p:spPr>
+        <p:style>
+          <a:lnRef idx="2">
+            <a:schemeClr val="accent4">
+              <a:shade val="50000"/>
+            </a:schemeClr>
+          </a:lnRef>
+          <a:fillRef idx="1">
+            <a:schemeClr val="accent4"/>
+          </a:fillRef>
+          <a:effectRef idx="0">
+            <a:schemeClr val="accent4"/>
+          </a:effectRef>
+          <a:fontRef idx="minor">
+            <a:schemeClr val="lt1"/>
+          </a:fontRef>
+        </p:style>
+        <p:txBody>
+          <a:bodyPr rtlCol="0" anchor="ctr"/>
+          <a:lstStyle/>
+          <a:p>
+            <a:pPr algn="ctr"/>
+            <a:r>
+              <a:rPr lang="zh-CN" altLang="en-US" sz="900" dirty="0" smtClean="0"/>
+              <a:t>敏感数据访问</a:t>
+            </a:r>
+            <a:endParaRPr lang="zh-CN" altLang="en-US" sz="900" dirty="0"/>
+          </a:p>
+        </p:txBody>
+      </p:sp>
+      <p:sp>
+        <p:nvSpPr>
+          <p:cNvPr id="28" name="矩形 27"/>
+          <p:cNvSpPr/>
+          <p:nvPr/>
+        </p:nvSpPr>
+        <p:spPr>
+          <a:xfrm>
+            <a:off x="4595749" y="2543948"/>
+            <a:ext cx="901700" cy="265323"/>
+          </a:xfrm>
+          <a:prstGeom prst="rect">
+            <a:avLst/>
+          </a:prstGeom>
+        </p:spPr>
+        <p:style>
+          <a:lnRef idx="2">
+            <a:schemeClr val="accent4">
+              <a:shade val="50000"/>
+            </a:schemeClr>
+          </a:lnRef>
+          <a:fillRef idx="1">
+            <a:schemeClr val="accent4"/>
+          </a:fillRef>
+          <a:effectRef idx="0">
+            <a:schemeClr val="accent4"/>
+          </a:effectRef>
+          <a:fontRef idx="minor">
+            <a:schemeClr val="lt1"/>
+          </a:fontRef>
+        </p:style>
+        <p:txBody>
+          <a:bodyPr rtlCol="0" anchor="ctr"/>
+          <a:lstStyle/>
+          <a:p>
+            <a:pPr algn="ctr"/>
+            <a:r>
+              <a:rPr lang="en-US" altLang="zh-CN" sz="900" dirty="0" smtClean="0"/>
+              <a:t>…….</a:t>
+            </a:r>
+            <a:endParaRPr lang="zh-CN" altLang="en-US" sz="900" dirty="0"/>
+          </a:p>
+        </p:txBody>
+      </p:sp>
+      <p:sp>
+        <p:nvSpPr>
+          <p:cNvPr id="29" name="矩形 28"/>
+          <p:cNvSpPr/>
+          <p:nvPr/>
+        </p:nvSpPr>
+        <p:spPr>
+          <a:xfrm>
+            <a:off x="5994621" y="2173852"/>
+            <a:ext cx="901700" cy="265323"/>
+          </a:xfrm>
+          <a:prstGeom prst="rect">
+            <a:avLst/>
+          </a:prstGeom>
+        </p:spPr>
+        <p:style>
+          <a:lnRef idx="2">
+            <a:schemeClr val="accent4">
+              <a:shade val="50000"/>
+            </a:schemeClr>
+          </a:lnRef>
+          <a:fillRef idx="1">
+            <a:schemeClr val="accent4"/>
+          </a:fillRef>
+          <a:effectRef idx="0">
+            <a:schemeClr val="accent4"/>
+          </a:effectRef>
+          <a:fontRef idx="minor">
+            <a:schemeClr val="lt1"/>
+          </a:fontRef>
+        </p:style>
+        <p:txBody>
+          <a:bodyPr rtlCol="0" anchor="ctr"/>
+          <a:lstStyle/>
+          <a:p>
+            <a:pPr algn="ctr"/>
+            <a:r>
+              <a:rPr lang="zh-CN" altLang="en-US" sz="900" dirty="0" smtClean="0"/>
+              <a:t>账户失陷</a:t>
+            </a:r>
+            <a:endParaRPr lang="zh-CN" altLang="en-US" sz="900" dirty="0"/>
+          </a:p>
+        </p:txBody>
+      </p:sp>
+      <p:sp>
+        <p:nvSpPr>
+          <p:cNvPr id="30" name="矩形 29"/>
+          <p:cNvSpPr/>
+          <p:nvPr/>
+        </p:nvSpPr>
+        <p:spPr>
+          <a:xfrm>
+            <a:off x="7089330" y="2184754"/>
+            <a:ext cx="901700" cy="265323"/>
+          </a:xfrm>
+          <a:prstGeom prst="rect">
+            <a:avLst/>
+          </a:prstGeom>
+        </p:spPr>
+        <p:style>
+          <a:lnRef idx="2">
+            <a:schemeClr val="accent4">
+              <a:shade val="50000"/>
+            </a:schemeClr>
+          </a:lnRef>
+          <a:fillRef idx="1">
+            <a:schemeClr val="accent4"/>
+          </a:fillRef>
+          <a:effectRef idx="0">
+            <a:schemeClr val="accent4"/>
+          </a:effectRef>
+          <a:fontRef idx="minor">
+            <a:schemeClr val="lt1"/>
+          </a:fontRef>
+        </p:style>
+        <p:txBody>
+          <a:bodyPr rtlCol="0" anchor="ctr"/>
+          <a:lstStyle/>
+          <a:p>
+            <a:pPr algn="ctr"/>
+            <a:r>
+              <a:rPr lang="zh-CN" altLang="en-US" sz="900" dirty="0" smtClean="0"/>
+              <a:t>暴力破解</a:t>
+            </a:r>
+            <a:endParaRPr lang="zh-CN" altLang="en-US" sz="900" dirty="0"/>
+          </a:p>
+        </p:txBody>
+      </p:sp>
+      <p:sp>
+        <p:nvSpPr>
+          <p:cNvPr id="31" name="矩形 30"/>
+          <p:cNvSpPr/>
+          <p:nvPr/>
+        </p:nvSpPr>
+        <p:spPr>
+          <a:xfrm>
+            <a:off x="8120220" y="2173851"/>
+            <a:ext cx="901700" cy="265323"/>
+          </a:xfrm>
+          <a:prstGeom prst="rect">
+            <a:avLst/>
+          </a:prstGeom>
+        </p:spPr>
+        <p:style>
+          <a:lnRef idx="2">
+            <a:schemeClr val="accent4">
+              <a:shade val="50000"/>
+            </a:schemeClr>
+          </a:lnRef>
+          <a:fillRef idx="1">
+            <a:schemeClr val="accent4"/>
+          </a:fillRef>
+          <a:effectRef idx="0">
+            <a:schemeClr val="accent4"/>
+          </a:effectRef>
+          <a:fontRef idx="minor">
+            <a:schemeClr val="lt1"/>
+          </a:fontRef>
+        </p:style>
+        <p:txBody>
+          <a:bodyPr rtlCol="0" anchor="ctr"/>
+          <a:lstStyle/>
+          <a:p>
+            <a:pPr algn="ctr"/>
+            <a:r>
+              <a:rPr lang="zh-CN" altLang="en-US" sz="900" dirty="0" smtClean="0"/>
+              <a:t>账户越权</a:t>
+            </a:r>
+            <a:endParaRPr lang="zh-CN" altLang="en-US" sz="900" dirty="0"/>
+          </a:p>
+        </p:txBody>
+      </p:sp>
+      <p:sp>
+        <p:nvSpPr>
+          <p:cNvPr id="32" name="矩形 31"/>
+          <p:cNvSpPr/>
+          <p:nvPr/>
+        </p:nvSpPr>
+        <p:spPr>
+          <a:xfrm>
+            <a:off x="5994621" y="2554851"/>
+            <a:ext cx="901700" cy="265323"/>
+          </a:xfrm>
+          <a:prstGeom prst="rect">
+            <a:avLst/>
+          </a:prstGeom>
+        </p:spPr>
+        <p:style>
+          <a:lnRef idx="2">
+            <a:schemeClr val="accent4">
+              <a:shade val="50000"/>
+            </a:schemeClr>
+          </a:lnRef>
+          <a:fillRef idx="1">
+            <a:schemeClr val="accent4"/>
+          </a:fillRef>
+          <a:effectRef idx="0">
+            <a:schemeClr val="accent4"/>
+          </a:effectRef>
+          <a:fontRef idx="minor">
+            <a:schemeClr val="lt1"/>
+          </a:fontRef>
+        </p:style>
+        <p:txBody>
+          <a:bodyPr rtlCol="0" anchor="ctr"/>
+          <a:lstStyle/>
+          <a:p>
+            <a:pPr algn="ctr"/>
+            <a:r>
+              <a:rPr lang="zh-CN" altLang="en-US" sz="900" dirty="0" smtClean="0"/>
+              <a:t>异常登录</a:t>
+            </a:r>
+            <a:endParaRPr lang="zh-CN" altLang="en-US" sz="900" dirty="0"/>
+          </a:p>
+        </p:txBody>
+      </p:sp>
+      <p:sp>
+        <p:nvSpPr>
+          <p:cNvPr id="33" name="矩形 32"/>
+          <p:cNvSpPr/>
+          <p:nvPr/>
+        </p:nvSpPr>
+        <p:spPr>
+          <a:xfrm>
+            <a:off x="7092816" y="2554851"/>
+            <a:ext cx="901700" cy="265323"/>
+          </a:xfrm>
+          <a:prstGeom prst="rect">
+            <a:avLst/>
+          </a:prstGeom>
+        </p:spPr>
+        <p:style>
+          <a:lnRef idx="2">
+            <a:schemeClr val="accent4">
+              <a:shade val="50000"/>
+            </a:schemeClr>
+          </a:lnRef>
+          <a:fillRef idx="1">
+            <a:schemeClr val="accent4"/>
+          </a:fillRef>
+          <a:effectRef idx="0">
+            <a:schemeClr val="accent4"/>
+          </a:effectRef>
+          <a:fontRef idx="minor">
+            <a:schemeClr val="lt1"/>
+          </a:fontRef>
+        </p:style>
+        <p:txBody>
+          <a:bodyPr rtlCol="0" anchor="ctr"/>
+          <a:lstStyle/>
+          <a:p>
+            <a:pPr algn="ctr"/>
+            <a:r>
+              <a:rPr lang="zh-CN" altLang="en-US" sz="900" dirty="0" smtClean="0"/>
+              <a:t>账户异常</a:t>
+            </a:r>
+            <a:endParaRPr lang="zh-CN" altLang="en-US" sz="900" dirty="0"/>
+          </a:p>
+        </p:txBody>
+      </p:sp>
+      <p:sp>
+        <p:nvSpPr>
+          <p:cNvPr id="34" name="矩形 33"/>
+          <p:cNvSpPr/>
+          <p:nvPr/>
+        </p:nvSpPr>
+        <p:spPr>
+          <a:xfrm>
+            <a:off x="8120220" y="2554851"/>
+            <a:ext cx="901700" cy="265323"/>
+          </a:xfrm>
+          <a:prstGeom prst="rect">
+            <a:avLst/>
+          </a:prstGeom>
+        </p:spPr>
+        <p:style>
+          <a:lnRef idx="2">
+            <a:schemeClr val="accent4">
+              <a:shade val="50000"/>
+            </a:schemeClr>
+          </a:lnRef>
+          <a:fillRef idx="1">
+            <a:schemeClr val="accent4"/>
+          </a:fillRef>
+          <a:effectRef idx="0">
+            <a:schemeClr val="accent4"/>
+          </a:effectRef>
+          <a:fontRef idx="minor">
+            <a:schemeClr val="lt1"/>
+          </a:fontRef>
+        </p:style>
+        <p:txBody>
+          <a:bodyPr rtlCol="0" anchor="ctr"/>
+          <a:lstStyle/>
+          <a:p>
+            <a:pPr algn="ctr"/>
+            <a:r>
+              <a:rPr lang="en-US" altLang="zh-CN" sz="900" dirty="0" smtClean="0"/>
+              <a:t>…….</a:t>
+            </a:r>
+            <a:endParaRPr lang="zh-CN" altLang="en-US" sz="900" dirty="0"/>
+          </a:p>
+        </p:txBody>
+      </p:sp>
+      <p:sp>
+        <p:nvSpPr>
+          <p:cNvPr id="35" name="矩形 34"/>
+          <p:cNvSpPr/>
+          <p:nvPr/>
+        </p:nvSpPr>
+        <p:spPr>
+          <a:xfrm>
+            <a:off x="1416050" y="984249"/>
+            <a:ext cx="8128000" cy="762000"/>
+          </a:xfrm>
+          <a:prstGeom prst="rect">
+            <a:avLst/>
+          </a:prstGeom>
+        </p:spPr>
+        <p:style>
+          <a:lnRef idx="2">
+            <a:schemeClr val="accent1"/>
+          </a:lnRef>
+          <a:fillRef idx="1">
+            <a:schemeClr val="lt1"/>
+          </a:fillRef>
+          <a:effectRef idx="0">
+            <a:schemeClr val="accent1"/>
+          </a:effectRef>
+          <a:fontRef idx="minor">
+            <a:schemeClr val="dk1"/>
+          </a:fontRef>
+        </p:style>
+        <p:txBody>
+          <a:bodyPr rtlCol="0" anchor="ctr"/>
+          <a:lstStyle/>
+          <a:p>
+            <a:pPr algn="ctr"/>
+            <a:endParaRPr lang="zh-CN" altLang="en-US"/>
+          </a:p>
+        </p:txBody>
+      </p:sp>
+      <p:sp>
+        <p:nvSpPr>
+          <p:cNvPr id="36" name="TextBox 35"/>
+          <p:cNvSpPr txBox="1"/>
+          <p:nvPr/>
+        </p:nvSpPr>
+        <p:spPr>
+          <a:xfrm>
+            <a:off x="1450801" y="1042083"/>
+            <a:ext cx="668019" cy="646331"/>
+          </a:xfrm>
+          <a:prstGeom prst="rect">
+            <a:avLst/>
+          </a:prstGeom>
+          <a:noFill/>
+        </p:spPr>
+        <p:txBody>
+          <a:bodyPr wrap="square" rtlCol="0">
+            <a:spAutoFit/>
+          </a:bodyPr>
+          <a:lstStyle/>
+          <a:p>
+            <a:r>
+              <a:rPr lang="zh-CN" altLang="en-US" dirty="0" smtClean="0"/>
+              <a:t>场景应用</a:t>
+            </a:r>
+            <a:endParaRPr lang="zh-CN" altLang="en-US" dirty="0"/>
+          </a:p>
+        </p:txBody>
+      </p:sp>
+      <p:sp>
+        <p:nvSpPr>
+          <p:cNvPr id="23" name="矩形 22"/>
+          <p:cNvSpPr/>
+          <p:nvPr/>
+        </p:nvSpPr>
+        <p:spPr>
+          <a:xfrm>
+            <a:off x="2187297" y="1176017"/>
+            <a:ext cx="1381048" cy="373380"/>
+          </a:xfrm>
+          <a:prstGeom prst="rect">
+            <a:avLst/>
+          </a:prstGeom>
+        </p:spPr>
+        <p:style>
+          <a:lnRef idx="2">
+            <a:schemeClr val="accent5">
+              <a:shade val="50000"/>
+            </a:schemeClr>
+          </a:lnRef>
+          <a:fillRef idx="1">
+            <a:schemeClr val="accent5"/>
+          </a:fillRef>
+          <a:effectRef idx="0">
+            <a:schemeClr val="accent5"/>
+          </a:effectRef>
+          <a:fontRef idx="minor">
+            <a:schemeClr val="lt1"/>
+          </a:fontRef>
+        </p:style>
+        <p:txBody>
+          <a:bodyPr rtlCol="0" anchor="ctr"/>
+          <a:lstStyle/>
+          <a:p>
+            <a:pPr algn="ctr"/>
+            <a:r>
+              <a:rPr lang="zh-CN" altLang="en-US" sz="1100" dirty="0" smtClean="0"/>
+              <a:t>用户总体分险分析</a:t>
+            </a:r>
+            <a:endParaRPr lang="zh-CN" altLang="en-US" sz="1100" dirty="0"/>
+          </a:p>
+        </p:txBody>
+      </p:sp>
+      <p:sp>
+        <p:nvSpPr>
+          <p:cNvPr id="38" name="矩形 37"/>
+          <p:cNvSpPr/>
+          <p:nvPr/>
+        </p:nvSpPr>
+        <p:spPr>
+          <a:xfrm>
+            <a:off x="3685509" y="1176017"/>
+            <a:ext cx="1319171" cy="373380"/>
+          </a:xfrm>
+          <a:prstGeom prst="rect">
+            <a:avLst/>
+          </a:prstGeom>
+        </p:spPr>
+        <p:style>
+          <a:lnRef idx="2">
+            <a:schemeClr val="accent5">
+              <a:shade val="50000"/>
+            </a:schemeClr>
+          </a:lnRef>
+          <a:fillRef idx="1">
+            <a:schemeClr val="accent5"/>
+          </a:fillRef>
+          <a:effectRef idx="0">
+            <a:schemeClr val="accent5"/>
+          </a:effectRef>
+          <a:fontRef idx="minor">
+            <a:schemeClr val="lt1"/>
+          </a:fontRef>
+        </p:style>
+        <p:txBody>
+          <a:bodyPr rtlCol="0" anchor="ctr"/>
+          <a:lstStyle/>
+          <a:p>
+            <a:pPr algn="ctr"/>
+            <a:r>
+              <a:rPr lang="zh-CN" altLang="en-US" sz="1100" dirty="0" smtClean="0"/>
+              <a:t>用户行为画像</a:t>
+            </a:r>
+            <a:endParaRPr lang="zh-CN" altLang="en-US" sz="1100" dirty="0"/>
+          </a:p>
+        </p:txBody>
+      </p:sp>
+      <p:sp>
+        <p:nvSpPr>
+          <p:cNvPr id="39" name="矩形 38"/>
+          <p:cNvSpPr/>
+          <p:nvPr/>
+        </p:nvSpPr>
+        <p:spPr>
+          <a:xfrm>
+            <a:off x="5121844" y="1176017"/>
+            <a:ext cx="1319171" cy="373380"/>
+          </a:xfrm>
+          <a:prstGeom prst="rect">
+            <a:avLst/>
+          </a:prstGeom>
+        </p:spPr>
+        <p:style>
+          <a:lnRef idx="2">
+            <a:schemeClr val="accent5">
+              <a:shade val="50000"/>
+            </a:schemeClr>
+          </a:lnRef>
+          <a:fillRef idx="1">
+            <a:schemeClr val="accent5"/>
+          </a:fillRef>
+          <a:effectRef idx="0">
+            <a:schemeClr val="accent5"/>
+          </a:effectRef>
+          <a:fontRef idx="minor">
+            <a:schemeClr val="lt1"/>
+          </a:fontRef>
+        </p:style>
+        <p:txBody>
+          <a:bodyPr rtlCol="0" anchor="ctr"/>
+          <a:lstStyle/>
+          <a:p>
+            <a:pPr algn="ctr"/>
+            <a:r>
+              <a:rPr lang="zh-CN" altLang="en-US" sz="1100" dirty="0" smtClean="0"/>
+              <a:t>异常行为溯源研判</a:t>
+            </a:r>
+            <a:endParaRPr lang="zh-CN" altLang="en-US" sz="1100" dirty="0"/>
+          </a:p>
+        </p:txBody>
+      </p:sp>
+      <p:sp>
+        <p:nvSpPr>
+          <p:cNvPr id="40" name="矩形 39"/>
+          <p:cNvSpPr/>
+          <p:nvPr/>
+        </p:nvSpPr>
+        <p:spPr>
+          <a:xfrm>
+            <a:off x="6558180" y="1176017"/>
+            <a:ext cx="1319171" cy="373380"/>
+          </a:xfrm>
+          <a:prstGeom prst="rect">
+            <a:avLst/>
+          </a:prstGeom>
+        </p:spPr>
+        <p:style>
+          <a:lnRef idx="2">
+            <a:schemeClr val="accent5">
+              <a:shade val="50000"/>
+            </a:schemeClr>
+          </a:lnRef>
+          <a:fillRef idx="1">
+            <a:schemeClr val="accent5"/>
+          </a:fillRef>
+          <a:effectRef idx="0">
+            <a:schemeClr val="accent5"/>
+          </a:effectRef>
+          <a:fontRef idx="minor">
+            <a:schemeClr val="lt1"/>
+          </a:fontRef>
+        </p:style>
+        <p:txBody>
+          <a:bodyPr rtlCol="0" anchor="ctr"/>
+          <a:lstStyle/>
+          <a:p>
+            <a:pPr algn="ctr"/>
+            <a:r>
+              <a:rPr lang="zh-CN" altLang="en-US" sz="1100" dirty="0" smtClean="0"/>
+              <a:t>用户特征管理</a:t>
+            </a:r>
+            <a:endParaRPr lang="zh-CN" altLang="en-US" sz="1100" dirty="0"/>
+          </a:p>
+        </p:txBody>
+      </p:sp>
+      <p:sp>
+        <p:nvSpPr>
+          <p:cNvPr id="41" name="矩形 40"/>
+          <p:cNvSpPr/>
+          <p:nvPr/>
+        </p:nvSpPr>
+        <p:spPr>
+          <a:xfrm>
+            <a:off x="7994516" y="1176017"/>
+            <a:ext cx="1319171" cy="373380"/>
+          </a:xfrm>
+          <a:prstGeom prst="rect">
+            <a:avLst/>
+          </a:prstGeom>
+        </p:spPr>
+        <p:style>
+          <a:lnRef idx="2">
+            <a:schemeClr val="accent5">
+              <a:shade val="50000"/>
+            </a:schemeClr>
+          </a:lnRef>
+          <a:fillRef idx="1">
+            <a:schemeClr val="accent5"/>
+          </a:fillRef>
+          <a:effectRef idx="0">
+            <a:schemeClr val="accent5"/>
+          </a:effectRef>
+          <a:fontRef idx="minor">
+            <a:schemeClr val="lt1"/>
+          </a:fontRef>
+        </p:style>
+        <p:txBody>
+          <a:bodyPr rtlCol="0" anchor="ctr"/>
+          <a:lstStyle/>
+          <a:p>
+            <a:pPr algn="ctr"/>
+            <a:r>
+              <a:rPr lang="zh-CN" altLang="en-US" sz="1100" dirty="0" smtClean="0"/>
+              <a:t>算法模型场景配置</a:t>
+            </a:r>
+            <a:endParaRPr lang="zh-CN" altLang="en-US" sz="1100" dirty="0"/>
+          </a:p>
+        </p:txBody>
+      </p:sp>
+    </p:spTree>
+    <p:extLst>
+      <p:ext uri="{BB962C8B-B14F-4D97-AF65-F5344CB8AC3E}">
+        <p14:creationId xmlns:p14="http://schemas.microsoft.com/office/powerpoint/2010/main" val="2011133835"/>
+      </p:ext>
+    </p:extLst>
+  </p:cSld>
+  <p:clrMapOvr>
+    <a:masterClrMapping/>
+  </p:clrMapOvr>
+</p:sld>
+</file>
+
 <file path=ppt/slides/slide2.xml><?xml version="1.0" encoding="utf-8"?>
 <p:sld xmlns:a="http://schemas.openxmlformats.org/drawingml/2006/main" xmlns:r="http://schemas.openxmlformats.org/officeDocument/2006/relationships" xmlns:p="http://schemas.openxmlformats.org/presentationml/2006/main">
   <p:cSld>
@@ -15017,11 +16646,7 @@
             </a:r>
             <a:r>
               <a:rPr lang="zh-CN" altLang="en-US" sz="1100" dirty="0"/>
-              <a:t>为</a:t>
-            </a:r>
-            <a:r>
-              <a:rPr lang="zh-CN" altLang="en-US" sz="1100" dirty="0"/>
-              <a:t>“学科”字段</a:t>
+              <a:t>为“学科”字段</a:t>
             </a:r>
           </a:p>
         </p:txBody>
@@ -16361,7 +17986,7 @@
   <a:extraClrSchemeLst/>
   <a:extLst>
     <a:ext uri="{05A4C25C-085E-4340-85A3-A5531E510DB2}">
-      <thm15:themeFamily xmlns:thm15="http://schemas.microsoft.com/office/thememl/2012/main" xmlns="" name="Office Theme" id="{62F939B6-93AF-4DB8-9C6B-D6C7DFDC589F}" vid="{4A3C46E8-61CC-4603-A589-7422A47A8E4A}"/>
+      <thm15:themeFamily xmlns="" xmlns:thm15="http://schemas.microsoft.com/office/thememl/2012/main" name="Office Theme" id="{62F939B6-93AF-4DB8-9C6B-D6C7DFDC589F}" vid="{4A3C46E8-61CC-4603-A589-7422A47A8E4A}"/>
     </a:ext>
   </a:extLst>
 </a:theme>

--- a/images/2022/画图.pptx
+++ b/images/2022/画图.pptx
@@ -15,6 +15,7 @@
     <p:sldId id="263" r:id="rId9"/>
     <p:sldId id="264" r:id="rId10"/>
     <p:sldId id="265" r:id="rId11"/>
+    <p:sldId id="266" r:id="rId12"/>
   </p:sldIdLst>
   <p:sldSz cx="12192000" cy="6858000"/>
   <p:notesSz cx="6858000" cy="9144000"/>
@@ -247,7 +248,7 @@
           <a:p>
             <a:fld id="{D997B5FA-0921-464F-AAE1-844C04324D75}" type="datetimeFigureOut">
               <a:rPr lang="zh-CN" altLang="en-US" smtClean="0"/>
-              <a:t>2022/3/24</a:t>
+              <a:t>2022/3/28</a:t>
             </a:fld>
             <a:endParaRPr lang="zh-CN" altLang="en-US"/>
           </a:p>
@@ -417,7 +418,7 @@
           <a:p>
             <a:fld id="{D997B5FA-0921-464F-AAE1-844C04324D75}" type="datetimeFigureOut">
               <a:rPr lang="zh-CN" altLang="en-US" smtClean="0"/>
-              <a:t>2022/3/24</a:t>
+              <a:t>2022/3/28</a:t>
             </a:fld>
             <a:endParaRPr lang="zh-CN" altLang="en-US"/>
           </a:p>
@@ -597,7 +598,7 @@
           <a:p>
             <a:fld id="{D997B5FA-0921-464F-AAE1-844C04324D75}" type="datetimeFigureOut">
               <a:rPr lang="zh-CN" altLang="en-US" smtClean="0"/>
-              <a:t>2022/3/24</a:t>
+              <a:t>2022/3/28</a:t>
             </a:fld>
             <a:endParaRPr lang="zh-CN" altLang="en-US"/>
           </a:p>
@@ -767,7 +768,7 @@
           <a:p>
             <a:fld id="{D997B5FA-0921-464F-AAE1-844C04324D75}" type="datetimeFigureOut">
               <a:rPr lang="zh-CN" altLang="en-US" smtClean="0"/>
-              <a:t>2022/3/24</a:t>
+              <a:t>2022/3/28</a:t>
             </a:fld>
             <a:endParaRPr lang="zh-CN" altLang="en-US"/>
           </a:p>
@@ -1013,7 +1014,7 @@
           <a:p>
             <a:fld id="{D997B5FA-0921-464F-AAE1-844C04324D75}" type="datetimeFigureOut">
               <a:rPr lang="zh-CN" altLang="en-US" smtClean="0"/>
-              <a:t>2022/3/24</a:t>
+              <a:t>2022/3/28</a:t>
             </a:fld>
             <a:endParaRPr lang="zh-CN" altLang="en-US"/>
           </a:p>
@@ -1245,7 +1246,7 @@
           <a:p>
             <a:fld id="{D997B5FA-0921-464F-AAE1-844C04324D75}" type="datetimeFigureOut">
               <a:rPr lang="zh-CN" altLang="en-US" smtClean="0"/>
-              <a:t>2022/3/24</a:t>
+              <a:t>2022/3/28</a:t>
             </a:fld>
             <a:endParaRPr lang="zh-CN" altLang="en-US"/>
           </a:p>
@@ -1612,7 +1613,7 @@
           <a:p>
             <a:fld id="{D997B5FA-0921-464F-AAE1-844C04324D75}" type="datetimeFigureOut">
               <a:rPr lang="zh-CN" altLang="en-US" smtClean="0"/>
-              <a:t>2022/3/24</a:t>
+              <a:t>2022/3/28</a:t>
             </a:fld>
             <a:endParaRPr lang="zh-CN" altLang="en-US"/>
           </a:p>
@@ -1730,7 +1731,7 @@
           <a:p>
             <a:fld id="{D997B5FA-0921-464F-AAE1-844C04324D75}" type="datetimeFigureOut">
               <a:rPr lang="zh-CN" altLang="en-US" smtClean="0"/>
-              <a:t>2022/3/24</a:t>
+              <a:t>2022/3/28</a:t>
             </a:fld>
             <a:endParaRPr lang="zh-CN" altLang="en-US"/>
           </a:p>
@@ -1825,7 +1826,7 @@
           <a:p>
             <a:fld id="{D997B5FA-0921-464F-AAE1-844C04324D75}" type="datetimeFigureOut">
               <a:rPr lang="zh-CN" altLang="en-US" smtClean="0"/>
-              <a:t>2022/3/24</a:t>
+              <a:t>2022/3/28</a:t>
             </a:fld>
             <a:endParaRPr lang="zh-CN" altLang="en-US"/>
           </a:p>
@@ -2102,7 +2103,7 @@
           <a:p>
             <a:fld id="{D997B5FA-0921-464F-AAE1-844C04324D75}" type="datetimeFigureOut">
               <a:rPr lang="zh-CN" altLang="en-US" smtClean="0"/>
-              <a:t>2022/3/24</a:t>
+              <a:t>2022/3/28</a:t>
             </a:fld>
             <a:endParaRPr lang="zh-CN" altLang="en-US"/>
           </a:p>
@@ -2355,7 +2356,7 @@
           <a:p>
             <a:fld id="{D997B5FA-0921-464F-AAE1-844C04324D75}" type="datetimeFigureOut">
               <a:rPr lang="zh-CN" altLang="en-US" smtClean="0"/>
-              <a:t>2022/3/24</a:t>
+              <a:t>2022/3/28</a:t>
             </a:fld>
             <a:endParaRPr lang="zh-CN" altLang="en-US"/>
           </a:p>
@@ -2568,7 +2569,7 @@
           <a:p>
             <a:fld id="{D997B5FA-0921-464F-AAE1-844C04324D75}" type="datetimeFigureOut">
               <a:rPr lang="zh-CN" altLang="en-US" smtClean="0"/>
-              <a:t>2022/3/24</a:t>
+              <a:t>2022/3/28</a:t>
             </a:fld>
             <a:endParaRPr lang="zh-CN" altLang="en-US"/>
           </a:p>
@@ -7216,7 +7217,6 @@
               <a:rPr lang="zh-CN" altLang="en-US" sz="1200" dirty="0"/>
               <a:t>数据服务总线</a:t>
             </a:r>
-            <a:endParaRPr lang="zh-CN" altLang="en-US" sz="1200" dirty="0"/>
           </a:p>
         </p:txBody>
       </p:sp>
@@ -8524,6 +8524,535 @@
     <p:extLst>
       <p:ext uri="{BB962C8B-B14F-4D97-AF65-F5344CB8AC3E}">
         <p14:creationId xmlns:p14="http://schemas.microsoft.com/office/powerpoint/2010/main" val="2011133835"/>
+      </p:ext>
+    </p:extLst>
+  </p:cSld>
+  <p:clrMapOvr>
+    <a:masterClrMapping/>
+  </p:clrMapOvr>
+</p:sld>
+</file>
+
+<file path=ppt/slides/slide11.xml><?xml version="1.0" encoding="utf-8"?>
+<p:sld xmlns:a="http://schemas.openxmlformats.org/drawingml/2006/main" xmlns:r="http://schemas.openxmlformats.org/officeDocument/2006/relationships" xmlns:p="http://schemas.openxmlformats.org/presentationml/2006/main">
+  <p:cSld>
+    <p:spTree>
+      <p:nvGrpSpPr>
+        <p:cNvPr id="1" name=""/>
+        <p:cNvGrpSpPr/>
+        <p:nvPr/>
+      </p:nvGrpSpPr>
+      <p:grpSpPr>
+        <a:xfrm>
+          <a:off x="0" y="0"/>
+          <a:ext cx="0" cy="0"/>
+          <a:chOff x="0" y="0"/>
+          <a:chExt cx="0" cy="0"/>
+        </a:xfrm>
+      </p:grpSpPr>
+      <p:sp>
+        <p:nvSpPr>
+          <p:cNvPr id="4" name="矩形 3"/>
+          <p:cNvSpPr/>
+          <p:nvPr/>
+        </p:nvSpPr>
+        <p:spPr>
+          <a:xfrm>
+            <a:off x="4914900" y="4088130"/>
+            <a:ext cx="1752600" cy="441960"/>
+          </a:xfrm>
+          <a:prstGeom prst="rect">
+            <a:avLst/>
+          </a:prstGeom>
+        </p:spPr>
+        <p:style>
+          <a:lnRef idx="2">
+            <a:schemeClr val="accent5">
+              <a:shade val="50000"/>
+            </a:schemeClr>
+          </a:lnRef>
+          <a:fillRef idx="1">
+            <a:schemeClr val="accent5"/>
+          </a:fillRef>
+          <a:effectRef idx="0">
+            <a:schemeClr val="accent5"/>
+          </a:effectRef>
+          <a:fontRef idx="minor">
+            <a:schemeClr val="lt1"/>
+          </a:fontRef>
+        </p:style>
+        <p:txBody>
+          <a:bodyPr rtlCol="0" anchor="ctr"/>
+          <a:lstStyle/>
+          <a:p>
+            <a:pPr algn="ctr"/>
+            <a:r>
+              <a:rPr lang="zh-CN" altLang="en-US" dirty="0" smtClean="0"/>
+              <a:t>物理层</a:t>
+            </a:r>
+            <a:endParaRPr lang="zh-CN" altLang="en-US" dirty="0"/>
+          </a:p>
+        </p:txBody>
+      </p:sp>
+      <p:sp>
+        <p:nvSpPr>
+          <p:cNvPr id="5" name="矩形 4"/>
+          <p:cNvSpPr/>
+          <p:nvPr/>
+        </p:nvSpPr>
+        <p:spPr>
+          <a:xfrm>
+            <a:off x="4914900" y="3425190"/>
+            <a:ext cx="1752600" cy="441960"/>
+          </a:xfrm>
+          <a:prstGeom prst="rect">
+            <a:avLst/>
+          </a:prstGeom>
+        </p:spPr>
+        <p:style>
+          <a:lnRef idx="2">
+            <a:schemeClr val="accent5">
+              <a:shade val="50000"/>
+            </a:schemeClr>
+          </a:lnRef>
+          <a:fillRef idx="1">
+            <a:schemeClr val="accent5"/>
+          </a:fillRef>
+          <a:effectRef idx="0">
+            <a:schemeClr val="accent5"/>
+          </a:effectRef>
+          <a:fontRef idx="minor">
+            <a:schemeClr val="lt1"/>
+          </a:fontRef>
+        </p:style>
+        <p:txBody>
+          <a:bodyPr rtlCol="0" anchor="ctr"/>
+          <a:lstStyle/>
+          <a:p>
+            <a:pPr algn="ctr"/>
+            <a:r>
+              <a:rPr lang="zh-CN" altLang="en-US" dirty="0" smtClean="0"/>
+              <a:t>系统层</a:t>
+            </a:r>
+            <a:endParaRPr lang="zh-CN" altLang="en-US" dirty="0"/>
+          </a:p>
+        </p:txBody>
+      </p:sp>
+      <p:sp>
+        <p:nvSpPr>
+          <p:cNvPr id="6" name="矩形 5"/>
+          <p:cNvSpPr/>
+          <p:nvPr/>
+        </p:nvSpPr>
+        <p:spPr>
+          <a:xfrm>
+            <a:off x="4914900" y="2739390"/>
+            <a:ext cx="1752600" cy="441960"/>
+          </a:xfrm>
+          <a:prstGeom prst="rect">
+            <a:avLst/>
+          </a:prstGeom>
+        </p:spPr>
+        <p:style>
+          <a:lnRef idx="2">
+            <a:schemeClr val="accent5">
+              <a:shade val="50000"/>
+            </a:schemeClr>
+          </a:lnRef>
+          <a:fillRef idx="1">
+            <a:schemeClr val="accent5"/>
+          </a:fillRef>
+          <a:effectRef idx="0">
+            <a:schemeClr val="accent5"/>
+          </a:effectRef>
+          <a:fontRef idx="minor">
+            <a:schemeClr val="lt1"/>
+          </a:fontRef>
+        </p:style>
+        <p:txBody>
+          <a:bodyPr rtlCol="0" anchor="ctr"/>
+          <a:lstStyle/>
+          <a:p>
+            <a:pPr algn="ctr"/>
+            <a:r>
+              <a:rPr lang="zh-CN" altLang="en-US" dirty="0" smtClean="0"/>
+              <a:t>网络层</a:t>
+            </a:r>
+            <a:endParaRPr lang="zh-CN" altLang="en-US" dirty="0"/>
+          </a:p>
+        </p:txBody>
+      </p:sp>
+      <p:sp>
+        <p:nvSpPr>
+          <p:cNvPr id="7" name="矩形 6"/>
+          <p:cNvSpPr/>
+          <p:nvPr/>
+        </p:nvSpPr>
+        <p:spPr>
+          <a:xfrm>
+            <a:off x="4914900" y="2038350"/>
+            <a:ext cx="1752600" cy="441960"/>
+          </a:xfrm>
+          <a:prstGeom prst="rect">
+            <a:avLst/>
+          </a:prstGeom>
+        </p:spPr>
+        <p:style>
+          <a:lnRef idx="2">
+            <a:schemeClr val="accent5">
+              <a:shade val="50000"/>
+            </a:schemeClr>
+          </a:lnRef>
+          <a:fillRef idx="1">
+            <a:schemeClr val="accent5"/>
+          </a:fillRef>
+          <a:effectRef idx="0">
+            <a:schemeClr val="accent5"/>
+          </a:effectRef>
+          <a:fontRef idx="minor">
+            <a:schemeClr val="lt1"/>
+          </a:fontRef>
+        </p:style>
+        <p:txBody>
+          <a:bodyPr rtlCol="0" anchor="ctr"/>
+          <a:lstStyle/>
+          <a:p>
+            <a:pPr algn="ctr"/>
+            <a:r>
+              <a:rPr lang="zh-CN" altLang="en-US" dirty="0" smtClean="0"/>
+              <a:t>应用层</a:t>
+            </a:r>
+            <a:endParaRPr lang="zh-CN" altLang="en-US" dirty="0"/>
+          </a:p>
+        </p:txBody>
+      </p:sp>
+      <p:sp>
+        <p:nvSpPr>
+          <p:cNvPr id="8" name="矩形 7"/>
+          <p:cNvSpPr/>
+          <p:nvPr/>
+        </p:nvSpPr>
+        <p:spPr>
+          <a:xfrm>
+            <a:off x="4290060" y="2038350"/>
+            <a:ext cx="518160" cy="2491740"/>
+          </a:xfrm>
+          <a:prstGeom prst="rect">
+            <a:avLst/>
+          </a:prstGeom>
+        </p:spPr>
+        <p:style>
+          <a:lnRef idx="2">
+            <a:schemeClr val="accent5">
+              <a:shade val="50000"/>
+            </a:schemeClr>
+          </a:lnRef>
+          <a:fillRef idx="1">
+            <a:schemeClr val="accent5"/>
+          </a:fillRef>
+          <a:effectRef idx="0">
+            <a:schemeClr val="accent5"/>
+          </a:effectRef>
+          <a:fontRef idx="minor">
+            <a:schemeClr val="lt1"/>
+          </a:fontRef>
+        </p:style>
+        <p:txBody>
+          <a:bodyPr rtlCol="0" anchor="ctr"/>
+          <a:lstStyle/>
+          <a:p>
+            <a:pPr algn="ctr"/>
+            <a:r>
+              <a:rPr lang="zh-CN" altLang="en-US" dirty="0" smtClean="0"/>
+              <a:t>管理层</a:t>
+            </a:r>
+            <a:endParaRPr lang="zh-CN" altLang="en-US" dirty="0"/>
+          </a:p>
+        </p:txBody>
+      </p:sp>
+      <p:pic>
+        <p:nvPicPr>
+          <p:cNvPr id="1026" name="Picture 2" descr="https://gimg2.baidu.com/image_search/src=http%3A%2F%2Fqimg.hxnews.com%2F2016%2F0214%2F1455415164936.jpg&amp;refer=http%3A%2F%2Fqimg.hxnews.com&amp;app=2002&amp;size=f9999,10000&amp;q=a80&amp;n=0&amp;g=0n&amp;fmt=auto?sec=1651030476&amp;t=01bdfd6fed7d77eed496fce06bce4107"/>
+          <p:cNvPicPr>
+            <a:picLocks noChangeAspect="1" noChangeArrowheads="1"/>
+          </p:cNvPicPr>
+          <p:nvPr/>
+        </p:nvPicPr>
+        <p:blipFill>
+          <a:blip r:embed="rId2" cstate="print">
+            <a:extLst>
+              <a:ext uri="{28A0092B-C50C-407E-A947-70E740481C1C}">
+                <a14:useLocalDpi xmlns:a14="http://schemas.microsoft.com/office/drawing/2010/main" val="0"/>
+              </a:ext>
+            </a:extLst>
+          </a:blip>
+          <a:srcRect/>
+          <a:stretch>
+            <a:fillRect/>
+          </a:stretch>
+        </p:blipFill>
+        <p:spPr bwMode="auto">
+          <a:xfrm>
+            <a:off x="649597" y="2554042"/>
+            <a:ext cx="2490487" cy="1475597"/>
+          </a:xfrm>
+          <a:prstGeom prst="rect">
+            <a:avLst/>
+          </a:prstGeom>
+          <a:noFill/>
+          <a:extLst>
+            <a:ext uri="{909E8E84-426E-40DD-AFC4-6F175D3DCCD1}">
+              <a14:hiddenFill xmlns:a14="http://schemas.microsoft.com/office/drawing/2010/main">
+                <a:solidFill>
+                  <a:srgbClr val="FFFFFF"/>
+                </a:solidFill>
+              </a14:hiddenFill>
+            </a:ext>
+          </a:extLst>
+        </p:spPr>
+      </p:pic>
+      <p:sp>
+        <p:nvSpPr>
+          <p:cNvPr id="9" name="右箭头 8"/>
+          <p:cNvSpPr/>
+          <p:nvPr/>
+        </p:nvSpPr>
+        <p:spPr>
+          <a:xfrm>
+            <a:off x="3421380" y="3048000"/>
+            <a:ext cx="571500" cy="533400"/>
+          </a:xfrm>
+          <a:prstGeom prst="rightArrow">
+            <a:avLst/>
+          </a:prstGeom>
+        </p:spPr>
+        <p:style>
+          <a:lnRef idx="2">
+            <a:schemeClr val="accent1">
+              <a:shade val="50000"/>
+            </a:schemeClr>
+          </a:lnRef>
+          <a:fillRef idx="1">
+            <a:schemeClr val="accent1"/>
+          </a:fillRef>
+          <a:effectRef idx="0">
+            <a:schemeClr val="accent1"/>
+          </a:effectRef>
+          <a:fontRef idx="minor">
+            <a:schemeClr val="lt1"/>
+          </a:fontRef>
+        </p:style>
+        <p:txBody>
+          <a:bodyPr rtlCol="0" anchor="ctr"/>
+          <a:lstStyle/>
+          <a:p>
+            <a:pPr algn="ctr"/>
+            <a:endParaRPr lang="zh-CN" altLang="en-US"/>
+          </a:p>
+        </p:txBody>
+      </p:sp>
+      <p:pic>
+        <p:nvPicPr>
+          <p:cNvPr id="1028" name="Picture 4" descr="https://img0.baidu.com/it/u=11736292,2294904996&amp;fm=253&amp;fmt=auto&amp;app=138&amp;f=JPEG?w=651&amp;h=436"/>
+          <p:cNvPicPr>
+            <a:picLocks noChangeAspect="1" noChangeArrowheads="1"/>
+          </p:cNvPicPr>
+          <p:nvPr/>
+        </p:nvPicPr>
+        <p:blipFill>
+          <a:blip r:embed="rId3" cstate="print">
+            <a:extLst>
+              <a:ext uri="{28A0092B-C50C-407E-A947-70E740481C1C}">
+                <a14:useLocalDpi xmlns:a14="http://schemas.microsoft.com/office/drawing/2010/main" val="0"/>
+              </a:ext>
+            </a:extLst>
+          </a:blip>
+          <a:srcRect/>
+          <a:stretch>
+            <a:fillRect/>
+          </a:stretch>
+        </p:blipFill>
+        <p:spPr bwMode="auto">
+          <a:xfrm>
+            <a:off x="7762375" y="2506445"/>
+            <a:ext cx="2173334" cy="1455566"/>
+          </a:xfrm>
+          <a:prstGeom prst="rect">
+            <a:avLst/>
+          </a:prstGeom>
+          <a:noFill/>
+          <a:extLst>
+            <a:ext uri="{909E8E84-426E-40DD-AFC4-6F175D3DCCD1}">
+              <a14:hiddenFill xmlns:a14="http://schemas.microsoft.com/office/drawing/2010/main">
+                <a:solidFill>
+                  <a:srgbClr val="FFFFFF"/>
+                </a:solidFill>
+              </a14:hiddenFill>
+            </a:ext>
+          </a:extLst>
+        </p:spPr>
+      </p:pic>
+      <p:sp>
+        <p:nvSpPr>
+          <p:cNvPr id="11" name="TextBox 10"/>
+          <p:cNvSpPr txBox="1"/>
+          <p:nvPr/>
+        </p:nvSpPr>
+        <p:spPr>
+          <a:xfrm>
+            <a:off x="3346549" y="3777345"/>
+            <a:ext cx="646331" cy="369332"/>
+          </a:xfrm>
+          <a:prstGeom prst="rect">
+            <a:avLst/>
+          </a:prstGeom>
+          <a:noFill/>
+        </p:spPr>
+        <p:txBody>
+          <a:bodyPr wrap="none" rtlCol="0">
+            <a:spAutoFit/>
+          </a:bodyPr>
+          <a:lstStyle/>
+          <a:p>
+            <a:r>
+              <a:rPr lang="zh-CN" altLang="en-US" dirty="0"/>
+              <a:t>攻击</a:t>
+            </a:r>
+          </a:p>
+        </p:txBody>
+      </p:sp>
+      <p:sp>
+        <p:nvSpPr>
+          <p:cNvPr id="12" name="左大括号 11"/>
+          <p:cNvSpPr/>
+          <p:nvPr/>
+        </p:nvSpPr>
+        <p:spPr>
+          <a:xfrm>
+            <a:off x="6949440" y="2101215"/>
+            <a:ext cx="167640" cy="2381250"/>
+          </a:xfrm>
+          <a:prstGeom prst="leftBrace">
+            <a:avLst/>
+          </a:prstGeom>
+        </p:spPr>
+        <p:style>
+          <a:lnRef idx="1">
+            <a:schemeClr val="accent1"/>
+          </a:lnRef>
+          <a:fillRef idx="0">
+            <a:schemeClr val="accent1"/>
+          </a:fillRef>
+          <a:effectRef idx="0">
+            <a:schemeClr val="accent1"/>
+          </a:effectRef>
+          <a:fontRef idx="minor">
+            <a:schemeClr val="tx1"/>
+          </a:fontRef>
+        </p:style>
+        <p:txBody>
+          <a:bodyPr rtlCol="0" anchor="ctr"/>
+          <a:lstStyle/>
+          <a:p>
+            <a:pPr algn="ctr"/>
+            <a:endParaRPr lang="zh-CN" altLang="en-US"/>
+          </a:p>
+        </p:txBody>
+      </p:sp>
+      <p:sp>
+        <p:nvSpPr>
+          <p:cNvPr id="13" name="TextBox 12"/>
+          <p:cNvSpPr txBox="1"/>
+          <p:nvPr/>
+        </p:nvSpPr>
+        <p:spPr>
+          <a:xfrm>
+            <a:off x="5554980" y="4663440"/>
+            <a:ext cx="646331" cy="369332"/>
+          </a:xfrm>
+          <a:prstGeom prst="rect">
+            <a:avLst/>
+          </a:prstGeom>
+          <a:noFill/>
+        </p:spPr>
+        <p:txBody>
+          <a:bodyPr wrap="none" rtlCol="0">
+            <a:spAutoFit/>
+          </a:bodyPr>
+          <a:lstStyle/>
+          <a:p>
+            <a:r>
+              <a:rPr lang="zh-CN" altLang="en-US" dirty="0" smtClean="0"/>
+              <a:t>防护</a:t>
+            </a:r>
+            <a:endParaRPr lang="zh-CN" altLang="en-US" dirty="0"/>
+          </a:p>
+        </p:txBody>
+      </p:sp>
+      <p:sp>
+        <p:nvSpPr>
+          <p:cNvPr id="14" name="TextBox 13"/>
+          <p:cNvSpPr txBox="1"/>
+          <p:nvPr/>
+        </p:nvSpPr>
+        <p:spPr>
+          <a:xfrm>
+            <a:off x="1501140" y="4095750"/>
+            <a:ext cx="607859" cy="261610"/>
+          </a:xfrm>
+          <a:prstGeom prst="rect">
+            <a:avLst/>
+          </a:prstGeom>
+          <a:noFill/>
+        </p:spPr>
+        <p:txBody>
+          <a:bodyPr wrap="none" rtlCol="0">
+            <a:spAutoFit/>
+          </a:bodyPr>
+          <a:lstStyle/>
+          <a:p>
+            <a:r>
+              <a:rPr lang="zh-CN" altLang="en-US" sz="1100" b="1" dirty="0" smtClean="0"/>
+              <a:t>攻击者</a:t>
+            </a:r>
+            <a:endParaRPr lang="zh-CN" altLang="en-US" sz="1100" b="1" dirty="0"/>
+          </a:p>
+        </p:txBody>
+      </p:sp>
+      <p:sp>
+        <p:nvSpPr>
+          <p:cNvPr id="17" name="TextBox 16"/>
+          <p:cNvSpPr txBox="1"/>
+          <p:nvPr/>
+        </p:nvSpPr>
+        <p:spPr>
+          <a:xfrm>
+            <a:off x="8481060" y="4014531"/>
+            <a:ext cx="1031051" cy="261610"/>
+          </a:xfrm>
+          <a:prstGeom prst="rect">
+            <a:avLst/>
+          </a:prstGeom>
+          <a:noFill/>
+        </p:spPr>
+        <p:txBody>
+          <a:bodyPr wrap="none" rtlCol="0">
+            <a:spAutoFit/>
+          </a:bodyPr>
+          <a:lstStyle/>
+          <a:p>
+            <a:r>
+              <a:rPr lang="zh-CN" altLang="en-US" sz="1100" b="1" dirty="0" smtClean="0"/>
+              <a:t>网络信息系统</a:t>
+            </a:r>
+            <a:endParaRPr lang="zh-CN" altLang="en-US" sz="1100" b="1" dirty="0"/>
+          </a:p>
+        </p:txBody>
+      </p:sp>
+    </p:spTree>
+    <p:extLst>
+      <p:ext uri="{BB962C8B-B14F-4D97-AF65-F5344CB8AC3E}">
+        <p14:creationId xmlns:p14="http://schemas.microsoft.com/office/powerpoint/2010/main" val="4001262924"/>
       </p:ext>
     </p:extLst>
   </p:cSld>
@@ -17986,7 +18515,7 @@
   <a:extraClrSchemeLst/>
   <a:extLst>
     <a:ext uri="{05A4C25C-085E-4340-85A3-A5531E510DB2}">
-      <thm15:themeFamily xmlns="" xmlns:thm15="http://schemas.microsoft.com/office/thememl/2012/main" name="Office Theme" id="{62F939B6-93AF-4DB8-9C6B-D6C7DFDC589F}" vid="{4A3C46E8-61CC-4603-A589-7422A47A8E4A}"/>
+      <thm15:themeFamily xmlns:thm15="http://schemas.microsoft.com/office/thememl/2012/main" xmlns="" name="Office Theme" id="{62F939B6-93AF-4DB8-9C6B-D6C7DFDC589F}" vid="{4A3C46E8-61CC-4603-A589-7422A47A8E4A}"/>
     </a:ext>
   </a:extLst>
 </a:theme>

--- a/images/2022/画图.pptx
+++ b/images/2022/画图.pptx
@@ -16,6 +16,7 @@
     <p:sldId id="264" r:id="rId10"/>
     <p:sldId id="265" r:id="rId11"/>
     <p:sldId id="266" r:id="rId12"/>
+    <p:sldId id="267" r:id="rId13"/>
   </p:sldIdLst>
   <p:sldSz cx="12192000" cy="6858000"/>
   <p:notesSz cx="6858000" cy="9144000"/>
@@ -117,6 +118,4665 @@
 </p:presentation>
 </file>
 
+<file path=ppt/diagrams/colors1.xml><?xml version="1.0" encoding="utf-8"?>
+<dgm:colorsDef xmlns:dgm="http://schemas.openxmlformats.org/drawingml/2006/diagram" xmlns:a="http://schemas.openxmlformats.org/drawingml/2006/main" uniqueId="urn:microsoft.com/office/officeart/2005/8/colors/colorful5">
+  <dgm:title val=""/>
+  <dgm:desc val=""/>
+  <dgm:catLst>
+    <dgm:cat type="colorful" pri="10500"/>
+  </dgm:catLst>
+  <dgm:styleLbl name="node0">
+    <dgm:fillClrLst meth="repeat">
+      <a:schemeClr val="accent4"/>
+    </dgm:fillClrLst>
+    <dgm:linClrLst meth="repeat">
+      <a:schemeClr val="lt1"/>
+    </dgm:linClrLst>
+    <dgm:effectClrLst/>
+    <dgm:txLinClrLst/>
+    <dgm:txFillClrLst/>
+    <dgm:txEffectClrLst/>
+  </dgm:styleLbl>
+  <dgm:styleLbl name="node1">
+    <dgm:fillClrLst>
+      <a:schemeClr val="accent5"/>
+      <a:schemeClr val="accent6"/>
+    </dgm:fillClrLst>
+    <dgm:linClrLst meth="repeat">
+      <a:schemeClr val="lt1"/>
+    </dgm:linClrLst>
+    <dgm:effectClrLst/>
+    <dgm:txLinClrLst/>
+    <dgm:txFillClrLst/>
+    <dgm:txEffectClrLst/>
+  </dgm:styleLbl>
+  <dgm:styleLbl name="alignNode1">
+    <dgm:fillClrLst>
+      <a:schemeClr val="accent5"/>
+      <a:schemeClr val="accent6"/>
+    </dgm:fillClrLst>
+    <dgm:linClrLst>
+      <a:schemeClr val="accent5"/>
+      <a:schemeClr val="accent6"/>
+    </dgm:linClrLst>
+    <dgm:effectClrLst/>
+    <dgm:txLinClrLst/>
+    <dgm:txFillClrLst/>
+    <dgm:txEffectClrLst/>
+  </dgm:styleLbl>
+  <dgm:styleLbl name="lnNode1">
+    <dgm:fillClrLst>
+      <a:schemeClr val="accent5"/>
+      <a:schemeClr val="accent6"/>
+    </dgm:fillClrLst>
+    <dgm:linClrLst meth="repeat">
+      <a:schemeClr val="lt1"/>
+    </dgm:linClrLst>
+    <dgm:effectClrLst/>
+    <dgm:txLinClrLst/>
+    <dgm:txFillClrLst/>
+    <dgm:txEffectClrLst/>
+  </dgm:styleLbl>
+  <dgm:styleLbl name="vennNode1">
+    <dgm:fillClrLst>
+      <a:schemeClr val="accent5">
+        <a:alpha val="50000"/>
+      </a:schemeClr>
+      <a:schemeClr val="accent6">
+        <a:alpha val="50000"/>
+      </a:schemeClr>
+    </dgm:fillClrLst>
+    <dgm:linClrLst meth="repeat">
+      <a:schemeClr val="lt1"/>
+    </dgm:linClrLst>
+    <dgm:effectClrLst/>
+    <dgm:txLinClrLst/>
+    <dgm:txFillClrLst/>
+    <dgm:txEffectClrLst/>
+  </dgm:styleLbl>
+  <dgm:styleLbl name="node2">
+    <dgm:fillClrLst>
+      <a:schemeClr val="accent6"/>
+    </dgm:fillClrLst>
+    <dgm:linClrLst meth="repeat">
+      <a:schemeClr val="lt1"/>
+    </dgm:linClrLst>
+    <dgm:effectClrLst/>
+    <dgm:txLinClrLst/>
+    <dgm:txFillClrLst/>
+    <dgm:txEffectClrLst/>
+  </dgm:styleLbl>
+  <dgm:styleLbl name="node3">
+    <dgm:fillClrLst>
+      <a:schemeClr val="accent1"/>
+    </dgm:fillClrLst>
+    <dgm:linClrLst meth="repeat">
+      <a:schemeClr val="lt1"/>
+    </dgm:linClrLst>
+    <dgm:effectClrLst/>
+    <dgm:txLinClrLst/>
+    <dgm:txFillClrLst/>
+    <dgm:txEffectClrLst/>
+  </dgm:styleLbl>
+  <dgm:styleLbl name="node4">
+    <dgm:fillClrLst>
+      <a:schemeClr val="accent2"/>
+    </dgm:fillClrLst>
+    <dgm:linClrLst meth="repeat">
+      <a:schemeClr val="lt1"/>
+    </dgm:linClrLst>
+    <dgm:effectClrLst/>
+    <dgm:txLinClrLst/>
+    <dgm:txFillClrLst/>
+    <dgm:txEffectClrLst/>
+  </dgm:styleLbl>
+  <dgm:styleLbl name="fgImgPlace1">
+    <dgm:fillClrLst>
+      <a:schemeClr val="accent5">
+        <a:tint val="50000"/>
+      </a:schemeClr>
+      <a:schemeClr val="accent6">
+        <a:tint val="50000"/>
+      </a:schemeClr>
+    </dgm:fillClrLst>
+    <dgm:linClrLst meth="repeat">
+      <a:schemeClr val="lt1"/>
+    </dgm:linClrLst>
+    <dgm:effectClrLst/>
+    <dgm:txLinClrLst/>
+    <dgm:txFillClrLst meth="repeat">
+      <a:schemeClr val="lt1"/>
+    </dgm:txFillClrLst>
+    <dgm:txEffectClrLst/>
+  </dgm:styleLbl>
+  <dgm:styleLbl name="alignImgPlace1">
+    <dgm:fillClrLst>
+      <a:schemeClr val="accent5">
+        <a:tint val="50000"/>
+      </a:schemeClr>
+      <a:schemeClr val="accent6">
+        <a:tint val="20000"/>
+      </a:schemeClr>
+    </dgm:fillClrLst>
+    <dgm:linClrLst meth="repeat">
+      <a:schemeClr val="lt1"/>
+    </dgm:linClrLst>
+    <dgm:effectClrLst/>
+    <dgm:txLinClrLst/>
+    <dgm:txFillClrLst meth="repeat">
+      <a:schemeClr val="lt1"/>
+    </dgm:txFillClrLst>
+    <dgm:txEffectClrLst/>
+  </dgm:styleLbl>
+  <dgm:styleLbl name="bgImgPlace1">
+    <dgm:fillClrLst>
+      <a:schemeClr val="accent5">
+        <a:tint val="50000"/>
+      </a:schemeClr>
+      <a:schemeClr val="accent6">
+        <a:tint val="20000"/>
+      </a:schemeClr>
+    </dgm:fillClrLst>
+    <dgm:linClrLst meth="repeat">
+      <a:schemeClr val="lt1"/>
+    </dgm:linClrLst>
+    <dgm:effectClrLst/>
+    <dgm:txLinClrLst/>
+    <dgm:txFillClrLst meth="repeat">
+      <a:schemeClr val="lt1"/>
+    </dgm:txFillClrLst>
+    <dgm:txEffectClrLst/>
+  </dgm:styleLbl>
+  <dgm:styleLbl name="sibTrans2D1">
+    <dgm:fillClrLst>
+      <a:schemeClr val="accent5"/>
+      <a:schemeClr val="accent6"/>
+    </dgm:fillClrLst>
+    <dgm:linClrLst meth="repeat">
+      <a:schemeClr val="lt1"/>
+    </dgm:linClrLst>
+    <dgm:effectClrLst/>
+    <dgm:txLinClrLst/>
+    <dgm:txFillClrLst/>
+    <dgm:txEffectClrLst/>
+  </dgm:styleLbl>
+  <dgm:styleLbl name="fgSibTrans2D1">
+    <dgm:fillClrLst>
+      <a:schemeClr val="accent5"/>
+      <a:schemeClr val="accent6"/>
+    </dgm:fillClrLst>
+    <dgm:linClrLst meth="repeat">
+      <a:schemeClr val="lt1"/>
+    </dgm:linClrLst>
+    <dgm:effectClrLst/>
+    <dgm:txLinClrLst/>
+    <dgm:txFillClrLst meth="repeat">
+      <a:schemeClr val="lt1"/>
+    </dgm:txFillClrLst>
+    <dgm:txEffectClrLst/>
+  </dgm:styleLbl>
+  <dgm:styleLbl name="bgSibTrans2D1">
+    <dgm:fillClrLst>
+      <a:schemeClr val="accent5"/>
+      <a:schemeClr val="accent6"/>
+    </dgm:fillClrLst>
+    <dgm:linClrLst meth="repeat">
+      <a:schemeClr val="lt1"/>
+    </dgm:linClrLst>
+    <dgm:effectClrLst/>
+    <dgm:txLinClrLst/>
+    <dgm:txFillClrLst meth="repeat">
+      <a:schemeClr val="lt1"/>
+    </dgm:txFillClrLst>
+    <dgm:txEffectClrLst/>
+  </dgm:styleLbl>
+  <dgm:styleLbl name="sibTrans1D1">
+    <dgm:fillClrLst/>
+    <dgm:linClrLst>
+      <a:schemeClr val="accent5"/>
+      <a:schemeClr val="accent6"/>
+    </dgm:linClrLst>
+    <dgm:effectClrLst/>
+    <dgm:txLinClrLst/>
+    <dgm:txFillClrLst meth="repeat">
+      <a:schemeClr val="tx1"/>
+    </dgm:txFillClrLst>
+    <dgm:txEffectClrLst/>
+  </dgm:styleLbl>
+  <dgm:styleLbl name="callout">
+    <dgm:fillClrLst meth="repeat">
+      <a:schemeClr val="accent5"/>
+    </dgm:fillClrLst>
+    <dgm:linClrLst meth="repeat">
+      <a:schemeClr val="accent5">
+        <a:tint val="50000"/>
+      </a:schemeClr>
+    </dgm:linClrLst>
+    <dgm:effectClrLst/>
+    <dgm:txLinClrLst/>
+    <dgm:txFillClrLst meth="repeat">
+      <a:schemeClr val="tx1"/>
+    </dgm:txFillClrLst>
+    <dgm:txEffectClrLst/>
+  </dgm:styleLbl>
+  <dgm:styleLbl name="asst0">
+    <dgm:fillClrLst meth="repeat">
+      <a:schemeClr val="accent5"/>
+    </dgm:fillClrLst>
+    <dgm:linClrLst meth="repeat">
+      <a:schemeClr val="lt1">
+        <a:shade val="80000"/>
+      </a:schemeClr>
+    </dgm:linClrLst>
+    <dgm:effectClrLst/>
+    <dgm:txLinClrLst/>
+    <dgm:txFillClrLst/>
+    <dgm:txEffectClrLst/>
+  </dgm:styleLbl>
+  <dgm:styleLbl name="asst1">
+    <dgm:fillClrLst meth="repeat">
+      <a:schemeClr val="accent6"/>
+    </dgm:fillClrLst>
+    <dgm:linClrLst meth="repeat">
+      <a:schemeClr val="lt1">
+        <a:shade val="80000"/>
+      </a:schemeClr>
+    </dgm:linClrLst>
+    <dgm:effectClrLst/>
+    <dgm:txLinClrLst/>
+    <dgm:txFillClrLst/>
+    <dgm:txEffectClrLst/>
+  </dgm:styleLbl>
+  <dgm:styleLbl name="asst2">
+    <dgm:fillClrLst>
+      <a:schemeClr val="accent1"/>
+    </dgm:fillClrLst>
+    <dgm:linClrLst meth="repeat">
+      <a:schemeClr val="lt1"/>
+    </dgm:linClrLst>
+    <dgm:effectClrLst/>
+    <dgm:txLinClrLst/>
+    <dgm:txFillClrLst/>
+    <dgm:txEffectClrLst/>
+  </dgm:styleLbl>
+  <dgm:styleLbl name="asst3">
+    <dgm:fillClrLst>
+      <a:schemeClr val="accent2"/>
+    </dgm:fillClrLst>
+    <dgm:linClrLst meth="repeat">
+      <a:schemeClr val="lt1"/>
+    </dgm:linClrLst>
+    <dgm:effectClrLst/>
+    <dgm:txLinClrLst/>
+    <dgm:txFillClrLst/>
+    <dgm:txEffectClrLst/>
+  </dgm:styleLbl>
+  <dgm:styleLbl name="asst4">
+    <dgm:fillClrLst>
+      <a:schemeClr val="accent3"/>
+    </dgm:fillClrLst>
+    <dgm:linClrLst meth="repeat">
+      <a:schemeClr val="lt1"/>
+    </dgm:linClrLst>
+    <dgm:effectClrLst/>
+    <dgm:txLinClrLst/>
+    <dgm:txFillClrLst/>
+    <dgm:txEffectClrLst/>
+  </dgm:styleLbl>
+  <dgm:styleLbl name="parChTrans2D1">
+    <dgm:fillClrLst meth="repeat">
+      <a:schemeClr val="accent5"/>
+    </dgm:fillClrLst>
+    <dgm:linClrLst meth="repeat">
+      <a:schemeClr val="lt1"/>
+    </dgm:linClrLst>
+    <dgm:effectClrLst/>
+    <dgm:txLinClrLst/>
+    <dgm:txFillClrLst meth="repeat">
+      <a:schemeClr val="lt1"/>
+    </dgm:txFillClrLst>
+    <dgm:txEffectClrLst/>
+  </dgm:styleLbl>
+  <dgm:styleLbl name="parChTrans2D2">
+    <dgm:fillClrLst meth="repeat">
+      <a:schemeClr val="accent6"/>
+    </dgm:fillClrLst>
+    <dgm:linClrLst meth="repeat">
+      <a:schemeClr val="lt1"/>
+    </dgm:linClrLst>
+    <dgm:effectClrLst/>
+    <dgm:txLinClrLst/>
+    <dgm:txFillClrLst/>
+    <dgm:txEffectClrLst/>
+  </dgm:styleLbl>
+  <dgm:styleLbl name="parChTrans2D3">
+    <dgm:fillClrLst meth="repeat">
+      <a:schemeClr val="accent6"/>
+    </dgm:fillClrLst>
+    <dgm:linClrLst meth="repeat">
+      <a:schemeClr val="lt1"/>
+    </dgm:linClrLst>
+    <dgm:effectClrLst/>
+    <dgm:txLinClrLst/>
+    <dgm:txFillClrLst/>
+    <dgm:txEffectClrLst/>
+  </dgm:styleLbl>
+  <dgm:styleLbl name="parChTrans2D4">
+    <dgm:fillClrLst meth="repeat">
+      <a:schemeClr val="accent1"/>
+    </dgm:fillClrLst>
+    <dgm:linClrLst meth="repeat">
+      <a:schemeClr val="lt1"/>
+    </dgm:linClrLst>
+    <dgm:effectClrLst/>
+    <dgm:txLinClrLst/>
+    <dgm:txFillClrLst meth="repeat">
+      <a:schemeClr val="lt1"/>
+    </dgm:txFillClrLst>
+    <dgm:txEffectClrLst/>
+  </dgm:styleLbl>
+  <dgm:styleLbl name="parChTrans1D1">
+    <dgm:fillClrLst meth="repeat">
+      <a:schemeClr val="accent5"/>
+    </dgm:fillClrLst>
+    <dgm:linClrLst meth="repeat">
+      <a:schemeClr val="accent5"/>
+    </dgm:linClrLst>
+    <dgm:effectClrLst/>
+    <dgm:txLinClrLst/>
+    <dgm:txFillClrLst meth="repeat">
+      <a:schemeClr val="tx1"/>
+    </dgm:txFillClrLst>
+    <dgm:txEffectClrLst/>
+  </dgm:styleLbl>
+  <dgm:styleLbl name="parChTrans1D2">
+    <dgm:fillClrLst meth="repeat">
+      <a:schemeClr val="accent6">
+        <a:tint val="90000"/>
+      </a:schemeClr>
+    </dgm:fillClrLst>
+    <dgm:linClrLst meth="repeat">
+      <a:schemeClr val="accent6"/>
+    </dgm:linClrLst>
+    <dgm:effectClrLst/>
+    <dgm:txLinClrLst/>
+    <dgm:txFillClrLst meth="repeat">
+      <a:schemeClr val="tx1"/>
+    </dgm:txFillClrLst>
+    <dgm:txEffectClrLst/>
+  </dgm:styleLbl>
+  <dgm:styleLbl name="parChTrans1D3">
+    <dgm:fillClrLst meth="repeat">
+      <a:schemeClr val="accent6">
+        <a:tint val="70000"/>
+      </a:schemeClr>
+    </dgm:fillClrLst>
+    <dgm:linClrLst meth="repeat">
+      <a:schemeClr val="accent1"/>
+    </dgm:linClrLst>
+    <dgm:effectClrLst/>
+    <dgm:txLinClrLst/>
+    <dgm:txFillClrLst meth="repeat">
+      <a:schemeClr val="tx1"/>
+    </dgm:txFillClrLst>
+    <dgm:txEffectClrLst/>
+  </dgm:styleLbl>
+  <dgm:styleLbl name="parChTrans1D4">
+    <dgm:fillClrLst meth="repeat">
+      <a:schemeClr val="accent6">
+        <a:tint val="50000"/>
+      </a:schemeClr>
+    </dgm:fillClrLst>
+    <dgm:linClrLst meth="repeat">
+      <a:schemeClr val="accent2"/>
+    </dgm:linClrLst>
+    <dgm:effectClrLst/>
+    <dgm:txLinClrLst/>
+    <dgm:txFillClrLst meth="repeat">
+      <a:schemeClr val="tx1"/>
+    </dgm:txFillClrLst>
+    <dgm:txEffectClrLst/>
+  </dgm:styleLbl>
+  <dgm:styleLbl name="fgAcc1">
+    <dgm:fillClrLst meth="repeat">
+      <a:schemeClr val="lt1">
+        <a:alpha val="90000"/>
+      </a:schemeClr>
+    </dgm:fillClrLst>
+    <dgm:linClrLst>
+      <a:schemeClr val="accent5"/>
+      <a:schemeClr val="accent6"/>
+    </dgm:linClrLst>
+    <dgm:effectClrLst/>
+    <dgm:txLinClrLst/>
+    <dgm:txFillClrLst meth="repeat">
+      <a:schemeClr val="dk1"/>
+    </dgm:txFillClrLst>
+    <dgm:txEffectClrLst/>
+  </dgm:styleLbl>
+  <dgm:styleLbl name="conFgAcc1">
+    <dgm:fillClrLst meth="repeat">
+      <a:schemeClr val="lt1">
+        <a:alpha val="90000"/>
+      </a:schemeClr>
+    </dgm:fillClrLst>
+    <dgm:linClrLst>
+      <a:schemeClr val="accent5"/>
+      <a:schemeClr val="accent6"/>
+    </dgm:linClrLst>
+    <dgm:effectClrLst/>
+    <dgm:txLinClrLst/>
+    <dgm:txFillClrLst meth="repeat">
+      <a:schemeClr val="dk1"/>
+    </dgm:txFillClrLst>
+    <dgm:txEffectClrLst/>
+  </dgm:styleLbl>
+  <dgm:styleLbl name="alignAcc1">
+    <dgm:fillClrLst meth="repeat">
+      <a:schemeClr val="lt1">
+        <a:alpha val="90000"/>
+      </a:schemeClr>
+    </dgm:fillClrLst>
+    <dgm:linClrLst>
+      <a:schemeClr val="accent5"/>
+      <a:schemeClr val="accent6"/>
+    </dgm:linClrLst>
+    <dgm:effectClrLst/>
+    <dgm:txLinClrLst/>
+    <dgm:txFillClrLst meth="repeat">
+      <a:schemeClr val="dk1"/>
+    </dgm:txFillClrLst>
+    <dgm:txEffectClrLst/>
+  </dgm:styleLbl>
+  <dgm:styleLbl name="trAlignAcc1">
+    <dgm:fillClrLst meth="repeat">
+      <a:schemeClr val="lt1">
+        <a:alpha val="40000"/>
+      </a:schemeClr>
+    </dgm:fillClrLst>
+    <dgm:linClrLst meth="repeat">
+      <a:schemeClr val="accent5"/>
+    </dgm:linClrLst>
+    <dgm:effectClrLst/>
+    <dgm:txLinClrLst/>
+    <dgm:txFillClrLst meth="repeat">
+      <a:schemeClr val="dk1"/>
+    </dgm:txFillClrLst>
+    <dgm:txEffectClrLst/>
+  </dgm:styleLbl>
+  <dgm:styleLbl name="bgAcc1">
+    <dgm:fillClrLst meth="repeat">
+      <a:schemeClr val="lt1">
+        <a:alpha val="90000"/>
+      </a:schemeClr>
+    </dgm:fillClrLst>
+    <dgm:linClrLst>
+      <a:schemeClr val="accent5"/>
+      <a:schemeClr val="accent6"/>
+    </dgm:linClrLst>
+    <dgm:effectClrLst/>
+    <dgm:txLinClrLst/>
+    <dgm:txFillClrLst meth="repeat">
+      <a:schemeClr val="dk1"/>
+    </dgm:txFillClrLst>
+    <dgm:txEffectClrLst/>
+  </dgm:styleLbl>
+  <dgm:styleLbl name="solidFgAcc1">
+    <dgm:fillClrLst meth="repeat">
+      <a:schemeClr val="lt1"/>
+    </dgm:fillClrLst>
+    <dgm:linClrLst>
+      <a:schemeClr val="accent5"/>
+      <a:schemeClr val="accent6"/>
+    </dgm:linClrLst>
+    <dgm:effectClrLst/>
+    <dgm:txLinClrLst/>
+    <dgm:txFillClrLst meth="repeat">
+      <a:schemeClr val="dk1"/>
+    </dgm:txFillClrLst>
+    <dgm:txEffectClrLst/>
+  </dgm:styleLbl>
+  <dgm:styleLbl name="solidAlignAcc1">
+    <dgm:fillClrLst meth="repeat">
+      <a:schemeClr val="lt1"/>
+    </dgm:fillClrLst>
+    <dgm:linClrLst>
+      <a:schemeClr val="accent5"/>
+      <a:schemeClr val="accent6"/>
+    </dgm:linClrLst>
+    <dgm:effectClrLst/>
+    <dgm:txLinClrLst/>
+    <dgm:txFillClrLst meth="repeat">
+      <a:schemeClr val="dk1"/>
+    </dgm:txFillClrLst>
+    <dgm:txEffectClrLst/>
+  </dgm:styleLbl>
+  <dgm:styleLbl name="solidBgAcc1">
+    <dgm:fillClrLst meth="repeat">
+      <a:schemeClr val="lt1"/>
+    </dgm:fillClrLst>
+    <dgm:linClrLst>
+      <a:schemeClr val="accent5"/>
+      <a:schemeClr val="accent6"/>
+    </dgm:linClrLst>
+    <dgm:effectClrLst/>
+    <dgm:txLinClrLst/>
+    <dgm:txFillClrLst meth="repeat">
+      <a:schemeClr val="dk1"/>
+    </dgm:txFillClrLst>
+    <dgm:txEffectClrLst/>
+  </dgm:styleLbl>
+  <dgm:styleLbl name="fgAccFollowNode1">
+    <dgm:fillClrLst>
+      <a:schemeClr val="accent5">
+        <a:tint val="40000"/>
+        <a:alpha val="90000"/>
+      </a:schemeClr>
+      <a:schemeClr val="accent6">
+        <a:tint val="40000"/>
+        <a:alpha val="90000"/>
+      </a:schemeClr>
+    </dgm:fillClrLst>
+    <dgm:linClrLst>
+      <a:schemeClr val="accent5">
+        <a:tint val="40000"/>
+        <a:alpha val="90000"/>
+      </a:schemeClr>
+      <a:schemeClr val="accent5">
+        <a:tint val="40000"/>
+        <a:alpha val="90000"/>
+      </a:schemeClr>
+    </dgm:linClrLst>
+    <dgm:effectClrLst/>
+    <dgm:txLinClrLst/>
+    <dgm:txFillClrLst meth="repeat">
+      <a:schemeClr val="dk1"/>
+    </dgm:txFillClrLst>
+    <dgm:txEffectClrLst/>
+  </dgm:styleLbl>
+  <dgm:styleLbl name="alignAccFollowNode1">
+    <dgm:fillClrLst>
+      <a:schemeClr val="accent5">
+        <a:tint val="40000"/>
+        <a:alpha val="90000"/>
+      </a:schemeClr>
+      <a:schemeClr val="accent6">
+        <a:tint val="40000"/>
+        <a:alpha val="90000"/>
+      </a:schemeClr>
+    </dgm:fillClrLst>
+    <dgm:linClrLst>
+      <a:schemeClr val="accent5">
+        <a:tint val="40000"/>
+        <a:alpha val="90000"/>
+      </a:schemeClr>
+      <a:schemeClr val="accent6">
+        <a:tint val="40000"/>
+        <a:alpha val="90000"/>
+      </a:schemeClr>
+    </dgm:linClrLst>
+    <dgm:effectClrLst/>
+    <dgm:txLinClrLst/>
+    <dgm:txFillClrLst meth="repeat">
+      <a:schemeClr val="dk1"/>
+    </dgm:txFillClrLst>
+    <dgm:txEffectClrLst/>
+  </dgm:styleLbl>
+  <dgm:styleLbl name="bgAccFollowNode1">
+    <dgm:fillClrLst>
+      <a:schemeClr val="accent5">
+        <a:tint val="40000"/>
+        <a:alpha val="90000"/>
+      </a:schemeClr>
+      <a:schemeClr val="accent6">
+        <a:tint val="40000"/>
+        <a:alpha val="90000"/>
+      </a:schemeClr>
+    </dgm:fillClrLst>
+    <dgm:linClrLst>
+      <a:schemeClr val="accent5">
+        <a:tint val="40000"/>
+        <a:alpha val="90000"/>
+      </a:schemeClr>
+      <a:schemeClr val="accent6">
+        <a:tint val="40000"/>
+        <a:alpha val="90000"/>
+      </a:schemeClr>
+    </dgm:linClrLst>
+    <dgm:effectClrLst/>
+    <dgm:txLinClrLst/>
+    <dgm:txFillClrLst meth="repeat">
+      <a:schemeClr val="dk1"/>
+    </dgm:txFillClrLst>
+    <dgm:txEffectClrLst/>
+  </dgm:styleLbl>
+  <dgm:styleLbl name="fgAcc0">
+    <dgm:fillClrLst meth="repeat">
+      <a:schemeClr val="lt1">
+        <a:alpha val="90000"/>
+      </a:schemeClr>
+    </dgm:fillClrLst>
+    <dgm:linClrLst>
+      <a:schemeClr val="accent4"/>
+    </dgm:linClrLst>
+    <dgm:effectClrLst/>
+    <dgm:txLinClrLst/>
+    <dgm:txFillClrLst meth="repeat">
+      <a:schemeClr val="dk1"/>
+    </dgm:txFillClrLst>
+    <dgm:txEffectClrLst/>
+  </dgm:styleLbl>
+  <dgm:styleLbl name="fgAcc2">
+    <dgm:fillClrLst meth="repeat">
+      <a:schemeClr val="lt1">
+        <a:alpha val="90000"/>
+      </a:schemeClr>
+    </dgm:fillClrLst>
+    <dgm:linClrLst>
+      <a:schemeClr val="accent6"/>
+    </dgm:linClrLst>
+    <dgm:effectClrLst/>
+    <dgm:txLinClrLst/>
+    <dgm:txFillClrLst meth="repeat">
+      <a:schemeClr val="dk1"/>
+    </dgm:txFillClrLst>
+    <dgm:txEffectClrLst/>
+  </dgm:styleLbl>
+  <dgm:styleLbl name="fgAcc3">
+    <dgm:fillClrLst meth="repeat">
+      <a:schemeClr val="lt1">
+        <a:alpha val="90000"/>
+      </a:schemeClr>
+    </dgm:fillClrLst>
+    <dgm:linClrLst>
+      <a:schemeClr val="accent1"/>
+    </dgm:linClrLst>
+    <dgm:effectClrLst/>
+    <dgm:txLinClrLst/>
+    <dgm:txFillClrLst meth="repeat">
+      <a:schemeClr val="dk1"/>
+    </dgm:txFillClrLst>
+    <dgm:txEffectClrLst/>
+  </dgm:styleLbl>
+  <dgm:styleLbl name="fgAcc4">
+    <dgm:fillClrLst meth="repeat">
+      <a:schemeClr val="lt1">
+        <a:alpha val="90000"/>
+      </a:schemeClr>
+    </dgm:fillClrLst>
+    <dgm:linClrLst>
+      <a:schemeClr val="accent2"/>
+    </dgm:linClrLst>
+    <dgm:effectClrLst/>
+    <dgm:txLinClrLst/>
+    <dgm:txFillClrLst meth="repeat">
+      <a:schemeClr val="dk1"/>
+    </dgm:txFillClrLst>
+    <dgm:txEffectClrLst/>
+  </dgm:styleLbl>
+  <dgm:styleLbl name="bgShp">
+    <dgm:fillClrLst meth="repeat">
+      <a:schemeClr val="accent5">
+        <a:tint val="40000"/>
+      </a:schemeClr>
+    </dgm:fillClrLst>
+    <dgm:linClrLst meth="repeat">
+      <a:schemeClr val="dk1"/>
+    </dgm:linClrLst>
+    <dgm:effectClrLst/>
+    <dgm:txLinClrLst/>
+    <dgm:txFillClrLst meth="repeat">
+      <a:schemeClr val="dk1"/>
+    </dgm:txFillClrLst>
+    <dgm:txEffectClrLst/>
+  </dgm:styleLbl>
+  <dgm:styleLbl name="dkBgShp">
+    <dgm:fillClrLst meth="repeat">
+      <a:schemeClr val="accent5">
+        <a:shade val="90000"/>
+      </a:schemeClr>
+    </dgm:fillClrLst>
+    <dgm:linClrLst meth="repeat">
+      <a:schemeClr val="dk1"/>
+    </dgm:linClrLst>
+    <dgm:effectClrLst/>
+    <dgm:txLinClrLst/>
+    <dgm:txFillClrLst meth="repeat">
+      <a:schemeClr val="lt1"/>
+    </dgm:txFillClrLst>
+    <dgm:txEffectClrLst/>
+  </dgm:styleLbl>
+  <dgm:styleLbl name="trBgShp">
+    <dgm:fillClrLst meth="repeat">
+      <a:schemeClr val="accent5">
+        <a:tint val="50000"/>
+        <a:alpha val="40000"/>
+      </a:schemeClr>
+    </dgm:fillClrLst>
+    <dgm:linClrLst meth="repeat">
+      <a:schemeClr val="accent5"/>
+    </dgm:linClrLst>
+    <dgm:effectClrLst/>
+    <dgm:txLinClrLst/>
+    <dgm:txFillClrLst meth="repeat">
+      <a:schemeClr val="lt1"/>
+    </dgm:txFillClrLst>
+    <dgm:txEffectClrLst/>
+  </dgm:styleLbl>
+  <dgm:styleLbl name="fgShp">
+    <dgm:fillClrLst meth="repeat">
+      <a:schemeClr val="accent5">
+        <a:tint val="40000"/>
+      </a:schemeClr>
+    </dgm:fillClrLst>
+    <dgm:linClrLst meth="repeat">
+      <a:schemeClr val="lt1"/>
+    </dgm:linClrLst>
+    <dgm:effectClrLst/>
+    <dgm:txLinClrLst/>
+    <dgm:txFillClrLst meth="repeat">
+      <a:schemeClr val="dk1"/>
+    </dgm:txFillClrLst>
+    <dgm:txEffectClrLst/>
+  </dgm:styleLbl>
+  <dgm:styleLbl name="revTx">
+    <dgm:fillClrLst meth="repeat">
+      <a:schemeClr val="lt1">
+        <a:alpha val="0"/>
+      </a:schemeClr>
+    </dgm:fillClrLst>
+    <dgm:linClrLst meth="repeat">
+      <a:schemeClr val="dk1">
+        <a:alpha val="0"/>
+      </a:schemeClr>
+    </dgm:linClrLst>
+    <dgm:effectClrLst/>
+    <dgm:txLinClrLst/>
+    <dgm:txFillClrLst meth="repeat">
+      <a:schemeClr val="tx1"/>
+    </dgm:txFillClrLst>
+    <dgm:txEffectClrLst/>
+  </dgm:styleLbl>
+</dgm:colorsDef>
+</file>
+
+<file path=ppt/diagrams/data1.xml><?xml version="1.0" encoding="utf-8"?>
+<dgm:dataModel xmlns:dgm="http://schemas.openxmlformats.org/drawingml/2006/diagram" xmlns:a="http://schemas.openxmlformats.org/drawingml/2006/main">
+  <dgm:ptLst>
+    <dgm:pt modelId="{9CE0DD49-B258-4698-97E8-8884D4156E6D}" type="doc">
+      <dgm:prSet loTypeId="urn:microsoft.com/office/officeart/2005/8/layout/cycle4" loCatId="cycle" qsTypeId="urn:microsoft.com/office/officeart/2005/8/quickstyle/simple1" qsCatId="simple" csTypeId="urn:microsoft.com/office/officeart/2005/8/colors/colorful5" csCatId="colorful" phldr="1"/>
+      <dgm:spPr/>
+      <dgm:t>
+        <a:bodyPr/>
+        <a:lstStyle/>
+        <a:p>
+          <a:endParaRPr lang="zh-CN" altLang="en-US"/>
+        </a:p>
+      </dgm:t>
+    </dgm:pt>
+    <dgm:pt modelId="{3B794E37-F29C-4E9D-A892-C01A376D541E}">
+      <dgm:prSet phldrT="[文本]"/>
+      <dgm:spPr/>
+      <dgm:t>
+        <a:bodyPr/>
+        <a:lstStyle/>
+        <a:p>
+          <a:r>
+            <a:rPr lang="zh-CN" altLang="en-US" dirty="0" smtClean="0"/>
+            <a:t>防护</a:t>
+          </a:r>
+          <a:endParaRPr lang="zh-CN" altLang="en-US" dirty="0"/>
+        </a:p>
+      </dgm:t>
+    </dgm:pt>
+    <dgm:pt modelId="{3B115127-6A54-47AD-885F-12033411B9BF}" type="parTrans" cxnId="{5E4C1DE5-F12A-4B40-BD44-9481031EAE91}">
+      <dgm:prSet/>
+      <dgm:spPr/>
+      <dgm:t>
+        <a:bodyPr/>
+        <a:lstStyle/>
+        <a:p>
+          <a:endParaRPr lang="zh-CN" altLang="en-US"/>
+        </a:p>
+      </dgm:t>
+    </dgm:pt>
+    <dgm:pt modelId="{25A17EC7-FB37-45E8-B2C4-43DF98505962}" type="sibTrans" cxnId="{5E4C1DE5-F12A-4B40-BD44-9481031EAE91}">
+      <dgm:prSet/>
+      <dgm:spPr/>
+      <dgm:t>
+        <a:bodyPr/>
+        <a:lstStyle/>
+        <a:p>
+          <a:endParaRPr lang="zh-CN" altLang="en-US"/>
+        </a:p>
+      </dgm:t>
+    </dgm:pt>
+    <dgm:pt modelId="{A0AECF08-A33B-4698-83D3-C8AB9E35E975}">
+      <dgm:prSet phldrT="[文本]" custT="1"/>
+      <dgm:spPr/>
+      <dgm:t>
+        <a:bodyPr/>
+        <a:lstStyle/>
+        <a:p>
+          <a:r>
+            <a:rPr lang="zh-CN" altLang="en-US" sz="1200" b="1" dirty="0" smtClean="0"/>
+            <a:t>加密机制</a:t>
+          </a:r>
+          <a:endParaRPr lang="zh-CN" altLang="en-US" sz="1200" b="1" dirty="0"/>
+        </a:p>
+      </dgm:t>
+    </dgm:pt>
+    <dgm:pt modelId="{5BA72ED7-D309-4A36-B438-F9438C785AC1}" type="parTrans" cxnId="{C02D9120-442D-4E3C-8773-206FB1182C2C}">
+      <dgm:prSet/>
+      <dgm:spPr/>
+      <dgm:t>
+        <a:bodyPr/>
+        <a:lstStyle/>
+        <a:p>
+          <a:endParaRPr lang="zh-CN" altLang="en-US"/>
+        </a:p>
+      </dgm:t>
+    </dgm:pt>
+    <dgm:pt modelId="{CCC9B8EE-347E-4D01-BDAF-184E7638C85B}" type="sibTrans" cxnId="{C02D9120-442D-4E3C-8773-206FB1182C2C}">
+      <dgm:prSet/>
+      <dgm:spPr/>
+      <dgm:t>
+        <a:bodyPr/>
+        <a:lstStyle/>
+        <a:p>
+          <a:endParaRPr lang="zh-CN" altLang="en-US"/>
+        </a:p>
+      </dgm:t>
+    </dgm:pt>
+    <dgm:pt modelId="{39B3B994-19FD-457D-90EB-F594C936F4AA}">
+      <dgm:prSet phldrT="[文本]"/>
+      <dgm:spPr/>
+      <dgm:t>
+        <a:bodyPr/>
+        <a:lstStyle/>
+        <a:p>
+          <a:r>
+            <a:rPr lang="zh-CN" altLang="en-US" dirty="0" smtClean="0"/>
+            <a:t>检测</a:t>
+          </a:r>
+          <a:endParaRPr lang="zh-CN" altLang="en-US" dirty="0"/>
+        </a:p>
+      </dgm:t>
+    </dgm:pt>
+    <dgm:pt modelId="{21BFC04F-5875-4197-A4BD-4B956AB1953F}" type="parTrans" cxnId="{BCCD90BB-F593-4B31-B7B9-82DA983ADD3E}">
+      <dgm:prSet/>
+      <dgm:spPr/>
+      <dgm:t>
+        <a:bodyPr/>
+        <a:lstStyle/>
+        <a:p>
+          <a:endParaRPr lang="zh-CN" altLang="en-US"/>
+        </a:p>
+      </dgm:t>
+    </dgm:pt>
+    <dgm:pt modelId="{8ED48239-117E-44B8-9C3A-8982A6CA7634}" type="sibTrans" cxnId="{BCCD90BB-F593-4B31-B7B9-82DA983ADD3E}">
+      <dgm:prSet/>
+      <dgm:spPr/>
+      <dgm:t>
+        <a:bodyPr/>
+        <a:lstStyle/>
+        <a:p>
+          <a:endParaRPr lang="zh-CN" altLang="en-US"/>
+        </a:p>
+      </dgm:t>
+    </dgm:pt>
+    <dgm:pt modelId="{B442EE55-26EE-4A01-B8F3-F8A04BA5BA26}">
+      <dgm:prSet phldrT="[文本]" custT="1"/>
+      <dgm:spPr/>
+      <dgm:t>
+        <a:bodyPr/>
+        <a:lstStyle/>
+        <a:p>
+          <a:r>
+            <a:rPr lang="zh-CN" altLang="en-US" sz="1200" b="1" dirty="0" smtClean="0"/>
+            <a:t>入侵检测</a:t>
+          </a:r>
+          <a:endParaRPr lang="zh-CN" altLang="en-US" sz="1200" b="1" dirty="0"/>
+        </a:p>
+      </dgm:t>
+    </dgm:pt>
+    <dgm:pt modelId="{A46A66C4-ACF8-4B0B-A062-59931D4D73F8}" type="parTrans" cxnId="{211D3CD5-668A-41C5-9FA7-9A90AD2E6EE7}">
+      <dgm:prSet/>
+      <dgm:spPr/>
+      <dgm:t>
+        <a:bodyPr/>
+        <a:lstStyle/>
+        <a:p>
+          <a:endParaRPr lang="zh-CN" altLang="en-US"/>
+        </a:p>
+      </dgm:t>
+    </dgm:pt>
+    <dgm:pt modelId="{6CD7AAB9-6DF5-43D0-BA26-E7D1ED32677B}" type="sibTrans" cxnId="{211D3CD5-668A-41C5-9FA7-9A90AD2E6EE7}">
+      <dgm:prSet/>
+      <dgm:spPr/>
+      <dgm:t>
+        <a:bodyPr/>
+        <a:lstStyle/>
+        <a:p>
+          <a:endParaRPr lang="zh-CN" altLang="en-US"/>
+        </a:p>
+      </dgm:t>
+    </dgm:pt>
+    <dgm:pt modelId="{9CDD0D67-D176-49F1-BE17-0C92310A6056}">
+      <dgm:prSet phldrT="[文本]"/>
+      <dgm:spPr/>
+      <dgm:t>
+        <a:bodyPr/>
+        <a:lstStyle/>
+        <a:p>
+          <a:r>
+            <a:rPr lang="zh-CN" altLang="en-US" dirty="0" smtClean="0"/>
+            <a:t>恢复</a:t>
+          </a:r>
+          <a:endParaRPr lang="zh-CN" altLang="en-US" dirty="0"/>
+        </a:p>
+      </dgm:t>
+    </dgm:pt>
+    <dgm:pt modelId="{73B8A835-FF4D-4C30-AD75-2D181DCFF19F}" type="parTrans" cxnId="{4CB34BB3-8F53-4CD8-901C-3C7E86099B28}">
+      <dgm:prSet/>
+      <dgm:spPr/>
+      <dgm:t>
+        <a:bodyPr/>
+        <a:lstStyle/>
+        <a:p>
+          <a:endParaRPr lang="zh-CN" altLang="en-US"/>
+        </a:p>
+      </dgm:t>
+    </dgm:pt>
+    <dgm:pt modelId="{C95550EB-8370-4C17-A53C-56F0339B4AFF}" type="sibTrans" cxnId="{4CB34BB3-8F53-4CD8-901C-3C7E86099B28}">
+      <dgm:prSet/>
+      <dgm:spPr/>
+      <dgm:t>
+        <a:bodyPr/>
+        <a:lstStyle/>
+        <a:p>
+          <a:endParaRPr lang="zh-CN" altLang="en-US"/>
+        </a:p>
+      </dgm:t>
+    </dgm:pt>
+    <dgm:pt modelId="{D654DEF5-10A5-4332-9A3D-FBA539621550}">
+      <dgm:prSet phldrT="[文本]" custT="1"/>
+      <dgm:spPr/>
+      <dgm:t>
+        <a:bodyPr/>
+        <a:lstStyle/>
+        <a:p>
+          <a:r>
+            <a:rPr lang="zh-CN" altLang="en-US" sz="1200" b="1" dirty="0" smtClean="0"/>
+            <a:t>数据备份</a:t>
+          </a:r>
+          <a:endParaRPr lang="zh-CN" altLang="en-US" sz="1200" b="1" dirty="0"/>
+        </a:p>
+      </dgm:t>
+    </dgm:pt>
+    <dgm:pt modelId="{2B8D0274-47C7-41D5-BE51-974128CE59AE}" type="parTrans" cxnId="{F7605632-02AF-4161-B72A-10A4161ACE78}">
+      <dgm:prSet/>
+      <dgm:spPr/>
+      <dgm:t>
+        <a:bodyPr/>
+        <a:lstStyle/>
+        <a:p>
+          <a:endParaRPr lang="zh-CN" altLang="en-US"/>
+        </a:p>
+      </dgm:t>
+    </dgm:pt>
+    <dgm:pt modelId="{2015028A-14F9-49F3-8245-37BB8966DC7B}" type="sibTrans" cxnId="{F7605632-02AF-4161-B72A-10A4161ACE78}">
+      <dgm:prSet/>
+      <dgm:spPr/>
+      <dgm:t>
+        <a:bodyPr/>
+        <a:lstStyle/>
+        <a:p>
+          <a:endParaRPr lang="zh-CN" altLang="en-US"/>
+        </a:p>
+      </dgm:t>
+    </dgm:pt>
+    <dgm:pt modelId="{F87E6CB3-726B-47F6-A760-F8B056853B1F}">
+      <dgm:prSet phldrT="[文本]"/>
+      <dgm:spPr/>
+      <dgm:t>
+        <a:bodyPr/>
+        <a:lstStyle/>
+        <a:p>
+          <a:r>
+            <a:rPr lang="zh-CN" altLang="en-US" dirty="0" smtClean="0"/>
+            <a:t>响应</a:t>
+          </a:r>
+          <a:endParaRPr lang="zh-CN" altLang="en-US" dirty="0"/>
+        </a:p>
+      </dgm:t>
+    </dgm:pt>
+    <dgm:pt modelId="{83E690FB-8775-4138-B380-5FEB721671D3}" type="parTrans" cxnId="{318A16B5-14B3-4BB9-BA7F-A53C083AB558}">
+      <dgm:prSet/>
+      <dgm:spPr/>
+      <dgm:t>
+        <a:bodyPr/>
+        <a:lstStyle/>
+        <a:p>
+          <a:endParaRPr lang="zh-CN" altLang="en-US"/>
+        </a:p>
+      </dgm:t>
+    </dgm:pt>
+    <dgm:pt modelId="{23184392-808F-4963-919E-65F14CA1AE60}" type="sibTrans" cxnId="{318A16B5-14B3-4BB9-BA7F-A53C083AB558}">
+      <dgm:prSet/>
+      <dgm:spPr/>
+      <dgm:t>
+        <a:bodyPr/>
+        <a:lstStyle/>
+        <a:p>
+          <a:endParaRPr lang="zh-CN" altLang="en-US"/>
+        </a:p>
+      </dgm:t>
+    </dgm:pt>
+    <dgm:pt modelId="{4873C841-EAF3-49D4-B6EA-30204EF620C2}">
+      <dgm:prSet phldrT="[文本]" custT="1"/>
+      <dgm:spPr/>
+      <dgm:t>
+        <a:bodyPr/>
+        <a:lstStyle/>
+        <a:p>
+          <a:r>
+            <a:rPr lang="zh-CN" altLang="en-US" sz="1200" b="1" dirty="0" smtClean="0"/>
+            <a:t>应急策略</a:t>
+          </a:r>
+          <a:endParaRPr lang="zh-CN" altLang="en-US" sz="1200" b="1" dirty="0"/>
+        </a:p>
+      </dgm:t>
+    </dgm:pt>
+    <dgm:pt modelId="{605E6AE8-D2F4-458C-BD03-6B31501CCF18}" type="parTrans" cxnId="{DBB10C34-1600-4C0B-86F0-4EC2C0FE049D}">
+      <dgm:prSet/>
+      <dgm:spPr/>
+      <dgm:t>
+        <a:bodyPr/>
+        <a:lstStyle/>
+        <a:p>
+          <a:endParaRPr lang="zh-CN" altLang="en-US"/>
+        </a:p>
+      </dgm:t>
+    </dgm:pt>
+    <dgm:pt modelId="{3B94DDE4-7AD7-406E-8768-81FFB5B96A54}" type="sibTrans" cxnId="{DBB10C34-1600-4C0B-86F0-4EC2C0FE049D}">
+      <dgm:prSet/>
+      <dgm:spPr/>
+      <dgm:t>
+        <a:bodyPr/>
+        <a:lstStyle/>
+        <a:p>
+          <a:endParaRPr lang="zh-CN" altLang="en-US"/>
+        </a:p>
+      </dgm:t>
+    </dgm:pt>
+    <dgm:pt modelId="{746C54E0-94AE-4DD7-8B04-C72F1AC09718}">
+      <dgm:prSet phldrT="[文本]" custT="1"/>
+      <dgm:spPr/>
+      <dgm:t>
+        <a:bodyPr/>
+        <a:lstStyle/>
+        <a:p>
+          <a:r>
+            <a:rPr lang="zh-CN" altLang="en-US" sz="1200" b="1" dirty="0" smtClean="0"/>
+            <a:t>数字签名机制</a:t>
+          </a:r>
+          <a:endParaRPr lang="zh-CN" altLang="en-US" sz="1200" b="1" dirty="0"/>
+        </a:p>
+      </dgm:t>
+    </dgm:pt>
+    <dgm:pt modelId="{40D157E1-2A34-4237-BF9B-8D000FF1BDAB}" type="parTrans" cxnId="{6C82742D-4A8F-40F1-A30E-F073701895FE}">
+      <dgm:prSet/>
+      <dgm:spPr/>
+      <dgm:t>
+        <a:bodyPr/>
+        <a:lstStyle/>
+        <a:p>
+          <a:endParaRPr lang="zh-CN" altLang="en-US"/>
+        </a:p>
+      </dgm:t>
+    </dgm:pt>
+    <dgm:pt modelId="{913E6915-E734-4890-B59F-20BDE7BFB86A}" type="sibTrans" cxnId="{6C82742D-4A8F-40F1-A30E-F073701895FE}">
+      <dgm:prSet/>
+      <dgm:spPr/>
+      <dgm:t>
+        <a:bodyPr/>
+        <a:lstStyle/>
+        <a:p>
+          <a:endParaRPr lang="zh-CN" altLang="en-US"/>
+        </a:p>
+      </dgm:t>
+    </dgm:pt>
+    <dgm:pt modelId="{1B926921-8715-4409-A437-285F4838ED1C}">
+      <dgm:prSet phldrT="[文本]" custT="1"/>
+      <dgm:spPr/>
+      <dgm:t>
+        <a:bodyPr/>
+        <a:lstStyle/>
+        <a:p>
+          <a:r>
+            <a:rPr lang="zh-CN" altLang="en-US" sz="1200" b="1" dirty="0" smtClean="0"/>
+            <a:t>访问控制机制</a:t>
+          </a:r>
+          <a:endParaRPr lang="zh-CN" altLang="en-US" sz="1200" b="1" dirty="0"/>
+        </a:p>
+      </dgm:t>
+    </dgm:pt>
+    <dgm:pt modelId="{500712EF-961F-4493-AEA7-90ED063A7E01}" type="parTrans" cxnId="{EF31B31F-E32D-4408-BF96-C442FFEBC970}">
+      <dgm:prSet/>
+      <dgm:spPr/>
+      <dgm:t>
+        <a:bodyPr/>
+        <a:lstStyle/>
+        <a:p>
+          <a:endParaRPr lang="zh-CN" altLang="en-US"/>
+        </a:p>
+      </dgm:t>
+    </dgm:pt>
+    <dgm:pt modelId="{71303853-83D5-4500-AEF1-073D25504147}" type="sibTrans" cxnId="{EF31B31F-E32D-4408-BF96-C442FFEBC970}">
+      <dgm:prSet/>
+      <dgm:spPr/>
+      <dgm:t>
+        <a:bodyPr/>
+        <a:lstStyle/>
+        <a:p>
+          <a:endParaRPr lang="zh-CN" altLang="en-US"/>
+        </a:p>
+      </dgm:t>
+    </dgm:pt>
+    <dgm:pt modelId="{3B72E387-9AB5-4F8E-AB6A-0B84CB196C46}">
+      <dgm:prSet phldrT="[文本]" custT="1"/>
+      <dgm:spPr/>
+      <dgm:t>
+        <a:bodyPr/>
+        <a:lstStyle/>
+        <a:p>
+          <a:r>
+            <a:rPr lang="zh-CN" altLang="en-US" sz="1200" b="1" dirty="0" smtClean="0"/>
+            <a:t>认证机制</a:t>
+          </a:r>
+          <a:endParaRPr lang="zh-CN" altLang="en-US" sz="1200" b="1" dirty="0"/>
+        </a:p>
+      </dgm:t>
+    </dgm:pt>
+    <dgm:pt modelId="{D11BA3D5-21F5-4E02-8502-B741CB9366F0}" type="parTrans" cxnId="{7E8BF705-304A-41E8-84C4-0A59ED2871D2}">
+      <dgm:prSet/>
+      <dgm:spPr/>
+      <dgm:t>
+        <a:bodyPr/>
+        <a:lstStyle/>
+        <a:p>
+          <a:endParaRPr lang="zh-CN" altLang="en-US"/>
+        </a:p>
+      </dgm:t>
+    </dgm:pt>
+    <dgm:pt modelId="{40D5C11A-2B7F-4348-AB48-9876E818C41B}" type="sibTrans" cxnId="{7E8BF705-304A-41E8-84C4-0A59ED2871D2}">
+      <dgm:prSet/>
+      <dgm:spPr/>
+      <dgm:t>
+        <a:bodyPr/>
+        <a:lstStyle/>
+        <a:p>
+          <a:endParaRPr lang="zh-CN" altLang="en-US"/>
+        </a:p>
+      </dgm:t>
+    </dgm:pt>
+    <dgm:pt modelId="{42507583-77FC-4133-85B7-B210FD2264A0}">
+      <dgm:prSet phldrT="[文本]" custT="1"/>
+      <dgm:spPr/>
+      <dgm:t>
+        <a:bodyPr/>
+        <a:lstStyle/>
+        <a:p>
+          <a:r>
+            <a:rPr lang="zh-CN" altLang="en-US" sz="1200" b="1" dirty="0" smtClean="0"/>
+            <a:t>信息隐藏</a:t>
+          </a:r>
+          <a:endParaRPr lang="zh-CN" altLang="en-US" sz="1200" b="1" dirty="0"/>
+        </a:p>
+      </dgm:t>
+    </dgm:pt>
+    <dgm:pt modelId="{050645A3-5D2C-4E5F-B807-05F220BB10FA}" type="parTrans" cxnId="{2D07DEB6-908A-44F4-AD81-707992246A5C}">
+      <dgm:prSet/>
+      <dgm:spPr/>
+      <dgm:t>
+        <a:bodyPr/>
+        <a:lstStyle/>
+        <a:p>
+          <a:endParaRPr lang="zh-CN" altLang="en-US"/>
+        </a:p>
+      </dgm:t>
+    </dgm:pt>
+    <dgm:pt modelId="{DCC4CB68-C1E9-4852-A7D6-E0B5CEF25E7D}" type="sibTrans" cxnId="{2D07DEB6-908A-44F4-AD81-707992246A5C}">
+      <dgm:prSet/>
+      <dgm:spPr/>
+      <dgm:t>
+        <a:bodyPr/>
+        <a:lstStyle/>
+        <a:p>
+          <a:endParaRPr lang="zh-CN" altLang="en-US"/>
+        </a:p>
+      </dgm:t>
+    </dgm:pt>
+    <dgm:pt modelId="{CF5DD2DF-D459-4071-9E33-D7D00F8ED28A}">
+      <dgm:prSet phldrT="[文本]" custT="1"/>
+      <dgm:spPr/>
+      <dgm:t>
+        <a:bodyPr/>
+        <a:lstStyle/>
+        <a:p>
+          <a:r>
+            <a:rPr lang="zh-CN" altLang="en-US" sz="1200" b="1" dirty="0" smtClean="0"/>
+            <a:t>防火请技术</a:t>
+          </a:r>
+          <a:endParaRPr lang="zh-CN" altLang="en-US" sz="1200" b="1" dirty="0"/>
+        </a:p>
+      </dgm:t>
+    </dgm:pt>
+    <dgm:pt modelId="{18D22EDC-AA76-49D7-BED1-90E7C295CFAE}" type="parTrans" cxnId="{36C3915B-F7A0-4F81-8260-4B6A383AB7C8}">
+      <dgm:prSet/>
+      <dgm:spPr/>
+      <dgm:t>
+        <a:bodyPr/>
+        <a:lstStyle/>
+        <a:p>
+          <a:endParaRPr lang="zh-CN" altLang="en-US"/>
+        </a:p>
+      </dgm:t>
+    </dgm:pt>
+    <dgm:pt modelId="{D695EFD9-6AD1-4697-A91E-97C89F48A615}" type="sibTrans" cxnId="{36C3915B-F7A0-4F81-8260-4B6A383AB7C8}">
+      <dgm:prSet/>
+      <dgm:spPr/>
+      <dgm:t>
+        <a:bodyPr/>
+        <a:lstStyle/>
+        <a:p>
+          <a:endParaRPr lang="zh-CN" altLang="en-US"/>
+        </a:p>
+      </dgm:t>
+    </dgm:pt>
+    <dgm:pt modelId="{1663A9A1-7EE9-416A-A8E4-505549A2A52E}">
+      <dgm:prSet phldrT="[文本]" custT="1"/>
+      <dgm:spPr/>
+      <dgm:t>
+        <a:bodyPr/>
+        <a:lstStyle/>
+        <a:p>
+          <a:r>
+            <a:rPr lang="zh-CN" altLang="en-US" sz="1200" b="1" dirty="0" smtClean="0"/>
+            <a:t>系统脆弱性检测</a:t>
+          </a:r>
+          <a:endParaRPr lang="zh-CN" altLang="en-US" sz="1200" b="1" dirty="0"/>
+        </a:p>
+      </dgm:t>
+    </dgm:pt>
+    <dgm:pt modelId="{6C617B3F-113C-427A-B3B1-DA3B4CFEFB95}" type="parTrans" cxnId="{B2771743-050E-4A46-AF1A-E0424C3366CF}">
+      <dgm:prSet/>
+      <dgm:spPr/>
+      <dgm:t>
+        <a:bodyPr/>
+        <a:lstStyle/>
+        <a:p>
+          <a:endParaRPr lang="zh-CN" altLang="en-US"/>
+        </a:p>
+      </dgm:t>
+    </dgm:pt>
+    <dgm:pt modelId="{90758382-D9E7-45BF-ABB9-CE667C608318}" type="sibTrans" cxnId="{B2771743-050E-4A46-AF1A-E0424C3366CF}">
+      <dgm:prSet/>
+      <dgm:spPr/>
+      <dgm:t>
+        <a:bodyPr/>
+        <a:lstStyle/>
+        <a:p>
+          <a:endParaRPr lang="zh-CN" altLang="en-US"/>
+        </a:p>
+      </dgm:t>
+    </dgm:pt>
+    <dgm:pt modelId="{1A4E13EE-3203-47B9-B4DB-BFE54EFED129}">
+      <dgm:prSet phldrT="[文本]" custT="1"/>
+      <dgm:spPr/>
+      <dgm:t>
+        <a:bodyPr/>
+        <a:lstStyle/>
+        <a:p>
+          <a:r>
+            <a:rPr lang="zh-CN" altLang="en-US" sz="1200" b="1" dirty="0" smtClean="0"/>
+            <a:t>数据完整性检测</a:t>
+          </a:r>
+          <a:endParaRPr lang="zh-CN" altLang="en-US" sz="1200" b="1" dirty="0"/>
+        </a:p>
+      </dgm:t>
+    </dgm:pt>
+    <dgm:pt modelId="{1ADF7EDD-349A-49E8-9FCB-9616864D887B}" type="parTrans" cxnId="{92852AFB-12EC-4052-9A67-F8E0C3A45297}">
+      <dgm:prSet/>
+      <dgm:spPr/>
+      <dgm:t>
+        <a:bodyPr/>
+        <a:lstStyle/>
+        <a:p>
+          <a:endParaRPr lang="zh-CN" altLang="en-US"/>
+        </a:p>
+      </dgm:t>
+    </dgm:pt>
+    <dgm:pt modelId="{B3424704-1ED4-4AFA-AC5C-F5604621D557}" type="sibTrans" cxnId="{92852AFB-12EC-4052-9A67-F8E0C3A45297}">
+      <dgm:prSet/>
+      <dgm:spPr/>
+      <dgm:t>
+        <a:bodyPr/>
+        <a:lstStyle/>
+        <a:p>
+          <a:endParaRPr lang="zh-CN" altLang="en-US"/>
+        </a:p>
+      </dgm:t>
+    </dgm:pt>
+    <dgm:pt modelId="{64A726FC-466A-4081-A84C-97264D53964D}">
+      <dgm:prSet phldrT="[文本]" custT="1"/>
+      <dgm:spPr/>
+      <dgm:t>
+        <a:bodyPr/>
+        <a:lstStyle/>
+        <a:p>
+          <a:r>
+            <a:rPr lang="zh-CN" altLang="en-US" sz="1200" b="1" dirty="0" smtClean="0"/>
+            <a:t>攻击性检测</a:t>
+          </a:r>
+          <a:endParaRPr lang="zh-CN" altLang="en-US" sz="1200" b="1" dirty="0"/>
+        </a:p>
+      </dgm:t>
+    </dgm:pt>
+    <dgm:pt modelId="{862C5B4F-DF41-489A-AEDC-51ECCD55A746}" type="parTrans" cxnId="{0A6529C1-3006-4DEB-BD89-10B407FEF9B6}">
+      <dgm:prSet/>
+      <dgm:spPr/>
+      <dgm:t>
+        <a:bodyPr/>
+        <a:lstStyle/>
+        <a:p>
+          <a:endParaRPr lang="zh-CN" altLang="en-US"/>
+        </a:p>
+      </dgm:t>
+    </dgm:pt>
+    <dgm:pt modelId="{5D1315BF-728B-4E57-8122-73F7265E945A}" type="sibTrans" cxnId="{0A6529C1-3006-4DEB-BD89-10B407FEF9B6}">
+      <dgm:prSet/>
+      <dgm:spPr/>
+      <dgm:t>
+        <a:bodyPr/>
+        <a:lstStyle/>
+        <a:p>
+          <a:endParaRPr lang="zh-CN" altLang="en-US"/>
+        </a:p>
+      </dgm:t>
+    </dgm:pt>
+    <dgm:pt modelId="{4F4DE51A-6E7E-4DDE-AA6B-02B4F2F695CC}">
+      <dgm:prSet phldrT="[文本]" custT="1"/>
+      <dgm:spPr/>
+      <dgm:t>
+        <a:bodyPr/>
+        <a:lstStyle/>
+        <a:p>
+          <a:r>
+            <a:rPr lang="zh-CN" altLang="en-US" sz="1200" b="1" dirty="0" smtClean="0"/>
+            <a:t>数据恢复</a:t>
+          </a:r>
+          <a:endParaRPr lang="zh-CN" altLang="en-US" sz="1200" b="1" dirty="0"/>
+        </a:p>
+      </dgm:t>
+    </dgm:pt>
+    <dgm:pt modelId="{88EE9750-E4F2-494A-9CA2-3664604ACE43}" type="parTrans" cxnId="{25C59EA7-1A4B-46A2-98AE-21B105F8B684}">
+      <dgm:prSet/>
+      <dgm:spPr/>
+      <dgm:t>
+        <a:bodyPr/>
+        <a:lstStyle/>
+        <a:p>
+          <a:endParaRPr lang="zh-CN" altLang="en-US"/>
+        </a:p>
+      </dgm:t>
+    </dgm:pt>
+    <dgm:pt modelId="{185B1EA7-5718-4401-BAC8-168D4499C006}" type="sibTrans" cxnId="{25C59EA7-1A4B-46A2-98AE-21B105F8B684}">
+      <dgm:prSet/>
+      <dgm:spPr/>
+      <dgm:t>
+        <a:bodyPr/>
+        <a:lstStyle/>
+        <a:p>
+          <a:endParaRPr lang="zh-CN" altLang="en-US"/>
+        </a:p>
+      </dgm:t>
+    </dgm:pt>
+    <dgm:pt modelId="{837893D2-1759-47FA-BF24-7766989DE65C}">
+      <dgm:prSet phldrT="[文本]" custT="1"/>
+      <dgm:spPr/>
+      <dgm:t>
+        <a:bodyPr/>
+        <a:lstStyle/>
+        <a:p>
+          <a:r>
+            <a:rPr lang="zh-CN" altLang="en-US" sz="1200" b="1" dirty="0" smtClean="0"/>
+            <a:t>系统恢复</a:t>
+          </a:r>
+          <a:endParaRPr lang="zh-CN" altLang="en-US" sz="1200" b="1" dirty="0"/>
+        </a:p>
+      </dgm:t>
+    </dgm:pt>
+    <dgm:pt modelId="{23E5D3D2-4FD1-43C0-B1C8-0F601AEC2B1A}" type="parTrans" cxnId="{901A710B-C96D-4493-8633-F84C862396DC}">
+      <dgm:prSet/>
+      <dgm:spPr/>
+      <dgm:t>
+        <a:bodyPr/>
+        <a:lstStyle/>
+        <a:p>
+          <a:endParaRPr lang="zh-CN" altLang="en-US"/>
+        </a:p>
+      </dgm:t>
+    </dgm:pt>
+    <dgm:pt modelId="{7A24F50B-92C5-42E3-8664-542B199E15A7}" type="sibTrans" cxnId="{901A710B-C96D-4493-8633-F84C862396DC}">
+      <dgm:prSet/>
+      <dgm:spPr/>
+      <dgm:t>
+        <a:bodyPr/>
+        <a:lstStyle/>
+        <a:p>
+          <a:endParaRPr lang="zh-CN" altLang="en-US"/>
+        </a:p>
+      </dgm:t>
+    </dgm:pt>
+    <dgm:pt modelId="{DD29F483-1B88-452A-8EE5-4B3D786A0122}">
+      <dgm:prSet phldrT="[文本]" custT="1"/>
+      <dgm:spPr/>
+      <dgm:t>
+        <a:bodyPr/>
+        <a:lstStyle/>
+        <a:p>
+          <a:r>
+            <a:rPr lang="zh-CN" altLang="en-US" sz="1200" b="1" dirty="0" smtClean="0"/>
+            <a:t>应急机制</a:t>
+          </a:r>
+          <a:endParaRPr lang="zh-CN" altLang="en-US" sz="1200" b="1" dirty="0"/>
+        </a:p>
+      </dgm:t>
+    </dgm:pt>
+    <dgm:pt modelId="{86524177-573F-40D9-AD1A-14D07B637D1C}" type="parTrans" cxnId="{F8945E32-1B3C-4D2A-87E0-94557E5C1B4B}">
+      <dgm:prSet/>
+      <dgm:spPr/>
+      <dgm:t>
+        <a:bodyPr/>
+        <a:lstStyle/>
+        <a:p>
+          <a:endParaRPr lang="zh-CN" altLang="en-US"/>
+        </a:p>
+      </dgm:t>
+    </dgm:pt>
+    <dgm:pt modelId="{B2A9A452-4F18-454C-95CB-7924CB351A9A}" type="sibTrans" cxnId="{F8945E32-1B3C-4D2A-87E0-94557E5C1B4B}">
+      <dgm:prSet/>
+      <dgm:spPr/>
+      <dgm:t>
+        <a:bodyPr/>
+        <a:lstStyle/>
+        <a:p>
+          <a:endParaRPr lang="zh-CN" altLang="en-US"/>
+        </a:p>
+      </dgm:t>
+    </dgm:pt>
+    <dgm:pt modelId="{AE0D1834-49CC-4A6A-A401-7A5646BD9165}">
+      <dgm:prSet phldrT="[文本]" custT="1"/>
+      <dgm:spPr/>
+      <dgm:t>
+        <a:bodyPr/>
+        <a:lstStyle/>
+        <a:p>
+          <a:r>
+            <a:rPr lang="zh-CN" altLang="en-US" sz="1200" b="1" dirty="0" smtClean="0"/>
+            <a:t>应急手段</a:t>
+          </a:r>
+          <a:endParaRPr lang="zh-CN" altLang="en-US" sz="1200" b="1" dirty="0"/>
+        </a:p>
+      </dgm:t>
+    </dgm:pt>
+    <dgm:pt modelId="{E928D979-B2EA-4320-B2B4-F6306F72014A}" type="parTrans" cxnId="{8A935D22-F68F-49BF-9363-4E56D35E7B25}">
+      <dgm:prSet/>
+      <dgm:spPr/>
+      <dgm:t>
+        <a:bodyPr/>
+        <a:lstStyle/>
+        <a:p>
+          <a:endParaRPr lang="zh-CN" altLang="en-US"/>
+        </a:p>
+      </dgm:t>
+    </dgm:pt>
+    <dgm:pt modelId="{B19D8502-66EE-4A62-9435-9C08AB5BDA67}" type="sibTrans" cxnId="{8A935D22-F68F-49BF-9363-4E56D35E7B25}">
+      <dgm:prSet/>
+      <dgm:spPr/>
+      <dgm:t>
+        <a:bodyPr/>
+        <a:lstStyle/>
+        <a:p>
+          <a:endParaRPr lang="zh-CN" altLang="en-US"/>
+        </a:p>
+      </dgm:t>
+    </dgm:pt>
+    <dgm:pt modelId="{9969A9F2-D73F-4FA4-BF28-60791D0F2CDD}">
+      <dgm:prSet phldrT="[文本]" custT="1"/>
+      <dgm:spPr/>
+      <dgm:t>
+        <a:bodyPr/>
+        <a:lstStyle/>
+        <a:p>
+          <a:r>
+            <a:rPr lang="zh-CN" altLang="en-US" sz="1200" b="1" dirty="0" smtClean="0"/>
+            <a:t>入侵过程分析</a:t>
+          </a:r>
+          <a:endParaRPr lang="zh-CN" altLang="en-US" sz="1200" b="1" dirty="0"/>
+        </a:p>
+      </dgm:t>
+    </dgm:pt>
+    <dgm:pt modelId="{B0DA7D61-8EC2-4B0B-A8D8-48E32FD7E81B}" type="parTrans" cxnId="{6DCA7469-2CB3-42EB-832A-68EC9D8B54BE}">
+      <dgm:prSet/>
+      <dgm:spPr/>
+      <dgm:t>
+        <a:bodyPr/>
+        <a:lstStyle/>
+        <a:p>
+          <a:endParaRPr lang="zh-CN" altLang="en-US"/>
+        </a:p>
+      </dgm:t>
+    </dgm:pt>
+    <dgm:pt modelId="{3D87164D-4E38-483D-B1E5-A23F2863D047}" type="sibTrans" cxnId="{6DCA7469-2CB3-42EB-832A-68EC9D8B54BE}">
+      <dgm:prSet/>
+      <dgm:spPr/>
+      <dgm:t>
+        <a:bodyPr/>
+        <a:lstStyle/>
+        <a:p>
+          <a:endParaRPr lang="zh-CN" altLang="en-US"/>
+        </a:p>
+      </dgm:t>
+    </dgm:pt>
+    <dgm:pt modelId="{58D9D702-DDAD-404D-A99C-991FB277747B}">
+      <dgm:prSet phldrT="[文本]" custT="1"/>
+      <dgm:spPr/>
+      <dgm:t>
+        <a:bodyPr/>
+        <a:lstStyle/>
+        <a:p>
+          <a:r>
+            <a:rPr lang="zh-CN" altLang="en-US" sz="1200" b="1" dirty="0" smtClean="0"/>
+            <a:t>安全状态平涂</a:t>
+          </a:r>
+          <a:endParaRPr lang="zh-CN" altLang="en-US" sz="1200" b="1" dirty="0"/>
+        </a:p>
+      </dgm:t>
+    </dgm:pt>
+    <dgm:pt modelId="{81DFD353-E229-4389-9E82-397AA7F130ED}" type="parTrans" cxnId="{1824C05A-E079-4577-9518-AB3EA9FAAB0B}">
+      <dgm:prSet/>
+      <dgm:spPr/>
+      <dgm:t>
+        <a:bodyPr/>
+        <a:lstStyle/>
+        <a:p>
+          <a:endParaRPr lang="zh-CN" altLang="en-US"/>
+        </a:p>
+      </dgm:t>
+    </dgm:pt>
+    <dgm:pt modelId="{F371B479-A39D-44D2-85A4-BFC6F0311874}" type="sibTrans" cxnId="{1824C05A-E079-4577-9518-AB3EA9FAAB0B}">
+      <dgm:prSet/>
+      <dgm:spPr/>
+      <dgm:t>
+        <a:bodyPr/>
+        <a:lstStyle/>
+        <a:p>
+          <a:endParaRPr lang="zh-CN" altLang="en-US"/>
+        </a:p>
+      </dgm:t>
+    </dgm:pt>
+    <dgm:pt modelId="{35A7A3B6-2C27-4AEB-885C-C192B01C6E5D}" type="pres">
+      <dgm:prSet presAssocID="{9CE0DD49-B258-4698-97E8-8884D4156E6D}" presName="cycleMatrixDiagram" presStyleCnt="0">
+        <dgm:presLayoutVars>
+          <dgm:chMax val="1"/>
+          <dgm:dir/>
+          <dgm:animLvl val="lvl"/>
+          <dgm:resizeHandles val="exact"/>
+        </dgm:presLayoutVars>
+      </dgm:prSet>
+      <dgm:spPr/>
+    </dgm:pt>
+    <dgm:pt modelId="{0E8579E3-C253-4D06-BA1F-77982245EC61}" type="pres">
+      <dgm:prSet presAssocID="{9CE0DD49-B258-4698-97E8-8884D4156E6D}" presName="children" presStyleCnt="0"/>
+      <dgm:spPr/>
+    </dgm:pt>
+    <dgm:pt modelId="{55E20671-188B-46A1-A508-276309B534F3}" type="pres">
+      <dgm:prSet presAssocID="{9CE0DD49-B258-4698-97E8-8884D4156E6D}" presName="child1group" presStyleCnt="0"/>
+      <dgm:spPr/>
+    </dgm:pt>
+    <dgm:pt modelId="{03A6D777-F715-4429-959C-008B1575628E}" type="pres">
+      <dgm:prSet presAssocID="{9CE0DD49-B258-4698-97E8-8884D4156E6D}" presName="child1" presStyleLbl="bgAcc1" presStyleIdx="0" presStyleCnt="4" custScaleY="125503"/>
+      <dgm:spPr/>
+      <dgm:t>
+        <a:bodyPr/>
+        <a:lstStyle/>
+        <a:p>
+          <a:endParaRPr lang="zh-CN" altLang="en-US"/>
+        </a:p>
+      </dgm:t>
+    </dgm:pt>
+    <dgm:pt modelId="{DB786DFE-ED05-40ED-97DA-C95194C0F3B2}" type="pres">
+      <dgm:prSet presAssocID="{9CE0DD49-B258-4698-97E8-8884D4156E6D}" presName="child1Text" presStyleLbl="bgAcc1" presStyleIdx="0" presStyleCnt="4">
+        <dgm:presLayoutVars>
+          <dgm:bulletEnabled val="1"/>
+        </dgm:presLayoutVars>
+      </dgm:prSet>
+      <dgm:spPr/>
+      <dgm:t>
+        <a:bodyPr/>
+        <a:lstStyle/>
+        <a:p>
+          <a:endParaRPr lang="zh-CN" altLang="en-US"/>
+        </a:p>
+      </dgm:t>
+    </dgm:pt>
+    <dgm:pt modelId="{C46B110F-17A5-4870-A6C2-B7F0CD59B2D0}" type="pres">
+      <dgm:prSet presAssocID="{9CE0DD49-B258-4698-97E8-8884D4156E6D}" presName="child2group" presStyleCnt="0"/>
+      <dgm:spPr/>
+    </dgm:pt>
+    <dgm:pt modelId="{30F4F4AF-0D50-486B-882A-85E925A956CD}" type="pres">
+      <dgm:prSet presAssocID="{9CE0DD49-B258-4698-97E8-8884D4156E6D}" presName="child2" presStyleLbl="bgAcc1" presStyleIdx="1" presStyleCnt="4" custScaleY="125503"/>
+      <dgm:spPr/>
+      <dgm:t>
+        <a:bodyPr/>
+        <a:lstStyle/>
+        <a:p>
+          <a:endParaRPr lang="zh-CN" altLang="en-US"/>
+        </a:p>
+      </dgm:t>
+    </dgm:pt>
+    <dgm:pt modelId="{9765A068-B6E2-4886-A5FB-50A995921477}" type="pres">
+      <dgm:prSet presAssocID="{9CE0DD49-B258-4698-97E8-8884D4156E6D}" presName="child2Text" presStyleLbl="bgAcc1" presStyleIdx="1" presStyleCnt="4">
+        <dgm:presLayoutVars>
+          <dgm:bulletEnabled val="1"/>
+        </dgm:presLayoutVars>
+      </dgm:prSet>
+      <dgm:spPr/>
+      <dgm:t>
+        <a:bodyPr/>
+        <a:lstStyle/>
+        <a:p>
+          <a:endParaRPr lang="zh-CN" altLang="en-US"/>
+        </a:p>
+      </dgm:t>
+    </dgm:pt>
+    <dgm:pt modelId="{073829D3-F25F-4A80-BE50-78199021FAA5}" type="pres">
+      <dgm:prSet presAssocID="{9CE0DD49-B258-4698-97E8-8884D4156E6D}" presName="child3group" presStyleCnt="0"/>
+      <dgm:spPr/>
+    </dgm:pt>
+    <dgm:pt modelId="{947A0687-3B8B-457F-B6A6-C63743A42B84}" type="pres">
+      <dgm:prSet presAssocID="{9CE0DD49-B258-4698-97E8-8884D4156E6D}" presName="child3" presStyleLbl="bgAcc1" presStyleIdx="2" presStyleCnt="4" custScaleY="128561"/>
+      <dgm:spPr/>
+      <dgm:t>
+        <a:bodyPr/>
+        <a:lstStyle/>
+        <a:p>
+          <a:endParaRPr lang="zh-CN" altLang="en-US"/>
+        </a:p>
+      </dgm:t>
+    </dgm:pt>
+    <dgm:pt modelId="{6A9916F7-EC46-4744-B146-333D37987245}" type="pres">
+      <dgm:prSet presAssocID="{9CE0DD49-B258-4698-97E8-8884D4156E6D}" presName="child3Text" presStyleLbl="bgAcc1" presStyleIdx="2" presStyleCnt="4">
+        <dgm:presLayoutVars>
+          <dgm:bulletEnabled val="1"/>
+        </dgm:presLayoutVars>
+      </dgm:prSet>
+      <dgm:spPr/>
+      <dgm:t>
+        <a:bodyPr/>
+        <a:lstStyle/>
+        <a:p>
+          <a:endParaRPr lang="zh-CN" altLang="en-US"/>
+        </a:p>
+      </dgm:t>
+    </dgm:pt>
+    <dgm:pt modelId="{0DE9E9EF-C832-4342-9202-8B109E472033}" type="pres">
+      <dgm:prSet presAssocID="{9CE0DD49-B258-4698-97E8-8884D4156E6D}" presName="child4group" presStyleCnt="0"/>
+      <dgm:spPr/>
+    </dgm:pt>
+    <dgm:pt modelId="{51AD0882-8434-46C9-B2A6-B650C0F9FDA7}" type="pres">
+      <dgm:prSet presAssocID="{9CE0DD49-B258-4698-97E8-8884D4156E6D}" presName="child4" presStyleLbl="bgAcc1" presStyleIdx="3" presStyleCnt="4" custScaleY="128561"/>
+      <dgm:spPr/>
+    </dgm:pt>
+    <dgm:pt modelId="{C32B0322-0916-46B3-B0C2-5FBAFA11B257}" type="pres">
+      <dgm:prSet presAssocID="{9CE0DD49-B258-4698-97E8-8884D4156E6D}" presName="child4Text" presStyleLbl="bgAcc1" presStyleIdx="3" presStyleCnt="4">
+        <dgm:presLayoutVars>
+          <dgm:bulletEnabled val="1"/>
+        </dgm:presLayoutVars>
+      </dgm:prSet>
+      <dgm:spPr/>
+    </dgm:pt>
+    <dgm:pt modelId="{0EA707BB-FFEB-49DE-8009-DCE2C1D6169F}" type="pres">
+      <dgm:prSet presAssocID="{9CE0DD49-B258-4698-97E8-8884D4156E6D}" presName="childPlaceholder" presStyleCnt="0"/>
+      <dgm:spPr/>
+    </dgm:pt>
+    <dgm:pt modelId="{1430C006-54BB-40E5-99E1-88939E768E37}" type="pres">
+      <dgm:prSet presAssocID="{9CE0DD49-B258-4698-97E8-8884D4156E6D}" presName="circle" presStyleCnt="0"/>
+      <dgm:spPr/>
+    </dgm:pt>
+    <dgm:pt modelId="{599FACE7-B2BA-4EF1-A244-ED9CC531DA56}" type="pres">
+      <dgm:prSet presAssocID="{9CE0DD49-B258-4698-97E8-8884D4156E6D}" presName="quadrant1" presStyleLbl="node1" presStyleIdx="0" presStyleCnt="4">
+        <dgm:presLayoutVars>
+          <dgm:chMax val="1"/>
+          <dgm:bulletEnabled val="1"/>
+        </dgm:presLayoutVars>
+      </dgm:prSet>
+      <dgm:spPr/>
+    </dgm:pt>
+    <dgm:pt modelId="{20E5252D-8C07-4643-8EA5-5ECA07D61FB3}" type="pres">
+      <dgm:prSet presAssocID="{9CE0DD49-B258-4698-97E8-8884D4156E6D}" presName="quadrant2" presStyleLbl="node1" presStyleIdx="1" presStyleCnt="4">
+        <dgm:presLayoutVars>
+          <dgm:chMax val="1"/>
+          <dgm:bulletEnabled val="1"/>
+        </dgm:presLayoutVars>
+      </dgm:prSet>
+      <dgm:spPr/>
+    </dgm:pt>
+    <dgm:pt modelId="{675405E3-2C89-40EE-965E-18BF3F09E76A}" type="pres">
+      <dgm:prSet presAssocID="{9CE0DD49-B258-4698-97E8-8884D4156E6D}" presName="quadrant3" presStyleLbl="node1" presStyleIdx="2" presStyleCnt="4">
+        <dgm:presLayoutVars>
+          <dgm:chMax val="1"/>
+          <dgm:bulletEnabled val="1"/>
+        </dgm:presLayoutVars>
+      </dgm:prSet>
+      <dgm:spPr/>
+      <dgm:t>
+        <a:bodyPr/>
+        <a:lstStyle/>
+        <a:p>
+          <a:endParaRPr lang="zh-CN" altLang="en-US"/>
+        </a:p>
+      </dgm:t>
+    </dgm:pt>
+    <dgm:pt modelId="{BD791467-E706-43D9-98D9-FE151C871422}" type="pres">
+      <dgm:prSet presAssocID="{9CE0DD49-B258-4698-97E8-8884D4156E6D}" presName="quadrant4" presStyleLbl="node1" presStyleIdx="3" presStyleCnt="4">
+        <dgm:presLayoutVars>
+          <dgm:chMax val="1"/>
+          <dgm:bulletEnabled val="1"/>
+        </dgm:presLayoutVars>
+      </dgm:prSet>
+      <dgm:spPr/>
+    </dgm:pt>
+    <dgm:pt modelId="{BDCC9D9F-C110-44FF-98C9-7FD8C5753BB2}" type="pres">
+      <dgm:prSet presAssocID="{9CE0DD49-B258-4698-97E8-8884D4156E6D}" presName="quadrantPlaceholder" presStyleCnt="0"/>
+      <dgm:spPr/>
+    </dgm:pt>
+    <dgm:pt modelId="{ED9E1CFE-5F13-416E-9D3D-52F274427A0B}" type="pres">
+      <dgm:prSet presAssocID="{9CE0DD49-B258-4698-97E8-8884D4156E6D}" presName="center1" presStyleLbl="fgShp" presStyleIdx="0" presStyleCnt="2"/>
+      <dgm:spPr/>
+    </dgm:pt>
+    <dgm:pt modelId="{040D4516-71A2-4D50-BE5C-31DE1B858BCF}" type="pres">
+      <dgm:prSet presAssocID="{9CE0DD49-B258-4698-97E8-8884D4156E6D}" presName="center2" presStyleLbl="fgShp" presStyleIdx="1" presStyleCnt="2"/>
+      <dgm:spPr/>
+    </dgm:pt>
+  </dgm:ptLst>
+  <dgm:cxnLst>
+    <dgm:cxn modelId="{63CA0D5F-AEA0-471F-98A9-7076F5AB9083}" type="presOf" srcId="{746C54E0-94AE-4DD7-8B04-C72F1AC09718}" destId="{03A6D777-F715-4429-959C-008B1575628E}" srcOrd="0" destOrd="1" presId="urn:microsoft.com/office/officeart/2005/8/layout/cycle4"/>
+    <dgm:cxn modelId="{1824C05A-E079-4577-9518-AB3EA9FAAB0B}" srcId="{F87E6CB3-726B-47F6-A760-F8B056853B1F}" destId="{58D9D702-DDAD-404D-A99C-991FB277747B}" srcOrd="4" destOrd="0" parTransId="{81DFD353-E229-4389-9E82-397AA7F130ED}" sibTransId="{F371B479-A39D-44D2-85A4-BFC6F0311874}"/>
+    <dgm:cxn modelId="{36C3915B-F7A0-4F81-8260-4B6A383AB7C8}" srcId="{3B794E37-F29C-4E9D-A892-C01A376D541E}" destId="{CF5DD2DF-D459-4071-9E33-D7D00F8ED28A}" srcOrd="5" destOrd="0" parTransId="{18D22EDC-AA76-49D7-BED1-90E7C295CFAE}" sibTransId="{D695EFD9-6AD1-4697-A91E-97C89F48A615}"/>
+    <dgm:cxn modelId="{230198D7-18D0-48AC-9C1F-4EA5361C8B0D}" type="presOf" srcId="{837893D2-1759-47FA-BF24-7766989DE65C}" destId="{947A0687-3B8B-457F-B6A6-C63743A42B84}" srcOrd="0" destOrd="2" presId="urn:microsoft.com/office/officeart/2005/8/layout/cycle4"/>
+    <dgm:cxn modelId="{002DA1D8-B6C4-4C4D-8AE7-D7ACF82AC420}" type="presOf" srcId="{64A726FC-466A-4081-A84C-97264D53964D}" destId="{30F4F4AF-0D50-486B-882A-85E925A956CD}" srcOrd="0" destOrd="3" presId="urn:microsoft.com/office/officeart/2005/8/layout/cycle4"/>
+    <dgm:cxn modelId="{6139E8B0-DA26-49AD-8DB3-F25FF9982870}" type="presOf" srcId="{64A726FC-466A-4081-A84C-97264D53964D}" destId="{9765A068-B6E2-4886-A5FB-50A995921477}" srcOrd="1" destOrd="3" presId="urn:microsoft.com/office/officeart/2005/8/layout/cycle4"/>
+    <dgm:cxn modelId="{67EF2E56-C8E8-41B4-B1A1-CD01091CBBB2}" type="presOf" srcId="{D654DEF5-10A5-4332-9A3D-FBA539621550}" destId="{947A0687-3B8B-457F-B6A6-C63743A42B84}" srcOrd="0" destOrd="0" presId="urn:microsoft.com/office/officeart/2005/8/layout/cycle4"/>
+    <dgm:cxn modelId="{77A4900A-7EA4-4A5F-B718-65163058628D}" type="presOf" srcId="{AE0D1834-49CC-4A6A-A401-7A5646BD9165}" destId="{C32B0322-0916-46B3-B0C2-5FBAFA11B257}" srcOrd="1" destOrd="2" presId="urn:microsoft.com/office/officeart/2005/8/layout/cycle4"/>
+    <dgm:cxn modelId="{25C59EA7-1A4B-46A2-98AE-21B105F8B684}" srcId="{9CDD0D67-D176-49F1-BE17-0C92310A6056}" destId="{4F4DE51A-6E7E-4DDE-AA6B-02B4F2F695CC}" srcOrd="1" destOrd="0" parTransId="{88EE9750-E4F2-494A-9CA2-3664604ACE43}" sibTransId="{185B1EA7-5718-4401-BAC8-168D4499C006}"/>
+    <dgm:cxn modelId="{5E4C1DE5-F12A-4B40-BD44-9481031EAE91}" srcId="{9CE0DD49-B258-4698-97E8-8884D4156E6D}" destId="{3B794E37-F29C-4E9D-A892-C01A376D541E}" srcOrd="0" destOrd="0" parTransId="{3B115127-6A54-47AD-885F-12033411B9BF}" sibTransId="{25A17EC7-FB37-45E8-B2C4-43DF98505962}"/>
+    <dgm:cxn modelId="{DCC89366-ECEC-4B9C-9AD1-D50E4BD4633F}" type="presOf" srcId="{DD29F483-1B88-452A-8EE5-4B3D786A0122}" destId="{51AD0882-8434-46C9-B2A6-B650C0F9FDA7}" srcOrd="0" destOrd="1" presId="urn:microsoft.com/office/officeart/2005/8/layout/cycle4"/>
+    <dgm:cxn modelId="{5359D48B-1735-409D-9B59-2363A8F4A21F}" type="presOf" srcId="{1B926921-8715-4409-A437-285F4838ED1C}" destId="{DB786DFE-ED05-40ED-97DA-C95194C0F3B2}" srcOrd="1" destOrd="2" presId="urn:microsoft.com/office/officeart/2005/8/layout/cycle4"/>
+    <dgm:cxn modelId="{D0B0BED8-4E9C-430B-B02A-DF9494388897}" type="presOf" srcId="{1A4E13EE-3203-47B9-B4DB-BFE54EFED129}" destId="{30F4F4AF-0D50-486B-882A-85E925A956CD}" srcOrd="0" destOrd="2" presId="urn:microsoft.com/office/officeart/2005/8/layout/cycle4"/>
+    <dgm:cxn modelId="{8A935D22-F68F-49BF-9363-4E56D35E7B25}" srcId="{F87E6CB3-726B-47F6-A760-F8B056853B1F}" destId="{AE0D1834-49CC-4A6A-A401-7A5646BD9165}" srcOrd="2" destOrd="0" parTransId="{E928D979-B2EA-4320-B2B4-F6306F72014A}" sibTransId="{B19D8502-66EE-4A62-9435-9C08AB5BDA67}"/>
+    <dgm:cxn modelId="{9A771055-AEAD-4AEC-A039-B4AE6BFFE125}" type="presOf" srcId="{4F4DE51A-6E7E-4DDE-AA6B-02B4F2F695CC}" destId="{947A0687-3B8B-457F-B6A6-C63743A42B84}" srcOrd="0" destOrd="1" presId="urn:microsoft.com/office/officeart/2005/8/layout/cycle4"/>
+    <dgm:cxn modelId="{EF31B31F-E32D-4408-BF96-C442FFEBC970}" srcId="{3B794E37-F29C-4E9D-A892-C01A376D541E}" destId="{1B926921-8715-4409-A437-285F4838ED1C}" srcOrd="2" destOrd="0" parTransId="{500712EF-961F-4493-AEA7-90ED063A7E01}" sibTransId="{71303853-83D5-4500-AEF1-073D25504147}"/>
+    <dgm:cxn modelId="{901A710B-C96D-4493-8633-F84C862396DC}" srcId="{9CDD0D67-D176-49F1-BE17-0C92310A6056}" destId="{837893D2-1759-47FA-BF24-7766989DE65C}" srcOrd="2" destOrd="0" parTransId="{23E5D3D2-4FD1-43C0-B1C8-0F601AEC2B1A}" sibTransId="{7A24F50B-92C5-42E3-8664-542B199E15A7}"/>
+    <dgm:cxn modelId="{C02D9120-442D-4E3C-8773-206FB1182C2C}" srcId="{3B794E37-F29C-4E9D-A892-C01A376D541E}" destId="{A0AECF08-A33B-4698-83D3-C8AB9E35E975}" srcOrd="0" destOrd="0" parTransId="{5BA72ED7-D309-4A36-B438-F9438C785AC1}" sibTransId="{CCC9B8EE-347E-4D01-BDAF-184E7638C85B}"/>
+    <dgm:cxn modelId="{76B6B2CB-D687-49D8-A3B9-6A74B2E164EA}" type="presOf" srcId="{42507583-77FC-4133-85B7-B210FD2264A0}" destId="{03A6D777-F715-4429-959C-008B1575628E}" srcOrd="0" destOrd="4" presId="urn:microsoft.com/office/officeart/2005/8/layout/cycle4"/>
+    <dgm:cxn modelId="{8DF4777A-49B4-4178-9D7E-64FA4FCE6E94}" type="presOf" srcId="{CF5DD2DF-D459-4071-9E33-D7D00F8ED28A}" destId="{03A6D777-F715-4429-959C-008B1575628E}" srcOrd="0" destOrd="5" presId="urn:microsoft.com/office/officeart/2005/8/layout/cycle4"/>
+    <dgm:cxn modelId="{0A6529C1-3006-4DEB-BD89-10B407FEF9B6}" srcId="{39B3B994-19FD-457D-90EB-F594C936F4AA}" destId="{64A726FC-466A-4081-A84C-97264D53964D}" srcOrd="3" destOrd="0" parTransId="{862C5B4F-DF41-489A-AEDC-51ECCD55A746}" sibTransId="{5D1315BF-728B-4E57-8122-73F7265E945A}"/>
+    <dgm:cxn modelId="{5053F2E9-B9FA-403C-BAF1-94D208E84ABD}" type="presOf" srcId="{DD29F483-1B88-452A-8EE5-4B3D786A0122}" destId="{C32B0322-0916-46B3-B0C2-5FBAFA11B257}" srcOrd="1" destOrd="1" presId="urn:microsoft.com/office/officeart/2005/8/layout/cycle4"/>
+    <dgm:cxn modelId="{4CB34BB3-8F53-4CD8-901C-3C7E86099B28}" srcId="{9CE0DD49-B258-4698-97E8-8884D4156E6D}" destId="{9CDD0D67-D176-49F1-BE17-0C92310A6056}" srcOrd="2" destOrd="0" parTransId="{73B8A835-FF4D-4C30-AD75-2D181DCFF19F}" sibTransId="{C95550EB-8370-4C17-A53C-56F0339B4AFF}"/>
+    <dgm:cxn modelId="{B2771743-050E-4A46-AF1A-E0424C3366CF}" srcId="{39B3B994-19FD-457D-90EB-F594C936F4AA}" destId="{1663A9A1-7EE9-416A-A8E4-505549A2A52E}" srcOrd="1" destOrd="0" parTransId="{6C617B3F-113C-427A-B3B1-DA3B4CFEFB95}" sibTransId="{90758382-D9E7-45BF-ABB9-CE667C608318}"/>
+    <dgm:cxn modelId="{0740A841-CF17-46FF-A92F-77D0ECCE82A8}" type="presOf" srcId="{AE0D1834-49CC-4A6A-A401-7A5646BD9165}" destId="{51AD0882-8434-46C9-B2A6-B650C0F9FDA7}" srcOrd="0" destOrd="2" presId="urn:microsoft.com/office/officeart/2005/8/layout/cycle4"/>
+    <dgm:cxn modelId="{A2F3EDFC-04B4-4C24-96B3-FDD7D0186980}" type="presOf" srcId="{1663A9A1-7EE9-416A-A8E4-505549A2A52E}" destId="{9765A068-B6E2-4886-A5FB-50A995921477}" srcOrd="1" destOrd="1" presId="urn:microsoft.com/office/officeart/2005/8/layout/cycle4"/>
+    <dgm:cxn modelId="{2D07DEB6-908A-44F4-AD81-707992246A5C}" srcId="{3B794E37-F29C-4E9D-A892-C01A376D541E}" destId="{42507583-77FC-4133-85B7-B210FD2264A0}" srcOrd="4" destOrd="0" parTransId="{050645A3-5D2C-4E5F-B807-05F220BB10FA}" sibTransId="{DCC4CB68-C1E9-4852-A7D6-E0B5CEF25E7D}"/>
+    <dgm:cxn modelId="{1424C470-3D0E-4D2D-8014-CA0F85172072}" type="presOf" srcId="{3B72E387-9AB5-4F8E-AB6A-0B84CB196C46}" destId="{DB786DFE-ED05-40ED-97DA-C95194C0F3B2}" srcOrd="1" destOrd="3" presId="urn:microsoft.com/office/officeart/2005/8/layout/cycle4"/>
+    <dgm:cxn modelId="{318A16B5-14B3-4BB9-BA7F-A53C083AB558}" srcId="{9CE0DD49-B258-4698-97E8-8884D4156E6D}" destId="{F87E6CB3-726B-47F6-A760-F8B056853B1F}" srcOrd="3" destOrd="0" parTransId="{83E690FB-8775-4138-B380-5FEB721671D3}" sibTransId="{23184392-808F-4963-919E-65F14CA1AE60}"/>
+    <dgm:cxn modelId="{30CEA41C-5395-4D79-A49F-DD602709794C}" type="presOf" srcId="{A0AECF08-A33B-4698-83D3-C8AB9E35E975}" destId="{03A6D777-F715-4429-959C-008B1575628E}" srcOrd="0" destOrd="0" presId="urn:microsoft.com/office/officeart/2005/8/layout/cycle4"/>
+    <dgm:cxn modelId="{F7605632-02AF-4161-B72A-10A4161ACE78}" srcId="{9CDD0D67-D176-49F1-BE17-0C92310A6056}" destId="{D654DEF5-10A5-4332-9A3D-FBA539621550}" srcOrd="0" destOrd="0" parTransId="{2B8D0274-47C7-41D5-BE51-974128CE59AE}" sibTransId="{2015028A-14F9-49F3-8245-37BB8966DC7B}"/>
+    <dgm:cxn modelId="{92852AFB-12EC-4052-9A67-F8E0C3A45297}" srcId="{39B3B994-19FD-457D-90EB-F594C936F4AA}" destId="{1A4E13EE-3203-47B9-B4DB-BFE54EFED129}" srcOrd="2" destOrd="0" parTransId="{1ADF7EDD-349A-49E8-9FCB-9616864D887B}" sibTransId="{B3424704-1ED4-4AFA-AC5C-F5604621D557}"/>
+    <dgm:cxn modelId="{94E8E0AE-A34F-45DA-8BAE-5CD3471357D8}" type="presOf" srcId="{4F4DE51A-6E7E-4DDE-AA6B-02B4F2F695CC}" destId="{6A9916F7-EC46-4744-B146-333D37987245}" srcOrd="1" destOrd="1" presId="urn:microsoft.com/office/officeart/2005/8/layout/cycle4"/>
+    <dgm:cxn modelId="{AF7D9280-6C90-4E8C-A149-2622C7CF7136}" type="presOf" srcId="{837893D2-1759-47FA-BF24-7766989DE65C}" destId="{6A9916F7-EC46-4744-B146-333D37987245}" srcOrd="1" destOrd="2" presId="urn:microsoft.com/office/officeart/2005/8/layout/cycle4"/>
+    <dgm:cxn modelId="{41E2B546-4006-42B3-81EC-3758917C8715}" type="presOf" srcId="{B442EE55-26EE-4A01-B8F3-F8A04BA5BA26}" destId="{30F4F4AF-0D50-486B-882A-85E925A956CD}" srcOrd="0" destOrd="0" presId="urn:microsoft.com/office/officeart/2005/8/layout/cycle4"/>
+    <dgm:cxn modelId="{810744D2-5286-4DA7-AAB4-1D7F6AE80857}" type="presOf" srcId="{3B794E37-F29C-4E9D-A892-C01A376D541E}" destId="{599FACE7-B2BA-4EF1-A244-ED9CC531DA56}" srcOrd="0" destOrd="0" presId="urn:microsoft.com/office/officeart/2005/8/layout/cycle4"/>
+    <dgm:cxn modelId="{1EE05B27-57F3-4AC9-8428-03113BF55EA6}" type="presOf" srcId="{CF5DD2DF-D459-4071-9E33-D7D00F8ED28A}" destId="{DB786DFE-ED05-40ED-97DA-C95194C0F3B2}" srcOrd="1" destOrd="5" presId="urn:microsoft.com/office/officeart/2005/8/layout/cycle4"/>
+    <dgm:cxn modelId="{2E072F27-50B7-47B7-92D6-13C5BEC65F4A}" type="presOf" srcId="{F87E6CB3-726B-47F6-A760-F8B056853B1F}" destId="{BD791467-E706-43D9-98D9-FE151C871422}" srcOrd="0" destOrd="0" presId="urn:microsoft.com/office/officeart/2005/8/layout/cycle4"/>
+    <dgm:cxn modelId="{666E89B3-7895-485E-A012-1E8125CE12F9}" type="presOf" srcId="{1663A9A1-7EE9-416A-A8E4-505549A2A52E}" destId="{30F4F4AF-0D50-486B-882A-85E925A956CD}" srcOrd="0" destOrd="1" presId="urn:microsoft.com/office/officeart/2005/8/layout/cycle4"/>
+    <dgm:cxn modelId="{211D3CD5-668A-41C5-9FA7-9A90AD2E6EE7}" srcId="{39B3B994-19FD-457D-90EB-F594C936F4AA}" destId="{B442EE55-26EE-4A01-B8F3-F8A04BA5BA26}" srcOrd="0" destOrd="0" parTransId="{A46A66C4-ACF8-4B0B-A062-59931D4D73F8}" sibTransId="{6CD7AAB9-6DF5-43D0-BA26-E7D1ED32677B}"/>
+    <dgm:cxn modelId="{158F5146-35FB-4048-BA05-2DCB83E83A4B}" type="presOf" srcId="{A0AECF08-A33B-4698-83D3-C8AB9E35E975}" destId="{DB786DFE-ED05-40ED-97DA-C95194C0F3B2}" srcOrd="1" destOrd="0" presId="urn:microsoft.com/office/officeart/2005/8/layout/cycle4"/>
+    <dgm:cxn modelId="{F8945E32-1B3C-4D2A-87E0-94557E5C1B4B}" srcId="{F87E6CB3-726B-47F6-A760-F8B056853B1F}" destId="{DD29F483-1B88-452A-8EE5-4B3D786A0122}" srcOrd="1" destOrd="0" parTransId="{86524177-573F-40D9-AD1A-14D07B637D1C}" sibTransId="{B2A9A452-4F18-454C-95CB-7924CB351A9A}"/>
+    <dgm:cxn modelId="{BC6F010D-C526-4E5B-A9F8-9592555F89E6}" type="presOf" srcId="{D654DEF5-10A5-4332-9A3D-FBA539621550}" destId="{6A9916F7-EC46-4744-B146-333D37987245}" srcOrd="1" destOrd="0" presId="urn:microsoft.com/office/officeart/2005/8/layout/cycle4"/>
+    <dgm:cxn modelId="{DBB10C34-1600-4C0B-86F0-4EC2C0FE049D}" srcId="{F87E6CB3-726B-47F6-A760-F8B056853B1F}" destId="{4873C841-EAF3-49D4-B6EA-30204EF620C2}" srcOrd="0" destOrd="0" parTransId="{605E6AE8-D2F4-458C-BD03-6B31501CCF18}" sibTransId="{3B94DDE4-7AD7-406E-8768-81FFB5B96A54}"/>
+    <dgm:cxn modelId="{35313BF5-53B2-4432-8B55-B7B21B1E76C2}" type="presOf" srcId="{58D9D702-DDAD-404D-A99C-991FB277747B}" destId="{51AD0882-8434-46C9-B2A6-B650C0F9FDA7}" srcOrd="0" destOrd="4" presId="urn:microsoft.com/office/officeart/2005/8/layout/cycle4"/>
+    <dgm:cxn modelId="{0E3B6103-1A4E-40D6-AA4D-3743DE46B402}" type="presOf" srcId="{4873C841-EAF3-49D4-B6EA-30204EF620C2}" destId="{51AD0882-8434-46C9-B2A6-B650C0F9FDA7}" srcOrd="0" destOrd="0" presId="urn:microsoft.com/office/officeart/2005/8/layout/cycle4"/>
+    <dgm:cxn modelId="{6DCA7469-2CB3-42EB-832A-68EC9D8B54BE}" srcId="{F87E6CB3-726B-47F6-A760-F8B056853B1F}" destId="{9969A9F2-D73F-4FA4-BF28-60791D0F2CDD}" srcOrd="3" destOrd="0" parTransId="{B0DA7D61-8EC2-4B0B-A8D8-48E32FD7E81B}" sibTransId="{3D87164D-4E38-483D-B1E5-A23F2863D047}"/>
+    <dgm:cxn modelId="{1470EA66-87F8-44A1-B918-A65A7BF0187D}" type="presOf" srcId="{B442EE55-26EE-4A01-B8F3-F8A04BA5BA26}" destId="{9765A068-B6E2-4886-A5FB-50A995921477}" srcOrd="1" destOrd="0" presId="urn:microsoft.com/office/officeart/2005/8/layout/cycle4"/>
+    <dgm:cxn modelId="{FFC6D1F4-BC4B-49BB-ADEE-F3948A44A13B}" type="presOf" srcId="{42507583-77FC-4133-85B7-B210FD2264A0}" destId="{DB786DFE-ED05-40ED-97DA-C95194C0F3B2}" srcOrd="1" destOrd="4" presId="urn:microsoft.com/office/officeart/2005/8/layout/cycle4"/>
+    <dgm:cxn modelId="{0CCD7EA3-91CB-4FE2-9B84-C493794DF144}" type="presOf" srcId="{9CE0DD49-B258-4698-97E8-8884D4156E6D}" destId="{35A7A3B6-2C27-4AEB-885C-C192B01C6E5D}" srcOrd="0" destOrd="0" presId="urn:microsoft.com/office/officeart/2005/8/layout/cycle4"/>
+    <dgm:cxn modelId="{5A389CE6-C64C-4E83-A052-BBD805A67332}" type="presOf" srcId="{9969A9F2-D73F-4FA4-BF28-60791D0F2CDD}" destId="{C32B0322-0916-46B3-B0C2-5FBAFA11B257}" srcOrd="1" destOrd="3" presId="urn:microsoft.com/office/officeart/2005/8/layout/cycle4"/>
+    <dgm:cxn modelId="{0B35CD74-7289-43FE-8D9C-5CBAB8322F96}" type="presOf" srcId="{9969A9F2-D73F-4FA4-BF28-60791D0F2CDD}" destId="{51AD0882-8434-46C9-B2A6-B650C0F9FDA7}" srcOrd="0" destOrd="3" presId="urn:microsoft.com/office/officeart/2005/8/layout/cycle4"/>
+    <dgm:cxn modelId="{7E8BF705-304A-41E8-84C4-0A59ED2871D2}" srcId="{3B794E37-F29C-4E9D-A892-C01A376D541E}" destId="{3B72E387-9AB5-4F8E-AB6A-0B84CB196C46}" srcOrd="3" destOrd="0" parTransId="{D11BA3D5-21F5-4E02-8502-B741CB9366F0}" sibTransId="{40D5C11A-2B7F-4348-AB48-9876E818C41B}"/>
+    <dgm:cxn modelId="{6C82742D-4A8F-40F1-A30E-F073701895FE}" srcId="{3B794E37-F29C-4E9D-A892-C01A376D541E}" destId="{746C54E0-94AE-4DD7-8B04-C72F1AC09718}" srcOrd="1" destOrd="0" parTransId="{40D157E1-2A34-4237-BF9B-8D000FF1BDAB}" sibTransId="{913E6915-E734-4890-B59F-20BDE7BFB86A}"/>
+    <dgm:cxn modelId="{13020247-A3E5-4463-8104-3B09BA8418DE}" type="presOf" srcId="{39B3B994-19FD-457D-90EB-F594C936F4AA}" destId="{20E5252D-8C07-4643-8EA5-5ECA07D61FB3}" srcOrd="0" destOrd="0" presId="urn:microsoft.com/office/officeart/2005/8/layout/cycle4"/>
+    <dgm:cxn modelId="{AC076BA0-9E8C-41D4-B1DF-1279FF64311D}" type="presOf" srcId="{1B926921-8715-4409-A437-285F4838ED1C}" destId="{03A6D777-F715-4429-959C-008B1575628E}" srcOrd="0" destOrd="2" presId="urn:microsoft.com/office/officeart/2005/8/layout/cycle4"/>
+    <dgm:cxn modelId="{D441D9C9-3F8A-4E22-A327-4BA62AACA754}" type="presOf" srcId="{1A4E13EE-3203-47B9-B4DB-BFE54EFED129}" destId="{9765A068-B6E2-4886-A5FB-50A995921477}" srcOrd="1" destOrd="2" presId="urn:microsoft.com/office/officeart/2005/8/layout/cycle4"/>
+    <dgm:cxn modelId="{A625003E-F78A-45D2-94F7-7EB7E1DB9796}" type="presOf" srcId="{746C54E0-94AE-4DD7-8B04-C72F1AC09718}" destId="{DB786DFE-ED05-40ED-97DA-C95194C0F3B2}" srcOrd="1" destOrd="1" presId="urn:microsoft.com/office/officeart/2005/8/layout/cycle4"/>
+    <dgm:cxn modelId="{9738205B-A39F-4178-8152-4262FF584EFC}" type="presOf" srcId="{4873C841-EAF3-49D4-B6EA-30204EF620C2}" destId="{C32B0322-0916-46B3-B0C2-5FBAFA11B257}" srcOrd="1" destOrd="0" presId="urn:microsoft.com/office/officeart/2005/8/layout/cycle4"/>
+    <dgm:cxn modelId="{9D99DD33-A08A-4611-BDF2-0F7199EAAE51}" type="presOf" srcId="{9CDD0D67-D176-49F1-BE17-0C92310A6056}" destId="{675405E3-2C89-40EE-965E-18BF3F09E76A}" srcOrd="0" destOrd="0" presId="urn:microsoft.com/office/officeart/2005/8/layout/cycle4"/>
+    <dgm:cxn modelId="{89274AF9-777F-45CD-8405-52AB93EDE70A}" type="presOf" srcId="{58D9D702-DDAD-404D-A99C-991FB277747B}" destId="{C32B0322-0916-46B3-B0C2-5FBAFA11B257}" srcOrd="1" destOrd="4" presId="urn:microsoft.com/office/officeart/2005/8/layout/cycle4"/>
+    <dgm:cxn modelId="{BCCD90BB-F593-4B31-B7B9-82DA983ADD3E}" srcId="{9CE0DD49-B258-4698-97E8-8884D4156E6D}" destId="{39B3B994-19FD-457D-90EB-F594C936F4AA}" srcOrd="1" destOrd="0" parTransId="{21BFC04F-5875-4197-A4BD-4B956AB1953F}" sibTransId="{8ED48239-117E-44B8-9C3A-8982A6CA7634}"/>
+    <dgm:cxn modelId="{A22A3A0C-A3E7-4C8F-AB1B-533DB3AFDC8C}" type="presOf" srcId="{3B72E387-9AB5-4F8E-AB6A-0B84CB196C46}" destId="{03A6D777-F715-4429-959C-008B1575628E}" srcOrd="0" destOrd="3" presId="urn:microsoft.com/office/officeart/2005/8/layout/cycle4"/>
+    <dgm:cxn modelId="{0D5DC4DB-292E-47CB-A04F-426AB0E13911}" type="presParOf" srcId="{35A7A3B6-2C27-4AEB-885C-C192B01C6E5D}" destId="{0E8579E3-C253-4D06-BA1F-77982245EC61}" srcOrd="0" destOrd="0" presId="urn:microsoft.com/office/officeart/2005/8/layout/cycle4"/>
+    <dgm:cxn modelId="{2406DFF2-0DA9-404D-AEF3-BBD9919EB887}" type="presParOf" srcId="{0E8579E3-C253-4D06-BA1F-77982245EC61}" destId="{55E20671-188B-46A1-A508-276309B534F3}" srcOrd="0" destOrd="0" presId="urn:microsoft.com/office/officeart/2005/8/layout/cycle4"/>
+    <dgm:cxn modelId="{8A48933A-9B4C-4A97-8AEC-AD8C0438DF1F}" type="presParOf" srcId="{55E20671-188B-46A1-A508-276309B534F3}" destId="{03A6D777-F715-4429-959C-008B1575628E}" srcOrd="0" destOrd="0" presId="urn:microsoft.com/office/officeart/2005/8/layout/cycle4"/>
+    <dgm:cxn modelId="{1E21FB2F-99BF-462D-96BC-5D6218404878}" type="presParOf" srcId="{55E20671-188B-46A1-A508-276309B534F3}" destId="{DB786DFE-ED05-40ED-97DA-C95194C0F3B2}" srcOrd="1" destOrd="0" presId="urn:microsoft.com/office/officeart/2005/8/layout/cycle4"/>
+    <dgm:cxn modelId="{33257FDF-7394-487D-B327-2B62D9B72E08}" type="presParOf" srcId="{0E8579E3-C253-4D06-BA1F-77982245EC61}" destId="{C46B110F-17A5-4870-A6C2-B7F0CD59B2D0}" srcOrd="1" destOrd="0" presId="urn:microsoft.com/office/officeart/2005/8/layout/cycle4"/>
+    <dgm:cxn modelId="{2F3BE783-0576-406E-9903-9DD3D6D89F1D}" type="presParOf" srcId="{C46B110F-17A5-4870-A6C2-B7F0CD59B2D0}" destId="{30F4F4AF-0D50-486B-882A-85E925A956CD}" srcOrd="0" destOrd="0" presId="urn:microsoft.com/office/officeart/2005/8/layout/cycle4"/>
+    <dgm:cxn modelId="{CCC10812-EC9D-4654-A6E0-E4F546D6FC8A}" type="presParOf" srcId="{C46B110F-17A5-4870-A6C2-B7F0CD59B2D0}" destId="{9765A068-B6E2-4886-A5FB-50A995921477}" srcOrd="1" destOrd="0" presId="urn:microsoft.com/office/officeart/2005/8/layout/cycle4"/>
+    <dgm:cxn modelId="{1AE7D298-6447-4C22-A865-B9FE035B3936}" type="presParOf" srcId="{0E8579E3-C253-4D06-BA1F-77982245EC61}" destId="{073829D3-F25F-4A80-BE50-78199021FAA5}" srcOrd="2" destOrd="0" presId="urn:microsoft.com/office/officeart/2005/8/layout/cycle4"/>
+    <dgm:cxn modelId="{79B8F466-FD16-4E97-9B13-307E8730B8D3}" type="presParOf" srcId="{073829D3-F25F-4A80-BE50-78199021FAA5}" destId="{947A0687-3B8B-457F-B6A6-C63743A42B84}" srcOrd="0" destOrd="0" presId="urn:microsoft.com/office/officeart/2005/8/layout/cycle4"/>
+    <dgm:cxn modelId="{12FD34ED-AE30-489D-8EAB-6C201E120EDF}" type="presParOf" srcId="{073829D3-F25F-4A80-BE50-78199021FAA5}" destId="{6A9916F7-EC46-4744-B146-333D37987245}" srcOrd="1" destOrd="0" presId="urn:microsoft.com/office/officeart/2005/8/layout/cycle4"/>
+    <dgm:cxn modelId="{BEB094E6-C828-456B-9C40-F0B1529757B7}" type="presParOf" srcId="{0E8579E3-C253-4D06-BA1F-77982245EC61}" destId="{0DE9E9EF-C832-4342-9202-8B109E472033}" srcOrd="3" destOrd="0" presId="urn:microsoft.com/office/officeart/2005/8/layout/cycle4"/>
+    <dgm:cxn modelId="{FD544C23-2EBA-4083-AB0F-3697A778CF4E}" type="presParOf" srcId="{0DE9E9EF-C832-4342-9202-8B109E472033}" destId="{51AD0882-8434-46C9-B2A6-B650C0F9FDA7}" srcOrd="0" destOrd="0" presId="urn:microsoft.com/office/officeart/2005/8/layout/cycle4"/>
+    <dgm:cxn modelId="{5FF28FB1-458D-4ADD-A6BC-0DD17CB8ECA8}" type="presParOf" srcId="{0DE9E9EF-C832-4342-9202-8B109E472033}" destId="{C32B0322-0916-46B3-B0C2-5FBAFA11B257}" srcOrd="1" destOrd="0" presId="urn:microsoft.com/office/officeart/2005/8/layout/cycle4"/>
+    <dgm:cxn modelId="{49E315AE-2C88-4772-A91E-A1EDACC44DC5}" type="presParOf" srcId="{0E8579E3-C253-4D06-BA1F-77982245EC61}" destId="{0EA707BB-FFEB-49DE-8009-DCE2C1D6169F}" srcOrd="4" destOrd="0" presId="urn:microsoft.com/office/officeart/2005/8/layout/cycle4"/>
+    <dgm:cxn modelId="{E75692EE-DE08-4407-A5F1-2D9C891B5250}" type="presParOf" srcId="{35A7A3B6-2C27-4AEB-885C-C192B01C6E5D}" destId="{1430C006-54BB-40E5-99E1-88939E768E37}" srcOrd="1" destOrd="0" presId="urn:microsoft.com/office/officeart/2005/8/layout/cycle4"/>
+    <dgm:cxn modelId="{E8E0A90E-BD71-49CC-94E3-DF17EA9F4001}" type="presParOf" srcId="{1430C006-54BB-40E5-99E1-88939E768E37}" destId="{599FACE7-B2BA-4EF1-A244-ED9CC531DA56}" srcOrd="0" destOrd="0" presId="urn:microsoft.com/office/officeart/2005/8/layout/cycle4"/>
+    <dgm:cxn modelId="{264BF27C-D27F-447D-AA2B-27449A3F9D4F}" type="presParOf" srcId="{1430C006-54BB-40E5-99E1-88939E768E37}" destId="{20E5252D-8C07-4643-8EA5-5ECA07D61FB3}" srcOrd="1" destOrd="0" presId="urn:microsoft.com/office/officeart/2005/8/layout/cycle4"/>
+    <dgm:cxn modelId="{224260A9-79BC-413A-8DAA-67F2EF65D9F6}" type="presParOf" srcId="{1430C006-54BB-40E5-99E1-88939E768E37}" destId="{675405E3-2C89-40EE-965E-18BF3F09E76A}" srcOrd="2" destOrd="0" presId="urn:microsoft.com/office/officeart/2005/8/layout/cycle4"/>
+    <dgm:cxn modelId="{A1245AAA-DAFD-4D1B-8BB5-43DD1C1FD1D3}" type="presParOf" srcId="{1430C006-54BB-40E5-99E1-88939E768E37}" destId="{BD791467-E706-43D9-98D9-FE151C871422}" srcOrd="3" destOrd="0" presId="urn:microsoft.com/office/officeart/2005/8/layout/cycle4"/>
+    <dgm:cxn modelId="{33044C1C-F8E1-443F-B20B-160F0E8B68AF}" type="presParOf" srcId="{1430C006-54BB-40E5-99E1-88939E768E37}" destId="{BDCC9D9F-C110-44FF-98C9-7FD8C5753BB2}" srcOrd="4" destOrd="0" presId="urn:microsoft.com/office/officeart/2005/8/layout/cycle4"/>
+    <dgm:cxn modelId="{9B070ADF-07EB-4BD1-8F0E-DDCC29C590E0}" type="presParOf" srcId="{35A7A3B6-2C27-4AEB-885C-C192B01C6E5D}" destId="{ED9E1CFE-5F13-416E-9D3D-52F274427A0B}" srcOrd="2" destOrd="0" presId="urn:microsoft.com/office/officeart/2005/8/layout/cycle4"/>
+    <dgm:cxn modelId="{D8EF7CFC-7920-4E59-9596-54EBD1631AF0}" type="presParOf" srcId="{35A7A3B6-2C27-4AEB-885C-C192B01C6E5D}" destId="{040D4516-71A2-4D50-BE5C-31DE1B858BCF}" srcOrd="3" destOrd="0" presId="urn:microsoft.com/office/officeart/2005/8/layout/cycle4"/>
+  </dgm:cxnLst>
+  <dgm:bg/>
+  <dgm:whole/>
+  <dgm:extLst>
+    <a:ext uri="http://schemas.microsoft.com/office/drawing/2008/diagram">
+      <dsp:dataModelExt xmlns:dsp="http://schemas.microsoft.com/office/drawing/2008/diagram" relId="rId6" minVer="http://schemas.openxmlformats.org/drawingml/2006/diagram"/>
+    </a:ext>
+  </dgm:extLst>
+</dgm:dataModel>
+</file>
+
+<file path=ppt/diagrams/drawing1.xml><?xml version="1.0" encoding="utf-8"?>
+<dsp:drawing xmlns:dgm="http://schemas.openxmlformats.org/drawingml/2006/diagram" xmlns:dsp="http://schemas.microsoft.com/office/drawing/2008/diagram" xmlns:a="http://schemas.openxmlformats.org/drawingml/2006/main">
+  <dsp:spTree>
+    <dsp:nvGrpSpPr>
+      <dsp:cNvPr id="0" name=""/>
+      <dsp:cNvGrpSpPr/>
+    </dsp:nvGrpSpPr>
+    <dsp:grpSpPr/>
+    <dsp:sp modelId="{947A0687-3B8B-457F-B6A6-C63743A42B84}">
+      <dsp:nvSpPr>
+        <dsp:cNvPr id="0" name=""/>
+        <dsp:cNvSpPr/>
+      </dsp:nvSpPr>
+      <dsp:spPr>
+        <a:xfrm>
+          <a:off x="4860535" y="3232498"/>
+          <a:ext cx="2522360" cy="2100581"/>
+        </a:xfrm>
+        <a:prstGeom prst="roundRect">
+          <a:avLst>
+            <a:gd name="adj" fmla="val 10000"/>
+          </a:avLst>
+        </a:prstGeom>
+        <a:solidFill>
+          <a:schemeClr val="lt1">
+            <a:alpha val="90000"/>
+            <a:hueOff val="0"/>
+            <a:satOff val="0"/>
+            <a:lumOff val="0"/>
+            <a:alphaOff val="0"/>
+          </a:schemeClr>
+        </a:solidFill>
+        <a:ln w="12700" cap="flat" cmpd="sng" algn="ctr">
+          <a:solidFill>
+            <a:schemeClr val="accent5">
+              <a:hueOff val="-4902231"/>
+              <a:satOff val="-6819"/>
+              <a:lumOff val="-2615"/>
+              <a:alphaOff val="0"/>
+            </a:schemeClr>
+          </a:solidFill>
+          <a:prstDash val="solid"/>
+          <a:miter lim="800000"/>
+        </a:ln>
+        <a:effectLst/>
+      </dsp:spPr>
+      <dsp:style>
+        <a:lnRef idx="2">
+          <a:scrgbClr r="0" g="0" b="0"/>
+        </a:lnRef>
+        <a:fillRef idx="1">
+          <a:scrgbClr r="0" g="0" b="0"/>
+        </a:fillRef>
+        <a:effectRef idx="0">
+          <a:scrgbClr r="0" g="0" b="0"/>
+        </a:effectRef>
+        <a:fontRef idx="minor"/>
+      </dsp:style>
+      <dsp:txBody>
+        <a:bodyPr spcFirstLastPara="0" vert="horz" wrap="square" lIns="45720" tIns="45720" rIns="45720" bIns="45720" numCol="1" spcCol="1270" anchor="t" anchorCtr="0">
+          <a:noAutofit/>
+        </a:bodyPr>
+        <a:lstStyle/>
+        <a:p>
+          <a:pPr marL="114300" lvl="1" indent="-114300" algn="l" defTabSz="533400">
+            <a:lnSpc>
+              <a:spcPct val="90000"/>
+            </a:lnSpc>
+            <a:spcBef>
+              <a:spcPct val="0"/>
+            </a:spcBef>
+            <a:spcAft>
+              <a:spcPct val="15000"/>
+            </a:spcAft>
+            <a:buChar char="••"/>
+          </a:pPr>
+          <a:r>
+            <a:rPr lang="zh-CN" altLang="en-US" sz="1200" b="1" kern="1200" dirty="0" smtClean="0"/>
+            <a:t>数据备份</a:t>
+          </a:r>
+          <a:endParaRPr lang="zh-CN" altLang="en-US" sz="1200" b="1" kern="1200" dirty="0"/>
+        </a:p>
+        <a:p>
+          <a:pPr marL="114300" lvl="1" indent="-114300" algn="l" defTabSz="533400">
+            <a:lnSpc>
+              <a:spcPct val="90000"/>
+            </a:lnSpc>
+            <a:spcBef>
+              <a:spcPct val="0"/>
+            </a:spcBef>
+            <a:spcAft>
+              <a:spcPct val="15000"/>
+            </a:spcAft>
+            <a:buChar char="••"/>
+          </a:pPr>
+          <a:r>
+            <a:rPr lang="zh-CN" altLang="en-US" sz="1200" b="1" kern="1200" dirty="0" smtClean="0"/>
+            <a:t>数据恢复</a:t>
+          </a:r>
+          <a:endParaRPr lang="zh-CN" altLang="en-US" sz="1200" b="1" kern="1200" dirty="0"/>
+        </a:p>
+        <a:p>
+          <a:pPr marL="114300" lvl="1" indent="-114300" algn="l" defTabSz="533400">
+            <a:lnSpc>
+              <a:spcPct val="90000"/>
+            </a:lnSpc>
+            <a:spcBef>
+              <a:spcPct val="0"/>
+            </a:spcBef>
+            <a:spcAft>
+              <a:spcPct val="15000"/>
+            </a:spcAft>
+            <a:buChar char="••"/>
+          </a:pPr>
+          <a:r>
+            <a:rPr lang="zh-CN" altLang="en-US" sz="1200" b="1" kern="1200" dirty="0" smtClean="0"/>
+            <a:t>系统恢复</a:t>
+          </a:r>
+          <a:endParaRPr lang="zh-CN" altLang="en-US" sz="1200" b="1" kern="1200" dirty="0"/>
+        </a:p>
+      </dsp:txBody>
+      <dsp:txXfrm>
+        <a:off x="5663386" y="3803786"/>
+        <a:ext cx="1673366" cy="1483149"/>
+      </dsp:txXfrm>
+    </dsp:sp>
+    <dsp:sp modelId="{51AD0882-8434-46C9-B2A6-B650C0F9FDA7}">
+      <dsp:nvSpPr>
+        <dsp:cNvPr id="0" name=""/>
+        <dsp:cNvSpPr/>
+      </dsp:nvSpPr>
+      <dsp:spPr>
+        <a:xfrm>
+          <a:off x="745104" y="3232498"/>
+          <a:ext cx="2522360" cy="2100581"/>
+        </a:xfrm>
+        <a:prstGeom prst="roundRect">
+          <a:avLst>
+            <a:gd name="adj" fmla="val 10000"/>
+          </a:avLst>
+        </a:prstGeom>
+        <a:solidFill>
+          <a:schemeClr val="lt1">
+            <a:alpha val="90000"/>
+            <a:hueOff val="0"/>
+            <a:satOff val="0"/>
+            <a:lumOff val="0"/>
+            <a:alphaOff val="0"/>
+          </a:schemeClr>
+        </a:solidFill>
+        <a:ln w="12700" cap="flat" cmpd="sng" algn="ctr">
+          <a:solidFill>
+            <a:schemeClr val="accent5">
+              <a:hueOff val="-7353345"/>
+              <a:satOff val="-10228"/>
+              <a:lumOff val="-3922"/>
+              <a:alphaOff val="0"/>
+            </a:schemeClr>
+          </a:solidFill>
+          <a:prstDash val="solid"/>
+          <a:miter lim="800000"/>
+        </a:ln>
+        <a:effectLst/>
+      </dsp:spPr>
+      <dsp:style>
+        <a:lnRef idx="2">
+          <a:scrgbClr r="0" g="0" b="0"/>
+        </a:lnRef>
+        <a:fillRef idx="1">
+          <a:scrgbClr r="0" g="0" b="0"/>
+        </a:fillRef>
+        <a:effectRef idx="0">
+          <a:scrgbClr r="0" g="0" b="0"/>
+        </a:effectRef>
+        <a:fontRef idx="minor"/>
+      </dsp:style>
+      <dsp:txBody>
+        <a:bodyPr spcFirstLastPara="0" vert="horz" wrap="square" lIns="45720" tIns="45720" rIns="45720" bIns="45720" numCol="1" spcCol="1270" anchor="t" anchorCtr="0">
+          <a:noAutofit/>
+        </a:bodyPr>
+        <a:lstStyle/>
+        <a:p>
+          <a:pPr marL="114300" lvl="1" indent="-114300" algn="l" defTabSz="533400">
+            <a:lnSpc>
+              <a:spcPct val="90000"/>
+            </a:lnSpc>
+            <a:spcBef>
+              <a:spcPct val="0"/>
+            </a:spcBef>
+            <a:spcAft>
+              <a:spcPct val="15000"/>
+            </a:spcAft>
+            <a:buChar char="••"/>
+          </a:pPr>
+          <a:r>
+            <a:rPr lang="zh-CN" altLang="en-US" sz="1200" b="1" kern="1200" dirty="0" smtClean="0"/>
+            <a:t>应急策略</a:t>
+          </a:r>
+          <a:endParaRPr lang="zh-CN" altLang="en-US" sz="1200" b="1" kern="1200" dirty="0"/>
+        </a:p>
+        <a:p>
+          <a:pPr marL="114300" lvl="1" indent="-114300" algn="l" defTabSz="533400">
+            <a:lnSpc>
+              <a:spcPct val="90000"/>
+            </a:lnSpc>
+            <a:spcBef>
+              <a:spcPct val="0"/>
+            </a:spcBef>
+            <a:spcAft>
+              <a:spcPct val="15000"/>
+            </a:spcAft>
+            <a:buChar char="••"/>
+          </a:pPr>
+          <a:r>
+            <a:rPr lang="zh-CN" altLang="en-US" sz="1200" b="1" kern="1200" dirty="0" smtClean="0"/>
+            <a:t>应急机制</a:t>
+          </a:r>
+          <a:endParaRPr lang="zh-CN" altLang="en-US" sz="1200" b="1" kern="1200" dirty="0"/>
+        </a:p>
+        <a:p>
+          <a:pPr marL="114300" lvl="1" indent="-114300" algn="l" defTabSz="533400">
+            <a:lnSpc>
+              <a:spcPct val="90000"/>
+            </a:lnSpc>
+            <a:spcBef>
+              <a:spcPct val="0"/>
+            </a:spcBef>
+            <a:spcAft>
+              <a:spcPct val="15000"/>
+            </a:spcAft>
+            <a:buChar char="••"/>
+          </a:pPr>
+          <a:r>
+            <a:rPr lang="zh-CN" altLang="en-US" sz="1200" b="1" kern="1200" dirty="0" smtClean="0"/>
+            <a:t>应急手段</a:t>
+          </a:r>
+          <a:endParaRPr lang="zh-CN" altLang="en-US" sz="1200" b="1" kern="1200" dirty="0"/>
+        </a:p>
+        <a:p>
+          <a:pPr marL="114300" lvl="1" indent="-114300" algn="l" defTabSz="533400">
+            <a:lnSpc>
+              <a:spcPct val="90000"/>
+            </a:lnSpc>
+            <a:spcBef>
+              <a:spcPct val="0"/>
+            </a:spcBef>
+            <a:spcAft>
+              <a:spcPct val="15000"/>
+            </a:spcAft>
+            <a:buChar char="••"/>
+          </a:pPr>
+          <a:r>
+            <a:rPr lang="zh-CN" altLang="en-US" sz="1200" b="1" kern="1200" dirty="0" smtClean="0"/>
+            <a:t>入侵过程分析</a:t>
+          </a:r>
+          <a:endParaRPr lang="zh-CN" altLang="en-US" sz="1200" b="1" kern="1200" dirty="0"/>
+        </a:p>
+        <a:p>
+          <a:pPr marL="114300" lvl="1" indent="-114300" algn="l" defTabSz="533400">
+            <a:lnSpc>
+              <a:spcPct val="90000"/>
+            </a:lnSpc>
+            <a:spcBef>
+              <a:spcPct val="0"/>
+            </a:spcBef>
+            <a:spcAft>
+              <a:spcPct val="15000"/>
+            </a:spcAft>
+            <a:buChar char="••"/>
+          </a:pPr>
+          <a:r>
+            <a:rPr lang="zh-CN" altLang="en-US" sz="1200" b="1" kern="1200" dirty="0" smtClean="0"/>
+            <a:t>安全状态平涂</a:t>
+          </a:r>
+          <a:endParaRPr lang="zh-CN" altLang="en-US" sz="1200" b="1" kern="1200" dirty="0"/>
+        </a:p>
+      </dsp:txBody>
+      <dsp:txXfrm>
+        <a:off x="791247" y="3803786"/>
+        <a:ext cx="1673366" cy="1483149"/>
+      </dsp:txXfrm>
+    </dsp:sp>
+    <dsp:sp modelId="{30F4F4AF-0D50-486B-882A-85E925A956CD}">
+      <dsp:nvSpPr>
+        <dsp:cNvPr id="0" name=""/>
+        <dsp:cNvSpPr/>
+      </dsp:nvSpPr>
+      <dsp:spPr>
+        <a:xfrm>
+          <a:off x="4860535" y="-214594"/>
+          <a:ext cx="2522360" cy="2050616"/>
+        </a:xfrm>
+        <a:prstGeom prst="roundRect">
+          <a:avLst>
+            <a:gd name="adj" fmla="val 10000"/>
+          </a:avLst>
+        </a:prstGeom>
+        <a:solidFill>
+          <a:schemeClr val="lt1">
+            <a:alpha val="90000"/>
+            <a:hueOff val="0"/>
+            <a:satOff val="0"/>
+            <a:lumOff val="0"/>
+            <a:alphaOff val="0"/>
+          </a:schemeClr>
+        </a:solidFill>
+        <a:ln w="12700" cap="flat" cmpd="sng" algn="ctr">
+          <a:solidFill>
+            <a:schemeClr val="accent5">
+              <a:hueOff val="-2451115"/>
+              <a:satOff val="-3409"/>
+              <a:lumOff val="-1307"/>
+              <a:alphaOff val="0"/>
+            </a:schemeClr>
+          </a:solidFill>
+          <a:prstDash val="solid"/>
+          <a:miter lim="800000"/>
+        </a:ln>
+        <a:effectLst/>
+      </dsp:spPr>
+      <dsp:style>
+        <a:lnRef idx="2">
+          <a:scrgbClr r="0" g="0" b="0"/>
+        </a:lnRef>
+        <a:fillRef idx="1">
+          <a:scrgbClr r="0" g="0" b="0"/>
+        </a:fillRef>
+        <a:effectRef idx="0">
+          <a:scrgbClr r="0" g="0" b="0"/>
+        </a:effectRef>
+        <a:fontRef idx="minor"/>
+      </dsp:style>
+      <dsp:txBody>
+        <a:bodyPr spcFirstLastPara="0" vert="horz" wrap="square" lIns="45720" tIns="45720" rIns="45720" bIns="45720" numCol="1" spcCol="1270" anchor="t" anchorCtr="0">
+          <a:noAutofit/>
+        </a:bodyPr>
+        <a:lstStyle/>
+        <a:p>
+          <a:pPr marL="114300" lvl="1" indent="-114300" algn="l" defTabSz="533400">
+            <a:lnSpc>
+              <a:spcPct val="90000"/>
+            </a:lnSpc>
+            <a:spcBef>
+              <a:spcPct val="0"/>
+            </a:spcBef>
+            <a:spcAft>
+              <a:spcPct val="15000"/>
+            </a:spcAft>
+            <a:buChar char="••"/>
+          </a:pPr>
+          <a:r>
+            <a:rPr lang="zh-CN" altLang="en-US" sz="1200" b="1" kern="1200" dirty="0" smtClean="0"/>
+            <a:t>入侵检测</a:t>
+          </a:r>
+          <a:endParaRPr lang="zh-CN" altLang="en-US" sz="1200" b="1" kern="1200" dirty="0"/>
+        </a:p>
+        <a:p>
+          <a:pPr marL="114300" lvl="1" indent="-114300" algn="l" defTabSz="533400">
+            <a:lnSpc>
+              <a:spcPct val="90000"/>
+            </a:lnSpc>
+            <a:spcBef>
+              <a:spcPct val="0"/>
+            </a:spcBef>
+            <a:spcAft>
+              <a:spcPct val="15000"/>
+            </a:spcAft>
+            <a:buChar char="••"/>
+          </a:pPr>
+          <a:r>
+            <a:rPr lang="zh-CN" altLang="en-US" sz="1200" b="1" kern="1200" dirty="0" smtClean="0"/>
+            <a:t>系统脆弱性检测</a:t>
+          </a:r>
+          <a:endParaRPr lang="zh-CN" altLang="en-US" sz="1200" b="1" kern="1200" dirty="0"/>
+        </a:p>
+        <a:p>
+          <a:pPr marL="114300" lvl="1" indent="-114300" algn="l" defTabSz="533400">
+            <a:lnSpc>
+              <a:spcPct val="90000"/>
+            </a:lnSpc>
+            <a:spcBef>
+              <a:spcPct val="0"/>
+            </a:spcBef>
+            <a:spcAft>
+              <a:spcPct val="15000"/>
+            </a:spcAft>
+            <a:buChar char="••"/>
+          </a:pPr>
+          <a:r>
+            <a:rPr lang="zh-CN" altLang="en-US" sz="1200" b="1" kern="1200" dirty="0" smtClean="0"/>
+            <a:t>数据完整性检测</a:t>
+          </a:r>
+          <a:endParaRPr lang="zh-CN" altLang="en-US" sz="1200" b="1" kern="1200" dirty="0"/>
+        </a:p>
+        <a:p>
+          <a:pPr marL="114300" lvl="1" indent="-114300" algn="l" defTabSz="533400">
+            <a:lnSpc>
+              <a:spcPct val="90000"/>
+            </a:lnSpc>
+            <a:spcBef>
+              <a:spcPct val="0"/>
+            </a:spcBef>
+            <a:spcAft>
+              <a:spcPct val="15000"/>
+            </a:spcAft>
+            <a:buChar char="••"/>
+          </a:pPr>
+          <a:r>
+            <a:rPr lang="zh-CN" altLang="en-US" sz="1200" b="1" kern="1200" dirty="0" smtClean="0"/>
+            <a:t>攻击性检测</a:t>
+          </a:r>
+          <a:endParaRPr lang="zh-CN" altLang="en-US" sz="1200" b="1" kern="1200" dirty="0"/>
+        </a:p>
+      </dsp:txBody>
+      <dsp:txXfrm>
+        <a:off x="5662288" y="-169549"/>
+        <a:ext cx="1675562" cy="1447872"/>
+      </dsp:txXfrm>
+    </dsp:sp>
+    <dsp:sp modelId="{03A6D777-F715-4429-959C-008B1575628E}">
+      <dsp:nvSpPr>
+        <dsp:cNvPr id="0" name=""/>
+        <dsp:cNvSpPr/>
+      </dsp:nvSpPr>
+      <dsp:spPr>
+        <a:xfrm>
+          <a:off x="745104" y="-214594"/>
+          <a:ext cx="2522360" cy="2050616"/>
+        </a:xfrm>
+        <a:prstGeom prst="roundRect">
+          <a:avLst>
+            <a:gd name="adj" fmla="val 10000"/>
+          </a:avLst>
+        </a:prstGeom>
+        <a:solidFill>
+          <a:schemeClr val="lt1">
+            <a:alpha val="90000"/>
+            <a:hueOff val="0"/>
+            <a:satOff val="0"/>
+            <a:lumOff val="0"/>
+            <a:alphaOff val="0"/>
+          </a:schemeClr>
+        </a:solidFill>
+        <a:ln w="12700" cap="flat" cmpd="sng" algn="ctr">
+          <a:solidFill>
+            <a:schemeClr val="accent5">
+              <a:hueOff val="0"/>
+              <a:satOff val="0"/>
+              <a:lumOff val="0"/>
+              <a:alphaOff val="0"/>
+            </a:schemeClr>
+          </a:solidFill>
+          <a:prstDash val="solid"/>
+          <a:miter lim="800000"/>
+        </a:ln>
+        <a:effectLst/>
+      </dsp:spPr>
+      <dsp:style>
+        <a:lnRef idx="2">
+          <a:scrgbClr r="0" g="0" b="0"/>
+        </a:lnRef>
+        <a:fillRef idx="1">
+          <a:scrgbClr r="0" g="0" b="0"/>
+        </a:fillRef>
+        <a:effectRef idx="0">
+          <a:scrgbClr r="0" g="0" b="0"/>
+        </a:effectRef>
+        <a:fontRef idx="minor"/>
+      </dsp:style>
+      <dsp:txBody>
+        <a:bodyPr spcFirstLastPara="0" vert="horz" wrap="square" lIns="45720" tIns="45720" rIns="45720" bIns="45720" numCol="1" spcCol="1270" anchor="t" anchorCtr="0">
+          <a:noAutofit/>
+        </a:bodyPr>
+        <a:lstStyle/>
+        <a:p>
+          <a:pPr marL="114300" lvl="1" indent="-114300" algn="l" defTabSz="533400">
+            <a:lnSpc>
+              <a:spcPct val="90000"/>
+            </a:lnSpc>
+            <a:spcBef>
+              <a:spcPct val="0"/>
+            </a:spcBef>
+            <a:spcAft>
+              <a:spcPct val="15000"/>
+            </a:spcAft>
+            <a:buChar char="••"/>
+          </a:pPr>
+          <a:r>
+            <a:rPr lang="zh-CN" altLang="en-US" sz="1200" b="1" kern="1200" dirty="0" smtClean="0"/>
+            <a:t>加密机制</a:t>
+          </a:r>
+          <a:endParaRPr lang="zh-CN" altLang="en-US" sz="1200" b="1" kern="1200" dirty="0"/>
+        </a:p>
+        <a:p>
+          <a:pPr marL="114300" lvl="1" indent="-114300" algn="l" defTabSz="533400">
+            <a:lnSpc>
+              <a:spcPct val="90000"/>
+            </a:lnSpc>
+            <a:spcBef>
+              <a:spcPct val="0"/>
+            </a:spcBef>
+            <a:spcAft>
+              <a:spcPct val="15000"/>
+            </a:spcAft>
+            <a:buChar char="••"/>
+          </a:pPr>
+          <a:r>
+            <a:rPr lang="zh-CN" altLang="en-US" sz="1200" b="1" kern="1200" dirty="0" smtClean="0"/>
+            <a:t>数字签名机制</a:t>
+          </a:r>
+          <a:endParaRPr lang="zh-CN" altLang="en-US" sz="1200" b="1" kern="1200" dirty="0"/>
+        </a:p>
+        <a:p>
+          <a:pPr marL="114300" lvl="1" indent="-114300" algn="l" defTabSz="533400">
+            <a:lnSpc>
+              <a:spcPct val="90000"/>
+            </a:lnSpc>
+            <a:spcBef>
+              <a:spcPct val="0"/>
+            </a:spcBef>
+            <a:spcAft>
+              <a:spcPct val="15000"/>
+            </a:spcAft>
+            <a:buChar char="••"/>
+          </a:pPr>
+          <a:r>
+            <a:rPr lang="zh-CN" altLang="en-US" sz="1200" b="1" kern="1200" dirty="0" smtClean="0"/>
+            <a:t>访问控制机制</a:t>
+          </a:r>
+          <a:endParaRPr lang="zh-CN" altLang="en-US" sz="1200" b="1" kern="1200" dirty="0"/>
+        </a:p>
+        <a:p>
+          <a:pPr marL="114300" lvl="1" indent="-114300" algn="l" defTabSz="533400">
+            <a:lnSpc>
+              <a:spcPct val="90000"/>
+            </a:lnSpc>
+            <a:spcBef>
+              <a:spcPct val="0"/>
+            </a:spcBef>
+            <a:spcAft>
+              <a:spcPct val="15000"/>
+            </a:spcAft>
+            <a:buChar char="••"/>
+          </a:pPr>
+          <a:r>
+            <a:rPr lang="zh-CN" altLang="en-US" sz="1200" b="1" kern="1200" dirty="0" smtClean="0"/>
+            <a:t>认证机制</a:t>
+          </a:r>
+          <a:endParaRPr lang="zh-CN" altLang="en-US" sz="1200" b="1" kern="1200" dirty="0"/>
+        </a:p>
+        <a:p>
+          <a:pPr marL="114300" lvl="1" indent="-114300" algn="l" defTabSz="533400">
+            <a:lnSpc>
+              <a:spcPct val="90000"/>
+            </a:lnSpc>
+            <a:spcBef>
+              <a:spcPct val="0"/>
+            </a:spcBef>
+            <a:spcAft>
+              <a:spcPct val="15000"/>
+            </a:spcAft>
+            <a:buChar char="••"/>
+          </a:pPr>
+          <a:r>
+            <a:rPr lang="zh-CN" altLang="en-US" sz="1200" b="1" kern="1200" dirty="0" smtClean="0"/>
+            <a:t>信息隐藏</a:t>
+          </a:r>
+          <a:endParaRPr lang="zh-CN" altLang="en-US" sz="1200" b="1" kern="1200" dirty="0"/>
+        </a:p>
+        <a:p>
+          <a:pPr marL="114300" lvl="1" indent="-114300" algn="l" defTabSz="533400">
+            <a:lnSpc>
+              <a:spcPct val="90000"/>
+            </a:lnSpc>
+            <a:spcBef>
+              <a:spcPct val="0"/>
+            </a:spcBef>
+            <a:spcAft>
+              <a:spcPct val="15000"/>
+            </a:spcAft>
+            <a:buChar char="••"/>
+          </a:pPr>
+          <a:r>
+            <a:rPr lang="zh-CN" altLang="en-US" sz="1200" b="1" kern="1200" dirty="0" smtClean="0"/>
+            <a:t>防火请技术</a:t>
+          </a:r>
+          <a:endParaRPr lang="zh-CN" altLang="en-US" sz="1200" b="1" kern="1200" dirty="0"/>
+        </a:p>
+      </dsp:txBody>
+      <dsp:txXfrm>
+        <a:off x="790149" y="-169549"/>
+        <a:ext cx="1675562" cy="1447872"/>
+      </dsp:txXfrm>
+    </dsp:sp>
+    <dsp:sp modelId="{599FACE7-B2BA-4EF1-A244-ED9CC531DA56}">
+      <dsp:nvSpPr>
+        <dsp:cNvPr id="0" name=""/>
+        <dsp:cNvSpPr/>
+      </dsp:nvSpPr>
+      <dsp:spPr>
+        <a:xfrm>
+          <a:off x="1802044" y="297287"/>
+          <a:ext cx="2210895" cy="2210895"/>
+        </a:xfrm>
+        <a:prstGeom prst="pieWedge">
+          <a:avLst/>
+        </a:prstGeom>
+        <a:solidFill>
+          <a:schemeClr val="accent5">
+            <a:hueOff val="0"/>
+            <a:satOff val="0"/>
+            <a:lumOff val="0"/>
+            <a:alphaOff val="0"/>
+          </a:schemeClr>
+        </a:solidFill>
+        <a:ln w="12700" cap="flat" cmpd="sng" algn="ctr">
+          <a:solidFill>
+            <a:schemeClr val="lt1">
+              <a:hueOff val="0"/>
+              <a:satOff val="0"/>
+              <a:lumOff val="0"/>
+              <a:alphaOff val="0"/>
+            </a:schemeClr>
+          </a:solidFill>
+          <a:prstDash val="solid"/>
+          <a:miter lim="800000"/>
+        </a:ln>
+        <a:effectLst/>
+      </dsp:spPr>
+      <dsp:style>
+        <a:lnRef idx="2">
+          <a:scrgbClr r="0" g="0" b="0"/>
+        </a:lnRef>
+        <a:fillRef idx="1">
+          <a:scrgbClr r="0" g="0" b="0"/>
+        </a:fillRef>
+        <a:effectRef idx="0">
+          <a:scrgbClr r="0" g="0" b="0"/>
+        </a:effectRef>
+        <a:fontRef idx="minor">
+          <a:schemeClr val="lt1"/>
+        </a:fontRef>
+      </dsp:style>
+      <dsp:txBody>
+        <a:bodyPr spcFirstLastPara="0" vert="horz" wrap="square" lIns="277368" tIns="277368" rIns="277368" bIns="277368" numCol="1" spcCol="1270" anchor="ctr" anchorCtr="0">
+          <a:noAutofit/>
+        </a:bodyPr>
+        <a:lstStyle/>
+        <a:p>
+          <a:pPr lvl="0" algn="ctr" defTabSz="1733550">
+            <a:lnSpc>
+              <a:spcPct val="90000"/>
+            </a:lnSpc>
+            <a:spcBef>
+              <a:spcPct val="0"/>
+            </a:spcBef>
+            <a:spcAft>
+              <a:spcPct val="35000"/>
+            </a:spcAft>
+          </a:pPr>
+          <a:r>
+            <a:rPr lang="zh-CN" altLang="en-US" sz="3900" kern="1200" dirty="0" smtClean="0"/>
+            <a:t>防护</a:t>
+          </a:r>
+          <a:endParaRPr lang="zh-CN" altLang="en-US" sz="3900" kern="1200" dirty="0"/>
+        </a:p>
+      </dsp:txBody>
+      <dsp:txXfrm>
+        <a:off x="2449600" y="944843"/>
+        <a:ext cx="1563339" cy="1563339"/>
+      </dsp:txXfrm>
+    </dsp:sp>
+    <dsp:sp modelId="{20E5252D-8C07-4643-8EA5-5ECA07D61FB3}">
+      <dsp:nvSpPr>
+        <dsp:cNvPr id="0" name=""/>
+        <dsp:cNvSpPr/>
+      </dsp:nvSpPr>
+      <dsp:spPr>
+        <a:xfrm rot="5400000">
+          <a:off x="4115059" y="297287"/>
+          <a:ext cx="2210895" cy="2210895"/>
+        </a:xfrm>
+        <a:prstGeom prst="pieWedge">
+          <a:avLst/>
+        </a:prstGeom>
+        <a:solidFill>
+          <a:schemeClr val="accent5">
+            <a:hueOff val="-2451115"/>
+            <a:satOff val="-3409"/>
+            <a:lumOff val="-1307"/>
+            <a:alphaOff val="0"/>
+          </a:schemeClr>
+        </a:solidFill>
+        <a:ln w="12700" cap="flat" cmpd="sng" algn="ctr">
+          <a:solidFill>
+            <a:schemeClr val="lt1">
+              <a:hueOff val="0"/>
+              <a:satOff val="0"/>
+              <a:lumOff val="0"/>
+              <a:alphaOff val="0"/>
+            </a:schemeClr>
+          </a:solidFill>
+          <a:prstDash val="solid"/>
+          <a:miter lim="800000"/>
+        </a:ln>
+        <a:effectLst/>
+      </dsp:spPr>
+      <dsp:style>
+        <a:lnRef idx="2">
+          <a:scrgbClr r="0" g="0" b="0"/>
+        </a:lnRef>
+        <a:fillRef idx="1">
+          <a:scrgbClr r="0" g="0" b="0"/>
+        </a:fillRef>
+        <a:effectRef idx="0">
+          <a:scrgbClr r="0" g="0" b="0"/>
+        </a:effectRef>
+        <a:fontRef idx="minor">
+          <a:schemeClr val="lt1"/>
+        </a:fontRef>
+      </dsp:style>
+      <dsp:txBody>
+        <a:bodyPr spcFirstLastPara="0" vert="horz" wrap="square" lIns="277368" tIns="277368" rIns="277368" bIns="277368" numCol="1" spcCol="1270" anchor="ctr" anchorCtr="0">
+          <a:noAutofit/>
+        </a:bodyPr>
+        <a:lstStyle/>
+        <a:p>
+          <a:pPr lvl="0" algn="ctr" defTabSz="1733550">
+            <a:lnSpc>
+              <a:spcPct val="90000"/>
+            </a:lnSpc>
+            <a:spcBef>
+              <a:spcPct val="0"/>
+            </a:spcBef>
+            <a:spcAft>
+              <a:spcPct val="35000"/>
+            </a:spcAft>
+          </a:pPr>
+          <a:r>
+            <a:rPr lang="zh-CN" altLang="en-US" sz="3900" kern="1200" dirty="0" smtClean="0"/>
+            <a:t>检测</a:t>
+          </a:r>
+          <a:endParaRPr lang="zh-CN" altLang="en-US" sz="3900" kern="1200" dirty="0"/>
+        </a:p>
+      </dsp:txBody>
+      <dsp:txXfrm rot="-5400000">
+        <a:off x="4115059" y="944843"/>
+        <a:ext cx="1563339" cy="1563339"/>
+      </dsp:txXfrm>
+    </dsp:sp>
+    <dsp:sp modelId="{675405E3-2C89-40EE-965E-18BF3F09E76A}">
+      <dsp:nvSpPr>
+        <dsp:cNvPr id="0" name=""/>
+        <dsp:cNvSpPr/>
+      </dsp:nvSpPr>
+      <dsp:spPr>
+        <a:xfrm rot="10800000">
+          <a:off x="4115059" y="2610302"/>
+          <a:ext cx="2210895" cy="2210895"/>
+        </a:xfrm>
+        <a:prstGeom prst="pieWedge">
+          <a:avLst/>
+        </a:prstGeom>
+        <a:solidFill>
+          <a:schemeClr val="accent5">
+            <a:hueOff val="-4902231"/>
+            <a:satOff val="-6819"/>
+            <a:lumOff val="-2615"/>
+            <a:alphaOff val="0"/>
+          </a:schemeClr>
+        </a:solidFill>
+        <a:ln w="12700" cap="flat" cmpd="sng" algn="ctr">
+          <a:solidFill>
+            <a:schemeClr val="lt1">
+              <a:hueOff val="0"/>
+              <a:satOff val="0"/>
+              <a:lumOff val="0"/>
+              <a:alphaOff val="0"/>
+            </a:schemeClr>
+          </a:solidFill>
+          <a:prstDash val="solid"/>
+          <a:miter lim="800000"/>
+        </a:ln>
+        <a:effectLst/>
+      </dsp:spPr>
+      <dsp:style>
+        <a:lnRef idx="2">
+          <a:scrgbClr r="0" g="0" b="0"/>
+        </a:lnRef>
+        <a:fillRef idx="1">
+          <a:scrgbClr r="0" g="0" b="0"/>
+        </a:fillRef>
+        <a:effectRef idx="0">
+          <a:scrgbClr r="0" g="0" b="0"/>
+        </a:effectRef>
+        <a:fontRef idx="minor">
+          <a:schemeClr val="lt1"/>
+        </a:fontRef>
+      </dsp:style>
+      <dsp:txBody>
+        <a:bodyPr spcFirstLastPara="0" vert="horz" wrap="square" lIns="277368" tIns="277368" rIns="277368" bIns="277368" numCol="1" spcCol="1270" anchor="ctr" anchorCtr="0">
+          <a:noAutofit/>
+        </a:bodyPr>
+        <a:lstStyle/>
+        <a:p>
+          <a:pPr lvl="0" algn="ctr" defTabSz="1733550">
+            <a:lnSpc>
+              <a:spcPct val="90000"/>
+            </a:lnSpc>
+            <a:spcBef>
+              <a:spcPct val="0"/>
+            </a:spcBef>
+            <a:spcAft>
+              <a:spcPct val="35000"/>
+            </a:spcAft>
+          </a:pPr>
+          <a:r>
+            <a:rPr lang="zh-CN" altLang="en-US" sz="3900" kern="1200" dirty="0" smtClean="0"/>
+            <a:t>恢复</a:t>
+          </a:r>
+          <a:endParaRPr lang="zh-CN" altLang="en-US" sz="3900" kern="1200" dirty="0"/>
+        </a:p>
+      </dsp:txBody>
+      <dsp:txXfrm rot="10800000">
+        <a:off x="4115059" y="2610302"/>
+        <a:ext cx="1563339" cy="1563339"/>
+      </dsp:txXfrm>
+    </dsp:sp>
+    <dsp:sp modelId="{BD791467-E706-43D9-98D9-FE151C871422}">
+      <dsp:nvSpPr>
+        <dsp:cNvPr id="0" name=""/>
+        <dsp:cNvSpPr/>
+      </dsp:nvSpPr>
+      <dsp:spPr>
+        <a:xfrm rot="16200000">
+          <a:off x="1802044" y="2610302"/>
+          <a:ext cx="2210895" cy="2210895"/>
+        </a:xfrm>
+        <a:prstGeom prst="pieWedge">
+          <a:avLst/>
+        </a:prstGeom>
+        <a:solidFill>
+          <a:schemeClr val="accent5">
+            <a:hueOff val="-7353345"/>
+            <a:satOff val="-10228"/>
+            <a:lumOff val="-3922"/>
+            <a:alphaOff val="0"/>
+          </a:schemeClr>
+        </a:solidFill>
+        <a:ln w="12700" cap="flat" cmpd="sng" algn="ctr">
+          <a:solidFill>
+            <a:schemeClr val="lt1">
+              <a:hueOff val="0"/>
+              <a:satOff val="0"/>
+              <a:lumOff val="0"/>
+              <a:alphaOff val="0"/>
+            </a:schemeClr>
+          </a:solidFill>
+          <a:prstDash val="solid"/>
+          <a:miter lim="800000"/>
+        </a:ln>
+        <a:effectLst/>
+      </dsp:spPr>
+      <dsp:style>
+        <a:lnRef idx="2">
+          <a:scrgbClr r="0" g="0" b="0"/>
+        </a:lnRef>
+        <a:fillRef idx="1">
+          <a:scrgbClr r="0" g="0" b="0"/>
+        </a:fillRef>
+        <a:effectRef idx="0">
+          <a:scrgbClr r="0" g="0" b="0"/>
+        </a:effectRef>
+        <a:fontRef idx="minor">
+          <a:schemeClr val="lt1"/>
+        </a:fontRef>
+      </dsp:style>
+      <dsp:txBody>
+        <a:bodyPr spcFirstLastPara="0" vert="horz" wrap="square" lIns="277368" tIns="277368" rIns="277368" bIns="277368" numCol="1" spcCol="1270" anchor="ctr" anchorCtr="0">
+          <a:noAutofit/>
+        </a:bodyPr>
+        <a:lstStyle/>
+        <a:p>
+          <a:pPr lvl="0" algn="ctr" defTabSz="1733550">
+            <a:lnSpc>
+              <a:spcPct val="90000"/>
+            </a:lnSpc>
+            <a:spcBef>
+              <a:spcPct val="0"/>
+            </a:spcBef>
+            <a:spcAft>
+              <a:spcPct val="35000"/>
+            </a:spcAft>
+          </a:pPr>
+          <a:r>
+            <a:rPr lang="zh-CN" altLang="en-US" sz="3900" kern="1200" dirty="0" smtClean="0"/>
+            <a:t>响应</a:t>
+          </a:r>
+          <a:endParaRPr lang="zh-CN" altLang="en-US" sz="3900" kern="1200" dirty="0"/>
+        </a:p>
+      </dsp:txBody>
+      <dsp:txXfrm rot="5400000">
+        <a:off x="2449600" y="2610302"/>
+        <a:ext cx="1563339" cy="1563339"/>
+      </dsp:txXfrm>
+    </dsp:sp>
+    <dsp:sp modelId="{ED9E1CFE-5F13-416E-9D3D-52F274427A0B}">
+      <dsp:nvSpPr>
+        <dsp:cNvPr id="0" name=""/>
+        <dsp:cNvSpPr/>
+      </dsp:nvSpPr>
+      <dsp:spPr>
+        <a:xfrm>
+          <a:off x="3682326" y="2099703"/>
+          <a:ext cx="763346" cy="663779"/>
+        </a:xfrm>
+        <a:prstGeom prst="circularArrow">
+          <a:avLst/>
+        </a:prstGeom>
+        <a:solidFill>
+          <a:schemeClr val="accent5">
+            <a:tint val="40000"/>
+            <a:hueOff val="0"/>
+            <a:satOff val="0"/>
+            <a:lumOff val="0"/>
+            <a:alphaOff val="0"/>
+          </a:schemeClr>
+        </a:solidFill>
+        <a:ln w="12700" cap="flat" cmpd="sng" algn="ctr">
+          <a:solidFill>
+            <a:schemeClr val="lt1">
+              <a:hueOff val="0"/>
+              <a:satOff val="0"/>
+              <a:lumOff val="0"/>
+              <a:alphaOff val="0"/>
+            </a:schemeClr>
+          </a:solidFill>
+          <a:prstDash val="solid"/>
+          <a:miter lim="800000"/>
+        </a:ln>
+        <a:effectLst/>
+      </dsp:spPr>
+      <dsp:style>
+        <a:lnRef idx="2">
+          <a:scrgbClr r="0" g="0" b="0"/>
+        </a:lnRef>
+        <a:fillRef idx="1">
+          <a:scrgbClr r="0" g="0" b="0"/>
+        </a:fillRef>
+        <a:effectRef idx="0">
+          <a:scrgbClr r="0" g="0" b="0"/>
+        </a:effectRef>
+        <a:fontRef idx="minor"/>
+      </dsp:style>
+    </dsp:sp>
+    <dsp:sp modelId="{040D4516-71A2-4D50-BE5C-31DE1B858BCF}">
+      <dsp:nvSpPr>
+        <dsp:cNvPr id="0" name=""/>
+        <dsp:cNvSpPr/>
+      </dsp:nvSpPr>
+      <dsp:spPr>
+        <a:xfrm rot="10800000">
+          <a:off x="3682326" y="2355002"/>
+          <a:ext cx="763346" cy="663779"/>
+        </a:xfrm>
+        <a:prstGeom prst="circularArrow">
+          <a:avLst/>
+        </a:prstGeom>
+        <a:solidFill>
+          <a:schemeClr val="accent5">
+            <a:tint val="40000"/>
+            <a:hueOff val="0"/>
+            <a:satOff val="0"/>
+            <a:lumOff val="0"/>
+            <a:alphaOff val="0"/>
+          </a:schemeClr>
+        </a:solidFill>
+        <a:ln w="12700" cap="flat" cmpd="sng" algn="ctr">
+          <a:solidFill>
+            <a:schemeClr val="lt1">
+              <a:hueOff val="0"/>
+              <a:satOff val="0"/>
+              <a:lumOff val="0"/>
+              <a:alphaOff val="0"/>
+            </a:schemeClr>
+          </a:solidFill>
+          <a:prstDash val="solid"/>
+          <a:miter lim="800000"/>
+        </a:ln>
+        <a:effectLst/>
+      </dsp:spPr>
+      <dsp:style>
+        <a:lnRef idx="2">
+          <a:scrgbClr r="0" g="0" b="0"/>
+        </a:lnRef>
+        <a:fillRef idx="1">
+          <a:scrgbClr r="0" g="0" b="0"/>
+        </a:fillRef>
+        <a:effectRef idx="0">
+          <a:scrgbClr r="0" g="0" b="0"/>
+        </a:effectRef>
+        <a:fontRef idx="minor"/>
+      </dsp:style>
+    </dsp:sp>
+  </dsp:spTree>
+</dsp:drawing>
+</file>
+
+<file path=ppt/diagrams/layout1.xml><?xml version="1.0" encoding="utf-8"?>
+<dgm:layoutDef xmlns:dgm="http://schemas.openxmlformats.org/drawingml/2006/diagram" xmlns:a="http://schemas.openxmlformats.org/drawingml/2006/main" uniqueId="urn:microsoft.com/office/officeart/2005/8/layout/cycle4">
+  <dgm:title val=""/>
+  <dgm:desc val=""/>
+  <dgm:catLst>
+    <dgm:cat type="relationship" pri="26000"/>
+    <dgm:cat type="cycle" pri="13000"/>
+    <dgm:cat type="matrix" pri="4000"/>
+  </dgm:catLst>
+  <dgm:sampData>
+    <dgm:dataModel>
+      <dgm:ptLst>
+        <dgm:pt modelId="0" type="doc"/>
+        <dgm:pt modelId="1">
+          <dgm:prSet phldr="1"/>
+        </dgm:pt>
+        <dgm:pt modelId="11">
+          <dgm:prSet phldr="1"/>
+        </dgm:pt>
+        <dgm:pt modelId="2">
+          <dgm:prSet phldr="1"/>
+        </dgm:pt>
+        <dgm:pt modelId="21">
+          <dgm:prSet phldr="1"/>
+        </dgm:pt>
+        <dgm:pt modelId="3">
+          <dgm:prSet phldr="1"/>
+        </dgm:pt>
+        <dgm:pt modelId="31">
+          <dgm:prSet phldr="1"/>
+        </dgm:pt>
+        <dgm:pt modelId="4">
+          <dgm:prSet phldr="1"/>
+        </dgm:pt>
+        <dgm:pt modelId="41">
+          <dgm:prSet phldr="1"/>
+        </dgm:pt>
+      </dgm:ptLst>
+      <dgm:cxnLst>
+        <dgm:cxn modelId="5" srcId="0" destId="1" srcOrd="0" destOrd="0"/>
+        <dgm:cxn modelId="6" srcId="0" destId="2" srcOrd="1" destOrd="0"/>
+        <dgm:cxn modelId="7" srcId="0" destId="3" srcOrd="2" destOrd="0"/>
+        <dgm:cxn modelId="8" srcId="0" destId="4" srcOrd="3" destOrd="0"/>
+        <dgm:cxn modelId="13" srcId="1" destId="11" srcOrd="0" destOrd="0"/>
+        <dgm:cxn modelId="23" srcId="2" destId="21" srcOrd="0" destOrd="0"/>
+        <dgm:cxn modelId="33" srcId="3" destId="31" srcOrd="0" destOrd="0"/>
+        <dgm:cxn modelId="43" srcId="4" destId="41" srcOrd="0" destOrd="0"/>
+      </dgm:cxnLst>
+      <dgm:bg/>
+      <dgm:whole/>
+    </dgm:dataModel>
+  </dgm:sampData>
+  <dgm:styleData>
+    <dgm:dataModel>
+      <dgm:ptLst>
+        <dgm:pt modelId="0" type="doc"/>
+        <dgm:pt modelId="1"/>
+        <dgm:pt modelId="11"/>
+        <dgm:pt modelId="2"/>
+        <dgm:pt modelId="21"/>
+        <dgm:pt modelId="3"/>
+        <dgm:pt modelId="31"/>
+        <dgm:pt modelId="4"/>
+        <dgm:pt modelId="41"/>
+      </dgm:ptLst>
+      <dgm:cxnLst>
+        <dgm:cxn modelId="5" srcId="0" destId="1" srcOrd="0" destOrd="0"/>
+        <dgm:cxn modelId="6" srcId="0" destId="2" srcOrd="1" destOrd="0"/>
+        <dgm:cxn modelId="7" srcId="0" destId="3" srcOrd="2" destOrd="0"/>
+        <dgm:cxn modelId="8" srcId="0" destId="4" srcOrd="3" destOrd="0"/>
+        <dgm:cxn modelId="13" srcId="1" destId="11" srcOrd="0" destOrd="0"/>
+        <dgm:cxn modelId="23" srcId="2" destId="21" srcOrd="0" destOrd="0"/>
+        <dgm:cxn modelId="33" srcId="3" destId="31" srcOrd="0" destOrd="0"/>
+        <dgm:cxn modelId="43" srcId="4" destId="41" srcOrd="0" destOrd="0"/>
+      </dgm:cxnLst>
+      <dgm:bg/>
+      <dgm:whole/>
+    </dgm:dataModel>
+  </dgm:styleData>
+  <dgm:clrData>
+    <dgm:dataModel>
+      <dgm:ptLst>
+        <dgm:pt modelId="0" type="doc"/>
+        <dgm:pt modelId="1"/>
+        <dgm:pt modelId="11"/>
+        <dgm:pt modelId="2"/>
+        <dgm:pt modelId="21"/>
+        <dgm:pt modelId="3"/>
+        <dgm:pt modelId="31"/>
+        <dgm:pt modelId="4"/>
+        <dgm:pt modelId="41"/>
+      </dgm:ptLst>
+      <dgm:cxnLst>
+        <dgm:cxn modelId="5" srcId="0" destId="1" srcOrd="0" destOrd="0"/>
+        <dgm:cxn modelId="6" srcId="0" destId="2" srcOrd="1" destOrd="0"/>
+        <dgm:cxn modelId="7" srcId="0" destId="3" srcOrd="2" destOrd="0"/>
+        <dgm:cxn modelId="8" srcId="0" destId="4" srcOrd="3" destOrd="0"/>
+        <dgm:cxn modelId="13" srcId="1" destId="11" srcOrd="0" destOrd="0"/>
+        <dgm:cxn modelId="23" srcId="2" destId="21" srcOrd="0" destOrd="0"/>
+        <dgm:cxn modelId="33" srcId="3" destId="31" srcOrd="0" destOrd="0"/>
+        <dgm:cxn modelId="43" srcId="4" destId="41" srcOrd="0" destOrd="0"/>
+      </dgm:cxnLst>
+      <dgm:bg/>
+      <dgm:whole/>
+    </dgm:dataModel>
+  </dgm:clrData>
+  <dgm:layoutNode name="cycleMatrixDiagram">
+    <dgm:varLst>
+      <dgm:chMax val="1"/>
+      <dgm:dir/>
+      <dgm:animLvl val="lvl"/>
+      <dgm:resizeHandles val="exact"/>
+    </dgm:varLst>
+    <dgm:alg type="composite">
+      <dgm:param type="ar" val="1.3"/>
+    </dgm:alg>
+    <dgm:shape xmlns:r="http://schemas.openxmlformats.org/officeDocument/2006/relationships" r:blip="">
+      <dgm:adjLst/>
+    </dgm:shape>
+    <dgm:presOf/>
+    <dgm:constrLst>
+      <dgm:constr type="w" for="ch" forName="children" refType="w"/>
+      <dgm:constr type="h" for="ch" forName="children" refType="w" refFor="ch" refForName="children" fact="0.77"/>
+      <dgm:constr type="ctrX" for="ch" forName="children" refType="w" fact="0.5"/>
+      <dgm:constr type="ctrY" for="ch" forName="children" refType="h" fact="0.5"/>
+      <dgm:constr type="w" for="ch" forName="circle" refType="w"/>
+      <dgm:constr type="h" for="ch" forName="circle" refType="h"/>
+      <dgm:constr type="ctrX" for="ch" forName="circle" refType="w" fact="0.5"/>
+      <dgm:constr type="ctrY" for="ch" forName="circle" refType="h" fact="0.5"/>
+      <dgm:constr type="w" for="ch" forName="center1" refType="w" fact="0.115"/>
+      <dgm:constr type="h" for="ch" forName="center1" refType="w" fact="0.1"/>
+      <dgm:constr type="ctrX" for="ch" forName="center1" refType="w" fact="0.5"/>
+      <dgm:constr type="ctrY" for="ch" forName="center1" refType="h" fact="0.475"/>
+      <dgm:constr type="w" for="ch" forName="center2" refType="w" fact="0.115"/>
+      <dgm:constr type="h" for="ch" forName="center2" refType="w" fact="0.1"/>
+      <dgm:constr type="ctrX" for="ch" forName="center2" refType="w" fact="0.5"/>
+      <dgm:constr type="ctrY" for="ch" forName="center2" refType="h" fact="0.525"/>
+    </dgm:constrLst>
+    <dgm:ruleLst/>
+    <dgm:choose name="Name0">
+      <dgm:if name="Name1" axis="ch" ptType="node" func="cnt" op="gte" val="1">
+        <dgm:layoutNode name="children">
+          <dgm:alg type="composite">
+            <dgm:param type="ar" val="1.3"/>
+          </dgm:alg>
+          <dgm:shape xmlns:r="http://schemas.openxmlformats.org/officeDocument/2006/relationships" r:blip="">
+            <dgm:adjLst/>
+          </dgm:shape>
+          <dgm:presOf/>
+          <dgm:choose name="Name2">
+            <dgm:if name="Name3" func="var" arg="dir" op="equ" val="norm">
+              <dgm:constrLst>
+                <dgm:constr type="primFontSz" for="des" ptType="node" op="equ" val="65"/>
+                <dgm:constr type="w" for="ch" forName="child1group" refType="w" fact="0.38"/>
+                <dgm:constr type="h" for="ch" forName="child1group" refType="h" fact="0.32"/>
+                <dgm:constr type="t" for="ch" forName="child1group"/>
+                <dgm:constr type="l" for="ch" forName="child1group"/>
+                <dgm:constr type="w" for="ch" forName="child2group" refType="w" fact="0.38"/>
+                <dgm:constr type="h" for="ch" forName="child2group" refType="h" fact="0.32"/>
+                <dgm:constr type="t" for="ch" forName="child2group"/>
+                <dgm:constr type="r" for="ch" forName="child2group" refType="w"/>
+                <dgm:constr type="w" for="ch" forName="child3group" refType="w" fact="0.38"/>
+                <dgm:constr type="h" for="ch" forName="child3group" refType="h" fact="0.32"/>
+                <dgm:constr type="b" for="ch" forName="child3group" refType="h"/>
+                <dgm:constr type="r" for="ch" forName="child3group" refType="w"/>
+                <dgm:constr type="w" for="ch" forName="child4group" refType="w" fact="0.38"/>
+                <dgm:constr type="h" for="ch" forName="child4group" refType="h" fact="0.32"/>
+                <dgm:constr type="b" for="ch" forName="child4group" refType="h"/>
+                <dgm:constr type="l" for="ch" forName="child4group"/>
+              </dgm:constrLst>
+            </dgm:if>
+            <dgm:else name="Name4">
+              <dgm:constrLst>
+                <dgm:constr type="primFontSz" for="des" ptType="node" op="equ" val="65"/>
+                <dgm:constr type="w" for="ch" forName="child1group" refType="w" fact="0.38"/>
+                <dgm:constr type="h" for="ch" forName="child1group" refType="h" fact="0.32"/>
+                <dgm:constr type="t" for="ch" forName="child1group"/>
+                <dgm:constr type="r" for="ch" forName="child1group" refType="w"/>
+                <dgm:constr type="w" for="ch" forName="child2group" refType="w" fact="0.38"/>
+                <dgm:constr type="h" for="ch" forName="child2group" refType="h" fact="0.32"/>
+                <dgm:constr type="t" for="ch" forName="child2group"/>
+                <dgm:constr type="l" for="ch" forName="child2group"/>
+                <dgm:constr type="w" for="ch" forName="child3group" refType="w" fact="0.38"/>
+                <dgm:constr type="h" for="ch" forName="child3group" refType="h" fact="0.32"/>
+                <dgm:constr type="b" for="ch" forName="child3group" refType="h"/>
+                <dgm:constr type="l" for="ch" forName="child3group"/>
+                <dgm:constr type="w" for="ch" forName="child4group" refType="w" fact="0.38"/>
+                <dgm:constr type="h" for="ch" forName="child4group" refType="h" fact="0.32"/>
+                <dgm:constr type="b" for="ch" forName="child4group" refType="h"/>
+                <dgm:constr type="r" for="ch" forName="child4group" refType="w"/>
+              </dgm:constrLst>
+            </dgm:else>
+          </dgm:choose>
+          <dgm:ruleLst/>
+          <dgm:choose name="Name5">
+            <dgm:if name="Name6" axis="ch ch" ptType="node node" st="1 1" cnt="1 0" func="cnt" op="gte" val="1">
+              <dgm:layoutNode name="child1group">
+                <dgm:alg type="composite">
+                  <dgm:param type="horzAlign" val="none"/>
+                  <dgm:param type="vertAlign" val="none"/>
+                </dgm:alg>
+                <dgm:shape xmlns:r="http://schemas.openxmlformats.org/officeDocument/2006/relationships" r:blip="">
+                  <dgm:adjLst/>
+                </dgm:shape>
+                <dgm:presOf/>
+                <dgm:choose name="Name7">
+                  <dgm:if name="Name8" func="var" arg="dir" op="equ" val="norm">
+                    <dgm:constrLst>
+                      <dgm:constr type="w" for="ch" forName="child1" refType="w"/>
+                      <dgm:constr type="h" for="ch" forName="child1" refType="h"/>
+                      <dgm:constr type="t" for="ch" forName="child1"/>
+                      <dgm:constr type="l" for="ch" forName="child1"/>
+                      <dgm:constr type="w" for="ch" forName="child1Text" refType="w" fact="0.7"/>
+                      <dgm:constr type="h" for="ch" forName="child1Text" refType="h" fact="0.75"/>
+                      <dgm:constr type="t" for="ch" forName="child1Text"/>
+                      <dgm:constr type="l" for="ch" forName="child1Text"/>
+                    </dgm:constrLst>
+                  </dgm:if>
+                  <dgm:else name="Name9">
+                    <dgm:constrLst>
+                      <dgm:constr type="w" for="ch" forName="child1" refType="w"/>
+                      <dgm:constr type="h" for="ch" forName="child1" refType="h"/>
+                      <dgm:constr type="t" for="ch" forName="child1"/>
+                      <dgm:constr type="r" for="ch" forName="child1" refType="w"/>
+                      <dgm:constr type="w" for="ch" forName="child1Text" refType="w" fact="0.7"/>
+                      <dgm:constr type="h" for="ch" forName="child1Text" refType="h" fact="0.75"/>
+                      <dgm:constr type="t" for="ch" forName="child1Text"/>
+                      <dgm:constr type="r" for="ch" forName="child1Text" refType="w"/>
+                    </dgm:constrLst>
+                  </dgm:else>
+                </dgm:choose>
+                <dgm:ruleLst/>
+                <dgm:layoutNode name="child1" styleLbl="bgAcc1">
+                  <dgm:alg type="sp"/>
+                  <dgm:shape xmlns:r="http://schemas.openxmlformats.org/officeDocument/2006/relationships" type="roundRect" r:blip="" zOrderOff="-2">
+                    <dgm:adjLst>
+                      <dgm:adj idx="1" val="0.1"/>
+                    </dgm:adjLst>
+                  </dgm:shape>
+                  <dgm:presOf axis="ch des" ptType="node node" st="1 1" cnt="1 0"/>
+                  <dgm:constrLst/>
+                  <dgm:ruleLst/>
+                </dgm:layoutNode>
+                <dgm:layoutNode name="child1Text" styleLbl="bgAcc1">
+                  <dgm:varLst>
+                    <dgm:bulletEnabled val="1"/>
+                  </dgm:varLst>
+                  <dgm:alg type="tx">
+                    <dgm:param type="stBulletLvl" val="1"/>
+                  </dgm:alg>
+                  <dgm:shape xmlns:r="http://schemas.openxmlformats.org/officeDocument/2006/relationships" type="roundRect" r:blip="" zOrderOff="-2" hideGeom="1">
+                    <dgm:adjLst>
+                      <dgm:adj idx="1" val="0.1"/>
+                    </dgm:adjLst>
+                  </dgm:shape>
+                  <dgm:presOf axis="ch des" ptType="node node" st="1 1" cnt="1 0"/>
+                  <dgm:constrLst>
+                    <dgm:constr type="tMarg" refType="primFontSz" fact="0.3"/>
+                    <dgm:constr type="bMarg" refType="primFontSz" fact="0.3"/>
+                    <dgm:constr type="lMarg" refType="primFontSz" fact="0.3"/>
+                    <dgm:constr type="rMarg" refType="primFontSz" fact="0.3"/>
+                  </dgm:constrLst>
+                  <dgm:ruleLst>
+                    <dgm:rule type="primFontSz" val="5" fact="NaN" max="NaN"/>
+                  </dgm:ruleLst>
+                </dgm:layoutNode>
+              </dgm:layoutNode>
+            </dgm:if>
+            <dgm:else name="Name10"/>
+          </dgm:choose>
+          <dgm:choose name="Name11">
+            <dgm:if name="Name12" axis="ch ch" ptType="node node" st="2 1" cnt="1 0" func="cnt" op="gte" val="1">
+              <dgm:layoutNode name="child2group">
+                <dgm:alg type="composite">
+                  <dgm:param type="horzAlign" val="none"/>
+                  <dgm:param type="vertAlign" val="none"/>
+                </dgm:alg>
+                <dgm:shape xmlns:r="http://schemas.openxmlformats.org/officeDocument/2006/relationships" r:blip="">
+                  <dgm:adjLst/>
+                </dgm:shape>
+                <dgm:choose name="Name13">
+                  <dgm:if name="Name14" func="var" arg="dir" op="equ" val="norm">
+                    <dgm:constrLst>
+                      <dgm:constr type="w" for="ch" forName="child2" refType="w"/>
+                      <dgm:constr type="h" for="ch" forName="child2" refType="h"/>
+                      <dgm:constr type="t" for="ch" forName="child2"/>
+                      <dgm:constr type="r" for="ch" forName="child2" refType="w"/>
+                      <dgm:constr type="w" for="ch" forName="child2Text" refType="w" fact="0.7"/>
+                      <dgm:constr type="h" for="ch" forName="child2Text" refType="h" fact="0.75"/>
+                      <dgm:constr type="t" for="ch" forName="child2Text"/>
+                      <dgm:constr type="r" for="ch" forName="child2Text" refType="w"/>
+                    </dgm:constrLst>
+                  </dgm:if>
+                  <dgm:else name="Name15">
+                    <dgm:constrLst>
+                      <dgm:constr type="w" for="ch" forName="child2" refType="w"/>
+                      <dgm:constr type="h" for="ch" forName="child2" refType="h"/>
+                      <dgm:constr type="t" for="ch" forName="child2"/>
+                      <dgm:constr type="l" for="ch" forName="child2"/>
+                      <dgm:constr type="w" for="ch" forName="child2Text" refType="w" fact="0.7"/>
+                      <dgm:constr type="h" for="ch" forName="child2Text" refType="h" fact="0.75"/>
+                      <dgm:constr type="t" for="ch" forName="child2Text"/>
+                      <dgm:constr type="l" for="ch" forName="child2Text"/>
+                    </dgm:constrLst>
+                  </dgm:else>
+                </dgm:choose>
+                <dgm:ruleLst/>
+                <dgm:layoutNode name="child2" styleLbl="bgAcc1">
+                  <dgm:alg type="sp"/>
+                  <dgm:shape xmlns:r="http://schemas.openxmlformats.org/officeDocument/2006/relationships" type="roundRect" r:blip="" zOrderOff="-2">
+                    <dgm:adjLst>
+                      <dgm:adj idx="1" val="0.1"/>
+                    </dgm:adjLst>
+                  </dgm:shape>
+                  <dgm:presOf axis="ch des" ptType="node node" st="2 1" cnt="1 0"/>
+                  <dgm:constrLst/>
+                  <dgm:ruleLst/>
+                </dgm:layoutNode>
+                <dgm:layoutNode name="child2Text" styleLbl="bgAcc1">
+                  <dgm:varLst>
+                    <dgm:bulletEnabled val="1"/>
+                  </dgm:varLst>
+                  <dgm:alg type="tx">
+                    <dgm:param type="stBulletLvl" val="1"/>
+                  </dgm:alg>
+                  <dgm:shape xmlns:r="http://schemas.openxmlformats.org/officeDocument/2006/relationships" type="roundRect" r:blip="" zOrderOff="-2" hideGeom="1">
+                    <dgm:adjLst>
+                      <dgm:adj idx="1" val="0.1"/>
+                    </dgm:adjLst>
+                  </dgm:shape>
+                  <dgm:presOf axis="ch des" ptType="node node" st="2 1" cnt="1 0"/>
+                  <dgm:constrLst>
+                    <dgm:constr type="tMarg" refType="primFontSz" fact="0.3"/>
+                    <dgm:constr type="bMarg" refType="primFontSz" fact="0.3"/>
+                    <dgm:constr type="lMarg" refType="primFontSz" fact="0.3"/>
+                    <dgm:constr type="rMarg" refType="primFontSz" fact="0.3"/>
+                  </dgm:constrLst>
+                  <dgm:ruleLst>
+                    <dgm:rule type="primFontSz" val="5" fact="NaN" max="NaN"/>
+                  </dgm:ruleLst>
+                </dgm:layoutNode>
+              </dgm:layoutNode>
+            </dgm:if>
+            <dgm:else name="Name16"/>
+          </dgm:choose>
+          <dgm:choose name="Name17">
+            <dgm:if name="Name18" axis="ch ch" ptType="node node" st="3 1" cnt="1 0" func="cnt" op="gte" val="1">
+              <dgm:layoutNode name="child3group">
+                <dgm:alg type="composite">
+                  <dgm:param type="horzAlign" val="none"/>
+                  <dgm:param type="vertAlign" val="none"/>
+                </dgm:alg>
+                <dgm:shape xmlns:r="http://schemas.openxmlformats.org/officeDocument/2006/relationships" r:blip="">
+                  <dgm:adjLst/>
+                </dgm:shape>
+                <dgm:presOf/>
+                <dgm:choose name="Name19">
+                  <dgm:if name="Name20" func="var" arg="dir" op="equ" val="norm">
+                    <dgm:constrLst>
+                      <dgm:constr type="w" for="ch" forName="child3" refType="w"/>
+                      <dgm:constr type="h" for="ch" forName="child3" refType="h"/>
+                      <dgm:constr type="b" for="ch" forName="child3" refType="h"/>
+                      <dgm:constr type="r" for="ch" forName="child3" refType="w"/>
+                      <dgm:constr type="w" for="ch" forName="child3Text" refType="w" fact="0.7"/>
+                      <dgm:constr type="h" for="ch" forName="child3Text" refType="h" fact="0.75"/>
+                      <dgm:constr type="b" for="ch" forName="child3Text" refType="h"/>
+                      <dgm:constr type="r" for="ch" forName="child3Text" refType="w"/>
+                    </dgm:constrLst>
+                  </dgm:if>
+                  <dgm:else name="Name21">
+                    <dgm:constrLst>
+                      <dgm:constr type="w" for="ch" forName="child3" refType="w"/>
+                      <dgm:constr type="h" for="ch" forName="child3" refType="h"/>
+                      <dgm:constr type="b" for="ch" forName="child3" refType="h"/>
+                      <dgm:constr type="l" for="ch" forName="child3"/>
+                      <dgm:constr type="w" for="ch" forName="child3Text" refType="w" fact="0.7"/>
+                      <dgm:constr type="h" for="ch" forName="child3Text" refType="h" fact="0.75"/>
+                      <dgm:constr type="b" for="ch" forName="child3Text" refType="h"/>
+                      <dgm:constr type="l" for="ch" forName="child3Text"/>
+                    </dgm:constrLst>
+                  </dgm:else>
+                </dgm:choose>
+                <dgm:ruleLst/>
+                <dgm:layoutNode name="child3" styleLbl="bgAcc1">
+                  <dgm:alg type="sp"/>
+                  <dgm:shape xmlns:r="http://schemas.openxmlformats.org/officeDocument/2006/relationships" type="roundRect" r:blip="" zOrderOff="-4">
+                    <dgm:adjLst>
+                      <dgm:adj idx="1" val="0.1"/>
+                    </dgm:adjLst>
+                  </dgm:shape>
+                  <dgm:presOf axis="ch des" ptType="node node" st="3 1" cnt="1 0"/>
+                  <dgm:constrLst/>
+                  <dgm:ruleLst/>
+                </dgm:layoutNode>
+                <dgm:layoutNode name="child3Text" styleLbl="bgAcc1">
+                  <dgm:varLst>
+                    <dgm:bulletEnabled val="1"/>
+                  </dgm:varLst>
+                  <dgm:alg type="tx">
+                    <dgm:param type="stBulletLvl" val="1"/>
+                  </dgm:alg>
+                  <dgm:shape xmlns:r="http://schemas.openxmlformats.org/officeDocument/2006/relationships" type="roundRect" r:blip="" zOrderOff="-4" hideGeom="1">
+                    <dgm:adjLst>
+                      <dgm:adj idx="1" val="0.1"/>
+                    </dgm:adjLst>
+                  </dgm:shape>
+                  <dgm:presOf axis="ch des" ptType="node node" st="3 1" cnt="1 0"/>
+                  <dgm:constrLst>
+                    <dgm:constr type="tMarg" refType="primFontSz" fact="0.3"/>
+                    <dgm:constr type="bMarg" refType="primFontSz" fact="0.3"/>
+                    <dgm:constr type="lMarg" refType="primFontSz" fact="0.3"/>
+                    <dgm:constr type="rMarg" refType="primFontSz" fact="0.3"/>
+                  </dgm:constrLst>
+                  <dgm:ruleLst>
+                    <dgm:rule type="primFontSz" val="5" fact="NaN" max="NaN"/>
+                  </dgm:ruleLst>
+                </dgm:layoutNode>
+              </dgm:layoutNode>
+            </dgm:if>
+            <dgm:else name="Name22"/>
+          </dgm:choose>
+          <dgm:choose name="Name23">
+            <dgm:if name="Name24" axis="ch ch" ptType="node node" st="4 1" cnt="1 0" func="cnt" op="gte" val="1">
+              <dgm:layoutNode name="child4group">
+                <dgm:alg type="composite">
+                  <dgm:param type="horzAlign" val="none"/>
+                  <dgm:param type="vertAlign" val="none"/>
+                </dgm:alg>
+                <dgm:shape xmlns:r="http://schemas.openxmlformats.org/officeDocument/2006/relationships" r:blip="">
+                  <dgm:adjLst/>
+                </dgm:shape>
+                <dgm:presOf/>
+                <dgm:choose name="Name25">
+                  <dgm:if name="Name26" func="var" arg="dir" op="equ" val="norm">
+                    <dgm:constrLst>
+                      <dgm:constr type="w" for="ch" forName="child4" refType="w"/>
+                      <dgm:constr type="h" for="ch" forName="child4" refType="h"/>
+                      <dgm:constr type="b" for="ch" forName="child4" refType="h"/>
+                      <dgm:constr type="l" for="ch" forName="child4"/>
+                      <dgm:constr type="w" for="ch" forName="child4Text" refType="w" fact="0.7"/>
+                      <dgm:constr type="h" for="ch" forName="child4Text" refType="h" fact="0.75"/>
+                      <dgm:constr type="b" for="ch" forName="child4Text" refType="h"/>
+                      <dgm:constr type="l" for="ch" forName="child4Text"/>
+                    </dgm:constrLst>
+                  </dgm:if>
+                  <dgm:else name="Name27">
+                    <dgm:constrLst>
+                      <dgm:constr type="w" for="ch" forName="child4" refType="w"/>
+                      <dgm:constr type="h" for="ch" forName="child4" refType="h"/>
+                      <dgm:constr type="b" for="ch" forName="child4" refType="h"/>
+                      <dgm:constr type="r" for="ch" forName="child4" refType="w"/>
+                      <dgm:constr type="w" for="ch" forName="child4Text" refType="w" fact="0.7"/>
+                      <dgm:constr type="h" for="ch" forName="child4Text" refType="h" fact="0.75"/>
+                      <dgm:constr type="b" for="ch" forName="child4Text" refType="h"/>
+                      <dgm:constr type="r" for="ch" forName="child4Text" refType="w"/>
+                    </dgm:constrLst>
+                  </dgm:else>
+                </dgm:choose>
+                <dgm:ruleLst/>
+                <dgm:layoutNode name="child4" styleLbl="bgAcc1">
+                  <dgm:alg type="sp"/>
+                  <dgm:shape xmlns:r="http://schemas.openxmlformats.org/officeDocument/2006/relationships" type="roundRect" r:blip="" zOrderOff="-4">
+                    <dgm:adjLst>
+                      <dgm:adj idx="1" val="0.1"/>
+                    </dgm:adjLst>
+                  </dgm:shape>
+                  <dgm:presOf axis="ch des" ptType="node node" st="4 1" cnt="1 0"/>
+                  <dgm:constrLst/>
+                  <dgm:ruleLst/>
+                </dgm:layoutNode>
+                <dgm:layoutNode name="child4Text" styleLbl="bgAcc1">
+                  <dgm:varLst>
+                    <dgm:bulletEnabled val="1"/>
+                  </dgm:varLst>
+                  <dgm:alg type="tx">
+                    <dgm:param type="stBulletLvl" val="1"/>
+                  </dgm:alg>
+                  <dgm:shape xmlns:r="http://schemas.openxmlformats.org/officeDocument/2006/relationships" type="roundRect" r:blip="" zOrderOff="-4" hideGeom="1">
+                    <dgm:adjLst>
+                      <dgm:adj idx="1" val="0.1"/>
+                    </dgm:adjLst>
+                  </dgm:shape>
+                  <dgm:presOf axis="ch des" ptType="node node" st="4 1" cnt="1 0"/>
+                  <dgm:constrLst>
+                    <dgm:constr type="tMarg" refType="primFontSz" fact="0.3"/>
+                    <dgm:constr type="bMarg" refType="primFontSz" fact="0.3"/>
+                    <dgm:constr type="lMarg" refType="primFontSz" fact="0.3"/>
+                    <dgm:constr type="rMarg" refType="primFontSz" fact="0.3"/>
+                  </dgm:constrLst>
+                  <dgm:ruleLst>
+                    <dgm:rule type="primFontSz" val="5" fact="NaN" max="NaN"/>
+                  </dgm:ruleLst>
+                </dgm:layoutNode>
+              </dgm:layoutNode>
+            </dgm:if>
+            <dgm:else name="Name28"/>
+          </dgm:choose>
+          <dgm:layoutNode name="childPlaceholder">
+            <dgm:alg type="sp"/>
+            <dgm:shape xmlns:r="http://schemas.openxmlformats.org/officeDocument/2006/relationships" r:blip="">
+              <dgm:adjLst/>
+            </dgm:shape>
+            <dgm:presOf/>
+            <dgm:constrLst/>
+            <dgm:ruleLst/>
+          </dgm:layoutNode>
+        </dgm:layoutNode>
+        <dgm:layoutNode name="circle">
+          <dgm:alg type="composite">
+            <dgm:param type="ar" val="1"/>
+          </dgm:alg>
+          <dgm:shape xmlns:r="http://schemas.openxmlformats.org/officeDocument/2006/relationships" r:blip="">
+            <dgm:adjLst/>
+          </dgm:shape>
+          <dgm:presOf/>
+          <dgm:choose name="Name29">
+            <dgm:if name="Name30" func="var" arg="dir" op="equ" val="norm">
+              <dgm:constrLst>
+                <dgm:constr type="primFontSz" for="ch" ptType="node" op="equ" val="65"/>
+                <dgm:constr type="w" for="ch" forName="quadrant1" refType="w" fact="0.433"/>
+                <dgm:constr type="h" for="ch" forName="quadrant1" refType="h" fact="0.433"/>
+                <dgm:constr type="b" for="ch" forName="quadrant1" refType="h" fact="0.5"/>
+                <dgm:constr type="bOff" for="ch" forName="quadrant1" refType="h" fact="-0.01"/>
+                <dgm:constr type="r" for="ch" forName="quadrant1" refType="w" fact="0.5"/>
+                <dgm:constr type="rOff" for="ch" forName="quadrant1" refType="w" fact="-0.01"/>
+                <dgm:constr type="w" for="ch" forName="quadrant2" refType="w" fact="0.433"/>
+                <dgm:constr type="h" for="ch" forName="quadrant2" refType="h" fact="0.433"/>
+                <dgm:constr type="b" for="ch" forName="quadrant2" refType="h" fact="0.5"/>
+                <dgm:constr type="bOff" for="ch" forName="quadrant2" refType="h" fact="-0.01"/>
+                <dgm:constr type="l" for="ch" forName="quadrant2" refType="w" fact="0.5"/>
+                <dgm:constr type="lOff" for="ch" forName="quadrant2" refType="w" fact="0.01"/>
+                <dgm:constr type="w" for="ch" forName="quadrant3" refType="w" fact="0.433"/>
+                <dgm:constr type="h" for="ch" forName="quadrant3" refType="h" fact="0.433"/>
+                <dgm:constr type="t" for="ch" forName="quadrant3" refType="h" fact="0.5"/>
+                <dgm:constr type="tOff" for="ch" forName="quadrant3" refType="h" fact="0.01"/>
+                <dgm:constr type="l" for="ch" forName="quadrant3" refType="w" fact="0.5"/>
+                <dgm:constr type="lOff" for="ch" forName="quadrant3" refType="w" fact="0.01"/>
+                <dgm:constr type="w" for="ch" forName="quadrant4" refType="w" fact="0.433"/>
+                <dgm:constr type="h" for="ch" forName="quadrant4" refType="h" fact="0.433"/>
+                <dgm:constr type="t" for="ch" forName="quadrant4" refType="h" fact="0.5"/>
+                <dgm:constr type="tOff" for="ch" forName="quadrant4" refType="h" fact="0.01"/>
+                <dgm:constr type="r" for="ch" forName="quadrant4" refType="w" fact="0.5"/>
+                <dgm:constr type="rOff" for="ch" forName="quadrant4" refType="w" fact="-0.01"/>
+              </dgm:constrLst>
+            </dgm:if>
+            <dgm:else name="Name31">
+              <dgm:constrLst>
+                <dgm:constr type="primFontSz" for="ch" ptType="node" op="equ" val="65"/>
+                <dgm:constr type="w" for="ch" forName="quadrant1" refType="w" fact="0.433"/>
+                <dgm:constr type="h" for="ch" forName="quadrant1" refType="h" fact="0.433"/>
+                <dgm:constr type="b" for="ch" forName="quadrant1" refType="h" fact="0.5"/>
+                <dgm:constr type="bOff" for="ch" forName="quadrant1" refType="h" fact="-0.01"/>
+                <dgm:constr type="l" for="ch" forName="quadrant1" refType="w" fact="0.5"/>
+                <dgm:constr type="lOff" for="ch" forName="quadrant1" refType="w" fact="0.01"/>
+                <dgm:constr type="w" for="ch" forName="quadrant2" refType="w" fact="0.433"/>
+                <dgm:constr type="h" for="ch" forName="quadrant2" refType="h" fact="0.433"/>
+                <dgm:constr type="b" for="ch" forName="quadrant2" refType="h" fact="0.5"/>
+                <dgm:constr type="bOff" for="ch" forName="quadrant2" refType="h" fact="-0.01"/>
+                <dgm:constr type="r" for="ch" forName="quadrant2" refType="w" fact="0.5"/>
+                <dgm:constr type="rOff" for="ch" forName="quadrant2" refType="w" fact="-0.01"/>
+                <dgm:constr type="w" for="ch" forName="quadrant3" refType="w" fact="0.433"/>
+                <dgm:constr type="h" for="ch" forName="quadrant3" refType="h" fact="0.433"/>
+                <dgm:constr type="t" for="ch" forName="quadrant3" refType="h" fact="0.5"/>
+                <dgm:constr type="tOff" for="ch" forName="quadrant3" refType="h" fact="0.01"/>
+                <dgm:constr type="r" for="ch" forName="quadrant3" refType="w" fact="0.5"/>
+                <dgm:constr type="rOff" for="ch" forName="quadrant3" refType="w" fact="-0.01"/>
+                <dgm:constr type="w" for="ch" forName="quadrant4" refType="w" fact="0.433"/>
+                <dgm:constr type="h" for="ch" forName="quadrant4" refType="h" fact="0.433"/>
+                <dgm:constr type="t" for="ch" forName="quadrant4" refType="h" fact="0.5"/>
+                <dgm:constr type="tOff" for="ch" forName="quadrant4" refType="h" fact="0.01"/>
+                <dgm:constr type="l" for="ch" forName="quadrant4" refType="w" fact="0.5"/>
+                <dgm:constr type="lOff" for="ch" forName="quadrant4" refType="w" fact="0.01"/>
+              </dgm:constrLst>
+            </dgm:else>
+          </dgm:choose>
+          <dgm:ruleLst/>
+          <dgm:layoutNode name="quadrant1" styleLbl="node1">
+            <dgm:varLst>
+              <dgm:chMax val="1"/>
+              <dgm:bulletEnabled val="1"/>
+            </dgm:varLst>
+            <dgm:alg type="tx"/>
+            <dgm:choose name="Name32">
+              <dgm:if name="Name33" func="var" arg="dir" op="equ" val="norm">
+                <dgm:shape xmlns:r="http://schemas.openxmlformats.org/officeDocument/2006/relationships" type="pieWedge" r:blip="">
+                  <dgm:adjLst/>
+                </dgm:shape>
+              </dgm:if>
+              <dgm:else name="Name34">
+                <dgm:shape xmlns:r="http://schemas.openxmlformats.org/officeDocument/2006/relationships" rot="90" type="pieWedge" r:blip="">
+                  <dgm:adjLst/>
+                </dgm:shape>
+              </dgm:else>
+            </dgm:choose>
+            <dgm:presOf axis="ch" ptType="node" cnt="1"/>
+            <dgm:constrLst/>
+            <dgm:ruleLst>
+              <dgm:rule type="primFontSz" val="5" fact="NaN" max="NaN"/>
+            </dgm:ruleLst>
+          </dgm:layoutNode>
+          <dgm:layoutNode name="quadrant2" styleLbl="node1">
+            <dgm:varLst>
+              <dgm:chMax val="1"/>
+              <dgm:bulletEnabled val="1"/>
+            </dgm:varLst>
+            <dgm:alg type="tx"/>
+            <dgm:choose name="Name35">
+              <dgm:if name="Name36" func="var" arg="dir" op="equ" val="norm">
+                <dgm:shape xmlns:r="http://schemas.openxmlformats.org/officeDocument/2006/relationships" rot="90" type="pieWedge" r:blip="">
+                  <dgm:adjLst/>
+                </dgm:shape>
+              </dgm:if>
+              <dgm:else name="Name37">
+                <dgm:shape xmlns:r="http://schemas.openxmlformats.org/officeDocument/2006/relationships" type="pieWedge" r:blip="">
+                  <dgm:adjLst/>
+                </dgm:shape>
+              </dgm:else>
+            </dgm:choose>
+            <dgm:presOf axis="ch" ptType="node" st="2" cnt="1"/>
+            <dgm:constrLst/>
+            <dgm:ruleLst>
+              <dgm:rule type="primFontSz" val="5" fact="NaN" max="NaN"/>
+            </dgm:ruleLst>
+          </dgm:layoutNode>
+          <dgm:layoutNode name="quadrant3" styleLbl="node1">
+            <dgm:varLst>
+              <dgm:chMax val="1"/>
+              <dgm:bulletEnabled val="1"/>
+            </dgm:varLst>
+            <dgm:alg type="tx"/>
+            <dgm:choose name="Name38">
+              <dgm:if name="Name39" func="var" arg="dir" op="equ" val="norm">
+                <dgm:shape xmlns:r="http://schemas.openxmlformats.org/officeDocument/2006/relationships" rot="180" type="pieWedge" r:blip="">
+                  <dgm:adjLst/>
+                </dgm:shape>
+              </dgm:if>
+              <dgm:else name="Name40">
+                <dgm:shape xmlns:r="http://schemas.openxmlformats.org/officeDocument/2006/relationships" rot="270" type="pieWedge" r:blip="">
+                  <dgm:adjLst/>
+                </dgm:shape>
+              </dgm:else>
+            </dgm:choose>
+            <dgm:presOf axis="ch" ptType="node" st="3" cnt="1"/>
+            <dgm:constrLst/>
+            <dgm:ruleLst>
+              <dgm:rule type="primFontSz" val="5" fact="NaN" max="NaN"/>
+            </dgm:ruleLst>
+          </dgm:layoutNode>
+          <dgm:layoutNode name="quadrant4" styleLbl="node1">
+            <dgm:varLst>
+              <dgm:chMax val="1"/>
+              <dgm:bulletEnabled val="1"/>
+            </dgm:varLst>
+            <dgm:alg type="tx"/>
+            <dgm:choose name="Name41">
+              <dgm:if name="Name42" func="var" arg="dir" op="equ" val="norm">
+                <dgm:shape xmlns:r="http://schemas.openxmlformats.org/officeDocument/2006/relationships" rot="270" type="pieWedge" r:blip="">
+                  <dgm:adjLst/>
+                </dgm:shape>
+              </dgm:if>
+              <dgm:else name="Name43">
+                <dgm:shape xmlns:r="http://schemas.openxmlformats.org/officeDocument/2006/relationships" rot="180" type="pieWedge" r:blip="">
+                  <dgm:adjLst/>
+                </dgm:shape>
+              </dgm:else>
+            </dgm:choose>
+            <dgm:presOf axis="ch" ptType="node" st="4" cnt="1"/>
+            <dgm:constrLst/>
+            <dgm:ruleLst>
+              <dgm:rule type="primFontSz" val="5" fact="NaN" max="NaN"/>
+            </dgm:ruleLst>
+          </dgm:layoutNode>
+          <dgm:layoutNode name="quadrantPlaceholder">
+            <dgm:alg type="sp"/>
+            <dgm:shape xmlns:r="http://schemas.openxmlformats.org/officeDocument/2006/relationships" r:blip="">
+              <dgm:adjLst/>
+            </dgm:shape>
+            <dgm:presOf/>
+            <dgm:constrLst/>
+            <dgm:ruleLst/>
+          </dgm:layoutNode>
+        </dgm:layoutNode>
+        <dgm:layoutNode name="center1" styleLbl="fgShp">
+          <dgm:alg type="sp"/>
+          <dgm:choose name="Name44">
+            <dgm:if name="Name45" func="var" arg="dir" op="equ" val="norm">
+              <dgm:shape xmlns:r="http://schemas.openxmlformats.org/officeDocument/2006/relationships" type="circularArrow" r:blip="" zOrderOff="16">
+                <dgm:adjLst/>
+              </dgm:shape>
+            </dgm:if>
+            <dgm:else name="Name46">
+              <dgm:shape xmlns:r="http://schemas.openxmlformats.org/officeDocument/2006/relationships" rot="180" type="leftCircularArrow" r:blip="" zOrderOff="16">
+                <dgm:adjLst/>
+              </dgm:shape>
+            </dgm:else>
+          </dgm:choose>
+          <dgm:presOf/>
+          <dgm:constrLst/>
+          <dgm:ruleLst/>
+        </dgm:layoutNode>
+        <dgm:layoutNode name="center2" styleLbl="fgShp">
+          <dgm:alg type="sp"/>
+          <dgm:choose name="Name47">
+            <dgm:if name="Name48" func="var" arg="dir" op="equ" val="norm">
+              <dgm:shape xmlns:r="http://schemas.openxmlformats.org/officeDocument/2006/relationships" rot="180" type="circularArrow" r:blip="" zOrderOff="16">
+                <dgm:adjLst/>
+              </dgm:shape>
+            </dgm:if>
+            <dgm:else name="Name49">
+              <dgm:shape xmlns:r="http://schemas.openxmlformats.org/officeDocument/2006/relationships" type="leftCircularArrow" r:blip="" zOrderOff="16">
+                <dgm:adjLst/>
+              </dgm:shape>
+            </dgm:else>
+          </dgm:choose>
+          <dgm:presOf/>
+          <dgm:constrLst/>
+          <dgm:ruleLst/>
+        </dgm:layoutNode>
+      </dgm:if>
+      <dgm:else name="Name50"/>
+    </dgm:choose>
+  </dgm:layoutNode>
+</dgm:layoutDef>
+</file>
+
+<file path=ppt/diagrams/quickStyle1.xml><?xml version="1.0" encoding="utf-8"?>
+<dgm:styleDef xmlns:dgm="http://schemas.openxmlformats.org/drawingml/2006/diagram" xmlns:a="http://schemas.openxmlformats.org/drawingml/2006/main" uniqueId="urn:microsoft.com/office/officeart/2005/8/quickstyle/simple1">
+  <dgm:title val=""/>
+  <dgm:desc val=""/>
+  <dgm:catLst>
+    <dgm:cat type="simple" pri="10100"/>
+  </dgm:catLst>
+  <dgm:scene3d>
+    <a:camera prst="orthographicFront"/>
+    <a:lightRig rig="threePt" dir="t"/>
+  </dgm:scene3d>
+  <dgm:styleLbl name="node0">
+    <dgm:scene3d>
+      <a:camera prst="orthographicFront"/>
+      <a:lightRig rig="threePt" dir="t"/>
+    </dgm:scene3d>
+    <dgm:sp3d/>
+    <dgm:txPr/>
+    <dgm:style>
+      <a:lnRef idx="2">
+        <a:scrgbClr r="0" g="0" b="0"/>
+      </a:lnRef>
+      <a:fillRef idx="1">
+        <a:scrgbClr r="0" g="0" b="0"/>
+      </a:fillRef>
+      <a:effectRef idx="0">
+        <a:scrgbClr r="0" g="0" b="0"/>
+      </a:effectRef>
+      <a:fontRef idx="minor">
+        <a:schemeClr val="lt1"/>
+      </a:fontRef>
+    </dgm:style>
+  </dgm:styleLbl>
+  <dgm:styleLbl name="lnNode1">
+    <dgm:scene3d>
+      <a:camera prst="orthographicFront"/>
+      <a:lightRig rig="threePt" dir="t"/>
+    </dgm:scene3d>
+    <dgm:sp3d/>
+    <dgm:txPr/>
+    <dgm:style>
+      <a:lnRef idx="2">
+        <a:scrgbClr r="0" g="0" b="0"/>
+      </a:lnRef>
+      <a:fillRef idx="1">
+        <a:scrgbClr r="0" g="0" b="0"/>
+      </a:fillRef>
+      <a:effectRef idx="0">
+        <a:scrgbClr r="0" g="0" b="0"/>
+      </a:effectRef>
+      <a:fontRef idx="minor">
+        <a:schemeClr val="lt1"/>
+      </a:fontRef>
+    </dgm:style>
+  </dgm:styleLbl>
+  <dgm:styleLbl name="vennNode1">
+    <dgm:scene3d>
+      <a:camera prst="orthographicFront"/>
+      <a:lightRig rig="threePt" dir="t"/>
+    </dgm:scene3d>
+    <dgm:sp3d/>
+    <dgm:txPr/>
+    <dgm:style>
+      <a:lnRef idx="2">
+        <a:scrgbClr r="0" g="0" b="0"/>
+      </a:lnRef>
+      <a:fillRef idx="1">
+        <a:scrgbClr r="0" g="0" b="0"/>
+      </a:fillRef>
+      <a:effectRef idx="0">
+        <a:scrgbClr r="0" g="0" b="0"/>
+      </a:effectRef>
+      <a:fontRef idx="minor">
+        <a:schemeClr val="tx1"/>
+      </a:fontRef>
+    </dgm:style>
+  </dgm:styleLbl>
+  <dgm:styleLbl name="alignNode1">
+    <dgm:scene3d>
+      <a:camera prst="orthographicFront"/>
+      <a:lightRig rig="threePt" dir="t"/>
+    </dgm:scene3d>
+    <dgm:sp3d/>
+    <dgm:txPr/>
+    <dgm:style>
+      <a:lnRef idx="2">
+        <a:scrgbClr r="0" g="0" b="0"/>
+      </a:lnRef>
+      <a:fillRef idx="1">
+        <a:scrgbClr r="0" g="0" b="0"/>
+      </a:fillRef>
+      <a:effectRef idx="0">
+        <a:scrgbClr r="0" g="0" b="0"/>
+      </a:effectRef>
+      <a:fontRef idx="minor">
+        <a:schemeClr val="lt1"/>
+      </a:fontRef>
+    </dgm:style>
+  </dgm:styleLbl>
+  <dgm:styleLbl name="node1">
+    <dgm:scene3d>
+      <a:camera prst="orthographicFront"/>
+      <a:lightRig rig="threePt" dir="t"/>
+    </dgm:scene3d>
+    <dgm:sp3d/>
+    <dgm:txPr/>
+    <dgm:style>
+      <a:lnRef idx="2">
+        <a:scrgbClr r="0" g="0" b="0"/>
+      </a:lnRef>
+      <a:fillRef idx="1">
+        <a:scrgbClr r="0" g="0" b="0"/>
+      </a:fillRef>
+      <a:effectRef idx="0">
+        <a:scrgbClr r="0" g="0" b="0"/>
+      </a:effectRef>
+      <a:fontRef idx="minor">
+        <a:schemeClr val="lt1"/>
+      </a:fontRef>
+    </dgm:style>
+  </dgm:styleLbl>
+  <dgm:styleLbl name="node2">
+    <dgm:scene3d>
+      <a:camera prst="orthographicFront"/>
+      <a:lightRig rig="threePt" dir="t"/>
+    </dgm:scene3d>
+    <dgm:sp3d/>
+    <dgm:txPr/>
+    <dgm:style>
+      <a:lnRef idx="2">
+        <a:scrgbClr r="0" g="0" b="0"/>
+      </a:lnRef>
+      <a:fillRef idx="1">
+        <a:scrgbClr r="0" g="0" b="0"/>
+      </a:fillRef>
+      <a:effectRef idx="0">
+        <a:scrgbClr r="0" g="0" b="0"/>
+      </a:effectRef>
+      <a:fontRef idx="minor">
+        <a:schemeClr val="lt1"/>
+      </a:fontRef>
+    </dgm:style>
+  </dgm:styleLbl>
+  <dgm:styleLbl name="node3">
+    <dgm:scene3d>
+      <a:camera prst="orthographicFront"/>
+      <a:lightRig rig="threePt" dir="t"/>
+    </dgm:scene3d>
+    <dgm:sp3d/>
+    <dgm:txPr/>
+    <dgm:style>
+      <a:lnRef idx="2">
+        <a:scrgbClr r="0" g="0" b="0"/>
+      </a:lnRef>
+      <a:fillRef idx="1">
+        <a:scrgbClr r="0" g="0" b="0"/>
+      </a:fillRef>
+      <a:effectRef idx="0">
+        <a:scrgbClr r="0" g="0" b="0"/>
+      </a:effectRef>
+      <a:fontRef idx="minor">
+        <a:schemeClr val="lt1"/>
+      </a:fontRef>
+    </dgm:style>
+  </dgm:styleLbl>
+  <dgm:styleLbl name="node4">
+    <dgm:scene3d>
+      <a:camera prst="orthographicFront"/>
+      <a:lightRig rig="threePt" dir="t"/>
+    </dgm:scene3d>
+    <dgm:sp3d/>
+    <dgm:txPr/>
+    <dgm:style>
+      <a:lnRef idx="2">
+        <a:scrgbClr r="0" g="0" b="0"/>
+      </a:lnRef>
+      <a:fillRef idx="1">
+        <a:scrgbClr r="0" g="0" b="0"/>
+      </a:fillRef>
+      <a:effectRef idx="0">
+        <a:scrgbClr r="0" g="0" b="0"/>
+      </a:effectRef>
+      <a:fontRef idx="minor">
+        <a:schemeClr val="lt1"/>
+      </a:fontRef>
+    </dgm:style>
+  </dgm:styleLbl>
+  <dgm:styleLbl name="fgImgPlace1">
+    <dgm:scene3d>
+      <a:camera prst="orthographicFront"/>
+      <a:lightRig rig="threePt" dir="t"/>
+    </dgm:scene3d>
+    <dgm:sp3d/>
+    <dgm:txPr/>
+    <dgm:style>
+      <a:lnRef idx="2">
+        <a:scrgbClr r="0" g="0" b="0"/>
+      </a:lnRef>
+      <a:fillRef idx="1">
+        <a:scrgbClr r="0" g="0" b="0"/>
+      </a:fillRef>
+      <a:effectRef idx="0">
+        <a:scrgbClr r="0" g="0" b="0"/>
+      </a:effectRef>
+      <a:fontRef idx="minor"/>
+    </dgm:style>
+  </dgm:styleLbl>
+  <dgm:styleLbl name="alignImgPlace1">
+    <dgm:scene3d>
+      <a:camera prst="orthographicFront"/>
+      <a:lightRig rig="threePt" dir="t"/>
+    </dgm:scene3d>
+    <dgm:sp3d/>
+    <dgm:txPr/>
+    <dgm:style>
+      <a:lnRef idx="2">
+        <a:scrgbClr r="0" g="0" b="0"/>
+      </a:lnRef>
+      <a:fillRef idx="1">
+        <a:scrgbClr r="0" g="0" b="0"/>
+      </a:fillRef>
+      <a:effectRef idx="0">
+        <a:scrgbClr r="0" g="0" b="0"/>
+      </a:effectRef>
+      <a:fontRef idx="minor"/>
+    </dgm:style>
+  </dgm:styleLbl>
+  <dgm:styleLbl name="bgImgPlace1">
+    <dgm:scene3d>
+      <a:camera prst="orthographicFront"/>
+      <a:lightRig rig="threePt" dir="t"/>
+    </dgm:scene3d>
+    <dgm:sp3d/>
+    <dgm:txPr/>
+    <dgm:style>
+      <a:lnRef idx="2">
+        <a:scrgbClr r="0" g="0" b="0"/>
+      </a:lnRef>
+      <a:fillRef idx="1">
+        <a:scrgbClr r="0" g="0" b="0"/>
+      </a:fillRef>
+      <a:effectRef idx="0">
+        <a:scrgbClr r="0" g="0" b="0"/>
+      </a:effectRef>
+      <a:fontRef idx="minor"/>
+    </dgm:style>
+  </dgm:styleLbl>
+  <dgm:styleLbl name="sibTrans2D1">
+    <dgm:scene3d>
+      <a:camera prst="orthographicFront"/>
+      <a:lightRig rig="threePt" dir="t"/>
+    </dgm:scene3d>
+    <dgm:sp3d/>
+    <dgm:txPr/>
+    <dgm:style>
+      <a:lnRef idx="0">
+        <a:scrgbClr r="0" g="0" b="0"/>
+      </a:lnRef>
+      <a:fillRef idx="1">
+        <a:scrgbClr r="0" g="0" b="0"/>
+      </a:fillRef>
+      <a:effectRef idx="0">
+        <a:scrgbClr r="0" g="0" b="0"/>
+      </a:effectRef>
+      <a:fontRef idx="minor">
+        <a:schemeClr val="lt1"/>
+      </a:fontRef>
+    </dgm:style>
+  </dgm:styleLbl>
+  <dgm:styleLbl name="fgSibTrans2D1">
+    <dgm:scene3d>
+      <a:camera prst="orthographicFront"/>
+      <a:lightRig rig="threePt" dir="t"/>
+    </dgm:scene3d>
+    <dgm:sp3d/>
+    <dgm:txPr/>
+    <dgm:style>
+      <a:lnRef idx="0">
+        <a:scrgbClr r="0" g="0" b="0"/>
+      </a:lnRef>
+      <a:fillRef idx="1">
+        <a:scrgbClr r="0" g="0" b="0"/>
+      </a:fillRef>
+      <a:effectRef idx="0">
+        <a:scrgbClr r="0" g="0" b="0"/>
+      </a:effectRef>
+      <a:fontRef idx="minor">
+        <a:schemeClr val="lt1"/>
+      </a:fontRef>
+    </dgm:style>
+  </dgm:styleLbl>
+  <dgm:styleLbl name="bgSibTrans2D1">
+    <dgm:scene3d>
+      <a:camera prst="orthographicFront"/>
+      <a:lightRig rig="threePt" dir="t"/>
+    </dgm:scene3d>
+    <dgm:sp3d/>
+    <dgm:txPr/>
+    <dgm:style>
+      <a:lnRef idx="0">
+        <a:scrgbClr r="0" g="0" b="0"/>
+      </a:lnRef>
+      <a:fillRef idx="1">
+        <a:scrgbClr r="0" g="0" b="0"/>
+      </a:fillRef>
+      <a:effectRef idx="0">
+        <a:scrgbClr r="0" g="0" b="0"/>
+      </a:effectRef>
+      <a:fontRef idx="minor">
+        <a:schemeClr val="lt1"/>
+      </a:fontRef>
+    </dgm:style>
+  </dgm:styleLbl>
+  <dgm:styleLbl name="sibTrans1D1">
+    <dgm:scene3d>
+      <a:camera prst="orthographicFront"/>
+      <a:lightRig rig="threePt" dir="t"/>
+    </dgm:scene3d>
+    <dgm:sp3d/>
+    <dgm:txPr/>
+    <dgm:style>
+      <a:lnRef idx="1">
+        <a:scrgbClr r="0" g="0" b="0"/>
+      </a:lnRef>
+      <a:fillRef idx="0">
+        <a:scrgbClr r="0" g="0" b="0"/>
+      </a:fillRef>
+      <a:effectRef idx="0">
+        <a:scrgbClr r="0" g="0" b="0"/>
+      </a:effectRef>
+      <a:fontRef idx="minor"/>
+    </dgm:style>
+  </dgm:styleLbl>
+  <dgm:styleLbl name="callout">
+    <dgm:scene3d>
+      <a:camera prst="orthographicFront"/>
+      <a:lightRig rig="threePt" dir="t"/>
+    </dgm:scene3d>
+    <dgm:sp3d/>
+    <dgm:txPr/>
+    <dgm:style>
+      <a:lnRef idx="2">
+        <a:scrgbClr r="0" g="0" b="0"/>
+      </a:lnRef>
+      <a:fillRef idx="1">
+        <a:scrgbClr r="0" g="0" b="0"/>
+      </a:fillRef>
+      <a:effectRef idx="0">
+        <a:scrgbClr r="0" g="0" b="0"/>
+      </a:effectRef>
+      <a:fontRef idx="minor"/>
+    </dgm:style>
+  </dgm:styleLbl>
+  <dgm:styleLbl name="asst0">
+    <dgm:scene3d>
+      <a:camera prst="orthographicFront"/>
+      <a:lightRig rig="threePt" dir="t"/>
+    </dgm:scene3d>
+    <dgm:sp3d/>
+    <dgm:txPr/>
+    <dgm:style>
+      <a:lnRef idx="2">
+        <a:scrgbClr r="0" g="0" b="0"/>
+      </a:lnRef>
+      <a:fillRef idx="1">
+        <a:scrgbClr r="0" g="0" b="0"/>
+      </a:fillRef>
+      <a:effectRef idx="0">
+        <a:scrgbClr r="0" g="0" b="0"/>
+      </a:effectRef>
+      <a:fontRef idx="minor">
+        <a:schemeClr val="lt1"/>
+      </a:fontRef>
+    </dgm:style>
+  </dgm:styleLbl>
+  <dgm:styleLbl name="asst1">
+    <dgm:scene3d>
+      <a:camera prst="orthographicFront"/>
+      <a:lightRig rig="threePt" dir="t"/>
+    </dgm:scene3d>
+    <dgm:sp3d/>
+    <dgm:txPr/>
+    <dgm:style>
+      <a:lnRef idx="2">
+        <a:scrgbClr r="0" g="0" b="0"/>
+      </a:lnRef>
+      <a:fillRef idx="1">
+        <a:scrgbClr r="0" g="0" b="0"/>
+      </a:fillRef>
+      <a:effectRef idx="0">
+        <a:scrgbClr r="0" g="0" b="0"/>
+      </a:effectRef>
+      <a:fontRef idx="minor">
+        <a:schemeClr val="lt1"/>
+      </a:fontRef>
+    </dgm:style>
+  </dgm:styleLbl>
+  <dgm:styleLbl name="asst2">
+    <dgm:scene3d>
+      <a:camera prst="orthographicFront"/>
+      <a:lightRig rig="threePt" dir="t"/>
+    </dgm:scene3d>
+    <dgm:sp3d/>
+    <dgm:txPr/>
+    <dgm:style>
+      <a:lnRef idx="2">
+        <a:scrgbClr r="0" g="0" b="0"/>
+      </a:lnRef>
+      <a:fillRef idx="1">
+        <a:scrgbClr r="0" g="0" b="0"/>
+      </a:fillRef>
+      <a:effectRef idx="0">
+        <a:scrgbClr r="0" g="0" b="0"/>
+      </a:effectRef>
+      <a:fontRef idx="minor">
+        <a:schemeClr val="lt1"/>
+      </a:fontRef>
+    </dgm:style>
+  </dgm:styleLbl>
+  <dgm:styleLbl name="asst3">
+    <dgm:scene3d>
+      <a:camera prst="orthographicFront"/>
+      <a:lightRig rig="threePt" dir="t"/>
+    </dgm:scene3d>
+    <dgm:sp3d/>
+    <dgm:txPr/>
+    <dgm:style>
+      <a:lnRef idx="2">
+        <a:scrgbClr r="0" g="0" b="0"/>
+      </a:lnRef>
+      <a:fillRef idx="1">
+        <a:scrgbClr r="0" g="0" b="0"/>
+      </a:fillRef>
+      <a:effectRef idx="0">
+        <a:scrgbClr r="0" g="0" b="0"/>
+      </a:effectRef>
+      <a:fontRef idx="minor">
+        <a:schemeClr val="lt1"/>
+      </a:fontRef>
+    </dgm:style>
+  </dgm:styleLbl>
+  <dgm:styleLbl name="asst4">
+    <dgm:scene3d>
+      <a:camera prst="orthographicFront"/>
+      <a:lightRig rig="threePt" dir="t"/>
+    </dgm:scene3d>
+    <dgm:sp3d/>
+    <dgm:txPr/>
+    <dgm:style>
+      <a:lnRef idx="2">
+        <a:scrgbClr r="0" g="0" b="0"/>
+      </a:lnRef>
+      <a:fillRef idx="1">
+        <a:scrgbClr r="0" g="0" b="0"/>
+      </a:fillRef>
+      <a:effectRef idx="0">
+        <a:scrgbClr r="0" g="0" b="0"/>
+      </a:effectRef>
+      <a:fontRef idx="minor">
+        <a:schemeClr val="lt1"/>
+      </a:fontRef>
+    </dgm:style>
+  </dgm:styleLbl>
+  <dgm:styleLbl name="parChTrans2D1">
+    <dgm:scene3d>
+      <a:camera prst="orthographicFront"/>
+      <a:lightRig rig="threePt" dir="t"/>
+    </dgm:scene3d>
+    <dgm:sp3d/>
+    <dgm:txPr/>
+    <dgm:style>
+      <a:lnRef idx="2">
+        <a:scrgbClr r="0" g="0" b="0"/>
+      </a:lnRef>
+      <a:fillRef idx="1">
+        <a:scrgbClr r="0" g="0" b="0"/>
+      </a:fillRef>
+      <a:effectRef idx="0">
+        <a:scrgbClr r="0" g="0" b="0"/>
+      </a:effectRef>
+      <a:fontRef idx="minor">
+        <a:schemeClr val="lt1"/>
+      </a:fontRef>
+    </dgm:style>
+  </dgm:styleLbl>
+  <dgm:styleLbl name="parChTrans2D2">
+    <dgm:scene3d>
+      <a:camera prst="orthographicFront"/>
+      <a:lightRig rig="threePt" dir="t"/>
+    </dgm:scene3d>
+    <dgm:sp3d/>
+    <dgm:txPr/>
+    <dgm:style>
+      <a:lnRef idx="2">
+        <a:scrgbClr r="0" g="0" b="0"/>
+      </a:lnRef>
+      <a:fillRef idx="1">
+        <a:scrgbClr r="0" g="0" b="0"/>
+      </a:fillRef>
+      <a:effectRef idx="0">
+        <a:scrgbClr r="0" g="0" b="0"/>
+      </a:effectRef>
+      <a:fontRef idx="minor">
+        <a:schemeClr val="lt1"/>
+      </a:fontRef>
+    </dgm:style>
+  </dgm:styleLbl>
+  <dgm:styleLbl name="parChTrans2D3">
+    <dgm:scene3d>
+      <a:camera prst="orthographicFront"/>
+      <a:lightRig rig="threePt" dir="t"/>
+    </dgm:scene3d>
+    <dgm:sp3d/>
+    <dgm:txPr/>
+    <dgm:style>
+      <a:lnRef idx="2">
+        <a:scrgbClr r="0" g="0" b="0"/>
+      </a:lnRef>
+      <a:fillRef idx="1">
+        <a:scrgbClr r="0" g="0" b="0"/>
+      </a:fillRef>
+      <a:effectRef idx="0">
+        <a:scrgbClr r="0" g="0" b="0"/>
+      </a:effectRef>
+      <a:fontRef idx="minor">
+        <a:schemeClr val="lt1"/>
+      </a:fontRef>
+    </dgm:style>
+  </dgm:styleLbl>
+  <dgm:styleLbl name="parChTrans2D4">
+    <dgm:scene3d>
+      <a:camera prst="orthographicFront"/>
+      <a:lightRig rig="threePt" dir="t"/>
+    </dgm:scene3d>
+    <dgm:sp3d/>
+    <dgm:txPr/>
+    <dgm:style>
+      <a:lnRef idx="2">
+        <a:scrgbClr r="0" g="0" b="0"/>
+      </a:lnRef>
+      <a:fillRef idx="1">
+        <a:scrgbClr r="0" g="0" b="0"/>
+      </a:fillRef>
+      <a:effectRef idx="0">
+        <a:scrgbClr r="0" g="0" b="0"/>
+      </a:effectRef>
+      <a:fontRef idx="minor">
+        <a:schemeClr val="lt1"/>
+      </a:fontRef>
+    </dgm:style>
+  </dgm:styleLbl>
+  <dgm:styleLbl name="parChTrans1D1">
+    <dgm:scene3d>
+      <a:camera prst="orthographicFront"/>
+      <a:lightRig rig="threePt" dir="t"/>
+    </dgm:scene3d>
+    <dgm:sp3d/>
+    <dgm:txPr/>
+    <dgm:style>
+      <a:lnRef idx="2">
+        <a:scrgbClr r="0" g="0" b="0"/>
+      </a:lnRef>
+      <a:fillRef idx="0">
+        <a:scrgbClr r="0" g="0" b="0"/>
+      </a:fillRef>
+      <a:effectRef idx="0">
+        <a:scrgbClr r="0" g="0" b="0"/>
+      </a:effectRef>
+      <a:fontRef idx="minor"/>
+    </dgm:style>
+  </dgm:styleLbl>
+  <dgm:styleLbl name="parChTrans1D2">
+    <dgm:scene3d>
+      <a:camera prst="orthographicFront"/>
+      <a:lightRig rig="threePt" dir="t"/>
+    </dgm:scene3d>
+    <dgm:sp3d/>
+    <dgm:txPr/>
+    <dgm:style>
+      <a:lnRef idx="2">
+        <a:scrgbClr r="0" g="0" b="0"/>
+      </a:lnRef>
+      <a:fillRef idx="0">
+        <a:scrgbClr r="0" g="0" b="0"/>
+      </a:fillRef>
+      <a:effectRef idx="0">
+        <a:scrgbClr r="0" g="0" b="0"/>
+      </a:effectRef>
+      <a:fontRef idx="minor"/>
+    </dgm:style>
+  </dgm:styleLbl>
+  <dgm:styleLbl name="parChTrans1D3">
+    <dgm:scene3d>
+      <a:camera prst="orthographicFront"/>
+      <a:lightRig rig="threePt" dir="t"/>
+    </dgm:scene3d>
+    <dgm:sp3d/>
+    <dgm:txPr/>
+    <dgm:style>
+      <a:lnRef idx="2">
+        <a:scrgbClr r="0" g="0" b="0"/>
+      </a:lnRef>
+      <a:fillRef idx="0">
+        <a:scrgbClr r="0" g="0" b="0"/>
+      </a:fillRef>
+      <a:effectRef idx="0">
+        <a:scrgbClr r="0" g="0" b="0"/>
+      </a:effectRef>
+      <a:fontRef idx="minor"/>
+    </dgm:style>
+  </dgm:styleLbl>
+  <dgm:styleLbl name="parChTrans1D4">
+    <dgm:scene3d>
+      <a:camera prst="orthographicFront"/>
+      <a:lightRig rig="threePt" dir="t"/>
+    </dgm:scene3d>
+    <dgm:sp3d/>
+    <dgm:txPr/>
+    <dgm:style>
+      <a:lnRef idx="2">
+        <a:scrgbClr r="0" g="0" b="0"/>
+      </a:lnRef>
+      <a:fillRef idx="0">
+        <a:scrgbClr r="0" g="0" b="0"/>
+      </a:fillRef>
+      <a:effectRef idx="0">
+        <a:scrgbClr r="0" g="0" b="0"/>
+      </a:effectRef>
+      <a:fontRef idx="minor"/>
+    </dgm:style>
+  </dgm:styleLbl>
+  <dgm:styleLbl name="fgAcc1">
+    <dgm:scene3d>
+      <a:camera prst="orthographicFront"/>
+      <a:lightRig rig="threePt" dir="t"/>
+    </dgm:scene3d>
+    <dgm:sp3d/>
+    <dgm:txPr/>
+    <dgm:style>
+      <a:lnRef idx="2">
+        <a:scrgbClr r="0" g="0" b="0"/>
+      </a:lnRef>
+      <a:fillRef idx="1">
+        <a:scrgbClr r="0" g="0" b="0"/>
+      </a:fillRef>
+      <a:effectRef idx="0">
+        <a:scrgbClr r="0" g="0" b="0"/>
+      </a:effectRef>
+      <a:fontRef idx="minor"/>
+    </dgm:style>
+  </dgm:styleLbl>
+  <dgm:styleLbl name="conFgAcc1">
+    <dgm:scene3d>
+      <a:camera prst="orthographicFront"/>
+      <a:lightRig rig="threePt" dir="t"/>
+    </dgm:scene3d>
+    <dgm:sp3d/>
+    <dgm:txPr/>
+    <dgm:style>
+      <a:lnRef idx="2">
+        <a:scrgbClr r="0" g="0" b="0"/>
+      </a:lnRef>
+      <a:fillRef idx="1">
+        <a:scrgbClr r="0" g="0" b="0"/>
+      </a:fillRef>
+      <a:effectRef idx="0">
+        <a:scrgbClr r="0" g="0" b="0"/>
+      </a:effectRef>
+      <a:fontRef idx="minor"/>
+    </dgm:style>
+  </dgm:styleLbl>
+  <dgm:styleLbl name="alignAcc1">
+    <dgm:scene3d>
+      <a:camera prst="orthographicFront"/>
+      <a:lightRig rig="threePt" dir="t"/>
+    </dgm:scene3d>
+    <dgm:sp3d/>
+    <dgm:txPr/>
+    <dgm:style>
+      <a:lnRef idx="2">
+        <a:scrgbClr r="0" g="0" b="0"/>
+      </a:lnRef>
+      <a:fillRef idx="1">
+        <a:scrgbClr r="0" g="0" b="0"/>
+      </a:fillRef>
+      <a:effectRef idx="0">
+        <a:scrgbClr r="0" g="0" b="0"/>
+      </a:effectRef>
+      <a:fontRef idx="minor"/>
+    </dgm:style>
+  </dgm:styleLbl>
+  <dgm:styleLbl name="trAlignAcc1">
+    <dgm:scene3d>
+      <a:camera prst="orthographicFront"/>
+      <a:lightRig rig="threePt" dir="t"/>
+    </dgm:scene3d>
+    <dgm:sp3d/>
+    <dgm:txPr/>
+    <dgm:style>
+      <a:lnRef idx="1">
+        <a:scrgbClr r="0" g="0" b="0"/>
+      </a:lnRef>
+      <a:fillRef idx="1">
+        <a:scrgbClr r="0" g="0" b="0"/>
+      </a:fillRef>
+      <a:effectRef idx="0">
+        <a:scrgbClr r="0" g="0" b="0"/>
+      </a:effectRef>
+      <a:fontRef idx="minor"/>
+    </dgm:style>
+  </dgm:styleLbl>
+  <dgm:styleLbl name="bgAcc1">
+    <dgm:scene3d>
+      <a:camera prst="orthographicFront"/>
+      <a:lightRig rig="threePt" dir="t"/>
+    </dgm:scene3d>
+    <dgm:sp3d/>
+    <dgm:txPr/>
+    <dgm:style>
+      <a:lnRef idx="2">
+        <a:scrgbClr r="0" g="0" b="0"/>
+      </a:lnRef>
+      <a:fillRef idx="1">
+        <a:scrgbClr r="0" g="0" b="0"/>
+      </a:fillRef>
+      <a:effectRef idx="0">
+        <a:scrgbClr r="0" g="0" b="0"/>
+      </a:effectRef>
+      <a:fontRef idx="minor"/>
+    </dgm:style>
+  </dgm:styleLbl>
+  <dgm:styleLbl name="solidFgAcc1">
+    <dgm:scene3d>
+      <a:camera prst="orthographicFront"/>
+      <a:lightRig rig="threePt" dir="t"/>
+    </dgm:scene3d>
+    <dgm:sp3d/>
+    <dgm:txPr/>
+    <dgm:style>
+      <a:lnRef idx="2">
+        <a:scrgbClr r="0" g="0" b="0"/>
+      </a:lnRef>
+      <a:fillRef idx="1">
+        <a:scrgbClr r="0" g="0" b="0"/>
+      </a:fillRef>
+      <a:effectRef idx="0">
+        <a:scrgbClr r="0" g="0" b="0"/>
+      </a:effectRef>
+      <a:fontRef idx="minor"/>
+    </dgm:style>
+  </dgm:styleLbl>
+  <dgm:styleLbl name="solidAlignAcc1">
+    <dgm:scene3d>
+      <a:camera prst="orthographicFront"/>
+      <a:lightRig rig="threePt" dir="t"/>
+    </dgm:scene3d>
+    <dgm:sp3d/>
+    <dgm:txPr/>
+    <dgm:style>
+      <a:lnRef idx="2">
+        <a:scrgbClr r="0" g="0" b="0"/>
+      </a:lnRef>
+      <a:fillRef idx="1">
+        <a:scrgbClr r="0" g="0" b="0"/>
+      </a:fillRef>
+      <a:effectRef idx="0">
+        <a:scrgbClr r="0" g="0" b="0"/>
+      </a:effectRef>
+      <a:fontRef idx="minor"/>
+    </dgm:style>
+  </dgm:styleLbl>
+  <dgm:styleLbl name="solidBgAcc1">
+    <dgm:scene3d>
+      <a:camera prst="orthographicFront"/>
+      <a:lightRig rig="threePt" dir="t"/>
+    </dgm:scene3d>
+    <dgm:sp3d/>
+    <dgm:txPr/>
+    <dgm:style>
+      <a:lnRef idx="2">
+        <a:scrgbClr r="0" g="0" b="0"/>
+      </a:lnRef>
+      <a:fillRef idx="1">
+        <a:scrgbClr r="0" g="0" b="0"/>
+      </a:fillRef>
+      <a:effectRef idx="0">
+        <a:scrgbClr r="0" g="0" b="0"/>
+      </a:effectRef>
+      <a:fontRef idx="minor"/>
+    </dgm:style>
+  </dgm:styleLbl>
+  <dgm:styleLbl name="fgAccFollowNode1">
+    <dgm:scene3d>
+      <a:camera prst="orthographicFront"/>
+      <a:lightRig rig="threePt" dir="t"/>
+    </dgm:scene3d>
+    <dgm:sp3d/>
+    <dgm:txPr/>
+    <dgm:style>
+      <a:lnRef idx="2">
+        <a:scrgbClr r="0" g="0" b="0"/>
+      </a:lnRef>
+      <a:fillRef idx="1">
+        <a:scrgbClr r="0" g="0" b="0"/>
+      </a:fillRef>
+      <a:effectRef idx="0">
+        <a:scrgbClr r="0" g="0" b="0"/>
+      </a:effectRef>
+      <a:fontRef idx="minor"/>
+    </dgm:style>
+  </dgm:styleLbl>
+  <dgm:styleLbl name="alignAccFollowNode1">
+    <dgm:scene3d>
+      <a:camera prst="orthographicFront"/>
+      <a:lightRig rig="threePt" dir="t"/>
+    </dgm:scene3d>
+    <dgm:sp3d/>
+    <dgm:txPr/>
+    <dgm:style>
+      <a:lnRef idx="2">
+        <a:scrgbClr r="0" g="0" b="0"/>
+      </a:lnRef>
+      <a:fillRef idx="1">
+        <a:scrgbClr r="0" g="0" b="0"/>
+      </a:fillRef>
+      <a:effectRef idx="0">
+        <a:scrgbClr r="0" g="0" b="0"/>
+      </a:effectRef>
+      <a:fontRef idx="minor"/>
+    </dgm:style>
+  </dgm:styleLbl>
+  <dgm:styleLbl name="bgAccFollowNode1">
+    <dgm:scene3d>
+      <a:camera prst="orthographicFront"/>
+      <a:lightRig rig="threePt" dir="t"/>
+    </dgm:scene3d>
+    <dgm:sp3d/>
+    <dgm:txPr/>
+    <dgm:style>
+      <a:lnRef idx="2">
+        <a:scrgbClr r="0" g="0" b="0"/>
+      </a:lnRef>
+      <a:fillRef idx="1">
+        <a:scrgbClr r="0" g="0" b="0"/>
+      </a:fillRef>
+      <a:effectRef idx="0">
+        <a:scrgbClr r="0" g="0" b="0"/>
+      </a:effectRef>
+      <a:fontRef idx="minor"/>
+    </dgm:style>
+  </dgm:styleLbl>
+  <dgm:styleLbl name="fgAcc0">
+    <dgm:scene3d>
+      <a:camera prst="orthographicFront"/>
+      <a:lightRig rig="threePt" dir="t"/>
+    </dgm:scene3d>
+    <dgm:sp3d/>
+    <dgm:txPr/>
+    <dgm:style>
+      <a:lnRef idx="2">
+        <a:scrgbClr r="0" g="0" b="0"/>
+      </a:lnRef>
+      <a:fillRef idx="1">
+        <a:scrgbClr r="0" g="0" b="0"/>
+      </a:fillRef>
+      <a:effectRef idx="0">
+        <a:scrgbClr r="0" g="0" b="0"/>
+      </a:effectRef>
+      <a:fontRef idx="minor"/>
+    </dgm:style>
+  </dgm:styleLbl>
+  <dgm:styleLbl name="fgAcc2">
+    <dgm:scene3d>
+      <a:camera prst="orthographicFront"/>
+      <a:lightRig rig="threePt" dir="t"/>
+    </dgm:scene3d>
+    <dgm:sp3d/>
+    <dgm:txPr/>
+    <dgm:style>
+      <a:lnRef idx="2">
+        <a:scrgbClr r="0" g="0" b="0"/>
+      </a:lnRef>
+      <a:fillRef idx="1">
+        <a:scrgbClr r="0" g="0" b="0"/>
+      </a:fillRef>
+      <a:effectRef idx="0">
+        <a:scrgbClr r="0" g="0" b="0"/>
+      </a:effectRef>
+      <a:fontRef idx="minor"/>
+    </dgm:style>
+  </dgm:styleLbl>
+  <dgm:styleLbl name="fgAcc3">
+    <dgm:scene3d>
+      <a:camera prst="orthographicFront"/>
+      <a:lightRig rig="threePt" dir="t"/>
+    </dgm:scene3d>
+    <dgm:sp3d/>
+    <dgm:txPr/>
+    <dgm:style>
+      <a:lnRef idx="2">
+        <a:scrgbClr r="0" g="0" b="0"/>
+      </a:lnRef>
+      <a:fillRef idx="1">
+        <a:scrgbClr r="0" g="0" b="0"/>
+      </a:fillRef>
+      <a:effectRef idx="0">
+        <a:scrgbClr r="0" g="0" b="0"/>
+      </a:effectRef>
+      <a:fontRef idx="minor"/>
+    </dgm:style>
+  </dgm:styleLbl>
+  <dgm:styleLbl name="fgAcc4">
+    <dgm:scene3d>
+      <a:camera prst="orthographicFront"/>
+      <a:lightRig rig="threePt" dir="t"/>
+    </dgm:scene3d>
+    <dgm:sp3d/>
+    <dgm:txPr/>
+    <dgm:style>
+      <a:lnRef idx="2">
+        <a:scrgbClr r="0" g="0" b="0"/>
+      </a:lnRef>
+      <a:fillRef idx="1">
+        <a:scrgbClr r="0" g="0" b="0"/>
+      </a:fillRef>
+      <a:effectRef idx="0">
+        <a:scrgbClr r="0" g="0" b="0"/>
+      </a:effectRef>
+      <a:fontRef idx="minor"/>
+    </dgm:style>
+  </dgm:styleLbl>
+  <dgm:styleLbl name="bgShp">
+    <dgm:scene3d>
+      <a:camera prst="orthographicFront"/>
+      <a:lightRig rig="threePt" dir="t"/>
+    </dgm:scene3d>
+    <dgm:sp3d/>
+    <dgm:txPr/>
+    <dgm:style>
+      <a:lnRef idx="0">
+        <a:scrgbClr r="0" g="0" b="0"/>
+      </a:lnRef>
+      <a:fillRef idx="1">
+        <a:scrgbClr r="0" g="0" b="0"/>
+      </a:fillRef>
+      <a:effectRef idx="0">
+        <a:scrgbClr r="0" g="0" b="0"/>
+      </a:effectRef>
+      <a:fontRef idx="minor"/>
+    </dgm:style>
+  </dgm:styleLbl>
+  <dgm:styleLbl name="dkBgShp">
+    <dgm:scene3d>
+      <a:camera prst="orthographicFront"/>
+      <a:lightRig rig="threePt" dir="t"/>
+    </dgm:scene3d>
+    <dgm:sp3d/>
+    <dgm:txPr/>
+    <dgm:style>
+      <a:lnRef idx="0">
+        <a:scrgbClr r="0" g="0" b="0"/>
+      </a:lnRef>
+      <a:fillRef idx="1">
+        <a:scrgbClr r="0" g="0" b="0"/>
+      </a:fillRef>
+      <a:effectRef idx="0">
+        <a:scrgbClr r="0" g="0" b="0"/>
+      </a:effectRef>
+      <a:fontRef idx="minor"/>
+    </dgm:style>
+  </dgm:styleLbl>
+  <dgm:styleLbl name="trBgShp">
+    <dgm:scene3d>
+      <a:camera prst="orthographicFront"/>
+      <a:lightRig rig="threePt" dir="t"/>
+    </dgm:scene3d>
+    <dgm:sp3d/>
+    <dgm:txPr/>
+    <dgm:style>
+      <a:lnRef idx="0">
+        <a:scrgbClr r="0" g="0" b="0"/>
+      </a:lnRef>
+      <a:fillRef idx="1">
+        <a:scrgbClr r="0" g="0" b="0"/>
+      </a:fillRef>
+      <a:effectRef idx="0">
+        <a:scrgbClr r="0" g="0" b="0"/>
+      </a:effectRef>
+      <a:fontRef idx="minor"/>
+    </dgm:style>
+  </dgm:styleLbl>
+  <dgm:styleLbl name="fgShp">
+    <dgm:scene3d>
+      <a:camera prst="orthographicFront"/>
+      <a:lightRig rig="threePt" dir="t"/>
+    </dgm:scene3d>
+    <dgm:sp3d/>
+    <dgm:txPr/>
+    <dgm:style>
+      <a:lnRef idx="2">
+        <a:scrgbClr r="0" g="0" b="0"/>
+      </a:lnRef>
+      <a:fillRef idx="1">
+        <a:scrgbClr r="0" g="0" b="0"/>
+      </a:fillRef>
+      <a:effectRef idx="0">
+        <a:scrgbClr r="0" g="0" b="0"/>
+      </a:effectRef>
+      <a:fontRef idx="minor"/>
+    </dgm:style>
+  </dgm:styleLbl>
+  <dgm:styleLbl name="revTx">
+    <dgm:scene3d>
+      <a:camera prst="orthographicFront"/>
+      <a:lightRig rig="threePt" dir="t"/>
+    </dgm:scene3d>
+    <dgm:sp3d/>
+    <dgm:txPr/>
+    <dgm:style>
+      <a:lnRef idx="0">
+        <a:scrgbClr r="0" g="0" b="0"/>
+      </a:lnRef>
+      <a:fillRef idx="0">
+        <a:scrgbClr r="0" g="0" b="0"/>
+      </a:fillRef>
+      <a:effectRef idx="0">
+        <a:scrgbClr r="0" g="0" b="0"/>
+      </a:effectRef>
+      <a:fontRef idx="minor"/>
+    </dgm:style>
+  </dgm:styleLbl>
+</dgm:styleDef>
+</file>
+
 <file path=ppt/slideLayouts/slideLayout1.xml><?xml version="1.0" encoding="utf-8"?>
 <p:sldLayout xmlns:a="http://schemas.openxmlformats.org/drawingml/2006/main" xmlns:r="http://schemas.openxmlformats.org/officeDocument/2006/relationships" xmlns:p="http://schemas.openxmlformats.org/presentationml/2006/main" type="title" preserve="1">
   <p:cSld name="标题幻灯片">
@@ -248,7 +4908,7 @@
           <a:p>
             <a:fld id="{D997B5FA-0921-464F-AAE1-844C04324D75}" type="datetimeFigureOut">
               <a:rPr lang="zh-CN" altLang="en-US" smtClean="0"/>
-              <a:t>2022/3/28</a:t>
+              <a:t>2022/3/30</a:t>
             </a:fld>
             <a:endParaRPr lang="zh-CN" altLang="en-US"/>
           </a:p>
@@ -418,7 +5078,7 @@
           <a:p>
             <a:fld id="{D997B5FA-0921-464F-AAE1-844C04324D75}" type="datetimeFigureOut">
               <a:rPr lang="zh-CN" altLang="en-US" smtClean="0"/>
-              <a:t>2022/3/28</a:t>
+              <a:t>2022/3/30</a:t>
             </a:fld>
             <a:endParaRPr lang="zh-CN" altLang="en-US"/>
           </a:p>
@@ -598,7 +5258,7 @@
           <a:p>
             <a:fld id="{D997B5FA-0921-464F-AAE1-844C04324D75}" type="datetimeFigureOut">
               <a:rPr lang="zh-CN" altLang="en-US" smtClean="0"/>
-              <a:t>2022/3/28</a:t>
+              <a:t>2022/3/30</a:t>
             </a:fld>
             <a:endParaRPr lang="zh-CN" altLang="en-US"/>
           </a:p>
@@ -768,7 +5428,7 @@
           <a:p>
             <a:fld id="{D997B5FA-0921-464F-AAE1-844C04324D75}" type="datetimeFigureOut">
               <a:rPr lang="zh-CN" altLang="en-US" smtClean="0"/>
-              <a:t>2022/3/28</a:t>
+              <a:t>2022/3/30</a:t>
             </a:fld>
             <a:endParaRPr lang="zh-CN" altLang="en-US"/>
           </a:p>
@@ -1014,7 +5674,7 @@
           <a:p>
             <a:fld id="{D997B5FA-0921-464F-AAE1-844C04324D75}" type="datetimeFigureOut">
               <a:rPr lang="zh-CN" altLang="en-US" smtClean="0"/>
-              <a:t>2022/3/28</a:t>
+              <a:t>2022/3/30</a:t>
             </a:fld>
             <a:endParaRPr lang="zh-CN" altLang="en-US"/>
           </a:p>
@@ -1246,7 +5906,7 @@
           <a:p>
             <a:fld id="{D997B5FA-0921-464F-AAE1-844C04324D75}" type="datetimeFigureOut">
               <a:rPr lang="zh-CN" altLang="en-US" smtClean="0"/>
-              <a:t>2022/3/28</a:t>
+              <a:t>2022/3/30</a:t>
             </a:fld>
             <a:endParaRPr lang="zh-CN" altLang="en-US"/>
           </a:p>
@@ -1613,7 +6273,7 @@
           <a:p>
             <a:fld id="{D997B5FA-0921-464F-AAE1-844C04324D75}" type="datetimeFigureOut">
               <a:rPr lang="zh-CN" altLang="en-US" smtClean="0"/>
-              <a:t>2022/3/28</a:t>
+              <a:t>2022/3/30</a:t>
             </a:fld>
             <a:endParaRPr lang="zh-CN" altLang="en-US"/>
           </a:p>
@@ -1731,7 +6391,7 @@
           <a:p>
             <a:fld id="{D997B5FA-0921-464F-AAE1-844C04324D75}" type="datetimeFigureOut">
               <a:rPr lang="zh-CN" altLang="en-US" smtClean="0"/>
-              <a:t>2022/3/28</a:t>
+              <a:t>2022/3/30</a:t>
             </a:fld>
             <a:endParaRPr lang="zh-CN" altLang="en-US"/>
           </a:p>
@@ -1826,7 +6486,7 @@
           <a:p>
             <a:fld id="{D997B5FA-0921-464F-AAE1-844C04324D75}" type="datetimeFigureOut">
               <a:rPr lang="zh-CN" altLang="en-US" smtClean="0"/>
-              <a:t>2022/3/28</a:t>
+              <a:t>2022/3/30</a:t>
             </a:fld>
             <a:endParaRPr lang="zh-CN" altLang="en-US"/>
           </a:p>
@@ -2103,7 +6763,7 @@
           <a:p>
             <a:fld id="{D997B5FA-0921-464F-AAE1-844C04324D75}" type="datetimeFigureOut">
               <a:rPr lang="zh-CN" altLang="en-US" smtClean="0"/>
-              <a:t>2022/3/28</a:t>
+              <a:t>2022/3/30</a:t>
             </a:fld>
             <a:endParaRPr lang="zh-CN" altLang="en-US"/>
           </a:p>
@@ -2356,7 +7016,7 @@
           <a:p>
             <a:fld id="{D997B5FA-0921-464F-AAE1-844C04324D75}" type="datetimeFigureOut">
               <a:rPr lang="zh-CN" altLang="en-US" smtClean="0"/>
-              <a:t>2022/3/28</a:t>
+              <a:t>2022/3/30</a:t>
             </a:fld>
             <a:endParaRPr lang="zh-CN" altLang="en-US"/>
           </a:p>
@@ -2569,7 +7229,7 @@
           <a:p>
             <a:fld id="{D997B5FA-0921-464F-AAE1-844C04324D75}" type="datetimeFigureOut">
               <a:rPr lang="zh-CN" altLang="en-US" smtClean="0"/>
-              <a:t>2022/3/28</a:t>
+              <a:t>2022/3/30</a:t>
             </a:fld>
             <a:endParaRPr lang="zh-CN" altLang="en-US"/>
           </a:p>
@@ -9062,6 +13722,58 @@
 </p:sld>
 </file>
 
+<file path=ppt/slides/slide12.xml><?xml version="1.0" encoding="utf-8"?>
+<p:sld xmlns:a="http://schemas.openxmlformats.org/drawingml/2006/main" xmlns:r="http://schemas.openxmlformats.org/officeDocument/2006/relationships" xmlns:p="http://schemas.openxmlformats.org/presentationml/2006/main">
+  <p:cSld>
+    <p:spTree>
+      <p:nvGrpSpPr>
+        <p:cNvPr id="1" name=""/>
+        <p:cNvGrpSpPr/>
+        <p:nvPr/>
+      </p:nvGrpSpPr>
+      <p:grpSpPr>
+        <a:xfrm>
+          <a:off x="0" y="0"/>
+          <a:ext cx="0" cy="0"/>
+          <a:chOff x="0" y="0"/>
+          <a:chExt cx="0" cy="0"/>
+        </a:xfrm>
+      </p:grpSpPr>
+      <p:graphicFrame>
+        <p:nvGraphicFramePr>
+          <p:cNvPr id="4" name="图示 3"/>
+          <p:cNvGraphicFramePr/>
+          <p:nvPr>
+            <p:extLst>
+              <p:ext uri="{D42A27DB-BD31-4B8C-83A1-F6EECF244321}">
+                <p14:modId xmlns:p14="http://schemas.microsoft.com/office/powerpoint/2010/main" val="2130538804"/>
+              </p:ext>
+            </p:extLst>
+          </p:nvPr>
+        </p:nvGraphicFramePr>
+        <p:xfrm>
+          <a:off x="2032000" y="975591"/>
+          <a:ext cx="8128000" cy="5118485"/>
+        </p:xfrm>
+        <a:graphic>
+          <a:graphicData uri="http://schemas.openxmlformats.org/drawingml/2006/diagram">
+            <dgm:relIds xmlns:dgm="http://schemas.openxmlformats.org/drawingml/2006/diagram" xmlns:r="http://schemas.openxmlformats.org/officeDocument/2006/relationships" r:dm="rId2" r:lo="rId3" r:qs="rId4" r:cs="rId5"/>
+          </a:graphicData>
+        </a:graphic>
+      </p:graphicFrame>
+    </p:spTree>
+    <p:extLst>
+      <p:ext uri="{BB962C8B-B14F-4D97-AF65-F5344CB8AC3E}">
+        <p14:creationId xmlns:p14="http://schemas.microsoft.com/office/powerpoint/2010/main" val="4118082354"/>
+      </p:ext>
+    </p:extLst>
+  </p:cSld>
+  <p:clrMapOvr>
+    <a:masterClrMapping/>
+  </p:clrMapOvr>
+</p:sld>
+</file>
+
 <file path=ppt/slides/slide2.xml><?xml version="1.0" encoding="utf-8"?>
 <p:sld xmlns:a="http://schemas.openxmlformats.org/drawingml/2006/main" xmlns:r="http://schemas.openxmlformats.org/officeDocument/2006/relationships" xmlns:p="http://schemas.openxmlformats.org/presentationml/2006/main">
   <p:cSld>
@@ -18515,7 +23227,7 @@
   <a:extraClrSchemeLst/>
   <a:extLst>
     <a:ext uri="{05A4C25C-085E-4340-85A3-A5531E510DB2}">
-      <thm15:themeFamily xmlns:thm15="http://schemas.microsoft.com/office/thememl/2012/main" xmlns="" name="Office Theme" id="{62F939B6-93AF-4DB8-9C6B-D6C7DFDC589F}" vid="{4A3C46E8-61CC-4603-A589-7422A47A8E4A}"/>
+      <thm15:themeFamily xmlns="" xmlns:thm15="http://schemas.microsoft.com/office/thememl/2012/main" name="Office Theme" id="{62F939B6-93AF-4DB8-9C6B-D6C7DFDC589F}" vid="{4A3C46E8-61CC-4603-A589-7422A47A8E4A}"/>
     </a:ext>
   </a:extLst>
 </a:theme>

--- a/images/2022/画图.pptx
+++ b/images/2022/画图.pptx
@@ -1071,7 +1071,7 @@
         <a:p>
           <a:r>
             <a:rPr lang="zh-CN" altLang="en-US" dirty="0" smtClean="0"/>
-            <a:t>恢复</a:t>
+            <a:t>响应</a:t>
           </a:r>
           <a:endParaRPr lang="zh-CN" altLang="en-US" dirty="0"/>
         </a:p>
@@ -1099,43 +1099,6 @@
         </a:p>
       </dgm:t>
     </dgm:pt>
-    <dgm:pt modelId="{D654DEF5-10A5-4332-9A3D-FBA539621550}">
-      <dgm:prSet phldrT="[文本]" custT="1"/>
-      <dgm:spPr/>
-      <dgm:t>
-        <a:bodyPr/>
-        <a:lstStyle/>
-        <a:p>
-          <a:r>
-            <a:rPr lang="zh-CN" altLang="en-US" sz="1200" b="1" dirty="0" smtClean="0"/>
-            <a:t>数据备份</a:t>
-          </a:r>
-          <a:endParaRPr lang="zh-CN" altLang="en-US" sz="1200" b="1" dirty="0"/>
-        </a:p>
-      </dgm:t>
-    </dgm:pt>
-    <dgm:pt modelId="{2B8D0274-47C7-41D5-BE51-974128CE59AE}" type="parTrans" cxnId="{F7605632-02AF-4161-B72A-10A4161ACE78}">
-      <dgm:prSet/>
-      <dgm:spPr/>
-      <dgm:t>
-        <a:bodyPr/>
-        <a:lstStyle/>
-        <a:p>
-          <a:endParaRPr lang="zh-CN" altLang="en-US"/>
-        </a:p>
-      </dgm:t>
-    </dgm:pt>
-    <dgm:pt modelId="{2015028A-14F9-49F3-8245-37BB8966DC7B}" type="sibTrans" cxnId="{F7605632-02AF-4161-B72A-10A4161ACE78}">
-      <dgm:prSet/>
-      <dgm:spPr/>
-      <dgm:t>
-        <a:bodyPr/>
-        <a:lstStyle/>
-        <a:p>
-          <a:endParaRPr lang="zh-CN" altLang="en-US"/>
-        </a:p>
-      </dgm:t>
-    </dgm:pt>
     <dgm:pt modelId="{F87E6CB3-726B-47F6-A760-F8B056853B1F}">
       <dgm:prSet phldrT="[文本]"/>
       <dgm:spPr/>
@@ -1145,7 +1108,7 @@
         <a:p>
           <a:r>
             <a:rPr lang="zh-CN" altLang="en-US" dirty="0" smtClean="0"/>
-            <a:t>响应</a:t>
+            <a:t>恢复</a:t>
           </a:r>
           <a:endParaRPr lang="zh-CN" altLang="en-US" dirty="0"/>
         </a:p>
@@ -1163,43 +1126,6 @@
       </dgm:t>
     </dgm:pt>
     <dgm:pt modelId="{23184392-808F-4963-919E-65F14CA1AE60}" type="sibTrans" cxnId="{318A16B5-14B3-4BB9-BA7F-A53C083AB558}">
-      <dgm:prSet/>
-      <dgm:spPr/>
-      <dgm:t>
-        <a:bodyPr/>
-        <a:lstStyle/>
-        <a:p>
-          <a:endParaRPr lang="zh-CN" altLang="en-US"/>
-        </a:p>
-      </dgm:t>
-    </dgm:pt>
-    <dgm:pt modelId="{4873C841-EAF3-49D4-B6EA-30204EF620C2}">
-      <dgm:prSet phldrT="[文本]" custT="1"/>
-      <dgm:spPr/>
-      <dgm:t>
-        <a:bodyPr/>
-        <a:lstStyle/>
-        <a:p>
-          <a:r>
-            <a:rPr lang="zh-CN" altLang="en-US" sz="1200" b="1" dirty="0" smtClean="0"/>
-            <a:t>应急策略</a:t>
-          </a:r>
-          <a:endParaRPr lang="zh-CN" altLang="en-US" sz="1200" b="1" dirty="0"/>
-        </a:p>
-      </dgm:t>
-    </dgm:pt>
-    <dgm:pt modelId="{605E6AE8-D2F4-458C-BD03-6B31501CCF18}" type="parTrans" cxnId="{DBB10C34-1600-4C0B-86F0-4EC2C0FE049D}">
-      <dgm:prSet/>
-      <dgm:spPr/>
-      <dgm:t>
-        <a:bodyPr/>
-        <a:lstStyle/>
-        <a:p>
-          <a:endParaRPr lang="zh-CN" altLang="en-US"/>
-        </a:p>
-      </dgm:t>
-    </dgm:pt>
-    <dgm:pt modelId="{3B94DDE4-7AD7-406E-8768-81FFB5B96A54}" type="sibTrans" cxnId="{DBB10C34-1600-4C0B-86F0-4EC2C0FE049D}">
       <dgm:prSet/>
       <dgm:spPr/>
       <dgm:t>
@@ -1367,7 +1293,7 @@
         <a:p>
           <a:r>
             <a:rPr lang="zh-CN" altLang="en-US" sz="1200" b="1" dirty="0" smtClean="0"/>
-            <a:t>防火请技术</a:t>
+            <a:t>防火墙技术</a:t>
           </a:r>
           <a:endParaRPr lang="zh-CN" altLang="en-US" sz="1200" b="1" dirty="0"/>
         </a:p>
@@ -1506,8 +1432,82 @@
         </a:p>
       </dgm:t>
     </dgm:pt>
-    <dgm:pt modelId="{4F4DE51A-6E7E-4DDE-AA6B-02B4F2F695CC}">
+    <dgm:pt modelId="{B24B8C5B-F5EF-4AA0-929B-60F7F010812E}">
       <dgm:prSet phldrT="[文本]" custT="1"/>
+      <dgm:spPr/>
+      <dgm:t>
+        <a:bodyPr/>
+        <a:lstStyle/>
+        <a:p>
+          <a:r>
+            <a:rPr lang="zh-CN" altLang="en-US" sz="1200" b="1" dirty="0" smtClean="0"/>
+            <a:t>应急策略</a:t>
+          </a:r>
+          <a:endParaRPr lang="zh-CN" altLang="en-US" sz="1200" b="1" dirty="0"/>
+        </a:p>
+      </dgm:t>
+    </dgm:pt>
+    <dgm:pt modelId="{70C814D2-F897-4E0C-96A9-3FAB78B9D99B}" type="parTrans" cxnId="{40CBC910-437E-4911-A588-EB231ADDEDC8}">
+      <dgm:prSet/>
+      <dgm:spPr/>
+      <dgm:t>
+        <a:bodyPr/>
+        <a:lstStyle/>
+        <a:p>
+          <a:endParaRPr lang="zh-CN" altLang="en-US"/>
+        </a:p>
+      </dgm:t>
+    </dgm:pt>
+    <dgm:pt modelId="{78C57893-6A0E-406C-9B71-B7A0E2AC24D1}" type="sibTrans" cxnId="{40CBC910-437E-4911-A588-EB231ADDEDC8}">
+      <dgm:prSet/>
+      <dgm:spPr/>
+      <dgm:t>
+        <a:bodyPr/>
+        <a:lstStyle/>
+        <a:p>
+          <a:endParaRPr lang="zh-CN" altLang="en-US"/>
+        </a:p>
+      </dgm:t>
+    </dgm:pt>
+    <dgm:pt modelId="{694EB0DF-D84E-40EC-9DF4-C2054F98674B}">
+      <dgm:prSet phldrT="[文本]" custT="1"/>
+      <dgm:spPr/>
+      <dgm:t>
+        <a:bodyPr/>
+        <a:lstStyle/>
+        <a:p>
+          <a:r>
+            <a:rPr lang="zh-CN" altLang="en-US" sz="1200" b="1" dirty="0" smtClean="0"/>
+            <a:t>数据备份</a:t>
+          </a:r>
+          <a:endParaRPr lang="zh-CN" altLang="en-US" sz="1200" b="1" dirty="0"/>
+        </a:p>
+      </dgm:t>
+    </dgm:pt>
+    <dgm:pt modelId="{2360251B-19E6-4B43-98EA-7F2F48D01A92}" type="parTrans" cxnId="{F0E9EECE-34FE-4021-AFF9-11D019249746}">
+      <dgm:prSet/>
+      <dgm:spPr/>
+      <dgm:t>
+        <a:bodyPr/>
+        <a:lstStyle/>
+        <a:p>
+          <a:endParaRPr lang="zh-CN" altLang="en-US"/>
+        </a:p>
+      </dgm:t>
+    </dgm:pt>
+    <dgm:pt modelId="{ED4E3C5B-8FCE-4E68-A6A5-7FB972FBA176}" type="sibTrans" cxnId="{F0E9EECE-34FE-4021-AFF9-11D019249746}">
+      <dgm:prSet/>
+      <dgm:spPr/>
+      <dgm:t>
+        <a:bodyPr/>
+        <a:lstStyle/>
+        <a:p>
+          <a:endParaRPr lang="zh-CN" altLang="en-US"/>
+        </a:p>
+      </dgm:t>
+    </dgm:pt>
+    <dgm:pt modelId="{E1F0516F-1BFE-47DB-9CF7-48D0C05ED9A2}">
+      <dgm:prSet custT="1"/>
       <dgm:spPr/>
       <dgm:t>
         <a:bodyPr/>
@@ -1521,7 +1521,7 @@
         </a:p>
       </dgm:t>
     </dgm:pt>
-    <dgm:pt modelId="{88EE9750-E4F2-494A-9CA2-3664604ACE43}" type="parTrans" cxnId="{25C59EA7-1A4B-46A2-98AE-21B105F8B684}">
+    <dgm:pt modelId="{9AF970D9-6A52-4C55-860A-4915A736A57E}" type="parTrans" cxnId="{CD5B99A1-CCC5-4EBE-8352-8E0BE39D96BA}">
       <dgm:prSet/>
       <dgm:spPr/>
       <dgm:t>
@@ -1532,7 +1532,7 @@
         </a:p>
       </dgm:t>
     </dgm:pt>
-    <dgm:pt modelId="{185B1EA7-5718-4401-BAC8-168D4499C006}" type="sibTrans" cxnId="{25C59EA7-1A4B-46A2-98AE-21B105F8B684}">
+    <dgm:pt modelId="{E111E3B2-EF2B-45FC-B689-D86D70814470}" type="sibTrans" cxnId="{CD5B99A1-CCC5-4EBE-8352-8E0BE39D96BA}">
       <dgm:prSet/>
       <dgm:spPr/>
       <dgm:t>
@@ -1543,8 +1543,8 @@
         </a:p>
       </dgm:t>
     </dgm:pt>
-    <dgm:pt modelId="{837893D2-1759-47FA-BF24-7766989DE65C}">
-      <dgm:prSet phldrT="[文本]" custT="1"/>
+    <dgm:pt modelId="{BEE3D3E8-D59B-4A50-AF07-C7A92764FD35}">
+      <dgm:prSet custT="1"/>
       <dgm:spPr/>
       <dgm:t>
         <a:bodyPr/>
@@ -1558,7 +1558,7 @@
         </a:p>
       </dgm:t>
     </dgm:pt>
-    <dgm:pt modelId="{23E5D3D2-4FD1-43C0-B1C8-0F601AEC2B1A}" type="parTrans" cxnId="{901A710B-C96D-4493-8633-F84C862396DC}">
+    <dgm:pt modelId="{5AC76511-2BE8-4CBB-872C-F01387B5F46A}" type="parTrans" cxnId="{35800C5F-B55B-44A5-B822-EBBB1006C6E2}">
       <dgm:prSet/>
       <dgm:spPr/>
       <dgm:t>
@@ -1569,7 +1569,7 @@
         </a:p>
       </dgm:t>
     </dgm:pt>
-    <dgm:pt modelId="{7A24F50B-92C5-42E3-8664-542B199E15A7}" type="sibTrans" cxnId="{901A710B-C96D-4493-8633-F84C862396DC}">
+    <dgm:pt modelId="{4B75DFD8-3A73-4F35-8316-4A162A260278}" type="sibTrans" cxnId="{35800C5F-B55B-44A5-B822-EBBB1006C6E2}">
       <dgm:prSet/>
       <dgm:spPr/>
       <dgm:t>
@@ -1580,8 +1580,8 @@
         </a:p>
       </dgm:t>
     </dgm:pt>
-    <dgm:pt modelId="{DD29F483-1B88-452A-8EE5-4B3D786A0122}">
-      <dgm:prSet phldrT="[文本]" custT="1"/>
+    <dgm:pt modelId="{D729AC25-CED3-4F2E-B5F9-CA12AE1B5B5B}">
+      <dgm:prSet custT="1"/>
       <dgm:spPr/>
       <dgm:t>
         <a:bodyPr/>
@@ -1595,7 +1595,7 @@
         </a:p>
       </dgm:t>
     </dgm:pt>
-    <dgm:pt modelId="{86524177-573F-40D9-AD1A-14D07B637D1C}" type="parTrans" cxnId="{F8945E32-1B3C-4D2A-87E0-94557E5C1B4B}">
+    <dgm:pt modelId="{834B2E16-4E57-4C95-BB56-A118A73B6145}" type="parTrans" cxnId="{83184815-65D0-49CF-B706-DEB0A351AE8B}">
       <dgm:prSet/>
       <dgm:spPr/>
       <dgm:t>
@@ -1606,7 +1606,7 @@
         </a:p>
       </dgm:t>
     </dgm:pt>
-    <dgm:pt modelId="{B2A9A452-4F18-454C-95CB-7924CB351A9A}" type="sibTrans" cxnId="{F8945E32-1B3C-4D2A-87E0-94557E5C1B4B}">
+    <dgm:pt modelId="{E7F3CAF2-9E42-4050-B1BA-EF4569D5B5A8}" type="sibTrans" cxnId="{83184815-65D0-49CF-B706-DEB0A351AE8B}">
       <dgm:prSet/>
       <dgm:spPr/>
       <dgm:t>
@@ -1617,8 +1617,8 @@
         </a:p>
       </dgm:t>
     </dgm:pt>
-    <dgm:pt modelId="{AE0D1834-49CC-4A6A-A401-7A5646BD9165}">
-      <dgm:prSet phldrT="[文本]" custT="1"/>
+    <dgm:pt modelId="{B9F21A45-BABA-444A-9E3B-CADD87819CF8}">
+      <dgm:prSet custT="1"/>
       <dgm:spPr/>
       <dgm:t>
         <a:bodyPr/>
@@ -1632,7 +1632,7 @@
         </a:p>
       </dgm:t>
     </dgm:pt>
-    <dgm:pt modelId="{E928D979-B2EA-4320-B2B4-F6306F72014A}" type="parTrans" cxnId="{8A935D22-F68F-49BF-9363-4E56D35E7B25}">
+    <dgm:pt modelId="{7C493D8B-8CCD-4D26-9775-F9EBFE388FD5}" type="parTrans" cxnId="{F1B7BE8C-F302-4623-B564-40A29FBA684B}">
       <dgm:prSet/>
       <dgm:spPr/>
       <dgm:t>
@@ -1643,7 +1643,7 @@
         </a:p>
       </dgm:t>
     </dgm:pt>
-    <dgm:pt modelId="{B19D8502-66EE-4A62-9435-9C08AB5BDA67}" type="sibTrans" cxnId="{8A935D22-F68F-49BF-9363-4E56D35E7B25}">
+    <dgm:pt modelId="{74C62316-984A-4486-BD4F-61FAE6CCDCDC}" type="sibTrans" cxnId="{F1B7BE8C-F302-4623-B564-40A29FBA684B}">
       <dgm:prSet/>
       <dgm:spPr/>
       <dgm:t>
@@ -1654,8 +1654,8 @@
         </a:p>
       </dgm:t>
     </dgm:pt>
-    <dgm:pt modelId="{9969A9F2-D73F-4FA4-BF28-60791D0F2CDD}">
-      <dgm:prSet phldrT="[文本]" custT="1"/>
+    <dgm:pt modelId="{561E45B8-E2C5-4FBB-85D5-382D0E7F05C5}">
+      <dgm:prSet custT="1"/>
       <dgm:spPr/>
       <dgm:t>
         <a:bodyPr/>
@@ -1669,7 +1669,7 @@
         </a:p>
       </dgm:t>
     </dgm:pt>
-    <dgm:pt modelId="{B0DA7D61-8EC2-4B0B-A8D8-48E32FD7E81B}" type="parTrans" cxnId="{6DCA7469-2CB3-42EB-832A-68EC9D8B54BE}">
+    <dgm:pt modelId="{809CBA6B-2B8A-4280-8820-7E89BE63BF67}" type="parTrans" cxnId="{0AE2047A-8529-4CD6-ADB5-5B371ED94572}">
       <dgm:prSet/>
       <dgm:spPr/>
       <dgm:t>
@@ -1680,7 +1680,7 @@
         </a:p>
       </dgm:t>
     </dgm:pt>
-    <dgm:pt modelId="{3D87164D-4E38-483D-B1E5-A23F2863D047}" type="sibTrans" cxnId="{6DCA7469-2CB3-42EB-832A-68EC9D8B54BE}">
+    <dgm:pt modelId="{3465C9BB-5049-4F2F-B854-7E4DD942FAD9}" type="sibTrans" cxnId="{0AE2047A-8529-4CD6-ADB5-5B371ED94572}">
       <dgm:prSet/>
       <dgm:spPr/>
       <dgm:t>
@@ -1691,8 +1691,8 @@
         </a:p>
       </dgm:t>
     </dgm:pt>
-    <dgm:pt modelId="{58D9D702-DDAD-404D-A99C-991FB277747B}">
-      <dgm:prSet phldrT="[文本]" custT="1"/>
+    <dgm:pt modelId="{37AF6F44-F243-4AAC-A473-73112A483467}">
+      <dgm:prSet custT="1"/>
       <dgm:spPr/>
       <dgm:t>
         <a:bodyPr/>
@@ -1700,13 +1700,13 @@
         <a:p>
           <a:r>
             <a:rPr lang="zh-CN" altLang="en-US" sz="1200" b="1" dirty="0" smtClean="0"/>
-            <a:t>安全状态平涂</a:t>
+            <a:t>安全状态评估</a:t>
           </a:r>
           <a:endParaRPr lang="zh-CN" altLang="en-US" sz="1200" b="1" dirty="0"/>
         </a:p>
       </dgm:t>
     </dgm:pt>
-    <dgm:pt modelId="{81DFD353-E229-4389-9E82-397AA7F130ED}" type="parTrans" cxnId="{1824C05A-E079-4577-9518-AB3EA9FAAB0B}">
+    <dgm:pt modelId="{EEDE38E1-58B1-4381-AAD8-419968BC4DCE}" type="parTrans" cxnId="{ABA4D098-95F3-4E9B-BAE7-81CED8C737B8}">
       <dgm:prSet/>
       <dgm:spPr/>
       <dgm:t>
@@ -1717,7 +1717,7 @@
         </a:p>
       </dgm:t>
     </dgm:pt>
-    <dgm:pt modelId="{F371B479-A39D-44D2-85A4-BFC6F0311874}" type="sibTrans" cxnId="{1824C05A-E079-4577-9518-AB3EA9FAAB0B}">
+    <dgm:pt modelId="{50E932B4-EE15-42F5-8368-A464D786D7BD}" type="sibTrans" cxnId="{ABA4D098-95F3-4E9B-BAE7-81CED8C737B8}">
       <dgm:prSet/>
       <dgm:spPr/>
       <dgm:t>
@@ -1738,6 +1738,13 @@
         </dgm:presLayoutVars>
       </dgm:prSet>
       <dgm:spPr/>
+      <dgm:t>
+        <a:bodyPr/>
+        <a:lstStyle/>
+        <a:p>
+          <a:endParaRPr lang="zh-CN" altLang="en-US"/>
+        </a:p>
+      </dgm:t>
     </dgm:pt>
     <dgm:pt modelId="{0E8579E3-C253-4D06-BA1F-77982245EC61}" type="pres">
       <dgm:prSet presAssocID="{9CE0DD49-B258-4698-97E8-8884D4156E6D}" presName="children" presStyleCnt="0"/>
@@ -1840,6 +1847,13 @@
     <dgm:pt modelId="{51AD0882-8434-46C9-B2A6-B650C0F9FDA7}" type="pres">
       <dgm:prSet presAssocID="{9CE0DD49-B258-4698-97E8-8884D4156E6D}" presName="child4" presStyleLbl="bgAcc1" presStyleIdx="3" presStyleCnt="4" custScaleY="128561"/>
       <dgm:spPr/>
+      <dgm:t>
+        <a:bodyPr/>
+        <a:lstStyle/>
+        <a:p>
+          <a:endParaRPr lang="zh-CN" altLang="en-US"/>
+        </a:p>
+      </dgm:t>
     </dgm:pt>
     <dgm:pt modelId="{C32B0322-0916-46B3-B0C2-5FBAFA11B257}" type="pres">
       <dgm:prSet presAssocID="{9CE0DD49-B258-4698-97E8-8884D4156E6D}" presName="child4Text" presStyleLbl="bgAcc1" presStyleIdx="3" presStyleCnt="4">
@@ -1848,6 +1862,13 @@
         </dgm:presLayoutVars>
       </dgm:prSet>
       <dgm:spPr/>
+      <dgm:t>
+        <a:bodyPr/>
+        <a:lstStyle/>
+        <a:p>
+          <a:endParaRPr lang="zh-CN" altLang="en-US"/>
+        </a:p>
+      </dgm:t>
     </dgm:pt>
     <dgm:pt modelId="{0EA707BB-FFEB-49DE-8009-DCE2C1D6169F}" type="pres">
       <dgm:prSet presAssocID="{9CE0DD49-B258-4698-97E8-8884D4156E6D}" presName="childPlaceholder" presStyleCnt="0"/>
@@ -1865,6 +1886,13 @@
         </dgm:presLayoutVars>
       </dgm:prSet>
       <dgm:spPr/>
+      <dgm:t>
+        <a:bodyPr/>
+        <a:lstStyle/>
+        <a:p>
+          <a:endParaRPr lang="zh-CN" altLang="en-US"/>
+        </a:p>
+      </dgm:t>
     </dgm:pt>
     <dgm:pt modelId="{20E5252D-8C07-4643-8EA5-5ECA07D61FB3}" type="pres">
       <dgm:prSet presAssocID="{9CE0DD49-B258-4698-97E8-8884D4156E6D}" presName="quadrant2" presStyleLbl="node1" presStyleIdx="1" presStyleCnt="4">
@@ -1874,6 +1902,13 @@
         </dgm:presLayoutVars>
       </dgm:prSet>
       <dgm:spPr/>
+      <dgm:t>
+        <a:bodyPr/>
+        <a:lstStyle/>
+        <a:p>
+          <a:endParaRPr lang="zh-CN" altLang="en-US"/>
+        </a:p>
+      </dgm:t>
     </dgm:pt>
     <dgm:pt modelId="{675405E3-2C89-40EE-965E-18BF3F09E76A}" type="pres">
       <dgm:prSet presAssocID="{9CE0DD49-B258-4698-97E8-8884D4156E6D}" presName="quadrant3" presStyleLbl="node1" presStyleIdx="2" presStyleCnt="4">
@@ -1899,84 +1934,91 @@
         </dgm:presLayoutVars>
       </dgm:prSet>
       <dgm:spPr/>
+      <dgm:t>
+        <a:bodyPr/>
+        <a:lstStyle/>
+        <a:p>
+          <a:endParaRPr lang="zh-CN" altLang="en-US"/>
+        </a:p>
+      </dgm:t>
     </dgm:pt>
     <dgm:pt modelId="{BDCC9D9F-C110-44FF-98C9-7FD8C5753BB2}" type="pres">
       <dgm:prSet presAssocID="{9CE0DD49-B258-4698-97E8-8884D4156E6D}" presName="quadrantPlaceholder" presStyleCnt="0"/>
       <dgm:spPr/>
     </dgm:pt>
     <dgm:pt modelId="{ED9E1CFE-5F13-416E-9D3D-52F274427A0B}" type="pres">
-      <dgm:prSet presAssocID="{9CE0DD49-B258-4698-97E8-8884D4156E6D}" presName="center1" presStyleLbl="fgShp" presStyleIdx="0" presStyleCnt="2"/>
+      <dgm:prSet presAssocID="{9CE0DD49-B258-4698-97E8-8884D4156E6D}" presName="center1" presStyleLbl="fgShp" presStyleIdx="0" presStyleCnt="2" custScaleX="177156" custScaleY="177156" custLinFactNeighborX="-1996" custLinFactNeighborY="-16072"/>
       <dgm:spPr/>
     </dgm:pt>
     <dgm:pt modelId="{040D4516-71A2-4D50-BE5C-31DE1B858BCF}" type="pres">
-      <dgm:prSet presAssocID="{9CE0DD49-B258-4698-97E8-8884D4156E6D}" presName="center2" presStyleLbl="fgShp" presStyleIdx="1" presStyleCnt="2"/>
+      <dgm:prSet presAssocID="{9CE0DD49-B258-4698-97E8-8884D4156E6D}" presName="center2" presStyleLbl="fgShp" presStyleIdx="1" presStyleCnt="2" custScaleX="177156" custScaleY="177156" custLinFactNeighborX="-1996" custLinFactNeighborY="6888"/>
       <dgm:spPr/>
     </dgm:pt>
   </dgm:ptLst>
   <dgm:cxnLst>
+    <dgm:cxn modelId="{40CBC910-437E-4911-A588-EB231ADDEDC8}" srcId="{9CDD0D67-D176-49F1-BE17-0C92310A6056}" destId="{B24B8C5B-F5EF-4AA0-929B-60F7F010812E}" srcOrd="0" destOrd="0" parTransId="{70C814D2-F897-4E0C-96A9-3FAB78B9D99B}" sibTransId="{78C57893-6A0E-406C-9B71-B7A0E2AC24D1}"/>
+    <dgm:cxn modelId="{C02D9120-442D-4E3C-8773-206FB1182C2C}" srcId="{3B794E37-F29C-4E9D-A892-C01A376D541E}" destId="{A0AECF08-A33B-4698-83D3-C8AB9E35E975}" srcOrd="0" destOrd="0" parTransId="{5BA72ED7-D309-4A36-B438-F9438C785AC1}" sibTransId="{CCC9B8EE-347E-4D01-BDAF-184E7638C85B}"/>
+    <dgm:cxn modelId="{07FE4183-5B6C-4E49-99F7-74177C9851FD}" type="presOf" srcId="{D729AC25-CED3-4F2E-B5F9-CA12AE1B5B5B}" destId="{947A0687-3B8B-457F-B6A6-C63743A42B84}" srcOrd="0" destOrd="1" presId="urn:microsoft.com/office/officeart/2005/8/layout/cycle4"/>
+    <dgm:cxn modelId="{687EE512-D7D3-4885-83C6-F5D0D731F9FF}" type="presOf" srcId="{561E45B8-E2C5-4FBB-85D5-382D0E7F05C5}" destId="{947A0687-3B8B-457F-B6A6-C63743A42B84}" srcOrd="0" destOrd="3" presId="urn:microsoft.com/office/officeart/2005/8/layout/cycle4"/>
+    <dgm:cxn modelId="{002DA1D8-B6C4-4C4D-8AE7-D7ACF82AC420}" type="presOf" srcId="{64A726FC-466A-4081-A84C-97264D53964D}" destId="{30F4F4AF-0D50-486B-882A-85E925A956CD}" srcOrd="0" destOrd="3" presId="urn:microsoft.com/office/officeart/2005/8/layout/cycle4"/>
+    <dgm:cxn modelId="{ABA4D098-95F3-4E9B-BAE7-81CED8C737B8}" srcId="{9CDD0D67-D176-49F1-BE17-0C92310A6056}" destId="{37AF6F44-F243-4AAC-A473-73112A483467}" srcOrd="4" destOrd="0" parTransId="{EEDE38E1-58B1-4381-AAD8-419968BC4DCE}" sibTransId="{50E932B4-EE15-42F5-8368-A464D786D7BD}"/>
+    <dgm:cxn modelId="{CD5B99A1-CCC5-4EBE-8352-8E0BE39D96BA}" srcId="{F87E6CB3-726B-47F6-A760-F8B056853B1F}" destId="{E1F0516F-1BFE-47DB-9CF7-48D0C05ED9A2}" srcOrd="1" destOrd="0" parTransId="{9AF970D9-6A52-4C55-860A-4915A736A57E}" sibTransId="{E111E3B2-EF2B-45FC-B689-D86D70814470}"/>
+    <dgm:cxn modelId="{A2F3EDFC-04B4-4C24-96B3-FDD7D0186980}" type="presOf" srcId="{1663A9A1-7EE9-416A-A8E4-505549A2A52E}" destId="{9765A068-B6E2-4886-A5FB-50A995921477}" srcOrd="1" destOrd="1" presId="urn:microsoft.com/office/officeart/2005/8/layout/cycle4"/>
+    <dgm:cxn modelId="{E3664721-08C1-4AC5-93D5-E011FE2F2F3A}" type="presOf" srcId="{BEE3D3E8-D59B-4A50-AF07-C7A92764FD35}" destId="{51AD0882-8434-46C9-B2A6-B650C0F9FDA7}" srcOrd="0" destOrd="2" presId="urn:microsoft.com/office/officeart/2005/8/layout/cycle4"/>
+    <dgm:cxn modelId="{0A6529C1-3006-4DEB-BD89-10B407FEF9B6}" srcId="{39B3B994-19FD-457D-90EB-F594C936F4AA}" destId="{64A726FC-466A-4081-A84C-97264D53964D}" srcOrd="3" destOrd="0" parTransId="{862C5B4F-DF41-489A-AEDC-51ECCD55A746}" sibTransId="{5D1315BF-728B-4E57-8122-73F7265E945A}"/>
+    <dgm:cxn modelId="{810744D2-5286-4DA7-AAB4-1D7F6AE80857}" type="presOf" srcId="{3B794E37-F29C-4E9D-A892-C01A376D541E}" destId="{599FACE7-B2BA-4EF1-A244-ED9CC531DA56}" srcOrd="0" destOrd="0" presId="urn:microsoft.com/office/officeart/2005/8/layout/cycle4"/>
+    <dgm:cxn modelId="{5E4C1DE5-F12A-4B40-BD44-9481031EAE91}" srcId="{9CE0DD49-B258-4698-97E8-8884D4156E6D}" destId="{3B794E37-F29C-4E9D-A892-C01A376D541E}" srcOrd="0" destOrd="0" parTransId="{3B115127-6A54-47AD-885F-12033411B9BF}" sibTransId="{25A17EC7-FB37-45E8-B2C4-43DF98505962}"/>
+    <dgm:cxn modelId="{2E072F27-50B7-47B7-92D6-13C5BEC65F4A}" type="presOf" srcId="{F87E6CB3-726B-47F6-A760-F8B056853B1F}" destId="{BD791467-E706-43D9-98D9-FE151C871422}" srcOrd="0" destOrd="0" presId="urn:microsoft.com/office/officeart/2005/8/layout/cycle4"/>
+    <dgm:cxn modelId="{9D99DD33-A08A-4611-BDF2-0F7199EAAE51}" type="presOf" srcId="{9CDD0D67-D176-49F1-BE17-0C92310A6056}" destId="{675405E3-2C89-40EE-965E-18BF3F09E76A}" srcOrd="0" destOrd="0" presId="urn:microsoft.com/office/officeart/2005/8/layout/cycle4"/>
+    <dgm:cxn modelId="{F75EEB48-582A-44E2-8173-4410EDB97664}" type="presOf" srcId="{B9F21A45-BABA-444A-9E3B-CADD87819CF8}" destId="{947A0687-3B8B-457F-B6A6-C63743A42B84}" srcOrd="0" destOrd="2" presId="urn:microsoft.com/office/officeart/2005/8/layout/cycle4"/>
+    <dgm:cxn modelId="{00C12EF9-4BAF-4FAB-BD50-95B51BFA4711}" type="presOf" srcId="{694EB0DF-D84E-40EC-9DF4-C2054F98674B}" destId="{C32B0322-0916-46B3-B0C2-5FBAFA11B257}" srcOrd="1" destOrd="0" presId="urn:microsoft.com/office/officeart/2005/8/layout/cycle4"/>
+    <dgm:cxn modelId="{3232941A-7F99-46C3-8F1F-05D30748EBCE}" type="presOf" srcId="{694EB0DF-D84E-40EC-9DF4-C2054F98674B}" destId="{51AD0882-8434-46C9-B2A6-B650C0F9FDA7}" srcOrd="0" destOrd="0" presId="urn:microsoft.com/office/officeart/2005/8/layout/cycle4"/>
+    <dgm:cxn modelId="{211D3CD5-668A-41C5-9FA7-9A90AD2E6EE7}" srcId="{39B3B994-19FD-457D-90EB-F594C936F4AA}" destId="{B442EE55-26EE-4A01-B8F3-F8A04BA5BA26}" srcOrd="0" destOrd="0" parTransId="{A46A66C4-ACF8-4B0B-A062-59931D4D73F8}" sibTransId="{6CD7AAB9-6DF5-43D0-BA26-E7D1ED32677B}"/>
+    <dgm:cxn modelId="{BCCD90BB-F593-4B31-B7B9-82DA983ADD3E}" srcId="{9CE0DD49-B258-4698-97E8-8884D4156E6D}" destId="{39B3B994-19FD-457D-90EB-F594C936F4AA}" srcOrd="1" destOrd="0" parTransId="{21BFC04F-5875-4197-A4BD-4B956AB1953F}" sibTransId="{8ED48239-117E-44B8-9C3A-8982A6CA7634}"/>
+    <dgm:cxn modelId="{13020247-A3E5-4463-8104-3B09BA8418DE}" type="presOf" srcId="{39B3B994-19FD-457D-90EB-F594C936F4AA}" destId="{20E5252D-8C07-4643-8EA5-5ECA07D61FB3}" srcOrd="0" destOrd="0" presId="urn:microsoft.com/office/officeart/2005/8/layout/cycle4"/>
+    <dgm:cxn modelId="{41E2B546-4006-42B3-81EC-3758917C8715}" type="presOf" srcId="{B442EE55-26EE-4A01-B8F3-F8A04BA5BA26}" destId="{30F4F4AF-0D50-486B-882A-85E925A956CD}" srcOrd="0" destOrd="0" presId="urn:microsoft.com/office/officeart/2005/8/layout/cycle4"/>
+    <dgm:cxn modelId="{F0E9EECE-34FE-4021-AFF9-11D019249746}" srcId="{F87E6CB3-726B-47F6-A760-F8B056853B1F}" destId="{694EB0DF-D84E-40EC-9DF4-C2054F98674B}" srcOrd="0" destOrd="0" parTransId="{2360251B-19E6-4B43-98EA-7F2F48D01A92}" sibTransId="{ED4E3C5B-8FCE-4E68-A6A5-7FB972FBA176}"/>
+    <dgm:cxn modelId="{1EE05B27-57F3-4AC9-8428-03113BF55EA6}" type="presOf" srcId="{CF5DD2DF-D459-4071-9E33-D7D00F8ED28A}" destId="{DB786DFE-ED05-40ED-97DA-C95194C0F3B2}" srcOrd="1" destOrd="5" presId="urn:microsoft.com/office/officeart/2005/8/layout/cycle4"/>
+    <dgm:cxn modelId="{6139E8B0-DA26-49AD-8DB3-F25FF9982870}" type="presOf" srcId="{64A726FC-466A-4081-A84C-97264D53964D}" destId="{9765A068-B6E2-4886-A5FB-50A995921477}" srcOrd="1" destOrd="3" presId="urn:microsoft.com/office/officeart/2005/8/layout/cycle4"/>
+    <dgm:cxn modelId="{2A692321-22A5-44DB-A7A5-7BEC9EA9BCBB}" type="presOf" srcId="{B24B8C5B-F5EF-4AA0-929B-60F7F010812E}" destId="{947A0687-3B8B-457F-B6A6-C63743A42B84}" srcOrd="0" destOrd="0" presId="urn:microsoft.com/office/officeart/2005/8/layout/cycle4"/>
+    <dgm:cxn modelId="{4CB34BB3-8F53-4CD8-901C-3C7E86099B28}" srcId="{9CE0DD49-B258-4698-97E8-8884D4156E6D}" destId="{9CDD0D67-D176-49F1-BE17-0C92310A6056}" srcOrd="2" destOrd="0" parTransId="{73B8A835-FF4D-4C30-AD75-2D181DCFF19F}" sibTransId="{C95550EB-8370-4C17-A53C-56F0339B4AFF}"/>
+    <dgm:cxn modelId="{7E8BF705-304A-41E8-84C4-0A59ED2871D2}" srcId="{3B794E37-F29C-4E9D-A892-C01A376D541E}" destId="{3B72E387-9AB5-4F8E-AB6A-0B84CB196C46}" srcOrd="3" destOrd="0" parTransId="{D11BA3D5-21F5-4E02-8502-B741CB9366F0}" sibTransId="{40D5C11A-2B7F-4348-AB48-9876E818C41B}"/>
+    <dgm:cxn modelId="{D41A7116-D831-495E-B171-4B9BFB3AAEEB}" type="presOf" srcId="{37AF6F44-F243-4AAC-A473-73112A483467}" destId="{6A9916F7-EC46-4744-B146-333D37987245}" srcOrd="1" destOrd="4" presId="urn:microsoft.com/office/officeart/2005/8/layout/cycle4"/>
+    <dgm:cxn modelId="{FFC6D1F4-BC4B-49BB-ADEE-F3948A44A13B}" type="presOf" srcId="{42507583-77FC-4133-85B7-B210FD2264A0}" destId="{DB786DFE-ED05-40ED-97DA-C95194C0F3B2}" srcOrd="1" destOrd="4" presId="urn:microsoft.com/office/officeart/2005/8/layout/cycle4"/>
+    <dgm:cxn modelId="{8DF4777A-49B4-4178-9D7E-64FA4FCE6E94}" type="presOf" srcId="{CF5DD2DF-D459-4071-9E33-D7D00F8ED28A}" destId="{03A6D777-F715-4429-959C-008B1575628E}" srcOrd="0" destOrd="5" presId="urn:microsoft.com/office/officeart/2005/8/layout/cycle4"/>
+    <dgm:cxn modelId="{E521DF4C-C884-4171-8393-4770DD7FD373}" type="presOf" srcId="{B9F21A45-BABA-444A-9E3B-CADD87819CF8}" destId="{6A9916F7-EC46-4744-B146-333D37987245}" srcOrd="1" destOrd="2" presId="urn:microsoft.com/office/officeart/2005/8/layout/cycle4"/>
+    <dgm:cxn modelId="{1470EA66-87F8-44A1-B918-A65A7BF0187D}" type="presOf" srcId="{B442EE55-26EE-4A01-B8F3-F8A04BA5BA26}" destId="{9765A068-B6E2-4886-A5FB-50A995921477}" srcOrd="1" destOrd="0" presId="urn:microsoft.com/office/officeart/2005/8/layout/cycle4"/>
+    <dgm:cxn modelId="{30CEA41C-5395-4D79-A49F-DD602709794C}" type="presOf" srcId="{A0AECF08-A33B-4698-83D3-C8AB9E35E975}" destId="{03A6D777-F715-4429-959C-008B1575628E}" srcOrd="0" destOrd="0" presId="urn:microsoft.com/office/officeart/2005/8/layout/cycle4"/>
+    <dgm:cxn modelId="{C18F312A-786D-49D1-BFB3-9273CC4FB13B}" type="presOf" srcId="{561E45B8-E2C5-4FBB-85D5-382D0E7F05C5}" destId="{6A9916F7-EC46-4744-B146-333D37987245}" srcOrd="1" destOrd="3" presId="urn:microsoft.com/office/officeart/2005/8/layout/cycle4"/>
+    <dgm:cxn modelId="{92852AFB-12EC-4052-9A67-F8E0C3A45297}" srcId="{39B3B994-19FD-457D-90EB-F594C936F4AA}" destId="{1A4E13EE-3203-47B9-B4DB-BFE54EFED129}" srcOrd="2" destOrd="0" parTransId="{1ADF7EDD-349A-49E8-9FCB-9616864D887B}" sibTransId="{B3424704-1ED4-4AFA-AC5C-F5604621D557}"/>
+    <dgm:cxn modelId="{0CCD7EA3-91CB-4FE2-9B84-C493794DF144}" type="presOf" srcId="{9CE0DD49-B258-4698-97E8-8884D4156E6D}" destId="{35A7A3B6-2C27-4AEB-885C-C192B01C6E5D}" srcOrd="0" destOrd="0" presId="urn:microsoft.com/office/officeart/2005/8/layout/cycle4"/>
+    <dgm:cxn modelId="{318A16B5-14B3-4BB9-BA7F-A53C083AB558}" srcId="{9CE0DD49-B258-4698-97E8-8884D4156E6D}" destId="{F87E6CB3-726B-47F6-A760-F8B056853B1F}" srcOrd="3" destOrd="0" parTransId="{83E690FB-8775-4138-B380-5FEB721671D3}" sibTransId="{23184392-808F-4963-919E-65F14CA1AE60}"/>
+    <dgm:cxn modelId="{6C82742D-4A8F-40F1-A30E-F073701895FE}" srcId="{3B794E37-F29C-4E9D-A892-C01A376D541E}" destId="{746C54E0-94AE-4DD7-8B04-C72F1AC09718}" srcOrd="1" destOrd="0" parTransId="{40D157E1-2A34-4237-BF9B-8D000FF1BDAB}" sibTransId="{913E6915-E734-4890-B59F-20BDE7BFB86A}"/>
+    <dgm:cxn modelId="{158F5146-35FB-4048-BA05-2DCB83E83A4B}" type="presOf" srcId="{A0AECF08-A33B-4698-83D3-C8AB9E35E975}" destId="{DB786DFE-ED05-40ED-97DA-C95194C0F3B2}" srcOrd="1" destOrd="0" presId="urn:microsoft.com/office/officeart/2005/8/layout/cycle4"/>
+    <dgm:cxn modelId="{35800C5F-B55B-44A5-B822-EBBB1006C6E2}" srcId="{F87E6CB3-726B-47F6-A760-F8B056853B1F}" destId="{BEE3D3E8-D59B-4A50-AF07-C7A92764FD35}" srcOrd="2" destOrd="0" parTransId="{5AC76511-2BE8-4CBB-872C-F01387B5F46A}" sibTransId="{4B75DFD8-3A73-4F35-8316-4A162A260278}"/>
+    <dgm:cxn modelId="{AC076BA0-9E8C-41D4-B1DF-1279FF64311D}" type="presOf" srcId="{1B926921-8715-4409-A437-285F4838ED1C}" destId="{03A6D777-F715-4429-959C-008B1575628E}" srcOrd="0" destOrd="2" presId="urn:microsoft.com/office/officeart/2005/8/layout/cycle4"/>
+    <dgm:cxn modelId="{EF31B31F-E32D-4408-BF96-C442FFEBC970}" srcId="{3B794E37-F29C-4E9D-A892-C01A376D541E}" destId="{1B926921-8715-4409-A437-285F4838ED1C}" srcOrd="2" destOrd="0" parTransId="{500712EF-961F-4493-AEA7-90ED063A7E01}" sibTransId="{71303853-83D5-4500-AEF1-073D25504147}"/>
+    <dgm:cxn modelId="{0AE2047A-8529-4CD6-ADB5-5B371ED94572}" srcId="{9CDD0D67-D176-49F1-BE17-0C92310A6056}" destId="{561E45B8-E2C5-4FBB-85D5-382D0E7F05C5}" srcOrd="3" destOrd="0" parTransId="{809CBA6B-2B8A-4280-8820-7E89BE63BF67}" sibTransId="{3465C9BB-5049-4F2F-B854-7E4DD942FAD9}"/>
+    <dgm:cxn modelId="{D0B0BED8-4E9C-430B-B02A-DF9494388897}" type="presOf" srcId="{1A4E13EE-3203-47B9-B4DB-BFE54EFED129}" destId="{30F4F4AF-0D50-486B-882A-85E925A956CD}" srcOrd="0" destOrd="2" presId="urn:microsoft.com/office/officeart/2005/8/layout/cycle4"/>
+    <dgm:cxn modelId="{B2771743-050E-4A46-AF1A-E0424C3366CF}" srcId="{39B3B994-19FD-457D-90EB-F594C936F4AA}" destId="{1663A9A1-7EE9-416A-A8E4-505549A2A52E}" srcOrd="1" destOrd="0" parTransId="{6C617B3F-113C-427A-B3B1-DA3B4CFEFB95}" sibTransId="{90758382-D9E7-45BF-ABB9-CE667C608318}"/>
+    <dgm:cxn modelId="{1424C470-3D0E-4D2D-8014-CA0F85172072}" type="presOf" srcId="{3B72E387-9AB5-4F8E-AB6A-0B84CB196C46}" destId="{DB786DFE-ED05-40ED-97DA-C95194C0F3B2}" srcOrd="1" destOrd="3" presId="urn:microsoft.com/office/officeart/2005/8/layout/cycle4"/>
+    <dgm:cxn modelId="{D3F9959A-C305-46C5-9060-E1EB2132AC0E}" type="presOf" srcId="{E1F0516F-1BFE-47DB-9CF7-48D0C05ED9A2}" destId="{C32B0322-0916-46B3-B0C2-5FBAFA11B257}" srcOrd="1" destOrd="1" presId="urn:microsoft.com/office/officeart/2005/8/layout/cycle4"/>
+    <dgm:cxn modelId="{6ADEF71F-E495-4E03-95EA-F18B0B612DE3}" type="presOf" srcId="{E1F0516F-1BFE-47DB-9CF7-48D0C05ED9A2}" destId="{51AD0882-8434-46C9-B2A6-B650C0F9FDA7}" srcOrd="0" destOrd="1" presId="urn:microsoft.com/office/officeart/2005/8/layout/cycle4"/>
+    <dgm:cxn modelId="{50928EE5-82C2-42C9-AD45-3030BADC8C28}" type="presOf" srcId="{D729AC25-CED3-4F2E-B5F9-CA12AE1B5B5B}" destId="{6A9916F7-EC46-4744-B146-333D37987245}" srcOrd="1" destOrd="1" presId="urn:microsoft.com/office/officeart/2005/8/layout/cycle4"/>
+    <dgm:cxn modelId="{85BDF215-580E-4FFE-89E7-2117650DDB74}" type="presOf" srcId="{37AF6F44-F243-4AAC-A473-73112A483467}" destId="{947A0687-3B8B-457F-B6A6-C63743A42B84}" srcOrd="0" destOrd="4" presId="urn:microsoft.com/office/officeart/2005/8/layout/cycle4"/>
+    <dgm:cxn modelId="{36C3915B-F7A0-4F81-8260-4B6A383AB7C8}" srcId="{3B794E37-F29C-4E9D-A892-C01A376D541E}" destId="{CF5DD2DF-D459-4071-9E33-D7D00F8ED28A}" srcOrd="5" destOrd="0" parTransId="{18D22EDC-AA76-49D7-BED1-90E7C295CFAE}" sibTransId="{D695EFD9-6AD1-4697-A91E-97C89F48A615}"/>
+    <dgm:cxn modelId="{76B6B2CB-D687-49D8-A3B9-6A74B2E164EA}" type="presOf" srcId="{42507583-77FC-4133-85B7-B210FD2264A0}" destId="{03A6D777-F715-4429-959C-008B1575628E}" srcOrd="0" destOrd="4" presId="urn:microsoft.com/office/officeart/2005/8/layout/cycle4"/>
+    <dgm:cxn modelId="{2D07DEB6-908A-44F4-AD81-707992246A5C}" srcId="{3B794E37-F29C-4E9D-A892-C01A376D541E}" destId="{42507583-77FC-4133-85B7-B210FD2264A0}" srcOrd="4" destOrd="0" parTransId="{050645A3-5D2C-4E5F-B807-05F220BB10FA}" sibTransId="{DCC4CB68-C1E9-4852-A7D6-E0B5CEF25E7D}"/>
+    <dgm:cxn modelId="{AC29CAC2-EFA5-455D-B15F-33B21875E77C}" type="presOf" srcId="{BEE3D3E8-D59B-4A50-AF07-C7A92764FD35}" destId="{C32B0322-0916-46B3-B0C2-5FBAFA11B257}" srcOrd="1" destOrd="2" presId="urn:microsoft.com/office/officeart/2005/8/layout/cycle4"/>
+    <dgm:cxn modelId="{A625003E-F78A-45D2-94F7-7EB7E1DB9796}" type="presOf" srcId="{746C54E0-94AE-4DD7-8B04-C72F1AC09718}" destId="{DB786DFE-ED05-40ED-97DA-C95194C0F3B2}" srcOrd="1" destOrd="1" presId="urn:microsoft.com/office/officeart/2005/8/layout/cycle4"/>
+    <dgm:cxn modelId="{D441D9C9-3F8A-4E22-A327-4BA62AACA754}" type="presOf" srcId="{1A4E13EE-3203-47B9-B4DB-BFE54EFED129}" destId="{9765A068-B6E2-4886-A5FB-50A995921477}" srcOrd="1" destOrd="2" presId="urn:microsoft.com/office/officeart/2005/8/layout/cycle4"/>
+    <dgm:cxn modelId="{666E89B3-7895-485E-A012-1E8125CE12F9}" type="presOf" srcId="{1663A9A1-7EE9-416A-A8E4-505549A2A52E}" destId="{30F4F4AF-0D50-486B-882A-85E925A956CD}" srcOrd="0" destOrd="1" presId="urn:microsoft.com/office/officeart/2005/8/layout/cycle4"/>
     <dgm:cxn modelId="{63CA0D5F-AEA0-471F-98A9-7076F5AB9083}" type="presOf" srcId="{746C54E0-94AE-4DD7-8B04-C72F1AC09718}" destId="{03A6D777-F715-4429-959C-008B1575628E}" srcOrd="0" destOrd="1" presId="urn:microsoft.com/office/officeart/2005/8/layout/cycle4"/>
-    <dgm:cxn modelId="{1824C05A-E079-4577-9518-AB3EA9FAAB0B}" srcId="{F87E6CB3-726B-47F6-A760-F8B056853B1F}" destId="{58D9D702-DDAD-404D-A99C-991FB277747B}" srcOrd="4" destOrd="0" parTransId="{81DFD353-E229-4389-9E82-397AA7F130ED}" sibTransId="{F371B479-A39D-44D2-85A4-BFC6F0311874}"/>
-    <dgm:cxn modelId="{36C3915B-F7A0-4F81-8260-4B6A383AB7C8}" srcId="{3B794E37-F29C-4E9D-A892-C01A376D541E}" destId="{CF5DD2DF-D459-4071-9E33-D7D00F8ED28A}" srcOrd="5" destOrd="0" parTransId="{18D22EDC-AA76-49D7-BED1-90E7C295CFAE}" sibTransId="{D695EFD9-6AD1-4697-A91E-97C89F48A615}"/>
-    <dgm:cxn modelId="{230198D7-18D0-48AC-9C1F-4EA5361C8B0D}" type="presOf" srcId="{837893D2-1759-47FA-BF24-7766989DE65C}" destId="{947A0687-3B8B-457F-B6A6-C63743A42B84}" srcOrd="0" destOrd="2" presId="urn:microsoft.com/office/officeart/2005/8/layout/cycle4"/>
-    <dgm:cxn modelId="{002DA1D8-B6C4-4C4D-8AE7-D7ACF82AC420}" type="presOf" srcId="{64A726FC-466A-4081-A84C-97264D53964D}" destId="{30F4F4AF-0D50-486B-882A-85E925A956CD}" srcOrd="0" destOrd="3" presId="urn:microsoft.com/office/officeart/2005/8/layout/cycle4"/>
-    <dgm:cxn modelId="{6139E8B0-DA26-49AD-8DB3-F25FF9982870}" type="presOf" srcId="{64A726FC-466A-4081-A84C-97264D53964D}" destId="{9765A068-B6E2-4886-A5FB-50A995921477}" srcOrd="1" destOrd="3" presId="urn:microsoft.com/office/officeart/2005/8/layout/cycle4"/>
-    <dgm:cxn modelId="{67EF2E56-C8E8-41B4-B1A1-CD01091CBBB2}" type="presOf" srcId="{D654DEF5-10A5-4332-9A3D-FBA539621550}" destId="{947A0687-3B8B-457F-B6A6-C63743A42B84}" srcOrd="0" destOrd="0" presId="urn:microsoft.com/office/officeart/2005/8/layout/cycle4"/>
-    <dgm:cxn modelId="{77A4900A-7EA4-4A5F-B718-65163058628D}" type="presOf" srcId="{AE0D1834-49CC-4A6A-A401-7A5646BD9165}" destId="{C32B0322-0916-46B3-B0C2-5FBAFA11B257}" srcOrd="1" destOrd="2" presId="urn:microsoft.com/office/officeart/2005/8/layout/cycle4"/>
-    <dgm:cxn modelId="{25C59EA7-1A4B-46A2-98AE-21B105F8B684}" srcId="{9CDD0D67-D176-49F1-BE17-0C92310A6056}" destId="{4F4DE51A-6E7E-4DDE-AA6B-02B4F2F695CC}" srcOrd="1" destOrd="0" parTransId="{88EE9750-E4F2-494A-9CA2-3664604ACE43}" sibTransId="{185B1EA7-5718-4401-BAC8-168D4499C006}"/>
-    <dgm:cxn modelId="{5E4C1DE5-F12A-4B40-BD44-9481031EAE91}" srcId="{9CE0DD49-B258-4698-97E8-8884D4156E6D}" destId="{3B794E37-F29C-4E9D-A892-C01A376D541E}" srcOrd="0" destOrd="0" parTransId="{3B115127-6A54-47AD-885F-12033411B9BF}" sibTransId="{25A17EC7-FB37-45E8-B2C4-43DF98505962}"/>
-    <dgm:cxn modelId="{DCC89366-ECEC-4B9C-9AD1-D50E4BD4633F}" type="presOf" srcId="{DD29F483-1B88-452A-8EE5-4B3D786A0122}" destId="{51AD0882-8434-46C9-B2A6-B650C0F9FDA7}" srcOrd="0" destOrd="1" presId="urn:microsoft.com/office/officeart/2005/8/layout/cycle4"/>
     <dgm:cxn modelId="{5359D48B-1735-409D-9B59-2363A8F4A21F}" type="presOf" srcId="{1B926921-8715-4409-A437-285F4838ED1C}" destId="{DB786DFE-ED05-40ED-97DA-C95194C0F3B2}" srcOrd="1" destOrd="2" presId="urn:microsoft.com/office/officeart/2005/8/layout/cycle4"/>
-    <dgm:cxn modelId="{D0B0BED8-4E9C-430B-B02A-DF9494388897}" type="presOf" srcId="{1A4E13EE-3203-47B9-B4DB-BFE54EFED129}" destId="{30F4F4AF-0D50-486B-882A-85E925A956CD}" srcOrd="0" destOrd="2" presId="urn:microsoft.com/office/officeart/2005/8/layout/cycle4"/>
-    <dgm:cxn modelId="{8A935D22-F68F-49BF-9363-4E56D35E7B25}" srcId="{F87E6CB3-726B-47F6-A760-F8B056853B1F}" destId="{AE0D1834-49CC-4A6A-A401-7A5646BD9165}" srcOrd="2" destOrd="0" parTransId="{E928D979-B2EA-4320-B2B4-F6306F72014A}" sibTransId="{B19D8502-66EE-4A62-9435-9C08AB5BDA67}"/>
-    <dgm:cxn modelId="{9A771055-AEAD-4AEC-A039-B4AE6BFFE125}" type="presOf" srcId="{4F4DE51A-6E7E-4DDE-AA6B-02B4F2F695CC}" destId="{947A0687-3B8B-457F-B6A6-C63743A42B84}" srcOrd="0" destOrd="1" presId="urn:microsoft.com/office/officeart/2005/8/layout/cycle4"/>
-    <dgm:cxn modelId="{EF31B31F-E32D-4408-BF96-C442FFEBC970}" srcId="{3B794E37-F29C-4E9D-A892-C01A376D541E}" destId="{1B926921-8715-4409-A437-285F4838ED1C}" srcOrd="2" destOrd="0" parTransId="{500712EF-961F-4493-AEA7-90ED063A7E01}" sibTransId="{71303853-83D5-4500-AEF1-073D25504147}"/>
-    <dgm:cxn modelId="{901A710B-C96D-4493-8633-F84C862396DC}" srcId="{9CDD0D67-D176-49F1-BE17-0C92310A6056}" destId="{837893D2-1759-47FA-BF24-7766989DE65C}" srcOrd="2" destOrd="0" parTransId="{23E5D3D2-4FD1-43C0-B1C8-0F601AEC2B1A}" sibTransId="{7A24F50B-92C5-42E3-8664-542B199E15A7}"/>
-    <dgm:cxn modelId="{C02D9120-442D-4E3C-8773-206FB1182C2C}" srcId="{3B794E37-F29C-4E9D-A892-C01A376D541E}" destId="{A0AECF08-A33B-4698-83D3-C8AB9E35E975}" srcOrd="0" destOrd="0" parTransId="{5BA72ED7-D309-4A36-B438-F9438C785AC1}" sibTransId="{CCC9B8EE-347E-4D01-BDAF-184E7638C85B}"/>
-    <dgm:cxn modelId="{76B6B2CB-D687-49D8-A3B9-6A74B2E164EA}" type="presOf" srcId="{42507583-77FC-4133-85B7-B210FD2264A0}" destId="{03A6D777-F715-4429-959C-008B1575628E}" srcOrd="0" destOrd="4" presId="urn:microsoft.com/office/officeart/2005/8/layout/cycle4"/>
-    <dgm:cxn modelId="{8DF4777A-49B4-4178-9D7E-64FA4FCE6E94}" type="presOf" srcId="{CF5DD2DF-D459-4071-9E33-D7D00F8ED28A}" destId="{03A6D777-F715-4429-959C-008B1575628E}" srcOrd="0" destOrd="5" presId="urn:microsoft.com/office/officeart/2005/8/layout/cycle4"/>
-    <dgm:cxn modelId="{0A6529C1-3006-4DEB-BD89-10B407FEF9B6}" srcId="{39B3B994-19FD-457D-90EB-F594C936F4AA}" destId="{64A726FC-466A-4081-A84C-97264D53964D}" srcOrd="3" destOrd="0" parTransId="{862C5B4F-DF41-489A-AEDC-51ECCD55A746}" sibTransId="{5D1315BF-728B-4E57-8122-73F7265E945A}"/>
-    <dgm:cxn modelId="{5053F2E9-B9FA-403C-BAF1-94D208E84ABD}" type="presOf" srcId="{DD29F483-1B88-452A-8EE5-4B3D786A0122}" destId="{C32B0322-0916-46B3-B0C2-5FBAFA11B257}" srcOrd="1" destOrd="1" presId="urn:microsoft.com/office/officeart/2005/8/layout/cycle4"/>
-    <dgm:cxn modelId="{4CB34BB3-8F53-4CD8-901C-3C7E86099B28}" srcId="{9CE0DD49-B258-4698-97E8-8884D4156E6D}" destId="{9CDD0D67-D176-49F1-BE17-0C92310A6056}" srcOrd="2" destOrd="0" parTransId="{73B8A835-FF4D-4C30-AD75-2D181DCFF19F}" sibTransId="{C95550EB-8370-4C17-A53C-56F0339B4AFF}"/>
-    <dgm:cxn modelId="{B2771743-050E-4A46-AF1A-E0424C3366CF}" srcId="{39B3B994-19FD-457D-90EB-F594C936F4AA}" destId="{1663A9A1-7EE9-416A-A8E4-505549A2A52E}" srcOrd="1" destOrd="0" parTransId="{6C617B3F-113C-427A-B3B1-DA3B4CFEFB95}" sibTransId="{90758382-D9E7-45BF-ABB9-CE667C608318}"/>
-    <dgm:cxn modelId="{0740A841-CF17-46FF-A92F-77D0ECCE82A8}" type="presOf" srcId="{AE0D1834-49CC-4A6A-A401-7A5646BD9165}" destId="{51AD0882-8434-46C9-B2A6-B650C0F9FDA7}" srcOrd="0" destOrd="2" presId="urn:microsoft.com/office/officeart/2005/8/layout/cycle4"/>
-    <dgm:cxn modelId="{A2F3EDFC-04B4-4C24-96B3-FDD7D0186980}" type="presOf" srcId="{1663A9A1-7EE9-416A-A8E4-505549A2A52E}" destId="{9765A068-B6E2-4886-A5FB-50A995921477}" srcOrd="1" destOrd="1" presId="urn:microsoft.com/office/officeart/2005/8/layout/cycle4"/>
-    <dgm:cxn modelId="{2D07DEB6-908A-44F4-AD81-707992246A5C}" srcId="{3B794E37-F29C-4E9D-A892-C01A376D541E}" destId="{42507583-77FC-4133-85B7-B210FD2264A0}" srcOrd="4" destOrd="0" parTransId="{050645A3-5D2C-4E5F-B807-05F220BB10FA}" sibTransId="{DCC4CB68-C1E9-4852-A7D6-E0B5CEF25E7D}"/>
-    <dgm:cxn modelId="{1424C470-3D0E-4D2D-8014-CA0F85172072}" type="presOf" srcId="{3B72E387-9AB5-4F8E-AB6A-0B84CB196C46}" destId="{DB786DFE-ED05-40ED-97DA-C95194C0F3B2}" srcOrd="1" destOrd="3" presId="urn:microsoft.com/office/officeart/2005/8/layout/cycle4"/>
-    <dgm:cxn modelId="{318A16B5-14B3-4BB9-BA7F-A53C083AB558}" srcId="{9CE0DD49-B258-4698-97E8-8884D4156E6D}" destId="{F87E6CB3-726B-47F6-A760-F8B056853B1F}" srcOrd="3" destOrd="0" parTransId="{83E690FB-8775-4138-B380-5FEB721671D3}" sibTransId="{23184392-808F-4963-919E-65F14CA1AE60}"/>
-    <dgm:cxn modelId="{30CEA41C-5395-4D79-A49F-DD602709794C}" type="presOf" srcId="{A0AECF08-A33B-4698-83D3-C8AB9E35E975}" destId="{03A6D777-F715-4429-959C-008B1575628E}" srcOrd="0" destOrd="0" presId="urn:microsoft.com/office/officeart/2005/8/layout/cycle4"/>
-    <dgm:cxn modelId="{F7605632-02AF-4161-B72A-10A4161ACE78}" srcId="{9CDD0D67-D176-49F1-BE17-0C92310A6056}" destId="{D654DEF5-10A5-4332-9A3D-FBA539621550}" srcOrd="0" destOrd="0" parTransId="{2B8D0274-47C7-41D5-BE51-974128CE59AE}" sibTransId="{2015028A-14F9-49F3-8245-37BB8966DC7B}"/>
-    <dgm:cxn modelId="{92852AFB-12EC-4052-9A67-F8E0C3A45297}" srcId="{39B3B994-19FD-457D-90EB-F594C936F4AA}" destId="{1A4E13EE-3203-47B9-B4DB-BFE54EFED129}" srcOrd="2" destOrd="0" parTransId="{1ADF7EDD-349A-49E8-9FCB-9616864D887B}" sibTransId="{B3424704-1ED4-4AFA-AC5C-F5604621D557}"/>
-    <dgm:cxn modelId="{94E8E0AE-A34F-45DA-8BAE-5CD3471357D8}" type="presOf" srcId="{4F4DE51A-6E7E-4DDE-AA6B-02B4F2F695CC}" destId="{6A9916F7-EC46-4744-B146-333D37987245}" srcOrd="1" destOrd="1" presId="urn:microsoft.com/office/officeart/2005/8/layout/cycle4"/>
-    <dgm:cxn modelId="{AF7D9280-6C90-4E8C-A149-2622C7CF7136}" type="presOf" srcId="{837893D2-1759-47FA-BF24-7766989DE65C}" destId="{6A9916F7-EC46-4744-B146-333D37987245}" srcOrd="1" destOrd="2" presId="urn:microsoft.com/office/officeart/2005/8/layout/cycle4"/>
-    <dgm:cxn modelId="{41E2B546-4006-42B3-81EC-3758917C8715}" type="presOf" srcId="{B442EE55-26EE-4A01-B8F3-F8A04BA5BA26}" destId="{30F4F4AF-0D50-486B-882A-85E925A956CD}" srcOrd="0" destOrd="0" presId="urn:microsoft.com/office/officeart/2005/8/layout/cycle4"/>
-    <dgm:cxn modelId="{810744D2-5286-4DA7-AAB4-1D7F6AE80857}" type="presOf" srcId="{3B794E37-F29C-4E9D-A892-C01A376D541E}" destId="{599FACE7-B2BA-4EF1-A244-ED9CC531DA56}" srcOrd="0" destOrd="0" presId="urn:microsoft.com/office/officeart/2005/8/layout/cycle4"/>
-    <dgm:cxn modelId="{1EE05B27-57F3-4AC9-8428-03113BF55EA6}" type="presOf" srcId="{CF5DD2DF-D459-4071-9E33-D7D00F8ED28A}" destId="{DB786DFE-ED05-40ED-97DA-C95194C0F3B2}" srcOrd="1" destOrd="5" presId="urn:microsoft.com/office/officeart/2005/8/layout/cycle4"/>
-    <dgm:cxn modelId="{2E072F27-50B7-47B7-92D6-13C5BEC65F4A}" type="presOf" srcId="{F87E6CB3-726B-47F6-A760-F8B056853B1F}" destId="{BD791467-E706-43D9-98D9-FE151C871422}" srcOrd="0" destOrd="0" presId="urn:microsoft.com/office/officeart/2005/8/layout/cycle4"/>
-    <dgm:cxn modelId="{666E89B3-7895-485E-A012-1E8125CE12F9}" type="presOf" srcId="{1663A9A1-7EE9-416A-A8E4-505549A2A52E}" destId="{30F4F4AF-0D50-486B-882A-85E925A956CD}" srcOrd="0" destOrd="1" presId="urn:microsoft.com/office/officeart/2005/8/layout/cycle4"/>
-    <dgm:cxn modelId="{211D3CD5-668A-41C5-9FA7-9A90AD2E6EE7}" srcId="{39B3B994-19FD-457D-90EB-F594C936F4AA}" destId="{B442EE55-26EE-4A01-B8F3-F8A04BA5BA26}" srcOrd="0" destOrd="0" parTransId="{A46A66C4-ACF8-4B0B-A062-59931D4D73F8}" sibTransId="{6CD7AAB9-6DF5-43D0-BA26-E7D1ED32677B}"/>
-    <dgm:cxn modelId="{158F5146-35FB-4048-BA05-2DCB83E83A4B}" type="presOf" srcId="{A0AECF08-A33B-4698-83D3-C8AB9E35E975}" destId="{DB786DFE-ED05-40ED-97DA-C95194C0F3B2}" srcOrd="1" destOrd="0" presId="urn:microsoft.com/office/officeart/2005/8/layout/cycle4"/>
-    <dgm:cxn modelId="{F8945E32-1B3C-4D2A-87E0-94557E5C1B4B}" srcId="{F87E6CB3-726B-47F6-A760-F8B056853B1F}" destId="{DD29F483-1B88-452A-8EE5-4B3D786A0122}" srcOrd="1" destOrd="0" parTransId="{86524177-573F-40D9-AD1A-14D07B637D1C}" sibTransId="{B2A9A452-4F18-454C-95CB-7924CB351A9A}"/>
-    <dgm:cxn modelId="{BC6F010D-C526-4E5B-A9F8-9592555F89E6}" type="presOf" srcId="{D654DEF5-10A5-4332-9A3D-FBA539621550}" destId="{6A9916F7-EC46-4744-B146-333D37987245}" srcOrd="1" destOrd="0" presId="urn:microsoft.com/office/officeart/2005/8/layout/cycle4"/>
-    <dgm:cxn modelId="{DBB10C34-1600-4C0B-86F0-4EC2C0FE049D}" srcId="{F87E6CB3-726B-47F6-A760-F8B056853B1F}" destId="{4873C841-EAF3-49D4-B6EA-30204EF620C2}" srcOrd="0" destOrd="0" parTransId="{605E6AE8-D2F4-458C-BD03-6B31501CCF18}" sibTransId="{3B94DDE4-7AD7-406E-8768-81FFB5B96A54}"/>
-    <dgm:cxn modelId="{35313BF5-53B2-4432-8B55-B7B21B1E76C2}" type="presOf" srcId="{58D9D702-DDAD-404D-A99C-991FB277747B}" destId="{51AD0882-8434-46C9-B2A6-B650C0F9FDA7}" srcOrd="0" destOrd="4" presId="urn:microsoft.com/office/officeart/2005/8/layout/cycle4"/>
-    <dgm:cxn modelId="{0E3B6103-1A4E-40D6-AA4D-3743DE46B402}" type="presOf" srcId="{4873C841-EAF3-49D4-B6EA-30204EF620C2}" destId="{51AD0882-8434-46C9-B2A6-B650C0F9FDA7}" srcOrd="0" destOrd="0" presId="urn:microsoft.com/office/officeart/2005/8/layout/cycle4"/>
-    <dgm:cxn modelId="{6DCA7469-2CB3-42EB-832A-68EC9D8B54BE}" srcId="{F87E6CB3-726B-47F6-A760-F8B056853B1F}" destId="{9969A9F2-D73F-4FA4-BF28-60791D0F2CDD}" srcOrd="3" destOrd="0" parTransId="{B0DA7D61-8EC2-4B0B-A8D8-48E32FD7E81B}" sibTransId="{3D87164D-4E38-483D-B1E5-A23F2863D047}"/>
-    <dgm:cxn modelId="{1470EA66-87F8-44A1-B918-A65A7BF0187D}" type="presOf" srcId="{B442EE55-26EE-4A01-B8F3-F8A04BA5BA26}" destId="{9765A068-B6E2-4886-A5FB-50A995921477}" srcOrd="1" destOrd="0" presId="urn:microsoft.com/office/officeart/2005/8/layout/cycle4"/>
-    <dgm:cxn modelId="{FFC6D1F4-BC4B-49BB-ADEE-F3948A44A13B}" type="presOf" srcId="{42507583-77FC-4133-85B7-B210FD2264A0}" destId="{DB786DFE-ED05-40ED-97DA-C95194C0F3B2}" srcOrd="1" destOrd="4" presId="urn:microsoft.com/office/officeart/2005/8/layout/cycle4"/>
-    <dgm:cxn modelId="{0CCD7EA3-91CB-4FE2-9B84-C493794DF144}" type="presOf" srcId="{9CE0DD49-B258-4698-97E8-8884D4156E6D}" destId="{35A7A3B6-2C27-4AEB-885C-C192B01C6E5D}" srcOrd="0" destOrd="0" presId="urn:microsoft.com/office/officeart/2005/8/layout/cycle4"/>
-    <dgm:cxn modelId="{5A389CE6-C64C-4E83-A052-BBD805A67332}" type="presOf" srcId="{9969A9F2-D73F-4FA4-BF28-60791D0F2CDD}" destId="{C32B0322-0916-46B3-B0C2-5FBAFA11B257}" srcOrd="1" destOrd="3" presId="urn:microsoft.com/office/officeart/2005/8/layout/cycle4"/>
-    <dgm:cxn modelId="{0B35CD74-7289-43FE-8D9C-5CBAB8322F96}" type="presOf" srcId="{9969A9F2-D73F-4FA4-BF28-60791D0F2CDD}" destId="{51AD0882-8434-46C9-B2A6-B650C0F9FDA7}" srcOrd="0" destOrd="3" presId="urn:microsoft.com/office/officeart/2005/8/layout/cycle4"/>
-    <dgm:cxn modelId="{7E8BF705-304A-41E8-84C4-0A59ED2871D2}" srcId="{3B794E37-F29C-4E9D-A892-C01A376D541E}" destId="{3B72E387-9AB5-4F8E-AB6A-0B84CB196C46}" srcOrd="3" destOrd="0" parTransId="{D11BA3D5-21F5-4E02-8502-B741CB9366F0}" sibTransId="{40D5C11A-2B7F-4348-AB48-9876E818C41B}"/>
-    <dgm:cxn modelId="{6C82742D-4A8F-40F1-A30E-F073701895FE}" srcId="{3B794E37-F29C-4E9D-A892-C01A376D541E}" destId="{746C54E0-94AE-4DD7-8B04-C72F1AC09718}" srcOrd="1" destOrd="0" parTransId="{40D157E1-2A34-4237-BF9B-8D000FF1BDAB}" sibTransId="{913E6915-E734-4890-B59F-20BDE7BFB86A}"/>
-    <dgm:cxn modelId="{13020247-A3E5-4463-8104-3B09BA8418DE}" type="presOf" srcId="{39B3B994-19FD-457D-90EB-F594C936F4AA}" destId="{20E5252D-8C07-4643-8EA5-5ECA07D61FB3}" srcOrd="0" destOrd="0" presId="urn:microsoft.com/office/officeart/2005/8/layout/cycle4"/>
-    <dgm:cxn modelId="{AC076BA0-9E8C-41D4-B1DF-1279FF64311D}" type="presOf" srcId="{1B926921-8715-4409-A437-285F4838ED1C}" destId="{03A6D777-F715-4429-959C-008B1575628E}" srcOrd="0" destOrd="2" presId="urn:microsoft.com/office/officeart/2005/8/layout/cycle4"/>
-    <dgm:cxn modelId="{D441D9C9-3F8A-4E22-A327-4BA62AACA754}" type="presOf" srcId="{1A4E13EE-3203-47B9-B4DB-BFE54EFED129}" destId="{9765A068-B6E2-4886-A5FB-50A995921477}" srcOrd="1" destOrd="2" presId="urn:microsoft.com/office/officeart/2005/8/layout/cycle4"/>
-    <dgm:cxn modelId="{A625003E-F78A-45D2-94F7-7EB7E1DB9796}" type="presOf" srcId="{746C54E0-94AE-4DD7-8B04-C72F1AC09718}" destId="{DB786DFE-ED05-40ED-97DA-C95194C0F3B2}" srcOrd="1" destOrd="1" presId="urn:microsoft.com/office/officeart/2005/8/layout/cycle4"/>
-    <dgm:cxn modelId="{9738205B-A39F-4178-8152-4262FF584EFC}" type="presOf" srcId="{4873C841-EAF3-49D4-B6EA-30204EF620C2}" destId="{C32B0322-0916-46B3-B0C2-5FBAFA11B257}" srcOrd="1" destOrd="0" presId="urn:microsoft.com/office/officeart/2005/8/layout/cycle4"/>
-    <dgm:cxn modelId="{9D99DD33-A08A-4611-BDF2-0F7199EAAE51}" type="presOf" srcId="{9CDD0D67-D176-49F1-BE17-0C92310A6056}" destId="{675405E3-2C89-40EE-965E-18BF3F09E76A}" srcOrd="0" destOrd="0" presId="urn:microsoft.com/office/officeart/2005/8/layout/cycle4"/>
-    <dgm:cxn modelId="{89274AF9-777F-45CD-8405-52AB93EDE70A}" type="presOf" srcId="{58D9D702-DDAD-404D-A99C-991FB277747B}" destId="{C32B0322-0916-46B3-B0C2-5FBAFA11B257}" srcOrd="1" destOrd="4" presId="urn:microsoft.com/office/officeart/2005/8/layout/cycle4"/>
-    <dgm:cxn modelId="{BCCD90BB-F593-4B31-B7B9-82DA983ADD3E}" srcId="{9CE0DD49-B258-4698-97E8-8884D4156E6D}" destId="{39B3B994-19FD-457D-90EB-F594C936F4AA}" srcOrd="1" destOrd="0" parTransId="{21BFC04F-5875-4197-A4BD-4B956AB1953F}" sibTransId="{8ED48239-117E-44B8-9C3A-8982A6CA7634}"/>
     <dgm:cxn modelId="{A22A3A0C-A3E7-4C8F-AB1B-533DB3AFDC8C}" type="presOf" srcId="{3B72E387-9AB5-4F8E-AB6A-0B84CB196C46}" destId="{03A6D777-F715-4429-959C-008B1575628E}" srcOrd="0" destOrd="3" presId="urn:microsoft.com/office/officeart/2005/8/layout/cycle4"/>
+    <dgm:cxn modelId="{F1B7BE8C-F302-4623-B564-40A29FBA684B}" srcId="{9CDD0D67-D176-49F1-BE17-0C92310A6056}" destId="{B9F21A45-BABA-444A-9E3B-CADD87819CF8}" srcOrd="2" destOrd="0" parTransId="{7C493D8B-8CCD-4D26-9775-F9EBFE388FD5}" sibTransId="{74C62316-984A-4486-BD4F-61FAE6CCDCDC}"/>
+    <dgm:cxn modelId="{29F2753A-4D08-4070-9129-06DC28FCC7B5}" type="presOf" srcId="{B24B8C5B-F5EF-4AA0-929B-60F7F010812E}" destId="{6A9916F7-EC46-4744-B146-333D37987245}" srcOrd="1" destOrd="0" presId="urn:microsoft.com/office/officeart/2005/8/layout/cycle4"/>
+    <dgm:cxn modelId="{83184815-65D0-49CF-B706-DEB0A351AE8B}" srcId="{9CDD0D67-D176-49F1-BE17-0C92310A6056}" destId="{D729AC25-CED3-4F2E-B5F9-CA12AE1B5B5B}" srcOrd="1" destOrd="0" parTransId="{834B2E16-4E57-4C95-BB56-A118A73B6145}" sibTransId="{E7F3CAF2-9E42-4050-B1BA-EF4569D5B5A8}"/>
     <dgm:cxn modelId="{0D5DC4DB-292E-47CB-A04F-426AB0E13911}" type="presParOf" srcId="{35A7A3B6-2C27-4AEB-885C-C192B01C6E5D}" destId="{0E8579E3-C253-4D06-BA1F-77982245EC61}" srcOrd="0" destOrd="0" presId="urn:microsoft.com/office/officeart/2005/8/layout/cycle4"/>
     <dgm:cxn modelId="{2406DFF2-0DA9-404D-AEF3-BBD9919EB887}" type="presParOf" srcId="{0E8579E3-C253-4D06-BA1F-77982245EC61}" destId="{55E20671-188B-46A1-A508-276309B534F3}" srcOrd="0" destOrd="0" presId="urn:microsoft.com/office/officeart/2005/8/layout/cycle4"/>
     <dgm:cxn modelId="{8A48933A-9B4C-4A97-8AEC-AD8C0438DF1F}" type="presParOf" srcId="{55E20671-188B-46A1-A508-276309B534F3}" destId="{03A6D777-F715-4429-959C-008B1575628E}" srcOrd="0" destOrd="0" presId="urn:microsoft.com/office/officeart/2005/8/layout/cycle4"/>
@@ -2048,124 +2090,6 @@
               <a:hueOff val="-4902231"/>
               <a:satOff val="-6819"/>
               <a:lumOff val="-2615"/>
-              <a:alphaOff val="0"/>
-            </a:schemeClr>
-          </a:solidFill>
-          <a:prstDash val="solid"/>
-          <a:miter lim="800000"/>
-        </a:ln>
-        <a:effectLst/>
-      </dsp:spPr>
-      <dsp:style>
-        <a:lnRef idx="2">
-          <a:scrgbClr r="0" g="0" b="0"/>
-        </a:lnRef>
-        <a:fillRef idx="1">
-          <a:scrgbClr r="0" g="0" b="0"/>
-        </a:fillRef>
-        <a:effectRef idx="0">
-          <a:scrgbClr r="0" g="0" b="0"/>
-        </a:effectRef>
-        <a:fontRef idx="minor"/>
-      </dsp:style>
-      <dsp:txBody>
-        <a:bodyPr spcFirstLastPara="0" vert="horz" wrap="square" lIns="45720" tIns="45720" rIns="45720" bIns="45720" numCol="1" spcCol="1270" anchor="t" anchorCtr="0">
-          <a:noAutofit/>
-        </a:bodyPr>
-        <a:lstStyle/>
-        <a:p>
-          <a:pPr marL="114300" lvl="1" indent="-114300" algn="l" defTabSz="533400">
-            <a:lnSpc>
-              <a:spcPct val="90000"/>
-            </a:lnSpc>
-            <a:spcBef>
-              <a:spcPct val="0"/>
-            </a:spcBef>
-            <a:spcAft>
-              <a:spcPct val="15000"/>
-            </a:spcAft>
-            <a:buChar char="••"/>
-          </a:pPr>
-          <a:r>
-            <a:rPr lang="zh-CN" altLang="en-US" sz="1200" b="1" kern="1200" dirty="0" smtClean="0"/>
-            <a:t>数据备份</a:t>
-          </a:r>
-          <a:endParaRPr lang="zh-CN" altLang="en-US" sz="1200" b="1" kern="1200" dirty="0"/>
-        </a:p>
-        <a:p>
-          <a:pPr marL="114300" lvl="1" indent="-114300" algn="l" defTabSz="533400">
-            <a:lnSpc>
-              <a:spcPct val="90000"/>
-            </a:lnSpc>
-            <a:spcBef>
-              <a:spcPct val="0"/>
-            </a:spcBef>
-            <a:spcAft>
-              <a:spcPct val="15000"/>
-            </a:spcAft>
-            <a:buChar char="••"/>
-          </a:pPr>
-          <a:r>
-            <a:rPr lang="zh-CN" altLang="en-US" sz="1200" b="1" kern="1200" dirty="0" smtClean="0"/>
-            <a:t>数据恢复</a:t>
-          </a:r>
-          <a:endParaRPr lang="zh-CN" altLang="en-US" sz="1200" b="1" kern="1200" dirty="0"/>
-        </a:p>
-        <a:p>
-          <a:pPr marL="114300" lvl="1" indent="-114300" algn="l" defTabSz="533400">
-            <a:lnSpc>
-              <a:spcPct val="90000"/>
-            </a:lnSpc>
-            <a:spcBef>
-              <a:spcPct val="0"/>
-            </a:spcBef>
-            <a:spcAft>
-              <a:spcPct val="15000"/>
-            </a:spcAft>
-            <a:buChar char="••"/>
-          </a:pPr>
-          <a:r>
-            <a:rPr lang="zh-CN" altLang="en-US" sz="1200" b="1" kern="1200" dirty="0" smtClean="0"/>
-            <a:t>系统恢复</a:t>
-          </a:r>
-          <a:endParaRPr lang="zh-CN" altLang="en-US" sz="1200" b="1" kern="1200" dirty="0"/>
-        </a:p>
-      </dsp:txBody>
-      <dsp:txXfrm>
-        <a:off x="5663386" y="3803786"/>
-        <a:ext cx="1673366" cy="1483149"/>
-      </dsp:txXfrm>
-    </dsp:sp>
-    <dsp:sp modelId="{51AD0882-8434-46C9-B2A6-B650C0F9FDA7}">
-      <dsp:nvSpPr>
-        <dsp:cNvPr id="0" name=""/>
-        <dsp:cNvSpPr/>
-      </dsp:nvSpPr>
-      <dsp:spPr>
-        <a:xfrm>
-          <a:off x="745104" y="3232498"/>
-          <a:ext cx="2522360" cy="2100581"/>
-        </a:xfrm>
-        <a:prstGeom prst="roundRect">
-          <a:avLst>
-            <a:gd name="adj" fmla="val 10000"/>
-          </a:avLst>
-        </a:prstGeom>
-        <a:solidFill>
-          <a:schemeClr val="lt1">
-            <a:alpha val="90000"/>
-            <a:hueOff val="0"/>
-            <a:satOff val="0"/>
-            <a:lumOff val="0"/>
-            <a:alphaOff val="0"/>
-          </a:schemeClr>
-        </a:solidFill>
-        <a:ln w="12700" cap="flat" cmpd="sng" algn="ctr">
-          <a:solidFill>
-            <a:schemeClr val="accent5">
-              <a:hueOff val="-7353345"/>
-              <a:satOff val="-10228"/>
-              <a:lumOff val="-3922"/>
               <a:alphaOff val="0"/>
             </a:schemeClr>
           </a:solidFill>
@@ -2282,7 +2206,125 @@
           </a:pPr>
           <a:r>
             <a:rPr lang="zh-CN" altLang="en-US" sz="1200" b="1" kern="1200" dirty="0" smtClean="0"/>
-            <a:t>安全状态平涂</a:t>
+            <a:t>安全状态评估</a:t>
+          </a:r>
+          <a:endParaRPr lang="zh-CN" altLang="en-US" sz="1200" b="1" kern="1200" dirty="0"/>
+        </a:p>
+      </dsp:txBody>
+      <dsp:txXfrm>
+        <a:off x="5663386" y="3803786"/>
+        <a:ext cx="1673366" cy="1483149"/>
+      </dsp:txXfrm>
+    </dsp:sp>
+    <dsp:sp modelId="{51AD0882-8434-46C9-B2A6-B650C0F9FDA7}">
+      <dsp:nvSpPr>
+        <dsp:cNvPr id="0" name=""/>
+        <dsp:cNvSpPr/>
+      </dsp:nvSpPr>
+      <dsp:spPr>
+        <a:xfrm>
+          <a:off x="745104" y="3232498"/>
+          <a:ext cx="2522360" cy="2100581"/>
+        </a:xfrm>
+        <a:prstGeom prst="roundRect">
+          <a:avLst>
+            <a:gd name="adj" fmla="val 10000"/>
+          </a:avLst>
+        </a:prstGeom>
+        <a:solidFill>
+          <a:schemeClr val="lt1">
+            <a:alpha val="90000"/>
+            <a:hueOff val="0"/>
+            <a:satOff val="0"/>
+            <a:lumOff val="0"/>
+            <a:alphaOff val="0"/>
+          </a:schemeClr>
+        </a:solidFill>
+        <a:ln w="12700" cap="flat" cmpd="sng" algn="ctr">
+          <a:solidFill>
+            <a:schemeClr val="accent5">
+              <a:hueOff val="-7353345"/>
+              <a:satOff val="-10228"/>
+              <a:lumOff val="-3922"/>
+              <a:alphaOff val="0"/>
+            </a:schemeClr>
+          </a:solidFill>
+          <a:prstDash val="solid"/>
+          <a:miter lim="800000"/>
+        </a:ln>
+        <a:effectLst/>
+      </dsp:spPr>
+      <dsp:style>
+        <a:lnRef idx="2">
+          <a:scrgbClr r="0" g="0" b="0"/>
+        </a:lnRef>
+        <a:fillRef idx="1">
+          <a:scrgbClr r="0" g="0" b="0"/>
+        </a:fillRef>
+        <a:effectRef idx="0">
+          <a:scrgbClr r="0" g="0" b="0"/>
+        </a:effectRef>
+        <a:fontRef idx="minor"/>
+      </dsp:style>
+      <dsp:txBody>
+        <a:bodyPr spcFirstLastPara="0" vert="horz" wrap="square" lIns="45720" tIns="45720" rIns="45720" bIns="45720" numCol="1" spcCol="1270" anchor="t" anchorCtr="0">
+          <a:noAutofit/>
+        </a:bodyPr>
+        <a:lstStyle/>
+        <a:p>
+          <a:pPr marL="114300" lvl="1" indent="-114300" algn="l" defTabSz="533400">
+            <a:lnSpc>
+              <a:spcPct val="90000"/>
+            </a:lnSpc>
+            <a:spcBef>
+              <a:spcPct val="0"/>
+            </a:spcBef>
+            <a:spcAft>
+              <a:spcPct val="15000"/>
+            </a:spcAft>
+            <a:buChar char="••"/>
+          </a:pPr>
+          <a:r>
+            <a:rPr lang="zh-CN" altLang="en-US" sz="1200" b="1" kern="1200" dirty="0" smtClean="0"/>
+            <a:t>数据备份</a:t>
+          </a:r>
+          <a:endParaRPr lang="zh-CN" altLang="en-US" sz="1200" b="1" kern="1200" dirty="0"/>
+        </a:p>
+        <a:p>
+          <a:pPr marL="114300" lvl="1" indent="-114300" algn="l" defTabSz="533400">
+            <a:lnSpc>
+              <a:spcPct val="90000"/>
+            </a:lnSpc>
+            <a:spcBef>
+              <a:spcPct val="0"/>
+            </a:spcBef>
+            <a:spcAft>
+              <a:spcPct val="15000"/>
+            </a:spcAft>
+            <a:buChar char="••"/>
+          </a:pPr>
+          <a:r>
+            <a:rPr lang="zh-CN" altLang="en-US" sz="1200" b="1" kern="1200" dirty="0" smtClean="0"/>
+            <a:t>数据恢复</a:t>
+          </a:r>
+          <a:endParaRPr lang="zh-CN" altLang="en-US" sz="1200" b="1" kern="1200" dirty="0"/>
+        </a:p>
+        <a:p>
+          <a:pPr marL="114300" lvl="1" indent="-114300" algn="l" defTabSz="533400">
+            <a:lnSpc>
+              <a:spcPct val="90000"/>
+            </a:lnSpc>
+            <a:spcBef>
+              <a:spcPct val="0"/>
+            </a:spcBef>
+            <a:spcAft>
+              <a:spcPct val="15000"/>
+            </a:spcAft>
+            <a:buChar char="••"/>
+          </a:pPr>
+          <a:r>
+            <a:rPr lang="zh-CN" altLang="en-US" sz="1200" b="1" kern="1200" dirty="0" smtClean="0"/>
+            <a:t>系统恢复</a:t>
           </a:r>
           <a:endParaRPr lang="zh-CN" altLang="en-US" sz="1200" b="1" kern="1200" dirty="0"/>
         </a:p>
@@ -2594,7 +2636,7 @@
           </a:pPr>
           <a:r>
             <a:rPr lang="zh-CN" altLang="en-US" sz="1200" b="1" kern="1200" dirty="0" smtClean="0"/>
-            <a:t>防火请技术</a:t>
+            <a:t>防火墙技术</a:t>
           </a:r>
           <a:endParaRPr lang="zh-CN" altLang="en-US" sz="1200" b="1" kern="1200" dirty="0"/>
         </a:p>
@@ -2828,7 +2870,7 @@
           </a:pPr>
           <a:r>
             <a:rPr lang="zh-CN" altLang="en-US" sz="3900" kern="1200" dirty="0" smtClean="0"/>
-            <a:t>恢复</a:t>
+            <a:t>响应</a:t>
           </a:r>
           <a:endParaRPr lang="zh-CN" altLang="en-US" sz="3900" kern="1200" dirty="0"/>
         </a:p>
@@ -2906,7 +2948,7 @@
           </a:pPr>
           <a:r>
             <a:rPr lang="zh-CN" altLang="en-US" sz="3900" kern="1200" dirty="0" smtClean="0"/>
-            <a:t>响应</a:t>
+            <a:t>恢复</a:t>
           </a:r>
           <a:endParaRPr lang="zh-CN" altLang="en-US" sz="3900" kern="1200" dirty="0"/>
         </a:p>
@@ -2923,8 +2965,8 @@
       </dsp:nvSpPr>
       <dsp:spPr>
         <a:xfrm>
-          <a:off x="3682326" y="2099703"/>
-          <a:ext cx="763346" cy="663779"/>
+          <a:off x="3372606" y="1736947"/>
+          <a:ext cx="1352313" cy="1175924"/>
         </a:xfrm>
         <a:prstGeom prst="circularArrow">
           <a:avLst/>
@@ -2972,8 +3014,8 @@
       </dsp:nvSpPr>
       <dsp:spPr>
         <a:xfrm rot="10800000">
-          <a:off x="3682326" y="2355002"/>
-          <a:ext cx="763346" cy="663779"/>
+          <a:off x="3372606" y="2144651"/>
+          <a:ext cx="1352313" cy="1175924"/>
         </a:xfrm>
         <a:prstGeom prst="circularArrow">
           <a:avLst/>
@@ -4908,7 +4950,7 @@
           <a:p>
             <a:fld id="{D997B5FA-0921-464F-AAE1-844C04324D75}" type="datetimeFigureOut">
               <a:rPr lang="zh-CN" altLang="en-US" smtClean="0"/>
-              <a:t>2022/3/30</a:t>
+              <a:t>2022/3/31</a:t>
             </a:fld>
             <a:endParaRPr lang="zh-CN" altLang="en-US"/>
           </a:p>
@@ -5078,7 +5120,7 @@
           <a:p>
             <a:fld id="{D997B5FA-0921-464F-AAE1-844C04324D75}" type="datetimeFigureOut">
               <a:rPr lang="zh-CN" altLang="en-US" smtClean="0"/>
-              <a:t>2022/3/30</a:t>
+              <a:t>2022/3/31</a:t>
             </a:fld>
             <a:endParaRPr lang="zh-CN" altLang="en-US"/>
           </a:p>
@@ -5258,7 +5300,7 @@
           <a:p>
             <a:fld id="{D997B5FA-0921-464F-AAE1-844C04324D75}" type="datetimeFigureOut">
               <a:rPr lang="zh-CN" altLang="en-US" smtClean="0"/>
-              <a:t>2022/3/30</a:t>
+              <a:t>2022/3/31</a:t>
             </a:fld>
             <a:endParaRPr lang="zh-CN" altLang="en-US"/>
           </a:p>
@@ -5428,7 +5470,7 @@
           <a:p>
             <a:fld id="{D997B5FA-0921-464F-AAE1-844C04324D75}" type="datetimeFigureOut">
               <a:rPr lang="zh-CN" altLang="en-US" smtClean="0"/>
-              <a:t>2022/3/30</a:t>
+              <a:t>2022/3/31</a:t>
             </a:fld>
             <a:endParaRPr lang="zh-CN" altLang="en-US"/>
           </a:p>
@@ -5674,7 +5716,7 @@
           <a:p>
             <a:fld id="{D997B5FA-0921-464F-AAE1-844C04324D75}" type="datetimeFigureOut">
               <a:rPr lang="zh-CN" altLang="en-US" smtClean="0"/>
-              <a:t>2022/3/30</a:t>
+              <a:t>2022/3/31</a:t>
             </a:fld>
             <a:endParaRPr lang="zh-CN" altLang="en-US"/>
           </a:p>
@@ -5906,7 +5948,7 @@
           <a:p>
             <a:fld id="{D997B5FA-0921-464F-AAE1-844C04324D75}" type="datetimeFigureOut">
               <a:rPr lang="zh-CN" altLang="en-US" smtClean="0"/>
-              <a:t>2022/3/30</a:t>
+              <a:t>2022/3/31</a:t>
             </a:fld>
             <a:endParaRPr lang="zh-CN" altLang="en-US"/>
           </a:p>
@@ -6273,7 +6315,7 @@
           <a:p>
             <a:fld id="{D997B5FA-0921-464F-AAE1-844C04324D75}" type="datetimeFigureOut">
               <a:rPr lang="zh-CN" altLang="en-US" smtClean="0"/>
-              <a:t>2022/3/30</a:t>
+              <a:t>2022/3/31</a:t>
             </a:fld>
             <a:endParaRPr lang="zh-CN" altLang="en-US"/>
           </a:p>
@@ -6391,7 +6433,7 @@
           <a:p>
             <a:fld id="{D997B5FA-0921-464F-AAE1-844C04324D75}" type="datetimeFigureOut">
               <a:rPr lang="zh-CN" altLang="en-US" smtClean="0"/>
-              <a:t>2022/3/30</a:t>
+              <a:t>2022/3/31</a:t>
             </a:fld>
             <a:endParaRPr lang="zh-CN" altLang="en-US"/>
           </a:p>
@@ -6486,7 +6528,7 @@
           <a:p>
             <a:fld id="{D997B5FA-0921-464F-AAE1-844C04324D75}" type="datetimeFigureOut">
               <a:rPr lang="zh-CN" altLang="en-US" smtClean="0"/>
-              <a:t>2022/3/30</a:t>
+              <a:t>2022/3/31</a:t>
             </a:fld>
             <a:endParaRPr lang="zh-CN" altLang="en-US"/>
           </a:p>
@@ -6763,7 +6805,7 @@
           <a:p>
             <a:fld id="{D997B5FA-0921-464F-AAE1-844C04324D75}" type="datetimeFigureOut">
               <a:rPr lang="zh-CN" altLang="en-US" smtClean="0"/>
-              <a:t>2022/3/30</a:t>
+              <a:t>2022/3/31</a:t>
             </a:fld>
             <a:endParaRPr lang="zh-CN" altLang="en-US"/>
           </a:p>
@@ -7016,7 +7058,7 @@
           <a:p>
             <a:fld id="{D997B5FA-0921-464F-AAE1-844C04324D75}" type="datetimeFigureOut">
               <a:rPr lang="zh-CN" altLang="en-US" smtClean="0"/>
-              <a:t>2022/3/30</a:t>
+              <a:t>2022/3/31</a:t>
             </a:fld>
             <a:endParaRPr lang="zh-CN" altLang="en-US"/>
           </a:p>
@@ -7229,7 +7271,7 @@
           <a:p>
             <a:fld id="{D997B5FA-0921-464F-AAE1-844C04324D75}" type="datetimeFigureOut">
               <a:rPr lang="zh-CN" altLang="en-US" smtClean="0"/>
-              <a:t>2022/3/30</a:t>
+              <a:t>2022/3/31</a:t>
             </a:fld>
             <a:endParaRPr lang="zh-CN" altLang="en-US"/>
           </a:p>
@@ -13746,7 +13788,7 @@
           <p:nvPr>
             <p:extLst>
               <p:ext uri="{D42A27DB-BD31-4B8C-83A1-F6EECF244321}">
-                <p14:modId xmlns:p14="http://schemas.microsoft.com/office/powerpoint/2010/main" val="2130538804"/>
+                <p14:modId xmlns:p14="http://schemas.microsoft.com/office/powerpoint/2010/main" val="1678429708"/>
               </p:ext>
             </p:extLst>
           </p:nvPr>
@@ -13761,6 +13803,80 @@
           </a:graphicData>
         </a:graphic>
       </p:graphicFrame>
+      <p:sp>
+        <p:nvSpPr>
+          <p:cNvPr id="2" name="TextBox 1"/>
+          <p:cNvSpPr txBox="1"/>
+          <p:nvPr/>
+        </p:nvSpPr>
+        <p:spPr>
+          <a:xfrm>
+            <a:off x="5745480" y="3200400"/>
+            <a:ext cx="646331" cy="646331"/>
+          </a:xfrm>
+          <a:prstGeom prst="rect">
+            <a:avLst/>
+          </a:prstGeom>
+        </p:spPr>
+        <p:style>
+          <a:lnRef idx="2">
+            <a:schemeClr val="accent5"/>
+          </a:lnRef>
+          <a:fillRef idx="1">
+            <a:schemeClr val="lt1"/>
+          </a:fillRef>
+          <a:effectRef idx="0">
+            <a:schemeClr val="accent5"/>
+          </a:effectRef>
+          <a:fontRef idx="minor">
+            <a:schemeClr val="dk1"/>
+          </a:fontRef>
+        </p:style>
+        <p:txBody>
+          <a:bodyPr wrap="none" rtlCol="0">
+            <a:spAutoFit/>
+          </a:bodyPr>
+          <a:lstStyle/>
+          <a:p>
+            <a:r>
+              <a:rPr lang="zh-CN" altLang="en-US" b="1" dirty="0" smtClean="0">
+                <a:solidFill>
+                  <a:srgbClr val="FF0000"/>
+                </a:solidFill>
+              </a:rPr>
+              <a:t>安全</a:t>
+            </a:r>
+            <a:r>
+              <a:rPr lang="en-US" altLang="zh-CN" b="1" dirty="0" smtClean="0">
+                <a:solidFill>
+                  <a:srgbClr val="FF0000"/>
+                </a:solidFill>
+              </a:rPr>
+              <a:t/>
+            </a:r>
+            <a:br>
+              <a:rPr lang="en-US" altLang="zh-CN" b="1" dirty="0" smtClean="0">
+                <a:solidFill>
+                  <a:srgbClr val="FF0000"/>
+                </a:solidFill>
+              </a:rPr>
+            </a:br>
+            <a:r>
+              <a:rPr lang="zh-CN" altLang="en-US" b="1" dirty="0" smtClean="0">
+                <a:solidFill>
+                  <a:srgbClr val="FF0000"/>
+                </a:solidFill>
+              </a:rPr>
+              <a:t>策略</a:t>
+            </a:r>
+            <a:endParaRPr lang="zh-CN" altLang="en-US" b="1" dirty="0">
+              <a:solidFill>
+                <a:srgbClr val="FF0000"/>
+              </a:solidFill>
+            </a:endParaRPr>
+          </a:p>
+        </p:txBody>
+      </p:sp>
     </p:spTree>
     <p:extLst>
       <p:ext uri="{BB962C8B-B14F-4D97-AF65-F5344CB8AC3E}">
@@ -23227,7 +23343,7 @@
   <a:extraClrSchemeLst/>
   <a:extLst>
     <a:ext uri="{05A4C25C-085E-4340-85A3-A5531E510DB2}">
-      <thm15:themeFamily xmlns="" xmlns:thm15="http://schemas.microsoft.com/office/thememl/2012/main" name="Office Theme" id="{62F939B6-93AF-4DB8-9C6B-D6C7DFDC589F}" vid="{4A3C46E8-61CC-4603-A589-7422A47A8E4A}"/>
+      <thm15:themeFamily xmlns:thm15="http://schemas.microsoft.com/office/thememl/2012/main" xmlns="" name="Office Theme" id="{62F939B6-93AF-4DB8-9C6B-D6C7DFDC589F}" vid="{4A3C46E8-61CC-4603-A589-7422A47A8E4A}"/>
     </a:ext>
   </a:extLst>
 </a:theme>

--- a/images/2022/画图.pptx
+++ b/images/2022/画图.pptx
@@ -17,6 +17,7 @@
     <p:sldId id="265" r:id="rId11"/>
     <p:sldId id="266" r:id="rId12"/>
     <p:sldId id="267" r:id="rId13"/>
+    <p:sldId id="268" r:id="rId14"/>
   </p:sldIdLst>
   <p:sldSz cx="12192000" cy="6858000"/>
   <p:notesSz cx="6858000" cy="9144000"/>
@@ -1958,14 +1959,14 @@
   <dgm:cxnLst>
     <dgm:cxn modelId="{40CBC910-437E-4911-A588-EB231ADDEDC8}" srcId="{9CDD0D67-D176-49F1-BE17-0C92310A6056}" destId="{B24B8C5B-F5EF-4AA0-929B-60F7F010812E}" srcOrd="0" destOrd="0" parTransId="{70C814D2-F897-4E0C-96A9-3FAB78B9D99B}" sibTransId="{78C57893-6A0E-406C-9B71-B7A0E2AC24D1}"/>
     <dgm:cxn modelId="{C02D9120-442D-4E3C-8773-206FB1182C2C}" srcId="{3B794E37-F29C-4E9D-A892-C01A376D541E}" destId="{A0AECF08-A33B-4698-83D3-C8AB9E35E975}" srcOrd="0" destOrd="0" parTransId="{5BA72ED7-D309-4A36-B438-F9438C785AC1}" sibTransId="{CCC9B8EE-347E-4D01-BDAF-184E7638C85B}"/>
+    <dgm:cxn modelId="{687EE512-D7D3-4885-83C6-F5D0D731F9FF}" type="presOf" srcId="{561E45B8-E2C5-4FBB-85D5-382D0E7F05C5}" destId="{947A0687-3B8B-457F-B6A6-C63743A42B84}" srcOrd="0" destOrd="3" presId="urn:microsoft.com/office/officeart/2005/8/layout/cycle4"/>
     <dgm:cxn modelId="{07FE4183-5B6C-4E49-99F7-74177C9851FD}" type="presOf" srcId="{D729AC25-CED3-4F2E-B5F9-CA12AE1B5B5B}" destId="{947A0687-3B8B-457F-B6A6-C63743A42B84}" srcOrd="0" destOrd="1" presId="urn:microsoft.com/office/officeart/2005/8/layout/cycle4"/>
-    <dgm:cxn modelId="{687EE512-D7D3-4885-83C6-F5D0D731F9FF}" type="presOf" srcId="{561E45B8-E2C5-4FBB-85D5-382D0E7F05C5}" destId="{947A0687-3B8B-457F-B6A6-C63743A42B84}" srcOrd="0" destOrd="3" presId="urn:microsoft.com/office/officeart/2005/8/layout/cycle4"/>
+    <dgm:cxn modelId="{CD5B99A1-CCC5-4EBE-8352-8E0BE39D96BA}" srcId="{F87E6CB3-726B-47F6-A760-F8B056853B1F}" destId="{E1F0516F-1BFE-47DB-9CF7-48D0C05ED9A2}" srcOrd="1" destOrd="0" parTransId="{9AF970D9-6A52-4C55-860A-4915A736A57E}" sibTransId="{E111E3B2-EF2B-45FC-B689-D86D70814470}"/>
+    <dgm:cxn modelId="{ABA4D098-95F3-4E9B-BAE7-81CED8C737B8}" srcId="{9CDD0D67-D176-49F1-BE17-0C92310A6056}" destId="{37AF6F44-F243-4AAC-A473-73112A483467}" srcOrd="4" destOrd="0" parTransId="{EEDE38E1-58B1-4381-AAD8-419968BC4DCE}" sibTransId="{50E932B4-EE15-42F5-8368-A464D786D7BD}"/>
     <dgm:cxn modelId="{002DA1D8-B6C4-4C4D-8AE7-D7ACF82AC420}" type="presOf" srcId="{64A726FC-466A-4081-A84C-97264D53964D}" destId="{30F4F4AF-0D50-486B-882A-85E925A956CD}" srcOrd="0" destOrd="3" presId="urn:microsoft.com/office/officeart/2005/8/layout/cycle4"/>
-    <dgm:cxn modelId="{ABA4D098-95F3-4E9B-BAE7-81CED8C737B8}" srcId="{9CDD0D67-D176-49F1-BE17-0C92310A6056}" destId="{37AF6F44-F243-4AAC-A473-73112A483467}" srcOrd="4" destOrd="0" parTransId="{EEDE38E1-58B1-4381-AAD8-419968BC4DCE}" sibTransId="{50E932B4-EE15-42F5-8368-A464D786D7BD}"/>
-    <dgm:cxn modelId="{CD5B99A1-CCC5-4EBE-8352-8E0BE39D96BA}" srcId="{F87E6CB3-726B-47F6-A760-F8B056853B1F}" destId="{E1F0516F-1BFE-47DB-9CF7-48D0C05ED9A2}" srcOrd="1" destOrd="0" parTransId="{9AF970D9-6A52-4C55-860A-4915A736A57E}" sibTransId="{E111E3B2-EF2B-45FC-B689-D86D70814470}"/>
-    <dgm:cxn modelId="{A2F3EDFC-04B4-4C24-96B3-FDD7D0186980}" type="presOf" srcId="{1663A9A1-7EE9-416A-A8E4-505549A2A52E}" destId="{9765A068-B6E2-4886-A5FB-50A995921477}" srcOrd="1" destOrd="1" presId="urn:microsoft.com/office/officeart/2005/8/layout/cycle4"/>
     <dgm:cxn modelId="{E3664721-08C1-4AC5-93D5-E011FE2F2F3A}" type="presOf" srcId="{BEE3D3E8-D59B-4A50-AF07-C7A92764FD35}" destId="{51AD0882-8434-46C9-B2A6-B650C0F9FDA7}" srcOrd="0" destOrd="2" presId="urn:microsoft.com/office/officeart/2005/8/layout/cycle4"/>
     <dgm:cxn modelId="{0A6529C1-3006-4DEB-BD89-10B407FEF9B6}" srcId="{39B3B994-19FD-457D-90EB-F594C936F4AA}" destId="{64A726FC-466A-4081-A84C-97264D53964D}" srcOrd="3" destOrd="0" parTransId="{862C5B4F-DF41-489A-AEDC-51ECCD55A746}" sibTransId="{5D1315BF-728B-4E57-8122-73F7265E945A}"/>
+    <dgm:cxn modelId="{A2F3EDFC-04B4-4C24-96B3-FDD7D0186980}" type="presOf" srcId="{1663A9A1-7EE9-416A-A8E4-505549A2A52E}" destId="{9765A068-B6E2-4886-A5FB-50A995921477}" srcOrd="1" destOrd="1" presId="urn:microsoft.com/office/officeart/2005/8/layout/cycle4"/>
     <dgm:cxn modelId="{810744D2-5286-4DA7-AAB4-1D7F6AE80857}" type="presOf" srcId="{3B794E37-F29C-4E9D-A892-C01A376D541E}" destId="{599FACE7-B2BA-4EF1-A244-ED9CC531DA56}" srcOrd="0" destOrd="0" presId="urn:microsoft.com/office/officeart/2005/8/layout/cycle4"/>
     <dgm:cxn modelId="{5E4C1DE5-F12A-4B40-BD44-9481031EAE91}" srcId="{9CE0DD49-B258-4698-97E8-8884D4156E6D}" destId="{3B794E37-F29C-4E9D-A892-C01A376D541E}" srcOrd="0" destOrd="0" parTransId="{3B115127-6A54-47AD-885F-12033411B9BF}" sibTransId="{25A17EC7-FB37-45E8-B2C4-43DF98505962}"/>
     <dgm:cxn modelId="{2E072F27-50B7-47B7-92D6-13C5BEC65F4A}" type="presOf" srcId="{F87E6CB3-726B-47F6-A760-F8B056853B1F}" destId="{BD791467-E706-43D9-98D9-FE151C871422}" srcOrd="0" destOrd="0" presId="urn:microsoft.com/office/officeart/2005/8/layout/cycle4"/>
@@ -1973,8 +1974,8 @@
     <dgm:cxn modelId="{F75EEB48-582A-44E2-8173-4410EDB97664}" type="presOf" srcId="{B9F21A45-BABA-444A-9E3B-CADD87819CF8}" destId="{947A0687-3B8B-457F-B6A6-C63743A42B84}" srcOrd="0" destOrd="2" presId="urn:microsoft.com/office/officeart/2005/8/layout/cycle4"/>
     <dgm:cxn modelId="{00C12EF9-4BAF-4FAB-BD50-95B51BFA4711}" type="presOf" srcId="{694EB0DF-D84E-40EC-9DF4-C2054F98674B}" destId="{C32B0322-0916-46B3-B0C2-5FBAFA11B257}" srcOrd="1" destOrd="0" presId="urn:microsoft.com/office/officeart/2005/8/layout/cycle4"/>
     <dgm:cxn modelId="{3232941A-7F99-46C3-8F1F-05D30748EBCE}" type="presOf" srcId="{694EB0DF-D84E-40EC-9DF4-C2054F98674B}" destId="{51AD0882-8434-46C9-B2A6-B650C0F9FDA7}" srcOrd="0" destOrd="0" presId="urn:microsoft.com/office/officeart/2005/8/layout/cycle4"/>
+    <dgm:cxn modelId="{BCCD90BB-F593-4B31-B7B9-82DA983ADD3E}" srcId="{9CE0DD49-B258-4698-97E8-8884D4156E6D}" destId="{39B3B994-19FD-457D-90EB-F594C936F4AA}" srcOrd="1" destOrd="0" parTransId="{21BFC04F-5875-4197-A4BD-4B956AB1953F}" sibTransId="{8ED48239-117E-44B8-9C3A-8982A6CA7634}"/>
     <dgm:cxn modelId="{211D3CD5-668A-41C5-9FA7-9A90AD2E6EE7}" srcId="{39B3B994-19FD-457D-90EB-F594C936F4AA}" destId="{B442EE55-26EE-4A01-B8F3-F8A04BA5BA26}" srcOrd="0" destOrd="0" parTransId="{A46A66C4-ACF8-4B0B-A062-59931D4D73F8}" sibTransId="{6CD7AAB9-6DF5-43D0-BA26-E7D1ED32677B}"/>
-    <dgm:cxn modelId="{BCCD90BB-F593-4B31-B7B9-82DA983ADD3E}" srcId="{9CE0DD49-B258-4698-97E8-8884D4156E6D}" destId="{39B3B994-19FD-457D-90EB-F594C936F4AA}" srcOrd="1" destOrd="0" parTransId="{21BFC04F-5875-4197-A4BD-4B956AB1953F}" sibTransId="{8ED48239-117E-44B8-9C3A-8982A6CA7634}"/>
     <dgm:cxn modelId="{13020247-A3E5-4463-8104-3B09BA8418DE}" type="presOf" srcId="{39B3B994-19FD-457D-90EB-F594C936F4AA}" destId="{20E5252D-8C07-4643-8EA5-5ECA07D61FB3}" srcOrd="0" destOrd="0" presId="urn:microsoft.com/office/officeart/2005/8/layout/cycle4"/>
     <dgm:cxn modelId="{41E2B546-4006-42B3-81EC-3758917C8715}" type="presOf" srcId="{B442EE55-26EE-4A01-B8F3-F8A04BA5BA26}" destId="{30F4F4AF-0D50-486B-882A-85E925A956CD}" srcOrd="0" destOrd="0" presId="urn:microsoft.com/office/officeart/2005/8/layout/cycle4"/>
     <dgm:cxn modelId="{F0E9EECE-34FE-4021-AFF9-11D019249746}" srcId="{F87E6CB3-726B-47F6-A760-F8B056853B1F}" destId="{694EB0DF-D84E-40EC-9DF4-C2054F98674B}" srcOrd="0" destOrd="0" parTransId="{2360251B-19E6-4B43-98EA-7F2F48D01A92}" sibTransId="{ED4E3C5B-8FCE-4E68-A6A5-7FB972FBA176}"/>
@@ -2004,8 +2005,8 @@
     <dgm:cxn modelId="{1424C470-3D0E-4D2D-8014-CA0F85172072}" type="presOf" srcId="{3B72E387-9AB5-4F8E-AB6A-0B84CB196C46}" destId="{DB786DFE-ED05-40ED-97DA-C95194C0F3B2}" srcOrd="1" destOrd="3" presId="urn:microsoft.com/office/officeart/2005/8/layout/cycle4"/>
     <dgm:cxn modelId="{D3F9959A-C305-46C5-9060-E1EB2132AC0E}" type="presOf" srcId="{E1F0516F-1BFE-47DB-9CF7-48D0C05ED9A2}" destId="{C32B0322-0916-46B3-B0C2-5FBAFA11B257}" srcOrd="1" destOrd="1" presId="urn:microsoft.com/office/officeart/2005/8/layout/cycle4"/>
     <dgm:cxn modelId="{6ADEF71F-E495-4E03-95EA-F18B0B612DE3}" type="presOf" srcId="{E1F0516F-1BFE-47DB-9CF7-48D0C05ED9A2}" destId="{51AD0882-8434-46C9-B2A6-B650C0F9FDA7}" srcOrd="0" destOrd="1" presId="urn:microsoft.com/office/officeart/2005/8/layout/cycle4"/>
+    <dgm:cxn modelId="{85BDF215-580E-4FFE-89E7-2117650DDB74}" type="presOf" srcId="{37AF6F44-F243-4AAC-A473-73112A483467}" destId="{947A0687-3B8B-457F-B6A6-C63743A42B84}" srcOrd="0" destOrd="4" presId="urn:microsoft.com/office/officeart/2005/8/layout/cycle4"/>
     <dgm:cxn modelId="{50928EE5-82C2-42C9-AD45-3030BADC8C28}" type="presOf" srcId="{D729AC25-CED3-4F2E-B5F9-CA12AE1B5B5B}" destId="{6A9916F7-EC46-4744-B146-333D37987245}" srcOrd="1" destOrd="1" presId="urn:microsoft.com/office/officeart/2005/8/layout/cycle4"/>
-    <dgm:cxn modelId="{85BDF215-580E-4FFE-89E7-2117650DDB74}" type="presOf" srcId="{37AF6F44-F243-4AAC-A473-73112A483467}" destId="{947A0687-3B8B-457F-B6A6-C63743A42B84}" srcOrd="0" destOrd="4" presId="urn:microsoft.com/office/officeart/2005/8/layout/cycle4"/>
     <dgm:cxn modelId="{36C3915B-F7A0-4F81-8260-4B6A383AB7C8}" srcId="{3B794E37-F29C-4E9D-A892-C01A376D541E}" destId="{CF5DD2DF-D459-4071-9E33-D7D00F8ED28A}" srcOrd="5" destOrd="0" parTransId="{18D22EDC-AA76-49D7-BED1-90E7C295CFAE}" sibTransId="{D695EFD9-6AD1-4697-A91E-97C89F48A615}"/>
     <dgm:cxn modelId="{76B6B2CB-D687-49D8-A3B9-6A74B2E164EA}" type="presOf" srcId="{42507583-77FC-4133-85B7-B210FD2264A0}" destId="{03A6D777-F715-4429-959C-008B1575628E}" srcOrd="0" destOrd="4" presId="urn:microsoft.com/office/officeart/2005/8/layout/cycle4"/>
     <dgm:cxn modelId="{2D07DEB6-908A-44F4-AD81-707992246A5C}" srcId="{3B794E37-F29C-4E9D-A892-C01A376D541E}" destId="{42507583-77FC-4133-85B7-B210FD2264A0}" srcOrd="4" destOrd="0" parTransId="{050645A3-5D2C-4E5F-B807-05F220BB10FA}" sibTransId="{DCC4CB68-C1E9-4852-A7D6-E0B5CEF25E7D}"/>
@@ -4950,7 +4951,7 @@
           <a:p>
             <a:fld id="{D997B5FA-0921-464F-AAE1-844C04324D75}" type="datetimeFigureOut">
               <a:rPr lang="zh-CN" altLang="en-US" smtClean="0"/>
-              <a:t>2022/3/31</a:t>
+              <a:t>2022/4/1</a:t>
             </a:fld>
             <a:endParaRPr lang="zh-CN" altLang="en-US"/>
           </a:p>
@@ -5120,7 +5121,7 @@
           <a:p>
             <a:fld id="{D997B5FA-0921-464F-AAE1-844C04324D75}" type="datetimeFigureOut">
               <a:rPr lang="zh-CN" altLang="en-US" smtClean="0"/>
-              <a:t>2022/3/31</a:t>
+              <a:t>2022/4/1</a:t>
             </a:fld>
             <a:endParaRPr lang="zh-CN" altLang="en-US"/>
           </a:p>
@@ -5300,7 +5301,7 @@
           <a:p>
             <a:fld id="{D997B5FA-0921-464F-AAE1-844C04324D75}" type="datetimeFigureOut">
               <a:rPr lang="zh-CN" altLang="en-US" smtClean="0"/>
-              <a:t>2022/3/31</a:t>
+              <a:t>2022/4/1</a:t>
             </a:fld>
             <a:endParaRPr lang="zh-CN" altLang="en-US"/>
           </a:p>
@@ -5470,7 +5471,7 @@
           <a:p>
             <a:fld id="{D997B5FA-0921-464F-AAE1-844C04324D75}" type="datetimeFigureOut">
               <a:rPr lang="zh-CN" altLang="en-US" smtClean="0"/>
-              <a:t>2022/3/31</a:t>
+              <a:t>2022/4/1</a:t>
             </a:fld>
             <a:endParaRPr lang="zh-CN" altLang="en-US"/>
           </a:p>
@@ -5716,7 +5717,7 @@
           <a:p>
             <a:fld id="{D997B5FA-0921-464F-AAE1-844C04324D75}" type="datetimeFigureOut">
               <a:rPr lang="zh-CN" altLang="en-US" smtClean="0"/>
-              <a:t>2022/3/31</a:t>
+              <a:t>2022/4/1</a:t>
             </a:fld>
             <a:endParaRPr lang="zh-CN" altLang="en-US"/>
           </a:p>
@@ -5948,7 +5949,7 @@
           <a:p>
             <a:fld id="{D997B5FA-0921-464F-AAE1-844C04324D75}" type="datetimeFigureOut">
               <a:rPr lang="zh-CN" altLang="en-US" smtClean="0"/>
-              <a:t>2022/3/31</a:t>
+              <a:t>2022/4/1</a:t>
             </a:fld>
             <a:endParaRPr lang="zh-CN" altLang="en-US"/>
           </a:p>
@@ -6315,7 +6316,7 @@
           <a:p>
             <a:fld id="{D997B5FA-0921-464F-AAE1-844C04324D75}" type="datetimeFigureOut">
               <a:rPr lang="zh-CN" altLang="en-US" smtClean="0"/>
-              <a:t>2022/3/31</a:t>
+              <a:t>2022/4/1</a:t>
             </a:fld>
             <a:endParaRPr lang="zh-CN" altLang="en-US"/>
           </a:p>
@@ -6433,7 +6434,7 @@
           <a:p>
             <a:fld id="{D997B5FA-0921-464F-AAE1-844C04324D75}" type="datetimeFigureOut">
               <a:rPr lang="zh-CN" altLang="en-US" smtClean="0"/>
-              <a:t>2022/3/31</a:t>
+              <a:t>2022/4/1</a:t>
             </a:fld>
             <a:endParaRPr lang="zh-CN" altLang="en-US"/>
           </a:p>
@@ -6528,7 +6529,7 @@
           <a:p>
             <a:fld id="{D997B5FA-0921-464F-AAE1-844C04324D75}" type="datetimeFigureOut">
               <a:rPr lang="zh-CN" altLang="en-US" smtClean="0"/>
-              <a:t>2022/3/31</a:t>
+              <a:t>2022/4/1</a:t>
             </a:fld>
             <a:endParaRPr lang="zh-CN" altLang="en-US"/>
           </a:p>
@@ -6805,7 +6806,7 @@
           <a:p>
             <a:fld id="{D997B5FA-0921-464F-AAE1-844C04324D75}" type="datetimeFigureOut">
               <a:rPr lang="zh-CN" altLang="en-US" smtClean="0"/>
-              <a:t>2022/3/31</a:t>
+              <a:t>2022/4/1</a:t>
             </a:fld>
             <a:endParaRPr lang="zh-CN" altLang="en-US"/>
           </a:p>
@@ -7058,7 +7059,7 @@
           <a:p>
             <a:fld id="{D997B5FA-0921-464F-AAE1-844C04324D75}" type="datetimeFigureOut">
               <a:rPr lang="zh-CN" altLang="en-US" smtClean="0"/>
-              <a:t>2022/3/31</a:t>
+              <a:t>2022/4/1</a:t>
             </a:fld>
             <a:endParaRPr lang="zh-CN" altLang="en-US"/>
           </a:p>
@@ -7271,7 +7272,7 @@
           <a:p>
             <a:fld id="{D997B5FA-0921-464F-AAE1-844C04324D75}" type="datetimeFigureOut">
               <a:rPr lang="zh-CN" altLang="en-US" smtClean="0"/>
-              <a:t>2022/3/31</a:t>
+              <a:t>2022/4/1</a:t>
             </a:fld>
             <a:endParaRPr lang="zh-CN" altLang="en-US"/>
           </a:p>
@@ -13890,6 +13891,3823 @@
 </p:sld>
 </file>
 
+<file path=ppt/slides/slide13.xml><?xml version="1.0" encoding="utf-8"?>
+<p:sld xmlns:a="http://schemas.openxmlformats.org/drawingml/2006/main" xmlns:r="http://schemas.openxmlformats.org/officeDocument/2006/relationships" xmlns:p="http://schemas.openxmlformats.org/presentationml/2006/main">
+  <p:cSld>
+    <p:spTree>
+      <p:nvGrpSpPr>
+        <p:cNvPr id="1" name=""/>
+        <p:cNvGrpSpPr/>
+        <p:nvPr/>
+      </p:nvGrpSpPr>
+      <p:grpSpPr>
+        <a:xfrm>
+          <a:off x="0" y="0"/>
+          <a:ext cx="0" cy="0"/>
+          <a:chOff x="0" y="0"/>
+          <a:chExt cx="0" cy="0"/>
+        </a:xfrm>
+      </p:grpSpPr>
+      <p:sp>
+        <p:nvSpPr>
+          <p:cNvPr id="4" name="矩形 3"/>
+          <p:cNvSpPr/>
+          <p:nvPr/>
+        </p:nvSpPr>
+        <p:spPr>
+          <a:xfrm>
+            <a:off x="2087182" y="1296539"/>
+            <a:ext cx="2933739" cy="4558352"/>
+          </a:xfrm>
+          <a:prstGeom prst="rect">
+            <a:avLst/>
+          </a:prstGeom>
+          <a:ln w="12700">
+            <a:prstDash val="dash"/>
+          </a:ln>
+        </p:spPr>
+        <p:style>
+          <a:lnRef idx="2">
+            <a:schemeClr val="accent3"/>
+          </a:lnRef>
+          <a:fillRef idx="1">
+            <a:schemeClr val="lt1"/>
+          </a:fillRef>
+          <a:effectRef idx="0">
+            <a:schemeClr val="accent3"/>
+          </a:effectRef>
+          <a:fontRef idx="minor">
+            <a:schemeClr val="dk1"/>
+          </a:fontRef>
+        </p:style>
+        <p:txBody>
+          <a:bodyPr rtlCol="0" anchor="ctr"/>
+          <a:lstStyle/>
+          <a:p>
+            <a:pPr algn="ctr"/>
+            <a:endParaRPr lang="zh-CN" altLang="en-US"/>
+          </a:p>
+        </p:txBody>
+      </p:sp>
+      <p:pic>
+        <p:nvPicPr>
+          <p:cNvPr id="5" name="Picture 2"/>
+          <p:cNvPicPr>
+            <a:picLocks noChangeAspect="1" noChangeArrowheads="1"/>
+          </p:cNvPicPr>
+          <p:nvPr/>
+        </p:nvPicPr>
+        <p:blipFill>
+          <a:blip r:embed="rId2" cstate="print">
+            <a:extLst>
+              <a:ext uri="{28A0092B-C50C-407E-A947-70E740481C1C}">
+                <a14:useLocalDpi xmlns:a14="http://schemas.microsoft.com/office/drawing/2010/main" val="0"/>
+              </a:ext>
+            </a:extLst>
+          </a:blip>
+          <a:srcRect/>
+          <a:stretch>
+            <a:fillRect/>
+          </a:stretch>
+        </p:blipFill>
+        <p:spPr bwMode="auto">
+          <a:xfrm>
+            <a:off x="933413" y="1425046"/>
+            <a:ext cx="428958" cy="440422"/>
+          </a:xfrm>
+          <a:prstGeom prst="rect">
+            <a:avLst/>
+          </a:prstGeom>
+          <a:noFill/>
+          <a:ln>
+            <a:noFill/>
+          </a:ln>
+          <a:effectLst/>
+          <a:extLst>
+            <a:ext uri="{909E8E84-426E-40DD-AFC4-6F175D3DCCD1}">
+              <a14:hiddenFill xmlns:a14="http://schemas.microsoft.com/office/drawing/2010/main">
+                <a:solidFill>
+                  <a:schemeClr val="accent1"/>
+                </a:solidFill>
+              </a14:hiddenFill>
+            </a:ext>
+            <a:ext uri="{91240B29-F687-4F45-9708-019B960494DF}">
+              <a14:hiddenLine xmlns:a14="http://schemas.microsoft.com/office/drawing/2010/main" w="9525">
+                <a:solidFill>
+                  <a:schemeClr val="tx1"/>
+                </a:solidFill>
+                <a:miter lim="800000"/>
+                <a:headEnd/>
+                <a:tailEnd/>
+              </a14:hiddenLine>
+            </a:ext>
+            <a:ext uri="{AF507438-7753-43E0-B8FC-AC1667EBCBE1}">
+              <a14:hiddenEffects xmlns:a14="http://schemas.microsoft.com/office/drawing/2010/main">
+                <a:effectLst>
+                  <a:outerShdw dist="35921" dir="2700000" algn="ctr" rotWithShape="0">
+                    <a:schemeClr val="bg2"/>
+                  </a:outerShdw>
+                </a:effectLst>
+              </a14:hiddenEffects>
+            </a:ext>
+          </a:extLst>
+        </p:spPr>
+      </p:pic>
+      <p:pic>
+        <p:nvPicPr>
+          <p:cNvPr id="6" name="Picture 2"/>
+          <p:cNvPicPr>
+            <a:picLocks noChangeAspect="1" noChangeArrowheads="1"/>
+          </p:cNvPicPr>
+          <p:nvPr/>
+        </p:nvPicPr>
+        <p:blipFill>
+          <a:blip r:embed="rId2" cstate="print">
+            <a:extLst>
+              <a:ext uri="{28A0092B-C50C-407E-A947-70E740481C1C}">
+                <a14:useLocalDpi xmlns:a14="http://schemas.microsoft.com/office/drawing/2010/main" val="0"/>
+              </a:ext>
+            </a:extLst>
+          </a:blip>
+          <a:srcRect/>
+          <a:stretch>
+            <a:fillRect/>
+          </a:stretch>
+        </p:blipFill>
+        <p:spPr bwMode="auto">
+          <a:xfrm>
+            <a:off x="5798872" y="1425046"/>
+            <a:ext cx="428958" cy="440422"/>
+          </a:xfrm>
+          <a:prstGeom prst="rect">
+            <a:avLst/>
+          </a:prstGeom>
+          <a:noFill/>
+          <a:ln>
+            <a:noFill/>
+          </a:ln>
+          <a:effectLst/>
+          <a:extLst>
+            <a:ext uri="{909E8E84-426E-40DD-AFC4-6F175D3DCCD1}">
+              <a14:hiddenFill xmlns:a14="http://schemas.microsoft.com/office/drawing/2010/main">
+                <a:solidFill>
+                  <a:schemeClr val="accent1"/>
+                </a:solidFill>
+              </a14:hiddenFill>
+            </a:ext>
+            <a:ext uri="{91240B29-F687-4F45-9708-019B960494DF}">
+              <a14:hiddenLine xmlns:a14="http://schemas.microsoft.com/office/drawing/2010/main" w="9525">
+                <a:solidFill>
+                  <a:schemeClr val="tx1"/>
+                </a:solidFill>
+                <a:miter lim="800000"/>
+                <a:headEnd/>
+                <a:tailEnd/>
+              </a14:hiddenLine>
+            </a:ext>
+            <a:ext uri="{AF507438-7753-43E0-B8FC-AC1667EBCBE1}">
+              <a14:hiddenEffects xmlns:a14="http://schemas.microsoft.com/office/drawing/2010/main">
+                <a:effectLst>
+                  <a:outerShdw dist="35921" dir="2700000" algn="ctr" rotWithShape="0">
+                    <a:schemeClr val="bg2"/>
+                  </a:outerShdw>
+                </a:effectLst>
+              </a14:hiddenEffects>
+            </a:ext>
+          </a:extLst>
+        </p:spPr>
+      </p:pic>
+      <p:cxnSp>
+        <p:nvCxnSpPr>
+          <p:cNvPr id="7" name="直接连接符 6"/>
+          <p:cNvCxnSpPr>
+            <a:stCxn id="5" idx="3"/>
+            <a:endCxn id="6" idx="1"/>
+          </p:cNvCxnSpPr>
+          <p:nvPr/>
+        </p:nvCxnSpPr>
+        <p:spPr>
+          <a:xfrm>
+            <a:off x="1362371" y="1645257"/>
+            <a:ext cx="4436501" cy="0"/>
+          </a:xfrm>
+          <a:prstGeom prst="line">
+            <a:avLst/>
+          </a:prstGeom>
+        </p:spPr>
+        <p:style>
+          <a:lnRef idx="1">
+            <a:schemeClr val="accent1"/>
+          </a:lnRef>
+          <a:fillRef idx="0">
+            <a:schemeClr val="accent1"/>
+          </a:fillRef>
+          <a:effectRef idx="0">
+            <a:schemeClr val="accent1"/>
+          </a:effectRef>
+          <a:fontRef idx="minor">
+            <a:schemeClr val="tx1"/>
+          </a:fontRef>
+        </p:style>
+      </p:cxnSp>
+      <p:sp>
+        <p:nvSpPr>
+          <p:cNvPr id="8" name="椭圆 7"/>
+          <p:cNvSpPr/>
+          <p:nvPr/>
+        </p:nvSpPr>
+        <p:spPr>
+          <a:xfrm>
+            <a:off x="1429603" y="1605014"/>
+            <a:ext cx="75063" cy="81186"/>
+          </a:xfrm>
+          <a:prstGeom prst="ellipse">
+            <a:avLst/>
+          </a:prstGeom>
+        </p:spPr>
+        <p:style>
+          <a:lnRef idx="2">
+            <a:schemeClr val="accent1">
+              <a:shade val="50000"/>
+            </a:schemeClr>
+          </a:lnRef>
+          <a:fillRef idx="1">
+            <a:schemeClr val="accent1"/>
+          </a:fillRef>
+          <a:effectRef idx="0">
+            <a:schemeClr val="accent1"/>
+          </a:effectRef>
+          <a:fontRef idx="minor">
+            <a:schemeClr val="lt1"/>
+          </a:fontRef>
+        </p:style>
+        <p:txBody>
+          <a:bodyPr rtlCol="0" anchor="ctr"/>
+          <a:lstStyle/>
+          <a:p>
+            <a:pPr algn="ctr"/>
+            <a:endParaRPr lang="zh-CN" altLang="en-US"/>
+          </a:p>
+        </p:txBody>
+      </p:sp>
+      <p:sp>
+        <p:nvSpPr>
+          <p:cNvPr id="9" name="椭圆 8"/>
+          <p:cNvSpPr/>
+          <p:nvPr/>
+        </p:nvSpPr>
+        <p:spPr>
+          <a:xfrm>
+            <a:off x="5626321" y="1605014"/>
+            <a:ext cx="75063" cy="81186"/>
+          </a:xfrm>
+          <a:prstGeom prst="ellipse">
+            <a:avLst/>
+          </a:prstGeom>
+        </p:spPr>
+        <p:style>
+          <a:lnRef idx="2">
+            <a:schemeClr val="accent1">
+              <a:shade val="50000"/>
+            </a:schemeClr>
+          </a:lnRef>
+          <a:fillRef idx="1">
+            <a:schemeClr val="accent1"/>
+          </a:fillRef>
+          <a:effectRef idx="0">
+            <a:schemeClr val="accent1"/>
+          </a:effectRef>
+          <a:fontRef idx="minor">
+            <a:schemeClr val="lt1"/>
+          </a:fontRef>
+        </p:style>
+        <p:txBody>
+          <a:bodyPr rtlCol="0" anchor="ctr"/>
+          <a:lstStyle/>
+          <a:p>
+            <a:pPr algn="ctr"/>
+            <a:endParaRPr lang="zh-CN" altLang="en-US"/>
+          </a:p>
+        </p:txBody>
+      </p:sp>
+      <p:pic>
+        <p:nvPicPr>
+          <p:cNvPr id="10" name="Picture 2"/>
+          <p:cNvPicPr>
+            <a:picLocks noChangeAspect="1" noChangeArrowheads="1"/>
+          </p:cNvPicPr>
+          <p:nvPr/>
+        </p:nvPicPr>
+        <p:blipFill>
+          <a:blip r:embed="rId2" cstate="print">
+            <a:extLst>
+              <a:ext uri="{28A0092B-C50C-407E-A947-70E740481C1C}">
+                <a14:useLocalDpi xmlns:a14="http://schemas.microsoft.com/office/drawing/2010/main" val="0"/>
+              </a:ext>
+            </a:extLst>
+          </a:blip>
+          <a:srcRect/>
+          <a:stretch>
+            <a:fillRect/>
+          </a:stretch>
+        </p:blipFill>
+        <p:spPr bwMode="auto">
+          <a:xfrm>
+            <a:off x="933413" y="1998252"/>
+            <a:ext cx="428958" cy="440422"/>
+          </a:xfrm>
+          <a:prstGeom prst="rect">
+            <a:avLst/>
+          </a:prstGeom>
+          <a:noFill/>
+          <a:ln>
+            <a:noFill/>
+          </a:ln>
+          <a:effectLst/>
+          <a:extLst>
+            <a:ext uri="{909E8E84-426E-40DD-AFC4-6F175D3DCCD1}">
+              <a14:hiddenFill xmlns:a14="http://schemas.microsoft.com/office/drawing/2010/main">
+                <a:solidFill>
+                  <a:schemeClr val="accent1"/>
+                </a:solidFill>
+              </a14:hiddenFill>
+            </a:ext>
+            <a:ext uri="{91240B29-F687-4F45-9708-019B960494DF}">
+              <a14:hiddenLine xmlns:a14="http://schemas.microsoft.com/office/drawing/2010/main" w="9525">
+                <a:solidFill>
+                  <a:schemeClr val="tx1"/>
+                </a:solidFill>
+                <a:miter lim="800000"/>
+                <a:headEnd/>
+                <a:tailEnd/>
+              </a14:hiddenLine>
+            </a:ext>
+            <a:ext uri="{AF507438-7753-43E0-B8FC-AC1667EBCBE1}">
+              <a14:hiddenEffects xmlns:a14="http://schemas.microsoft.com/office/drawing/2010/main">
+                <a:effectLst>
+                  <a:outerShdw dist="35921" dir="2700000" algn="ctr" rotWithShape="0">
+                    <a:schemeClr val="bg2"/>
+                  </a:outerShdw>
+                </a:effectLst>
+              </a14:hiddenEffects>
+            </a:ext>
+          </a:extLst>
+        </p:spPr>
+      </p:pic>
+      <p:pic>
+        <p:nvPicPr>
+          <p:cNvPr id="11" name="Picture 2"/>
+          <p:cNvPicPr>
+            <a:picLocks noChangeAspect="1" noChangeArrowheads="1"/>
+          </p:cNvPicPr>
+          <p:nvPr/>
+        </p:nvPicPr>
+        <p:blipFill>
+          <a:blip r:embed="rId2" cstate="print">
+            <a:extLst>
+              <a:ext uri="{28A0092B-C50C-407E-A947-70E740481C1C}">
+                <a14:useLocalDpi xmlns:a14="http://schemas.microsoft.com/office/drawing/2010/main" val="0"/>
+              </a:ext>
+            </a:extLst>
+          </a:blip>
+          <a:srcRect/>
+          <a:stretch>
+            <a:fillRect/>
+          </a:stretch>
+        </p:blipFill>
+        <p:spPr bwMode="auto">
+          <a:xfrm>
+            <a:off x="5798872" y="1998252"/>
+            <a:ext cx="428958" cy="440422"/>
+          </a:xfrm>
+          <a:prstGeom prst="rect">
+            <a:avLst/>
+          </a:prstGeom>
+          <a:noFill/>
+          <a:ln>
+            <a:noFill/>
+          </a:ln>
+          <a:effectLst/>
+          <a:extLst>
+            <a:ext uri="{909E8E84-426E-40DD-AFC4-6F175D3DCCD1}">
+              <a14:hiddenFill xmlns:a14="http://schemas.microsoft.com/office/drawing/2010/main">
+                <a:solidFill>
+                  <a:schemeClr val="accent1"/>
+                </a:solidFill>
+              </a14:hiddenFill>
+            </a:ext>
+            <a:ext uri="{91240B29-F687-4F45-9708-019B960494DF}">
+              <a14:hiddenLine xmlns:a14="http://schemas.microsoft.com/office/drawing/2010/main" w="9525">
+                <a:solidFill>
+                  <a:schemeClr val="tx1"/>
+                </a:solidFill>
+                <a:miter lim="800000"/>
+                <a:headEnd/>
+                <a:tailEnd/>
+              </a14:hiddenLine>
+            </a:ext>
+            <a:ext uri="{AF507438-7753-43E0-B8FC-AC1667EBCBE1}">
+              <a14:hiddenEffects xmlns:a14="http://schemas.microsoft.com/office/drawing/2010/main">
+                <a:effectLst>
+                  <a:outerShdw dist="35921" dir="2700000" algn="ctr" rotWithShape="0">
+                    <a:schemeClr val="bg2"/>
+                  </a:outerShdw>
+                </a:effectLst>
+              </a14:hiddenEffects>
+            </a:ext>
+          </a:extLst>
+        </p:spPr>
+      </p:pic>
+      <p:cxnSp>
+        <p:nvCxnSpPr>
+          <p:cNvPr id="12" name="直接连接符 11"/>
+          <p:cNvCxnSpPr>
+            <a:stCxn id="10" idx="3"/>
+            <a:endCxn id="11" idx="1"/>
+          </p:cNvCxnSpPr>
+          <p:nvPr/>
+        </p:nvCxnSpPr>
+        <p:spPr>
+          <a:xfrm>
+            <a:off x="1362371" y="2218463"/>
+            <a:ext cx="4436501" cy="0"/>
+          </a:xfrm>
+          <a:prstGeom prst="line">
+            <a:avLst/>
+          </a:prstGeom>
+        </p:spPr>
+        <p:style>
+          <a:lnRef idx="1">
+            <a:schemeClr val="accent1"/>
+          </a:lnRef>
+          <a:fillRef idx="0">
+            <a:schemeClr val="accent1"/>
+          </a:fillRef>
+          <a:effectRef idx="0">
+            <a:schemeClr val="accent1"/>
+          </a:effectRef>
+          <a:fontRef idx="minor">
+            <a:schemeClr val="tx1"/>
+          </a:fontRef>
+        </p:style>
+      </p:cxnSp>
+      <p:sp>
+        <p:nvSpPr>
+          <p:cNvPr id="13" name="椭圆 12"/>
+          <p:cNvSpPr/>
+          <p:nvPr/>
+        </p:nvSpPr>
+        <p:spPr>
+          <a:xfrm>
+            <a:off x="1429603" y="2178220"/>
+            <a:ext cx="75063" cy="81186"/>
+          </a:xfrm>
+          <a:prstGeom prst="ellipse">
+            <a:avLst/>
+          </a:prstGeom>
+        </p:spPr>
+        <p:style>
+          <a:lnRef idx="2">
+            <a:schemeClr val="accent1">
+              <a:shade val="50000"/>
+            </a:schemeClr>
+          </a:lnRef>
+          <a:fillRef idx="1">
+            <a:schemeClr val="accent1"/>
+          </a:fillRef>
+          <a:effectRef idx="0">
+            <a:schemeClr val="accent1"/>
+          </a:effectRef>
+          <a:fontRef idx="minor">
+            <a:schemeClr val="lt1"/>
+          </a:fontRef>
+        </p:style>
+        <p:txBody>
+          <a:bodyPr rtlCol="0" anchor="ctr"/>
+          <a:lstStyle/>
+          <a:p>
+            <a:pPr algn="ctr"/>
+            <a:endParaRPr lang="zh-CN" altLang="en-US"/>
+          </a:p>
+        </p:txBody>
+      </p:sp>
+      <p:sp>
+        <p:nvSpPr>
+          <p:cNvPr id="14" name="椭圆 13"/>
+          <p:cNvSpPr/>
+          <p:nvPr/>
+        </p:nvSpPr>
+        <p:spPr>
+          <a:xfrm>
+            <a:off x="5626321" y="2178220"/>
+            <a:ext cx="75063" cy="81186"/>
+          </a:xfrm>
+          <a:prstGeom prst="ellipse">
+            <a:avLst/>
+          </a:prstGeom>
+        </p:spPr>
+        <p:style>
+          <a:lnRef idx="2">
+            <a:schemeClr val="accent1">
+              <a:shade val="50000"/>
+            </a:schemeClr>
+          </a:lnRef>
+          <a:fillRef idx="1">
+            <a:schemeClr val="accent1"/>
+          </a:fillRef>
+          <a:effectRef idx="0">
+            <a:schemeClr val="accent1"/>
+          </a:effectRef>
+          <a:fontRef idx="minor">
+            <a:schemeClr val="lt1"/>
+          </a:fontRef>
+        </p:style>
+        <p:txBody>
+          <a:bodyPr rtlCol="0" anchor="ctr"/>
+          <a:lstStyle/>
+          <a:p>
+            <a:pPr algn="ctr"/>
+            <a:endParaRPr lang="zh-CN" altLang="en-US"/>
+          </a:p>
+        </p:txBody>
+      </p:sp>
+      <p:pic>
+        <p:nvPicPr>
+          <p:cNvPr id="15" name="Picture 2"/>
+          <p:cNvPicPr>
+            <a:picLocks noChangeAspect="1" noChangeArrowheads="1"/>
+          </p:cNvPicPr>
+          <p:nvPr/>
+        </p:nvPicPr>
+        <p:blipFill>
+          <a:blip r:embed="rId2" cstate="print">
+            <a:extLst>
+              <a:ext uri="{28A0092B-C50C-407E-A947-70E740481C1C}">
+                <a14:useLocalDpi xmlns:a14="http://schemas.microsoft.com/office/drawing/2010/main" val="0"/>
+              </a:ext>
+            </a:extLst>
+          </a:blip>
+          <a:srcRect/>
+          <a:stretch>
+            <a:fillRect/>
+          </a:stretch>
+        </p:blipFill>
+        <p:spPr bwMode="auto">
+          <a:xfrm>
+            <a:off x="933412" y="2687464"/>
+            <a:ext cx="428958" cy="440422"/>
+          </a:xfrm>
+          <a:prstGeom prst="rect">
+            <a:avLst/>
+          </a:prstGeom>
+          <a:noFill/>
+          <a:ln>
+            <a:noFill/>
+          </a:ln>
+          <a:effectLst/>
+          <a:extLst>
+            <a:ext uri="{909E8E84-426E-40DD-AFC4-6F175D3DCCD1}">
+              <a14:hiddenFill xmlns:a14="http://schemas.microsoft.com/office/drawing/2010/main">
+                <a:solidFill>
+                  <a:schemeClr val="accent1"/>
+                </a:solidFill>
+              </a14:hiddenFill>
+            </a:ext>
+            <a:ext uri="{91240B29-F687-4F45-9708-019B960494DF}">
+              <a14:hiddenLine xmlns:a14="http://schemas.microsoft.com/office/drawing/2010/main" w="9525">
+                <a:solidFill>
+                  <a:schemeClr val="tx1"/>
+                </a:solidFill>
+                <a:miter lim="800000"/>
+                <a:headEnd/>
+                <a:tailEnd/>
+              </a14:hiddenLine>
+            </a:ext>
+            <a:ext uri="{AF507438-7753-43E0-B8FC-AC1667EBCBE1}">
+              <a14:hiddenEffects xmlns:a14="http://schemas.microsoft.com/office/drawing/2010/main">
+                <a:effectLst>
+                  <a:outerShdw dist="35921" dir="2700000" algn="ctr" rotWithShape="0">
+                    <a:schemeClr val="bg2"/>
+                  </a:outerShdw>
+                </a:effectLst>
+              </a14:hiddenEffects>
+            </a:ext>
+          </a:extLst>
+        </p:spPr>
+      </p:pic>
+      <p:pic>
+        <p:nvPicPr>
+          <p:cNvPr id="16" name="Picture 2"/>
+          <p:cNvPicPr>
+            <a:picLocks noChangeAspect="1" noChangeArrowheads="1"/>
+          </p:cNvPicPr>
+          <p:nvPr/>
+        </p:nvPicPr>
+        <p:blipFill>
+          <a:blip r:embed="rId3" cstate="print">
+            <a:extLst>
+              <a:ext uri="{28A0092B-C50C-407E-A947-70E740481C1C}">
+                <a14:useLocalDpi xmlns:a14="http://schemas.microsoft.com/office/drawing/2010/main" val="0"/>
+              </a:ext>
+            </a:extLst>
+          </a:blip>
+          <a:srcRect/>
+          <a:stretch>
+            <a:fillRect/>
+          </a:stretch>
+        </p:blipFill>
+        <p:spPr bwMode="auto">
+          <a:xfrm>
+            <a:off x="5798871" y="2687464"/>
+            <a:ext cx="428958" cy="440422"/>
+          </a:xfrm>
+          <a:prstGeom prst="rect">
+            <a:avLst/>
+          </a:prstGeom>
+          <a:noFill/>
+          <a:ln>
+            <a:noFill/>
+          </a:ln>
+          <a:effectLst/>
+          <a:extLst>
+            <a:ext uri="{909E8E84-426E-40DD-AFC4-6F175D3DCCD1}">
+              <a14:hiddenFill xmlns:a14="http://schemas.microsoft.com/office/drawing/2010/main">
+                <a:solidFill>
+                  <a:schemeClr val="accent1"/>
+                </a:solidFill>
+              </a14:hiddenFill>
+            </a:ext>
+            <a:ext uri="{91240B29-F687-4F45-9708-019B960494DF}">
+              <a14:hiddenLine xmlns:a14="http://schemas.microsoft.com/office/drawing/2010/main" w="9525">
+                <a:solidFill>
+                  <a:schemeClr val="tx1"/>
+                </a:solidFill>
+                <a:miter lim="800000"/>
+                <a:headEnd/>
+                <a:tailEnd/>
+              </a14:hiddenLine>
+            </a:ext>
+            <a:ext uri="{AF507438-7753-43E0-B8FC-AC1667EBCBE1}">
+              <a14:hiddenEffects xmlns:a14="http://schemas.microsoft.com/office/drawing/2010/main">
+                <a:effectLst>
+                  <a:outerShdw dist="35921" dir="2700000" algn="ctr" rotWithShape="0">
+                    <a:schemeClr val="bg2"/>
+                  </a:outerShdw>
+                </a:effectLst>
+              </a14:hiddenEffects>
+            </a:ext>
+          </a:extLst>
+        </p:spPr>
+      </p:pic>
+      <p:cxnSp>
+        <p:nvCxnSpPr>
+          <p:cNvPr id="17" name="直接连接符 16"/>
+          <p:cNvCxnSpPr>
+            <a:stCxn id="15" idx="3"/>
+            <a:endCxn id="16" idx="1"/>
+          </p:cNvCxnSpPr>
+          <p:nvPr/>
+        </p:nvCxnSpPr>
+        <p:spPr>
+          <a:xfrm>
+            <a:off x="1362370" y="2907675"/>
+            <a:ext cx="4436501" cy="0"/>
+          </a:xfrm>
+          <a:prstGeom prst="line">
+            <a:avLst/>
+          </a:prstGeom>
+        </p:spPr>
+        <p:style>
+          <a:lnRef idx="1">
+            <a:schemeClr val="accent1"/>
+          </a:lnRef>
+          <a:fillRef idx="0">
+            <a:schemeClr val="accent1"/>
+          </a:fillRef>
+          <a:effectRef idx="0">
+            <a:schemeClr val="accent1"/>
+          </a:effectRef>
+          <a:fontRef idx="minor">
+            <a:schemeClr val="tx1"/>
+          </a:fontRef>
+        </p:style>
+      </p:cxnSp>
+      <p:sp>
+        <p:nvSpPr>
+          <p:cNvPr id="18" name="椭圆 17"/>
+          <p:cNvSpPr/>
+          <p:nvPr/>
+        </p:nvSpPr>
+        <p:spPr>
+          <a:xfrm>
+            <a:off x="1429602" y="2867432"/>
+            <a:ext cx="75063" cy="81186"/>
+          </a:xfrm>
+          <a:prstGeom prst="ellipse">
+            <a:avLst/>
+          </a:prstGeom>
+        </p:spPr>
+        <p:style>
+          <a:lnRef idx="2">
+            <a:schemeClr val="accent1">
+              <a:shade val="50000"/>
+            </a:schemeClr>
+          </a:lnRef>
+          <a:fillRef idx="1">
+            <a:schemeClr val="accent1"/>
+          </a:fillRef>
+          <a:effectRef idx="0">
+            <a:schemeClr val="accent1"/>
+          </a:effectRef>
+          <a:fontRef idx="minor">
+            <a:schemeClr val="lt1"/>
+          </a:fontRef>
+        </p:style>
+        <p:txBody>
+          <a:bodyPr rtlCol="0" anchor="ctr"/>
+          <a:lstStyle/>
+          <a:p>
+            <a:pPr algn="ctr"/>
+            <a:endParaRPr lang="zh-CN" altLang="en-US"/>
+          </a:p>
+        </p:txBody>
+      </p:sp>
+      <p:sp>
+        <p:nvSpPr>
+          <p:cNvPr id="19" name="椭圆 18"/>
+          <p:cNvSpPr/>
+          <p:nvPr/>
+        </p:nvSpPr>
+        <p:spPr>
+          <a:xfrm>
+            <a:off x="5626320" y="2867432"/>
+            <a:ext cx="75063" cy="81186"/>
+          </a:xfrm>
+          <a:prstGeom prst="ellipse">
+            <a:avLst/>
+          </a:prstGeom>
+        </p:spPr>
+        <p:style>
+          <a:lnRef idx="2">
+            <a:schemeClr val="accent1">
+              <a:shade val="50000"/>
+            </a:schemeClr>
+          </a:lnRef>
+          <a:fillRef idx="1">
+            <a:schemeClr val="accent1"/>
+          </a:fillRef>
+          <a:effectRef idx="0">
+            <a:schemeClr val="accent1"/>
+          </a:effectRef>
+          <a:fontRef idx="minor">
+            <a:schemeClr val="lt1"/>
+          </a:fontRef>
+        </p:style>
+        <p:txBody>
+          <a:bodyPr rtlCol="0" anchor="ctr"/>
+          <a:lstStyle/>
+          <a:p>
+            <a:pPr algn="ctr"/>
+            <a:endParaRPr lang="zh-CN" altLang="en-US"/>
+          </a:p>
+        </p:txBody>
+      </p:sp>
+      <p:pic>
+        <p:nvPicPr>
+          <p:cNvPr id="20" name="Picture 2"/>
+          <p:cNvPicPr>
+            <a:picLocks noChangeAspect="1" noChangeArrowheads="1"/>
+          </p:cNvPicPr>
+          <p:nvPr/>
+        </p:nvPicPr>
+        <p:blipFill>
+          <a:blip r:embed="rId2" cstate="print">
+            <a:extLst>
+              <a:ext uri="{28A0092B-C50C-407E-A947-70E740481C1C}">
+                <a14:useLocalDpi xmlns:a14="http://schemas.microsoft.com/office/drawing/2010/main" val="0"/>
+              </a:ext>
+            </a:extLst>
+          </a:blip>
+          <a:srcRect/>
+          <a:stretch>
+            <a:fillRect/>
+          </a:stretch>
+        </p:blipFill>
+        <p:spPr bwMode="auto">
+          <a:xfrm>
+            <a:off x="933412" y="3438090"/>
+            <a:ext cx="428958" cy="440422"/>
+          </a:xfrm>
+          <a:prstGeom prst="rect">
+            <a:avLst/>
+          </a:prstGeom>
+          <a:noFill/>
+          <a:ln>
+            <a:noFill/>
+          </a:ln>
+          <a:effectLst/>
+          <a:extLst>
+            <a:ext uri="{909E8E84-426E-40DD-AFC4-6F175D3DCCD1}">
+              <a14:hiddenFill xmlns:a14="http://schemas.microsoft.com/office/drawing/2010/main">
+                <a:solidFill>
+                  <a:schemeClr val="accent1"/>
+                </a:solidFill>
+              </a14:hiddenFill>
+            </a:ext>
+            <a:ext uri="{91240B29-F687-4F45-9708-019B960494DF}">
+              <a14:hiddenLine xmlns:a14="http://schemas.microsoft.com/office/drawing/2010/main" w="9525">
+                <a:solidFill>
+                  <a:schemeClr val="tx1"/>
+                </a:solidFill>
+                <a:miter lim="800000"/>
+                <a:headEnd/>
+                <a:tailEnd/>
+              </a14:hiddenLine>
+            </a:ext>
+            <a:ext uri="{AF507438-7753-43E0-B8FC-AC1667EBCBE1}">
+              <a14:hiddenEffects xmlns:a14="http://schemas.microsoft.com/office/drawing/2010/main">
+                <a:effectLst>
+                  <a:outerShdw dist="35921" dir="2700000" algn="ctr" rotWithShape="0">
+                    <a:schemeClr val="bg2"/>
+                  </a:outerShdw>
+                </a:effectLst>
+              </a14:hiddenEffects>
+            </a:ext>
+          </a:extLst>
+        </p:spPr>
+      </p:pic>
+      <p:pic>
+        <p:nvPicPr>
+          <p:cNvPr id="21" name="Picture 2"/>
+          <p:cNvPicPr>
+            <a:picLocks noChangeAspect="1" noChangeArrowheads="1"/>
+          </p:cNvPicPr>
+          <p:nvPr/>
+        </p:nvPicPr>
+        <p:blipFill>
+          <a:blip r:embed="rId2" cstate="print">
+            <a:extLst>
+              <a:ext uri="{28A0092B-C50C-407E-A947-70E740481C1C}">
+                <a14:useLocalDpi xmlns:a14="http://schemas.microsoft.com/office/drawing/2010/main" val="0"/>
+              </a:ext>
+            </a:extLst>
+          </a:blip>
+          <a:srcRect/>
+          <a:stretch>
+            <a:fillRect/>
+          </a:stretch>
+        </p:blipFill>
+        <p:spPr bwMode="auto">
+          <a:xfrm>
+            <a:off x="5798871" y="3438090"/>
+            <a:ext cx="428958" cy="440422"/>
+          </a:xfrm>
+          <a:prstGeom prst="rect">
+            <a:avLst/>
+          </a:prstGeom>
+          <a:noFill/>
+          <a:ln>
+            <a:noFill/>
+          </a:ln>
+          <a:effectLst/>
+          <a:extLst>
+            <a:ext uri="{909E8E84-426E-40DD-AFC4-6F175D3DCCD1}">
+              <a14:hiddenFill xmlns:a14="http://schemas.microsoft.com/office/drawing/2010/main">
+                <a:solidFill>
+                  <a:schemeClr val="accent1"/>
+                </a:solidFill>
+              </a14:hiddenFill>
+            </a:ext>
+            <a:ext uri="{91240B29-F687-4F45-9708-019B960494DF}">
+              <a14:hiddenLine xmlns:a14="http://schemas.microsoft.com/office/drawing/2010/main" w="9525">
+                <a:solidFill>
+                  <a:schemeClr val="tx1"/>
+                </a:solidFill>
+                <a:miter lim="800000"/>
+                <a:headEnd/>
+                <a:tailEnd/>
+              </a14:hiddenLine>
+            </a:ext>
+            <a:ext uri="{AF507438-7753-43E0-B8FC-AC1667EBCBE1}">
+              <a14:hiddenEffects xmlns:a14="http://schemas.microsoft.com/office/drawing/2010/main">
+                <a:effectLst>
+                  <a:outerShdw dist="35921" dir="2700000" algn="ctr" rotWithShape="0">
+                    <a:schemeClr val="bg2"/>
+                  </a:outerShdw>
+                </a:effectLst>
+              </a14:hiddenEffects>
+            </a:ext>
+          </a:extLst>
+        </p:spPr>
+      </p:pic>
+      <p:cxnSp>
+        <p:nvCxnSpPr>
+          <p:cNvPr id="22" name="直接连接符 21"/>
+          <p:cNvCxnSpPr/>
+          <p:nvPr/>
+        </p:nvCxnSpPr>
+        <p:spPr>
+          <a:xfrm>
+            <a:off x="1726496" y="3943057"/>
+            <a:ext cx="3705328" cy="7874"/>
+          </a:xfrm>
+          <a:prstGeom prst="line">
+            <a:avLst/>
+          </a:prstGeom>
+        </p:spPr>
+        <p:style>
+          <a:lnRef idx="1">
+            <a:schemeClr val="accent1"/>
+          </a:lnRef>
+          <a:fillRef idx="0">
+            <a:schemeClr val="accent1"/>
+          </a:fillRef>
+          <a:effectRef idx="0">
+            <a:schemeClr val="accent1"/>
+          </a:effectRef>
+          <a:fontRef idx="minor">
+            <a:schemeClr val="tx1"/>
+          </a:fontRef>
+        </p:style>
+      </p:cxnSp>
+      <p:sp>
+        <p:nvSpPr>
+          <p:cNvPr id="23" name="椭圆 22"/>
+          <p:cNvSpPr/>
+          <p:nvPr/>
+        </p:nvSpPr>
+        <p:spPr>
+          <a:xfrm>
+            <a:off x="1429602" y="3618058"/>
+            <a:ext cx="75063" cy="81186"/>
+          </a:xfrm>
+          <a:prstGeom prst="ellipse">
+            <a:avLst/>
+          </a:prstGeom>
+        </p:spPr>
+        <p:style>
+          <a:lnRef idx="2">
+            <a:schemeClr val="accent1">
+              <a:shade val="50000"/>
+            </a:schemeClr>
+          </a:lnRef>
+          <a:fillRef idx="1">
+            <a:schemeClr val="accent1"/>
+          </a:fillRef>
+          <a:effectRef idx="0">
+            <a:schemeClr val="accent1"/>
+          </a:effectRef>
+          <a:fontRef idx="minor">
+            <a:schemeClr val="lt1"/>
+          </a:fontRef>
+        </p:style>
+        <p:txBody>
+          <a:bodyPr rtlCol="0" anchor="ctr"/>
+          <a:lstStyle/>
+          <a:p>
+            <a:pPr algn="ctr"/>
+            <a:endParaRPr lang="zh-CN" altLang="en-US"/>
+          </a:p>
+        </p:txBody>
+      </p:sp>
+      <p:sp>
+        <p:nvSpPr>
+          <p:cNvPr id="24" name="椭圆 23"/>
+          <p:cNvSpPr/>
+          <p:nvPr/>
+        </p:nvSpPr>
+        <p:spPr>
+          <a:xfrm>
+            <a:off x="5626320" y="3618058"/>
+            <a:ext cx="75063" cy="81186"/>
+          </a:xfrm>
+          <a:prstGeom prst="ellipse">
+            <a:avLst/>
+          </a:prstGeom>
+        </p:spPr>
+        <p:style>
+          <a:lnRef idx="2">
+            <a:schemeClr val="accent1">
+              <a:shade val="50000"/>
+            </a:schemeClr>
+          </a:lnRef>
+          <a:fillRef idx="1">
+            <a:schemeClr val="accent1"/>
+          </a:fillRef>
+          <a:effectRef idx="0">
+            <a:schemeClr val="accent1"/>
+          </a:effectRef>
+          <a:fontRef idx="minor">
+            <a:schemeClr val="lt1"/>
+          </a:fontRef>
+        </p:style>
+        <p:txBody>
+          <a:bodyPr rtlCol="0" anchor="ctr"/>
+          <a:lstStyle/>
+          <a:p>
+            <a:pPr algn="ctr"/>
+            <a:endParaRPr lang="zh-CN" altLang="en-US"/>
+          </a:p>
+        </p:txBody>
+      </p:sp>
+      <p:sp>
+        <p:nvSpPr>
+          <p:cNvPr id="25" name="矩形 24"/>
+          <p:cNvSpPr/>
+          <p:nvPr/>
+        </p:nvSpPr>
+        <p:spPr>
+          <a:xfrm>
+            <a:off x="1569493" y="2094933"/>
+            <a:ext cx="45719" cy="232012"/>
+          </a:xfrm>
+          <a:prstGeom prst="rect">
+            <a:avLst/>
+          </a:prstGeom>
+        </p:spPr>
+        <p:style>
+          <a:lnRef idx="2">
+            <a:schemeClr val="accent1">
+              <a:shade val="50000"/>
+            </a:schemeClr>
+          </a:lnRef>
+          <a:fillRef idx="1">
+            <a:schemeClr val="accent1"/>
+          </a:fillRef>
+          <a:effectRef idx="0">
+            <a:schemeClr val="accent1"/>
+          </a:effectRef>
+          <a:fontRef idx="minor">
+            <a:schemeClr val="lt1"/>
+          </a:fontRef>
+        </p:style>
+        <p:txBody>
+          <a:bodyPr rtlCol="0" anchor="ctr"/>
+          <a:lstStyle/>
+          <a:p>
+            <a:pPr algn="ctr"/>
+            <a:endParaRPr lang="zh-CN" altLang="en-US"/>
+          </a:p>
+        </p:txBody>
+      </p:sp>
+      <p:sp>
+        <p:nvSpPr>
+          <p:cNvPr id="26" name="矩形 25"/>
+          <p:cNvSpPr/>
+          <p:nvPr/>
+        </p:nvSpPr>
+        <p:spPr>
+          <a:xfrm>
+            <a:off x="5479608" y="2103157"/>
+            <a:ext cx="45719" cy="232012"/>
+          </a:xfrm>
+          <a:prstGeom prst="rect">
+            <a:avLst/>
+          </a:prstGeom>
+        </p:spPr>
+        <p:style>
+          <a:lnRef idx="2">
+            <a:schemeClr val="accent1">
+              <a:shade val="50000"/>
+            </a:schemeClr>
+          </a:lnRef>
+          <a:fillRef idx="1">
+            <a:schemeClr val="accent1"/>
+          </a:fillRef>
+          <a:effectRef idx="0">
+            <a:schemeClr val="accent1"/>
+          </a:effectRef>
+          <a:fontRef idx="minor">
+            <a:schemeClr val="lt1"/>
+          </a:fontRef>
+        </p:style>
+        <p:txBody>
+          <a:bodyPr rtlCol="0" anchor="ctr"/>
+          <a:lstStyle/>
+          <a:p>
+            <a:pPr algn="ctr"/>
+            <a:endParaRPr lang="zh-CN" altLang="en-US"/>
+          </a:p>
+        </p:txBody>
+      </p:sp>
+      <p:sp>
+        <p:nvSpPr>
+          <p:cNvPr id="27" name="矩形 26"/>
+          <p:cNvSpPr/>
+          <p:nvPr/>
+        </p:nvSpPr>
+        <p:spPr>
+          <a:xfrm>
+            <a:off x="1569493" y="2792019"/>
+            <a:ext cx="45719" cy="232012"/>
+          </a:xfrm>
+          <a:prstGeom prst="rect">
+            <a:avLst/>
+          </a:prstGeom>
+        </p:spPr>
+        <p:style>
+          <a:lnRef idx="2">
+            <a:schemeClr val="accent1">
+              <a:shade val="50000"/>
+            </a:schemeClr>
+          </a:lnRef>
+          <a:fillRef idx="1">
+            <a:schemeClr val="accent1"/>
+          </a:fillRef>
+          <a:effectRef idx="0">
+            <a:schemeClr val="accent1"/>
+          </a:effectRef>
+          <a:fontRef idx="minor">
+            <a:schemeClr val="lt1"/>
+          </a:fontRef>
+        </p:style>
+        <p:txBody>
+          <a:bodyPr rtlCol="0" anchor="ctr"/>
+          <a:lstStyle/>
+          <a:p>
+            <a:pPr algn="ctr"/>
+            <a:endParaRPr lang="zh-CN" altLang="en-US"/>
+          </a:p>
+        </p:txBody>
+      </p:sp>
+      <p:sp>
+        <p:nvSpPr>
+          <p:cNvPr id="28" name="矩形 27"/>
+          <p:cNvSpPr/>
+          <p:nvPr/>
+        </p:nvSpPr>
+        <p:spPr>
+          <a:xfrm>
+            <a:off x="1692323" y="2694288"/>
+            <a:ext cx="45719" cy="440421"/>
+          </a:xfrm>
+          <a:prstGeom prst="rect">
+            <a:avLst/>
+          </a:prstGeom>
+        </p:spPr>
+        <p:style>
+          <a:lnRef idx="2">
+            <a:schemeClr val="accent1">
+              <a:shade val="50000"/>
+            </a:schemeClr>
+          </a:lnRef>
+          <a:fillRef idx="1">
+            <a:schemeClr val="accent1"/>
+          </a:fillRef>
+          <a:effectRef idx="0">
+            <a:schemeClr val="accent1"/>
+          </a:effectRef>
+          <a:fontRef idx="minor">
+            <a:schemeClr val="lt1"/>
+          </a:fontRef>
+        </p:style>
+        <p:txBody>
+          <a:bodyPr rtlCol="0" anchor="ctr"/>
+          <a:lstStyle/>
+          <a:p>
+            <a:pPr algn="ctr"/>
+            <a:endParaRPr lang="zh-CN" altLang="en-US"/>
+          </a:p>
+        </p:txBody>
+      </p:sp>
+      <p:sp>
+        <p:nvSpPr>
+          <p:cNvPr id="29" name="矩形 28"/>
+          <p:cNvSpPr/>
+          <p:nvPr/>
+        </p:nvSpPr>
+        <p:spPr>
+          <a:xfrm>
+            <a:off x="5356778" y="2694288"/>
+            <a:ext cx="45719" cy="440421"/>
+          </a:xfrm>
+          <a:prstGeom prst="rect">
+            <a:avLst/>
+          </a:prstGeom>
+        </p:spPr>
+        <p:style>
+          <a:lnRef idx="2">
+            <a:schemeClr val="accent1">
+              <a:shade val="50000"/>
+            </a:schemeClr>
+          </a:lnRef>
+          <a:fillRef idx="1">
+            <a:schemeClr val="accent1"/>
+          </a:fillRef>
+          <a:effectRef idx="0">
+            <a:schemeClr val="accent1"/>
+          </a:effectRef>
+          <a:fontRef idx="minor">
+            <a:schemeClr val="lt1"/>
+          </a:fontRef>
+        </p:style>
+        <p:txBody>
+          <a:bodyPr rtlCol="0" anchor="ctr"/>
+          <a:lstStyle/>
+          <a:p>
+            <a:pPr algn="ctr"/>
+            <a:endParaRPr lang="zh-CN" altLang="en-US"/>
+          </a:p>
+        </p:txBody>
+      </p:sp>
+      <p:sp>
+        <p:nvSpPr>
+          <p:cNvPr id="30" name="矩形 29"/>
+          <p:cNvSpPr/>
+          <p:nvPr/>
+        </p:nvSpPr>
+        <p:spPr>
+          <a:xfrm>
+            <a:off x="5479607" y="2792019"/>
+            <a:ext cx="45719" cy="232012"/>
+          </a:xfrm>
+          <a:prstGeom prst="rect">
+            <a:avLst/>
+          </a:prstGeom>
+        </p:spPr>
+        <p:style>
+          <a:lnRef idx="2">
+            <a:schemeClr val="accent1">
+              <a:shade val="50000"/>
+            </a:schemeClr>
+          </a:lnRef>
+          <a:fillRef idx="1">
+            <a:schemeClr val="accent1"/>
+          </a:fillRef>
+          <a:effectRef idx="0">
+            <a:schemeClr val="accent1"/>
+          </a:effectRef>
+          <a:fontRef idx="minor">
+            <a:schemeClr val="lt1"/>
+          </a:fontRef>
+        </p:style>
+        <p:txBody>
+          <a:bodyPr rtlCol="0" anchor="ctr"/>
+          <a:lstStyle/>
+          <a:p>
+            <a:pPr algn="ctr"/>
+            <a:endParaRPr lang="zh-CN" altLang="en-US"/>
+          </a:p>
+        </p:txBody>
+      </p:sp>
+      <p:pic>
+        <p:nvPicPr>
+          <p:cNvPr id="31" name="Picture 2"/>
+          <p:cNvPicPr>
+            <a:picLocks noChangeAspect="1" noChangeArrowheads="1"/>
+          </p:cNvPicPr>
+          <p:nvPr/>
+        </p:nvPicPr>
+        <p:blipFill>
+          <a:blip r:embed="rId2" cstate="print">
+            <a:extLst>
+              <a:ext uri="{28A0092B-C50C-407E-A947-70E740481C1C}">
+                <a14:useLocalDpi xmlns:a14="http://schemas.microsoft.com/office/drawing/2010/main" val="0"/>
+              </a:ext>
+            </a:extLst>
+          </a:blip>
+          <a:srcRect/>
+          <a:stretch>
+            <a:fillRect/>
+          </a:stretch>
+        </p:blipFill>
+        <p:spPr bwMode="auto">
+          <a:xfrm>
+            <a:off x="909075" y="3949881"/>
+            <a:ext cx="428958" cy="440422"/>
+          </a:xfrm>
+          <a:prstGeom prst="rect">
+            <a:avLst/>
+          </a:prstGeom>
+          <a:noFill/>
+          <a:ln>
+            <a:noFill/>
+          </a:ln>
+          <a:effectLst/>
+          <a:extLst>
+            <a:ext uri="{909E8E84-426E-40DD-AFC4-6F175D3DCCD1}">
+              <a14:hiddenFill xmlns:a14="http://schemas.microsoft.com/office/drawing/2010/main">
+                <a:solidFill>
+                  <a:schemeClr val="accent1"/>
+                </a:solidFill>
+              </a14:hiddenFill>
+            </a:ext>
+            <a:ext uri="{91240B29-F687-4F45-9708-019B960494DF}">
+              <a14:hiddenLine xmlns:a14="http://schemas.microsoft.com/office/drawing/2010/main" w="9525">
+                <a:solidFill>
+                  <a:schemeClr val="tx1"/>
+                </a:solidFill>
+                <a:miter lim="800000"/>
+                <a:headEnd/>
+                <a:tailEnd/>
+              </a14:hiddenLine>
+            </a:ext>
+            <a:ext uri="{AF507438-7753-43E0-B8FC-AC1667EBCBE1}">
+              <a14:hiddenEffects xmlns:a14="http://schemas.microsoft.com/office/drawing/2010/main">
+                <a:effectLst>
+                  <a:outerShdw dist="35921" dir="2700000" algn="ctr" rotWithShape="0">
+                    <a:schemeClr val="bg2"/>
+                  </a:outerShdw>
+                </a:effectLst>
+              </a14:hiddenEffects>
+            </a:ext>
+          </a:extLst>
+        </p:spPr>
+      </p:pic>
+      <p:sp>
+        <p:nvSpPr>
+          <p:cNvPr id="32" name="椭圆 31"/>
+          <p:cNvSpPr/>
+          <p:nvPr/>
+        </p:nvSpPr>
+        <p:spPr>
+          <a:xfrm>
+            <a:off x="1405265" y="4129849"/>
+            <a:ext cx="75063" cy="81186"/>
+          </a:xfrm>
+          <a:prstGeom prst="ellipse">
+            <a:avLst/>
+          </a:prstGeom>
+        </p:spPr>
+        <p:style>
+          <a:lnRef idx="2">
+            <a:schemeClr val="accent1">
+              <a:shade val="50000"/>
+            </a:schemeClr>
+          </a:lnRef>
+          <a:fillRef idx="1">
+            <a:schemeClr val="accent1"/>
+          </a:fillRef>
+          <a:effectRef idx="0">
+            <a:schemeClr val="accent1"/>
+          </a:effectRef>
+          <a:fontRef idx="minor">
+            <a:schemeClr val="lt1"/>
+          </a:fontRef>
+        </p:style>
+        <p:txBody>
+          <a:bodyPr rtlCol="0" anchor="ctr"/>
+          <a:lstStyle/>
+          <a:p>
+            <a:pPr algn="ctr"/>
+            <a:endParaRPr lang="zh-CN" altLang="en-US"/>
+          </a:p>
+        </p:txBody>
+      </p:sp>
+      <p:pic>
+        <p:nvPicPr>
+          <p:cNvPr id="33" name="Picture 2"/>
+          <p:cNvPicPr>
+            <a:picLocks noChangeAspect="1" noChangeArrowheads="1"/>
+          </p:cNvPicPr>
+          <p:nvPr/>
+        </p:nvPicPr>
+        <p:blipFill>
+          <a:blip r:embed="rId2" cstate="print">
+            <a:extLst>
+              <a:ext uri="{28A0092B-C50C-407E-A947-70E740481C1C}">
+                <a14:useLocalDpi xmlns:a14="http://schemas.microsoft.com/office/drawing/2010/main" val="0"/>
+              </a:ext>
+            </a:extLst>
+          </a:blip>
+          <a:srcRect/>
+          <a:stretch>
+            <a:fillRect/>
+          </a:stretch>
+        </p:blipFill>
+        <p:spPr bwMode="auto">
+          <a:xfrm>
+            <a:off x="5786702" y="3990824"/>
+            <a:ext cx="428958" cy="440422"/>
+          </a:xfrm>
+          <a:prstGeom prst="rect">
+            <a:avLst/>
+          </a:prstGeom>
+          <a:noFill/>
+          <a:ln>
+            <a:noFill/>
+          </a:ln>
+          <a:effectLst/>
+          <a:extLst>
+            <a:ext uri="{909E8E84-426E-40DD-AFC4-6F175D3DCCD1}">
+              <a14:hiddenFill xmlns:a14="http://schemas.microsoft.com/office/drawing/2010/main">
+                <a:solidFill>
+                  <a:schemeClr val="accent1"/>
+                </a:solidFill>
+              </a14:hiddenFill>
+            </a:ext>
+            <a:ext uri="{91240B29-F687-4F45-9708-019B960494DF}">
+              <a14:hiddenLine xmlns:a14="http://schemas.microsoft.com/office/drawing/2010/main" w="9525">
+                <a:solidFill>
+                  <a:schemeClr val="tx1"/>
+                </a:solidFill>
+                <a:miter lim="800000"/>
+                <a:headEnd/>
+                <a:tailEnd/>
+              </a14:hiddenLine>
+            </a:ext>
+            <a:ext uri="{AF507438-7753-43E0-B8FC-AC1667EBCBE1}">
+              <a14:hiddenEffects xmlns:a14="http://schemas.microsoft.com/office/drawing/2010/main">
+                <a:effectLst>
+                  <a:outerShdw dist="35921" dir="2700000" algn="ctr" rotWithShape="0">
+                    <a:schemeClr val="bg2"/>
+                  </a:outerShdw>
+                </a:effectLst>
+              </a14:hiddenEffects>
+            </a:ext>
+          </a:extLst>
+        </p:spPr>
+      </p:pic>
+      <p:cxnSp>
+        <p:nvCxnSpPr>
+          <p:cNvPr id="34" name="直接连接符 33"/>
+          <p:cNvCxnSpPr>
+            <a:stCxn id="20" idx="3"/>
+          </p:cNvCxnSpPr>
+          <p:nvPr/>
+        </p:nvCxnSpPr>
+        <p:spPr>
+          <a:xfrm>
+            <a:off x="1362370" y="3658301"/>
+            <a:ext cx="352812" cy="0"/>
+          </a:xfrm>
+          <a:prstGeom prst="line">
+            <a:avLst/>
+          </a:prstGeom>
+        </p:spPr>
+        <p:style>
+          <a:lnRef idx="1">
+            <a:schemeClr val="accent1"/>
+          </a:lnRef>
+          <a:fillRef idx="0">
+            <a:schemeClr val="accent1"/>
+          </a:fillRef>
+          <a:effectRef idx="0">
+            <a:schemeClr val="accent1"/>
+          </a:effectRef>
+          <a:fontRef idx="minor">
+            <a:schemeClr val="tx1"/>
+          </a:fontRef>
+        </p:style>
+      </p:cxnSp>
+      <p:cxnSp>
+        <p:nvCxnSpPr>
+          <p:cNvPr id="35" name="直接连接符 34"/>
+          <p:cNvCxnSpPr/>
+          <p:nvPr/>
+        </p:nvCxnSpPr>
+        <p:spPr>
+          <a:xfrm>
+            <a:off x="1343386" y="4170442"/>
+            <a:ext cx="352812" cy="0"/>
+          </a:xfrm>
+          <a:prstGeom prst="line">
+            <a:avLst/>
+          </a:prstGeom>
+        </p:spPr>
+        <p:style>
+          <a:lnRef idx="1">
+            <a:schemeClr val="accent1"/>
+          </a:lnRef>
+          <a:fillRef idx="0">
+            <a:schemeClr val="accent1"/>
+          </a:fillRef>
+          <a:effectRef idx="0">
+            <a:schemeClr val="accent1"/>
+          </a:effectRef>
+          <a:fontRef idx="minor">
+            <a:schemeClr val="tx1"/>
+          </a:fontRef>
+        </p:style>
+      </p:cxnSp>
+      <p:sp>
+        <p:nvSpPr>
+          <p:cNvPr id="36" name="矩形 35"/>
+          <p:cNvSpPr/>
+          <p:nvPr/>
+        </p:nvSpPr>
+        <p:spPr>
+          <a:xfrm>
+            <a:off x="1549021" y="3542295"/>
+            <a:ext cx="45719" cy="232012"/>
+          </a:xfrm>
+          <a:prstGeom prst="rect">
+            <a:avLst/>
+          </a:prstGeom>
+        </p:spPr>
+        <p:style>
+          <a:lnRef idx="2">
+            <a:schemeClr val="accent1">
+              <a:shade val="50000"/>
+            </a:schemeClr>
+          </a:lnRef>
+          <a:fillRef idx="1">
+            <a:schemeClr val="accent1"/>
+          </a:fillRef>
+          <a:effectRef idx="0">
+            <a:schemeClr val="accent1"/>
+          </a:effectRef>
+          <a:fontRef idx="minor">
+            <a:schemeClr val="lt1"/>
+          </a:fontRef>
+        </p:style>
+        <p:txBody>
+          <a:bodyPr rtlCol="0" anchor="ctr"/>
+          <a:lstStyle/>
+          <a:p>
+            <a:pPr algn="ctr"/>
+            <a:endParaRPr lang="zh-CN" altLang="en-US"/>
+          </a:p>
+        </p:txBody>
+      </p:sp>
+      <p:sp>
+        <p:nvSpPr>
+          <p:cNvPr id="37" name="矩形 36"/>
+          <p:cNvSpPr/>
+          <p:nvPr/>
+        </p:nvSpPr>
+        <p:spPr>
+          <a:xfrm>
+            <a:off x="2019869" y="3730721"/>
+            <a:ext cx="45719" cy="440421"/>
+          </a:xfrm>
+          <a:prstGeom prst="rect">
+            <a:avLst/>
+          </a:prstGeom>
+        </p:spPr>
+        <p:style>
+          <a:lnRef idx="2">
+            <a:schemeClr val="accent1">
+              <a:shade val="50000"/>
+            </a:schemeClr>
+          </a:lnRef>
+          <a:fillRef idx="1">
+            <a:schemeClr val="accent1"/>
+          </a:fillRef>
+          <a:effectRef idx="0">
+            <a:schemeClr val="accent1"/>
+          </a:effectRef>
+          <a:fontRef idx="minor">
+            <a:schemeClr val="lt1"/>
+          </a:fontRef>
+        </p:style>
+        <p:txBody>
+          <a:bodyPr rtlCol="0" anchor="ctr"/>
+          <a:lstStyle/>
+          <a:p>
+            <a:pPr algn="ctr"/>
+            <a:endParaRPr lang="zh-CN" altLang="en-US"/>
+          </a:p>
+        </p:txBody>
+      </p:sp>
+      <p:sp>
+        <p:nvSpPr>
+          <p:cNvPr id="38" name="矩形 37"/>
+          <p:cNvSpPr/>
+          <p:nvPr/>
+        </p:nvSpPr>
+        <p:spPr>
+          <a:xfrm>
+            <a:off x="5042879" y="3729670"/>
+            <a:ext cx="45719" cy="440421"/>
+          </a:xfrm>
+          <a:prstGeom prst="rect">
+            <a:avLst/>
+          </a:prstGeom>
+        </p:spPr>
+        <p:style>
+          <a:lnRef idx="2">
+            <a:schemeClr val="accent1">
+              <a:shade val="50000"/>
+            </a:schemeClr>
+          </a:lnRef>
+          <a:fillRef idx="1">
+            <a:schemeClr val="accent1"/>
+          </a:fillRef>
+          <a:effectRef idx="0">
+            <a:schemeClr val="accent1"/>
+          </a:effectRef>
+          <a:fontRef idx="minor">
+            <a:schemeClr val="lt1"/>
+          </a:fontRef>
+        </p:style>
+        <p:txBody>
+          <a:bodyPr rtlCol="0" anchor="ctr"/>
+          <a:lstStyle/>
+          <a:p>
+            <a:pPr algn="ctr"/>
+            <a:endParaRPr lang="zh-CN" altLang="en-US"/>
+          </a:p>
+        </p:txBody>
+      </p:sp>
+      <p:sp>
+        <p:nvSpPr>
+          <p:cNvPr id="39" name="矩形 38"/>
+          <p:cNvSpPr/>
+          <p:nvPr/>
+        </p:nvSpPr>
+        <p:spPr>
+          <a:xfrm>
+            <a:off x="1549021" y="4055136"/>
+            <a:ext cx="45719" cy="232012"/>
+          </a:xfrm>
+          <a:prstGeom prst="rect">
+            <a:avLst/>
+          </a:prstGeom>
+        </p:spPr>
+        <p:style>
+          <a:lnRef idx="2">
+            <a:schemeClr val="accent1">
+              <a:shade val="50000"/>
+            </a:schemeClr>
+          </a:lnRef>
+          <a:fillRef idx="1">
+            <a:schemeClr val="accent1"/>
+          </a:fillRef>
+          <a:effectRef idx="0">
+            <a:schemeClr val="accent1"/>
+          </a:effectRef>
+          <a:fontRef idx="minor">
+            <a:schemeClr val="lt1"/>
+          </a:fontRef>
+        </p:style>
+        <p:txBody>
+          <a:bodyPr rtlCol="0" anchor="ctr"/>
+          <a:lstStyle/>
+          <a:p>
+            <a:pPr algn="ctr"/>
+            <a:endParaRPr lang="zh-CN" altLang="en-US"/>
+          </a:p>
+        </p:txBody>
+      </p:sp>
+      <p:cxnSp>
+        <p:nvCxnSpPr>
+          <p:cNvPr id="40" name="直接连接符 39"/>
+          <p:cNvCxnSpPr/>
+          <p:nvPr/>
+        </p:nvCxnSpPr>
+        <p:spPr>
+          <a:xfrm>
+            <a:off x="1715182" y="3658301"/>
+            <a:ext cx="0" cy="512841"/>
+          </a:xfrm>
+          <a:prstGeom prst="line">
+            <a:avLst/>
+          </a:prstGeom>
+        </p:spPr>
+        <p:style>
+          <a:lnRef idx="1">
+            <a:schemeClr val="accent1"/>
+          </a:lnRef>
+          <a:fillRef idx="0">
+            <a:schemeClr val="accent1"/>
+          </a:fillRef>
+          <a:effectRef idx="0">
+            <a:schemeClr val="accent1"/>
+          </a:effectRef>
+          <a:fontRef idx="minor">
+            <a:schemeClr val="tx1"/>
+          </a:fontRef>
+        </p:style>
+      </p:cxnSp>
+      <p:sp>
+        <p:nvSpPr>
+          <p:cNvPr id="41" name="矩形 40"/>
+          <p:cNvSpPr/>
+          <p:nvPr/>
+        </p:nvSpPr>
+        <p:spPr>
+          <a:xfrm>
+            <a:off x="1805578" y="3781447"/>
+            <a:ext cx="119457" cy="323220"/>
+          </a:xfrm>
+          <a:prstGeom prst="rect">
+            <a:avLst/>
+          </a:prstGeom>
+        </p:spPr>
+        <p:style>
+          <a:lnRef idx="2">
+            <a:schemeClr val="accent1"/>
+          </a:lnRef>
+          <a:fillRef idx="1">
+            <a:schemeClr val="lt1"/>
+          </a:fillRef>
+          <a:effectRef idx="0">
+            <a:schemeClr val="accent1"/>
+          </a:effectRef>
+          <a:fontRef idx="minor">
+            <a:schemeClr val="dk1"/>
+          </a:fontRef>
+        </p:style>
+        <p:txBody>
+          <a:bodyPr rtlCol="0" anchor="ctr"/>
+          <a:lstStyle/>
+          <a:p>
+            <a:pPr algn="ctr"/>
+            <a:endParaRPr lang="zh-CN" altLang="en-US"/>
+          </a:p>
+        </p:txBody>
+      </p:sp>
+      <p:sp>
+        <p:nvSpPr>
+          <p:cNvPr id="42" name="矩形 41"/>
+          <p:cNvSpPr/>
+          <p:nvPr/>
+        </p:nvSpPr>
+        <p:spPr>
+          <a:xfrm>
+            <a:off x="5219236" y="3781447"/>
+            <a:ext cx="119457" cy="323220"/>
+          </a:xfrm>
+          <a:prstGeom prst="rect">
+            <a:avLst/>
+          </a:prstGeom>
+        </p:spPr>
+        <p:style>
+          <a:lnRef idx="2">
+            <a:schemeClr val="accent1"/>
+          </a:lnRef>
+          <a:fillRef idx="1">
+            <a:schemeClr val="lt1"/>
+          </a:fillRef>
+          <a:effectRef idx="0">
+            <a:schemeClr val="accent1"/>
+          </a:effectRef>
+          <a:fontRef idx="minor">
+            <a:schemeClr val="dk1"/>
+          </a:fontRef>
+        </p:style>
+        <p:txBody>
+          <a:bodyPr rtlCol="0" anchor="ctr"/>
+          <a:lstStyle/>
+          <a:p>
+            <a:pPr algn="ctr"/>
+            <a:endParaRPr lang="zh-CN" altLang="en-US"/>
+          </a:p>
+        </p:txBody>
+      </p:sp>
+      <p:cxnSp>
+        <p:nvCxnSpPr>
+          <p:cNvPr id="43" name="直接连接符 42"/>
+          <p:cNvCxnSpPr/>
+          <p:nvPr/>
+        </p:nvCxnSpPr>
+        <p:spPr>
+          <a:xfrm>
+            <a:off x="5431824" y="3665441"/>
+            <a:ext cx="352812" cy="0"/>
+          </a:xfrm>
+          <a:prstGeom prst="line">
+            <a:avLst/>
+          </a:prstGeom>
+        </p:spPr>
+        <p:style>
+          <a:lnRef idx="1">
+            <a:schemeClr val="accent1"/>
+          </a:lnRef>
+          <a:fillRef idx="0">
+            <a:schemeClr val="accent1"/>
+          </a:fillRef>
+          <a:effectRef idx="0">
+            <a:schemeClr val="accent1"/>
+          </a:effectRef>
+          <a:fontRef idx="minor">
+            <a:schemeClr val="tx1"/>
+          </a:fontRef>
+        </p:style>
+      </p:cxnSp>
+      <p:cxnSp>
+        <p:nvCxnSpPr>
+          <p:cNvPr id="44" name="直接连接符 43"/>
+          <p:cNvCxnSpPr/>
+          <p:nvPr/>
+        </p:nvCxnSpPr>
+        <p:spPr>
+          <a:xfrm>
+            <a:off x="5412840" y="4177582"/>
+            <a:ext cx="352812" cy="0"/>
+          </a:xfrm>
+          <a:prstGeom prst="line">
+            <a:avLst/>
+          </a:prstGeom>
+        </p:spPr>
+        <p:style>
+          <a:lnRef idx="1">
+            <a:schemeClr val="accent1"/>
+          </a:lnRef>
+          <a:fillRef idx="0">
+            <a:schemeClr val="accent1"/>
+          </a:fillRef>
+          <a:effectRef idx="0">
+            <a:schemeClr val="accent1"/>
+          </a:effectRef>
+          <a:fontRef idx="minor">
+            <a:schemeClr val="tx1"/>
+          </a:fontRef>
+        </p:style>
+      </p:cxnSp>
+      <p:sp>
+        <p:nvSpPr>
+          <p:cNvPr id="45" name="矩形 44"/>
+          <p:cNvSpPr/>
+          <p:nvPr/>
+        </p:nvSpPr>
+        <p:spPr>
+          <a:xfrm>
+            <a:off x="5502467" y="3549435"/>
+            <a:ext cx="45719" cy="232012"/>
+          </a:xfrm>
+          <a:prstGeom prst="rect">
+            <a:avLst/>
+          </a:prstGeom>
+        </p:spPr>
+        <p:style>
+          <a:lnRef idx="2">
+            <a:schemeClr val="accent1">
+              <a:shade val="50000"/>
+            </a:schemeClr>
+          </a:lnRef>
+          <a:fillRef idx="1">
+            <a:schemeClr val="accent1"/>
+          </a:fillRef>
+          <a:effectRef idx="0">
+            <a:schemeClr val="accent1"/>
+          </a:effectRef>
+          <a:fontRef idx="minor">
+            <a:schemeClr val="lt1"/>
+          </a:fontRef>
+        </p:style>
+        <p:txBody>
+          <a:bodyPr rtlCol="0" anchor="ctr"/>
+          <a:lstStyle/>
+          <a:p>
+            <a:pPr algn="ctr"/>
+            <a:endParaRPr lang="zh-CN" altLang="en-US"/>
+          </a:p>
+        </p:txBody>
+      </p:sp>
+      <p:sp>
+        <p:nvSpPr>
+          <p:cNvPr id="46" name="矩形 45"/>
+          <p:cNvSpPr/>
+          <p:nvPr/>
+        </p:nvSpPr>
+        <p:spPr>
+          <a:xfrm>
+            <a:off x="5502467" y="4062276"/>
+            <a:ext cx="45719" cy="232012"/>
+          </a:xfrm>
+          <a:prstGeom prst="rect">
+            <a:avLst/>
+          </a:prstGeom>
+        </p:spPr>
+        <p:style>
+          <a:lnRef idx="2">
+            <a:schemeClr val="accent1">
+              <a:shade val="50000"/>
+            </a:schemeClr>
+          </a:lnRef>
+          <a:fillRef idx="1">
+            <a:schemeClr val="accent1"/>
+          </a:fillRef>
+          <a:effectRef idx="0">
+            <a:schemeClr val="accent1"/>
+          </a:effectRef>
+          <a:fontRef idx="minor">
+            <a:schemeClr val="lt1"/>
+          </a:fontRef>
+        </p:style>
+        <p:txBody>
+          <a:bodyPr rtlCol="0" anchor="ctr"/>
+          <a:lstStyle/>
+          <a:p>
+            <a:pPr algn="ctr"/>
+            <a:endParaRPr lang="zh-CN" altLang="en-US"/>
+          </a:p>
+        </p:txBody>
+      </p:sp>
+      <p:sp>
+        <p:nvSpPr>
+          <p:cNvPr id="47" name="椭圆 46"/>
+          <p:cNvSpPr/>
+          <p:nvPr/>
+        </p:nvSpPr>
+        <p:spPr>
+          <a:xfrm>
+            <a:off x="5620974" y="4137689"/>
+            <a:ext cx="75063" cy="81186"/>
+          </a:xfrm>
+          <a:prstGeom prst="ellipse">
+            <a:avLst/>
+          </a:prstGeom>
+        </p:spPr>
+        <p:style>
+          <a:lnRef idx="2">
+            <a:schemeClr val="accent1">
+              <a:shade val="50000"/>
+            </a:schemeClr>
+          </a:lnRef>
+          <a:fillRef idx="1">
+            <a:schemeClr val="accent1"/>
+          </a:fillRef>
+          <a:effectRef idx="0">
+            <a:schemeClr val="accent1"/>
+          </a:effectRef>
+          <a:fontRef idx="minor">
+            <a:schemeClr val="lt1"/>
+          </a:fontRef>
+        </p:style>
+        <p:txBody>
+          <a:bodyPr rtlCol="0" anchor="ctr"/>
+          <a:lstStyle/>
+          <a:p>
+            <a:pPr algn="ctr"/>
+            <a:endParaRPr lang="zh-CN" altLang="en-US"/>
+          </a:p>
+        </p:txBody>
+      </p:sp>
+      <p:cxnSp>
+        <p:nvCxnSpPr>
+          <p:cNvPr id="48" name="直接连接符 47"/>
+          <p:cNvCxnSpPr/>
+          <p:nvPr/>
+        </p:nvCxnSpPr>
+        <p:spPr>
+          <a:xfrm>
+            <a:off x="5431824" y="3667671"/>
+            <a:ext cx="0" cy="512841"/>
+          </a:xfrm>
+          <a:prstGeom prst="line">
+            <a:avLst/>
+          </a:prstGeom>
+        </p:spPr>
+        <p:style>
+          <a:lnRef idx="1">
+            <a:schemeClr val="accent1"/>
+          </a:lnRef>
+          <a:fillRef idx="0">
+            <a:schemeClr val="accent1"/>
+          </a:fillRef>
+          <a:effectRef idx="0">
+            <a:schemeClr val="accent1"/>
+          </a:effectRef>
+          <a:fontRef idx="minor">
+            <a:schemeClr val="tx1"/>
+          </a:fontRef>
+        </p:style>
+      </p:cxnSp>
+      <p:pic>
+        <p:nvPicPr>
+          <p:cNvPr id="49" name="Picture 2"/>
+          <p:cNvPicPr>
+            <a:picLocks noChangeAspect="1" noChangeArrowheads="1"/>
+          </p:cNvPicPr>
+          <p:nvPr/>
+        </p:nvPicPr>
+        <p:blipFill>
+          <a:blip r:embed="rId2" cstate="print">
+            <a:extLst>
+              <a:ext uri="{28A0092B-C50C-407E-A947-70E740481C1C}">
+                <a14:useLocalDpi xmlns:a14="http://schemas.microsoft.com/office/drawing/2010/main" val="0"/>
+              </a:ext>
+            </a:extLst>
+          </a:blip>
+          <a:srcRect/>
+          <a:stretch>
+            <a:fillRect/>
+          </a:stretch>
+        </p:blipFill>
+        <p:spPr bwMode="auto">
+          <a:xfrm>
+            <a:off x="933412" y="4789218"/>
+            <a:ext cx="428958" cy="440422"/>
+          </a:xfrm>
+          <a:prstGeom prst="rect">
+            <a:avLst/>
+          </a:prstGeom>
+          <a:noFill/>
+          <a:ln>
+            <a:noFill/>
+          </a:ln>
+          <a:effectLst/>
+          <a:extLst>
+            <a:ext uri="{909E8E84-426E-40DD-AFC4-6F175D3DCCD1}">
+              <a14:hiddenFill xmlns:a14="http://schemas.microsoft.com/office/drawing/2010/main">
+                <a:solidFill>
+                  <a:schemeClr val="accent1"/>
+                </a:solidFill>
+              </a14:hiddenFill>
+            </a:ext>
+            <a:ext uri="{91240B29-F687-4F45-9708-019B960494DF}">
+              <a14:hiddenLine xmlns:a14="http://schemas.microsoft.com/office/drawing/2010/main" w="9525">
+                <a:solidFill>
+                  <a:schemeClr val="tx1"/>
+                </a:solidFill>
+                <a:miter lim="800000"/>
+                <a:headEnd/>
+                <a:tailEnd/>
+              </a14:hiddenLine>
+            </a:ext>
+            <a:ext uri="{AF507438-7753-43E0-B8FC-AC1667EBCBE1}">
+              <a14:hiddenEffects xmlns:a14="http://schemas.microsoft.com/office/drawing/2010/main">
+                <a:effectLst>
+                  <a:outerShdw dist="35921" dir="2700000" algn="ctr" rotWithShape="0">
+                    <a:schemeClr val="bg2"/>
+                  </a:outerShdw>
+                </a:effectLst>
+              </a14:hiddenEffects>
+            </a:ext>
+          </a:extLst>
+        </p:spPr>
+      </p:pic>
+      <p:pic>
+        <p:nvPicPr>
+          <p:cNvPr id="50" name="Picture 2"/>
+          <p:cNvPicPr>
+            <a:picLocks noChangeAspect="1" noChangeArrowheads="1"/>
+          </p:cNvPicPr>
+          <p:nvPr/>
+        </p:nvPicPr>
+        <p:blipFill>
+          <a:blip r:embed="rId2" cstate="print">
+            <a:extLst>
+              <a:ext uri="{28A0092B-C50C-407E-A947-70E740481C1C}">
+                <a14:useLocalDpi xmlns:a14="http://schemas.microsoft.com/office/drawing/2010/main" val="0"/>
+              </a:ext>
+            </a:extLst>
+          </a:blip>
+          <a:srcRect/>
+          <a:stretch>
+            <a:fillRect/>
+          </a:stretch>
+        </p:blipFill>
+        <p:spPr bwMode="auto">
+          <a:xfrm>
+            <a:off x="5798871" y="4789218"/>
+            <a:ext cx="428958" cy="440422"/>
+          </a:xfrm>
+          <a:prstGeom prst="rect">
+            <a:avLst/>
+          </a:prstGeom>
+          <a:noFill/>
+          <a:ln>
+            <a:noFill/>
+          </a:ln>
+          <a:effectLst/>
+          <a:extLst>
+            <a:ext uri="{909E8E84-426E-40DD-AFC4-6F175D3DCCD1}">
+              <a14:hiddenFill xmlns:a14="http://schemas.microsoft.com/office/drawing/2010/main">
+                <a:solidFill>
+                  <a:schemeClr val="accent1"/>
+                </a:solidFill>
+              </a14:hiddenFill>
+            </a:ext>
+            <a:ext uri="{91240B29-F687-4F45-9708-019B960494DF}">
+              <a14:hiddenLine xmlns:a14="http://schemas.microsoft.com/office/drawing/2010/main" w="9525">
+                <a:solidFill>
+                  <a:schemeClr val="tx1"/>
+                </a:solidFill>
+                <a:miter lim="800000"/>
+                <a:headEnd/>
+                <a:tailEnd/>
+              </a14:hiddenLine>
+            </a:ext>
+            <a:ext uri="{AF507438-7753-43E0-B8FC-AC1667EBCBE1}">
+              <a14:hiddenEffects xmlns:a14="http://schemas.microsoft.com/office/drawing/2010/main">
+                <a:effectLst>
+                  <a:outerShdw dist="35921" dir="2700000" algn="ctr" rotWithShape="0">
+                    <a:schemeClr val="bg2"/>
+                  </a:outerShdw>
+                </a:effectLst>
+              </a14:hiddenEffects>
+            </a:ext>
+          </a:extLst>
+        </p:spPr>
+      </p:pic>
+      <p:cxnSp>
+        <p:nvCxnSpPr>
+          <p:cNvPr id="51" name="直接连接符 50"/>
+          <p:cNvCxnSpPr/>
+          <p:nvPr/>
+        </p:nvCxnSpPr>
+        <p:spPr>
+          <a:xfrm>
+            <a:off x="1726496" y="5294185"/>
+            <a:ext cx="3705328" cy="7874"/>
+          </a:xfrm>
+          <a:prstGeom prst="line">
+            <a:avLst/>
+          </a:prstGeom>
+        </p:spPr>
+        <p:style>
+          <a:lnRef idx="1">
+            <a:schemeClr val="accent1"/>
+          </a:lnRef>
+          <a:fillRef idx="0">
+            <a:schemeClr val="accent1"/>
+          </a:fillRef>
+          <a:effectRef idx="0">
+            <a:schemeClr val="accent1"/>
+          </a:effectRef>
+          <a:fontRef idx="minor">
+            <a:schemeClr val="tx1"/>
+          </a:fontRef>
+        </p:style>
+      </p:cxnSp>
+      <p:sp>
+        <p:nvSpPr>
+          <p:cNvPr id="52" name="椭圆 51"/>
+          <p:cNvSpPr/>
+          <p:nvPr/>
+        </p:nvSpPr>
+        <p:spPr>
+          <a:xfrm>
+            <a:off x="1429602" y="4969186"/>
+            <a:ext cx="75063" cy="81186"/>
+          </a:xfrm>
+          <a:prstGeom prst="ellipse">
+            <a:avLst/>
+          </a:prstGeom>
+        </p:spPr>
+        <p:style>
+          <a:lnRef idx="2">
+            <a:schemeClr val="accent1">
+              <a:shade val="50000"/>
+            </a:schemeClr>
+          </a:lnRef>
+          <a:fillRef idx="1">
+            <a:schemeClr val="accent1"/>
+          </a:fillRef>
+          <a:effectRef idx="0">
+            <a:schemeClr val="accent1"/>
+          </a:effectRef>
+          <a:fontRef idx="minor">
+            <a:schemeClr val="lt1"/>
+          </a:fontRef>
+        </p:style>
+        <p:txBody>
+          <a:bodyPr rtlCol="0" anchor="ctr"/>
+          <a:lstStyle/>
+          <a:p>
+            <a:pPr algn="ctr"/>
+            <a:endParaRPr lang="zh-CN" altLang="en-US"/>
+          </a:p>
+        </p:txBody>
+      </p:sp>
+      <p:sp>
+        <p:nvSpPr>
+          <p:cNvPr id="53" name="椭圆 52"/>
+          <p:cNvSpPr/>
+          <p:nvPr/>
+        </p:nvSpPr>
+        <p:spPr>
+          <a:xfrm>
+            <a:off x="5626320" y="4969186"/>
+            <a:ext cx="75063" cy="81186"/>
+          </a:xfrm>
+          <a:prstGeom prst="ellipse">
+            <a:avLst/>
+          </a:prstGeom>
+        </p:spPr>
+        <p:style>
+          <a:lnRef idx="2">
+            <a:schemeClr val="accent1">
+              <a:shade val="50000"/>
+            </a:schemeClr>
+          </a:lnRef>
+          <a:fillRef idx="1">
+            <a:schemeClr val="accent1"/>
+          </a:fillRef>
+          <a:effectRef idx="0">
+            <a:schemeClr val="accent1"/>
+          </a:effectRef>
+          <a:fontRef idx="minor">
+            <a:schemeClr val="lt1"/>
+          </a:fontRef>
+        </p:style>
+        <p:txBody>
+          <a:bodyPr rtlCol="0" anchor="ctr"/>
+          <a:lstStyle/>
+          <a:p>
+            <a:pPr algn="ctr"/>
+            <a:endParaRPr lang="zh-CN" altLang="en-US"/>
+          </a:p>
+        </p:txBody>
+      </p:sp>
+      <p:pic>
+        <p:nvPicPr>
+          <p:cNvPr id="54" name="Picture 2"/>
+          <p:cNvPicPr>
+            <a:picLocks noChangeAspect="1" noChangeArrowheads="1"/>
+          </p:cNvPicPr>
+          <p:nvPr/>
+        </p:nvPicPr>
+        <p:blipFill>
+          <a:blip r:embed="rId2" cstate="print">
+            <a:extLst>
+              <a:ext uri="{28A0092B-C50C-407E-A947-70E740481C1C}">
+                <a14:useLocalDpi xmlns:a14="http://schemas.microsoft.com/office/drawing/2010/main" val="0"/>
+              </a:ext>
+            </a:extLst>
+          </a:blip>
+          <a:srcRect/>
+          <a:stretch>
+            <a:fillRect/>
+          </a:stretch>
+        </p:blipFill>
+        <p:spPr bwMode="auto">
+          <a:xfrm>
+            <a:off x="909075" y="5301009"/>
+            <a:ext cx="428958" cy="440422"/>
+          </a:xfrm>
+          <a:prstGeom prst="rect">
+            <a:avLst/>
+          </a:prstGeom>
+          <a:noFill/>
+          <a:ln>
+            <a:noFill/>
+          </a:ln>
+          <a:effectLst/>
+          <a:extLst>
+            <a:ext uri="{909E8E84-426E-40DD-AFC4-6F175D3DCCD1}">
+              <a14:hiddenFill xmlns:a14="http://schemas.microsoft.com/office/drawing/2010/main">
+                <a:solidFill>
+                  <a:schemeClr val="accent1"/>
+                </a:solidFill>
+              </a14:hiddenFill>
+            </a:ext>
+            <a:ext uri="{91240B29-F687-4F45-9708-019B960494DF}">
+              <a14:hiddenLine xmlns:a14="http://schemas.microsoft.com/office/drawing/2010/main" w="9525">
+                <a:solidFill>
+                  <a:schemeClr val="tx1"/>
+                </a:solidFill>
+                <a:miter lim="800000"/>
+                <a:headEnd/>
+                <a:tailEnd/>
+              </a14:hiddenLine>
+            </a:ext>
+            <a:ext uri="{AF507438-7753-43E0-B8FC-AC1667EBCBE1}">
+              <a14:hiddenEffects xmlns:a14="http://schemas.microsoft.com/office/drawing/2010/main">
+                <a:effectLst>
+                  <a:outerShdw dist="35921" dir="2700000" algn="ctr" rotWithShape="0">
+                    <a:schemeClr val="bg2"/>
+                  </a:outerShdw>
+                </a:effectLst>
+              </a14:hiddenEffects>
+            </a:ext>
+          </a:extLst>
+        </p:spPr>
+      </p:pic>
+      <p:sp>
+        <p:nvSpPr>
+          <p:cNvPr id="55" name="椭圆 54"/>
+          <p:cNvSpPr/>
+          <p:nvPr/>
+        </p:nvSpPr>
+        <p:spPr>
+          <a:xfrm>
+            <a:off x="1405265" y="5480977"/>
+            <a:ext cx="75063" cy="81186"/>
+          </a:xfrm>
+          <a:prstGeom prst="ellipse">
+            <a:avLst/>
+          </a:prstGeom>
+        </p:spPr>
+        <p:style>
+          <a:lnRef idx="2">
+            <a:schemeClr val="accent1">
+              <a:shade val="50000"/>
+            </a:schemeClr>
+          </a:lnRef>
+          <a:fillRef idx="1">
+            <a:schemeClr val="accent1"/>
+          </a:fillRef>
+          <a:effectRef idx="0">
+            <a:schemeClr val="accent1"/>
+          </a:effectRef>
+          <a:fontRef idx="minor">
+            <a:schemeClr val="lt1"/>
+          </a:fontRef>
+        </p:style>
+        <p:txBody>
+          <a:bodyPr rtlCol="0" anchor="ctr"/>
+          <a:lstStyle/>
+          <a:p>
+            <a:pPr algn="ctr"/>
+            <a:endParaRPr lang="zh-CN" altLang="en-US"/>
+          </a:p>
+        </p:txBody>
+      </p:sp>
+      <p:pic>
+        <p:nvPicPr>
+          <p:cNvPr id="56" name="Picture 2"/>
+          <p:cNvPicPr>
+            <a:picLocks noChangeAspect="1" noChangeArrowheads="1"/>
+          </p:cNvPicPr>
+          <p:nvPr/>
+        </p:nvPicPr>
+        <p:blipFill>
+          <a:blip r:embed="rId2" cstate="print">
+            <a:extLst>
+              <a:ext uri="{28A0092B-C50C-407E-A947-70E740481C1C}">
+                <a14:useLocalDpi xmlns:a14="http://schemas.microsoft.com/office/drawing/2010/main" val="0"/>
+              </a:ext>
+            </a:extLst>
+          </a:blip>
+          <a:srcRect/>
+          <a:stretch>
+            <a:fillRect/>
+          </a:stretch>
+        </p:blipFill>
+        <p:spPr bwMode="auto">
+          <a:xfrm>
+            <a:off x="5786702" y="5341952"/>
+            <a:ext cx="428958" cy="440422"/>
+          </a:xfrm>
+          <a:prstGeom prst="rect">
+            <a:avLst/>
+          </a:prstGeom>
+          <a:noFill/>
+          <a:ln>
+            <a:noFill/>
+          </a:ln>
+          <a:effectLst/>
+          <a:extLst>
+            <a:ext uri="{909E8E84-426E-40DD-AFC4-6F175D3DCCD1}">
+              <a14:hiddenFill xmlns:a14="http://schemas.microsoft.com/office/drawing/2010/main">
+                <a:solidFill>
+                  <a:schemeClr val="accent1"/>
+                </a:solidFill>
+              </a14:hiddenFill>
+            </a:ext>
+            <a:ext uri="{91240B29-F687-4F45-9708-019B960494DF}">
+              <a14:hiddenLine xmlns:a14="http://schemas.microsoft.com/office/drawing/2010/main" w="9525">
+                <a:solidFill>
+                  <a:schemeClr val="tx1"/>
+                </a:solidFill>
+                <a:miter lim="800000"/>
+                <a:headEnd/>
+                <a:tailEnd/>
+              </a14:hiddenLine>
+            </a:ext>
+            <a:ext uri="{AF507438-7753-43E0-B8FC-AC1667EBCBE1}">
+              <a14:hiddenEffects xmlns:a14="http://schemas.microsoft.com/office/drawing/2010/main">
+                <a:effectLst>
+                  <a:outerShdw dist="35921" dir="2700000" algn="ctr" rotWithShape="0">
+                    <a:schemeClr val="bg2"/>
+                  </a:outerShdw>
+                </a:effectLst>
+              </a14:hiddenEffects>
+            </a:ext>
+          </a:extLst>
+        </p:spPr>
+      </p:pic>
+      <p:cxnSp>
+        <p:nvCxnSpPr>
+          <p:cNvPr id="57" name="直接连接符 56"/>
+          <p:cNvCxnSpPr>
+            <a:stCxn id="49" idx="3"/>
+          </p:cNvCxnSpPr>
+          <p:nvPr/>
+        </p:nvCxnSpPr>
+        <p:spPr>
+          <a:xfrm>
+            <a:off x="1362370" y="5009429"/>
+            <a:ext cx="352812" cy="0"/>
+          </a:xfrm>
+          <a:prstGeom prst="line">
+            <a:avLst/>
+          </a:prstGeom>
+        </p:spPr>
+        <p:style>
+          <a:lnRef idx="1">
+            <a:schemeClr val="accent1"/>
+          </a:lnRef>
+          <a:fillRef idx="0">
+            <a:schemeClr val="accent1"/>
+          </a:fillRef>
+          <a:effectRef idx="0">
+            <a:schemeClr val="accent1"/>
+          </a:effectRef>
+          <a:fontRef idx="minor">
+            <a:schemeClr val="tx1"/>
+          </a:fontRef>
+        </p:style>
+      </p:cxnSp>
+      <p:cxnSp>
+        <p:nvCxnSpPr>
+          <p:cNvPr id="58" name="直接连接符 57"/>
+          <p:cNvCxnSpPr/>
+          <p:nvPr/>
+        </p:nvCxnSpPr>
+        <p:spPr>
+          <a:xfrm>
+            <a:off x="1343386" y="5521570"/>
+            <a:ext cx="352812" cy="0"/>
+          </a:xfrm>
+          <a:prstGeom prst="line">
+            <a:avLst/>
+          </a:prstGeom>
+        </p:spPr>
+        <p:style>
+          <a:lnRef idx="1">
+            <a:schemeClr val="accent1"/>
+          </a:lnRef>
+          <a:fillRef idx="0">
+            <a:schemeClr val="accent1"/>
+          </a:fillRef>
+          <a:effectRef idx="0">
+            <a:schemeClr val="accent1"/>
+          </a:effectRef>
+          <a:fontRef idx="minor">
+            <a:schemeClr val="tx1"/>
+          </a:fontRef>
+        </p:style>
+      </p:cxnSp>
+      <p:sp>
+        <p:nvSpPr>
+          <p:cNvPr id="59" name="矩形 58"/>
+          <p:cNvSpPr/>
+          <p:nvPr/>
+        </p:nvSpPr>
+        <p:spPr>
+          <a:xfrm>
+            <a:off x="1549021" y="4893423"/>
+            <a:ext cx="45719" cy="232012"/>
+          </a:xfrm>
+          <a:prstGeom prst="rect">
+            <a:avLst/>
+          </a:prstGeom>
+        </p:spPr>
+        <p:style>
+          <a:lnRef idx="2">
+            <a:schemeClr val="accent1">
+              <a:shade val="50000"/>
+            </a:schemeClr>
+          </a:lnRef>
+          <a:fillRef idx="1">
+            <a:schemeClr val="accent1"/>
+          </a:fillRef>
+          <a:effectRef idx="0">
+            <a:schemeClr val="accent1"/>
+          </a:effectRef>
+          <a:fontRef idx="minor">
+            <a:schemeClr val="lt1"/>
+          </a:fontRef>
+        </p:style>
+        <p:txBody>
+          <a:bodyPr rtlCol="0" anchor="ctr"/>
+          <a:lstStyle/>
+          <a:p>
+            <a:pPr algn="ctr"/>
+            <a:endParaRPr lang="zh-CN" altLang="en-US"/>
+          </a:p>
+        </p:txBody>
+      </p:sp>
+      <p:sp>
+        <p:nvSpPr>
+          <p:cNvPr id="60" name="矩形 59"/>
+          <p:cNvSpPr/>
+          <p:nvPr/>
+        </p:nvSpPr>
+        <p:spPr>
+          <a:xfrm>
+            <a:off x="2183645" y="5080798"/>
+            <a:ext cx="45719" cy="440421"/>
+          </a:xfrm>
+          <a:prstGeom prst="rect">
+            <a:avLst/>
+          </a:prstGeom>
+        </p:spPr>
+        <p:style>
+          <a:lnRef idx="2">
+            <a:schemeClr val="accent1">
+              <a:shade val="50000"/>
+            </a:schemeClr>
+          </a:lnRef>
+          <a:fillRef idx="1">
+            <a:schemeClr val="accent1"/>
+          </a:fillRef>
+          <a:effectRef idx="0">
+            <a:schemeClr val="accent1"/>
+          </a:effectRef>
+          <a:fontRef idx="minor">
+            <a:schemeClr val="lt1"/>
+          </a:fontRef>
+        </p:style>
+        <p:txBody>
+          <a:bodyPr rtlCol="0" anchor="ctr"/>
+          <a:lstStyle/>
+          <a:p>
+            <a:pPr algn="ctr"/>
+            <a:endParaRPr lang="zh-CN" altLang="en-US"/>
+          </a:p>
+        </p:txBody>
+      </p:sp>
+      <p:sp>
+        <p:nvSpPr>
+          <p:cNvPr id="61" name="矩形 60"/>
+          <p:cNvSpPr/>
+          <p:nvPr/>
+        </p:nvSpPr>
+        <p:spPr>
+          <a:xfrm>
+            <a:off x="4865455" y="5080798"/>
+            <a:ext cx="45719" cy="440421"/>
+          </a:xfrm>
+          <a:prstGeom prst="rect">
+            <a:avLst/>
+          </a:prstGeom>
+        </p:spPr>
+        <p:style>
+          <a:lnRef idx="2">
+            <a:schemeClr val="accent1">
+              <a:shade val="50000"/>
+            </a:schemeClr>
+          </a:lnRef>
+          <a:fillRef idx="1">
+            <a:schemeClr val="accent1"/>
+          </a:fillRef>
+          <a:effectRef idx="0">
+            <a:schemeClr val="accent1"/>
+          </a:effectRef>
+          <a:fontRef idx="minor">
+            <a:schemeClr val="lt1"/>
+          </a:fontRef>
+        </p:style>
+        <p:txBody>
+          <a:bodyPr rtlCol="0" anchor="ctr"/>
+          <a:lstStyle/>
+          <a:p>
+            <a:pPr algn="ctr"/>
+            <a:endParaRPr lang="zh-CN" altLang="en-US"/>
+          </a:p>
+        </p:txBody>
+      </p:sp>
+      <p:sp>
+        <p:nvSpPr>
+          <p:cNvPr id="62" name="矩形 61"/>
+          <p:cNvSpPr/>
+          <p:nvPr/>
+        </p:nvSpPr>
+        <p:spPr>
+          <a:xfrm>
+            <a:off x="1549021" y="5406264"/>
+            <a:ext cx="45719" cy="232012"/>
+          </a:xfrm>
+          <a:prstGeom prst="rect">
+            <a:avLst/>
+          </a:prstGeom>
+        </p:spPr>
+        <p:style>
+          <a:lnRef idx="2">
+            <a:schemeClr val="accent1">
+              <a:shade val="50000"/>
+            </a:schemeClr>
+          </a:lnRef>
+          <a:fillRef idx="1">
+            <a:schemeClr val="accent1"/>
+          </a:fillRef>
+          <a:effectRef idx="0">
+            <a:schemeClr val="accent1"/>
+          </a:effectRef>
+          <a:fontRef idx="minor">
+            <a:schemeClr val="lt1"/>
+          </a:fontRef>
+        </p:style>
+        <p:txBody>
+          <a:bodyPr rtlCol="0" anchor="ctr"/>
+          <a:lstStyle/>
+          <a:p>
+            <a:pPr algn="ctr"/>
+            <a:endParaRPr lang="zh-CN" altLang="en-US"/>
+          </a:p>
+        </p:txBody>
+      </p:sp>
+      <p:cxnSp>
+        <p:nvCxnSpPr>
+          <p:cNvPr id="63" name="直接连接符 62"/>
+          <p:cNvCxnSpPr/>
+          <p:nvPr/>
+        </p:nvCxnSpPr>
+        <p:spPr>
+          <a:xfrm>
+            <a:off x="1715182" y="5009429"/>
+            <a:ext cx="0" cy="512841"/>
+          </a:xfrm>
+          <a:prstGeom prst="line">
+            <a:avLst/>
+          </a:prstGeom>
+        </p:spPr>
+        <p:style>
+          <a:lnRef idx="1">
+            <a:schemeClr val="accent1"/>
+          </a:lnRef>
+          <a:fillRef idx="0">
+            <a:schemeClr val="accent1"/>
+          </a:fillRef>
+          <a:effectRef idx="0">
+            <a:schemeClr val="accent1"/>
+          </a:effectRef>
+          <a:fontRef idx="minor">
+            <a:schemeClr val="tx1"/>
+          </a:fontRef>
+        </p:style>
+      </p:cxnSp>
+      <p:sp>
+        <p:nvSpPr>
+          <p:cNvPr id="64" name="矩形 63"/>
+          <p:cNvSpPr/>
+          <p:nvPr/>
+        </p:nvSpPr>
+        <p:spPr>
+          <a:xfrm>
+            <a:off x="1805578" y="5132575"/>
+            <a:ext cx="119457" cy="323220"/>
+          </a:xfrm>
+          <a:prstGeom prst="rect">
+            <a:avLst/>
+          </a:prstGeom>
+        </p:spPr>
+        <p:style>
+          <a:lnRef idx="2">
+            <a:schemeClr val="accent1"/>
+          </a:lnRef>
+          <a:fillRef idx="1">
+            <a:schemeClr val="lt1"/>
+          </a:fillRef>
+          <a:effectRef idx="0">
+            <a:schemeClr val="accent1"/>
+          </a:effectRef>
+          <a:fontRef idx="minor">
+            <a:schemeClr val="dk1"/>
+          </a:fontRef>
+        </p:style>
+        <p:txBody>
+          <a:bodyPr rtlCol="0" anchor="ctr"/>
+          <a:lstStyle/>
+          <a:p>
+            <a:pPr algn="ctr"/>
+            <a:endParaRPr lang="zh-CN" altLang="en-US"/>
+          </a:p>
+        </p:txBody>
+      </p:sp>
+      <p:sp>
+        <p:nvSpPr>
+          <p:cNvPr id="65" name="矩形 64"/>
+          <p:cNvSpPr/>
+          <p:nvPr/>
+        </p:nvSpPr>
+        <p:spPr>
+          <a:xfrm>
+            <a:off x="5219236" y="5132575"/>
+            <a:ext cx="119457" cy="323220"/>
+          </a:xfrm>
+          <a:prstGeom prst="rect">
+            <a:avLst/>
+          </a:prstGeom>
+        </p:spPr>
+        <p:style>
+          <a:lnRef idx="2">
+            <a:schemeClr val="accent1"/>
+          </a:lnRef>
+          <a:fillRef idx="1">
+            <a:schemeClr val="lt1"/>
+          </a:fillRef>
+          <a:effectRef idx="0">
+            <a:schemeClr val="accent1"/>
+          </a:effectRef>
+          <a:fontRef idx="minor">
+            <a:schemeClr val="dk1"/>
+          </a:fontRef>
+        </p:style>
+        <p:txBody>
+          <a:bodyPr rtlCol="0" anchor="ctr"/>
+          <a:lstStyle/>
+          <a:p>
+            <a:pPr algn="ctr"/>
+            <a:endParaRPr lang="zh-CN" altLang="en-US"/>
+          </a:p>
+        </p:txBody>
+      </p:sp>
+      <p:cxnSp>
+        <p:nvCxnSpPr>
+          <p:cNvPr id="66" name="直接连接符 65"/>
+          <p:cNvCxnSpPr/>
+          <p:nvPr/>
+        </p:nvCxnSpPr>
+        <p:spPr>
+          <a:xfrm>
+            <a:off x="5431824" y="5016569"/>
+            <a:ext cx="352812" cy="0"/>
+          </a:xfrm>
+          <a:prstGeom prst="line">
+            <a:avLst/>
+          </a:prstGeom>
+        </p:spPr>
+        <p:style>
+          <a:lnRef idx="1">
+            <a:schemeClr val="accent1"/>
+          </a:lnRef>
+          <a:fillRef idx="0">
+            <a:schemeClr val="accent1"/>
+          </a:fillRef>
+          <a:effectRef idx="0">
+            <a:schemeClr val="accent1"/>
+          </a:effectRef>
+          <a:fontRef idx="minor">
+            <a:schemeClr val="tx1"/>
+          </a:fontRef>
+        </p:style>
+      </p:cxnSp>
+      <p:cxnSp>
+        <p:nvCxnSpPr>
+          <p:cNvPr id="67" name="直接连接符 66"/>
+          <p:cNvCxnSpPr/>
+          <p:nvPr/>
+        </p:nvCxnSpPr>
+        <p:spPr>
+          <a:xfrm>
+            <a:off x="5440136" y="5528710"/>
+            <a:ext cx="352812" cy="0"/>
+          </a:xfrm>
+          <a:prstGeom prst="line">
+            <a:avLst/>
+          </a:prstGeom>
+        </p:spPr>
+        <p:style>
+          <a:lnRef idx="1">
+            <a:schemeClr val="accent1"/>
+          </a:lnRef>
+          <a:fillRef idx="0">
+            <a:schemeClr val="accent1"/>
+          </a:fillRef>
+          <a:effectRef idx="0">
+            <a:schemeClr val="accent1"/>
+          </a:effectRef>
+          <a:fontRef idx="minor">
+            <a:schemeClr val="tx1"/>
+          </a:fontRef>
+        </p:style>
+      </p:cxnSp>
+      <p:sp>
+        <p:nvSpPr>
+          <p:cNvPr id="68" name="矩形 67"/>
+          <p:cNvSpPr/>
+          <p:nvPr/>
+        </p:nvSpPr>
+        <p:spPr>
+          <a:xfrm>
+            <a:off x="5502467" y="4900563"/>
+            <a:ext cx="45719" cy="232012"/>
+          </a:xfrm>
+          <a:prstGeom prst="rect">
+            <a:avLst/>
+          </a:prstGeom>
+        </p:spPr>
+        <p:style>
+          <a:lnRef idx="2">
+            <a:schemeClr val="accent1">
+              <a:shade val="50000"/>
+            </a:schemeClr>
+          </a:lnRef>
+          <a:fillRef idx="1">
+            <a:schemeClr val="accent1"/>
+          </a:fillRef>
+          <a:effectRef idx="0">
+            <a:schemeClr val="accent1"/>
+          </a:effectRef>
+          <a:fontRef idx="minor">
+            <a:schemeClr val="lt1"/>
+          </a:fontRef>
+        </p:style>
+        <p:txBody>
+          <a:bodyPr rtlCol="0" anchor="ctr"/>
+          <a:lstStyle/>
+          <a:p>
+            <a:pPr algn="ctr"/>
+            <a:endParaRPr lang="zh-CN" altLang="en-US"/>
+          </a:p>
+        </p:txBody>
+      </p:sp>
+      <p:sp>
+        <p:nvSpPr>
+          <p:cNvPr id="69" name="矩形 68"/>
+          <p:cNvSpPr/>
+          <p:nvPr/>
+        </p:nvSpPr>
+        <p:spPr>
+          <a:xfrm>
+            <a:off x="5502467" y="5413404"/>
+            <a:ext cx="45719" cy="232012"/>
+          </a:xfrm>
+          <a:prstGeom prst="rect">
+            <a:avLst/>
+          </a:prstGeom>
+        </p:spPr>
+        <p:style>
+          <a:lnRef idx="2">
+            <a:schemeClr val="accent1">
+              <a:shade val="50000"/>
+            </a:schemeClr>
+          </a:lnRef>
+          <a:fillRef idx="1">
+            <a:schemeClr val="accent1"/>
+          </a:fillRef>
+          <a:effectRef idx="0">
+            <a:schemeClr val="accent1"/>
+          </a:effectRef>
+          <a:fontRef idx="minor">
+            <a:schemeClr val="lt1"/>
+          </a:fontRef>
+        </p:style>
+        <p:txBody>
+          <a:bodyPr rtlCol="0" anchor="ctr"/>
+          <a:lstStyle/>
+          <a:p>
+            <a:pPr algn="ctr"/>
+            <a:endParaRPr lang="zh-CN" altLang="en-US"/>
+          </a:p>
+        </p:txBody>
+      </p:sp>
+      <p:sp>
+        <p:nvSpPr>
+          <p:cNvPr id="70" name="椭圆 69"/>
+          <p:cNvSpPr/>
+          <p:nvPr/>
+        </p:nvSpPr>
+        <p:spPr>
+          <a:xfrm>
+            <a:off x="5620974" y="5488817"/>
+            <a:ext cx="75063" cy="81186"/>
+          </a:xfrm>
+          <a:prstGeom prst="ellipse">
+            <a:avLst/>
+          </a:prstGeom>
+        </p:spPr>
+        <p:style>
+          <a:lnRef idx="2">
+            <a:schemeClr val="accent1">
+              <a:shade val="50000"/>
+            </a:schemeClr>
+          </a:lnRef>
+          <a:fillRef idx="1">
+            <a:schemeClr val="accent1"/>
+          </a:fillRef>
+          <a:effectRef idx="0">
+            <a:schemeClr val="accent1"/>
+          </a:effectRef>
+          <a:fontRef idx="minor">
+            <a:schemeClr val="lt1"/>
+          </a:fontRef>
+        </p:style>
+        <p:txBody>
+          <a:bodyPr rtlCol="0" anchor="ctr"/>
+          <a:lstStyle/>
+          <a:p>
+            <a:pPr algn="ctr"/>
+            <a:endParaRPr lang="zh-CN" altLang="en-US"/>
+          </a:p>
+        </p:txBody>
+      </p:sp>
+      <p:cxnSp>
+        <p:nvCxnSpPr>
+          <p:cNvPr id="71" name="直接连接符 70"/>
+          <p:cNvCxnSpPr/>
+          <p:nvPr/>
+        </p:nvCxnSpPr>
+        <p:spPr>
+          <a:xfrm>
+            <a:off x="5438648" y="5018799"/>
+            <a:ext cx="0" cy="512841"/>
+          </a:xfrm>
+          <a:prstGeom prst="line">
+            <a:avLst/>
+          </a:prstGeom>
+        </p:spPr>
+        <p:style>
+          <a:lnRef idx="1">
+            <a:schemeClr val="accent1"/>
+          </a:lnRef>
+          <a:fillRef idx="0">
+            <a:schemeClr val="accent1"/>
+          </a:fillRef>
+          <a:effectRef idx="0">
+            <a:schemeClr val="accent1"/>
+          </a:effectRef>
+          <a:fontRef idx="minor">
+            <a:schemeClr val="tx1"/>
+          </a:fontRef>
+        </p:style>
+      </p:cxnSp>
+      <p:sp>
+        <p:nvSpPr>
+          <p:cNvPr id="72" name="矩形 71"/>
+          <p:cNvSpPr/>
+          <p:nvPr/>
+        </p:nvSpPr>
+        <p:spPr>
+          <a:xfrm>
+            <a:off x="2441585" y="5080798"/>
+            <a:ext cx="45719" cy="440421"/>
+          </a:xfrm>
+          <a:prstGeom prst="rect">
+            <a:avLst/>
+          </a:prstGeom>
+        </p:spPr>
+        <p:style>
+          <a:lnRef idx="2">
+            <a:schemeClr val="accent1">
+              <a:shade val="50000"/>
+            </a:schemeClr>
+          </a:lnRef>
+          <a:fillRef idx="1">
+            <a:schemeClr val="accent1"/>
+          </a:fillRef>
+          <a:effectRef idx="0">
+            <a:schemeClr val="accent1"/>
+          </a:effectRef>
+          <a:fontRef idx="minor">
+            <a:schemeClr val="lt1"/>
+          </a:fontRef>
+        </p:style>
+        <p:txBody>
+          <a:bodyPr rtlCol="0" anchor="ctr"/>
+          <a:lstStyle/>
+          <a:p>
+            <a:pPr algn="ctr"/>
+            <a:endParaRPr lang="zh-CN" altLang="en-US"/>
+          </a:p>
+        </p:txBody>
+      </p:sp>
+      <p:sp>
+        <p:nvSpPr>
+          <p:cNvPr id="73" name="矩形 72"/>
+          <p:cNvSpPr/>
+          <p:nvPr/>
+        </p:nvSpPr>
+        <p:spPr>
+          <a:xfrm>
+            <a:off x="2685880" y="5080798"/>
+            <a:ext cx="45719" cy="440421"/>
+          </a:xfrm>
+          <a:prstGeom prst="rect">
+            <a:avLst/>
+          </a:prstGeom>
+        </p:spPr>
+        <p:style>
+          <a:lnRef idx="2">
+            <a:schemeClr val="accent1">
+              <a:shade val="50000"/>
+            </a:schemeClr>
+          </a:lnRef>
+          <a:fillRef idx="1">
+            <a:schemeClr val="accent1"/>
+          </a:fillRef>
+          <a:effectRef idx="0">
+            <a:schemeClr val="accent1"/>
+          </a:effectRef>
+          <a:fontRef idx="minor">
+            <a:schemeClr val="lt1"/>
+          </a:fontRef>
+        </p:style>
+        <p:txBody>
+          <a:bodyPr rtlCol="0" anchor="ctr"/>
+          <a:lstStyle/>
+          <a:p>
+            <a:pPr algn="ctr"/>
+            <a:endParaRPr lang="zh-CN" altLang="en-US"/>
+          </a:p>
+        </p:txBody>
+      </p:sp>
+      <p:sp>
+        <p:nvSpPr>
+          <p:cNvPr id="74" name="矩形 73"/>
+          <p:cNvSpPr/>
+          <p:nvPr/>
+        </p:nvSpPr>
+        <p:spPr>
+          <a:xfrm>
+            <a:off x="4338392" y="5073974"/>
+            <a:ext cx="45719" cy="440421"/>
+          </a:xfrm>
+          <a:prstGeom prst="rect">
+            <a:avLst/>
+          </a:prstGeom>
+        </p:spPr>
+        <p:style>
+          <a:lnRef idx="2">
+            <a:schemeClr val="accent1">
+              <a:shade val="50000"/>
+            </a:schemeClr>
+          </a:lnRef>
+          <a:fillRef idx="1">
+            <a:schemeClr val="accent1"/>
+          </a:fillRef>
+          <a:effectRef idx="0">
+            <a:schemeClr val="accent1"/>
+          </a:effectRef>
+          <a:fontRef idx="minor">
+            <a:schemeClr val="lt1"/>
+          </a:fontRef>
+        </p:style>
+        <p:txBody>
+          <a:bodyPr rtlCol="0" anchor="ctr"/>
+          <a:lstStyle/>
+          <a:p>
+            <a:pPr algn="ctr"/>
+            <a:endParaRPr lang="zh-CN" altLang="en-US"/>
+          </a:p>
+        </p:txBody>
+      </p:sp>
+      <p:sp>
+        <p:nvSpPr>
+          <p:cNvPr id="75" name="矩形 74"/>
+          <p:cNvSpPr/>
+          <p:nvPr/>
+        </p:nvSpPr>
+        <p:spPr>
+          <a:xfrm>
+            <a:off x="4582687" y="5073974"/>
+            <a:ext cx="45719" cy="440421"/>
+          </a:xfrm>
+          <a:prstGeom prst="rect">
+            <a:avLst/>
+          </a:prstGeom>
+        </p:spPr>
+        <p:style>
+          <a:lnRef idx="2">
+            <a:schemeClr val="accent1">
+              <a:shade val="50000"/>
+            </a:schemeClr>
+          </a:lnRef>
+          <a:fillRef idx="1">
+            <a:schemeClr val="accent1"/>
+          </a:fillRef>
+          <a:effectRef idx="0">
+            <a:schemeClr val="accent1"/>
+          </a:effectRef>
+          <a:fontRef idx="minor">
+            <a:schemeClr val="lt1"/>
+          </a:fontRef>
+        </p:style>
+        <p:txBody>
+          <a:bodyPr rtlCol="0" anchor="ctr"/>
+          <a:lstStyle/>
+          <a:p>
+            <a:pPr algn="ctr"/>
+            <a:endParaRPr lang="zh-CN" altLang="en-US"/>
+          </a:p>
+        </p:txBody>
+      </p:sp>
+      <p:sp>
+        <p:nvSpPr>
+          <p:cNvPr id="76" name="TextBox 75"/>
+          <p:cNvSpPr txBox="1"/>
+          <p:nvPr/>
+        </p:nvSpPr>
+        <p:spPr>
+          <a:xfrm>
+            <a:off x="3069944" y="1235682"/>
+            <a:ext cx="748923" cy="261610"/>
+          </a:xfrm>
+          <a:prstGeom prst="rect">
+            <a:avLst/>
+          </a:prstGeom>
+          <a:noFill/>
+        </p:spPr>
+        <p:txBody>
+          <a:bodyPr wrap="none" rtlCol="0">
+            <a:spAutoFit/>
+          </a:bodyPr>
+          <a:lstStyle/>
+          <a:p>
+            <a:r>
+              <a:rPr lang="zh-CN" altLang="en-US" sz="1100" dirty="0" smtClean="0"/>
+              <a:t>通信网络</a:t>
+            </a:r>
+            <a:endParaRPr lang="zh-CN" altLang="en-US" sz="1100" dirty="0"/>
+          </a:p>
+        </p:txBody>
+      </p:sp>
+      <p:sp>
+        <p:nvSpPr>
+          <p:cNvPr id="77" name="TextBox 76"/>
+          <p:cNvSpPr txBox="1"/>
+          <p:nvPr/>
+        </p:nvSpPr>
+        <p:spPr>
+          <a:xfrm>
+            <a:off x="1594740" y="1939523"/>
+            <a:ext cx="492443" cy="215444"/>
+          </a:xfrm>
+          <a:prstGeom prst="rect">
+            <a:avLst/>
+          </a:prstGeom>
+          <a:noFill/>
+        </p:spPr>
+        <p:txBody>
+          <a:bodyPr wrap="none" rtlCol="0">
+            <a:spAutoFit/>
+          </a:bodyPr>
+          <a:lstStyle/>
+          <a:p>
+            <a:r>
+              <a:rPr lang="zh-CN" altLang="en-US" sz="800" dirty="0" smtClean="0"/>
+              <a:t>保密机</a:t>
+            </a:r>
+            <a:endParaRPr lang="zh-CN" altLang="en-US" sz="800" dirty="0"/>
+          </a:p>
+        </p:txBody>
+      </p:sp>
+      <p:sp>
+        <p:nvSpPr>
+          <p:cNvPr id="78" name="TextBox 77"/>
+          <p:cNvSpPr txBox="1"/>
+          <p:nvPr/>
+        </p:nvSpPr>
+        <p:spPr>
+          <a:xfrm>
+            <a:off x="5090084" y="1964315"/>
+            <a:ext cx="492443" cy="215444"/>
+          </a:xfrm>
+          <a:prstGeom prst="rect">
+            <a:avLst/>
+          </a:prstGeom>
+          <a:noFill/>
+        </p:spPr>
+        <p:txBody>
+          <a:bodyPr wrap="none" rtlCol="0">
+            <a:spAutoFit/>
+          </a:bodyPr>
+          <a:lstStyle/>
+          <a:p>
+            <a:r>
+              <a:rPr lang="zh-CN" altLang="en-US" sz="800" dirty="0" smtClean="0"/>
+              <a:t>保密机</a:t>
+            </a:r>
+            <a:endParaRPr lang="zh-CN" altLang="en-US" sz="800" dirty="0"/>
+          </a:p>
+        </p:txBody>
+      </p:sp>
+      <p:sp>
+        <p:nvSpPr>
+          <p:cNvPr id="79" name="TextBox 78"/>
+          <p:cNvSpPr txBox="1"/>
+          <p:nvPr/>
+        </p:nvSpPr>
+        <p:spPr>
+          <a:xfrm>
+            <a:off x="1678813" y="2605410"/>
+            <a:ext cx="492443" cy="215444"/>
+          </a:xfrm>
+          <a:prstGeom prst="rect">
+            <a:avLst/>
+          </a:prstGeom>
+          <a:noFill/>
+        </p:spPr>
+        <p:txBody>
+          <a:bodyPr wrap="none" rtlCol="0">
+            <a:spAutoFit/>
+          </a:bodyPr>
+          <a:lstStyle/>
+          <a:p>
+            <a:r>
+              <a:rPr lang="zh-CN" altLang="en-US" sz="800" dirty="0" smtClean="0"/>
+              <a:t>防火墙</a:t>
+            </a:r>
+            <a:endParaRPr lang="zh-CN" altLang="en-US" sz="800" dirty="0"/>
+          </a:p>
+        </p:txBody>
+      </p:sp>
+      <p:sp>
+        <p:nvSpPr>
+          <p:cNvPr id="80" name="TextBox 79"/>
+          <p:cNvSpPr txBox="1"/>
+          <p:nvPr/>
+        </p:nvSpPr>
+        <p:spPr>
+          <a:xfrm>
+            <a:off x="4931567" y="2651988"/>
+            <a:ext cx="492443" cy="215444"/>
+          </a:xfrm>
+          <a:prstGeom prst="rect">
+            <a:avLst/>
+          </a:prstGeom>
+          <a:noFill/>
+        </p:spPr>
+        <p:txBody>
+          <a:bodyPr wrap="none" rtlCol="0">
+            <a:spAutoFit/>
+          </a:bodyPr>
+          <a:lstStyle/>
+          <a:p>
+            <a:r>
+              <a:rPr lang="zh-CN" altLang="en-US" sz="800" dirty="0" smtClean="0"/>
+              <a:t>防火墙</a:t>
+            </a:r>
+            <a:endParaRPr lang="zh-CN" altLang="en-US" sz="800" dirty="0"/>
+          </a:p>
+        </p:txBody>
+      </p:sp>
+      <p:sp>
+        <p:nvSpPr>
+          <p:cNvPr id="81" name="TextBox 80"/>
+          <p:cNvSpPr txBox="1"/>
+          <p:nvPr/>
+        </p:nvSpPr>
+        <p:spPr>
+          <a:xfrm>
+            <a:off x="1692461" y="3499264"/>
+            <a:ext cx="492443" cy="215444"/>
+          </a:xfrm>
+          <a:prstGeom prst="rect">
+            <a:avLst/>
+          </a:prstGeom>
+          <a:noFill/>
+        </p:spPr>
+        <p:txBody>
+          <a:bodyPr wrap="none" rtlCol="0">
+            <a:spAutoFit/>
+          </a:bodyPr>
+          <a:lstStyle/>
+          <a:p>
+            <a:r>
+              <a:rPr lang="zh-CN" altLang="en-US" sz="800" dirty="0" smtClean="0"/>
+              <a:t>路由器</a:t>
+            </a:r>
+            <a:endParaRPr lang="zh-CN" altLang="en-US" sz="800" dirty="0"/>
+          </a:p>
+        </p:txBody>
+      </p:sp>
+      <p:sp>
+        <p:nvSpPr>
+          <p:cNvPr id="82" name="TextBox 81"/>
+          <p:cNvSpPr txBox="1"/>
+          <p:nvPr/>
+        </p:nvSpPr>
+        <p:spPr>
+          <a:xfrm>
+            <a:off x="5020921" y="3483800"/>
+            <a:ext cx="492443" cy="215444"/>
+          </a:xfrm>
+          <a:prstGeom prst="rect">
+            <a:avLst/>
+          </a:prstGeom>
+          <a:noFill/>
+        </p:spPr>
+        <p:txBody>
+          <a:bodyPr wrap="none" rtlCol="0">
+            <a:spAutoFit/>
+          </a:bodyPr>
+          <a:lstStyle/>
+          <a:p>
+            <a:r>
+              <a:rPr lang="zh-CN" altLang="en-US" sz="800" dirty="0" smtClean="0"/>
+              <a:t>路由器</a:t>
+            </a:r>
+            <a:endParaRPr lang="zh-CN" altLang="en-US" sz="800" dirty="0"/>
+          </a:p>
+        </p:txBody>
+      </p:sp>
+      <p:sp>
+        <p:nvSpPr>
+          <p:cNvPr id="83" name="矩形 82"/>
+          <p:cNvSpPr/>
+          <p:nvPr/>
+        </p:nvSpPr>
+        <p:spPr>
+          <a:xfrm>
+            <a:off x="2087183" y="4969186"/>
+            <a:ext cx="2912964" cy="669090"/>
+          </a:xfrm>
+          <a:prstGeom prst="rect">
+            <a:avLst/>
+          </a:prstGeom>
+          <a:solidFill>
+            <a:schemeClr val="lt1">
+              <a:alpha val="2000"/>
+            </a:schemeClr>
+          </a:solidFill>
+        </p:spPr>
+        <p:style>
+          <a:lnRef idx="2">
+            <a:schemeClr val="accent1"/>
+          </a:lnRef>
+          <a:fillRef idx="1">
+            <a:schemeClr val="lt1"/>
+          </a:fillRef>
+          <a:effectRef idx="0">
+            <a:schemeClr val="accent1"/>
+          </a:effectRef>
+          <a:fontRef idx="minor">
+            <a:schemeClr val="dk1"/>
+          </a:fontRef>
+        </p:style>
+        <p:txBody>
+          <a:bodyPr rtlCol="0" anchor="ctr"/>
+          <a:lstStyle/>
+          <a:p>
+            <a:pPr algn="ctr"/>
+            <a:endParaRPr lang="zh-CN" altLang="en-US"/>
+          </a:p>
+        </p:txBody>
+      </p:sp>
+      <p:sp>
+        <p:nvSpPr>
+          <p:cNvPr id="84" name="TextBox 83"/>
+          <p:cNvSpPr txBox="1"/>
+          <p:nvPr/>
+        </p:nvSpPr>
+        <p:spPr>
+          <a:xfrm>
+            <a:off x="2679978" y="1970269"/>
+            <a:ext cx="1813317" cy="230832"/>
+          </a:xfrm>
+          <a:prstGeom prst="rect">
+            <a:avLst/>
+          </a:prstGeom>
+          <a:noFill/>
+        </p:spPr>
+        <p:txBody>
+          <a:bodyPr wrap="none" rtlCol="0">
+            <a:spAutoFit/>
+          </a:bodyPr>
+          <a:lstStyle/>
+          <a:p>
+            <a:r>
+              <a:rPr lang="zh-CN" altLang="en-US" sz="900" b="1" dirty="0" smtClean="0"/>
+              <a:t>通信保密年代（</a:t>
+            </a:r>
+            <a:r>
+              <a:rPr lang="en-US" altLang="zh-CN" sz="900" b="1" dirty="0" smtClean="0"/>
+              <a:t>20</a:t>
+            </a:r>
+            <a:r>
+              <a:rPr lang="zh-CN" altLang="en-US" sz="900" b="1" dirty="0" smtClean="0"/>
+              <a:t>世纪</a:t>
+            </a:r>
+            <a:r>
+              <a:rPr lang="en-US" altLang="zh-CN" sz="900" b="1" dirty="0" smtClean="0"/>
+              <a:t>40</a:t>
+            </a:r>
+            <a:r>
+              <a:rPr lang="zh-CN" altLang="en-US" sz="900" b="1" dirty="0" smtClean="0"/>
+              <a:t>年代）</a:t>
+            </a:r>
+            <a:endParaRPr lang="zh-CN" altLang="en-US" sz="900" b="1" dirty="0"/>
+          </a:p>
+        </p:txBody>
+      </p:sp>
+      <p:sp>
+        <p:nvSpPr>
+          <p:cNvPr id="85" name="TextBox 84"/>
+          <p:cNvSpPr txBox="1"/>
+          <p:nvPr/>
+        </p:nvSpPr>
+        <p:spPr>
+          <a:xfrm>
+            <a:off x="2456558" y="2675878"/>
+            <a:ext cx="2159566" cy="230832"/>
+          </a:xfrm>
+          <a:prstGeom prst="rect">
+            <a:avLst/>
+          </a:prstGeom>
+          <a:noFill/>
+        </p:spPr>
+        <p:txBody>
+          <a:bodyPr wrap="none" rtlCol="0">
+            <a:spAutoFit/>
+          </a:bodyPr>
+          <a:lstStyle/>
+          <a:p>
+            <a:r>
+              <a:rPr lang="zh-CN" altLang="en-US" sz="900" b="1" dirty="0" smtClean="0"/>
+              <a:t>计算机系统安全年代（</a:t>
+            </a:r>
+            <a:r>
+              <a:rPr lang="en-US" altLang="zh-CN" sz="900" b="1" dirty="0" smtClean="0"/>
+              <a:t>20</a:t>
+            </a:r>
+            <a:r>
+              <a:rPr lang="zh-CN" altLang="en-US" sz="900" b="1" dirty="0" smtClean="0"/>
+              <a:t>世纪</a:t>
+            </a:r>
+            <a:r>
+              <a:rPr lang="en-US" altLang="zh-CN" sz="900" b="1" dirty="0"/>
+              <a:t>7</a:t>
+            </a:r>
+            <a:r>
+              <a:rPr lang="en-US" altLang="zh-CN" sz="900" b="1" dirty="0" smtClean="0"/>
+              <a:t>0</a:t>
+            </a:r>
+            <a:r>
+              <a:rPr lang="zh-CN" altLang="en-US" sz="900" b="1" dirty="0" smtClean="0"/>
+              <a:t>年代）</a:t>
+            </a:r>
+            <a:endParaRPr lang="zh-CN" altLang="en-US" sz="900" b="1" dirty="0"/>
+          </a:p>
+        </p:txBody>
+      </p:sp>
+      <p:sp>
+        <p:nvSpPr>
+          <p:cNvPr id="86" name="TextBox 85"/>
+          <p:cNvSpPr txBox="1"/>
+          <p:nvPr/>
+        </p:nvSpPr>
+        <p:spPr>
+          <a:xfrm>
+            <a:off x="2456558" y="3706835"/>
+            <a:ext cx="2262158" cy="230832"/>
+          </a:xfrm>
+          <a:prstGeom prst="rect">
+            <a:avLst/>
+          </a:prstGeom>
+          <a:noFill/>
+        </p:spPr>
+        <p:txBody>
+          <a:bodyPr wrap="none" rtlCol="0">
+            <a:spAutoFit/>
+          </a:bodyPr>
+          <a:lstStyle/>
+          <a:p>
+            <a:r>
+              <a:rPr lang="zh-CN" altLang="en-US" sz="900" b="1" dirty="0"/>
+              <a:t>信息</a:t>
+            </a:r>
+            <a:r>
+              <a:rPr lang="zh-CN" altLang="en-US" sz="900" b="1" dirty="0" smtClean="0"/>
+              <a:t>系统</a:t>
+            </a:r>
+            <a:r>
+              <a:rPr lang="zh-CN" altLang="en-US" sz="900" b="1" dirty="0" smtClean="0"/>
+              <a:t>网络安全年代（</a:t>
+            </a:r>
+            <a:r>
+              <a:rPr lang="en-US" altLang="zh-CN" sz="900" b="1" dirty="0" smtClean="0"/>
+              <a:t>20</a:t>
+            </a:r>
+            <a:r>
+              <a:rPr lang="zh-CN" altLang="en-US" sz="900" b="1" dirty="0" smtClean="0"/>
+              <a:t>世纪</a:t>
+            </a:r>
+            <a:r>
+              <a:rPr lang="en-US" altLang="zh-CN" sz="900" b="1" dirty="0" smtClean="0"/>
+              <a:t>90</a:t>
+            </a:r>
+            <a:r>
+              <a:rPr lang="zh-CN" altLang="en-US" sz="900" b="1" dirty="0" smtClean="0"/>
+              <a:t>年代）</a:t>
+            </a:r>
+            <a:endParaRPr lang="zh-CN" altLang="en-US" sz="900" b="1" dirty="0"/>
+          </a:p>
+        </p:txBody>
+      </p:sp>
+      <p:sp>
+        <p:nvSpPr>
+          <p:cNvPr id="87" name="TextBox 86"/>
+          <p:cNvSpPr txBox="1"/>
+          <p:nvPr/>
+        </p:nvSpPr>
+        <p:spPr>
+          <a:xfrm>
+            <a:off x="2349723" y="4727952"/>
+            <a:ext cx="2215671" cy="230832"/>
+          </a:xfrm>
+          <a:prstGeom prst="rect">
+            <a:avLst/>
+          </a:prstGeom>
+          <a:noFill/>
+        </p:spPr>
+        <p:txBody>
+          <a:bodyPr wrap="none" rtlCol="0">
+            <a:spAutoFit/>
+          </a:bodyPr>
+          <a:lstStyle/>
+          <a:p>
+            <a:r>
+              <a:rPr lang="zh-CN" altLang="en-US" sz="900" b="1" dirty="0" smtClean="0"/>
+              <a:t>网络空间（</a:t>
+            </a:r>
+            <a:r>
+              <a:rPr lang="en-US" altLang="zh-CN" sz="900" b="1" dirty="0" smtClean="0"/>
+              <a:t>cyber</a:t>
+            </a:r>
+            <a:r>
+              <a:rPr lang="zh-CN" altLang="en-US" sz="900" b="1" dirty="0" smtClean="0"/>
+              <a:t>）安全年代（</a:t>
+            </a:r>
+            <a:r>
+              <a:rPr lang="en-US" altLang="zh-CN" sz="900" b="1" dirty="0" smtClean="0"/>
+              <a:t>21</a:t>
+            </a:r>
+            <a:r>
+              <a:rPr lang="zh-CN" altLang="en-US" sz="900" b="1" dirty="0" smtClean="0"/>
+              <a:t>世纪）</a:t>
+            </a:r>
+            <a:endParaRPr lang="zh-CN" altLang="en-US" sz="900" b="1" dirty="0"/>
+          </a:p>
+        </p:txBody>
+      </p:sp>
+      <p:sp>
+        <p:nvSpPr>
+          <p:cNvPr id="88" name="TextBox 87"/>
+          <p:cNvSpPr txBox="1"/>
+          <p:nvPr/>
+        </p:nvSpPr>
+        <p:spPr>
+          <a:xfrm>
+            <a:off x="2795823" y="5638583"/>
+            <a:ext cx="1382110" cy="230832"/>
+          </a:xfrm>
+          <a:prstGeom prst="rect">
+            <a:avLst/>
+          </a:prstGeom>
+          <a:noFill/>
+        </p:spPr>
+        <p:txBody>
+          <a:bodyPr wrap="none" rtlCol="0">
+            <a:spAutoFit/>
+          </a:bodyPr>
+          <a:lstStyle/>
+          <a:p>
+            <a:r>
+              <a:rPr lang="zh-CN" altLang="en-US" sz="900" dirty="0" smtClean="0"/>
+              <a:t>标识认证</a:t>
+            </a:r>
+            <a:r>
+              <a:rPr lang="en-US" altLang="zh-CN" sz="900" dirty="0" smtClean="0"/>
+              <a:t>/</a:t>
+            </a:r>
+            <a:r>
+              <a:rPr lang="zh-CN" altLang="en-US" sz="900" dirty="0" smtClean="0"/>
+              <a:t>网络安全支持</a:t>
+            </a:r>
+            <a:endParaRPr lang="zh-CN" altLang="en-US" sz="900" dirty="0"/>
+          </a:p>
+        </p:txBody>
+      </p:sp>
+      <p:sp>
+        <p:nvSpPr>
+          <p:cNvPr id="89" name="矩形 88"/>
+          <p:cNvSpPr/>
+          <p:nvPr/>
+        </p:nvSpPr>
+        <p:spPr>
+          <a:xfrm>
+            <a:off x="2019868" y="5073974"/>
+            <a:ext cx="45719" cy="440421"/>
+          </a:xfrm>
+          <a:prstGeom prst="rect">
+            <a:avLst/>
+          </a:prstGeom>
+        </p:spPr>
+        <p:style>
+          <a:lnRef idx="2">
+            <a:schemeClr val="accent1">
+              <a:shade val="50000"/>
+            </a:schemeClr>
+          </a:lnRef>
+          <a:fillRef idx="1">
+            <a:schemeClr val="accent1"/>
+          </a:fillRef>
+          <a:effectRef idx="0">
+            <a:schemeClr val="accent1"/>
+          </a:effectRef>
+          <a:fontRef idx="minor">
+            <a:schemeClr val="lt1"/>
+          </a:fontRef>
+        </p:style>
+        <p:txBody>
+          <a:bodyPr rtlCol="0" anchor="ctr"/>
+          <a:lstStyle/>
+          <a:p>
+            <a:pPr algn="ctr"/>
+            <a:endParaRPr lang="zh-CN" altLang="en-US"/>
+          </a:p>
+        </p:txBody>
+      </p:sp>
+      <p:sp>
+        <p:nvSpPr>
+          <p:cNvPr id="90" name="矩形 89"/>
+          <p:cNvSpPr/>
+          <p:nvPr/>
+        </p:nvSpPr>
+        <p:spPr>
+          <a:xfrm>
+            <a:off x="5065738" y="5073974"/>
+            <a:ext cx="45719" cy="440421"/>
+          </a:xfrm>
+          <a:prstGeom prst="rect">
+            <a:avLst/>
+          </a:prstGeom>
+        </p:spPr>
+        <p:style>
+          <a:lnRef idx="2">
+            <a:schemeClr val="accent1">
+              <a:shade val="50000"/>
+            </a:schemeClr>
+          </a:lnRef>
+          <a:fillRef idx="1">
+            <a:schemeClr val="accent1"/>
+          </a:fillRef>
+          <a:effectRef idx="0">
+            <a:schemeClr val="accent1"/>
+          </a:effectRef>
+          <a:fontRef idx="minor">
+            <a:schemeClr val="lt1"/>
+          </a:fontRef>
+        </p:style>
+        <p:txBody>
+          <a:bodyPr rtlCol="0" anchor="ctr"/>
+          <a:lstStyle/>
+          <a:p>
+            <a:pPr algn="ctr"/>
+            <a:endParaRPr lang="zh-CN" altLang="en-US"/>
+          </a:p>
+        </p:txBody>
+      </p:sp>
+      <p:sp>
+        <p:nvSpPr>
+          <p:cNvPr id="91" name="矩形 90"/>
+          <p:cNvSpPr/>
+          <p:nvPr/>
+        </p:nvSpPr>
+        <p:spPr>
+          <a:xfrm>
+            <a:off x="933413" y="409694"/>
+            <a:ext cx="3185487" cy="369332"/>
+          </a:xfrm>
+          <a:prstGeom prst="rect">
+            <a:avLst/>
+          </a:prstGeom>
+        </p:spPr>
+        <p:txBody>
+          <a:bodyPr wrap="none">
+            <a:spAutoFit/>
+          </a:bodyPr>
+          <a:lstStyle/>
+          <a:p>
+            <a:r>
+              <a:rPr lang="zh-CN" altLang="en-US" b="1" dirty="0">
+                <a:solidFill>
+                  <a:schemeClr val="tx1">
+                    <a:lumMod val="85000"/>
+                    <a:lumOff val="15000"/>
+                  </a:schemeClr>
+                </a:solidFill>
+                <a:latin typeface="Microsoft YaHei" panose="020B0503020204020204" pitchFamily="34" charset="-122"/>
+                <a:ea typeface="Microsoft YaHei" panose="020B0503020204020204" pitchFamily="34" charset="-122"/>
+                <a:cs typeface="Alibaba PuHuiTi" pitchFamily="18" charset="-122"/>
+                <a:sym typeface="+mn-lt"/>
+              </a:rPr>
+              <a:t>网络信息系统安全的发展演变</a:t>
+            </a:r>
+            <a:endParaRPr lang="zh-CN" altLang="en-US" dirty="0"/>
+          </a:p>
+        </p:txBody>
+      </p:sp>
+      <p:sp>
+        <p:nvSpPr>
+          <p:cNvPr id="92" name="TextBox 91"/>
+          <p:cNvSpPr txBox="1"/>
+          <p:nvPr/>
+        </p:nvSpPr>
+        <p:spPr>
+          <a:xfrm>
+            <a:off x="1796505" y="4218875"/>
+            <a:ext cx="492443" cy="215444"/>
+          </a:xfrm>
+          <a:prstGeom prst="rect">
+            <a:avLst/>
+          </a:prstGeom>
+          <a:noFill/>
+        </p:spPr>
+        <p:txBody>
+          <a:bodyPr wrap="none" rtlCol="0">
+            <a:spAutoFit/>
+          </a:bodyPr>
+          <a:lstStyle/>
+          <a:p>
+            <a:r>
+              <a:rPr lang="zh-CN" altLang="en-US" sz="800" dirty="0" smtClean="0"/>
+              <a:t>防火墙</a:t>
+            </a:r>
+            <a:endParaRPr lang="zh-CN" altLang="en-US" sz="800" dirty="0"/>
+          </a:p>
+        </p:txBody>
+      </p:sp>
+      <p:sp>
+        <p:nvSpPr>
+          <p:cNvPr id="93" name="TextBox 92"/>
+          <p:cNvSpPr txBox="1"/>
+          <p:nvPr/>
+        </p:nvSpPr>
+        <p:spPr>
+          <a:xfrm>
+            <a:off x="4796657" y="4172254"/>
+            <a:ext cx="492443" cy="215444"/>
+          </a:xfrm>
+          <a:prstGeom prst="rect">
+            <a:avLst/>
+          </a:prstGeom>
+          <a:noFill/>
+        </p:spPr>
+        <p:txBody>
+          <a:bodyPr wrap="none" rtlCol="0">
+            <a:spAutoFit/>
+          </a:bodyPr>
+          <a:lstStyle/>
+          <a:p>
+            <a:r>
+              <a:rPr lang="zh-CN" altLang="en-US" sz="800" dirty="0" smtClean="0"/>
+              <a:t>防火墙</a:t>
+            </a:r>
+            <a:endParaRPr lang="zh-CN" altLang="en-US" sz="800" dirty="0"/>
+          </a:p>
+        </p:txBody>
+      </p:sp>
+      <p:sp>
+        <p:nvSpPr>
+          <p:cNvPr id="94" name="TextBox 93"/>
+          <p:cNvSpPr txBox="1"/>
+          <p:nvPr/>
+        </p:nvSpPr>
+        <p:spPr>
+          <a:xfrm>
+            <a:off x="1315414" y="4277371"/>
+            <a:ext cx="484428" cy="215444"/>
+          </a:xfrm>
+          <a:prstGeom prst="rect">
+            <a:avLst/>
+          </a:prstGeom>
+          <a:noFill/>
+        </p:spPr>
+        <p:txBody>
+          <a:bodyPr wrap="none" rtlCol="0">
+            <a:spAutoFit/>
+          </a:bodyPr>
+          <a:lstStyle/>
+          <a:p>
+            <a:r>
+              <a:rPr lang="en-US" altLang="zh-CN" sz="800" dirty="0" smtClean="0"/>
+              <a:t>IDS</a:t>
+            </a:r>
+            <a:r>
+              <a:rPr lang="en-US" altLang="zh-CN" sz="800" dirty="0" smtClean="0"/>
+              <a:t>/IPS</a:t>
+            </a:r>
+            <a:endParaRPr lang="zh-CN" altLang="en-US" sz="800" dirty="0"/>
+          </a:p>
+        </p:txBody>
+      </p:sp>
+      <p:sp>
+        <p:nvSpPr>
+          <p:cNvPr id="95" name="TextBox 94"/>
+          <p:cNvSpPr txBox="1"/>
+          <p:nvPr/>
+        </p:nvSpPr>
+        <p:spPr>
+          <a:xfrm>
+            <a:off x="5299204" y="4294288"/>
+            <a:ext cx="484428" cy="215444"/>
+          </a:xfrm>
+          <a:prstGeom prst="rect">
+            <a:avLst/>
+          </a:prstGeom>
+          <a:noFill/>
+        </p:spPr>
+        <p:txBody>
+          <a:bodyPr wrap="none" rtlCol="0">
+            <a:spAutoFit/>
+          </a:bodyPr>
+          <a:lstStyle/>
+          <a:p>
+            <a:r>
+              <a:rPr lang="en-US" altLang="zh-CN" sz="800" dirty="0" smtClean="0"/>
+              <a:t>IDS</a:t>
+            </a:r>
+            <a:r>
+              <a:rPr lang="en-US" altLang="zh-CN" sz="800" dirty="0" smtClean="0"/>
+              <a:t>/IPS</a:t>
+            </a:r>
+            <a:endParaRPr lang="zh-CN" altLang="en-US" sz="800" dirty="0"/>
+          </a:p>
+        </p:txBody>
+      </p:sp>
+    </p:spTree>
+    <p:extLst>
+      <p:ext uri="{BB962C8B-B14F-4D97-AF65-F5344CB8AC3E}">
+        <p14:creationId xmlns:p14="http://schemas.microsoft.com/office/powerpoint/2010/main" val="2848580706"/>
+      </p:ext>
+    </p:extLst>
+  </p:cSld>
+  <p:clrMapOvr>
+    <a:masterClrMapping/>
+  </p:clrMapOvr>
+</p:sld>
+</file>
+
 <file path=ppt/slides/slide2.xml><?xml version="1.0" encoding="utf-8"?>
 <p:sld xmlns:a="http://schemas.openxmlformats.org/drawingml/2006/main" xmlns:r="http://schemas.openxmlformats.org/officeDocument/2006/relationships" xmlns:p="http://schemas.openxmlformats.org/presentationml/2006/main">
   <p:cSld>
@@ -23343,7 +27161,7 @@
   <a:extraClrSchemeLst/>
   <a:extLst>
     <a:ext uri="{05A4C25C-085E-4340-85A3-A5531E510DB2}">
-      <thm15:themeFamily xmlns:thm15="http://schemas.microsoft.com/office/thememl/2012/main" xmlns="" name="Office Theme" id="{62F939B6-93AF-4DB8-9C6B-D6C7DFDC589F}" vid="{4A3C46E8-61CC-4603-A589-7422A47A8E4A}"/>
+      <thm15:themeFamily xmlns="" xmlns:thm15="http://schemas.microsoft.com/office/thememl/2012/main" name="Office Theme" id="{62F939B6-93AF-4DB8-9C6B-D6C7DFDC589F}" vid="{4A3C46E8-61CC-4603-A589-7422A47A8E4A}"/>
     </a:ext>
   </a:extLst>
 </a:theme>

--- a/images/2022/画图.pptx
+++ b/images/2022/画图.pptx
@@ -18,6 +18,7 @@
     <p:sldId id="266" r:id="rId12"/>
     <p:sldId id="267" r:id="rId13"/>
     <p:sldId id="268" r:id="rId14"/>
+    <p:sldId id="269" r:id="rId15"/>
   </p:sldIdLst>
   <p:sldSz cx="12192000" cy="6858000"/>
   <p:notesSz cx="6858000" cy="9144000"/>
@@ -4951,7 +4952,7 @@
           <a:p>
             <a:fld id="{D997B5FA-0921-464F-AAE1-844C04324D75}" type="datetimeFigureOut">
               <a:rPr lang="zh-CN" altLang="en-US" smtClean="0"/>
-              <a:t>2022/4/1</a:t>
+              <a:t>2022/4/2</a:t>
             </a:fld>
             <a:endParaRPr lang="zh-CN" altLang="en-US"/>
           </a:p>
@@ -5121,7 +5122,7 @@
           <a:p>
             <a:fld id="{D997B5FA-0921-464F-AAE1-844C04324D75}" type="datetimeFigureOut">
               <a:rPr lang="zh-CN" altLang="en-US" smtClean="0"/>
-              <a:t>2022/4/1</a:t>
+              <a:t>2022/4/2</a:t>
             </a:fld>
             <a:endParaRPr lang="zh-CN" altLang="en-US"/>
           </a:p>
@@ -5301,7 +5302,7 @@
           <a:p>
             <a:fld id="{D997B5FA-0921-464F-AAE1-844C04324D75}" type="datetimeFigureOut">
               <a:rPr lang="zh-CN" altLang="en-US" smtClean="0"/>
-              <a:t>2022/4/1</a:t>
+              <a:t>2022/4/2</a:t>
             </a:fld>
             <a:endParaRPr lang="zh-CN" altLang="en-US"/>
           </a:p>
@@ -5471,7 +5472,7 @@
           <a:p>
             <a:fld id="{D997B5FA-0921-464F-AAE1-844C04324D75}" type="datetimeFigureOut">
               <a:rPr lang="zh-CN" altLang="en-US" smtClean="0"/>
-              <a:t>2022/4/1</a:t>
+              <a:t>2022/4/2</a:t>
             </a:fld>
             <a:endParaRPr lang="zh-CN" altLang="en-US"/>
           </a:p>
@@ -5717,7 +5718,7 @@
           <a:p>
             <a:fld id="{D997B5FA-0921-464F-AAE1-844C04324D75}" type="datetimeFigureOut">
               <a:rPr lang="zh-CN" altLang="en-US" smtClean="0"/>
-              <a:t>2022/4/1</a:t>
+              <a:t>2022/4/2</a:t>
             </a:fld>
             <a:endParaRPr lang="zh-CN" altLang="en-US"/>
           </a:p>
@@ -5949,7 +5950,7 @@
           <a:p>
             <a:fld id="{D997B5FA-0921-464F-AAE1-844C04324D75}" type="datetimeFigureOut">
               <a:rPr lang="zh-CN" altLang="en-US" smtClean="0"/>
-              <a:t>2022/4/1</a:t>
+              <a:t>2022/4/2</a:t>
             </a:fld>
             <a:endParaRPr lang="zh-CN" altLang="en-US"/>
           </a:p>
@@ -6316,7 +6317,7 @@
           <a:p>
             <a:fld id="{D997B5FA-0921-464F-AAE1-844C04324D75}" type="datetimeFigureOut">
               <a:rPr lang="zh-CN" altLang="en-US" smtClean="0"/>
-              <a:t>2022/4/1</a:t>
+              <a:t>2022/4/2</a:t>
             </a:fld>
             <a:endParaRPr lang="zh-CN" altLang="en-US"/>
           </a:p>
@@ -6434,7 +6435,7 @@
           <a:p>
             <a:fld id="{D997B5FA-0921-464F-AAE1-844C04324D75}" type="datetimeFigureOut">
               <a:rPr lang="zh-CN" altLang="en-US" smtClean="0"/>
-              <a:t>2022/4/1</a:t>
+              <a:t>2022/4/2</a:t>
             </a:fld>
             <a:endParaRPr lang="zh-CN" altLang="en-US"/>
           </a:p>
@@ -6529,7 +6530,7 @@
           <a:p>
             <a:fld id="{D997B5FA-0921-464F-AAE1-844C04324D75}" type="datetimeFigureOut">
               <a:rPr lang="zh-CN" altLang="en-US" smtClean="0"/>
-              <a:t>2022/4/1</a:t>
+              <a:t>2022/4/2</a:t>
             </a:fld>
             <a:endParaRPr lang="zh-CN" altLang="en-US"/>
           </a:p>
@@ -6806,7 +6807,7 @@
           <a:p>
             <a:fld id="{D997B5FA-0921-464F-AAE1-844C04324D75}" type="datetimeFigureOut">
               <a:rPr lang="zh-CN" altLang="en-US" smtClean="0"/>
-              <a:t>2022/4/1</a:t>
+              <a:t>2022/4/2</a:t>
             </a:fld>
             <a:endParaRPr lang="zh-CN" altLang="en-US"/>
           </a:p>
@@ -7059,7 +7060,7 @@
           <a:p>
             <a:fld id="{D997B5FA-0921-464F-AAE1-844C04324D75}" type="datetimeFigureOut">
               <a:rPr lang="zh-CN" altLang="en-US" smtClean="0"/>
-              <a:t>2022/4/1</a:t>
+              <a:t>2022/4/2</a:t>
             </a:fld>
             <a:endParaRPr lang="zh-CN" altLang="en-US"/>
           </a:p>
@@ -7272,7 +7273,7 @@
           <a:p>
             <a:fld id="{D997B5FA-0921-464F-AAE1-844C04324D75}" type="datetimeFigureOut">
               <a:rPr lang="zh-CN" altLang="en-US" smtClean="0"/>
-              <a:t>2022/4/1</a:t>
+              <a:t>2022/4/2</a:t>
             </a:fld>
             <a:endParaRPr lang="zh-CN" altLang="en-US"/>
           </a:p>
@@ -17337,11 +17338,7 @@
             </a:r>
             <a:r>
               <a:rPr lang="zh-CN" altLang="en-US" sz="900" b="1" dirty="0" smtClean="0"/>
-              <a:t>系统</a:t>
-            </a:r>
-            <a:r>
-              <a:rPr lang="zh-CN" altLang="en-US" sz="900" b="1" dirty="0" smtClean="0"/>
-              <a:t>网络安全年代（</a:t>
+              <a:t>系统网络安全年代（</a:t>
             </a:r>
             <a:r>
               <a:rPr lang="en-US" altLang="zh-CN" sz="900" b="1" dirty="0" smtClean="0"/>
@@ -17651,11 +17648,7 @@
           <a:p>
             <a:r>
               <a:rPr lang="en-US" altLang="zh-CN" sz="800" dirty="0" smtClean="0"/>
-              <a:t>IDS</a:t>
-            </a:r>
-            <a:r>
-              <a:rPr lang="en-US" altLang="zh-CN" sz="800" dirty="0" smtClean="0"/>
-              <a:t>/IPS</a:t>
+              <a:t>IDS/IPS</a:t>
             </a:r>
             <a:endParaRPr lang="zh-CN" altLang="en-US" sz="800" dirty="0"/>
           </a:p>
@@ -17685,11 +17678,7 @@
           <a:p>
             <a:r>
               <a:rPr lang="en-US" altLang="zh-CN" sz="800" dirty="0" smtClean="0"/>
-              <a:t>IDS</a:t>
-            </a:r>
-            <a:r>
-              <a:rPr lang="en-US" altLang="zh-CN" sz="800" dirty="0" smtClean="0"/>
-              <a:t>/IPS</a:t>
+              <a:t>IDS/IPS</a:t>
             </a:r>
             <a:endParaRPr lang="zh-CN" altLang="en-US" sz="800" dirty="0"/>
           </a:p>
@@ -17699,6 +17688,1113 @@
     <p:extLst>
       <p:ext uri="{BB962C8B-B14F-4D97-AF65-F5344CB8AC3E}">
         <p14:creationId xmlns:p14="http://schemas.microsoft.com/office/powerpoint/2010/main" val="2848580706"/>
+      </p:ext>
+    </p:extLst>
+  </p:cSld>
+  <p:clrMapOvr>
+    <a:masterClrMapping/>
+  </p:clrMapOvr>
+</p:sld>
+</file>
+
+<file path=ppt/slides/slide14.xml><?xml version="1.0" encoding="utf-8"?>
+<p:sld xmlns:a="http://schemas.openxmlformats.org/drawingml/2006/main" xmlns:r="http://schemas.openxmlformats.org/officeDocument/2006/relationships" xmlns:p="http://schemas.openxmlformats.org/presentationml/2006/main">
+  <p:cSld>
+    <p:spTree>
+      <p:nvGrpSpPr>
+        <p:cNvPr id="1" name=""/>
+        <p:cNvGrpSpPr/>
+        <p:nvPr/>
+      </p:nvGrpSpPr>
+      <p:grpSpPr>
+        <a:xfrm>
+          <a:off x="0" y="0"/>
+          <a:ext cx="0" cy="0"/>
+          <a:chOff x="0" y="0"/>
+          <a:chExt cx="0" cy="0"/>
+        </a:xfrm>
+      </p:grpSpPr>
+      <p:sp>
+        <p:nvSpPr>
+          <p:cNvPr id="17" name="矩形 16"/>
+          <p:cNvSpPr/>
+          <p:nvPr/>
+        </p:nvSpPr>
+        <p:spPr>
+          <a:xfrm>
+            <a:off x="3829050" y="1809751"/>
+            <a:ext cx="6762750" cy="2590800"/>
+          </a:xfrm>
+          <a:prstGeom prst="rect">
+            <a:avLst/>
+          </a:prstGeom>
+          <a:solidFill>
+            <a:schemeClr val="bg1">
+              <a:lumMod val="85000"/>
+            </a:schemeClr>
+          </a:solidFill>
+          <a:ln>
+            <a:solidFill>
+              <a:schemeClr val="bg1">
+                <a:lumMod val="85000"/>
+              </a:schemeClr>
+            </a:solidFill>
+          </a:ln>
+        </p:spPr>
+        <p:style>
+          <a:lnRef idx="1">
+            <a:schemeClr val="accent3"/>
+          </a:lnRef>
+          <a:fillRef idx="2">
+            <a:schemeClr val="accent3"/>
+          </a:fillRef>
+          <a:effectRef idx="1">
+            <a:schemeClr val="accent3"/>
+          </a:effectRef>
+          <a:fontRef idx="minor">
+            <a:schemeClr val="dk1"/>
+          </a:fontRef>
+        </p:style>
+        <p:txBody>
+          <a:bodyPr rtlCol="0" anchor="ctr"/>
+          <a:lstStyle/>
+          <a:p>
+            <a:pPr algn="ctr"/>
+            <a:endParaRPr lang="zh-CN" altLang="en-US"/>
+          </a:p>
+        </p:txBody>
+      </p:sp>
+      <p:sp>
+        <p:nvSpPr>
+          <p:cNvPr id="4" name="矩形 3"/>
+          <p:cNvSpPr/>
+          <p:nvPr/>
+        </p:nvSpPr>
+        <p:spPr>
+          <a:xfrm>
+            <a:off x="2295525" y="2676524"/>
+            <a:ext cx="1266825" cy="504825"/>
+          </a:xfrm>
+          <a:prstGeom prst="rect">
+            <a:avLst/>
+          </a:prstGeom>
+        </p:spPr>
+        <p:style>
+          <a:lnRef idx="2">
+            <a:schemeClr val="accent1">
+              <a:shade val="50000"/>
+            </a:schemeClr>
+          </a:lnRef>
+          <a:fillRef idx="1">
+            <a:schemeClr val="accent1"/>
+          </a:fillRef>
+          <a:effectRef idx="0">
+            <a:schemeClr val="accent1"/>
+          </a:effectRef>
+          <a:fontRef idx="minor">
+            <a:schemeClr val="lt1"/>
+          </a:fontRef>
+        </p:style>
+        <p:txBody>
+          <a:bodyPr rtlCol="0" anchor="ctr"/>
+          <a:lstStyle/>
+          <a:p>
+            <a:pPr algn="ctr"/>
+            <a:r>
+              <a:rPr lang="zh-CN" altLang="en-US" dirty="0" smtClean="0"/>
+              <a:t>情报收集</a:t>
+            </a:r>
+            <a:endParaRPr lang="zh-CN" altLang="en-US" dirty="0"/>
+          </a:p>
+        </p:txBody>
+      </p:sp>
+      <p:sp>
+        <p:nvSpPr>
+          <p:cNvPr id="5" name="矩形 4"/>
+          <p:cNvSpPr/>
+          <p:nvPr/>
+        </p:nvSpPr>
+        <p:spPr>
+          <a:xfrm>
+            <a:off x="4000500" y="2676524"/>
+            <a:ext cx="1266825" cy="504825"/>
+          </a:xfrm>
+          <a:prstGeom prst="rect">
+            <a:avLst/>
+          </a:prstGeom>
+        </p:spPr>
+        <p:style>
+          <a:lnRef idx="2">
+            <a:schemeClr val="accent2">
+              <a:shade val="50000"/>
+            </a:schemeClr>
+          </a:lnRef>
+          <a:fillRef idx="1">
+            <a:schemeClr val="accent2"/>
+          </a:fillRef>
+          <a:effectRef idx="0">
+            <a:schemeClr val="accent2"/>
+          </a:effectRef>
+          <a:fontRef idx="minor">
+            <a:schemeClr val="lt1"/>
+          </a:fontRef>
+        </p:style>
+        <p:txBody>
+          <a:bodyPr rtlCol="0" anchor="ctr"/>
+          <a:lstStyle/>
+          <a:p>
+            <a:pPr algn="ctr"/>
+            <a:r>
+              <a:rPr lang="zh-CN" altLang="en-US" dirty="0" smtClean="0"/>
+              <a:t>防线突破</a:t>
+            </a:r>
+            <a:endParaRPr lang="zh-CN" altLang="en-US" dirty="0"/>
+          </a:p>
+        </p:txBody>
+      </p:sp>
+      <p:sp>
+        <p:nvSpPr>
+          <p:cNvPr id="6" name="矩形 5"/>
+          <p:cNvSpPr/>
+          <p:nvPr/>
+        </p:nvSpPr>
+        <p:spPr>
+          <a:xfrm>
+            <a:off x="5762625" y="2676524"/>
+            <a:ext cx="1266825" cy="504825"/>
+          </a:xfrm>
+          <a:prstGeom prst="rect">
+            <a:avLst/>
+          </a:prstGeom>
+        </p:spPr>
+        <p:style>
+          <a:lnRef idx="2">
+            <a:schemeClr val="accent2">
+              <a:shade val="50000"/>
+            </a:schemeClr>
+          </a:lnRef>
+          <a:fillRef idx="1">
+            <a:schemeClr val="accent2"/>
+          </a:fillRef>
+          <a:effectRef idx="0">
+            <a:schemeClr val="accent2"/>
+          </a:effectRef>
+          <a:fontRef idx="minor">
+            <a:schemeClr val="lt1"/>
+          </a:fontRef>
+        </p:style>
+        <p:txBody>
+          <a:bodyPr rtlCol="0" anchor="ctr"/>
+          <a:lstStyle/>
+          <a:p>
+            <a:pPr algn="ctr"/>
+            <a:r>
+              <a:rPr lang="zh-CN" altLang="en-US" dirty="0" smtClean="0"/>
+              <a:t>通道建立</a:t>
+            </a:r>
+            <a:endParaRPr lang="zh-CN" altLang="en-US" dirty="0"/>
+          </a:p>
+        </p:txBody>
+      </p:sp>
+      <p:sp>
+        <p:nvSpPr>
+          <p:cNvPr id="7" name="矩形 6"/>
+          <p:cNvSpPr/>
+          <p:nvPr/>
+        </p:nvSpPr>
+        <p:spPr>
+          <a:xfrm>
+            <a:off x="7410450" y="2676524"/>
+            <a:ext cx="1266825" cy="504825"/>
+          </a:xfrm>
+          <a:prstGeom prst="rect">
+            <a:avLst/>
+          </a:prstGeom>
+        </p:spPr>
+        <p:style>
+          <a:lnRef idx="2">
+            <a:schemeClr val="accent2">
+              <a:shade val="50000"/>
+            </a:schemeClr>
+          </a:lnRef>
+          <a:fillRef idx="1">
+            <a:schemeClr val="accent2"/>
+          </a:fillRef>
+          <a:effectRef idx="0">
+            <a:schemeClr val="accent2"/>
+          </a:effectRef>
+          <a:fontRef idx="minor">
+            <a:schemeClr val="lt1"/>
+          </a:fontRef>
+        </p:style>
+        <p:txBody>
+          <a:bodyPr rtlCol="0" anchor="ctr"/>
+          <a:lstStyle/>
+          <a:p>
+            <a:pPr algn="ctr"/>
+            <a:r>
+              <a:rPr lang="zh-CN" altLang="en-US" dirty="0" smtClean="0"/>
+              <a:t>横向渗透</a:t>
+            </a:r>
+            <a:endParaRPr lang="zh-CN" altLang="en-US" dirty="0"/>
+          </a:p>
+        </p:txBody>
+      </p:sp>
+      <p:sp>
+        <p:nvSpPr>
+          <p:cNvPr id="8" name="矩形 7"/>
+          <p:cNvSpPr/>
+          <p:nvPr/>
+        </p:nvSpPr>
+        <p:spPr>
+          <a:xfrm>
+            <a:off x="9115425" y="2676524"/>
+            <a:ext cx="1266825" cy="504825"/>
+          </a:xfrm>
+          <a:prstGeom prst="rect">
+            <a:avLst/>
+          </a:prstGeom>
+        </p:spPr>
+        <p:style>
+          <a:lnRef idx="2">
+            <a:schemeClr val="accent2">
+              <a:shade val="50000"/>
+            </a:schemeClr>
+          </a:lnRef>
+          <a:fillRef idx="1">
+            <a:schemeClr val="accent2"/>
+          </a:fillRef>
+          <a:effectRef idx="0">
+            <a:schemeClr val="accent2"/>
+          </a:effectRef>
+          <a:fontRef idx="minor">
+            <a:schemeClr val="lt1"/>
+          </a:fontRef>
+        </p:style>
+        <p:txBody>
+          <a:bodyPr rtlCol="0" anchor="ctr"/>
+          <a:lstStyle/>
+          <a:p>
+            <a:pPr algn="ctr"/>
+            <a:r>
+              <a:rPr lang="zh-CN" altLang="en-US" dirty="0" smtClean="0"/>
+              <a:t>信息收集及外传</a:t>
+            </a:r>
+            <a:endParaRPr lang="zh-CN" altLang="en-US" dirty="0"/>
+          </a:p>
+        </p:txBody>
+      </p:sp>
+      <p:cxnSp>
+        <p:nvCxnSpPr>
+          <p:cNvPr id="10" name="直接箭头连接符 9"/>
+          <p:cNvCxnSpPr>
+            <a:stCxn id="4" idx="3"/>
+            <a:endCxn id="5" idx="1"/>
+          </p:cNvCxnSpPr>
+          <p:nvPr/>
+        </p:nvCxnSpPr>
+        <p:spPr>
+          <a:xfrm>
+            <a:off x="3562350" y="2928937"/>
+            <a:ext cx="438150" cy="0"/>
+          </a:xfrm>
+          <a:prstGeom prst="straightConnector1">
+            <a:avLst/>
+          </a:prstGeom>
+          <a:ln>
+            <a:tailEnd type="arrow"/>
+          </a:ln>
+        </p:spPr>
+        <p:style>
+          <a:lnRef idx="3">
+            <a:schemeClr val="accent5"/>
+          </a:lnRef>
+          <a:fillRef idx="0">
+            <a:schemeClr val="accent5"/>
+          </a:fillRef>
+          <a:effectRef idx="2">
+            <a:schemeClr val="accent5"/>
+          </a:effectRef>
+          <a:fontRef idx="minor">
+            <a:schemeClr val="tx1"/>
+          </a:fontRef>
+        </p:style>
+      </p:cxnSp>
+      <p:cxnSp>
+        <p:nvCxnSpPr>
+          <p:cNvPr id="11" name="直接箭头连接符 10"/>
+          <p:cNvCxnSpPr/>
+          <p:nvPr/>
+        </p:nvCxnSpPr>
+        <p:spPr>
+          <a:xfrm>
+            <a:off x="5273993" y="2928937"/>
+            <a:ext cx="481965" cy="0"/>
+          </a:xfrm>
+          <a:prstGeom prst="straightConnector1">
+            <a:avLst/>
+          </a:prstGeom>
+          <a:ln>
+            <a:tailEnd type="arrow"/>
+          </a:ln>
+        </p:spPr>
+        <p:style>
+          <a:lnRef idx="3">
+            <a:schemeClr val="accent5"/>
+          </a:lnRef>
+          <a:fillRef idx="0">
+            <a:schemeClr val="accent5"/>
+          </a:fillRef>
+          <a:effectRef idx="2">
+            <a:schemeClr val="accent5"/>
+          </a:effectRef>
+          <a:fontRef idx="minor">
+            <a:schemeClr val="tx1"/>
+          </a:fontRef>
+        </p:style>
+      </p:cxnSp>
+      <p:cxnSp>
+        <p:nvCxnSpPr>
+          <p:cNvPr id="12" name="直接箭头连接符 11"/>
+          <p:cNvCxnSpPr/>
+          <p:nvPr/>
+        </p:nvCxnSpPr>
+        <p:spPr>
+          <a:xfrm>
+            <a:off x="7011266" y="2928936"/>
+            <a:ext cx="398318" cy="0"/>
+          </a:xfrm>
+          <a:prstGeom prst="straightConnector1">
+            <a:avLst/>
+          </a:prstGeom>
+          <a:ln>
+            <a:tailEnd type="arrow"/>
+          </a:ln>
+        </p:spPr>
+        <p:style>
+          <a:lnRef idx="3">
+            <a:schemeClr val="accent5"/>
+          </a:lnRef>
+          <a:fillRef idx="0">
+            <a:schemeClr val="accent5"/>
+          </a:fillRef>
+          <a:effectRef idx="2">
+            <a:schemeClr val="accent5"/>
+          </a:effectRef>
+          <a:fontRef idx="minor">
+            <a:schemeClr val="tx1"/>
+          </a:fontRef>
+        </p:style>
+      </p:cxnSp>
+      <p:cxnSp>
+        <p:nvCxnSpPr>
+          <p:cNvPr id="13" name="直接箭头连接符 12"/>
+          <p:cNvCxnSpPr/>
+          <p:nvPr/>
+        </p:nvCxnSpPr>
+        <p:spPr>
+          <a:xfrm>
+            <a:off x="8677275" y="2928936"/>
+            <a:ext cx="438150" cy="0"/>
+          </a:xfrm>
+          <a:prstGeom prst="straightConnector1">
+            <a:avLst/>
+          </a:prstGeom>
+          <a:ln>
+            <a:tailEnd type="arrow"/>
+          </a:ln>
+        </p:spPr>
+        <p:style>
+          <a:lnRef idx="3">
+            <a:schemeClr val="accent5"/>
+          </a:lnRef>
+          <a:fillRef idx="0">
+            <a:schemeClr val="accent5"/>
+          </a:fillRef>
+          <a:effectRef idx="2">
+            <a:schemeClr val="accent5"/>
+          </a:effectRef>
+          <a:fontRef idx="minor">
+            <a:schemeClr val="tx1"/>
+          </a:fontRef>
+        </p:style>
+      </p:cxnSp>
+      <p:pic>
+        <p:nvPicPr>
+          <p:cNvPr id="14" name="Picture 2" descr="https://gimg2.baidu.com/image_search/src=http%3A%2F%2Fqimg.hxnews.com%2F2016%2F0214%2F1455415164936.jpg&amp;refer=http%3A%2F%2Fqimg.hxnews.com&amp;app=2002&amp;size=f9999,10000&amp;q=a80&amp;n=0&amp;g=0n&amp;fmt=auto?sec=1651030476&amp;t=01bdfd6fed7d77eed496fce06bce4107"/>
+          <p:cNvPicPr>
+            <a:picLocks noChangeAspect="1" noChangeArrowheads="1"/>
+          </p:cNvPicPr>
+          <p:nvPr/>
+        </p:nvPicPr>
+        <p:blipFill>
+          <a:blip r:embed="rId2" cstate="print">
+            <a:extLst>
+              <a:ext uri="{28A0092B-C50C-407E-A947-70E740481C1C}">
+                <a14:useLocalDpi xmlns:a14="http://schemas.microsoft.com/office/drawing/2010/main" val="0"/>
+              </a:ext>
+            </a:extLst>
+          </a:blip>
+          <a:srcRect/>
+          <a:stretch>
+            <a:fillRect/>
+          </a:stretch>
+        </p:blipFill>
+        <p:spPr bwMode="auto">
+          <a:xfrm>
+            <a:off x="384568" y="2562223"/>
+            <a:ext cx="1278014" cy="757215"/>
+          </a:xfrm>
+          <a:prstGeom prst="rect">
+            <a:avLst/>
+          </a:prstGeom>
+          <a:noFill/>
+          <a:extLst>
+            <a:ext uri="{909E8E84-426E-40DD-AFC4-6F175D3DCCD1}">
+              <a14:hiddenFill xmlns:a14="http://schemas.microsoft.com/office/drawing/2010/main">
+                <a:solidFill>
+                  <a:srgbClr val="FFFFFF"/>
+                </a:solidFill>
+              </a14:hiddenFill>
+            </a:ext>
+          </a:extLst>
+        </p:spPr>
+      </p:pic>
+      <p:sp>
+        <p:nvSpPr>
+          <p:cNvPr id="15" name="TextBox 14"/>
+          <p:cNvSpPr txBox="1"/>
+          <p:nvPr/>
+        </p:nvSpPr>
+        <p:spPr>
+          <a:xfrm>
+            <a:off x="545598" y="3386465"/>
+            <a:ext cx="955953" cy="307777"/>
+          </a:xfrm>
+          <a:prstGeom prst="rect">
+            <a:avLst/>
+          </a:prstGeom>
+          <a:noFill/>
+        </p:spPr>
+        <p:txBody>
+          <a:bodyPr wrap="square" rtlCol="0">
+            <a:spAutoFit/>
+          </a:bodyPr>
+          <a:lstStyle/>
+          <a:p>
+            <a:pPr algn="ctr"/>
+            <a:r>
+              <a:rPr lang="zh-CN" altLang="en-US" sz="1400" b="1" dirty="0" smtClean="0"/>
+              <a:t>攻击者</a:t>
+            </a:r>
+            <a:endParaRPr lang="zh-CN" altLang="en-US" sz="1400" b="1" dirty="0"/>
+          </a:p>
+        </p:txBody>
+      </p:sp>
+      <p:cxnSp>
+        <p:nvCxnSpPr>
+          <p:cNvPr id="16" name="直接箭头连接符 15"/>
+          <p:cNvCxnSpPr/>
+          <p:nvPr/>
+        </p:nvCxnSpPr>
+        <p:spPr>
+          <a:xfrm>
+            <a:off x="1743075" y="2914648"/>
+            <a:ext cx="438150" cy="0"/>
+          </a:xfrm>
+          <a:prstGeom prst="straightConnector1">
+            <a:avLst/>
+          </a:prstGeom>
+          <a:ln>
+            <a:tailEnd type="arrow"/>
+          </a:ln>
+        </p:spPr>
+        <p:style>
+          <a:lnRef idx="3">
+            <a:schemeClr val="accent5"/>
+          </a:lnRef>
+          <a:fillRef idx="0">
+            <a:schemeClr val="accent5"/>
+          </a:fillRef>
+          <a:effectRef idx="2">
+            <a:schemeClr val="accent5"/>
+          </a:effectRef>
+          <a:fontRef idx="minor">
+            <a:schemeClr val="tx1"/>
+          </a:fontRef>
+        </p:style>
+      </p:cxnSp>
+      <p:sp>
+        <p:nvSpPr>
+          <p:cNvPr id="19" name="TextBox 18"/>
+          <p:cNvSpPr txBox="1"/>
+          <p:nvPr/>
+        </p:nvSpPr>
+        <p:spPr>
+          <a:xfrm>
+            <a:off x="2477531" y="3181349"/>
+            <a:ext cx="902811" cy="1169551"/>
+          </a:xfrm>
+          <a:prstGeom prst="rect">
+            <a:avLst/>
+          </a:prstGeom>
+          <a:noFill/>
+        </p:spPr>
+        <p:txBody>
+          <a:bodyPr wrap="none" rtlCol="0">
+            <a:spAutoFit/>
+          </a:bodyPr>
+          <a:lstStyle/>
+          <a:p>
+            <a:r>
+              <a:rPr lang="zh-CN" altLang="en-US" sz="1400" dirty="0">
+                <a:latin typeface="+mn-ea"/>
+              </a:rPr>
+              <a:t>微</a:t>
+            </a:r>
+            <a:r>
+              <a:rPr lang="zh-CN" altLang="en-US" sz="1400" dirty="0" smtClean="0">
+                <a:latin typeface="+mn-ea"/>
+              </a:rPr>
+              <a:t>博</a:t>
+            </a:r>
+            <a:endParaRPr lang="en-US" altLang="zh-CN" sz="1400" dirty="0" smtClean="0">
+              <a:latin typeface="+mn-ea"/>
+            </a:endParaRPr>
+          </a:p>
+          <a:p>
+            <a:r>
+              <a:rPr lang="zh-CN" altLang="en-US" sz="1400" dirty="0">
+                <a:latin typeface="+mn-ea"/>
+              </a:rPr>
+              <a:t>博</a:t>
+            </a:r>
+            <a:r>
+              <a:rPr lang="zh-CN" altLang="en-US" sz="1400" dirty="0" smtClean="0">
+                <a:latin typeface="+mn-ea"/>
+              </a:rPr>
+              <a:t>客</a:t>
+            </a:r>
+            <a:endParaRPr lang="en-US" altLang="zh-CN" sz="1400" dirty="0" smtClean="0">
+              <a:latin typeface="+mn-ea"/>
+            </a:endParaRPr>
+          </a:p>
+          <a:p>
+            <a:r>
+              <a:rPr lang="zh-CN" altLang="en-US" sz="1400" dirty="0" smtClean="0">
+                <a:latin typeface="+mn-ea"/>
+              </a:rPr>
+              <a:t>社交网络</a:t>
+            </a:r>
+            <a:endParaRPr lang="en-US" altLang="zh-CN" sz="1400" dirty="0" smtClean="0">
+              <a:latin typeface="+mn-ea"/>
+            </a:endParaRPr>
+          </a:p>
+          <a:p>
+            <a:r>
+              <a:rPr lang="zh-CN" altLang="en-US" sz="1400" dirty="0" smtClean="0">
+                <a:latin typeface="+mn-ea"/>
+              </a:rPr>
+              <a:t>公司网站</a:t>
+            </a:r>
+            <a:endParaRPr lang="en-US" altLang="zh-CN" sz="1400" dirty="0" smtClean="0">
+              <a:latin typeface="+mn-ea"/>
+            </a:endParaRPr>
+          </a:p>
+          <a:p>
+            <a:r>
+              <a:rPr lang="en-US" altLang="zh-CN" sz="1400" dirty="0" smtClean="0">
+                <a:latin typeface="+mn-ea"/>
+              </a:rPr>
+              <a:t>……</a:t>
+            </a:r>
+            <a:endParaRPr lang="zh-CN" altLang="en-US" sz="1400" dirty="0">
+              <a:latin typeface="+mn-ea"/>
+            </a:endParaRPr>
+          </a:p>
+        </p:txBody>
+      </p:sp>
+      <p:sp>
+        <p:nvSpPr>
+          <p:cNvPr id="20" name="TextBox 19"/>
+          <p:cNvSpPr txBox="1"/>
+          <p:nvPr/>
+        </p:nvSpPr>
+        <p:spPr>
+          <a:xfrm>
+            <a:off x="4058681" y="3181349"/>
+            <a:ext cx="1159292" cy="954107"/>
+          </a:xfrm>
+          <a:prstGeom prst="rect">
+            <a:avLst/>
+          </a:prstGeom>
+          <a:noFill/>
+        </p:spPr>
+        <p:txBody>
+          <a:bodyPr wrap="none" rtlCol="0">
+            <a:spAutoFit/>
+          </a:bodyPr>
+          <a:lstStyle/>
+          <a:p>
+            <a:r>
+              <a:rPr lang="zh-CN" altLang="en-US" sz="1400" dirty="0" smtClean="0">
+                <a:latin typeface="+mn-ea"/>
+              </a:rPr>
+              <a:t>社会工程学</a:t>
+            </a:r>
+            <a:endParaRPr lang="en-US" altLang="zh-CN" sz="1400" dirty="0" smtClean="0">
+              <a:latin typeface="+mn-ea"/>
+            </a:endParaRPr>
+          </a:p>
+          <a:p>
+            <a:r>
+              <a:rPr lang="zh-CN" altLang="en-US" sz="1400" dirty="0" smtClean="0">
+                <a:latin typeface="+mn-ea"/>
+              </a:rPr>
+              <a:t>木马</a:t>
+            </a:r>
+            <a:endParaRPr lang="en-US" altLang="zh-CN" sz="1400" dirty="0" smtClean="0">
+              <a:latin typeface="+mn-ea"/>
+            </a:endParaRPr>
+          </a:p>
+          <a:p>
+            <a:r>
+              <a:rPr lang="en-US" altLang="zh-CN" sz="1400" dirty="0" smtClean="0">
+                <a:latin typeface="+mn-ea"/>
+              </a:rPr>
+              <a:t>0Day</a:t>
+            </a:r>
+            <a:r>
+              <a:rPr lang="zh-CN" altLang="en-US" sz="1400" dirty="0" smtClean="0">
+                <a:latin typeface="+mn-ea"/>
+              </a:rPr>
+              <a:t>漏洞等</a:t>
+            </a:r>
+            <a:endParaRPr lang="en-US" altLang="zh-CN" sz="1400" dirty="0" smtClean="0">
+              <a:latin typeface="+mn-ea"/>
+            </a:endParaRPr>
+          </a:p>
+          <a:p>
+            <a:r>
+              <a:rPr lang="en-US" altLang="zh-CN" sz="1400" dirty="0" smtClean="0">
+                <a:latin typeface="+mn-ea"/>
+              </a:rPr>
+              <a:t>……</a:t>
+            </a:r>
+            <a:endParaRPr lang="zh-CN" altLang="en-US" sz="1400" dirty="0">
+              <a:latin typeface="+mn-ea"/>
+            </a:endParaRPr>
+          </a:p>
+        </p:txBody>
+      </p:sp>
+      <p:sp>
+        <p:nvSpPr>
+          <p:cNvPr id="21" name="TextBox 20"/>
+          <p:cNvSpPr txBox="1"/>
+          <p:nvPr/>
+        </p:nvSpPr>
+        <p:spPr>
+          <a:xfrm>
+            <a:off x="5778291" y="3181349"/>
+            <a:ext cx="1283621" cy="523220"/>
+          </a:xfrm>
+          <a:prstGeom prst="rect">
+            <a:avLst/>
+          </a:prstGeom>
+          <a:noFill/>
+        </p:spPr>
+        <p:txBody>
+          <a:bodyPr wrap="none" rtlCol="0">
+            <a:spAutoFit/>
+          </a:bodyPr>
+          <a:lstStyle/>
+          <a:p>
+            <a:r>
+              <a:rPr lang="en-US" altLang="zh-CN" sz="1400" dirty="0" smtClean="0">
+                <a:latin typeface="+mn-ea"/>
+              </a:rPr>
+              <a:t>HTTP/HTTPS</a:t>
+            </a:r>
+          </a:p>
+          <a:p>
+            <a:r>
+              <a:rPr lang="en-US" altLang="zh-CN" sz="1400" dirty="0" smtClean="0">
+                <a:latin typeface="+mn-ea"/>
+              </a:rPr>
+              <a:t>……</a:t>
+            </a:r>
+            <a:endParaRPr lang="zh-CN" altLang="en-US" sz="1400" dirty="0">
+              <a:latin typeface="+mn-ea"/>
+            </a:endParaRPr>
+          </a:p>
+        </p:txBody>
+      </p:sp>
+      <p:sp>
+        <p:nvSpPr>
+          <p:cNvPr id="22" name="TextBox 21"/>
+          <p:cNvSpPr txBox="1"/>
+          <p:nvPr/>
+        </p:nvSpPr>
+        <p:spPr>
+          <a:xfrm>
+            <a:off x="7507954" y="3180547"/>
+            <a:ext cx="902811" cy="738664"/>
+          </a:xfrm>
+          <a:prstGeom prst="rect">
+            <a:avLst/>
+          </a:prstGeom>
+          <a:noFill/>
+        </p:spPr>
+        <p:txBody>
+          <a:bodyPr wrap="none" rtlCol="0">
+            <a:spAutoFit/>
+          </a:bodyPr>
+          <a:lstStyle/>
+          <a:p>
+            <a:r>
+              <a:rPr lang="zh-CN" altLang="en-US" sz="1400" dirty="0" smtClean="0">
+                <a:latin typeface="+mn-ea"/>
+              </a:rPr>
+              <a:t>漏洞攻击</a:t>
+            </a:r>
+            <a:endParaRPr lang="en-US" altLang="zh-CN" sz="1400" dirty="0" smtClean="0">
+              <a:latin typeface="+mn-ea"/>
+            </a:endParaRPr>
+          </a:p>
+          <a:p>
+            <a:r>
+              <a:rPr lang="zh-CN" altLang="en-US" sz="1400" dirty="0" smtClean="0">
+                <a:latin typeface="+mn-ea"/>
+              </a:rPr>
+              <a:t>口令窃取</a:t>
+            </a:r>
+            <a:endParaRPr lang="en-US" altLang="zh-CN" sz="1400" dirty="0" smtClean="0">
+              <a:latin typeface="+mn-ea"/>
+            </a:endParaRPr>
+          </a:p>
+          <a:p>
+            <a:r>
+              <a:rPr lang="en-US" altLang="zh-CN" sz="1400" dirty="0" smtClean="0">
+                <a:latin typeface="+mn-ea"/>
+              </a:rPr>
+              <a:t>……</a:t>
+            </a:r>
+            <a:endParaRPr lang="zh-CN" altLang="en-US" sz="1400" dirty="0">
+              <a:latin typeface="+mn-ea"/>
+            </a:endParaRPr>
+          </a:p>
+        </p:txBody>
+      </p:sp>
+      <p:sp>
+        <p:nvSpPr>
+          <p:cNvPr id="23" name="TextBox 22"/>
+          <p:cNvSpPr txBox="1"/>
+          <p:nvPr/>
+        </p:nvSpPr>
+        <p:spPr>
+          <a:xfrm>
+            <a:off x="9297431" y="3180547"/>
+            <a:ext cx="543739" cy="1169551"/>
+          </a:xfrm>
+          <a:prstGeom prst="rect">
+            <a:avLst/>
+          </a:prstGeom>
+          <a:noFill/>
+        </p:spPr>
+        <p:txBody>
+          <a:bodyPr wrap="none" rtlCol="0">
+            <a:spAutoFit/>
+          </a:bodyPr>
+          <a:lstStyle/>
+          <a:p>
+            <a:r>
+              <a:rPr lang="zh-CN" altLang="en-US" sz="1400" dirty="0" smtClean="0">
+                <a:latin typeface="+mn-ea"/>
+              </a:rPr>
+              <a:t>扫描</a:t>
+            </a:r>
+            <a:endParaRPr lang="en-US" altLang="zh-CN" sz="1400" dirty="0" smtClean="0">
+              <a:latin typeface="+mn-ea"/>
+            </a:endParaRPr>
+          </a:p>
+          <a:p>
+            <a:r>
+              <a:rPr lang="zh-CN" altLang="en-US" sz="1400" dirty="0" smtClean="0">
+                <a:latin typeface="+mn-ea"/>
+              </a:rPr>
+              <a:t>搜索</a:t>
+            </a:r>
+            <a:endParaRPr lang="en-US" altLang="zh-CN" sz="1400" dirty="0" smtClean="0">
+              <a:latin typeface="+mn-ea"/>
+            </a:endParaRPr>
+          </a:p>
+          <a:p>
+            <a:r>
+              <a:rPr lang="zh-CN" altLang="en-US" sz="1400" dirty="0" smtClean="0">
+                <a:latin typeface="+mn-ea"/>
+              </a:rPr>
+              <a:t>压缩</a:t>
+            </a:r>
+            <a:endParaRPr lang="en-US" altLang="zh-CN" sz="1400" dirty="0" smtClean="0">
+              <a:latin typeface="+mn-ea"/>
+            </a:endParaRPr>
+          </a:p>
+          <a:p>
+            <a:r>
+              <a:rPr lang="zh-CN" altLang="en-US" sz="1400" dirty="0" smtClean="0">
+                <a:latin typeface="+mn-ea"/>
+              </a:rPr>
+              <a:t>加密</a:t>
+            </a:r>
+            <a:endParaRPr lang="en-US" altLang="zh-CN" sz="1400" dirty="0" smtClean="0">
+              <a:latin typeface="+mn-ea"/>
+            </a:endParaRPr>
+          </a:p>
+          <a:p>
+            <a:r>
+              <a:rPr lang="en-US" altLang="zh-CN" sz="1400" dirty="0" smtClean="0">
+                <a:latin typeface="+mn-ea"/>
+              </a:rPr>
+              <a:t>……</a:t>
+            </a:r>
+            <a:endParaRPr lang="zh-CN" altLang="en-US" sz="1400" dirty="0">
+              <a:latin typeface="+mn-ea"/>
+            </a:endParaRPr>
+          </a:p>
+        </p:txBody>
+      </p:sp>
+      <p:sp>
+        <p:nvSpPr>
+          <p:cNvPr id="24" name="TextBox 23"/>
+          <p:cNvSpPr txBox="1"/>
+          <p:nvPr/>
+        </p:nvSpPr>
+        <p:spPr>
+          <a:xfrm>
+            <a:off x="6389699" y="1905000"/>
+            <a:ext cx="1569660" cy="369332"/>
+          </a:xfrm>
+          <a:prstGeom prst="rect">
+            <a:avLst/>
+          </a:prstGeom>
+          <a:noFill/>
+        </p:spPr>
+        <p:txBody>
+          <a:bodyPr wrap="none" rtlCol="0">
+            <a:spAutoFit/>
+          </a:bodyPr>
+          <a:lstStyle/>
+          <a:p>
+            <a:r>
+              <a:rPr lang="zh-CN" altLang="en-US" dirty="0" smtClean="0"/>
+              <a:t>目标网络系统</a:t>
+            </a:r>
+            <a:endParaRPr lang="zh-CN" altLang="en-US" dirty="0"/>
+          </a:p>
+        </p:txBody>
+      </p:sp>
+      <p:sp>
+        <p:nvSpPr>
+          <p:cNvPr id="25" name="TextBox 24"/>
+          <p:cNvSpPr txBox="1"/>
+          <p:nvPr/>
+        </p:nvSpPr>
+        <p:spPr>
+          <a:xfrm>
+            <a:off x="2181225" y="1402318"/>
+            <a:ext cx="1338828" cy="369332"/>
+          </a:xfrm>
+          <a:prstGeom prst="rect">
+            <a:avLst/>
+          </a:prstGeom>
+          <a:noFill/>
+        </p:spPr>
+        <p:txBody>
+          <a:bodyPr wrap="none" rtlCol="0">
+            <a:spAutoFit/>
+          </a:bodyPr>
+          <a:lstStyle/>
+          <a:p>
+            <a:r>
+              <a:rPr lang="zh-CN" altLang="en-US" dirty="0" smtClean="0"/>
+              <a:t>攻击前准备</a:t>
+            </a:r>
+            <a:endParaRPr lang="zh-CN" altLang="en-US" dirty="0"/>
+          </a:p>
+        </p:txBody>
+      </p:sp>
+      <p:sp>
+        <p:nvSpPr>
+          <p:cNvPr id="26" name="TextBox 25"/>
+          <p:cNvSpPr txBox="1"/>
+          <p:nvPr/>
+        </p:nvSpPr>
+        <p:spPr>
+          <a:xfrm>
+            <a:off x="5166047" y="1402318"/>
+            <a:ext cx="1107996" cy="369332"/>
+          </a:xfrm>
+          <a:prstGeom prst="rect">
+            <a:avLst/>
+          </a:prstGeom>
+          <a:noFill/>
+        </p:spPr>
+        <p:txBody>
+          <a:bodyPr wrap="none" rtlCol="0">
+            <a:spAutoFit/>
+          </a:bodyPr>
+          <a:lstStyle/>
+          <a:p>
+            <a:r>
+              <a:rPr lang="zh-CN" altLang="en-US" dirty="0" smtClean="0"/>
+              <a:t>攻击入侵</a:t>
+            </a:r>
+            <a:endParaRPr lang="zh-CN" altLang="en-US" dirty="0"/>
+          </a:p>
+        </p:txBody>
+      </p:sp>
+      <p:sp>
+        <p:nvSpPr>
+          <p:cNvPr id="27" name="TextBox 26"/>
+          <p:cNvSpPr txBox="1"/>
+          <p:nvPr/>
+        </p:nvSpPr>
+        <p:spPr>
+          <a:xfrm>
+            <a:off x="7920037" y="1402318"/>
+            <a:ext cx="1107996" cy="369332"/>
+          </a:xfrm>
+          <a:prstGeom prst="rect">
+            <a:avLst/>
+          </a:prstGeom>
+          <a:noFill/>
+        </p:spPr>
+        <p:txBody>
+          <a:bodyPr wrap="none" rtlCol="0">
+            <a:spAutoFit/>
+          </a:bodyPr>
+          <a:lstStyle/>
+          <a:p>
+            <a:r>
+              <a:rPr lang="zh-CN" altLang="en-US" dirty="0" smtClean="0"/>
+              <a:t>持续攻击</a:t>
+            </a:r>
+            <a:endParaRPr lang="zh-CN" altLang="en-US" dirty="0"/>
+          </a:p>
+        </p:txBody>
+      </p:sp>
+      <p:cxnSp>
+        <p:nvCxnSpPr>
+          <p:cNvPr id="29" name="肘形连接符 28"/>
+          <p:cNvCxnSpPr>
+            <a:stCxn id="8" idx="3"/>
+            <a:endCxn id="15" idx="2"/>
+          </p:cNvCxnSpPr>
+          <p:nvPr/>
+        </p:nvCxnSpPr>
+        <p:spPr>
+          <a:xfrm flipH="1">
+            <a:off x="1023575" y="2928937"/>
+            <a:ext cx="9358675" cy="765305"/>
+          </a:xfrm>
+          <a:prstGeom prst="bentConnector4">
+            <a:avLst>
+              <a:gd name="adj1" fmla="val -5496"/>
+              <a:gd name="adj2" fmla="val 266776"/>
+            </a:avLst>
+          </a:prstGeom>
+          <a:ln>
+            <a:tailEnd type="arrow"/>
+          </a:ln>
+        </p:spPr>
+        <p:style>
+          <a:lnRef idx="3">
+            <a:schemeClr val="accent5"/>
+          </a:lnRef>
+          <a:fillRef idx="0">
+            <a:schemeClr val="accent5"/>
+          </a:fillRef>
+          <a:effectRef idx="2">
+            <a:schemeClr val="accent5"/>
+          </a:effectRef>
+          <a:fontRef idx="minor">
+            <a:schemeClr val="tx1"/>
+          </a:fontRef>
+        </p:style>
+      </p:cxnSp>
+      <p:cxnSp>
+        <p:nvCxnSpPr>
+          <p:cNvPr id="36" name="肘形连接符 35"/>
+          <p:cNvCxnSpPr>
+            <a:endCxn id="17" idx="0"/>
+          </p:cNvCxnSpPr>
+          <p:nvPr/>
+        </p:nvCxnSpPr>
+        <p:spPr>
+          <a:xfrm flipV="1">
+            <a:off x="1023574" y="1809751"/>
+            <a:ext cx="6186851" cy="752472"/>
+          </a:xfrm>
+          <a:prstGeom prst="bentConnector4">
+            <a:avLst>
+              <a:gd name="adj1" fmla="val -112"/>
+              <a:gd name="adj2" fmla="val 191140"/>
+            </a:avLst>
+          </a:prstGeom>
+          <a:ln w="15875">
+            <a:prstDash val="dash"/>
+            <a:tailEnd type="arrow"/>
+          </a:ln>
+        </p:spPr>
+        <p:style>
+          <a:lnRef idx="1">
+            <a:schemeClr val="accent1"/>
+          </a:lnRef>
+          <a:fillRef idx="0">
+            <a:schemeClr val="accent1"/>
+          </a:fillRef>
+          <a:effectRef idx="0">
+            <a:schemeClr val="accent1"/>
+          </a:effectRef>
+          <a:fontRef idx="minor">
+            <a:schemeClr val="tx1"/>
+          </a:fontRef>
+        </p:style>
+      </p:cxnSp>
+      <p:sp>
+        <p:nvSpPr>
+          <p:cNvPr id="40" name="TextBox 39"/>
+          <p:cNvSpPr txBox="1"/>
+          <p:nvPr/>
+        </p:nvSpPr>
+        <p:spPr>
+          <a:xfrm>
+            <a:off x="3666092" y="762000"/>
+            <a:ext cx="902811" cy="307777"/>
+          </a:xfrm>
+          <a:prstGeom prst="rect">
+            <a:avLst/>
+          </a:prstGeom>
+          <a:noFill/>
+        </p:spPr>
+        <p:txBody>
+          <a:bodyPr wrap="none" rtlCol="0">
+            <a:spAutoFit/>
+          </a:bodyPr>
+          <a:lstStyle/>
+          <a:p>
+            <a:r>
+              <a:rPr lang="zh-CN" altLang="en-US" sz="1400" dirty="0" smtClean="0"/>
+              <a:t>后续破坏</a:t>
+            </a:r>
+            <a:endParaRPr lang="zh-CN" altLang="en-US" sz="1400" dirty="0"/>
+          </a:p>
+        </p:txBody>
+      </p:sp>
+    </p:spTree>
+    <p:extLst>
+      <p:ext uri="{BB962C8B-B14F-4D97-AF65-F5344CB8AC3E}">
+        <p14:creationId xmlns:p14="http://schemas.microsoft.com/office/powerpoint/2010/main" val="373829207"/>
       </p:ext>
     </p:extLst>
   </p:cSld>
@@ -27161,7 +28257,7 @@
   <a:extraClrSchemeLst/>
   <a:extLst>
     <a:ext uri="{05A4C25C-085E-4340-85A3-A5531E510DB2}">
-      <thm15:themeFamily xmlns="" xmlns:thm15="http://schemas.microsoft.com/office/thememl/2012/main" name="Office Theme" id="{62F939B6-93AF-4DB8-9C6B-D6C7DFDC589F}" vid="{4A3C46E8-61CC-4603-A589-7422A47A8E4A}"/>
+      <thm15:themeFamily xmlns:thm15="http://schemas.microsoft.com/office/thememl/2012/main" xmlns="" name="Office Theme" id="{62F939B6-93AF-4DB8-9C6B-D6C7DFDC589F}" vid="{4A3C46E8-61CC-4603-A589-7422A47A8E4A}"/>
     </a:ext>
   </a:extLst>
 </a:theme>

--- a/images/2022/画图.pptx
+++ b/images/2022/画图.pptx
@@ -19,6 +19,7 @@
     <p:sldId id="267" r:id="rId13"/>
     <p:sldId id="268" r:id="rId14"/>
     <p:sldId id="269" r:id="rId15"/>
+    <p:sldId id="270" r:id="rId16"/>
   </p:sldIdLst>
   <p:sldSz cx="12192000" cy="6858000"/>
   <p:notesSz cx="6858000" cy="9144000"/>
@@ -953,43 +954,6 @@
         </a:p>
       </dgm:t>
     </dgm:pt>
-    <dgm:pt modelId="{A0AECF08-A33B-4698-83D3-C8AB9E35E975}">
-      <dgm:prSet phldrT="[文本]" custT="1"/>
-      <dgm:spPr/>
-      <dgm:t>
-        <a:bodyPr/>
-        <a:lstStyle/>
-        <a:p>
-          <a:r>
-            <a:rPr lang="zh-CN" altLang="en-US" sz="1200" b="1" dirty="0" smtClean="0"/>
-            <a:t>加密机制</a:t>
-          </a:r>
-          <a:endParaRPr lang="zh-CN" altLang="en-US" sz="1200" b="1" dirty="0"/>
-        </a:p>
-      </dgm:t>
-    </dgm:pt>
-    <dgm:pt modelId="{5BA72ED7-D309-4A36-B438-F9438C785AC1}" type="parTrans" cxnId="{C02D9120-442D-4E3C-8773-206FB1182C2C}">
-      <dgm:prSet/>
-      <dgm:spPr/>
-      <dgm:t>
-        <a:bodyPr/>
-        <a:lstStyle/>
-        <a:p>
-          <a:endParaRPr lang="zh-CN" altLang="en-US"/>
-        </a:p>
-      </dgm:t>
-    </dgm:pt>
-    <dgm:pt modelId="{CCC9B8EE-347E-4D01-BDAF-184E7638C85B}" type="sibTrans" cxnId="{C02D9120-442D-4E3C-8773-206FB1182C2C}">
-      <dgm:prSet/>
-      <dgm:spPr/>
-      <dgm:t>
-        <a:bodyPr/>
-        <a:lstStyle/>
-        <a:p>
-          <a:endParaRPr lang="zh-CN" altLang="en-US"/>
-        </a:p>
-      </dgm:t>
-    </dgm:pt>
     <dgm:pt modelId="{39B3B994-19FD-457D-90EB-F594C936F4AA}">
       <dgm:prSet phldrT="[文本]"/>
       <dgm:spPr/>
@@ -1128,191 +1092,6 @@
       </dgm:t>
     </dgm:pt>
     <dgm:pt modelId="{23184392-808F-4963-919E-65F14CA1AE60}" type="sibTrans" cxnId="{318A16B5-14B3-4BB9-BA7F-A53C083AB558}">
-      <dgm:prSet/>
-      <dgm:spPr/>
-      <dgm:t>
-        <a:bodyPr/>
-        <a:lstStyle/>
-        <a:p>
-          <a:endParaRPr lang="zh-CN" altLang="en-US"/>
-        </a:p>
-      </dgm:t>
-    </dgm:pt>
-    <dgm:pt modelId="{746C54E0-94AE-4DD7-8B04-C72F1AC09718}">
-      <dgm:prSet phldrT="[文本]" custT="1"/>
-      <dgm:spPr/>
-      <dgm:t>
-        <a:bodyPr/>
-        <a:lstStyle/>
-        <a:p>
-          <a:r>
-            <a:rPr lang="zh-CN" altLang="en-US" sz="1200" b="1" dirty="0" smtClean="0"/>
-            <a:t>数字签名机制</a:t>
-          </a:r>
-          <a:endParaRPr lang="zh-CN" altLang="en-US" sz="1200" b="1" dirty="0"/>
-        </a:p>
-      </dgm:t>
-    </dgm:pt>
-    <dgm:pt modelId="{40D157E1-2A34-4237-BF9B-8D000FF1BDAB}" type="parTrans" cxnId="{6C82742D-4A8F-40F1-A30E-F073701895FE}">
-      <dgm:prSet/>
-      <dgm:spPr/>
-      <dgm:t>
-        <a:bodyPr/>
-        <a:lstStyle/>
-        <a:p>
-          <a:endParaRPr lang="zh-CN" altLang="en-US"/>
-        </a:p>
-      </dgm:t>
-    </dgm:pt>
-    <dgm:pt modelId="{913E6915-E734-4890-B59F-20BDE7BFB86A}" type="sibTrans" cxnId="{6C82742D-4A8F-40F1-A30E-F073701895FE}">
-      <dgm:prSet/>
-      <dgm:spPr/>
-      <dgm:t>
-        <a:bodyPr/>
-        <a:lstStyle/>
-        <a:p>
-          <a:endParaRPr lang="zh-CN" altLang="en-US"/>
-        </a:p>
-      </dgm:t>
-    </dgm:pt>
-    <dgm:pt modelId="{1B926921-8715-4409-A437-285F4838ED1C}">
-      <dgm:prSet phldrT="[文本]" custT="1"/>
-      <dgm:spPr/>
-      <dgm:t>
-        <a:bodyPr/>
-        <a:lstStyle/>
-        <a:p>
-          <a:r>
-            <a:rPr lang="zh-CN" altLang="en-US" sz="1200" b="1" dirty="0" smtClean="0"/>
-            <a:t>访问控制机制</a:t>
-          </a:r>
-          <a:endParaRPr lang="zh-CN" altLang="en-US" sz="1200" b="1" dirty="0"/>
-        </a:p>
-      </dgm:t>
-    </dgm:pt>
-    <dgm:pt modelId="{500712EF-961F-4493-AEA7-90ED063A7E01}" type="parTrans" cxnId="{EF31B31F-E32D-4408-BF96-C442FFEBC970}">
-      <dgm:prSet/>
-      <dgm:spPr/>
-      <dgm:t>
-        <a:bodyPr/>
-        <a:lstStyle/>
-        <a:p>
-          <a:endParaRPr lang="zh-CN" altLang="en-US"/>
-        </a:p>
-      </dgm:t>
-    </dgm:pt>
-    <dgm:pt modelId="{71303853-83D5-4500-AEF1-073D25504147}" type="sibTrans" cxnId="{EF31B31F-E32D-4408-BF96-C442FFEBC970}">
-      <dgm:prSet/>
-      <dgm:spPr/>
-      <dgm:t>
-        <a:bodyPr/>
-        <a:lstStyle/>
-        <a:p>
-          <a:endParaRPr lang="zh-CN" altLang="en-US"/>
-        </a:p>
-      </dgm:t>
-    </dgm:pt>
-    <dgm:pt modelId="{3B72E387-9AB5-4F8E-AB6A-0B84CB196C46}">
-      <dgm:prSet phldrT="[文本]" custT="1"/>
-      <dgm:spPr/>
-      <dgm:t>
-        <a:bodyPr/>
-        <a:lstStyle/>
-        <a:p>
-          <a:r>
-            <a:rPr lang="zh-CN" altLang="en-US" sz="1200" b="1" dirty="0" smtClean="0"/>
-            <a:t>认证机制</a:t>
-          </a:r>
-          <a:endParaRPr lang="zh-CN" altLang="en-US" sz="1200" b="1" dirty="0"/>
-        </a:p>
-      </dgm:t>
-    </dgm:pt>
-    <dgm:pt modelId="{D11BA3D5-21F5-4E02-8502-B741CB9366F0}" type="parTrans" cxnId="{7E8BF705-304A-41E8-84C4-0A59ED2871D2}">
-      <dgm:prSet/>
-      <dgm:spPr/>
-      <dgm:t>
-        <a:bodyPr/>
-        <a:lstStyle/>
-        <a:p>
-          <a:endParaRPr lang="zh-CN" altLang="en-US"/>
-        </a:p>
-      </dgm:t>
-    </dgm:pt>
-    <dgm:pt modelId="{40D5C11A-2B7F-4348-AB48-9876E818C41B}" type="sibTrans" cxnId="{7E8BF705-304A-41E8-84C4-0A59ED2871D2}">
-      <dgm:prSet/>
-      <dgm:spPr/>
-      <dgm:t>
-        <a:bodyPr/>
-        <a:lstStyle/>
-        <a:p>
-          <a:endParaRPr lang="zh-CN" altLang="en-US"/>
-        </a:p>
-      </dgm:t>
-    </dgm:pt>
-    <dgm:pt modelId="{42507583-77FC-4133-85B7-B210FD2264A0}">
-      <dgm:prSet phldrT="[文本]" custT="1"/>
-      <dgm:spPr/>
-      <dgm:t>
-        <a:bodyPr/>
-        <a:lstStyle/>
-        <a:p>
-          <a:r>
-            <a:rPr lang="zh-CN" altLang="en-US" sz="1200" b="1" dirty="0" smtClean="0"/>
-            <a:t>信息隐藏</a:t>
-          </a:r>
-          <a:endParaRPr lang="zh-CN" altLang="en-US" sz="1200" b="1" dirty="0"/>
-        </a:p>
-      </dgm:t>
-    </dgm:pt>
-    <dgm:pt modelId="{050645A3-5D2C-4E5F-B807-05F220BB10FA}" type="parTrans" cxnId="{2D07DEB6-908A-44F4-AD81-707992246A5C}">
-      <dgm:prSet/>
-      <dgm:spPr/>
-      <dgm:t>
-        <a:bodyPr/>
-        <a:lstStyle/>
-        <a:p>
-          <a:endParaRPr lang="zh-CN" altLang="en-US"/>
-        </a:p>
-      </dgm:t>
-    </dgm:pt>
-    <dgm:pt modelId="{DCC4CB68-C1E9-4852-A7D6-E0B5CEF25E7D}" type="sibTrans" cxnId="{2D07DEB6-908A-44F4-AD81-707992246A5C}">
-      <dgm:prSet/>
-      <dgm:spPr/>
-      <dgm:t>
-        <a:bodyPr/>
-        <a:lstStyle/>
-        <a:p>
-          <a:endParaRPr lang="zh-CN" altLang="en-US"/>
-        </a:p>
-      </dgm:t>
-    </dgm:pt>
-    <dgm:pt modelId="{CF5DD2DF-D459-4071-9E33-D7D00F8ED28A}">
-      <dgm:prSet phldrT="[文本]" custT="1"/>
-      <dgm:spPr/>
-      <dgm:t>
-        <a:bodyPr/>
-        <a:lstStyle/>
-        <a:p>
-          <a:r>
-            <a:rPr lang="zh-CN" altLang="en-US" sz="1200" b="1" dirty="0" smtClean="0"/>
-            <a:t>防火墙技术</a:t>
-          </a:r>
-          <a:endParaRPr lang="zh-CN" altLang="en-US" sz="1200" b="1" dirty="0"/>
-        </a:p>
-      </dgm:t>
-    </dgm:pt>
-    <dgm:pt modelId="{18D22EDC-AA76-49D7-BED1-90E7C295CFAE}" type="parTrans" cxnId="{36C3915B-F7A0-4F81-8260-4B6A383AB7C8}">
-      <dgm:prSet/>
-      <dgm:spPr/>
-      <dgm:t>
-        <a:bodyPr/>
-        <a:lstStyle/>
-        <a:p>
-          <a:endParaRPr lang="zh-CN" altLang="en-US"/>
-        </a:p>
-      </dgm:t>
-    </dgm:pt>
-    <dgm:pt modelId="{D695EFD9-6AD1-4697-A91E-97C89F48A615}" type="sibTrans" cxnId="{36C3915B-F7A0-4F81-8260-4B6A383AB7C8}">
       <dgm:prSet/>
       <dgm:spPr/>
       <dgm:t>
@@ -1730,6 +1509,228 @@
         </a:p>
       </dgm:t>
     </dgm:pt>
+    <dgm:pt modelId="{CF5DD2DF-D459-4071-9E33-D7D00F8ED28A}">
+      <dgm:prSet phldrT="[文本]" custT="1"/>
+      <dgm:spPr/>
+      <dgm:t>
+        <a:bodyPr/>
+        <a:lstStyle/>
+        <a:p>
+          <a:r>
+            <a:rPr lang="zh-CN" altLang="en-US" sz="1200" b="1" dirty="0" smtClean="0"/>
+            <a:t>防火墙技术</a:t>
+          </a:r>
+          <a:endParaRPr lang="zh-CN" altLang="en-US" sz="1200" b="1" dirty="0"/>
+        </a:p>
+      </dgm:t>
+    </dgm:pt>
+    <dgm:pt modelId="{D695EFD9-6AD1-4697-A91E-97C89F48A615}" type="sibTrans" cxnId="{36C3915B-F7A0-4F81-8260-4B6A383AB7C8}">
+      <dgm:prSet/>
+      <dgm:spPr/>
+      <dgm:t>
+        <a:bodyPr/>
+        <a:lstStyle/>
+        <a:p>
+          <a:endParaRPr lang="zh-CN" altLang="en-US"/>
+        </a:p>
+      </dgm:t>
+    </dgm:pt>
+    <dgm:pt modelId="{18D22EDC-AA76-49D7-BED1-90E7C295CFAE}" type="parTrans" cxnId="{36C3915B-F7A0-4F81-8260-4B6A383AB7C8}">
+      <dgm:prSet/>
+      <dgm:spPr/>
+      <dgm:t>
+        <a:bodyPr/>
+        <a:lstStyle/>
+        <a:p>
+          <a:endParaRPr lang="zh-CN" altLang="en-US"/>
+        </a:p>
+      </dgm:t>
+    </dgm:pt>
+    <dgm:pt modelId="{42507583-77FC-4133-85B7-B210FD2264A0}">
+      <dgm:prSet phldrT="[文本]" custT="1"/>
+      <dgm:spPr/>
+      <dgm:t>
+        <a:bodyPr/>
+        <a:lstStyle/>
+        <a:p>
+          <a:r>
+            <a:rPr lang="zh-CN" altLang="en-US" sz="1200" b="1" dirty="0" smtClean="0"/>
+            <a:t>信息隐藏</a:t>
+          </a:r>
+          <a:endParaRPr lang="zh-CN" altLang="en-US" sz="1200" b="1" dirty="0"/>
+        </a:p>
+      </dgm:t>
+    </dgm:pt>
+    <dgm:pt modelId="{DCC4CB68-C1E9-4852-A7D6-E0B5CEF25E7D}" type="sibTrans" cxnId="{2D07DEB6-908A-44F4-AD81-707992246A5C}">
+      <dgm:prSet/>
+      <dgm:spPr/>
+      <dgm:t>
+        <a:bodyPr/>
+        <a:lstStyle/>
+        <a:p>
+          <a:endParaRPr lang="zh-CN" altLang="en-US"/>
+        </a:p>
+      </dgm:t>
+    </dgm:pt>
+    <dgm:pt modelId="{050645A3-5D2C-4E5F-B807-05F220BB10FA}" type="parTrans" cxnId="{2D07DEB6-908A-44F4-AD81-707992246A5C}">
+      <dgm:prSet/>
+      <dgm:spPr/>
+      <dgm:t>
+        <a:bodyPr/>
+        <a:lstStyle/>
+        <a:p>
+          <a:endParaRPr lang="zh-CN" altLang="en-US"/>
+        </a:p>
+      </dgm:t>
+    </dgm:pt>
+    <dgm:pt modelId="{3B72E387-9AB5-4F8E-AB6A-0B84CB196C46}">
+      <dgm:prSet phldrT="[文本]" custT="1"/>
+      <dgm:spPr/>
+      <dgm:t>
+        <a:bodyPr/>
+        <a:lstStyle/>
+        <a:p>
+          <a:r>
+            <a:rPr lang="zh-CN" altLang="en-US" sz="1200" b="1" dirty="0" smtClean="0"/>
+            <a:t>认证机制</a:t>
+          </a:r>
+          <a:endParaRPr lang="zh-CN" altLang="en-US" sz="1200" b="1" dirty="0"/>
+        </a:p>
+      </dgm:t>
+    </dgm:pt>
+    <dgm:pt modelId="{40D5C11A-2B7F-4348-AB48-9876E818C41B}" type="sibTrans" cxnId="{7E8BF705-304A-41E8-84C4-0A59ED2871D2}">
+      <dgm:prSet/>
+      <dgm:spPr/>
+      <dgm:t>
+        <a:bodyPr/>
+        <a:lstStyle/>
+        <a:p>
+          <a:endParaRPr lang="zh-CN" altLang="en-US"/>
+        </a:p>
+      </dgm:t>
+    </dgm:pt>
+    <dgm:pt modelId="{D11BA3D5-21F5-4E02-8502-B741CB9366F0}" type="parTrans" cxnId="{7E8BF705-304A-41E8-84C4-0A59ED2871D2}">
+      <dgm:prSet/>
+      <dgm:spPr/>
+      <dgm:t>
+        <a:bodyPr/>
+        <a:lstStyle/>
+        <a:p>
+          <a:endParaRPr lang="zh-CN" altLang="en-US"/>
+        </a:p>
+      </dgm:t>
+    </dgm:pt>
+    <dgm:pt modelId="{1B926921-8715-4409-A437-285F4838ED1C}">
+      <dgm:prSet phldrT="[文本]" custT="1"/>
+      <dgm:spPr/>
+      <dgm:t>
+        <a:bodyPr/>
+        <a:lstStyle/>
+        <a:p>
+          <a:r>
+            <a:rPr lang="zh-CN" altLang="en-US" sz="1200" b="1" dirty="0" smtClean="0"/>
+            <a:t>访问控制机制</a:t>
+          </a:r>
+          <a:endParaRPr lang="zh-CN" altLang="en-US" sz="1200" b="1" dirty="0"/>
+        </a:p>
+      </dgm:t>
+    </dgm:pt>
+    <dgm:pt modelId="{71303853-83D5-4500-AEF1-073D25504147}" type="sibTrans" cxnId="{EF31B31F-E32D-4408-BF96-C442FFEBC970}">
+      <dgm:prSet/>
+      <dgm:spPr/>
+      <dgm:t>
+        <a:bodyPr/>
+        <a:lstStyle/>
+        <a:p>
+          <a:endParaRPr lang="zh-CN" altLang="en-US"/>
+        </a:p>
+      </dgm:t>
+    </dgm:pt>
+    <dgm:pt modelId="{500712EF-961F-4493-AEA7-90ED063A7E01}" type="parTrans" cxnId="{EF31B31F-E32D-4408-BF96-C442FFEBC970}">
+      <dgm:prSet/>
+      <dgm:spPr/>
+      <dgm:t>
+        <a:bodyPr/>
+        <a:lstStyle/>
+        <a:p>
+          <a:endParaRPr lang="zh-CN" altLang="en-US"/>
+        </a:p>
+      </dgm:t>
+    </dgm:pt>
+    <dgm:pt modelId="{746C54E0-94AE-4DD7-8B04-C72F1AC09718}">
+      <dgm:prSet phldrT="[文本]" custT="1"/>
+      <dgm:spPr/>
+      <dgm:t>
+        <a:bodyPr/>
+        <a:lstStyle/>
+        <a:p>
+          <a:r>
+            <a:rPr lang="zh-CN" altLang="en-US" sz="1200" b="1" dirty="0" smtClean="0"/>
+            <a:t>数字签名机制</a:t>
+          </a:r>
+          <a:endParaRPr lang="zh-CN" altLang="en-US" sz="1200" b="1" dirty="0"/>
+        </a:p>
+      </dgm:t>
+    </dgm:pt>
+    <dgm:pt modelId="{913E6915-E734-4890-B59F-20BDE7BFB86A}" type="sibTrans" cxnId="{6C82742D-4A8F-40F1-A30E-F073701895FE}">
+      <dgm:prSet/>
+      <dgm:spPr/>
+      <dgm:t>
+        <a:bodyPr/>
+        <a:lstStyle/>
+        <a:p>
+          <a:endParaRPr lang="zh-CN" altLang="en-US"/>
+        </a:p>
+      </dgm:t>
+    </dgm:pt>
+    <dgm:pt modelId="{40D157E1-2A34-4237-BF9B-8D000FF1BDAB}" type="parTrans" cxnId="{6C82742D-4A8F-40F1-A30E-F073701895FE}">
+      <dgm:prSet/>
+      <dgm:spPr/>
+      <dgm:t>
+        <a:bodyPr/>
+        <a:lstStyle/>
+        <a:p>
+          <a:endParaRPr lang="zh-CN" altLang="en-US"/>
+        </a:p>
+      </dgm:t>
+    </dgm:pt>
+    <dgm:pt modelId="{A0AECF08-A33B-4698-83D3-C8AB9E35E975}">
+      <dgm:prSet phldrT="[文本]" custT="1"/>
+      <dgm:spPr/>
+      <dgm:t>
+        <a:bodyPr/>
+        <a:lstStyle/>
+        <a:p>
+          <a:r>
+            <a:rPr lang="zh-CN" altLang="en-US" sz="1200" b="1" dirty="0" smtClean="0"/>
+            <a:t>加密机制</a:t>
+          </a:r>
+          <a:endParaRPr lang="zh-CN" altLang="en-US" sz="1200" b="1" dirty="0"/>
+        </a:p>
+      </dgm:t>
+    </dgm:pt>
+    <dgm:pt modelId="{CCC9B8EE-347E-4D01-BDAF-184E7638C85B}" type="sibTrans" cxnId="{C02D9120-442D-4E3C-8773-206FB1182C2C}">
+      <dgm:prSet/>
+      <dgm:spPr/>
+      <dgm:t>
+        <a:bodyPr/>
+        <a:lstStyle/>
+        <a:p>
+          <a:endParaRPr lang="zh-CN" altLang="en-US"/>
+        </a:p>
+      </dgm:t>
+    </dgm:pt>
+    <dgm:pt modelId="{5BA72ED7-D309-4A36-B438-F9438C785AC1}" type="parTrans" cxnId="{C02D9120-442D-4E3C-8773-206FB1182C2C}">
+      <dgm:prSet/>
+      <dgm:spPr/>
+      <dgm:t>
+        <a:bodyPr/>
+        <a:lstStyle/>
+        <a:p>
+          <a:endParaRPr lang="zh-CN" altLang="en-US"/>
+        </a:p>
+      </dgm:t>
+    </dgm:pt>
     <dgm:pt modelId="{35A7A3B6-2C27-4AEB-885C-C192B01C6E5D}" type="pres">
       <dgm:prSet presAssocID="{9CE0DD49-B258-4698-97E8-8884D4156E6D}" presName="cycleMatrixDiagram" presStyleCnt="0">
         <dgm:presLayoutVars>
@@ -1951,6 +1952,13 @@
     <dgm:pt modelId="{ED9E1CFE-5F13-416E-9D3D-52F274427A0B}" type="pres">
       <dgm:prSet presAssocID="{9CE0DD49-B258-4698-97E8-8884D4156E6D}" presName="center1" presStyleLbl="fgShp" presStyleIdx="0" presStyleCnt="2" custScaleX="177156" custScaleY="177156" custLinFactNeighborX="-1996" custLinFactNeighborY="-16072"/>
       <dgm:spPr/>
+      <dgm:t>
+        <a:bodyPr/>
+        <a:lstStyle/>
+        <a:p>
+          <a:endParaRPr lang="zh-CN" altLang="en-US"/>
+        </a:p>
+      </dgm:t>
     </dgm:pt>
     <dgm:pt modelId="{040D4516-71A2-4D50-BE5C-31DE1B858BCF}" type="pres">
       <dgm:prSet presAssocID="{9CE0DD49-B258-4698-97E8-8884D4156E6D}" presName="center2" presStyleLbl="fgShp" presStyleIdx="1" presStyleCnt="2" custScaleX="177156" custScaleY="177156" custLinFactNeighborX="-1996" custLinFactNeighborY="6888"/>
@@ -1990,12 +1998,12 @@
     <dgm:cxn modelId="{8DF4777A-49B4-4178-9D7E-64FA4FCE6E94}" type="presOf" srcId="{CF5DD2DF-D459-4071-9E33-D7D00F8ED28A}" destId="{03A6D777-F715-4429-959C-008B1575628E}" srcOrd="0" destOrd="5" presId="urn:microsoft.com/office/officeart/2005/8/layout/cycle4"/>
     <dgm:cxn modelId="{E521DF4C-C884-4171-8393-4770DD7FD373}" type="presOf" srcId="{B9F21A45-BABA-444A-9E3B-CADD87819CF8}" destId="{6A9916F7-EC46-4744-B146-333D37987245}" srcOrd="1" destOrd="2" presId="urn:microsoft.com/office/officeart/2005/8/layout/cycle4"/>
     <dgm:cxn modelId="{1470EA66-87F8-44A1-B918-A65A7BF0187D}" type="presOf" srcId="{B442EE55-26EE-4A01-B8F3-F8A04BA5BA26}" destId="{9765A068-B6E2-4886-A5FB-50A995921477}" srcOrd="1" destOrd="0" presId="urn:microsoft.com/office/officeart/2005/8/layout/cycle4"/>
+    <dgm:cxn modelId="{C18F312A-786D-49D1-BFB3-9273CC4FB13B}" type="presOf" srcId="{561E45B8-E2C5-4FBB-85D5-382D0E7F05C5}" destId="{6A9916F7-EC46-4744-B146-333D37987245}" srcOrd="1" destOrd="3" presId="urn:microsoft.com/office/officeart/2005/8/layout/cycle4"/>
     <dgm:cxn modelId="{30CEA41C-5395-4D79-A49F-DD602709794C}" type="presOf" srcId="{A0AECF08-A33B-4698-83D3-C8AB9E35E975}" destId="{03A6D777-F715-4429-959C-008B1575628E}" srcOrd="0" destOrd="0" presId="urn:microsoft.com/office/officeart/2005/8/layout/cycle4"/>
-    <dgm:cxn modelId="{C18F312A-786D-49D1-BFB3-9273CC4FB13B}" type="presOf" srcId="{561E45B8-E2C5-4FBB-85D5-382D0E7F05C5}" destId="{6A9916F7-EC46-4744-B146-333D37987245}" srcOrd="1" destOrd="3" presId="urn:microsoft.com/office/officeart/2005/8/layout/cycle4"/>
     <dgm:cxn modelId="{92852AFB-12EC-4052-9A67-F8E0C3A45297}" srcId="{39B3B994-19FD-457D-90EB-F594C936F4AA}" destId="{1A4E13EE-3203-47B9-B4DB-BFE54EFED129}" srcOrd="2" destOrd="0" parTransId="{1ADF7EDD-349A-49E8-9FCB-9616864D887B}" sibTransId="{B3424704-1ED4-4AFA-AC5C-F5604621D557}"/>
     <dgm:cxn modelId="{0CCD7EA3-91CB-4FE2-9B84-C493794DF144}" type="presOf" srcId="{9CE0DD49-B258-4698-97E8-8884D4156E6D}" destId="{35A7A3B6-2C27-4AEB-885C-C192B01C6E5D}" srcOrd="0" destOrd="0" presId="urn:microsoft.com/office/officeart/2005/8/layout/cycle4"/>
+    <dgm:cxn modelId="{6C82742D-4A8F-40F1-A30E-F073701895FE}" srcId="{3B794E37-F29C-4E9D-A892-C01A376D541E}" destId="{746C54E0-94AE-4DD7-8B04-C72F1AC09718}" srcOrd="1" destOrd="0" parTransId="{40D157E1-2A34-4237-BF9B-8D000FF1BDAB}" sibTransId="{913E6915-E734-4890-B59F-20BDE7BFB86A}"/>
     <dgm:cxn modelId="{318A16B5-14B3-4BB9-BA7F-A53C083AB558}" srcId="{9CE0DD49-B258-4698-97E8-8884D4156E6D}" destId="{F87E6CB3-726B-47F6-A760-F8B056853B1F}" srcOrd="3" destOrd="0" parTransId="{83E690FB-8775-4138-B380-5FEB721671D3}" sibTransId="{23184392-808F-4963-919E-65F14CA1AE60}"/>
-    <dgm:cxn modelId="{6C82742D-4A8F-40F1-A30E-F073701895FE}" srcId="{3B794E37-F29C-4E9D-A892-C01A376D541E}" destId="{746C54E0-94AE-4DD7-8B04-C72F1AC09718}" srcOrd="1" destOrd="0" parTransId="{40D157E1-2A34-4237-BF9B-8D000FF1BDAB}" sibTransId="{913E6915-E734-4890-B59F-20BDE7BFB86A}"/>
     <dgm:cxn modelId="{158F5146-35FB-4048-BA05-2DCB83E83A4B}" type="presOf" srcId="{A0AECF08-A33B-4698-83D3-C8AB9E35E975}" destId="{DB786DFE-ED05-40ED-97DA-C95194C0F3B2}" srcOrd="1" destOrd="0" presId="urn:microsoft.com/office/officeart/2005/8/layout/cycle4"/>
     <dgm:cxn modelId="{35800C5F-B55B-44A5-B822-EBBB1006C6E2}" srcId="{F87E6CB3-726B-47F6-A760-F8B056853B1F}" destId="{BEE3D3E8-D59B-4A50-AF07-C7A92764FD35}" srcOrd="2" destOrd="0" parTransId="{5AC76511-2BE8-4CBB-872C-F01387B5F46A}" sibTransId="{4B75DFD8-3A73-4F35-8316-4A162A260278}"/>
     <dgm:cxn modelId="{AC076BA0-9E8C-41D4-B1DF-1279FF64311D}" type="presOf" srcId="{1B926921-8715-4409-A437-285F4838ED1C}" destId="{03A6D777-F715-4429-959C-008B1575628E}" srcOrd="0" destOrd="2" presId="urn:microsoft.com/office/officeart/2005/8/layout/cycle4"/>
@@ -2003,8 +2011,8 @@
     <dgm:cxn modelId="{0AE2047A-8529-4CD6-ADB5-5B371ED94572}" srcId="{9CDD0D67-D176-49F1-BE17-0C92310A6056}" destId="{561E45B8-E2C5-4FBB-85D5-382D0E7F05C5}" srcOrd="3" destOrd="0" parTransId="{809CBA6B-2B8A-4280-8820-7E89BE63BF67}" sibTransId="{3465C9BB-5049-4F2F-B854-7E4DD942FAD9}"/>
     <dgm:cxn modelId="{D0B0BED8-4E9C-430B-B02A-DF9494388897}" type="presOf" srcId="{1A4E13EE-3203-47B9-B4DB-BFE54EFED129}" destId="{30F4F4AF-0D50-486B-882A-85E925A956CD}" srcOrd="0" destOrd="2" presId="urn:microsoft.com/office/officeart/2005/8/layout/cycle4"/>
     <dgm:cxn modelId="{B2771743-050E-4A46-AF1A-E0424C3366CF}" srcId="{39B3B994-19FD-457D-90EB-F594C936F4AA}" destId="{1663A9A1-7EE9-416A-A8E4-505549A2A52E}" srcOrd="1" destOrd="0" parTransId="{6C617B3F-113C-427A-B3B1-DA3B4CFEFB95}" sibTransId="{90758382-D9E7-45BF-ABB9-CE667C608318}"/>
+    <dgm:cxn modelId="{D3F9959A-C305-46C5-9060-E1EB2132AC0E}" type="presOf" srcId="{E1F0516F-1BFE-47DB-9CF7-48D0C05ED9A2}" destId="{C32B0322-0916-46B3-B0C2-5FBAFA11B257}" srcOrd="1" destOrd="1" presId="urn:microsoft.com/office/officeart/2005/8/layout/cycle4"/>
     <dgm:cxn modelId="{1424C470-3D0E-4D2D-8014-CA0F85172072}" type="presOf" srcId="{3B72E387-9AB5-4F8E-AB6A-0B84CB196C46}" destId="{DB786DFE-ED05-40ED-97DA-C95194C0F3B2}" srcOrd="1" destOrd="3" presId="urn:microsoft.com/office/officeart/2005/8/layout/cycle4"/>
-    <dgm:cxn modelId="{D3F9959A-C305-46C5-9060-E1EB2132AC0E}" type="presOf" srcId="{E1F0516F-1BFE-47DB-9CF7-48D0C05ED9A2}" destId="{C32B0322-0916-46B3-B0C2-5FBAFA11B257}" srcOrd="1" destOrd="1" presId="urn:microsoft.com/office/officeart/2005/8/layout/cycle4"/>
     <dgm:cxn modelId="{6ADEF71F-E495-4E03-95EA-F18B0B612DE3}" type="presOf" srcId="{E1F0516F-1BFE-47DB-9CF7-48D0C05ED9A2}" destId="{51AD0882-8434-46C9-B2A6-B650C0F9FDA7}" srcOrd="0" destOrd="1" presId="urn:microsoft.com/office/officeart/2005/8/layout/cycle4"/>
     <dgm:cxn modelId="{85BDF215-580E-4FFE-89E7-2117650DDB74}" type="presOf" srcId="{37AF6F44-F243-4AAC-A473-73112A483467}" destId="{947A0687-3B8B-457F-B6A6-C63743A42B84}" srcOrd="0" destOrd="4" presId="urn:microsoft.com/office/officeart/2005/8/layout/cycle4"/>
     <dgm:cxn modelId="{50928EE5-82C2-42C9-AD45-3030BADC8C28}" type="presOf" srcId="{D729AC25-CED3-4F2E-B5F9-CA12AE1B5B5B}" destId="{6A9916F7-EC46-4744-B146-333D37987245}" srcOrd="1" destOrd="1" presId="urn:microsoft.com/office/officeart/2005/8/layout/cycle4"/>
@@ -2012,8 +2020,8 @@
     <dgm:cxn modelId="{76B6B2CB-D687-49D8-A3B9-6A74B2E164EA}" type="presOf" srcId="{42507583-77FC-4133-85B7-B210FD2264A0}" destId="{03A6D777-F715-4429-959C-008B1575628E}" srcOrd="0" destOrd="4" presId="urn:microsoft.com/office/officeart/2005/8/layout/cycle4"/>
     <dgm:cxn modelId="{2D07DEB6-908A-44F4-AD81-707992246A5C}" srcId="{3B794E37-F29C-4E9D-A892-C01A376D541E}" destId="{42507583-77FC-4133-85B7-B210FD2264A0}" srcOrd="4" destOrd="0" parTransId="{050645A3-5D2C-4E5F-B807-05F220BB10FA}" sibTransId="{DCC4CB68-C1E9-4852-A7D6-E0B5CEF25E7D}"/>
     <dgm:cxn modelId="{AC29CAC2-EFA5-455D-B15F-33B21875E77C}" type="presOf" srcId="{BEE3D3E8-D59B-4A50-AF07-C7A92764FD35}" destId="{C32B0322-0916-46B3-B0C2-5FBAFA11B257}" srcOrd="1" destOrd="2" presId="urn:microsoft.com/office/officeart/2005/8/layout/cycle4"/>
+    <dgm:cxn modelId="{D441D9C9-3F8A-4E22-A327-4BA62AACA754}" type="presOf" srcId="{1A4E13EE-3203-47B9-B4DB-BFE54EFED129}" destId="{9765A068-B6E2-4886-A5FB-50A995921477}" srcOrd="1" destOrd="2" presId="urn:microsoft.com/office/officeart/2005/8/layout/cycle4"/>
     <dgm:cxn modelId="{A625003E-F78A-45D2-94F7-7EB7E1DB9796}" type="presOf" srcId="{746C54E0-94AE-4DD7-8B04-C72F1AC09718}" destId="{DB786DFE-ED05-40ED-97DA-C95194C0F3B2}" srcOrd="1" destOrd="1" presId="urn:microsoft.com/office/officeart/2005/8/layout/cycle4"/>
-    <dgm:cxn modelId="{D441D9C9-3F8A-4E22-A327-4BA62AACA754}" type="presOf" srcId="{1A4E13EE-3203-47B9-B4DB-BFE54EFED129}" destId="{9765A068-B6E2-4886-A5FB-50A995921477}" srcOrd="1" destOrd="2" presId="urn:microsoft.com/office/officeart/2005/8/layout/cycle4"/>
     <dgm:cxn modelId="{666E89B3-7895-485E-A012-1E8125CE12F9}" type="presOf" srcId="{1663A9A1-7EE9-416A-A8E4-505549A2A52E}" destId="{30F4F4AF-0D50-486B-882A-85E925A956CD}" srcOrd="0" destOrd="1" presId="urn:microsoft.com/office/officeart/2005/8/layout/cycle4"/>
     <dgm:cxn modelId="{63CA0D5F-AEA0-471F-98A9-7076F5AB9083}" type="presOf" srcId="{746C54E0-94AE-4DD7-8B04-C72F1AC09718}" destId="{03A6D777-F715-4429-959C-008B1575628E}" srcOrd="0" destOrd="1" presId="urn:microsoft.com/office/officeart/2005/8/layout/cycle4"/>
     <dgm:cxn modelId="{5359D48B-1735-409D-9B59-2363A8F4A21F}" type="presOf" srcId="{1B926921-8715-4409-A437-285F4838ED1C}" destId="{DB786DFE-ED05-40ED-97DA-C95194C0F3B2}" srcOrd="1" destOrd="2" presId="urn:microsoft.com/office/officeart/2005/8/layout/cycle4"/>
@@ -4952,7 +4960,7 @@
           <a:p>
             <a:fld id="{D997B5FA-0921-464F-AAE1-844C04324D75}" type="datetimeFigureOut">
               <a:rPr lang="zh-CN" altLang="en-US" smtClean="0"/>
-              <a:t>2022/4/2</a:t>
+              <a:t>2022/4/16</a:t>
             </a:fld>
             <a:endParaRPr lang="zh-CN" altLang="en-US"/>
           </a:p>
@@ -5122,7 +5130,7 @@
           <a:p>
             <a:fld id="{D997B5FA-0921-464F-AAE1-844C04324D75}" type="datetimeFigureOut">
               <a:rPr lang="zh-CN" altLang="en-US" smtClean="0"/>
-              <a:t>2022/4/2</a:t>
+              <a:t>2022/4/16</a:t>
             </a:fld>
             <a:endParaRPr lang="zh-CN" altLang="en-US"/>
           </a:p>
@@ -5302,7 +5310,7 @@
           <a:p>
             <a:fld id="{D997B5FA-0921-464F-AAE1-844C04324D75}" type="datetimeFigureOut">
               <a:rPr lang="zh-CN" altLang="en-US" smtClean="0"/>
-              <a:t>2022/4/2</a:t>
+              <a:t>2022/4/16</a:t>
             </a:fld>
             <a:endParaRPr lang="zh-CN" altLang="en-US"/>
           </a:p>
@@ -5472,7 +5480,7 @@
           <a:p>
             <a:fld id="{D997B5FA-0921-464F-AAE1-844C04324D75}" type="datetimeFigureOut">
               <a:rPr lang="zh-CN" altLang="en-US" smtClean="0"/>
-              <a:t>2022/4/2</a:t>
+              <a:t>2022/4/16</a:t>
             </a:fld>
             <a:endParaRPr lang="zh-CN" altLang="en-US"/>
           </a:p>
@@ -5718,7 +5726,7 @@
           <a:p>
             <a:fld id="{D997B5FA-0921-464F-AAE1-844C04324D75}" type="datetimeFigureOut">
               <a:rPr lang="zh-CN" altLang="en-US" smtClean="0"/>
-              <a:t>2022/4/2</a:t>
+              <a:t>2022/4/16</a:t>
             </a:fld>
             <a:endParaRPr lang="zh-CN" altLang="en-US"/>
           </a:p>
@@ -5950,7 +5958,7 @@
           <a:p>
             <a:fld id="{D997B5FA-0921-464F-AAE1-844C04324D75}" type="datetimeFigureOut">
               <a:rPr lang="zh-CN" altLang="en-US" smtClean="0"/>
-              <a:t>2022/4/2</a:t>
+              <a:t>2022/4/16</a:t>
             </a:fld>
             <a:endParaRPr lang="zh-CN" altLang="en-US"/>
           </a:p>
@@ -6317,7 +6325,7 @@
           <a:p>
             <a:fld id="{D997B5FA-0921-464F-AAE1-844C04324D75}" type="datetimeFigureOut">
               <a:rPr lang="zh-CN" altLang="en-US" smtClean="0"/>
-              <a:t>2022/4/2</a:t>
+              <a:t>2022/4/16</a:t>
             </a:fld>
             <a:endParaRPr lang="zh-CN" altLang="en-US"/>
           </a:p>
@@ -6435,7 +6443,7 @@
           <a:p>
             <a:fld id="{D997B5FA-0921-464F-AAE1-844C04324D75}" type="datetimeFigureOut">
               <a:rPr lang="zh-CN" altLang="en-US" smtClean="0"/>
-              <a:t>2022/4/2</a:t>
+              <a:t>2022/4/16</a:t>
             </a:fld>
             <a:endParaRPr lang="zh-CN" altLang="en-US"/>
           </a:p>
@@ -6530,7 +6538,7 @@
           <a:p>
             <a:fld id="{D997B5FA-0921-464F-AAE1-844C04324D75}" type="datetimeFigureOut">
               <a:rPr lang="zh-CN" altLang="en-US" smtClean="0"/>
-              <a:t>2022/4/2</a:t>
+              <a:t>2022/4/16</a:t>
             </a:fld>
             <a:endParaRPr lang="zh-CN" altLang="en-US"/>
           </a:p>
@@ -6807,7 +6815,7 @@
           <a:p>
             <a:fld id="{D997B5FA-0921-464F-AAE1-844C04324D75}" type="datetimeFigureOut">
               <a:rPr lang="zh-CN" altLang="en-US" smtClean="0"/>
-              <a:t>2022/4/2</a:t>
+              <a:t>2022/4/16</a:t>
             </a:fld>
             <a:endParaRPr lang="zh-CN" altLang="en-US"/>
           </a:p>
@@ -7060,7 +7068,7 @@
           <a:p>
             <a:fld id="{D997B5FA-0921-464F-AAE1-844C04324D75}" type="datetimeFigureOut">
               <a:rPr lang="zh-CN" altLang="en-US" smtClean="0"/>
-              <a:t>2022/4/2</a:t>
+              <a:t>2022/4/16</a:t>
             </a:fld>
             <a:endParaRPr lang="zh-CN" altLang="en-US"/>
           </a:p>
@@ -7273,7 +7281,7 @@
           <a:p>
             <a:fld id="{D997B5FA-0921-464F-AAE1-844C04324D75}" type="datetimeFigureOut">
               <a:rPr lang="zh-CN" altLang="en-US" smtClean="0"/>
-              <a:t>2022/4/2</a:t>
+              <a:t>2022/4/16</a:t>
             </a:fld>
             <a:endParaRPr lang="zh-CN" altLang="en-US"/>
           </a:p>
@@ -18804,6 +18812,587 @@
 </p:sld>
 </file>
 
+<file path=ppt/slides/slide15.xml><?xml version="1.0" encoding="utf-8"?>
+<p:sld xmlns:a="http://schemas.openxmlformats.org/drawingml/2006/main" xmlns:r="http://schemas.openxmlformats.org/officeDocument/2006/relationships" xmlns:p="http://schemas.openxmlformats.org/presentationml/2006/main">
+  <p:cSld>
+    <p:spTree>
+      <p:nvGrpSpPr>
+        <p:cNvPr id="1" name=""/>
+        <p:cNvGrpSpPr/>
+        <p:nvPr/>
+      </p:nvGrpSpPr>
+      <p:grpSpPr>
+        <a:xfrm>
+          <a:off x="0" y="0"/>
+          <a:ext cx="0" cy="0"/>
+          <a:chOff x="0" y="0"/>
+          <a:chExt cx="0" cy="0"/>
+        </a:xfrm>
+      </p:grpSpPr>
+      <p:sp>
+        <p:nvSpPr>
+          <p:cNvPr id="31" name="椭圆 30"/>
+          <p:cNvSpPr/>
+          <p:nvPr/>
+        </p:nvSpPr>
+        <p:spPr>
+          <a:xfrm>
+            <a:off x="6753642" y="2590381"/>
+            <a:ext cx="3990975" cy="3990975"/>
+          </a:xfrm>
+          <a:prstGeom prst="ellipse">
+            <a:avLst/>
+          </a:prstGeom>
+        </p:spPr>
+        <p:style>
+          <a:lnRef idx="2">
+            <a:schemeClr val="accent6"/>
+          </a:lnRef>
+          <a:fillRef idx="1">
+            <a:schemeClr val="lt1"/>
+          </a:fillRef>
+          <a:effectRef idx="0">
+            <a:schemeClr val="accent6"/>
+          </a:effectRef>
+          <a:fontRef idx="minor">
+            <a:schemeClr val="dk1"/>
+          </a:fontRef>
+        </p:style>
+        <p:txBody>
+          <a:bodyPr rtlCol="0" anchor="ctr"/>
+          <a:lstStyle/>
+          <a:p>
+            <a:pPr algn="ctr"/>
+            <a:endParaRPr lang="zh-CN" altLang="en-US"/>
+          </a:p>
+        </p:txBody>
+      </p:sp>
+      <p:pic>
+        <p:nvPicPr>
+          <p:cNvPr id="1025" name="Picture 1" descr="C:\Users\xiejava\AppData\Local\YNote\data\shygiant@126.com\ce36e885d9dd4d91beefc5548eeb57a9\clipboard.png"/>
+          <p:cNvPicPr>
+            <a:picLocks noChangeAspect="1" noChangeArrowheads="1"/>
+          </p:cNvPicPr>
+          <p:nvPr/>
+        </p:nvPicPr>
+        <p:blipFill>
+          <a:blip r:embed="rId2">
+            <a:extLst>
+              <a:ext uri="{28A0092B-C50C-407E-A947-70E740481C1C}">
+                <a14:useLocalDpi xmlns:a14="http://schemas.microsoft.com/office/drawing/2010/main" val="0"/>
+              </a:ext>
+            </a:extLst>
+          </a:blip>
+          <a:srcRect/>
+          <a:stretch>
+            <a:fillRect/>
+          </a:stretch>
+        </p:blipFill>
+        <p:spPr bwMode="auto">
+          <a:xfrm>
+            <a:off x="1809750" y="2266950"/>
+            <a:ext cx="4448175" cy="1295400"/>
+          </a:xfrm>
+          <a:prstGeom prst="rect">
+            <a:avLst/>
+          </a:prstGeom>
+          <a:noFill/>
+          <a:extLst>
+            <a:ext uri="{909E8E84-426E-40DD-AFC4-6F175D3DCCD1}">
+              <a14:hiddenFill xmlns:a14="http://schemas.microsoft.com/office/drawing/2010/main">
+                <a:solidFill>
+                  <a:srgbClr val="FFFFFF"/>
+                </a:solidFill>
+              </a14:hiddenFill>
+            </a:ext>
+          </a:extLst>
+        </p:spPr>
+      </p:pic>
+      <p:sp>
+        <p:nvSpPr>
+          <p:cNvPr id="4" name="TextBox 3"/>
+          <p:cNvSpPr txBox="1"/>
+          <p:nvPr/>
+        </p:nvSpPr>
+        <p:spPr>
+          <a:xfrm>
+            <a:off x="2085975" y="1897618"/>
+            <a:ext cx="646331" cy="369332"/>
+          </a:xfrm>
+          <a:prstGeom prst="rect">
+            <a:avLst/>
+          </a:prstGeom>
+          <a:noFill/>
+        </p:spPr>
+        <p:txBody>
+          <a:bodyPr wrap="none" rtlCol="0">
+            <a:spAutoFit/>
+          </a:bodyPr>
+          <a:lstStyle/>
+          <a:p>
+            <a:r>
+              <a:rPr lang="zh-CN" altLang="en-US" dirty="0" smtClean="0"/>
+              <a:t>终端</a:t>
+            </a:r>
+            <a:endParaRPr lang="zh-CN" altLang="en-US" dirty="0"/>
+          </a:p>
+        </p:txBody>
+      </p:sp>
+      <p:sp>
+        <p:nvSpPr>
+          <p:cNvPr id="6" name="TextBox 5"/>
+          <p:cNvSpPr txBox="1"/>
+          <p:nvPr/>
+        </p:nvSpPr>
+        <p:spPr>
+          <a:xfrm>
+            <a:off x="4991100" y="1830943"/>
+            <a:ext cx="646331" cy="369332"/>
+          </a:xfrm>
+          <a:prstGeom prst="rect">
+            <a:avLst/>
+          </a:prstGeom>
+          <a:noFill/>
+        </p:spPr>
+        <p:txBody>
+          <a:bodyPr wrap="none" rtlCol="0">
+            <a:spAutoFit/>
+          </a:bodyPr>
+          <a:lstStyle/>
+          <a:p>
+            <a:r>
+              <a:rPr lang="zh-CN" altLang="en-US" dirty="0" smtClean="0"/>
+              <a:t>主机</a:t>
+            </a:r>
+            <a:endParaRPr lang="zh-CN" altLang="en-US" dirty="0"/>
+          </a:p>
+        </p:txBody>
+      </p:sp>
+      <p:pic>
+        <p:nvPicPr>
+          <p:cNvPr id="1027" name="Picture 3" descr="https://www.zccie.com/wp-content/uploads/2021/07/%E5%9B%BE%E7%89%87-300x225.png"/>
+          <p:cNvPicPr>
+            <a:picLocks noChangeAspect="1" noChangeArrowheads="1"/>
+          </p:cNvPicPr>
+          <p:nvPr/>
+        </p:nvPicPr>
+        <p:blipFill>
+          <a:blip r:embed="rId3">
+            <a:extLst>
+              <a:ext uri="{28A0092B-C50C-407E-A947-70E740481C1C}">
+                <a14:useLocalDpi xmlns:a14="http://schemas.microsoft.com/office/drawing/2010/main" val="0"/>
+              </a:ext>
+            </a:extLst>
+          </a:blip>
+          <a:srcRect/>
+          <a:stretch>
+            <a:fillRect/>
+          </a:stretch>
+        </p:blipFill>
+        <p:spPr bwMode="auto">
+          <a:xfrm>
+            <a:off x="8011360" y="392849"/>
+            <a:ext cx="2163680" cy="1622760"/>
+          </a:xfrm>
+          <a:prstGeom prst="rect">
+            <a:avLst/>
+          </a:prstGeom>
+          <a:noFill/>
+          <a:extLst>
+            <a:ext uri="{909E8E84-426E-40DD-AFC4-6F175D3DCCD1}">
+              <a14:hiddenFill xmlns:a14="http://schemas.microsoft.com/office/drawing/2010/main">
+                <a:solidFill>
+                  <a:srgbClr val="FFFFFF"/>
+                </a:solidFill>
+              </a14:hiddenFill>
+            </a:ext>
+          </a:extLst>
+        </p:spPr>
+      </p:pic>
+      <p:grpSp>
+        <p:nvGrpSpPr>
+          <p:cNvPr id="17" name="组合 16"/>
+          <p:cNvGrpSpPr/>
+          <p:nvPr/>
+        </p:nvGrpSpPr>
+        <p:grpSpPr>
+          <a:xfrm>
+            <a:off x="7208779" y="3045519"/>
+            <a:ext cx="3080700" cy="3080700"/>
+            <a:chOff x="7763292" y="3428582"/>
+            <a:chExt cx="2314575" cy="2314575"/>
+          </a:xfrm>
+        </p:grpSpPr>
+        <p:sp>
+          <p:nvSpPr>
+            <p:cNvPr id="12" name="椭圆 11"/>
+            <p:cNvSpPr/>
+            <p:nvPr/>
+          </p:nvSpPr>
+          <p:spPr>
+            <a:xfrm>
+              <a:off x="7763292" y="3428582"/>
+              <a:ext cx="2314575" cy="2314575"/>
+            </a:xfrm>
+            <a:prstGeom prst="ellipse">
+              <a:avLst/>
+            </a:prstGeom>
+            <a:ln w="12700"/>
+          </p:spPr>
+          <p:style>
+            <a:lnRef idx="2">
+              <a:schemeClr val="accent5"/>
+            </a:lnRef>
+            <a:fillRef idx="1">
+              <a:schemeClr val="lt1"/>
+            </a:fillRef>
+            <a:effectRef idx="0">
+              <a:schemeClr val="accent5"/>
+            </a:effectRef>
+            <a:fontRef idx="minor">
+              <a:schemeClr val="dk1"/>
+            </a:fontRef>
+          </p:style>
+          <p:txBody>
+            <a:bodyPr rtlCol="0" anchor="ctr"/>
+            <a:lstStyle/>
+            <a:p>
+              <a:pPr algn="ctr"/>
+              <a:endParaRPr lang="zh-CN" altLang="en-US"/>
+            </a:p>
+          </p:txBody>
+        </p:sp>
+        <p:cxnSp>
+          <p:nvCxnSpPr>
+            <p:cNvPr id="11" name="直接连接符 10"/>
+            <p:cNvCxnSpPr>
+              <a:stCxn id="12" idx="2"/>
+            </p:cNvCxnSpPr>
+            <p:nvPr/>
+          </p:nvCxnSpPr>
+          <p:spPr>
+            <a:xfrm flipV="1">
+              <a:off x="7763292" y="4585869"/>
+              <a:ext cx="2314575" cy="1"/>
+            </a:xfrm>
+            <a:prstGeom prst="line">
+              <a:avLst/>
+            </a:prstGeom>
+            <a:ln w="12700"/>
+          </p:spPr>
+          <p:style>
+            <a:lnRef idx="1">
+              <a:schemeClr val="accent1"/>
+            </a:lnRef>
+            <a:fillRef idx="0">
+              <a:schemeClr val="accent1"/>
+            </a:fillRef>
+            <a:effectRef idx="0">
+              <a:schemeClr val="accent1"/>
+            </a:effectRef>
+            <a:fontRef idx="minor">
+              <a:schemeClr val="tx1"/>
+            </a:fontRef>
+          </p:style>
+        </p:cxnSp>
+        <p:cxnSp>
+          <p:nvCxnSpPr>
+            <p:cNvPr id="14" name="直接连接符 13"/>
+            <p:cNvCxnSpPr>
+              <a:stCxn id="12" idx="4"/>
+              <a:endCxn id="12" idx="0"/>
+            </p:cNvCxnSpPr>
+            <p:nvPr/>
+          </p:nvCxnSpPr>
+          <p:spPr>
+            <a:xfrm flipV="1">
+              <a:off x="8920580" y="3428582"/>
+              <a:ext cx="0" cy="2314575"/>
+            </a:xfrm>
+            <a:prstGeom prst="line">
+              <a:avLst/>
+            </a:prstGeom>
+            <a:ln w="12700"/>
+          </p:spPr>
+          <p:style>
+            <a:lnRef idx="1">
+              <a:schemeClr val="accent1"/>
+            </a:lnRef>
+            <a:fillRef idx="0">
+              <a:schemeClr val="accent1"/>
+            </a:fillRef>
+            <a:effectRef idx="0">
+              <a:schemeClr val="accent1"/>
+            </a:effectRef>
+            <a:fontRef idx="minor">
+              <a:schemeClr val="tx1"/>
+            </a:fontRef>
+          </p:style>
+        </p:cxnSp>
+        <p:sp>
+          <p:nvSpPr>
+            <p:cNvPr id="7" name="椭圆 6"/>
+            <p:cNvSpPr/>
+            <p:nvPr/>
+          </p:nvSpPr>
+          <p:spPr>
+            <a:xfrm>
+              <a:off x="8497135" y="4162424"/>
+              <a:ext cx="846890" cy="846890"/>
+            </a:xfrm>
+            <a:prstGeom prst="ellipse">
+              <a:avLst/>
+            </a:prstGeom>
+            <a:ln w="12700"/>
+          </p:spPr>
+          <p:style>
+            <a:lnRef idx="2">
+              <a:schemeClr val="accent5"/>
+            </a:lnRef>
+            <a:fillRef idx="1">
+              <a:schemeClr val="lt1"/>
+            </a:fillRef>
+            <a:effectRef idx="0">
+              <a:schemeClr val="accent5"/>
+            </a:effectRef>
+            <a:fontRef idx="minor">
+              <a:schemeClr val="dk1"/>
+            </a:fontRef>
+          </p:style>
+          <p:txBody>
+            <a:bodyPr rtlCol="0" anchor="ctr"/>
+            <a:lstStyle/>
+            <a:p>
+              <a:pPr algn="ctr"/>
+              <a:endParaRPr lang="zh-CN" altLang="en-US"/>
+            </a:p>
+          </p:txBody>
+        </p:sp>
+      </p:grpSp>
+      <p:sp>
+        <p:nvSpPr>
+          <p:cNvPr id="20" name="TextBox 19"/>
+          <p:cNvSpPr txBox="1"/>
+          <p:nvPr/>
+        </p:nvSpPr>
+        <p:spPr>
+          <a:xfrm>
+            <a:off x="8098364" y="4262703"/>
+            <a:ext cx="1301531" cy="646331"/>
+          </a:xfrm>
+          <a:prstGeom prst="rect">
+            <a:avLst/>
+          </a:prstGeom>
+          <a:noFill/>
+        </p:spPr>
+        <p:txBody>
+          <a:bodyPr wrap="square" rtlCol="0">
+            <a:spAutoFit/>
+          </a:bodyPr>
+          <a:lstStyle/>
+          <a:p>
+            <a:pPr algn="ctr"/>
+            <a:r>
+              <a:rPr lang="zh-CN" altLang="en-US" dirty="0" smtClean="0"/>
+              <a:t>端点检测与响应</a:t>
+            </a:r>
+            <a:endParaRPr lang="zh-CN" altLang="en-US" dirty="0"/>
+          </a:p>
+        </p:txBody>
+      </p:sp>
+      <p:sp>
+        <p:nvSpPr>
+          <p:cNvPr id="21" name="TextBox 20"/>
+          <p:cNvSpPr txBox="1"/>
+          <p:nvPr/>
+        </p:nvSpPr>
+        <p:spPr>
+          <a:xfrm>
+            <a:off x="7485937" y="3652931"/>
+            <a:ext cx="1107996" cy="369332"/>
+          </a:xfrm>
+          <a:prstGeom prst="rect">
+            <a:avLst/>
+          </a:prstGeom>
+          <a:noFill/>
+        </p:spPr>
+        <p:txBody>
+          <a:bodyPr wrap="none" rtlCol="0">
+            <a:spAutoFit/>
+          </a:bodyPr>
+          <a:lstStyle/>
+          <a:p>
+            <a:r>
+              <a:rPr lang="zh-CN" altLang="en-US" dirty="0" smtClean="0"/>
+              <a:t>系统加固</a:t>
+            </a:r>
+            <a:endParaRPr lang="zh-CN" altLang="en-US" dirty="0"/>
+          </a:p>
+        </p:txBody>
+      </p:sp>
+      <p:sp>
+        <p:nvSpPr>
+          <p:cNvPr id="24" name="TextBox 23"/>
+          <p:cNvSpPr txBox="1"/>
+          <p:nvPr/>
+        </p:nvSpPr>
+        <p:spPr>
+          <a:xfrm>
+            <a:off x="8874472" y="3652931"/>
+            <a:ext cx="1107996" cy="369332"/>
+          </a:xfrm>
+          <a:prstGeom prst="rect">
+            <a:avLst/>
+          </a:prstGeom>
+          <a:noFill/>
+        </p:spPr>
+        <p:txBody>
+          <a:bodyPr wrap="none" rtlCol="0">
+            <a:spAutoFit/>
+          </a:bodyPr>
+          <a:lstStyle/>
+          <a:p>
+            <a:r>
+              <a:rPr lang="zh-CN" altLang="en-US" dirty="0" smtClean="0"/>
+              <a:t>资产发现</a:t>
+            </a:r>
+            <a:endParaRPr lang="zh-CN" altLang="en-US" dirty="0"/>
+          </a:p>
+        </p:txBody>
+      </p:sp>
+      <p:sp>
+        <p:nvSpPr>
+          <p:cNvPr id="25" name="TextBox 24"/>
+          <p:cNvSpPr txBox="1"/>
+          <p:nvPr/>
+        </p:nvSpPr>
+        <p:spPr>
+          <a:xfrm>
+            <a:off x="7485937" y="5149474"/>
+            <a:ext cx="1107996" cy="369332"/>
+          </a:xfrm>
+          <a:prstGeom prst="rect">
+            <a:avLst/>
+          </a:prstGeom>
+          <a:noFill/>
+        </p:spPr>
+        <p:txBody>
+          <a:bodyPr wrap="none" rtlCol="0">
+            <a:spAutoFit/>
+          </a:bodyPr>
+          <a:lstStyle/>
+          <a:p>
+            <a:r>
+              <a:rPr lang="zh-CN" altLang="en-US" dirty="0" smtClean="0"/>
+              <a:t>威胁检测</a:t>
+            </a:r>
+            <a:endParaRPr lang="zh-CN" altLang="en-US" dirty="0"/>
+          </a:p>
+        </p:txBody>
+      </p:sp>
+      <p:sp>
+        <p:nvSpPr>
+          <p:cNvPr id="26" name="TextBox 25"/>
+          <p:cNvSpPr txBox="1"/>
+          <p:nvPr/>
+        </p:nvSpPr>
+        <p:spPr>
+          <a:xfrm>
+            <a:off x="8874472" y="5149474"/>
+            <a:ext cx="1107996" cy="369332"/>
+          </a:xfrm>
+          <a:prstGeom prst="rect">
+            <a:avLst/>
+          </a:prstGeom>
+          <a:noFill/>
+        </p:spPr>
+        <p:txBody>
+          <a:bodyPr wrap="none" rtlCol="0">
+            <a:spAutoFit/>
+          </a:bodyPr>
+          <a:lstStyle/>
+          <a:p>
+            <a:r>
+              <a:rPr lang="zh-CN" altLang="en-US" dirty="0" smtClean="0"/>
+              <a:t>响应取证</a:t>
+            </a:r>
+            <a:endParaRPr lang="zh-CN" altLang="en-US" dirty="0"/>
+          </a:p>
+        </p:txBody>
+      </p:sp>
+      <p:sp>
+        <p:nvSpPr>
+          <p:cNvPr id="1024" name="TextBox 1023"/>
+          <p:cNvSpPr txBox="1"/>
+          <p:nvPr/>
+        </p:nvSpPr>
+        <p:spPr>
+          <a:xfrm>
+            <a:off x="6821369" y="4101831"/>
+            <a:ext cx="257175" cy="923330"/>
+          </a:xfrm>
+          <a:prstGeom prst="rect">
+            <a:avLst/>
+          </a:prstGeom>
+          <a:noFill/>
+        </p:spPr>
+        <p:txBody>
+          <a:bodyPr wrap="square" rtlCol="0">
+            <a:spAutoFit/>
+          </a:bodyPr>
+          <a:lstStyle/>
+          <a:p>
+            <a:r>
+              <a:rPr lang="zh-CN" altLang="en-US" dirty="0" smtClean="0"/>
+              <a:t>抗攻击</a:t>
+            </a:r>
+            <a:endParaRPr lang="zh-CN" altLang="en-US" dirty="0"/>
+          </a:p>
+        </p:txBody>
+      </p:sp>
+      <p:sp>
+        <p:nvSpPr>
+          <p:cNvPr id="35" name="TextBox 34"/>
+          <p:cNvSpPr txBox="1"/>
+          <p:nvPr/>
+        </p:nvSpPr>
+        <p:spPr>
+          <a:xfrm>
+            <a:off x="10317460" y="4101831"/>
+            <a:ext cx="257175" cy="923330"/>
+          </a:xfrm>
+          <a:prstGeom prst="rect">
+            <a:avLst/>
+          </a:prstGeom>
+          <a:noFill/>
+        </p:spPr>
+        <p:txBody>
+          <a:bodyPr wrap="square" rtlCol="0">
+            <a:spAutoFit/>
+          </a:bodyPr>
+          <a:lstStyle/>
+          <a:p>
+            <a:r>
+              <a:rPr lang="zh-CN" altLang="en-US" dirty="0" smtClean="0"/>
+              <a:t>防泄漏</a:t>
+            </a:r>
+            <a:endParaRPr lang="zh-CN" altLang="en-US" dirty="0"/>
+          </a:p>
+        </p:txBody>
+      </p:sp>
+    </p:spTree>
+    <p:extLst>
+      <p:ext uri="{BB962C8B-B14F-4D97-AF65-F5344CB8AC3E}">
+        <p14:creationId xmlns:p14="http://schemas.microsoft.com/office/powerpoint/2010/main" val="2491137468"/>
+      </p:ext>
+    </p:extLst>
+  </p:cSld>
+  <p:clrMapOvr>
+    <a:masterClrMapping/>
+  </p:clrMapOvr>
+</p:sld>
+</file>
+
 <file path=ppt/slides/slide2.xml><?xml version="1.0" encoding="utf-8"?>
 <p:sld xmlns:a="http://schemas.openxmlformats.org/drawingml/2006/main" xmlns:r="http://schemas.openxmlformats.org/officeDocument/2006/relationships" xmlns:p="http://schemas.openxmlformats.org/presentationml/2006/main">
   <p:cSld>
@@ -28257,7 +28846,7 @@
   <a:extraClrSchemeLst/>
   <a:extLst>
     <a:ext uri="{05A4C25C-085E-4340-85A3-A5531E510DB2}">
-      <thm15:themeFamily xmlns:thm15="http://schemas.microsoft.com/office/thememl/2012/main" xmlns="" name="Office Theme" id="{62F939B6-93AF-4DB8-9C6B-D6C7DFDC589F}" vid="{4A3C46E8-61CC-4603-A589-7422A47A8E4A}"/>
+      <thm15:themeFamily xmlns="" xmlns:thm15="http://schemas.microsoft.com/office/thememl/2012/main" name="Office Theme" id="{62F939B6-93AF-4DB8-9C6B-D6C7DFDC589F}" vid="{4A3C46E8-61CC-4603-A589-7422A47A8E4A}"/>
     </a:ext>
   </a:extLst>
 </a:theme>

--- a/images/2022/画图.pptx
+++ b/images/2022/画图.pptx
@@ -21,6 +21,11 @@
     <p:sldId id="269" r:id="rId15"/>
     <p:sldId id="270" r:id="rId16"/>
     <p:sldId id="271" r:id="rId17"/>
+    <p:sldId id="272" r:id="rId18"/>
+    <p:sldId id="274" r:id="rId19"/>
+    <p:sldId id="273" r:id="rId20"/>
+    <p:sldId id="275" r:id="rId21"/>
+    <p:sldId id="276" r:id="rId22"/>
   </p:sldIdLst>
   <p:sldSz cx="12192000" cy="6858000"/>
   <p:notesSz cx="6858000" cy="9144000"/>
@@ -3806,6 +3811,13 @@
         </dgm:presLayoutVars>
       </dgm:prSet>
       <dgm:spPr/>
+      <dgm:t>
+        <a:bodyPr/>
+        <a:lstStyle/>
+        <a:p>
+          <a:endParaRPr lang="zh-CN" altLang="en-US"/>
+        </a:p>
+      </dgm:t>
     </dgm:pt>
     <dgm:pt modelId="{EAC9FE48-83B0-4ED0-B367-BC40E228C3FD}" type="pres">
       <dgm:prSet presAssocID="{9ECCED88-6518-45ED-A035-5FF251E3493A}" presName="wedge1" presStyleLbl="node1" presStyleIdx="0" presStyleCnt="3"/>
@@ -3950,16 +3962,16 @@
     </dgm:pt>
   </dgm:ptLst>
   <dgm:cxnLst>
+    <dgm:cxn modelId="{CA20F557-7118-4037-B996-68890DDC057B}" type="presOf" srcId="{A56940B5-559B-4B7F-AF89-C4A2ABC51F17}" destId="{71345975-D70C-4E22-AD7C-E0F44E67732D}" srcOrd="1" destOrd="0" presId="urn:microsoft.com/office/officeart/2005/8/layout/cycle8"/>
+    <dgm:cxn modelId="{84FB58E7-BA71-4806-BD99-60A3065BCB5D}" srcId="{9ECCED88-6518-45ED-A035-5FF251E3493A}" destId="{2AB8AB5E-0358-40E5-AF32-C0F8909B14A0}" srcOrd="0" destOrd="0" parTransId="{B88605C4-F046-46A2-B05F-838C75568F25}" sibTransId="{01CE3CA1-541C-45F8-A998-FEE8A957427C}"/>
+    <dgm:cxn modelId="{8D754B2D-6A90-4A26-BF1D-28A71827B2D4}" type="presOf" srcId="{A56940B5-559B-4B7F-AF89-C4A2ABC51F17}" destId="{76A4F658-3EBB-4FFF-8824-15C24A43B1DD}" srcOrd="0" destOrd="0" presId="urn:microsoft.com/office/officeart/2005/8/layout/cycle8"/>
+    <dgm:cxn modelId="{9EC4910B-419A-4F9C-A58C-3BBD8CC75C4A}" type="presOf" srcId="{2AB8AB5E-0358-40E5-AF32-C0F8909B14A0}" destId="{EAC9FE48-83B0-4ED0-B367-BC40E228C3FD}" srcOrd="0" destOrd="0" presId="urn:microsoft.com/office/officeart/2005/8/layout/cycle8"/>
+    <dgm:cxn modelId="{BDCA5CD8-F05A-4E0A-952B-240915F8A4BB}" type="presOf" srcId="{2AB8AB5E-0358-40E5-AF32-C0F8909B14A0}" destId="{B1824CDD-1E4D-4406-8BD4-A27D3563667B}" srcOrd="1" destOrd="0" presId="urn:microsoft.com/office/officeart/2005/8/layout/cycle8"/>
+    <dgm:cxn modelId="{DBACDFC3-5746-41E3-8DC6-FE8E93345070}" type="presOf" srcId="{A92E954F-30E6-40F7-B16D-138669A32D7F}" destId="{68B57157-BA6A-4F8B-832A-7DD9746B75D1}" srcOrd="0" destOrd="0" presId="urn:microsoft.com/office/officeart/2005/8/layout/cycle8"/>
+    <dgm:cxn modelId="{4EBA790B-386A-4FDB-B8DE-5DF49BEF5244}" type="presOf" srcId="{9ECCED88-6518-45ED-A035-5FF251E3493A}" destId="{5B6CBB7D-0194-40E2-8640-B3684E4CA3BE}" srcOrd="0" destOrd="0" presId="urn:microsoft.com/office/officeart/2005/8/layout/cycle8"/>
+    <dgm:cxn modelId="{BF395EE3-4FFA-41A3-805A-0DEB35AB9852}" type="presOf" srcId="{A92E954F-30E6-40F7-B16D-138669A32D7F}" destId="{E6EEFABD-D59A-4621-A39F-FCBFF4F71354}" srcOrd="1" destOrd="0" presId="urn:microsoft.com/office/officeart/2005/8/layout/cycle8"/>
     <dgm:cxn modelId="{A3FA3712-35E3-4FC2-AA91-1A8CDC27B2AD}" srcId="{9ECCED88-6518-45ED-A035-5FF251E3493A}" destId="{A56940B5-559B-4B7F-AF89-C4A2ABC51F17}" srcOrd="2" destOrd="0" parTransId="{19304C97-E0B9-4995-B84D-654D43D9DED7}" sibTransId="{1B9AB2AF-D9E4-44FD-BECB-7DBBB2631B0F}"/>
-    <dgm:cxn modelId="{4EBA790B-386A-4FDB-B8DE-5DF49BEF5244}" type="presOf" srcId="{9ECCED88-6518-45ED-A035-5FF251E3493A}" destId="{5B6CBB7D-0194-40E2-8640-B3684E4CA3BE}" srcOrd="0" destOrd="0" presId="urn:microsoft.com/office/officeart/2005/8/layout/cycle8"/>
     <dgm:cxn modelId="{D32FA234-0ADA-4FD5-927C-BD6794A3BBBC}" srcId="{9ECCED88-6518-45ED-A035-5FF251E3493A}" destId="{A92E954F-30E6-40F7-B16D-138669A32D7F}" srcOrd="1" destOrd="0" parTransId="{2DC1B14C-623B-423F-AFFA-75202786FF0F}" sibTransId="{EAC8FD23-9024-4EDE-9072-FB8B1B4D2E1E}"/>
-    <dgm:cxn modelId="{BF395EE3-4FFA-41A3-805A-0DEB35AB9852}" type="presOf" srcId="{A92E954F-30E6-40F7-B16D-138669A32D7F}" destId="{E6EEFABD-D59A-4621-A39F-FCBFF4F71354}" srcOrd="1" destOrd="0" presId="urn:microsoft.com/office/officeart/2005/8/layout/cycle8"/>
-    <dgm:cxn modelId="{84FB58E7-BA71-4806-BD99-60A3065BCB5D}" srcId="{9ECCED88-6518-45ED-A035-5FF251E3493A}" destId="{2AB8AB5E-0358-40E5-AF32-C0F8909B14A0}" srcOrd="0" destOrd="0" parTransId="{B88605C4-F046-46A2-B05F-838C75568F25}" sibTransId="{01CE3CA1-541C-45F8-A998-FEE8A957427C}"/>
-    <dgm:cxn modelId="{DBACDFC3-5746-41E3-8DC6-FE8E93345070}" type="presOf" srcId="{A92E954F-30E6-40F7-B16D-138669A32D7F}" destId="{68B57157-BA6A-4F8B-832A-7DD9746B75D1}" srcOrd="0" destOrd="0" presId="urn:microsoft.com/office/officeart/2005/8/layout/cycle8"/>
-    <dgm:cxn modelId="{CA20F557-7118-4037-B996-68890DDC057B}" type="presOf" srcId="{A56940B5-559B-4B7F-AF89-C4A2ABC51F17}" destId="{71345975-D70C-4E22-AD7C-E0F44E67732D}" srcOrd="1" destOrd="0" presId="urn:microsoft.com/office/officeart/2005/8/layout/cycle8"/>
-    <dgm:cxn modelId="{8D754B2D-6A90-4A26-BF1D-28A71827B2D4}" type="presOf" srcId="{A56940B5-559B-4B7F-AF89-C4A2ABC51F17}" destId="{76A4F658-3EBB-4FFF-8824-15C24A43B1DD}" srcOrd="0" destOrd="0" presId="urn:microsoft.com/office/officeart/2005/8/layout/cycle8"/>
-    <dgm:cxn modelId="{BDCA5CD8-F05A-4E0A-952B-240915F8A4BB}" type="presOf" srcId="{2AB8AB5E-0358-40E5-AF32-C0F8909B14A0}" destId="{B1824CDD-1E4D-4406-8BD4-A27D3563667B}" srcOrd="1" destOrd="0" presId="urn:microsoft.com/office/officeart/2005/8/layout/cycle8"/>
-    <dgm:cxn modelId="{9EC4910B-419A-4F9C-A58C-3BBD8CC75C4A}" type="presOf" srcId="{2AB8AB5E-0358-40E5-AF32-C0F8909B14A0}" destId="{EAC9FE48-83B0-4ED0-B367-BC40E228C3FD}" srcOrd="0" destOrd="0" presId="urn:microsoft.com/office/officeart/2005/8/layout/cycle8"/>
     <dgm:cxn modelId="{4E573A64-11EE-4DCE-AD7B-1DA54658AC43}" type="presParOf" srcId="{5B6CBB7D-0194-40E2-8640-B3684E4CA3BE}" destId="{EAC9FE48-83B0-4ED0-B367-BC40E228C3FD}" srcOrd="0" destOrd="0" presId="urn:microsoft.com/office/officeart/2005/8/layout/cycle8"/>
     <dgm:cxn modelId="{85F53AF8-490F-41E2-B276-FC5F664B1EFA}" type="presParOf" srcId="{5B6CBB7D-0194-40E2-8640-B3684E4CA3BE}" destId="{9F991275-E8E5-4DFE-9D66-95639679B030}" srcOrd="1" destOrd="0" presId="urn:microsoft.com/office/officeart/2005/8/layout/cycle8"/>
     <dgm:cxn modelId="{DF2B4A26-0583-41FB-8B46-7928E8B53341}" type="presParOf" srcId="{5B6CBB7D-0194-40E2-8640-B3684E4CA3BE}" destId="{3C1BBBD0-D522-461A-962E-EF24715848CE}" srcOrd="2" destOrd="0" presId="urn:microsoft.com/office/officeart/2005/8/layout/cycle8"/>
@@ -4162,6 +4174,13 @@
         </dgm:presLayoutVars>
       </dgm:prSet>
       <dgm:spPr/>
+      <dgm:t>
+        <a:bodyPr/>
+        <a:lstStyle/>
+        <a:p>
+          <a:endParaRPr lang="zh-CN" altLang="en-US"/>
+        </a:p>
+      </dgm:t>
     </dgm:pt>
     <dgm:pt modelId="{BDEC0EC2-EAD5-4442-8127-6A2338AEE97B}" type="pres">
       <dgm:prSet presAssocID="{5D3C8364-319F-44B6-897A-2EC4B4FD6B53}" presName="singleCycle" presStyleCnt="0"/>
@@ -4186,6 +4205,13 @@
     <dgm:pt modelId="{DABAB243-74A7-4A3E-B8D7-362087BA1969}" type="pres">
       <dgm:prSet presAssocID="{FAC7CDE3-4215-4887-A19E-101314E2978D}" presName="Name56" presStyleLbl="parChTrans1D2" presStyleIdx="0" presStyleCnt="3"/>
       <dgm:spPr/>
+      <dgm:t>
+        <a:bodyPr/>
+        <a:lstStyle/>
+        <a:p>
+          <a:endParaRPr lang="zh-CN" altLang="en-US"/>
+        </a:p>
+      </dgm:t>
     </dgm:pt>
     <dgm:pt modelId="{2223F642-D2FE-41E3-8F95-82482B8A752F}" type="pres">
       <dgm:prSet presAssocID="{B9DF1402-9FB3-4179-BC07-EC7112170FBF}" presName="text0" presStyleLbl="node1" presStyleIdx="1" presStyleCnt="4">
@@ -4205,6 +4231,13 @@
     <dgm:pt modelId="{87EAB380-78DC-48B3-A7B6-A306F16062CF}" type="pres">
       <dgm:prSet presAssocID="{4C44AAC4-E388-4493-A621-1AFC7DD0D7DE}" presName="Name56" presStyleLbl="parChTrans1D2" presStyleIdx="1" presStyleCnt="3"/>
       <dgm:spPr/>
+      <dgm:t>
+        <a:bodyPr/>
+        <a:lstStyle/>
+        <a:p>
+          <a:endParaRPr lang="zh-CN" altLang="en-US"/>
+        </a:p>
+      </dgm:t>
     </dgm:pt>
     <dgm:pt modelId="{B17DB5F8-BF5C-4A25-B2DB-CFCAA4082FAD}" type="pres">
       <dgm:prSet presAssocID="{0CBD863D-9D97-4B74-9368-5E7D4D8ACF12}" presName="text0" presStyleLbl="node1" presStyleIdx="2" presStyleCnt="4">
@@ -4213,10 +4246,24 @@
         </dgm:presLayoutVars>
       </dgm:prSet>
       <dgm:spPr/>
+      <dgm:t>
+        <a:bodyPr/>
+        <a:lstStyle/>
+        <a:p>
+          <a:endParaRPr lang="zh-CN" altLang="en-US"/>
+        </a:p>
+      </dgm:t>
     </dgm:pt>
     <dgm:pt modelId="{B8376513-9CF6-4E3F-82CF-CE0299FBFB2C}" type="pres">
       <dgm:prSet presAssocID="{07BC43FC-1A37-4659-945B-1822ED6830FF}" presName="Name56" presStyleLbl="parChTrans1D2" presStyleIdx="2" presStyleCnt="3"/>
       <dgm:spPr/>
+      <dgm:t>
+        <a:bodyPr/>
+        <a:lstStyle/>
+        <a:p>
+          <a:endParaRPr lang="zh-CN" altLang="en-US"/>
+        </a:p>
+      </dgm:t>
     </dgm:pt>
     <dgm:pt modelId="{49C8F614-63CB-43CB-B15F-2D0B801BD801}" type="pres">
       <dgm:prSet presAssocID="{C6C1466A-6B23-48AA-97FD-F58C7E743C2F}" presName="text0" presStyleLbl="node1" presStyleIdx="3" presStyleCnt="4">
@@ -4225,20 +4272,27 @@
         </dgm:presLayoutVars>
       </dgm:prSet>
       <dgm:spPr/>
+      <dgm:t>
+        <a:bodyPr/>
+        <a:lstStyle/>
+        <a:p>
+          <a:endParaRPr lang="zh-CN" altLang="en-US"/>
+        </a:p>
+      </dgm:t>
     </dgm:pt>
   </dgm:ptLst>
   <dgm:cxnLst>
+    <dgm:cxn modelId="{3CC6913D-7F35-4E41-B056-F193ACA317C3}" type="presOf" srcId="{07BC43FC-1A37-4659-945B-1822ED6830FF}" destId="{B8376513-9CF6-4E3F-82CF-CE0299FBFB2C}" srcOrd="0" destOrd="0" presId="urn:microsoft.com/office/officeart/2008/layout/RadialCluster"/>
+    <dgm:cxn modelId="{78B02CD3-57E3-4140-9F0E-5482E7AF640C}" srcId="{5D3C8364-319F-44B6-897A-2EC4B4FD6B53}" destId="{B9DF1402-9FB3-4179-BC07-EC7112170FBF}" srcOrd="0" destOrd="0" parTransId="{FAC7CDE3-4215-4887-A19E-101314E2978D}" sibTransId="{A5C6C886-6357-424E-8ABA-5242D07EF476}"/>
+    <dgm:cxn modelId="{195C30AC-37BC-4F7C-9D41-9619F916AA2C}" type="presOf" srcId="{0CBD863D-9D97-4B74-9368-5E7D4D8ACF12}" destId="{B17DB5F8-BF5C-4A25-B2DB-CFCAA4082FAD}" srcOrd="0" destOrd="0" presId="urn:microsoft.com/office/officeart/2008/layout/RadialCluster"/>
     <dgm:cxn modelId="{6632D719-192E-4358-B31E-2EDC775B520C}" type="presOf" srcId="{C6C1466A-6B23-48AA-97FD-F58C7E743C2F}" destId="{49C8F614-63CB-43CB-B15F-2D0B801BD801}" srcOrd="0" destOrd="0" presId="urn:microsoft.com/office/officeart/2008/layout/RadialCluster"/>
+    <dgm:cxn modelId="{34AF373E-081B-46AD-8E33-B1131BB475C3}" type="presOf" srcId="{FAC7CDE3-4215-4887-A19E-101314E2978D}" destId="{DABAB243-74A7-4A3E-B8D7-362087BA1969}" srcOrd="0" destOrd="0" presId="urn:microsoft.com/office/officeart/2008/layout/RadialCluster"/>
+    <dgm:cxn modelId="{F5374AC5-EEA0-49A5-B3D0-5DC6BB3AAFEF}" type="presOf" srcId="{5D3C8364-319F-44B6-897A-2EC4B4FD6B53}" destId="{00F3B482-7B7B-4571-9398-2096D8F790AF}" srcOrd="0" destOrd="0" presId="urn:microsoft.com/office/officeart/2008/layout/RadialCluster"/>
     <dgm:cxn modelId="{D9CC8AE0-9875-42E3-A8B4-5DC667E9790F}" srcId="{5D3C8364-319F-44B6-897A-2EC4B4FD6B53}" destId="{0CBD863D-9D97-4B74-9368-5E7D4D8ACF12}" srcOrd="1" destOrd="0" parTransId="{4C44AAC4-E388-4493-A621-1AFC7DD0D7DE}" sibTransId="{743F5614-29F4-442C-896D-E17D5EC27FBC}"/>
+    <dgm:cxn modelId="{D112DC8D-5B5D-4C9A-AA8D-7C273522B2E1}" srcId="{5D3C8364-319F-44B6-897A-2EC4B4FD6B53}" destId="{C6C1466A-6B23-48AA-97FD-F58C7E743C2F}" srcOrd="2" destOrd="0" parTransId="{07BC43FC-1A37-4659-945B-1822ED6830FF}" sibTransId="{B450D65C-7235-4CF3-95C5-8BCE6AEBB287}"/>
+    <dgm:cxn modelId="{AFA8BC66-85AD-4049-A66F-14D1DD973E3E}" type="presOf" srcId="{42C7622F-780C-46F5-943A-60672CDA56F3}" destId="{0C1CEB06-7682-4698-BE86-AEAC2F8B634F}" srcOrd="0" destOrd="0" presId="urn:microsoft.com/office/officeart/2008/layout/RadialCluster"/>
+    <dgm:cxn modelId="{59EC51A7-A1A3-45F5-AFA8-84302CC11D21}" type="presOf" srcId="{4C44AAC4-E388-4493-A621-1AFC7DD0D7DE}" destId="{87EAB380-78DC-48B3-A7B6-A306F16062CF}" srcOrd="0" destOrd="0" presId="urn:microsoft.com/office/officeart/2008/layout/RadialCluster"/>
     <dgm:cxn modelId="{EF85A4DD-B0DC-48C1-BA2A-77DC8C5052E9}" srcId="{42C7622F-780C-46F5-943A-60672CDA56F3}" destId="{5D3C8364-319F-44B6-897A-2EC4B4FD6B53}" srcOrd="0" destOrd="0" parTransId="{1BC5109D-86A2-42FC-BCA4-B1D212A20D71}" sibTransId="{9468D475-5A9A-4E9F-98DA-24F853963117}"/>
-    <dgm:cxn modelId="{34AF373E-081B-46AD-8E33-B1131BB475C3}" type="presOf" srcId="{FAC7CDE3-4215-4887-A19E-101314E2978D}" destId="{DABAB243-74A7-4A3E-B8D7-362087BA1969}" srcOrd="0" destOrd="0" presId="urn:microsoft.com/office/officeart/2008/layout/RadialCluster"/>
-    <dgm:cxn modelId="{59EC51A7-A1A3-45F5-AFA8-84302CC11D21}" type="presOf" srcId="{4C44AAC4-E388-4493-A621-1AFC7DD0D7DE}" destId="{87EAB380-78DC-48B3-A7B6-A306F16062CF}" srcOrd="0" destOrd="0" presId="urn:microsoft.com/office/officeart/2008/layout/RadialCluster"/>
-    <dgm:cxn modelId="{195C30AC-37BC-4F7C-9D41-9619F916AA2C}" type="presOf" srcId="{0CBD863D-9D97-4B74-9368-5E7D4D8ACF12}" destId="{B17DB5F8-BF5C-4A25-B2DB-CFCAA4082FAD}" srcOrd="0" destOrd="0" presId="urn:microsoft.com/office/officeart/2008/layout/RadialCluster"/>
-    <dgm:cxn modelId="{F5374AC5-EEA0-49A5-B3D0-5DC6BB3AAFEF}" type="presOf" srcId="{5D3C8364-319F-44B6-897A-2EC4B4FD6B53}" destId="{00F3B482-7B7B-4571-9398-2096D8F790AF}" srcOrd="0" destOrd="0" presId="urn:microsoft.com/office/officeart/2008/layout/RadialCluster"/>
-    <dgm:cxn modelId="{AFA8BC66-85AD-4049-A66F-14D1DD973E3E}" type="presOf" srcId="{42C7622F-780C-46F5-943A-60672CDA56F3}" destId="{0C1CEB06-7682-4698-BE86-AEAC2F8B634F}" srcOrd="0" destOrd="0" presId="urn:microsoft.com/office/officeart/2008/layout/RadialCluster"/>
-    <dgm:cxn modelId="{D112DC8D-5B5D-4C9A-AA8D-7C273522B2E1}" srcId="{5D3C8364-319F-44B6-897A-2EC4B4FD6B53}" destId="{C6C1466A-6B23-48AA-97FD-F58C7E743C2F}" srcOrd="2" destOrd="0" parTransId="{07BC43FC-1A37-4659-945B-1822ED6830FF}" sibTransId="{B450D65C-7235-4CF3-95C5-8BCE6AEBB287}"/>
-    <dgm:cxn modelId="{78B02CD3-57E3-4140-9F0E-5482E7AF640C}" srcId="{5D3C8364-319F-44B6-897A-2EC4B4FD6B53}" destId="{B9DF1402-9FB3-4179-BC07-EC7112170FBF}" srcOrd="0" destOrd="0" parTransId="{FAC7CDE3-4215-4887-A19E-101314E2978D}" sibTransId="{A5C6C886-6357-424E-8ABA-5242D07EF476}"/>
-    <dgm:cxn modelId="{3CC6913D-7F35-4E41-B056-F193ACA317C3}" type="presOf" srcId="{07BC43FC-1A37-4659-945B-1822ED6830FF}" destId="{B8376513-9CF6-4E3F-82CF-CE0299FBFB2C}" srcOrd="0" destOrd="0" presId="urn:microsoft.com/office/officeart/2008/layout/RadialCluster"/>
     <dgm:cxn modelId="{8C76FD79-8739-4269-BDF4-E08F9607B39B}" type="presOf" srcId="{B9DF1402-9FB3-4179-BC07-EC7112170FBF}" destId="{2223F642-D2FE-41E3-8F95-82482B8A752F}" srcOrd="0" destOrd="0" presId="urn:microsoft.com/office/officeart/2008/layout/RadialCluster"/>
     <dgm:cxn modelId="{9C286676-9F94-4F2D-9534-6DFAD5CD71EF}" type="presParOf" srcId="{0C1CEB06-7682-4698-BE86-AEAC2F8B634F}" destId="{BDEC0EC2-EAD5-4442-8127-6A2338AEE97B}" srcOrd="0" destOrd="0" presId="urn:microsoft.com/office/officeart/2008/layout/RadialCluster"/>
     <dgm:cxn modelId="{50414E51-36FE-46CA-89BF-E485763C9F5F}" type="presParOf" srcId="{BDEC0EC2-EAD5-4442-8127-6A2338AEE97B}" destId="{00F3B482-7B7B-4571-9398-2096D8F790AF}" srcOrd="0" destOrd="0" presId="urn:microsoft.com/office/officeart/2008/layout/RadialCluster"/>
@@ -15007,7 +15061,7 @@
           <a:p>
             <a:fld id="{D997B5FA-0921-464F-AAE1-844C04324D75}" type="datetimeFigureOut">
               <a:rPr lang="zh-CN" altLang="en-US" smtClean="0"/>
-              <a:t>2022/4/22</a:t>
+              <a:t>2022/5/11</a:t>
             </a:fld>
             <a:endParaRPr lang="zh-CN" altLang="en-US"/>
           </a:p>
@@ -15177,7 +15231,7 @@
           <a:p>
             <a:fld id="{D997B5FA-0921-464F-AAE1-844C04324D75}" type="datetimeFigureOut">
               <a:rPr lang="zh-CN" altLang="en-US" smtClean="0"/>
-              <a:t>2022/4/22</a:t>
+              <a:t>2022/5/11</a:t>
             </a:fld>
             <a:endParaRPr lang="zh-CN" altLang="en-US"/>
           </a:p>
@@ -15357,7 +15411,7 @@
           <a:p>
             <a:fld id="{D997B5FA-0921-464F-AAE1-844C04324D75}" type="datetimeFigureOut">
               <a:rPr lang="zh-CN" altLang="en-US" smtClean="0"/>
-              <a:t>2022/4/22</a:t>
+              <a:t>2022/5/11</a:t>
             </a:fld>
             <a:endParaRPr lang="zh-CN" altLang="en-US"/>
           </a:p>
@@ -15527,7 +15581,7 @@
           <a:p>
             <a:fld id="{D997B5FA-0921-464F-AAE1-844C04324D75}" type="datetimeFigureOut">
               <a:rPr lang="zh-CN" altLang="en-US" smtClean="0"/>
-              <a:t>2022/4/22</a:t>
+              <a:t>2022/5/11</a:t>
             </a:fld>
             <a:endParaRPr lang="zh-CN" altLang="en-US"/>
           </a:p>
@@ -15773,7 +15827,7 @@
           <a:p>
             <a:fld id="{D997B5FA-0921-464F-AAE1-844C04324D75}" type="datetimeFigureOut">
               <a:rPr lang="zh-CN" altLang="en-US" smtClean="0"/>
-              <a:t>2022/4/22</a:t>
+              <a:t>2022/5/11</a:t>
             </a:fld>
             <a:endParaRPr lang="zh-CN" altLang="en-US"/>
           </a:p>
@@ -16005,7 +16059,7 @@
           <a:p>
             <a:fld id="{D997B5FA-0921-464F-AAE1-844C04324D75}" type="datetimeFigureOut">
               <a:rPr lang="zh-CN" altLang="en-US" smtClean="0"/>
-              <a:t>2022/4/22</a:t>
+              <a:t>2022/5/11</a:t>
             </a:fld>
             <a:endParaRPr lang="zh-CN" altLang="en-US"/>
           </a:p>
@@ -16372,7 +16426,7 @@
           <a:p>
             <a:fld id="{D997B5FA-0921-464F-AAE1-844C04324D75}" type="datetimeFigureOut">
               <a:rPr lang="zh-CN" altLang="en-US" smtClean="0"/>
-              <a:t>2022/4/22</a:t>
+              <a:t>2022/5/11</a:t>
             </a:fld>
             <a:endParaRPr lang="zh-CN" altLang="en-US"/>
           </a:p>
@@ -16490,7 +16544,7 @@
           <a:p>
             <a:fld id="{D997B5FA-0921-464F-AAE1-844C04324D75}" type="datetimeFigureOut">
               <a:rPr lang="zh-CN" altLang="en-US" smtClean="0"/>
-              <a:t>2022/4/22</a:t>
+              <a:t>2022/5/11</a:t>
             </a:fld>
             <a:endParaRPr lang="zh-CN" altLang="en-US"/>
           </a:p>
@@ -16585,7 +16639,7 @@
           <a:p>
             <a:fld id="{D997B5FA-0921-464F-AAE1-844C04324D75}" type="datetimeFigureOut">
               <a:rPr lang="zh-CN" altLang="en-US" smtClean="0"/>
-              <a:t>2022/4/22</a:t>
+              <a:t>2022/5/11</a:t>
             </a:fld>
             <a:endParaRPr lang="zh-CN" altLang="en-US"/>
           </a:p>
@@ -16862,7 +16916,7 @@
           <a:p>
             <a:fld id="{D997B5FA-0921-464F-AAE1-844C04324D75}" type="datetimeFigureOut">
               <a:rPr lang="zh-CN" altLang="en-US" smtClean="0"/>
-              <a:t>2022/4/22</a:t>
+              <a:t>2022/5/11</a:t>
             </a:fld>
             <a:endParaRPr lang="zh-CN" altLang="en-US"/>
           </a:p>
@@ -17115,7 +17169,7 @@
           <a:p>
             <a:fld id="{D997B5FA-0921-464F-AAE1-844C04324D75}" type="datetimeFigureOut">
               <a:rPr lang="zh-CN" altLang="en-US" smtClean="0"/>
-              <a:t>2022/4/22</a:t>
+              <a:t>2022/5/11</a:t>
             </a:fld>
             <a:endParaRPr lang="zh-CN" altLang="en-US"/>
           </a:p>
@@ -17328,7 +17382,7 @@
           <a:p>
             <a:fld id="{D997B5FA-0921-464F-AAE1-844C04324D75}" type="datetimeFigureOut">
               <a:rPr lang="zh-CN" altLang="en-US" smtClean="0"/>
-              <a:t>2022/4/22</a:t>
+              <a:t>2022/5/11</a:t>
             </a:fld>
             <a:endParaRPr lang="zh-CN" altLang="en-US"/>
           </a:p>
@@ -29859,6 +29913,3001 @@
 </p:sld>
 </file>
 
+<file path=ppt/slides/slide17.xml><?xml version="1.0" encoding="utf-8"?>
+<p:sld xmlns:a="http://schemas.openxmlformats.org/drawingml/2006/main" xmlns:r="http://schemas.openxmlformats.org/officeDocument/2006/relationships" xmlns:p="http://schemas.openxmlformats.org/presentationml/2006/main">
+  <p:cSld>
+    <p:spTree>
+      <p:nvGrpSpPr>
+        <p:cNvPr id="1" name=""/>
+        <p:cNvGrpSpPr/>
+        <p:nvPr/>
+      </p:nvGrpSpPr>
+      <p:grpSpPr>
+        <a:xfrm>
+          <a:off x="0" y="0"/>
+          <a:ext cx="0" cy="0"/>
+          <a:chOff x="0" y="0"/>
+          <a:chExt cx="0" cy="0"/>
+        </a:xfrm>
+      </p:grpSpPr>
+      <p:sp>
+        <p:nvSpPr>
+          <p:cNvPr id="25" name="矩形 24"/>
+          <p:cNvSpPr/>
+          <p:nvPr/>
+        </p:nvSpPr>
+        <p:spPr>
+          <a:xfrm>
+            <a:off x="7179313" y="1581149"/>
+            <a:ext cx="1295400" cy="4067175"/>
+          </a:xfrm>
+          <a:prstGeom prst="rect">
+            <a:avLst/>
+          </a:prstGeom>
+          <a:ln w="19050">
+            <a:prstDash val="dash"/>
+          </a:ln>
+        </p:spPr>
+        <p:style>
+          <a:lnRef idx="2">
+            <a:schemeClr val="accent1"/>
+          </a:lnRef>
+          <a:fillRef idx="1">
+            <a:schemeClr val="lt1"/>
+          </a:fillRef>
+          <a:effectRef idx="0">
+            <a:schemeClr val="accent1"/>
+          </a:effectRef>
+          <a:fontRef idx="minor">
+            <a:schemeClr val="dk1"/>
+          </a:fontRef>
+        </p:style>
+        <p:txBody>
+          <a:bodyPr rtlCol="0" anchor="ctr"/>
+          <a:lstStyle/>
+          <a:p>
+            <a:pPr algn="ctr"/>
+            <a:endParaRPr lang="zh-CN" altLang="en-US"/>
+          </a:p>
+        </p:txBody>
+      </p:sp>
+      <p:sp>
+        <p:nvSpPr>
+          <p:cNvPr id="7" name="矩形 6"/>
+          <p:cNvSpPr/>
+          <p:nvPr/>
+        </p:nvSpPr>
+        <p:spPr>
+          <a:xfrm>
+            <a:off x="1514475" y="1581151"/>
+            <a:ext cx="1295400" cy="4067173"/>
+          </a:xfrm>
+          <a:prstGeom prst="rect">
+            <a:avLst/>
+          </a:prstGeom>
+          <a:ln w="19050">
+            <a:prstDash val="dash"/>
+          </a:ln>
+        </p:spPr>
+        <p:style>
+          <a:lnRef idx="2">
+            <a:schemeClr val="accent1"/>
+          </a:lnRef>
+          <a:fillRef idx="1">
+            <a:schemeClr val="lt1"/>
+          </a:fillRef>
+          <a:effectRef idx="0">
+            <a:schemeClr val="accent1"/>
+          </a:effectRef>
+          <a:fontRef idx="minor">
+            <a:schemeClr val="dk1"/>
+          </a:fontRef>
+        </p:style>
+        <p:txBody>
+          <a:bodyPr rtlCol="0" anchor="ctr"/>
+          <a:lstStyle/>
+          <a:p>
+            <a:pPr algn="ctr"/>
+            <a:endParaRPr lang="zh-CN" altLang="en-US"/>
+          </a:p>
+        </p:txBody>
+      </p:sp>
+      <p:pic>
+        <p:nvPicPr>
+          <p:cNvPr id="1028" name="Picture 4" descr="C:\Users\xiejava\Downloads\工作点工程师.png"/>
+          <p:cNvPicPr>
+            <a:picLocks noChangeAspect="1" noChangeArrowheads="1"/>
+          </p:cNvPicPr>
+          <p:nvPr/>
+        </p:nvPicPr>
+        <p:blipFill>
+          <a:blip r:embed="rId2" cstate="print">
+            <a:extLst>
+              <a:ext uri="{28A0092B-C50C-407E-A947-70E740481C1C}">
+                <a14:useLocalDpi xmlns:a14="http://schemas.microsoft.com/office/drawing/2010/main" val="0"/>
+              </a:ext>
+            </a:extLst>
+          </a:blip>
+          <a:srcRect/>
+          <a:stretch>
+            <a:fillRect/>
+          </a:stretch>
+        </p:blipFill>
+        <p:spPr bwMode="auto">
+          <a:xfrm>
+            <a:off x="1879291" y="1842205"/>
+            <a:ext cx="551810" cy="551810"/>
+          </a:xfrm>
+          <a:prstGeom prst="rect">
+            <a:avLst/>
+          </a:prstGeom>
+          <a:noFill/>
+          <a:extLst>
+            <a:ext uri="{909E8E84-426E-40DD-AFC4-6F175D3DCCD1}">
+              <a14:hiddenFill xmlns:a14="http://schemas.microsoft.com/office/drawing/2010/main">
+                <a:solidFill>
+                  <a:srgbClr val="FFFFFF"/>
+                </a:solidFill>
+              </a14:hiddenFill>
+            </a:ext>
+          </a:extLst>
+        </p:spPr>
+      </p:pic>
+      <p:sp>
+        <p:nvSpPr>
+          <p:cNvPr id="4" name="TextBox 3"/>
+          <p:cNvSpPr txBox="1"/>
+          <p:nvPr/>
+        </p:nvSpPr>
+        <p:spPr>
+          <a:xfrm>
+            <a:off x="1793559" y="2465402"/>
+            <a:ext cx="723275" cy="253916"/>
+          </a:xfrm>
+          <a:prstGeom prst="rect">
+            <a:avLst/>
+          </a:prstGeom>
+          <a:noFill/>
+        </p:spPr>
+        <p:txBody>
+          <a:bodyPr wrap="none" rtlCol="0">
+            <a:spAutoFit/>
+          </a:bodyPr>
+          <a:lstStyle/>
+          <a:p>
+            <a:r>
+              <a:rPr lang="zh-CN" altLang="en-US" sz="1050" dirty="0" smtClean="0"/>
+              <a:t>开发人员</a:t>
+            </a:r>
+            <a:endParaRPr lang="zh-CN" altLang="en-US" sz="1050" dirty="0"/>
+          </a:p>
+        </p:txBody>
+      </p:sp>
+      <p:pic>
+        <p:nvPicPr>
+          <p:cNvPr id="9" name="Picture 4" descr="C:\Users\xiejava\Downloads\工作点工程师.png"/>
+          <p:cNvPicPr>
+            <a:picLocks noChangeAspect="1" noChangeArrowheads="1"/>
+          </p:cNvPicPr>
+          <p:nvPr/>
+        </p:nvPicPr>
+        <p:blipFill>
+          <a:blip r:embed="rId2" cstate="print">
+            <a:extLst>
+              <a:ext uri="{28A0092B-C50C-407E-A947-70E740481C1C}">
+                <a14:useLocalDpi xmlns:a14="http://schemas.microsoft.com/office/drawing/2010/main" val="0"/>
+              </a:ext>
+            </a:extLst>
+          </a:blip>
+          <a:srcRect/>
+          <a:stretch>
+            <a:fillRect/>
+          </a:stretch>
+        </p:blipFill>
+        <p:spPr bwMode="auto">
+          <a:xfrm>
+            <a:off x="1879291" y="2790705"/>
+            <a:ext cx="551810" cy="551810"/>
+          </a:xfrm>
+          <a:prstGeom prst="rect">
+            <a:avLst/>
+          </a:prstGeom>
+          <a:noFill/>
+          <a:extLst>
+            <a:ext uri="{909E8E84-426E-40DD-AFC4-6F175D3DCCD1}">
+              <a14:hiddenFill xmlns:a14="http://schemas.microsoft.com/office/drawing/2010/main">
+                <a:solidFill>
+                  <a:srgbClr val="FFFFFF"/>
+                </a:solidFill>
+              </a14:hiddenFill>
+            </a:ext>
+          </a:extLst>
+        </p:spPr>
+      </p:pic>
+      <p:sp>
+        <p:nvSpPr>
+          <p:cNvPr id="10" name="TextBox 9"/>
+          <p:cNvSpPr txBox="1"/>
+          <p:nvPr/>
+        </p:nvSpPr>
+        <p:spPr>
+          <a:xfrm>
+            <a:off x="1793559" y="3413902"/>
+            <a:ext cx="723275" cy="253916"/>
+          </a:xfrm>
+          <a:prstGeom prst="rect">
+            <a:avLst/>
+          </a:prstGeom>
+          <a:noFill/>
+        </p:spPr>
+        <p:txBody>
+          <a:bodyPr wrap="none" rtlCol="0">
+            <a:spAutoFit/>
+          </a:bodyPr>
+          <a:lstStyle/>
+          <a:p>
+            <a:r>
+              <a:rPr lang="zh-CN" altLang="en-US" sz="1050" dirty="0" smtClean="0"/>
+              <a:t>运维人员</a:t>
+            </a:r>
+            <a:endParaRPr lang="zh-CN" altLang="en-US" sz="1050" dirty="0"/>
+          </a:p>
+        </p:txBody>
+      </p:sp>
+      <p:pic>
+        <p:nvPicPr>
+          <p:cNvPr id="11" name="Picture 4" descr="C:\Users\xiejava\Downloads\工作点工程师.png"/>
+          <p:cNvPicPr>
+            <a:picLocks noChangeAspect="1" noChangeArrowheads="1"/>
+          </p:cNvPicPr>
+          <p:nvPr/>
+        </p:nvPicPr>
+        <p:blipFill>
+          <a:blip r:embed="rId2" cstate="print">
+            <a:extLst>
+              <a:ext uri="{28A0092B-C50C-407E-A947-70E740481C1C}">
+                <a14:useLocalDpi xmlns:a14="http://schemas.microsoft.com/office/drawing/2010/main" val="0"/>
+              </a:ext>
+            </a:extLst>
+          </a:blip>
+          <a:srcRect/>
+          <a:stretch>
+            <a:fillRect/>
+          </a:stretch>
+        </p:blipFill>
+        <p:spPr bwMode="auto">
+          <a:xfrm>
+            <a:off x="1879291" y="3739205"/>
+            <a:ext cx="551810" cy="551810"/>
+          </a:xfrm>
+          <a:prstGeom prst="rect">
+            <a:avLst/>
+          </a:prstGeom>
+          <a:noFill/>
+          <a:extLst>
+            <a:ext uri="{909E8E84-426E-40DD-AFC4-6F175D3DCCD1}">
+              <a14:hiddenFill xmlns:a14="http://schemas.microsoft.com/office/drawing/2010/main">
+                <a:solidFill>
+                  <a:srgbClr val="FFFFFF"/>
+                </a:solidFill>
+              </a14:hiddenFill>
+            </a:ext>
+          </a:extLst>
+        </p:spPr>
+      </p:pic>
+      <p:sp>
+        <p:nvSpPr>
+          <p:cNvPr id="12" name="TextBox 11"/>
+          <p:cNvSpPr txBox="1"/>
+          <p:nvPr/>
+        </p:nvSpPr>
+        <p:spPr>
+          <a:xfrm>
+            <a:off x="1591580" y="4362402"/>
+            <a:ext cx="1127232" cy="253916"/>
+          </a:xfrm>
+          <a:prstGeom prst="rect">
+            <a:avLst/>
+          </a:prstGeom>
+          <a:noFill/>
+        </p:spPr>
+        <p:txBody>
+          <a:bodyPr wrap="none" rtlCol="0">
+            <a:spAutoFit/>
+          </a:bodyPr>
+          <a:lstStyle/>
+          <a:p>
+            <a:r>
+              <a:rPr lang="zh-CN" altLang="en-US" sz="1050" dirty="0" smtClean="0"/>
+              <a:t>第三方代维人员</a:t>
+            </a:r>
+            <a:endParaRPr lang="zh-CN" altLang="en-US" sz="1050" dirty="0"/>
+          </a:p>
+        </p:txBody>
+      </p:sp>
+      <p:pic>
+        <p:nvPicPr>
+          <p:cNvPr id="13" name="Picture 4" descr="C:\Users\xiejava\Downloads\工作点工程师.png"/>
+          <p:cNvPicPr>
+            <a:picLocks noChangeAspect="1" noChangeArrowheads="1"/>
+          </p:cNvPicPr>
+          <p:nvPr/>
+        </p:nvPicPr>
+        <p:blipFill>
+          <a:blip r:embed="rId2" cstate="print">
+            <a:extLst>
+              <a:ext uri="{28A0092B-C50C-407E-A947-70E740481C1C}">
+                <a14:useLocalDpi xmlns:a14="http://schemas.microsoft.com/office/drawing/2010/main" val="0"/>
+              </a:ext>
+            </a:extLst>
+          </a:blip>
+          <a:srcRect/>
+          <a:stretch>
+            <a:fillRect/>
+          </a:stretch>
+        </p:blipFill>
+        <p:spPr bwMode="auto">
+          <a:xfrm>
+            <a:off x="1879291" y="4687705"/>
+            <a:ext cx="551810" cy="551810"/>
+          </a:xfrm>
+          <a:prstGeom prst="rect">
+            <a:avLst/>
+          </a:prstGeom>
+          <a:noFill/>
+          <a:extLst>
+            <a:ext uri="{909E8E84-426E-40DD-AFC4-6F175D3DCCD1}">
+              <a14:hiddenFill xmlns:a14="http://schemas.microsoft.com/office/drawing/2010/main">
+                <a:solidFill>
+                  <a:srgbClr val="FFFFFF"/>
+                </a:solidFill>
+              </a14:hiddenFill>
+            </a:ext>
+          </a:extLst>
+        </p:spPr>
+      </p:pic>
+      <p:sp>
+        <p:nvSpPr>
+          <p:cNvPr id="14" name="TextBox 13"/>
+          <p:cNvSpPr txBox="1"/>
+          <p:nvPr/>
+        </p:nvSpPr>
+        <p:spPr>
+          <a:xfrm>
+            <a:off x="1658907" y="5310904"/>
+            <a:ext cx="992579" cy="253916"/>
+          </a:xfrm>
+          <a:prstGeom prst="rect">
+            <a:avLst/>
+          </a:prstGeom>
+          <a:noFill/>
+        </p:spPr>
+        <p:txBody>
+          <a:bodyPr wrap="none" rtlCol="0">
+            <a:spAutoFit/>
+          </a:bodyPr>
+          <a:lstStyle/>
+          <a:p>
+            <a:r>
+              <a:rPr lang="zh-CN" altLang="en-US" sz="1050" dirty="0" smtClean="0"/>
+              <a:t>厂家支撑人员</a:t>
+            </a:r>
+            <a:endParaRPr lang="zh-CN" altLang="en-US" sz="1050" dirty="0"/>
+          </a:p>
+        </p:txBody>
+      </p:sp>
+      <p:pic>
+        <p:nvPicPr>
+          <p:cNvPr id="1029" name="Picture 5" descr="C:\Users\xiejava\Downloads\服务器 (1).png"/>
+          <p:cNvPicPr>
+            <a:picLocks noChangeAspect="1" noChangeArrowheads="1"/>
+          </p:cNvPicPr>
+          <p:nvPr/>
+        </p:nvPicPr>
+        <p:blipFill>
+          <a:blip r:embed="rId3" cstate="print">
+            <a:extLst>
+              <a:ext uri="{28A0092B-C50C-407E-A947-70E740481C1C}">
+                <a14:useLocalDpi xmlns:a14="http://schemas.microsoft.com/office/drawing/2010/main" val="0"/>
+              </a:ext>
+            </a:extLst>
+          </a:blip>
+          <a:srcRect/>
+          <a:stretch>
+            <a:fillRect/>
+          </a:stretch>
+        </p:blipFill>
+        <p:spPr bwMode="auto">
+          <a:xfrm>
+            <a:off x="7598993" y="1842204"/>
+            <a:ext cx="456041" cy="456041"/>
+          </a:xfrm>
+          <a:prstGeom prst="rect">
+            <a:avLst/>
+          </a:prstGeom>
+          <a:noFill/>
+          <a:extLst>
+            <a:ext uri="{909E8E84-426E-40DD-AFC4-6F175D3DCCD1}">
+              <a14:hiddenFill xmlns:a14="http://schemas.microsoft.com/office/drawing/2010/main">
+                <a:solidFill>
+                  <a:srgbClr val="FFFFFF"/>
+                </a:solidFill>
+              </a14:hiddenFill>
+            </a:ext>
+          </a:extLst>
+        </p:spPr>
+      </p:pic>
+      <p:pic>
+        <p:nvPicPr>
+          <p:cNvPr id="1030" name="Picture 6" descr="C:\Users\xiejava\Downloads\网络设备.png"/>
+          <p:cNvPicPr>
+            <a:picLocks noChangeAspect="1" noChangeArrowheads="1"/>
+          </p:cNvPicPr>
+          <p:nvPr/>
+        </p:nvPicPr>
+        <p:blipFill>
+          <a:blip r:embed="rId4" cstate="print">
+            <a:extLst>
+              <a:ext uri="{28A0092B-C50C-407E-A947-70E740481C1C}">
+                <a14:useLocalDpi xmlns:a14="http://schemas.microsoft.com/office/drawing/2010/main" val="0"/>
+              </a:ext>
+            </a:extLst>
+          </a:blip>
+          <a:srcRect/>
+          <a:stretch>
+            <a:fillRect/>
+          </a:stretch>
+        </p:blipFill>
+        <p:spPr bwMode="auto">
+          <a:xfrm>
+            <a:off x="7598993" y="2774339"/>
+            <a:ext cx="456041" cy="456041"/>
+          </a:xfrm>
+          <a:prstGeom prst="rect">
+            <a:avLst/>
+          </a:prstGeom>
+          <a:noFill/>
+          <a:extLst>
+            <a:ext uri="{909E8E84-426E-40DD-AFC4-6F175D3DCCD1}">
+              <a14:hiddenFill xmlns:a14="http://schemas.microsoft.com/office/drawing/2010/main">
+                <a:solidFill>
+                  <a:srgbClr val="FFFFFF"/>
+                </a:solidFill>
+              </a14:hiddenFill>
+            </a:ext>
+          </a:extLst>
+        </p:spPr>
+      </p:pic>
+      <p:pic>
+        <p:nvPicPr>
+          <p:cNvPr id="1031" name="Picture 7" descr="C:\Users\xiejava\Downloads\数据库.png"/>
+          <p:cNvPicPr>
+            <a:picLocks noChangeAspect="1" noChangeArrowheads="1"/>
+          </p:cNvPicPr>
+          <p:nvPr/>
+        </p:nvPicPr>
+        <p:blipFill>
+          <a:blip r:embed="rId5" cstate="print">
+            <a:extLst>
+              <a:ext uri="{28A0092B-C50C-407E-A947-70E740481C1C}">
+                <a14:useLocalDpi xmlns:a14="http://schemas.microsoft.com/office/drawing/2010/main" val="0"/>
+              </a:ext>
+            </a:extLst>
+          </a:blip>
+          <a:srcRect/>
+          <a:stretch>
+            <a:fillRect/>
+          </a:stretch>
+        </p:blipFill>
+        <p:spPr bwMode="auto">
+          <a:xfrm>
+            <a:off x="7551108" y="3706474"/>
+            <a:ext cx="551810" cy="551810"/>
+          </a:xfrm>
+          <a:prstGeom prst="rect">
+            <a:avLst/>
+          </a:prstGeom>
+          <a:noFill/>
+          <a:extLst>
+            <a:ext uri="{909E8E84-426E-40DD-AFC4-6F175D3DCCD1}">
+              <a14:hiddenFill xmlns:a14="http://schemas.microsoft.com/office/drawing/2010/main">
+                <a:solidFill>
+                  <a:srgbClr val="FFFFFF"/>
+                </a:solidFill>
+              </a14:hiddenFill>
+            </a:ext>
+          </a:extLst>
+        </p:spPr>
+      </p:pic>
+      <p:pic>
+        <p:nvPicPr>
+          <p:cNvPr id="1032" name="Picture 8" descr="C:\Users\xiejava\Downloads\IT应用系统数据调整流程-01 (1).png"/>
+          <p:cNvPicPr>
+            <a:picLocks noChangeAspect="1" noChangeArrowheads="1"/>
+          </p:cNvPicPr>
+          <p:nvPr/>
+        </p:nvPicPr>
+        <p:blipFill>
+          <a:blip r:embed="rId6" cstate="print">
+            <a:extLst>
+              <a:ext uri="{28A0092B-C50C-407E-A947-70E740481C1C}">
+                <a14:useLocalDpi xmlns:a14="http://schemas.microsoft.com/office/drawing/2010/main" val="0"/>
+              </a:ext>
+            </a:extLst>
+          </a:blip>
+          <a:srcRect/>
+          <a:stretch>
+            <a:fillRect/>
+          </a:stretch>
+        </p:blipFill>
+        <p:spPr bwMode="auto">
+          <a:xfrm>
+            <a:off x="7598993" y="4734378"/>
+            <a:ext cx="456041" cy="456041"/>
+          </a:xfrm>
+          <a:prstGeom prst="rect">
+            <a:avLst/>
+          </a:prstGeom>
+          <a:noFill/>
+          <a:extLst>
+            <a:ext uri="{909E8E84-426E-40DD-AFC4-6F175D3DCCD1}">
+              <a14:hiddenFill xmlns:a14="http://schemas.microsoft.com/office/drawing/2010/main">
+                <a:solidFill>
+                  <a:srgbClr val="FFFFFF"/>
+                </a:solidFill>
+              </a14:hiddenFill>
+            </a:ext>
+          </a:extLst>
+        </p:spPr>
+      </p:pic>
+      <p:sp>
+        <p:nvSpPr>
+          <p:cNvPr id="20" name="TextBox 19"/>
+          <p:cNvSpPr txBox="1"/>
+          <p:nvPr/>
+        </p:nvSpPr>
+        <p:spPr>
+          <a:xfrm>
+            <a:off x="7372402" y="2409334"/>
+            <a:ext cx="909223" cy="253916"/>
+          </a:xfrm>
+          <a:prstGeom prst="rect">
+            <a:avLst/>
+          </a:prstGeom>
+          <a:noFill/>
+        </p:spPr>
+        <p:txBody>
+          <a:bodyPr wrap="none" rtlCol="0">
+            <a:spAutoFit/>
+          </a:bodyPr>
+          <a:lstStyle/>
+          <a:p>
+            <a:r>
+              <a:rPr lang="zh-CN" altLang="en-US" sz="1050" dirty="0" smtClean="0"/>
+              <a:t>主机</a:t>
+            </a:r>
+            <a:r>
+              <a:rPr lang="en-US" altLang="zh-CN" sz="1050" dirty="0" smtClean="0"/>
+              <a:t>/</a:t>
+            </a:r>
+            <a:r>
+              <a:rPr lang="zh-CN" altLang="en-US" sz="1050" dirty="0" smtClean="0"/>
+              <a:t>服务器</a:t>
+            </a:r>
+            <a:endParaRPr lang="zh-CN" altLang="en-US" sz="1050" dirty="0"/>
+          </a:p>
+        </p:txBody>
+      </p:sp>
+      <p:sp>
+        <p:nvSpPr>
+          <p:cNvPr id="21" name="TextBox 20"/>
+          <p:cNvSpPr txBox="1"/>
+          <p:nvPr/>
+        </p:nvSpPr>
+        <p:spPr>
+          <a:xfrm>
+            <a:off x="7465376" y="3341469"/>
+            <a:ext cx="723275" cy="253916"/>
+          </a:xfrm>
+          <a:prstGeom prst="rect">
+            <a:avLst/>
+          </a:prstGeom>
+          <a:noFill/>
+        </p:spPr>
+        <p:txBody>
+          <a:bodyPr wrap="none" rtlCol="0">
+            <a:spAutoFit/>
+          </a:bodyPr>
+          <a:lstStyle/>
+          <a:p>
+            <a:r>
+              <a:rPr lang="zh-CN" altLang="en-US" sz="1050" dirty="0" smtClean="0"/>
+              <a:t>网络设备</a:t>
+            </a:r>
+            <a:endParaRPr lang="zh-CN" altLang="en-US" sz="1050" dirty="0"/>
+          </a:p>
+        </p:txBody>
+      </p:sp>
+      <p:sp>
+        <p:nvSpPr>
+          <p:cNvPr id="22" name="TextBox 21"/>
+          <p:cNvSpPr txBox="1"/>
+          <p:nvPr/>
+        </p:nvSpPr>
+        <p:spPr>
+          <a:xfrm>
+            <a:off x="7532702" y="4369373"/>
+            <a:ext cx="588623" cy="253916"/>
+          </a:xfrm>
+          <a:prstGeom prst="rect">
+            <a:avLst/>
+          </a:prstGeom>
+          <a:noFill/>
+        </p:spPr>
+        <p:txBody>
+          <a:bodyPr wrap="none" rtlCol="0">
+            <a:spAutoFit/>
+          </a:bodyPr>
+          <a:lstStyle/>
+          <a:p>
+            <a:r>
+              <a:rPr lang="zh-CN" altLang="en-US" sz="1050" dirty="0" smtClean="0"/>
+              <a:t>数据库</a:t>
+            </a:r>
+            <a:endParaRPr lang="zh-CN" altLang="en-US" sz="1050" dirty="0"/>
+          </a:p>
+        </p:txBody>
+      </p:sp>
+      <p:sp>
+        <p:nvSpPr>
+          <p:cNvPr id="23" name="TextBox 22"/>
+          <p:cNvSpPr txBox="1"/>
+          <p:nvPr/>
+        </p:nvSpPr>
+        <p:spPr>
+          <a:xfrm>
+            <a:off x="7465376" y="5301510"/>
+            <a:ext cx="723275" cy="253916"/>
+          </a:xfrm>
+          <a:prstGeom prst="rect">
+            <a:avLst/>
+          </a:prstGeom>
+          <a:noFill/>
+        </p:spPr>
+        <p:txBody>
+          <a:bodyPr wrap="none" rtlCol="0">
+            <a:spAutoFit/>
+          </a:bodyPr>
+          <a:lstStyle/>
+          <a:p>
+            <a:r>
+              <a:rPr lang="zh-CN" altLang="en-US" sz="1050" dirty="0" smtClean="0"/>
+              <a:t>应用系统</a:t>
+            </a:r>
+            <a:endParaRPr lang="zh-CN" altLang="en-US" sz="1050" dirty="0"/>
+          </a:p>
+        </p:txBody>
+      </p:sp>
+      <p:grpSp>
+        <p:nvGrpSpPr>
+          <p:cNvPr id="39" name="组合 38"/>
+          <p:cNvGrpSpPr/>
+          <p:nvPr/>
+        </p:nvGrpSpPr>
+        <p:grpSpPr>
+          <a:xfrm>
+            <a:off x="2812531" y="2051174"/>
+            <a:ext cx="4312371" cy="2907996"/>
+            <a:chOff x="2786695" y="2051174"/>
+            <a:chExt cx="3563943" cy="2907996"/>
+          </a:xfrm>
+        </p:grpSpPr>
+        <p:cxnSp>
+          <p:nvCxnSpPr>
+            <p:cNvPr id="15" name="直接连接符 14"/>
+            <p:cNvCxnSpPr/>
+            <p:nvPr/>
+          </p:nvCxnSpPr>
+          <p:spPr>
+            <a:xfrm>
+              <a:off x="2849235" y="2051174"/>
+              <a:ext cx="3448050" cy="0"/>
+            </a:xfrm>
+            <a:prstGeom prst="line">
+              <a:avLst/>
+            </a:prstGeom>
+            <a:ln w="12700">
+              <a:solidFill>
+                <a:schemeClr val="accent1">
+                  <a:lumMod val="75000"/>
+                </a:schemeClr>
+              </a:solidFill>
+              <a:prstDash val="dash"/>
+            </a:ln>
+          </p:spPr>
+          <p:style>
+            <a:lnRef idx="1">
+              <a:schemeClr val="accent1"/>
+            </a:lnRef>
+            <a:fillRef idx="0">
+              <a:schemeClr val="accent1"/>
+            </a:fillRef>
+            <a:effectRef idx="0">
+              <a:schemeClr val="accent1"/>
+            </a:effectRef>
+            <a:fontRef idx="minor">
+              <a:schemeClr val="tx1"/>
+            </a:fontRef>
+          </p:style>
+        </p:cxnSp>
+        <p:cxnSp>
+          <p:nvCxnSpPr>
+            <p:cNvPr id="28" name="直接连接符 27"/>
+            <p:cNvCxnSpPr/>
+            <p:nvPr/>
+          </p:nvCxnSpPr>
+          <p:spPr>
+            <a:xfrm>
+              <a:off x="2809875" y="3015183"/>
+              <a:ext cx="3448050" cy="0"/>
+            </a:xfrm>
+            <a:prstGeom prst="line">
+              <a:avLst/>
+            </a:prstGeom>
+            <a:ln w="12700">
+              <a:solidFill>
+                <a:schemeClr val="accent1">
+                  <a:lumMod val="75000"/>
+                </a:schemeClr>
+              </a:solidFill>
+              <a:prstDash val="dash"/>
+            </a:ln>
+          </p:spPr>
+          <p:style>
+            <a:lnRef idx="1">
+              <a:schemeClr val="accent1"/>
+            </a:lnRef>
+            <a:fillRef idx="0">
+              <a:schemeClr val="accent1"/>
+            </a:fillRef>
+            <a:effectRef idx="0">
+              <a:schemeClr val="accent1"/>
+            </a:effectRef>
+            <a:fontRef idx="minor">
+              <a:schemeClr val="tx1"/>
+            </a:fontRef>
+          </p:style>
+        </p:cxnSp>
+        <p:cxnSp>
+          <p:nvCxnSpPr>
+            <p:cNvPr id="29" name="直接连接符 28"/>
+            <p:cNvCxnSpPr/>
+            <p:nvPr/>
+          </p:nvCxnSpPr>
+          <p:spPr>
+            <a:xfrm>
+              <a:off x="2809875" y="4015110"/>
+              <a:ext cx="3448050" cy="0"/>
+            </a:xfrm>
+            <a:prstGeom prst="line">
+              <a:avLst/>
+            </a:prstGeom>
+            <a:ln w="12700">
+              <a:solidFill>
+                <a:schemeClr val="accent1">
+                  <a:lumMod val="75000"/>
+                </a:schemeClr>
+              </a:solidFill>
+              <a:prstDash val="dash"/>
+            </a:ln>
+          </p:spPr>
+          <p:style>
+            <a:lnRef idx="1">
+              <a:schemeClr val="accent1"/>
+            </a:lnRef>
+            <a:fillRef idx="0">
+              <a:schemeClr val="accent1"/>
+            </a:fillRef>
+            <a:effectRef idx="0">
+              <a:schemeClr val="accent1"/>
+            </a:effectRef>
+            <a:fontRef idx="minor">
+              <a:schemeClr val="tx1"/>
+            </a:fontRef>
+          </p:style>
+        </p:cxnSp>
+        <p:cxnSp>
+          <p:nvCxnSpPr>
+            <p:cNvPr id="30" name="直接连接符 29"/>
+            <p:cNvCxnSpPr/>
+            <p:nvPr/>
+          </p:nvCxnSpPr>
+          <p:spPr>
+            <a:xfrm>
+              <a:off x="2893063" y="4959170"/>
+              <a:ext cx="3448050" cy="0"/>
+            </a:xfrm>
+            <a:prstGeom prst="line">
+              <a:avLst/>
+            </a:prstGeom>
+            <a:ln w="12700">
+              <a:solidFill>
+                <a:schemeClr val="accent1">
+                  <a:lumMod val="75000"/>
+                </a:schemeClr>
+              </a:solidFill>
+              <a:prstDash val="dash"/>
+            </a:ln>
+          </p:spPr>
+          <p:style>
+            <a:lnRef idx="1">
+              <a:schemeClr val="accent1"/>
+            </a:lnRef>
+            <a:fillRef idx="0">
+              <a:schemeClr val="accent1"/>
+            </a:fillRef>
+            <a:effectRef idx="0">
+              <a:schemeClr val="accent1"/>
+            </a:effectRef>
+            <a:fontRef idx="minor">
+              <a:schemeClr val="tx1"/>
+            </a:fontRef>
+          </p:style>
+        </p:cxnSp>
+        <p:cxnSp>
+          <p:nvCxnSpPr>
+            <p:cNvPr id="17" name="直接连接符 16"/>
+            <p:cNvCxnSpPr/>
+            <p:nvPr/>
+          </p:nvCxnSpPr>
+          <p:spPr>
+            <a:xfrm>
+              <a:off x="2809875" y="2070224"/>
+              <a:ext cx="3540763" cy="944959"/>
+            </a:xfrm>
+            <a:prstGeom prst="line">
+              <a:avLst/>
+            </a:prstGeom>
+            <a:ln w="12700">
+              <a:solidFill>
+                <a:schemeClr val="accent1">
+                  <a:lumMod val="75000"/>
+                </a:schemeClr>
+              </a:solidFill>
+              <a:prstDash val="dash"/>
+            </a:ln>
+          </p:spPr>
+          <p:style>
+            <a:lnRef idx="1">
+              <a:schemeClr val="accent1"/>
+            </a:lnRef>
+            <a:fillRef idx="0">
+              <a:schemeClr val="accent1"/>
+            </a:fillRef>
+            <a:effectRef idx="0">
+              <a:schemeClr val="accent1"/>
+            </a:effectRef>
+            <a:fontRef idx="minor">
+              <a:schemeClr val="tx1"/>
+            </a:fontRef>
+          </p:style>
+        </p:cxnSp>
+        <p:cxnSp>
+          <p:nvCxnSpPr>
+            <p:cNvPr id="33" name="直接连接符 32"/>
+            <p:cNvCxnSpPr/>
+            <p:nvPr/>
+          </p:nvCxnSpPr>
+          <p:spPr>
+            <a:xfrm>
+              <a:off x="2902588" y="2118110"/>
+              <a:ext cx="3355337" cy="1864269"/>
+            </a:xfrm>
+            <a:prstGeom prst="line">
+              <a:avLst/>
+            </a:prstGeom>
+            <a:ln w="12700">
+              <a:solidFill>
+                <a:schemeClr val="accent1">
+                  <a:lumMod val="75000"/>
+                </a:schemeClr>
+              </a:solidFill>
+              <a:prstDash val="dash"/>
+            </a:ln>
+          </p:spPr>
+          <p:style>
+            <a:lnRef idx="1">
+              <a:schemeClr val="accent1"/>
+            </a:lnRef>
+            <a:fillRef idx="0">
+              <a:schemeClr val="accent1"/>
+            </a:fillRef>
+            <a:effectRef idx="0">
+              <a:schemeClr val="accent1"/>
+            </a:effectRef>
+            <a:fontRef idx="minor">
+              <a:schemeClr val="tx1"/>
+            </a:fontRef>
+          </p:style>
+        </p:cxnSp>
+        <p:cxnSp>
+          <p:nvCxnSpPr>
+            <p:cNvPr id="36" name="直接连接符 35"/>
+            <p:cNvCxnSpPr/>
+            <p:nvPr/>
+          </p:nvCxnSpPr>
+          <p:spPr>
+            <a:xfrm>
+              <a:off x="2809875" y="2070224"/>
+              <a:ext cx="3494406" cy="2825932"/>
+            </a:xfrm>
+            <a:prstGeom prst="line">
+              <a:avLst/>
+            </a:prstGeom>
+            <a:ln w="12700">
+              <a:solidFill>
+                <a:schemeClr val="accent1">
+                  <a:lumMod val="75000"/>
+                </a:schemeClr>
+              </a:solidFill>
+              <a:prstDash val="dash"/>
+            </a:ln>
+          </p:spPr>
+          <p:style>
+            <a:lnRef idx="1">
+              <a:schemeClr val="accent1"/>
+            </a:lnRef>
+            <a:fillRef idx="0">
+              <a:schemeClr val="accent1"/>
+            </a:fillRef>
+            <a:effectRef idx="0">
+              <a:schemeClr val="accent1"/>
+            </a:effectRef>
+            <a:fontRef idx="minor">
+              <a:schemeClr val="tx1"/>
+            </a:fontRef>
+          </p:style>
+        </p:cxnSp>
+        <p:cxnSp>
+          <p:nvCxnSpPr>
+            <p:cNvPr id="38" name="直接连接符 37"/>
+            <p:cNvCxnSpPr/>
+            <p:nvPr/>
+          </p:nvCxnSpPr>
+          <p:spPr>
+            <a:xfrm flipV="1">
+              <a:off x="2809875" y="2118110"/>
+              <a:ext cx="3540763" cy="919485"/>
+            </a:xfrm>
+            <a:prstGeom prst="line">
+              <a:avLst/>
+            </a:prstGeom>
+            <a:ln w="12700">
+              <a:solidFill>
+                <a:schemeClr val="accent1">
+                  <a:lumMod val="75000"/>
+                </a:schemeClr>
+              </a:solidFill>
+              <a:prstDash val="dash"/>
+            </a:ln>
+          </p:spPr>
+          <p:style>
+            <a:lnRef idx="1">
+              <a:schemeClr val="accent1"/>
+            </a:lnRef>
+            <a:fillRef idx="0">
+              <a:schemeClr val="accent1"/>
+            </a:fillRef>
+            <a:effectRef idx="0">
+              <a:schemeClr val="accent1"/>
+            </a:effectRef>
+            <a:fontRef idx="minor">
+              <a:schemeClr val="tx1"/>
+            </a:fontRef>
+          </p:style>
+        </p:cxnSp>
+        <p:cxnSp>
+          <p:nvCxnSpPr>
+            <p:cNvPr id="40" name="直接连接符 39"/>
+            <p:cNvCxnSpPr/>
+            <p:nvPr/>
+          </p:nvCxnSpPr>
+          <p:spPr>
+            <a:xfrm flipV="1">
+              <a:off x="2786696" y="3023447"/>
+              <a:ext cx="3540763" cy="919485"/>
+            </a:xfrm>
+            <a:prstGeom prst="line">
+              <a:avLst/>
+            </a:prstGeom>
+            <a:ln w="12700">
+              <a:solidFill>
+                <a:schemeClr val="accent1">
+                  <a:lumMod val="75000"/>
+                </a:schemeClr>
+              </a:solidFill>
+              <a:prstDash val="dash"/>
+            </a:ln>
+          </p:spPr>
+          <p:style>
+            <a:lnRef idx="1">
+              <a:schemeClr val="accent1"/>
+            </a:lnRef>
+            <a:fillRef idx="0">
+              <a:schemeClr val="accent1"/>
+            </a:fillRef>
+            <a:effectRef idx="0">
+              <a:schemeClr val="accent1"/>
+            </a:effectRef>
+            <a:fontRef idx="minor">
+              <a:schemeClr val="tx1"/>
+            </a:fontRef>
+          </p:style>
+        </p:cxnSp>
+        <p:cxnSp>
+          <p:nvCxnSpPr>
+            <p:cNvPr id="41" name="直接连接符 40"/>
+            <p:cNvCxnSpPr/>
+            <p:nvPr/>
+          </p:nvCxnSpPr>
+          <p:spPr>
+            <a:xfrm flipV="1">
+              <a:off x="2786695" y="4015110"/>
+              <a:ext cx="3540763" cy="919485"/>
+            </a:xfrm>
+            <a:prstGeom prst="line">
+              <a:avLst/>
+            </a:prstGeom>
+            <a:ln w="12700">
+              <a:solidFill>
+                <a:schemeClr val="accent1">
+                  <a:lumMod val="75000"/>
+                </a:schemeClr>
+              </a:solidFill>
+              <a:prstDash val="dash"/>
+            </a:ln>
+          </p:spPr>
+          <p:style>
+            <a:lnRef idx="1">
+              <a:schemeClr val="accent1"/>
+            </a:lnRef>
+            <a:fillRef idx="0">
+              <a:schemeClr val="accent1"/>
+            </a:fillRef>
+            <a:effectRef idx="0">
+              <a:schemeClr val="accent1"/>
+            </a:effectRef>
+            <a:fontRef idx="minor">
+              <a:schemeClr val="tx1"/>
+            </a:fontRef>
+          </p:style>
+        </p:cxnSp>
+        <p:cxnSp>
+          <p:nvCxnSpPr>
+            <p:cNvPr id="42" name="直接连接符 41"/>
+            <p:cNvCxnSpPr/>
+            <p:nvPr/>
+          </p:nvCxnSpPr>
+          <p:spPr>
+            <a:xfrm>
+              <a:off x="2809874" y="3057797"/>
+              <a:ext cx="3540763" cy="944959"/>
+            </a:xfrm>
+            <a:prstGeom prst="line">
+              <a:avLst/>
+            </a:prstGeom>
+            <a:ln w="12700">
+              <a:solidFill>
+                <a:schemeClr val="accent1">
+                  <a:lumMod val="75000"/>
+                </a:schemeClr>
+              </a:solidFill>
+              <a:prstDash val="dash"/>
+            </a:ln>
+          </p:spPr>
+          <p:style>
+            <a:lnRef idx="1">
+              <a:schemeClr val="accent1"/>
+            </a:lnRef>
+            <a:fillRef idx="0">
+              <a:schemeClr val="accent1"/>
+            </a:fillRef>
+            <a:effectRef idx="0">
+              <a:schemeClr val="accent1"/>
+            </a:effectRef>
+            <a:fontRef idx="minor">
+              <a:schemeClr val="tx1"/>
+            </a:fontRef>
+          </p:style>
+        </p:cxnSp>
+        <p:cxnSp>
+          <p:nvCxnSpPr>
+            <p:cNvPr id="43" name="直接连接符 42"/>
+            <p:cNvCxnSpPr/>
+            <p:nvPr/>
+          </p:nvCxnSpPr>
+          <p:spPr>
+            <a:xfrm>
+              <a:off x="2809873" y="4010347"/>
+              <a:ext cx="3540763" cy="944959"/>
+            </a:xfrm>
+            <a:prstGeom prst="line">
+              <a:avLst/>
+            </a:prstGeom>
+            <a:ln w="12700">
+              <a:solidFill>
+                <a:schemeClr val="accent1">
+                  <a:lumMod val="75000"/>
+                </a:schemeClr>
+              </a:solidFill>
+              <a:prstDash val="dash"/>
+            </a:ln>
+          </p:spPr>
+          <p:style>
+            <a:lnRef idx="1">
+              <a:schemeClr val="accent1"/>
+            </a:lnRef>
+            <a:fillRef idx="0">
+              <a:schemeClr val="accent1"/>
+            </a:fillRef>
+            <a:effectRef idx="0">
+              <a:schemeClr val="accent1"/>
+            </a:effectRef>
+            <a:fontRef idx="minor">
+              <a:schemeClr val="tx1"/>
+            </a:fontRef>
+          </p:style>
+        </p:cxnSp>
+        <p:cxnSp>
+          <p:nvCxnSpPr>
+            <p:cNvPr id="44" name="直接连接符 43"/>
+            <p:cNvCxnSpPr/>
+            <p:nvPr/>
+          </p:nvCxnSpPr>
+          <p:spPr>
+            <a:xfrm flipV="1">
+              <a:off x="2809875" y="3066610"/>
+              <a:ext cx="3540761" cy="1829547"/>
+            </a:xfrm>
+            <a:prstGeom prst="line">
+              <a:avLst/>
+            </a:prstGeom>
+            <a:ln w="12700">
+              <a:solidFill>
+                <a:schemeClr val="accent1">
+                  <a:lumMod val="75000"/>
+                </a:schemeClr>
+              </a:solidFill>
+              <a:prstDash val="dash"/>
+            </a:ln>
+          </p:spPr>
+          <p:style>
+            <a:lnRef idx="1">
+              <a:schemeClr val="accent1"/>
+            </a:lnRef>
+            <a:fillRef idx="0">
+              <a:schemeClr val="accent1"/>
+            </a:fillRef>
+            <a:effectRef idx="0">
+              <a:schemeClr val="accent1"/>
+            </a:effectRef>
+            <a:fontRef idx="minor">
+              <a:schemeClr val="tx1"/>
+            </a:fontRef>
+          </p:style>
+        </p:cxnSp>
+        <p:cxnSp>
+          <p:nvCxnSpPr>
+            <p:cNvPr id="47" name="直接连接符 46"/>
+            <p:cNvCxnSpPr/>
+            <p:nvPr/>
+          </p:nvCxnSpPr>
+          <p:spPr>
+            <a:xfrm flipV="1">
+              <a:off x="2786698" y="2152415"/>
+              <a:ext cx="3540761" cy="2743741"/>
+            </a:xfrm>
+            <a:prstGeom prst="line">
+              <a:avLst/>
+            </a:prstGeom>
+            <a:ln w="12700">
+              <a:solidFill>
+                <a:schemeClr val="accent1">
+                  <a:lumMod val="75000"/>
+                </a:schemeClr>
+              </a:solidFill>
+              <a:prstDash val="dash"/>
+            </a:ln>
+          </p:spPr>
+          <p:style>
+            <a:lnRef idx="1">
+              <a:schemeClr val="accent1"/>
+            </a:lnRef>
+            <a:fillRef idx="0">
+              <a:schemeClr val="accent1"/>
+            </a:fillRef>
+            <a:effectRef idx="0">
+              <a:schemeClr val="accent1"/>
+            </a:effectRef>
+            <a:fontRef idx="minor">
+              <a:schemeClr val="tx1"/>
+            </a:fontRef>
+          </p:style>
+        </p:cxnSp>
+      </p:grpSp>
+      <p:sp>
+        <p:nvSpPr>
+          <p:cNvPr id="37" name="爆炸形 1 36"/>
+          <p:cNvSpPr/>
+          <p:nvPr/>
+        </p:nvSpPr>
+        <p:spPr>
+          <a:xfrm>
+            <a:off x="3867097" y="3037595"/>
+            <a:ext cx="2231288" cy="809625"/>
+          </a:xfrm>
+          <a:prstGeom prst="irregularSeal1">
+            <a:avLst/>
+          </a:prstGeom>
+        </p:spPr>
+        <p:style>
+          <a:lnRef idx="3">
+            <a:schemeClr val="lt1"/>
+          </a:lnRef>
+          <a:fillRef idx="1">
+            <a:schemeClr val="accent2"/>
+          </a:fillRef>
+          <a:effectRef idx="1">
+            <a:schemeClr val="accent2"/>
+          </a:effectRef>
+          <a:fontRef idx="minor">
+            <a:schemeClr val="lt1"/>
+          </a:fontRef>
+        </p:style>
+        <p:txBody>
+          <a:bodyPr rtlCol="0" anchor="ctr"/>
+          <a:lstStyle/>
+          <a:p>
+            <a:pPr algn="ctr"/>
+            <a:r>
+              <a:rPr lang="zh-CN" altLang="en-US" dirty="0" smtClean="0"/>
+              <a:t>运维混乱</a:t>
+            </a:r>
+            <a:endParaRPr lang="zh-CN" altLang="en-US" dirty="0"/>
+          </a:p>
+        </p:txBody>
+      </p:sp>
+    </p:spTree>
+    <p:extLst>
+      <p:ext uri="{BB962C8B-B14F-4D97-AF65-F5344CB8AC3E}">
+        <p14:creationId xmlns:p14="http://schemas.microsoft.com/office/powerpoint/2010/main" val="4162744815"/>
+      </p:ext>
+    </p:extLst>
+  </p:cSld>
+  <p:clrMapOvr>
+    <a:masterClrMapping/>
+  </p:clrMapOvr>
+</p:sld>
+</file>
+
+<file path=ppt/slides/slide18.xml><?xml version="1.0" encoding="utf-8"?>
+<p:sld xmlns:a="http://schemas.openxmlformats.org/drawingml/2006/main" xmlns:r="http://schemas.openxmlformats.org/officeDocument/2006/relationships" xmlns:p="http://schemas.openxmlformats.org/presentationml/2006/main">
+  <p:cSld>
+    <p:spTree>
+      <p:nvGrpSpPr>
+        <p:cNvPr id="1" name=""/>
+        <p:cNvGrpSpPr/>
+        <p:nvPr/>
+      </p:nvGrpSpPr>
+      <p:grpSpPr>
+        <a:xfrm>
+          <a:off x="0" y="0"/>
+          <a:ext cx="0" cy="0"/>
+          <a:chOff x="0" y="0"/>
+          <a:chExt cx="0" cy="0"/>
+        </a:xfrm>
+      </p:grpSpPr>
+      <p:sp>
+        <p:nvSpPr>
+          <p:cNvPr id="4" name="矩形 3"/>
+          <p:cNvSpPr/>
+          <p:nvPr/>
+        </p:nvSpPr>
+        <p:spPr>
+          <a:xfrm>
+            <a:off x="7179313" y="1581149"/>
+            <a:ext cx="1295400" cy="4067175"/>
+          </a:xfrm>
+          <a:prstGeom prst="rect">
+            <a:avLst/>
+          </a:prstGeom>
+          <a:ln w="19050">
+            <a:prstDash val="dash"/>
+          </a:ln>
+        </p:spPr>
+        <p:style>
+          <a:lnRef idx="2">
+            <a:schemeClr val="accent1"/>
+          </a:lnRef>
+          <a:fillRef idx="1">
+            <a:schemeClr val="lt1"/>
+          </a:fillRef>
+          <a:effectRef idx="0">
+            <a:schemeClr val="accent1"/>
+          </a:effectRef>
+          <a:fontRef idx="minor">
+            <a:schemeClr val="dk1"/>
+          </a:fontRef>
+        </p:style>
+        <p:txBody>
+          <a:bodyPr rtlCol="0" anchor="ctr"/>
+          <a:lstStyle/>
+          <a:p>
+            <a:pPr algn="ctr"/>
+            <a:endParaRPr lang="zh-CN" altLang="en-US"/>
+          </a:p>
+        </p:txBody>
+      </p:sp>
+      <p:sp>
+        <p:nvSpPr>
+          <p:cNvPr id="5" name="矩形 4"/>
+          <p:cNvSpPr/>
+          <p:nvPr/>
+        </p:nvSpPr>
+        <p:spPr>
+          <a:xfrm>
+            <a:off x="1514475" y="1581151"/>
+            <a:ext cx="1295400" cy="4067173"/>
+          </a:xfrm>
+          <a:prstGeom prst="rect">
+            <a:avLst/>
+          </a:prstGeom>
+          <a:ln w="19050">
+            <a:prstDash val="dash"/>
+          </a:ln>
+        </p:spPr>
+        <p:style>
+          <a:lnRef idx="2">
+            <a:schemeClr val="accent1"/>
+          </a:lnRef>
+          <a:fillRef idx="1">
+            <a:schemeClr val="lt1"/>
+          </a:fillRef>
+          <a:effectRef idx="0">
+            <a:schemeClr val="accent1"/>
+          </a:effectRef>
+          <a:fontRef idx="minor">
+            <a:schemeClr val="dk1"/>
+          </a:fontRef>
+        </p:style>
+        <p:txBody>
+          <a:bodyPr rtlCol="0" anchor="ctr"/>
+          <a:lstStyle/>
+          <a:p>
+            <a:pPr algn="ctr"/>
+            <a:endParaRPr lang="zh-CN" altLang="en-US"/>
+          </a:p>
+        </p:txBody>
+      </p:sp>
+      <p:pic>
+        <p:nvPicPr>
+          <p:cNvPr id="6" name="Picture 4" descr="C:\Users\xiejava\Downloads\工作点工程师.png"/>
+          <p:cNvPicPr>
+            <a:picLocks noChangeAspect="1" noChangeArrowheads="1"/>
+          </p:cNvPicPr>
+          <p:nvPr/>
+        </p:nvPicPr>
+        <p:blipFill>
+          <a:blip r:embed="rId2" cstate="print">
+            <a:extLst>
+              <a:ext uri="{28A0092B-C50C-407E-A947-70E740481C1C}">
+                <a14:useLocalDpi xmlns:a14="http://schemas.microsoft.com/office/drawing/2010/main" val="0"/>
+              </a:ext>
+            </a:extLst>
+          </a:blip>
+          <a:srcRect/>
+          <a:stretch>
+            <a:fillRect/>
+          </a:stretch>
+        </p:blipFill>
+        <p:spPr bwMode="auto">
+          <a:xfrm>
+            <a:off x="1879291" y="1842205"/>
+            <a:ext cx="551810" cy="551810"/>
+          </a:xfrm>
+          <a:prstGeom prst="rect">
+            <a:avLst/>
+          </a:prstGeom>
+          <a:noFill/>
+          <a:extLst>
+            <a:ext uri="{909E8E84-426E-40DD-AFC4-6F175D3DCCD1}">
+              <a14:hiddenFill xmlns:a14="http://schemas.microsoft.com/office/drawing/2010/main">
+                <a:solidFill>
+                  <a:srgbClr val="FFFFFF"/>
+                </a:solidFill>
+              </a14:hiddenFill>
+            </a:ext>
+          </a:extLst>
+        </p:spPr>
+      </p:pic>
+      <p:sp>
+        <p:nvSpPr>
+          <p:cNvPr id="7" name="TextBox 6"/>
+          <p:cNvSpPr txBox="1"/>
+          <p:nvPr/>
+        </p:nvSpPr>
+        <p:spPr>
+          <a:xfrm>
+            <a:off x="1793559" y="2465402"/>
+            <a:ext cx="723275" cy="253916"/>
+          </a:xfrm>
+          <a:prstGeom prst="rect">
+            <a:avLst/>
+          </a:prstGeom>
+          <a:noFill/>
+        </p:spPr>
+        <p:txBody>
+          <a:bodyPr wrap="none" rtlCol="0">
+            <a:spAutoFit/>
+          </a:bodyPr>
+          <a:lstStyle/>
+          <a:p>
+            <a:r>
+              <a:rPr lang="zh-CN" altLang="en-US" sz="1050" dirty="0" smtClean="0"/>
+              <a:t>开发人员</a:t>
+            </a:r>
+            <a:endParaRPr lang="zh-CN" altLang="en-US" sz="1050" dirty="0"/>
+          </a:p>
+        </p:txBody>
+      </p:sp>
+      <p:pic>
+        <p:nvPicPr>
+          <p:cNvPr id="8" name="Picture 4" descr="C:\Users\xiejava\Downloads\工作点工程师.png"/>
+          <p:cNvPicPr>
+            <a:picLocks noChangeAspect="1" noChangeArrowheads="1"/>
+          </p:cNvPicPr>
+          <p:nvPr/>
+        </p:nvPicPr>
+        <p:blipFill>
+          <a:blip r:embed="rId2" cstate="print">
+            <a:extLst>
+              <a:ext uri="{28A0092B-C50C-407E-A947-70E740481C1C}">
+                <a14:useLocalDpi xmlns:a14="http://schemas.microsoft.com/office/drawing/2010/main" val="0"/>
+              </a:ext>
+            </a:extLst>
+          </a:blip>
+          <a:srcRect/>
+          <a:stretch>
+            <a:fillRect/>
+          </a:stretch>
+        </p:blipFill>
+        <p:spPr bwMode="auto">
+          <a:xfrm>
+            <a:off x="1879291" y="2790705"/>
+            <a:ext cx="551810" cy="551810"/>
+          </a:xfrm>
+          <a:prstGeom prst="rect">
+            <a:avLst/>
+          </a:prstGeom>
+          <a:noFill/>
+          <a:extLst>
+            <a:ext uri="{909E8E84-426E-40DD-AFC4-6F175D3DCCD1}">
+              <a14:hiddenFill xmlns:a14="http://schemas.microsoft.com/office/drawing/2010/main">
+                <a:solidFill>
+                  <a:srgbClr val="FFFFFF"/>
+                </a:solidFill>
+              </a14:hiddenFill>
+            </a:ext>
+          </a:extLst>
+        </p:spPr>
+      </p:pic>
+      <p:sp>
+        <p:nvSpPr>
+          <p:cNvPr id="9" name="TextBox 8"/>
+          <p:cNvSpPr txBox="1"/>
+          <p:nvPr/>
+        </p:nvSpPr>
+        <p:spPr>
+          <a:xfrm>
+            <a:off x="1793559" y="3413902"/>
+            <a:ext cx="723275" cy="253916"/>
+          </a:xfrm>
+          <a:prstGeom prst="rect">
+            <a:avLst/>
+          </a:prstGeom>
+          <a:noFill/>
+        </p:spPr>
+        <p:txBody>
+          <a:bodyPr wrap="none" rtlCol="0">
+            <a:spAutoFit/>
+          </a:bodyPr>
+          <a:lstStyle/>
+          <a:p>
+            <a:r>
+              <a:rPr lang="zh-CN" altLang="en-US" sz="1050" dirty="0" smtClean="0"/>
+              <a:t>运维人员</a:t>
+            </a:r>
+            <a:endParaRPr lang="zh-CN" altLang="en-US" sz="1050" dirty="0"/>
+          </a:p>
+        </p:txBody>
+      </p:sp>
+      <p:pic>
+        <p:nvPicPr>
+          <p:cNvPr id="10" name="Picture 4" descr="C:\Users\xiejava\Downloads\工作点工程师.png"/>
+          <p:cNvPicPr>
+            <a:picLocks noChangeAspect="1" noChangeArrowheads="1"/>
+          </p:cNvPicPr>
+          <p:nvPr/>
+        </p:nvPicPr>
+        <p:blipFill>
+          <a:blip r:embed="rId2" cstate="print">
+            <a:extLst>
+              <a:ext uri="{28A0092B-C50C-407E-A947-70E740481C1C}">
+                <a14:useLocalDpi xmlns:a14="http://schemas.microsoft.com/office/drawing/2010/main" val="0"/>
+              </a:ext>
+            </a:extLst>
+          </a:blip>
+          <a:srcRect/>
+          <a:stretch>
+            <a:fillRect/>
+          </a:stretch>
+        </p:blipFill>
+        <p:spPr bwMode="auto">
+          <a:xfrm>
+            <a:off x="1879291" y="3739205"/>
+            <a:ext cx="551810" cy="551810"/>
+          </a:xfrm>
+          <a:prstGeom prst="rect">
+            <a:avLst/>
+          </a:prstGeom>
+          <a:noFill/>
+          <a:extLst>
+            <a:ext uri="{909E8E84-426E-40DD-AFC4-6F175D3DCCD1}">
+              <a14:hiddenFill xmlns:a14="http://schemas.microsoft.com/office/drawing/2010/main">
+                <a:solidFill>
+                  <a:srgbClr val="FFFFFF"/>
+                </a:solidFill>
+              </a14:hiddenFill>
+            </a:ext>
+          </a:extLst>
+        </p:spPr>
+      </p:pic>
+      <p:sp>
+        <p:nvSpPr>
+          <p:cNvPr id="11" name="TextBox 10"/>
+          <p:cNvSpPr txBox="1"/>
+          <p:nvPr/>
+        </p:nvSpPr>
+        <p:spPr>
+          <a:xfrm>
+            <a:off x="1591580" y="4362402"/>
+            <a:ext cx="1127232" cy="253916"/>
+          </a:xfrm>
+          <a:prstGeom prst="rect">
+            <a:avLst/>
+          </a:prstGeom>
+          <a:noFill/>
+        </p:spPr>
+        <p:txBody>
+          <a:bodyPr wrap="none" rtlCol="0">
+            <a:spAutoFit/>
+          </a:bodyPr>
+          <a:lstStyle/>
+          <a:p>
+            <a:r>
+              <a:rPr lang="zh-CN" altLang="en-US" sz="1050" dirty="0" smtClean="0"/>
+              <a:t>第三方代维人员</a:t>
+            </a:r>
+            <a:endParaRPr lang="zh-CN" altLang="en-US" sz="1050" dirty="0"/>
+          </a:p>
+        </p:txBody>
+      </p:sp>
+      <p:pic>
+        <p:nvPicPr>
+          <p:cNvPr id="12" name="Picture 4" descr="C:\Users\xiejava\Downloads\工作点工程师.png"/>
+          <p:cNvPicPr>
+            <a:picLocks noChangeAspect="1" noChangeArrowheads="1"/>
+          </p:cNvPicPr>
+          <p:nvPr/>
+        </p:nvPicPr>
+        <p:blipFill>
+          <a:blip r:embed="rId2" cstate="print">
+            <a:extLst>
+              <a:ext uri="{28A0092B-C50C-407E-A947-70E740481C1C}">
+                <a14:useLocalDpi xmlns:a14="http://schemas.microsoft.com/office/drawing/2010/main" val="0"/>
+              </a:ext>
+            </a:extLst>
+          </a:blip>
+          <a:srcRect/>
+          <a:stretch>
+            <a:fillRect/>
+          </a:stretch>
+        </p:blipFill>
+        <p:spPr bwMode="auto">
+          <a:xfrm>
+            <a:off x="1879291" y="4687705"/>
+            <a:ext cx="551810" cy="551810"/>
+          </a:xfrm>
+          <a:prstGeom prst="rect">
+            <a:avLst/>
+          </a:prstGeom>
+          <a:noFill/>
+          <a:extLst>
+            <a:ext uri="{909E8E84-426E-40DD-AFC4-6F175D3DCCD1}">
+              <a14:hiddenFill xmlns:a14="http://schemas.microsoft.com/office/drawing/2010/main">
+                <a:solidFill>
+                  <a:srgbClr val="FFFFFF"/>
+                </a:solidFill>
+              </a14:hiddenFill>
+            </a:ext>
+          </a:extLst>
+        </p:spPr>
+      </p:pic>
+      <p:sp>
+        <p:nvSpPr>
+          <p:cNvPr id="13" name="TextBox 12"/>
+          <p:cNvSpPr txBox="1"/>
+          <p:nvPr/>
+        </p:nvSpPr>
+        <p:spPr>
+          <a:xfrm>
+            <a:off x="1658907" y="5310904"/>
+            <a:ext cx="992579" cy="253916"/>
+          </a:xfrm>
+          <a:prstGeom prst="rect">
+            <a:avLst/>
+          </a:prstGeom>
+          <a:noFill/>
+        </p:spPr>
+        <p:txBody>
+          <a:bodyPr wrap="none" rtlCol="0">
+            <a:spAutoFit/>
+          </a:bodyPr>
+          <a:lstStyle/>
+          <a:p>
+            <a:r>
+              <a:rPr lang="zh-CN" altLang="en-US" sz="1050" dirty="0" smtClean="0"/>
+              <a:t>厂家支撑人员</a:t>
+            </a:r>
+            <a:endParaRPr lang="zh-CN" altLang="en-US" sz="1050" dirty="0"/>
+          </a:p>
+        </p:txBody>
+      </p:sp>
+      <p:pic>
+        <p:nvPicPr>
+          <p:cNvPr id="14" name="Picture 5" descr="C:\Users\xiejava\Downloads\服务器 (1).png"/>
+          <p:cNvPicPr>
+            <a:picLocks noChangeAspect="1" noChangeArrowheads="1"/>
+          </p:cNvPicPr>
+          <p:nvPr/>
+        </p:nvPicPr>
+        <p:blipFill>
+          <a:blip r:embed="rId3" cstate="print">
+            <a:extLst>
+              <a:ext uri="{28A0092B-C50C-407E-A947-70E740481C1C}">
+                <a14:useLocalDpi xmlns:a14="http://schemas.microsoft.com/office/drawing/2010/main" val="0"/>
+              </a:ext>
+            </a:extLst>
+          </a:blip>
+          <a:srcRect/>
+          <a:stretch>
+            <a:fillRect/>
+          </a:stretch>
+        </p:blipFill>
+        <p:spPr bwMode="auto">
+          <a:xfrm>
+            <a:off x="7598993" y="1842204"/>
+            <a:ext cx="456041" cy="456041"/>
+          </a:xfrm>
+          <a:prstGeom prst="rect">
+            <a:avLst/>
+          </a:prstGeom>
+          <a:noFill/>
+          <a:extLst>
+            <a:ext uri="{909E8E84-426E-40DD-AFC4-6F175D3DCCD1}">
+              <a14:hiddenFill xmlns:a14="http://schemas.microsoft.com/office/drawing/2010/main">
+                <a:solidFill>
+                  <a:srgbClr val="FFFFFF"/>
+                </a:solidFill>
+              </a14:hiddenFill>
+            </a:ext>
+          </a:extLst>
+        </p:spPr>
+      </p:pic>
+      <p:pic>
+        <p:nvPicPr>
+          <p:cNvPr id="15" name="Picture 6" descr="C:\Users\xiejava\Downloads\网络设备.png"/>
+          <p:cNvPicPr>
+            <a:picLocks noChangeAspect="1" noChangeArrowheads="1"/>
+          </p:cNvPicPr>
+          <p:nvPr/>
+        </p:nvPicPr>
+        <p:blipFill>
+          <a:blip r:embed="rId4" cstate="print">
+            <a:extLst>
+              <a:ext uri="{28A0092B-C50C-407E-A947-70E740481C1C}">
+                <a14:useLocalDpi xmlns:a14="http://schemas.microsoft.com/office/drawing/2010/main" val="0"/>
+              </a:ext>
+            </a:extLst>
+          </a:blip>
+          <a:srcRect/>
+          <a:stretch>
+            <a:fillRect/>
+          </a:stretch>
+        </p:blipFill>
+        <p:spPr bwMode="auto">
+          <a:xfrm>
+            <a:off x="7598993" y="2774339"/>
+            <a:ext cx="456041" cy="456041"/>
+          </a:xfrm>
+          <a:prstGeom prst="rect">
+            <a:avLst/>
+          </a:prstGeom>
+          <a:noFill/>
+          <a:extLst>
+            <a:ext uri="{909E8E84-426E-40DD-AFC4-6F175D3DCCD1}">
+              <a14:hiddenFill xmlns:a14="http://schemas.microsoft.com/office/drawing/2010/main">
+                <a:solidFill>
+                  <a:srgbClr val="FFFFFF"/>
+                </a:solidFill>
+              </a14:hiddenFill>
+            </a:ext>
+          </a:extLst>
+        </p:spPr>
+      </p:pic>
+      <p:pic>
+        <p:nvPicPr>
+          <p:cNvPr id="16" name="Picture 7" descr="C:\Users\xiejava\Downloads\数据库.png"/>
+          <p:cNvPicPr>
+            <a:picLocks noChangeAspect="1" noChangeArrowheads="1"/>
+          </p:cNvPicPr>
+          <p:nvPr/>
+        </p:nvPicPr>
+        <p:blipFill>
+          <a:blip r:embed="rId5" cstate="print">
+            <a:extLst>
+              <a:ext uri="{28A0092B-C50C-407E-A947-70E740481C1C}">
+                <a14:useLocalDpi xmlns:a14="http://schemas.microsoft.com/office/drawing/2010/main" val="0"/>
+              </a:ext>
+            </a:extLst>
+          </a:blip>
+          <a:srcRect/>
+          <a:stretch>
+            <a:fillRect/>
+          </a:stretch>
+        </p:blipFill>
+        <p:spPr bwMode="auto">
+          <a:xfrm>
+            <a:off x="7551108" y="3706474"/>
+            <a:ext cx="551810" cy="551810"/>
+          </a:xfrm>
+          <a:prstGeom prst="rect">
+            <a:avLst/>
+          </a:prstGeom>
+          <a:noFill/>
+          <a:extLst>
+            <a:ext uri="{909E8E84-426E-40DD-AFC4-6F175D3DCCD1}">
+              <a14:hiddenFill xmlns:a14="http://schemas.microsoft.com/office/drawing/2010/main">
+                <a:solidFill>
+                  <a:srgbClr val="FFFFFF"/>
+                </a:solidFill>
+              </a14:hiddenFill>
+            </a:ext>
+          </a:extLst>
+        </p:spPr>
+      </p:pic>
+      <p:pic>
+        <p:nvPicPr>
+          <p:cNvPr id="17" name="Picture 8" descr="C:\Users\xiejava\Downloads\IT应用系统数据调整流程-01 (1).png"/>
+          <p:cNvPicPr>
+            <a:picLocks noChangeAspect="1" noChangeArrowheads="1"/>
+          </p:cNvPicPr>
+          <p:nvPr/>
+        </p:nvPicPr>
+        <p:blipFill>
+          <a:blip r:embed="rId6" cstate="print">
+            <a:extLst>
+              <a:ext uri="{28A0092B-C50C-407E-A947-70E740481C1C}">
+                <a14:useLocalDpi xmlns:a14="http://schemas.microsoft.com/office/drawing/2010/main" val="0"/>
+              </a:ext>
+            </a:extLst>
+          </a:blip>
+          <a:srcRect/>
+          <a:stretch>
+            <a:fillRect/>
+          </a:stretch>
+        </p:blipFill>
+        <p:spPr bwMode="auto">
+          <a:xfrm>
+            <a:off x="7598993" y="4734378"/>
+            <a:ext cx="456041" cy="456041"/>
+          </a:xfrm>
+          <a:prstGeom prst="rect">
+            <a:avLst/>
+          </a:prstGeom>
+          <a:noFill/>
+          <a:extLst>
+            <a:ext uri="{909E8E84-426E-40DD-AFC4-6F175D3DCCD1}">
+              <a14:hiddenFill xmlns:a14="http://schemas.microsoft.com/office/drawing/2010/main">
+                <a:solidFill>
+                  <a:srgbClr val="FFFFFF"/>
+                </a:solidFill>
+              </a14:hiddenFill>
+            </a:ext>
+          </a:extLst>
+        </p:spPr>
+      </p:pic>
+      <p:sp>
+        <p:nvSpPr>
+          <p:cNvPr id="18" name="TextBox 17"/>
+          <p:cNvSpPr txBox="1"/>
+          <p:nvPr/>
+        </p:nvSpPr>
+        <p:spPr>
+          <a:xfrm>
+            <a:off x="7372402" y="2409334"/>
+            <a:ext cx="909223" cy="253916"/>
+          </a:xfrm>
+          <a:prstGeom prst="rect">
+            <a:avLst/>
+          </a:prstGeom>
+          <a:noFill/>
+        </p:spPr>
+        <p:txBody>
+          <a:bodyPr wrap="none" rtlCol="0">
+            <a:spAutoFit/>
+          </a:bodyPr>
+          <a:lstStyle/>
+          <a:p>
+            <a:r>
+              <a:rPr lang="zh-CN" altLang="en-US" sz="1050" dirty="0" smtClean="0"/>
+              <a:t>主机</a:t>
+            </a:r>
+            <a:r>
+              <a:rPr lang="en-US" altLang="zh-CN" sz="1050" dirty="0" smtClean="0"/>
+              <a:t>/</a:t>
+            </a:r>
+            <a:r>
+              <a:rPr lang="zh-CN" altLang="en-US" sz="1050" dirty="0" smtClean="0"/>
+              <a:t>服务器</a:t>
+            </a:r>
+            <a:endParaRPr lang="zh-CN" altLang="en-US" sz="1050" dirty="0"/>
+          </a:p>
+        </p:txBody>
+      </p:sp>
+      <p:sp>
+        <p:nvSpPr>
+          <p:cNvPr id="19" name="TextBox 18"/>
+          <p:cNvSpPr txBox="1"/>
+          <p:nvPr/>
+        </p:nvSpPr>
+        <p:spPr>
+          <a:xfrm>
+            <a:off x="7465376" y="3341469"/>
+            <a:ext cx="723275" cy="253916"/>
+          </a:xfrm>
+          <a:prstGeom prst="rect">
+            <a:avLst/>
+          </a:prstGeom>
+          <a:noFill/>
+        </p:spPr>
+        <p:txBody>
+          <a:bodyPr wrap="none" rtlCol="0">
+            <a:spAutoFit/>
+          </a:bodyPr>
+          <a:lstStyle/>
+          <a:p>
+            <a:r>
+              <a:rPr lang="zh-CN" altLang="en-US" sz="1050" dirty="0" smtClean="0"/>
+              <a:t>网络设备</a:t>
+            </a:r>
+            <a:endParaRPr lang="zh-CN" altLang="en-US" sz="1050" dirty="0"/>
+          </a:p>
+        </p:txBody>
+      </p:sp>
+      <p:sp>
+        <p:nvSpPr>
+          <p:cNvPr id="20" name="TextBox 19"/>
+          <p:cNvSpPr txBox="1"/>
+          <p:nvPr/>
+        </p:nvSpPr>
+        <p:spPr>
+          <a:xfrm>
+            <a:off x="7532702" y="4369373"/>
+            <a:ext cx="588623" cy="253916"/>
+          </a:xfrm>
+          <a:prstGeom prst="rect">
+            <a:avLst/>
+          </a:prstGeom>
+          <a:noFill/>
+        </p:spPr>
+        <p:txBody>
+          <a:bodyPr wrap="none" rtlCol="0">
+            <a:spAutoFit/>
+          </a:bodyPr>
+          <a:lstStyle/>
+          <a:p>
+            <a:r>
+              <a:rPr lang="zh-CN" altLang="en-US" sz="1050" dirty="0" smtClean="0"/>
+              <a:t>数据库</a:t>
+            </a:r>
+            <a:endParaRPr lang="zh-CN" altLang="en-US" sz="1050" dirty="0"/>
+          </a:p>
+        </p:txBody>
+      </p:sp>
+      <p:sp>
+        <p:nvSpPr>
+          <p:cNvPr id="21" name="TextBox 20"/>
+          <p:cNvSpPr txBox="1"/>
+          <p:nvPr/>
+        </p:nvSpPr>
+        <p:spPr>
+          <a:xfrm>
+            <a:off x="7465376" y="5301510"/>
+            <a:ext cx="723275" cy="253916"/>
+          </a:xfrm>
+          <a:prstGeom prst="rect">
+            <a:avLst/>
+          </a:prstGeom>
+          <a:noFill/>
+        </p:spPr>
+        <p:txBody>
+          <a:bodyPr wrap="none" rtlCol="0">
+            <a:spAutoFit/>
+          </a:bodyPr>
+          <a:lstStyle/>
+          <a:p>
+            <a:r>
+              <a:rPr lang="zh-CN" altLang="en-US" sz="1050" dirty="0" smtClean="0"/>
+              <a:t>应用系统</a:t>
+            </a:r>
+            <a:endParaRPr lang="zh-CN" altLang="en-US" sz="1050" dirty="0"/>
+          </a:p>
+        </p:txBody>
+      </p:sp>
+      <p:pic>
+        <p:nvPicPr>
+          <p:cNvPr id="22" name="Picture 2" descr="C:\Users\xiejava\Downloads\电脑.png"/>
+          <p:cNvPicPr>
+            <a:picLocks noChangeAspect="1" noChangeArrowheads="1"/>
+          </p:cNvPicPr>
+          <p:nvPr/>
+        </p:nvPicPr>
+        <p:blipFill>
+          <a:blip r:embed="rId7">
+            <a:extLst>
+              <a:ext uri="{28A0092B-C50C-407E-A947-70E740481C1C}">
+                <a14:useLocalDpi xmlns:a14="http://schemas.microsoft.com/office/drawing/2010/main" val="0"/>
+              </a:ext>
+            </a:extLst>
+          </a:blip>
+          <a:srcRect/>
+          <a:stretch>
+            <a:fillRect/>
+          </a:stretch>
+        </p:blipFill>
+        <p:spPr bwMode="auto">
+          <a:xfrm>
+            <a:off x="4331005" y="2759332"/>
+            <a:ext cx="1301141" cy="1301141"/>
+          </a:xfrm>
+          <a:prstGeom prst="rect">
+            <a:avLst/>
+          </a:prstGeom>
+          <a:noFill/>
+          <a:extLst>
+            <a:ext uri="{909E8E84-426E-40DD-AFC4-6F175D3DCCD1}">
+              <a14:hiddenFill xmlns:a14="http://schemas.microsoft.com/office/drawing/2010/main">
+                <a:solidFill>
+                  <a:srgbClr val="FFFFFF"/>
+                </a:solidFill>
+              </a14:hiddenFill>
+            </a:ext>
+          </a:extLst>
+        </p:spPr>
+      </p:pic>
+      <p:sp>
+        <p:nvSpPr>
+          <p:cNvPr id="23" name="TextBox 22"/>
+          <p:cNvSpPr txBox="1"/>
+          <p:nvPr/>
+        </p:nvSpPr>
+        <p:spPr>
+          <a:xfrm>
+            <a:off x="4186325" y="4015110"/>
+            <a:ext cx="1590500" cy="415498"/>
+          </a:xfrm>
+          <a:prstGeom prst="rect">
+            <a:avLst/>
+          </a:prstGeom>
+          <a:noFill/>
+        </p:spPr>
+        <p:txBody>
+          <a:bodyPr wrap="none" rtlCol="0">
+            <a:spAutoFit/>
+          </a:bodyPr>
+          <a:lstStyle/>
+          <a:p>
+            <a:pPr algn="ctr"/>
+            <a:r>
+              <a:rPr lang="zh-CN" altLang="en-US" sz="1050" b="1" dirty="0" smtClean="0"/>
+              <a:t>跳板机</a:t>
+            </a:r>
+            <a:endParaRPr lang="en-US" altLang="zh-CN" sz="1050" b="1" dirty="0" smtClean="0"/>
+          </a:p>
+          <a:p>
+            <a:pPr algn="ctr"/>
+            <a:r>
+              <a:rPr lang="zh-CN" altLang="en-US" sz="1050" b="1" dirty="0" smtClean="0"/>
+              <a:t>（</a:t>
+            </a:r>
+            <a:r>
+              <a:rPr lang="en-US" altLang="zh-CN" sz="1050" b="1" dirty="0" smtClean="0"/>
+              <a:t>linux/unix/windows</a:t>
+            </a:r>
+            <a:r>
+              <a:rPr lang="zh-CN" altLang="en-US" sz="1050" b="1" dirty="0" smtClean="0"/>
+              <a:t>）</a:t>
+            </a:r>
+            <a:endParaRPr lang="zh-CN" altLang="en-US" sz="1050" b="1" dirty="0"/>
+          </a:p>
+        </p:txBody>
+      </p:sp>
+      <p:sp>
+        <p:nvSpPr>
+          <p:cNvPr id="24" name="右箭头 23"/>
+          <p:cNvSpPr/>
+          <p:nvPr/>
+        </p:nvSpPr>
+        <p:spPr>
+          <a:xfrm>
+            <a:off x="3162300" y="3197780"/>
+            <a:ext cx="1024025" cy="375681"/>
+          </a:xfrm>
+          <a:prstGeom prst="rightArrow">
+            <a:avLst/>
+          </a:prstGeom>
+        </p:spPr>
+        <p:style>
+          <a:lnRef idx="3">
+            <a:schemeClr val="lt1"/>
+          </a:lnRef>
+          <a:fillRef idx="1">
+            <a:schemeClr val="accent1"/>
+          </a:fillRef>
+          <a:effectRef idx="1">
+            <a:schemeClr val="accent1"/>
+          </a:effectRef>
+          <a:fontRef idx="minor">
+            <a:schemeClr val="lt1"/>
+          </a:fontRef>
+        </p:style>
+        <p:txBody>
+          <a:bodyPr rtlCol="0" anchor="ctr"/>
+          <a:lstStyle/>
+          <a:p>
+            <a:pPr algn="ctr"/>
+            <a:endParaRPr lang="zh-CN" altLang="en-US"/>
+          </a:p>
+        </p:txBody>
+      </p:sp>
+      <p:sp>
+        <p:nvSpPr>
+          <p:cNvPr id="25" name="右箭头 24"/>
+          <p:cNvSpPr/>
+          <p:nvPr/>
+        </p:nvSpPr>
+        <p:spPr>
+          <a:xfrm>
+            <a:off x="5776825" y="3197780"/>
+            <a:ext cx="1024025" cy="375681"/>
+          </a:xfrm>
+          <a:prstGeom prst="rightArrow">
+            <a:avLst/>
+          </a:prstGeom>
+        </p:spPr>
+        <p:style>
+          <a:lnRef idx="3">
+            <a:schemeClr val="lt1"/>
+          </a:lnRef>
+          <a:fillRef idx="1">
+            <a:schemeClr val="accent1"/>
+          </a:fillRef>
+          <a:effectRef idx="1">
+            <a:schemeClr val="accent1"/>
+          </a:effectRef>
+          <a:fontRef idx="minor">
+            <a:schemeClr val="lt1"/>
+          </a:fontRef>
+        </p:style>
+        <p:txBody>
+          <a:bodyPr rtlCol="0" anchor="ctr"/>
+          <a:lstStyle/>
+          <a:p>
+            <a:pPr algn="ctr"/>
+            <a:endParaRPr lang="zh-CN" altLang="en-US"/>
+          </a:p>
+        </p:txBody>
+      </p:sp>
+    </p:spTree>
+    <p:extLst>
+      <p:ext uri="{BB962C8B-B14F-4D97-AF65-F5344CB8AC3E}">
+        <p14:creationId xmlns:p14="http://schemas.microsoft.com/office/powerpoint/2010/main" val="3380566984"/>
+      </p:ext>
+    </p:extLst>
+  </p:cSld>
+  <p:clrMapOvr>
+    <a:masterClrMapping/>
+  </p:clrMapOvr>
+</p:sld>
+</file>
+
+<file path=ppt/slides/slide19.xml><?xml version="1.0" encoding="utf-8"?>
+<p:sld xmlns:a="http://schemas.openxmlformats.org/drawingml/2006/main" xmlns:r="http://schemas.openxmlformats.org/officeDocument/2006/relationships" xmlns:p="http://schemas.openxmlformats.org/presentationml/2006/main">
+  <p:cSld>
+    <p:spTree>
+      <p:nvGrpSpPr>
+        <p:cNvPr id="1" name=""/>
+        <p:cNvGrpSpPr/>
+        <p:nvPr/>
+      </p:nvGrpSpPr>
+      <p:grpSpPr>
+        <a:xfrm>
+          <a:off x="0" y="0"/>
+          <a:ext cx="0" cy="0"/>
+          <a:chOff x="0" y="0"/>
+          <a:chExt cx="0" cy="0"/>
+        </a:xfrm>
+      </p:grpSpPr>
+      <p:sp>
+        <p:nvSpPr>
+          <p:cNvPr id="4" name="矩形 3"/>
+          <p:cNvSpPr/>
+          <p:nvPr/>
+        </p:nvSpPr>
+        <p:spPr>
+          <a:xfrm>
+            <a:off x="7179313" y="1581149"/>
+            <a:ext cx="1295400" cy="4067175"/>
+          </a:xfrm>
+          <a:prstGeom prst="rect">
+            <a:avLst/>
+          </a:prstGeom>
+          <a:ln w="19050">
+            <a:prstDash val="dash"/>
+          </a:ln>
+        </p:spPr>
+        <p:style>
+          <a:lnRef idx="2">
+            <a:schemeClr val="accent1"/>
+          </a:lnRef>
+          <a:fillRef idx="1">
+            <a:schemeClr val="lt1"/>
+          </a:fillRef>
+          <a:effectRef idx="0">
+            <a:schemeClr val="accent1"/>
+          </a:effectRef>
+          <a:fontRef idx="minor">
+            <a:schemeClr val="dk1"/>
+          </a:fontRef>
+        </p:style>
+        <p:txBody>
+          <a:bodyPr rtlCol="0" anchor="ctr"/>
+          <a:lstStyle/>
+          <a:p>
+            <a:pPr algn="ctr"/>
+            <a:endParaRPr lang="zh-CN" altLang="en-US"/>
+          </a:p>
+        </p:txBody>
+      </p:sp>
+      <p:sp>
+        <p:nvSpPr>
+          <p:cNvPr id="5" name="矩形 4"/>
+          <p:cNvSpPr/>
+          <p:nvPr/>
+        </p:nvSpPr>
+        <p:spPr>
+          <a:xfrm>
+            <a:off x="1514475" y="1581151"/>
+            <a:ext cx="1295400" cy="4067173"/>
+          </a:xfrm>
+          <a:prstGeom prst="rect">
+            <a:avLst/>
+          </a:prstGeom>
+          <a:ln w="19050">
+            <a:prstDash val="dash"/>
+          </a:ln>
+        </p:spPr>
+        <p:style>
+          <a:lnRef idx="2">
+            <a:schemeClr val="accent1"/>
+          </a:lnRef>
+          <a:fillRef idx="1">
+            <a:schemeClr val="lt1"/>
+          </a:fillRef>
+          <a:effectRef idx="0">
+            <a:schemeClr val="accent1"/>
+          </a:effectRef>
+          <a:fontRef idx="minor">
+            <a:schemeClr val="dk1"/>
+          </a:fontRef>
+        </p:style>
+        <p:txBody>
+          <a:bodyPr rtlCol="0" anchor="ctr"/>
+          <a:lstStyle/>
+          <a:p>
+            <a:pPr algn="ctr"/>
+            <a:endParaRPr lang="zh-CN" altLang="en-US"/>
+          </a:p>
+        </p:txBody>
+      </p:sp>
+      <p:pic>
+        <p:nvPicPr>
+          <p:cNvPr id="6" name="Picture 4" descr="C:\Users\xiejava\Downloads\工作点工程师.png"/>
+          <p:cNvPicPr>
+            <a:picLocks noChangeAspect="1" noChangeArrowheads="1"/>
+          </p:cNvPicPr>
+          <p:nvPr/>
+        </p:nvPicPr>
+        <p:blipFill>
+          <a:blip r:embed="rId2" cstate="print">
+            <a:extLst>
+              <a:ext uri="{28A0092B-C50C-407E-A947-70E740481C1C}">
+                <a14:useLocalDpi xmlns:a14="http://schemas.microsoft.com/office/drawing/2010/main" val="0"/>
+              </a:ext>
+            </a:extLst>
+          </a:blip>
+          <a:srcRect/>
+          <a:stretch>
+            <a:fillRect/>
+          </a:stretch>
+        </p:blipFill>
+        <p:spPr bwMode="auto">
+          <a:xfrm>
+            <a:off x="1879291" y="1842205"/>
+            <a:ext cx="551810" cy="551810"/>
+          </a:xfrm>
+          <a:prstGeom prst="rect">
+            <a:avLst/>
+          </a:prstGeom>
+          <a:noFill/>
+          <a:extLst>
+            <a:ext uri="{909E8E84-426E-40DD-AFC4-6F175D3DCCD1}">
+              <a14:hiddenFill xmlns:a14="http://schemas.microsoft.com/office/drawing/2010/main">
+                <a:solidFill>
+                  <a:srgbClr val="FFFFFF"/>
+                </a:solidFill>
+              </a14:hiddenFill>
+            </a:ext>
+          </a:extLst>
+        </p:spPr>
+      </p:pic>
+      <p:sp>
+        <p:nvSpPr>
+          <p:cNvPr id="7" name="TextBox 6"/>
+          <p:cNvSpPr txBox="1"/>
+          <p:nvPr/>
+        </p:nvSpPr>
+        <p:spPr>
+          <a:xfrm>
+            <a:off x="1793559" y="2465402"/>
+            <a:ext cx="723275" cy="253916"/>
+          </a:xfrm>
+          <a:prstGeom prst="rect">
+            <a:avLst/>
+          </a:prstGeom>
+          <a:noFill/>
+        </p:spPr>
+        <p:txBody>
+          <a:bodyPr wrap="none" rtlCol="0">
+            <a:spAutoFit/>
+          </a:bodyPr>
+          <a:lstStyle/>
+          <a:p>
+            <a:r>
+              <a:rPr lang="zh-CN" altLang="en-US" sz="1050" dirty="0" smtClean="0"/>
+              <a:t>开发人员</a:t>
+            </a:r>
+            <a:endParaRPr lang="zh-CN" altLang="en-US" sz="1050" dirty="0"/>
+          </a:p>
+        </p:txBody>
+      </p:sp>
+      <p:pic>
+        <p:nvPicPr>
+          <p:cNvPr id="8" name="Picture 4" descr="C:\Users\xiejava\Downloads\工作点工程师.png"/>
+          <p:cNvPicPr>
+            <a:picLocks noChangeAspect="1" noChangeArrowheads="1"/>
+          </p:cNvPicPr>
+          <p:nvPr/>
+        </p:nvPicPr>
+        <p:blipFill>
+          <a:blip r:embed="rId2" cstate="print">
+            <a:extLst>
+              <a:ext uri="{28A0092B-C50C-407E-A947-70E740481C1C}">
+                <a14:useLocalDpi xmlns:a14="http://schemas.microsoft.com/office/drawing/2010/main" val="0"/>
+              </a:ext>
+            </a:extLst>
+          </a:blip>
+          <a:srcRect/>
+          <a:stretch>
+            <a:fillRect/>
+          </a:stretch>
+        </p:blipFill>
+        <p:spPr bwMode="auto">
+          <a:xfrm>
+            <a:off x="1879291" y="2790705"/>
+            <a:ext cx="551810" cy="551810"/>
+          </a:xfrm>
+          <a:prstGeom prst="rect">
+            <a:avLst/>
+          </a:prstGeom>
+          <a:noFill/>
+          <a:extLst>
+            <a:ext uri="{909E8E84-426E-40DD-AFC4-6F175D3DCCD1}">
+              <a14:hiddenFill xmlns:a14="http://schemas.microsoft.com/office/drawing/2010/main">
+                <a:solidFill>
+                  <a:srgbClr val="FFFFFF"/>
+                </a:solidFill>
+              </a14:hiddenFill>
+            </a:ext>
+          </a:extLst>
+        </p:spPr>
+      </p:pic>
+      <p:sp>
+        <p:nvSpPr>
+          <p:cNvPr id="9" name="TextBox 8"/>
+          <p:cNvSpPr txBox="1"/>
+          <p:nvPr/>
+        </p:nvSpPr>
+        <p:spPr>
+          <a:xfrm>
+            <a:off x="1793559" y="3413902"/>
+            <a:ext cx="723275" cy="253916"/>
+          </a:xfrm>
+          <a:prstGeom prst="rect">
+            <a:avLst/>
+          </a:prstGeom>
+          <a:noFill/>
+        </p:spPr>
+        <p:txBody>
+          <a:bodyPr wrap="none" rtlCol="0">
+            <a:spAutoFit/>
+          </a:bodyPr>
+          <a:lstStyle/>
+          <a:p>
+            <a:r>
+              <a:rPr lang="zh-CN" altLang="en-US" sz="1050" dirty="0" smtClean="0"/>
+              <a:t>运维人员</a:t>
+            </a:r>
+            <a:endParaRPr lang="zh-CN" altLang="en-US" sz="1050" dirty="0"/>
+          </a:p>
+        </p:txBody>
+      </p:sp>
+      <p:pic>
+        <p:nvPicPr>
+          <p:cNvPr id="10" name="Picture 4" descr="C:\Users\xiejava\Downloads\工作点工程师.png"/>
+          <p:cNvPicPr>
+            <a:picLocks noChangeAspect="1" noChangeArrowheads="1"/>
+          </p:cNvPicPr>
+          <p:nvPr/>
+        </p:nvPicPr>
+        <p:blipFill>
+          <a:blip r:embed="rId2" cstate="print">
+            <a:extLst>
+              <a:ext uri="{28A0092B-C50C-407E-A947-70E740481C1C}">
+                <a14:useLocalDpi xmlns:a14="http://schemas.microsoft.com/office/drawing/2010/main" val="0"/>
+              </a:ext>
+            </a:extLst>
+          </a:blip>
+          <a:srcRect/>
+          <a:stretch>
+            <a:fillRect/>
+          </a:stretch>
+        </p:blipFill>
+        <p:spPr bwMode="auto">
+          <a:xfrm>
+            <a:off x="1879291" y="3739205"/>
+            <a:ext cx="551810" cy="551810"/>
+          </a:xfrm>
+          <a:prstGeom prst="rect">
+            <a:avLst/>
+          </a:prstGeom>
+          <a:noFill/>
+          <a:extLst>
+            <a:ext uri="{909E8E84-426E-40DD-AFC4-6F175D3DCCD1}">
+              <a14:hiddenFill xmlns:a14="http://schemas.microsoft.com/office/drawing/2010/main">
+                <a:solidFill>
+                  <a:srgbClr val="FFFFFF"/>
+                </a:solidFill>
+              </a14:hiddenFill>
+            </a:ext>
+          </a:extLst>
+        </p:spPr>
+      </p:pic>
+      <p:sp>
+        <p:nvSpPr>
+          <p:cNvPr id="11" name="TextBox 10"/>
+          <p:cNvSpPr txBox="1"/>
+          <p:nvPr/>
+        </p:nvSpPr>
+        <p:spPr>
+          <a:xfrm>
+            <a:off x="1591580" y="4362402"/>
+            <a:ext cx="1127232" cy="253916"/>
+          </a:xfrm>
+          <a:prstGeom prst="rect">
+            <a:avLst/>
+          </a:prstGeom>
+          <a:noFill/>
+        </p:spPr>
+        <p:txBody>
+          <a:bodyPr wrap="none" rtlCol="0">
+            <a:spAutoFit/>
+          </a:bodyPr>
+          <a:lstStyle/>
+          <a:p>
+            <a:r>
+              <a:rPr lang="zh-CN" altLang="en-US" sz="1050" dirty="0" smtClean="0"/>
+              <a:t>第三方代维人员</a:t>
+            </a:r>
+            <a:endParaRPr lang="zh-CN" altLang="en-US" sz="1050" dirty="0"/>
+          </a:p>
+        </p:txBody>
+      </p:sp>
+      <p:pic>
+        <p:nvPicPr>
+          <p:cNvPr id="12" name="Picture 4" descr="C:\Users\xiejava\Downloads\工作点工程师.png"/>
+          <p:cNvPicPr>
+            <a:picLocks noChangeAspect="1" noChangeArrowheads="1"/>
+          </p:cNvPicPr>
+          <p:nvPr/>
+        </p:nvPicPr>
+        <p:blipFill>
+          <a:blip r:embed="rId2" cstate="print">
+            <a:extLst>
+              <a:ext uri="{28A0092B-C50C-407E-A947-70E740481C1C}">
+                <a14:useLocalDpi xmlns:a14="http://schemas.microsoft.com/office/drawing/2010/main" val="0"/>
+              </a:ext>
+            </a:extLst>
+          </a:blip>
+          <a:srcRect/>
+          <a:stretch>
+            <a:fillRect/>
+          </a:stretch>
+        </p:blipFill>
+        <p:spPr bwMode="auto">
+          <a:xfrm>
+            <a:off x="1879291" y="4687705"/>
+            <a:ext cx="551810" cy="551810"/>
+          </a:xfrm>
+          <a:prstGeom prst="rect">
+            <a:avLst/>
+          </a:prstGeom>
+          <a:noFill/>
+          <a:extLst>
+            <a:ext uri="{909E8E84-426E-40DD-AFC4-6F175D3DCCD1}">
+              <a14:hiddenFill xmlns:a14="http://schemas.microsoft.com/office/drawing/2010/main">
+                <a:solidFill>
+                  <a:srgbClr val="FFFFFF"/>
+                </a:solidFill>
+              </a14:hiddenFill>
+            </a:ext>
+          </a:extLst>
+        </p:spPr>
+      </p:pic>
+      <p:sp>
+        <p:nvSpPr>
+          <p:cNvPr id="13" name="TextBox 12"/>
+          <p:cNvSpPr txBox="1"/>
+          <p:nvPr/>
+        </p:nvSpPr>
+        <p:spPr>
+          <a:xfrm>
+            <a:off x="1658907" y="5310904"/>
+            <a:ext cx="992579" cy="253916"/>
+          </a:xfrm>
+          <a:prstGeom prst="rect">
+            <a:avLst/>
+          </a:prstGeom>
+          <a:noFill/>
+        </p:spPr>
+        <p:txBody>
+          <a:bodyPr wrap="none" rtlCol="0">
+            <a:spAutoFit/>
+          </a:bodyPr>
+          <a:lstStyle/>
+          <a:p>
+            <a:r>
+              <a:rPr lang="zh-CN" altLang="en-US" sz="1050" dirty="0" smtClean="0"/>
+              <a:t>厂家支撑人员</a:t>
+            </a:r>
+            <a:endParaRPr lang="zh-CN" altLang="en-US" sz="1050" dirty="0"/>
+          </a:p>
+        </p:txBody>
+      </p:sp>
+      <p:pic>
+        <p:nvPicPr>
+          <p:cNvPr id="14" name="Picture 5" descr="C:\Users\xiejava\Downloads\服务器 (1).png"/>
+          <p:cNvPicPr>
+            <a:picLocks noChangeAspect="1" noChangeArrowheads="1"/>
+          </p:cNvPicPr>
+          <p:nvPr/>
+        </p:nvPicPr>
+        <p:blipFill>
+          <a:blip r:embed="rId3" cstate="print">
+            <a:extLst>
+              <a:ext uri="{28A0092B-C50C-407E-A947-70E740481C1C}">
+                <a14:useLocalDpi xmlns:a14="http://schemas.microsoft.com/office/drawing/2010/main" val="0"/>
+              </a:ext>
+            </a:extLst>
+          </a:blip>
+          <a:srcRect/>
+          <a:stretch>
+            <a:fillRect/>
+          </a:stretch>
+        </p:blipFill>
+        <p:spPr bwMode="auto">
+          <a:xfrm>
+            <a:off x="7598993" y="1842204"/>
+            <a:ext cx="456041" cy="456041"/>
+          </a:xfrm>
+          <a:prstGeom prst="rect">
+            <a:avLst/>
+          </a:prstGeom>
+          <a:noFill/>
+          <a:extLst>
+            <a:ext uri="{909E8E84-426E-40DD-AFC4-6F175D3DCCD1}">
+              <a14:hiddenFill xmlns:a14="http://schemas.microsoft.com/office/drawing/2010/main">
+                <a:solidFill>
+                  <a:srgbClr val="FFFFFF"/>
+                </a:solidFill>
+              </a14:hiddenFill>
+            </a:ext>
+          </a:extLst>
+        </p:spPr>
+      </p:pic>
+      <p:pic>
+        <p:nvPicPr>
+          <p:cNvPr id="15" name="Picture 6" descr="C:\Users\xiejava\Downloads\网络设备.png"/>
+          <p:cNvPicPr>
+            <a:picLocks noChangeAspect="1" noChangeArrowheads="1"/>
+          </p:cNvPicPr>
+          <p:nvPr/>
+        </p:nvPicPr>
+        <p:blipFill>
+          <a:blip r:embed="rId4" cstate="print">
+            <a:extLst>
+              <a:ext uri="{28A0092B-C50C-407E-A947-70E740481C1C}">
+                <a14:useLocalDpi xmlns:a14="http://schemas.microsoft.com/office/drawing/2010/main" val="0"/>
+              </a:ext>
+            </a:extLst>
+          </a:blip>
+          <a:srcRect/>
+          <a:stretch>
+            <a:fillRect/>
+          </a:stretch>
+        </p:blipFill>
+        <p:spPr bwMode="auto">
+          <a:xfrm>
+            <a:off x="7598993" y="2774339"/>
+            <a:ext cx="456041" cy="456041"/>
+          </a:xfrm>
+          <a:prstGeom prst="rect">
+            <a:avLst/>
+          </a:prstGeom>
+          <a:noFill/>
+          <a:extLst>
+            <a:ext uri="{909E8E84-426E-40DD-AFC4-6F175D3DCCD1}">
+              <a14:hiddenFill xmlns:a14="http://schemas.microsoft.com/office/drawing/2010/main">
+                <a:solidFill>
+                  <a:srgbClr val="FFFFFF"/>
+                </a:solidFill>
+              </a14:hiddenFill>
+            </a:ext>
+          </a:extLst>
+        </p:spPr>
+      </p:pic>
+      <p:pic>
+        <p:nvPicPr>
+          <p:cNvPr id="16" name="Picture 7" descr="C:\Users\xiejava\Downloads\数据库.png"/>
+          <p:cNvPicPr>
+            <a:picLocks noChangeAspect="1" noChangeArrowheads="1"/>
+          </p:cNvPicPr>
+          <p:nvPr/>
+        </p:nvPicPr>
+        <p:blipFill>
+          <a:blip r:embed="rId5" cstate="print">
+            <a:extLst>
+              <a:ext uri="{28A0092B-C50C-407E-A947-70E740481C1C}">
+                <a14:useLocalDpi xmlns:a14="http://schemas.microsoft.com/office/drawing/2010/main" val="0"/>
+              </a:ext>
+            </a:extLst>
+          </a:blip>
+          <a:srcRect/>
+          <a:stretch>
+            <a:fillRect/>
+          </a:stretch>
+        </p:blipFill>
+        <p:spPr bwMode="auto">
+          <a:xfrm>
+            <a:off x="7551108" y="3706474"/>
+            <a:ext cx="551810" cy="551810"/>
+          </a:xfrm>
+          <a:prstGeom prst="rect">
+            <a:avLst/>
+          </a:prstGeom>
+          <a:noFill/>
+          <a:extLst>
+            <a:ext uri="{909E8E84-426E-40DD-AFC4-6F175D3DCCD1}">
+              <a14:hiddenFill xmlns:a14="http://schemas.microsoft.com/office/drawing/2010/main">
+                <a:solidFill>
+                  <a:srgbClr val="FFFFFF"/>
+                </a:solidFill>
+              </a14:hiddenFill>
+            </a:ext>
+          </a:extLst>
+        </p:spPr>
+      </p:pic>
+      <p:pic>
+        <p:nvPicPr>
+          <p:cNvPr id="17" name="Picture 8" descr="C:\Users\xiejava\Downloads\IT应用系统数据调整流程-01 (1).png"/>
+          <p:cNvPicPr>
+            <a:picLocks noChangeAspect="1" noChangeArrowheads="1"/>
+          </p:cNvPicPr>
+          <p:nvPr/>
+        </p:nvPicPr>
+        <p:blipFill>
+          <a:blip r:embed="rId6" cstate="print">
+            <a:extLst>
+              <a:ext uri="{28A0092B-C50C-407E-A947-70E740481C1C}">
+                <a14:useLocalDpi xmlns:a14="http://schemas.microsoft.com/office/drawing/2010/main" val="0"/>
+              </a:ext>
+            </a:extLst>
+          </a:blip>
+          <a:srcRect/>
+          <a:stretch>
+            <a:fillRect/>
+          </a:stretch>
+        </p:blipFill>
+        <p:spPr bwMode="auto">
+          <a:xfrm>
+            <a:off x="7598993" y="4734378"/>
+            <a:ext cx="456041" cy="456041"/>
+          </a:xfrm>
+          <a:prstGeom prst="rect">
+            <a:avLst/>
+          </a:prstGeom>
+          <a:noFill/>
+          <a:extLst>
+            <a:ext uri="{909E8E84-426E-40DD-AFC4-6F175D3DCCD1}">
+              <a14:hiddenFill xmlns:a14="http://schemas.microsoft.com/office/drawing/2010/main">
+                <a:solidFill>
+                  <a:srgbClr val="FFFFFF"/>
+                </a:solidFill>
+              </a14:hiddenFill>
+            </a:ext>
+          </a:extLst>
+        </p:spPr>
+      </p:pic>
+      <p:sp>
+        <p:nvSpPr>
+          <p:cNvPr id="18" name="TextBox 17"/>
+          <p:cNvSpPr txBox="1"/>
+          <p:nvPr/>
+        </p:nvSpPr>
+        <p:spPr>
+          <a:xfrm>
+            <a:off x="7372402" y="2409334"/>
+            <a:ext cx="909223" cy="253916"/>
+          </a:xfrm>
+          <a:prstGeom prst="rect">
+            <a:avLst/>
+          </a:prstGeom>
+          <a:noFill/>
+        </p:spPr>
+        <p:txBody>
+          <a:bodyPr wrap="none" rtlCol="0">
+            <a:spAutoFit/>
+          </a:bodyPr>
+          <a:lstStyle/>
+          <a:p>
+            <a:r>
+              <a:rPr lang="zh-CN" altLang="en-US" sz="1050" dirty="0" smtClean="0"/>
+              <a:t>主机</a:t>
+            </a:r>
+            <a:r>
+              <a:rPr lang="en-US" altLang="zh-CN" sz="1050" dirty="0" smtClean="0"/>
+              <a:t>/</a:t>
+            </a:r>
+            <a:r>
+              <a:rPr lang="zh-CN" altLang="en-US" sz="1050" dirty="0" smtClean="0"/>
+              <a:t>服务器</a:t>
+            </a:r>
+            <a:endParaRPr lang="zh-CN" altLang="en-US" sz="1050" dirty="0"/>
+          </a:p>
+        </p:txBody>
+      </p:sp>
+      <p:sp>
+        <p:nvSpPr>
+          <p:cNvPr id="19" name="TextBox 18"/>
+          <p:cNvSpPr txBox="1"/>
+          <p:nvPr/>
+        </p:nvSpPr>
+        <p:spPr>
+          <a:xfrm>
+            <a:off x="7465376" y="3341469"/>
+            <a:ext cx="723275" cy="253916"/>
+          </a:xfrm>
+          <a:prstGeom prst="rect">
+            <a:avLst/>
+          </a:prstGeom>
+          <a:noFill/>
+        </p:spPr>
+        <p:txBody>
+          <a:bodyPr wrap="none" rtlCol="0">
+            <a:spAutoFit/>
+          </a:bodyPr>
+          <a:lstStyle/>
+          <a:p>
+            <a:r>
+              <a:rPr lang="zh-CN" altLang="en-US" sz="1050" dirty="0" smtClean="0"/>
+              <a:t>网络设备</a:t>
+            </a:r>
+            <a:endParaRPr lang="zh-CN" altLang="en-US" sz="1050" dirty="0"/>
+          </a:p>
+        </p:txBody>
+      </p:sp>
+      <p:sp>
+        <p:nvSpPr>
+          <p:cNvPr id="20" name="TextBox 19"/>
+          <p:cNvSpPr txBox="1"/>
+          <p:nvPr/>
+        </p:nvSpPr>
+        <p:spPr>
+          <a:xfrm>
+            <a:off x="7532702" y="4369373"/>
+            <a:ext cx="588623" cy="253916"/>
+          </a:xfrm>
+          <a:prstGeom prst="rect">
+            <a:avLst/>
+          </a:prstGeom>
+          <a:noFill/>
+        </p:spPr>
+        <p:txBody>
+          <a:bodyPr wrap="none" rtlCol="0">
+            <a:spAutoFit/>
+          </a:bodyPr>
+          <a:lstStyle/>
+          <a:p>
+            <a:r>
+              <a:rPr lang="zh-CN" altLang="en-US" sz="1050" dirty="0" smtClean="0"/>
+              <a:t>数据库</a:t>
+            </a:r>
+            <a:endParaRPr lang="zh-CN" altLang="en-US" sz="1050" dirty="0"/>
+          </a:p>
+        </p:txBody>
+      </p:sp>
+      <p:sp>
+        <p:nvSpPr>
+          <p:cNvPr id="21" name="TextBox 20"/>
+          <p:cNvSpPr txBox="1"/>
+          <p:nvPr/>
+        </p:nvSpPr>
+        <p:spPr>
+          <a:xfrm>
+            <a:off x="7465376" y="5301510"/>
+            <a:ext cx="723275" cy="253916"/>
+          </a:xfrm>
+          <a:prstGeom prst="rect">
+            <a:avLst/>
+          </a:prstGeom>
+          <a:noFill/>
+        </p:spPr>
+        <p:txBody>
+          <a:bodyPr wrap="none" rtlCol="0">
+            <a:spAutoFit/>
+          </a:bodyPr>
+          <a:lstStyle/>
+          <a:p>
+            <a:r>
+              <a:rPr lang="zh-CN" altLang="en-US" sz="1050" dirty="0" smtClean="0"/>
+              <a:t>应用系统</a:t>
+            </a:r>
+            <a:endParaRPr lang="zh-CN" altLang="en-US" sz="1050" dirty="0"/>
+          </a:p>
+        </p:txBody>
+      </p:sp>
+      <p:sp>
+        <p:nvSpPr>
+          <p:cNvPr id="39" name="TextBox 38"/>
+          <p:cNvSpPr txBox="1"/>
+          <p:nvPr/>
+        </p:nvSpPr>
+        <p:spPr>
+          <a:xfrm>
+            <a:off x="4686985" y="4215135"/>
+            <a:ext cx="646331" cy="276999"/>
+          </a:xfrm>
+          <a:prstGeom prst="rect">
+            <a:avLst/>
+          </a:prstGeom>
+          <a:noFill/>
+        </p:spPr>
+        <p:txBody>
+          <a:bodyPr wrap="none" rtlCol="0">
+            <a:spAutoFit/>
+          </a:bodyPr>
+          <a:lstStyle/>
+          <a:p>
+            <a:pPr algn="ctr"/>
+            <a:r>
+              <a:rPr lang="zh-CN" altLang="en-US" sz="1200" b="1" dirty="0" smtClean="0"/>
+              <a:t>堡垒机</a:t>
+            </a:r>
+            <a:endParaRPr lang="zh-CN" altLang="en-US" sz="1200" b="1" dirty="0"/>
+          </a:p>
+        </p:txBody>
+      </p:sp>
+      <p:pic>
+        <p:nvPicPr>
+          <p:cNvPr id="2051" name="Picture 3" descr="C:\Users\xiejava\Downloads\堡垒机.png"/>
+          <p:cNvPicPr>
+            <a:picLocks noChangeAspect="1" noChangeArrowheads="1"/>
+          </p:cNvPicPr>
+          <p:nvPr/>
+        </p:nvPicPr>
+        <p:blipFill>
+          <a:blip r:embed="rId7">
+            <a:extLst>
+              <a:ext uri="{28A0092B-C50C-407E-A947-70E740481C1C}">
+                <a14:useLocalDpi xmlns:a14="http://schemas.microsoft.com/office/drawing/2010/main" val="0"/>
+              </a:ext>
+            </a:extLst>
+          </a:blip>
+          <a:srcRect/>
+          <a:stretch>
+            <a:fillRect/>
+          </a:stretch>
+        </p:blipFill>
+        <p:spPr bwMode="auto">
+          <a:xfrm>
+            <a:off x="4323098" y="2740228"/>
+            <a:ext cx="1431255" cy="1431255"/>
+          </a:xfrm>
+          <a:prstGeom prst="rect">
+            <a:avLst/>
+          </a:prstGeom>
+          <a:noFill/>
+          <a:extLst>
+            <a:ext uri="{909E8E84-426E-40DD-AFC4-6F175D3DCCD1}">
+              <a14:hiddenFill xmlns:a14="http://schemas.microsoft.com/office/drawing/2010/main">
+                <a:solidFill>
+                  <a:srgbClr val="FFFFFF"/>
+                </a:solidFill>
+              </a14:hiddenFill>
+            </a:ext>
+          </a:extLst>
+        </p:spPr>
+      </p:pic>
+      <p:sp>
+        <p:nvSpPr>
+          <p:cNvPr id="40" name="右箭头 39"/>
+          <p:cNvSpPr/>
+          <p:nvPr/>
+        </p:nvSpPr>
+        <p:spPr>
+          <a:xfrm>
+            <a:off x="3452812" y="2770287"/>
+            <a:ext cx="466725" cy="1431255"/>
+          </a:xfrm>
+          <a:prstGeom prst="rightArrow">
+            <a:avLst/>
+          </a:prstGeom>
+        </p:spPr>
+        <p:style>
+          <a:lnRef idx="3">
+            <a:schemeClr val="lt1"/>
+          </a:lnRef>
+          <a:fillRef idx="1">
+            <a:schemeClr val="accent1"/>
+          </a:fillRef>
+          <a:effectRef idx="1">
+            <a:schemeClr val="accent1"/>
+          </a:effectRef>
+          <a:fontRef idx="minor">
+            <a:schemeClr val="lt1"/>
+          </a:fontRef>
+        </p:style>
+        <p:txBody>
+          <a:bodyPr rtlCol="0" anchor="ctr"/>
+          <a:lstStyle/>
+          <a:p>
+            <a:pPr algn="ctr"/>
+            <a:endParaRPr lang="zh-CN" altLang="en-US"/>
+          </a:p>
+        </p:txBody>
+      </p:sp>
+      <p:sp>
+        <p:nvSpPr>
+          <p:cNvPr id="44" name="右箭头 43"/>
+          <p:cNvSpPr/>
+          <p:nvPr/>
+        </p:nvSpPr>
+        <p:spPr>
+          <a:xfrm>
+            <a:off x="6143625" y="2770287"/>
+            <a:ext cx="466725" cy="1431255"/>
+          </a:xfrm>
+          <a:prstGeom prst="rightArrow">
+            <a:avLst/>
+          </a:prstGeom>
+        </p:spPr>
+        <p:style>
+          <a:lnRef idx="3">
+            <a:schemeClr val="lt1"/>
+          </a:lnRef>
+          <a:fillRef idx="1">
+            <a:schemeClr val="accent1"/>
+          </a:fillRef>
+          <a:effectRef idx="1">
+            <a:schemeClr val="accent1"/>
+          </a:effectRef>
+          <a:fontRef idx="minor">
+            <a:schemeClr val="lt1"/>
+          </a:fontRef>
+        </p:style>
+        <p:txBody>
+          <a:bodyPr rtlCol="0" anchor="ctr"/>
+          <a:lstStyle/>
+          <a:p>
+            <a:pPr algn="ctr"/>
+            <a:endParaRPr lang="zh-CN" altLang="en-US"/>
+          </a:p>
+        </p:txBody>
+      </p:sp>
+      <p:sp>
+        <p:nvSpPr>
+          <p:cNvPr id="42" name="TextBox 41"/>
+          <p:cNvSpPr txBox="1"/>
+          <p:nvPr/>
+        </p:nvSpPr>
+        <p:spPr>
+          <a:xfrm>
+            <a:off x="3672956" y="4488632"/>
+            <a:ext cx="2864887" cy="261610"/>
+          </a:xfrm>
+          <a:prstGeom prst="rect">
+            <a:avLst/>
+          </a:prstGeom>
+          <a:noFill/>
+        </p:spPr>
+        <p:txBody>
+          <a:bodyPr wrap="none" rtlCol="0">
+            <a:spAutoFit/>
+          </a:bodyPr>
+          <a:lstStyle/>
+          <a:p>
+            <a:r>
+              <a:rPr lang="zh-CN" altLang="en-US" sz="1100" dirty="0" smtClean="0"/>
+              <a:t>集中认证、集中授权、集中账号、集中审计</a:t>
+            </a:r>
+            <a:endParaRPr lang="zh-CN" altLang="en-US" sz="1100" dirty="0"/>
+          </a:p>
+        </p:txBody>
+      </p:sp>
+    </p:spTree>
+    <p:extLst>
+      <p:ext uri="{BB962C8B-B14F-4D97-AF65-F5344CB8AC3E}">
+        <p14:creationId xmlns:p14="http://schemas.microsoft.com/office/powerpoint/2010/main" val="1898974340"/>
+      </p:ext>
+    </p:extLst>
+  </p:cSld>
+  <p:clrMapOvr>
+    <a:masterClrMapping/>
+  </p:clrMapOvr>
+</p:sld>
+</file>
+
 <file path=ppt/slides/slide2.xml><?xml version="1.0" encoding="utf-8"?>
 <p:sld xmlns:a="http://schemas.openxmlformats.org/drawingml/2006/main" xmlns:r="http://schemas.openxmlformats.org/officeDocument/2006/relationships" xmlns:p="http://schemas.openxmlformats.org/presentationml/2006/main">
   <p:cSld>
@@ -30819,6 +33868,3873 @@
         </p:txBody>
       </p:sp>
     </p:spTree>
+  </p:cSld>
+  <p:clrMapOvr>
+    <a:masterClrMapping/>
+  </p:clrMapOvr>
+</p:sld>
+</file>
+
+<file path=ppt/slides/slide20.xml><?xml version="1.0" encoding="utf-8"?>
+<p:sld xmlns:a="http://schemas.openxmlformats.org/drawingml/2006/main" xmlns:r="http://schemas.openxmlformats.org/officeDocument/2006/relationships" xmlns:p="http://schemas.openxmlformats.org/presentationml/2006/main">
+  <p:cSld>
+    <p:spTree>
+      <p:nvGrpSpPr>
+        <p:cNvPr id="1" name=""/>
+        <p:cNvGrpSpPr/>
+        <p:nvPr/>
+      </p:nvGrpSpPr>
+      <p:grpSpPr>
+        <a:xfrm>
+          <a:off x="0" y="0"/>
+          <a:ext cx="0" cy="0"/>
+          <a:chOff x="0" y="0"/>
+          <a:chExt cx="0" cy="0"/>
+        </a:xfrm>
+      </p:grpSpPr>
+      <p:sp>
+        <p:nvSpPr>
+          <p:cNvPr id="51" name="矩形 50"/>
+          <p:cNvSpPr/>
+          <p:nvPr/>
+        </p:nvSpPr>
+        <p:spPr>
+          <a:xfrm>
+            <a:off x="2905125" y="1581149"/>
+            <a:ext cx="4693288" cy="4067175"/>
+          </a:xfrm>
+          <a:prstGeom prst="rect">
+            <a:avLst/>
+          </a:prstGeom>
+          <a:solidFill>
+            <a:schemeClr val="bg1">
+              <a:lumMod val="85000"/>
+            </a:schemeClr>
+          </a:solidFill>
+          <a:ln>
+            <a:noFill/>
+          </a:ln>
+        </p:spPr>
+        <p:style>
+          <a:lnRef idx="2">
+            <a:schemeClr val="accent1">
+              <a:shade val="50000"/>
+            </a:schemeClr>
+          </a:lnRef>
+          <a:fillRef idx="1">
+            <a:schemeClr val="accent1"/>
+          </a:fillRef>
+          <a:effectRef idx="0">
+            <a:schemeClr val="accent1"/>
+          </a:effectRef>
+          <a:fontRef idx="minor">
+            <a:schemeClr val="lt1"/>
+          </a:fontRef>
+        </p:style>
+        <p:txBody>
+          <a:bodyPr rtlCol="0" anchor="ctr"/>
+          <a:lstStyle/>
+          <a:p>
+            <a:pPr algn="ctr"/>
+            <a:endParaRPr lang="zh-CN" altLang="en-US"/>
+          </a:p>
+        </p:txBody>
+      </p:sp>
+      <p:sp>
+        <p:nvSpPr>
+          <p:cNvPr id="4" name="矩形 3"/>
+          <p:cNvSpPr/>
+          <p:nvPr/>
+        </p:nvSpPr>
+        <p:spPr>
+          <a:xfrm>
+            <a:off x="7636513" y="1581149"/>
+            <a:ext cx="1295400" cy="4067175"/>
+          </a:xfrm>
+          <a:prstGeom prst="rect">
+            <a:avLst/>
+          </a:prstGeom>
+          <a:ln w="19050">
+            <a:prstDash val="dash"/>
+          </a:ln>
+        </p:spPr>
+        <p:style>
+          <a:lnRef idx="2">
+            <a:schemeClr val="accent1"/>
+          </a:lnRef>
+          <a:fillRef idx="1">
+            <a:schemeClr val="lt1"/>
+          </a:fillRef>
+          <a:effectRef idx="0">
+            <a:schemeClr val="accent1"/>
+          </a:effectRef>
+          <a:fontRef idx="minor">
+            <a:schemeClr val="dk1"/>
+          </a:fontRef>
+        </p:style>
+        <p:txBody>
+          <a:bodyPr rtlCol="0" anchor="ctr"/>
+          <a:lstStyle/>
+          <a:p>
+            <a:pPr algn="ctr"/>
+            <a:endParaRPr lang="zh-CN" altLang="en-US"/>
+          </a:p>
+        </p:txBody>
+      </p:sp>
+      <p:sp>
+        <p:nvSpPr>
+          <p:cNvPr id="5" name="矩形 4"/>
+          <p:cNvSpPr/>
+          <p:nvPr/>
+        </p:nvSpPr>
+        <p:spPr>
+          <a:xfrm>
+            <a:off x="1514475" y="1581151"/>
+            <a:ext cx="1295400" cy="4067173"/>
+          </a:xfrm>
+          <a:prstGeom prst="rect">
+            <a:avLst/>
+          </a:prstGeom>
+          <a:ln w="19050">
+            <a:prstDash val="dash"/>
+          </a:ln>
+        </p:spPr>
+        <p:style>
+          <a:lnRef idx="2">
+            <a:schemeClr val="accent1"/>
+          </a:lnRef>
+          <a:fillRef idx="1">
+            <a:schemeClr val="lt1"/>
+          </a:fillRef>
+          <a:effectRef idx="0">
+            <a:schemeClr val="accent1"/>
+          </a:effectRef>
+          <a:fontRef idx="minor">
+            <a:schemeClr val="dk1"/>
+          </a:fontRef>
+        </p:style>
+        <p:txBody>
+          <a:bodyPr rtlCol="0" anchor="ctr"/>
+          <a:lstStyle/>
+          <a:p>
+            <a:pPr algn="ctr"/>
+            <a:endParaRPr lang="zh-CN" altLang="en-US"/>
+          </a:p>
+        </p:txBody>
+      </p:sp>
+      <p:pic>
+        <p:nvPicPr>
+          <p:cNvPr id="6" name="Picture 4" descr="C:\Users\xiejava\Downloads\工作点工程师.png"/>
+          <p:cNvPicPr>
+            <a:picLocks noChangeAspect="1" noChangeArrowheads="1"/>
+          </p:cNvPicPr>
+          <p:nvPr/>
+        </p:nvPicPr>
+        <p:blipFill>
+          <a:blip r:embed="rId2" cstate="print">
+            <a:extLst>
+              <a:ext uri="{28A0092B-C50C-407E-A947-70E740481C1C}">
+                <a14:useLocalDpi xmlns:a14="http://schemas.microsoft.com/office/drawing/2010/main" val="0"/>
+              </a:ext>
+            </a:extLst>
+          </a:blip>
+          <a:srcRect/>
+          <a:stretch>
+            <a:fillRect/>
+          </a:stretch>
+        </p:blipFill>
+        <p:spPr bwMode="auto">
+          <a:xfrm>
+            <a:off x="1879291" y="1842205"/>
+            <a:ext cx="551810" cy="551810"/>
+          </a:xfrm>
+          <a:prstGeom prst="rect">
+            <a:avLst/>
+          </a:prstGeom>
+          <a:noFill/>
+          <a:extLst>
+            <a:ext uri="{909E8E84-426E-40DD-AFC4-6F175D3DCCD1}">
+              <a14:hiddenFill xmlns:a14="http://schemas.microsoft.com/office/drawing/2010/main">
+                <a:solidFill>
+                  <a:srgbClr val="FFFFFF"/>
+                </a:solidFill>
+              </a14:hiddenFill>
+            </a:ext>
+          </a:extLst>
+        </p:spPr>
+      </p:pic>
+      <p:sp>
+        <p:nvSpPr>
+          <p:cNvPr id="7" name="TextBox 6"/>
+          <p:cNvSpPr txBox="1"/>
+          <p:nvPr/>
+        </p:nvSpPr>
+        <p:spPr>
+          <a:xfrm>
+            <a:off x="1793559" y="2465402"/>
+            <a:ext cx="723275" cy="253916"/>
+          </a:xfrm>
+          <a:prstGeom prst="rect">
+            <a:avLst/>
+          </a:prstGeom>
+          <a:noFill/>
+        </p:spPr>
+        <p:txBody>
+          <a:bodyPr wrap="none" rtlCol="0">
+            <a:spAutoFit/>
+          </a:bodyPr>
+          <a:lstStyle/>
+          <a:p>
+            <a:r>
+              <a:rPr lang="zh-CN" altLang="en-US" sz="1050" dirty="0" smtClean="0"/>
+              <a:t>开发人员</a:t>
+            </a:r>
+            <a:endParaRPr lang="zh-CN" altLang="en-US" sz="1050" dirty="0"/>
+          </a:p>
+        </p:txBody>
+      </p:sp>
+      <p:pic>
+        <p:nvPicPr>
+          <p:cNvPr id="8" name="Picture 4" descr="C:\Users\xiejava\Downloads\工作点工程师.png"/>
+          <p:cNvPicPr>
+            <a:picLocks noChangeAspect="1" noChangeArrowheads="1"/>
+          </p:cNvPicPr>
+          <p:nvPr/>
+        </p:nvPicPr>
+        <p:blipFill>
+          <a:blip r:embed="rId2" cstate="print">
+            <a:extLst>
+              <a:ext uri="{28A0092B-C50C-407E-A947-70E740481C1C}">
+                <a14:useLocalDpi xmlns:a14="http://schemas.microsoft.com/office/drawing/2010/main" val="0"/>
+              </a:ext>
+            </a:extLst>
+          </a:blip>
+          <a:srcRect/>
+          <a:stretch>
+            <a:fillRect/>
+          </a:stretch>
+        </p:blipFill>
+        <p:spPr bwMode="auto">
+          <a:xfrm>
+            <a:off x="1879291" y="2790705"/>
+            <a:ext cx="551810" cy="551810"/>
+          </a:xfrm>
+          <a:prstGeom prst="rect">
+            <a:avLst/>
+          </a:prstGeom>
+          <a:noFill/>
+          <a:extLst>
+            <a:ext uri="{909E8E84-426E-40DD-AFC4-6F175D3DCCD1}">
+              <a14:hiddenFill xmlns:a14="http://schemas.microsoft.com/office/drawing/2010/main">
+                <a:solidFill>
+                  <a:srgbClr val="FFFFFF"/>
+                </a:solidFill>
+              </a14:hiddenFill>
+            </a:ext>
+          </a:extLst>
+        </p:spPr>
+      </p:pic>
+      <p:sp>
+        <p:nvSpPr>
+          <p:cNvPr id="9" name="TextBox 8"/>
+          <p:cNvSpPr txBox="1"/>
+          <p:nvPr/>
+        </p:nvSpPr>
+        <p:spPr>
+          <a:xfrm>
+            <a:off x="1793559" y="3413902"/>
+            <a:ext cx="723275" cy="253916"/>
+          </a:xfrm>
+          <a:prstGeom prst="rect">
+            <a:avLst/>
+          </a:prstGeom>
+          <a:noFill/>
+        </p:spPr>
+        <p:txBody>
+          <a:bodyPr wrap="none" rtlCol="0">
+            <a:spAutoFit/>
+          </a:bodyPr>
+          <a:lstStyle/>
+          <a:p>
+            <a:r>
+              <a:rPr lang="zh-CN" altLang="en-US" sz="1050" dirty="0" smtClean="0"/>
+              <a:t>运维人员</a:t>
+            </a:r>
+            <a:endParaRPr lang="zh-CN" altLang="en-US" sz="1050" dirty="0"/>
+          </a:p>
+        </p:txBody>
+      </p:sp>
+      <p:pic>
+        <p:nvPicPr>
+          <p:cNvPr id="10" name="Picture 4" descr="C:\Users\xiejava\Downloads\工作点工程师.png"/>
+          <p:cNvPicPr>
+            <a:picLocks noChangeAspect="1" noChangeArrowheads="1"/>
+          </p:cNvPicPr>
+          <p:nvPr/>
+        </p:nvPicPr>
+        <p:blipFill>
+          <a:blip r:embed="rId2" cstate="print">
+            <a:extLst>
+              <a:ext uri="{28A0092B-C50C-407E-A947-70E740481C1C}">
+                <a14:useLocalDpi xmlns:a14="http://schemas.microsoft.com/office/drawing/2010/main" val="0"/>
+              </a:ext>
+            </a:extLst>
+          </a:blip>
+          <a:srcRect/>
+          <a:stretch>
+            <a:fillRect/>
+          </a:stretch>
+        </p:blipFill>
+        <p:spPr bwMode="auto">
+          <a:xfrm>
+            <a:off x="1879291" y="3739205"/>
+            <a:ext cx="551810" cy="551810"/>
+          </a:xfrm>
+          <a:prstGeom prst="rect">
+            <a:avLst/>
+          </a:prstGeom>
+          <a:noFill/>
+          <a:extLst>
+            <a:ext uri="{909E8E84-426E-40DD-AFC4-6F175D3DCCD1}">
+              <a14:hiddenFill xmlns:a14="http://schemas.microsoft.com/office/drawing/2010/main">
+                <a:solidFill>
+                  <a:srgbClr val="FFFFFF"/>
+                </a:solidFill>
+              </a14:hiddenFill>
+            </a:ext>
+          </a:extLst>
+        </p:spPr>
+      </p:pic>
+      <p:sp>
+        <p:nvSpPr>
+          <p:cNvPr id="11" name="TextBox 10"/>
+          <p:cNvSpPr txBox="1"/>
+          <p:nvPr/>
+        </p:nvSpPr>
+        <p:spPr>
+          <a:xfrm>
+            <a:off x="1591580" y="4362402"/>
+            <a:ext cx="1127232" cy="253916"/>
+          </a:xfrm>
+          <a:prstGeom prst="rect">
+            <a:avLst/>
+          </a:prstGeom>
+          <a:noFill/>
+        </p:spPr>
+        <p:txBody>
+          <a:bodyPr wrap="none" rtlCol="0">
+            <a:spAutoFit/>
+          </a:bodyPr>
+          <a:lstStyle/>
+          <a:p>
+            <a:r>
+              <a:rPr lang="zh-CN" altLang="en-US" sz="1050" dirty="0" smtClean="0"/>
+              <a:t>第三方代维人员</a:t>
+            </a:r>
+            <a:endParaRPr lang="zh-CN" altLang="en-US" sz="1050" dirty="0"/>
+          </a:p>
+        </p:txBody>
+      </p:sp>
+      <p:pic>
+        <p:nvPicPr>
+          <p:cNvPr id="12" name="Picture 4" descr="C:\Users\xiejava\Downloads\工作点工程师.png"/>
+          <p:cNvPicPr>
+            <a:picLocks noChangeAspect="1" noChangeArrowheads="1"/>
+          </p:cNvPicPr>
+          <p:nvPr/>
+        </p:nvPicPr>
+        <p:blipFill>
+          <a:blip r:embed="rId2" cstate="print">
+            <a:extLst>
+              <a:ext uri="{28A0092B-C50C-407E-A947-70E740481C1C}">
+                <a14:useLocalDpi xmlns:a14="http://schemas.microsoft.com/office/drawing/2010/main" val="0"/>
+              </a:ext>
+            </a:extLst>
+          </a:blip>
+          <a:srcRect/>
+          <a:stretch>
+            <a:fillRect/>
+          </a:stretch>
+        </p:blipFill>
+        <p:spPr bwMode="auto">
+          <a:xfrm>
+            <a:off x="1879291" y="4687705"/>
+            <a:ext cx="551810" cy="551810"/>
+          </a:xfrm>
+          <a:prstGeom prst="rect">
+            <a:avLst/>
+          </a:prstGeom>
+          <a:noFill/>
+          <a:extLst>
+            <a:ext uri="{909E8E84-426E-40DD-AFC4-6F175D3DCCD1}">
+              <a14:hiddenFill xmlns:a14="http://schemas.microsoft.com/office/drawing/2010/main">
+                <a:solidFill>
+                  <a:srgbClr val="FFFFFF"/>
+                </a:solidFill>
+              </a14:hiddenFill>
+            </a:ext>
+          </a:extLst>
+        </p:spPr>
+      </p:pic>
+      <p:sp>
+        <p:nvSpPr>
+          <p:cNvPr id="13" name="TextBox 12"/>
+          <p:cNvSpPr txBox="1"/>
+          <p:nvPr/>
+        </p:nvSpPr>
+        <p:spPr>
+          <a:xfrm>
+            <a:off x="1658907" y="5310904"/>
+            <a:ext cx="992579" cy="253916"/>
+          </a:xfrm>
+          <a:prstGeom prst="rect">
+            <a:avLst/>
+          </a:prstGeom>
+          <a:noFill/>
+        </p:spPr>
+        <p:txBody>
+          <a:bodyPr wrap="none" rtlCol="0">
+            <a:spAutoFit/>
+          </a:bodyPr>
+          <a:lstStyle/>
+          <a:p>
+            <a:r>
+              <a:rPr lang="zh-CN" altLang="en-US" sz="1050" dirty="0" smtClean="0"/>
+              <a:t>厂家支撑人员</a:t>
+            </a:r>
+            <a:endParaRPr lang="zh-CN" altLang="en-US" sz="1050" dirty="0"/>
+          </a:p>
+        </p:txBody>
+      </p:sp>
+      <p:pic>
+        <p:nvPicPr>
+          <p:cNvPr id="14" name="Picture 5" descr="C:\Users\xiejava\Downloads\服务器 (1).png"/>
+          <p:cNvPicPr>
+            <a:picLocks noChangeAspect="1" noChangeArrowheads="1"/>
+          </p:cNvPicPr>
+          <p:nvPr/>
+        </p:nvPicPr>
+        <p:blipFill>
+          <a:blip r:embed="rId3" cstate="print">
+            <a:extLst>
+              <a:ext uri="{28A0092B-C50C-407E-A947-70E740481C1C}">
+                <a14:useLocalDpi xmlns:a14="http://schemas.microsoft.com/office/drawing/2010/main" val="0"/>
+              </a:ext>
+            </a:extLst>
+          </a:blip>
+          <a:srcRect/>
+          <a:stretch>
+            <a:fillRect/>
+          </a:stretch>
+        </p:blipFill>
+        <p:spPr bwMode="auto">
+          <a:xfrm>
+            <a:off x="8056193" y="1842204"/>
+            <a:ext cx="456041" cy="456041"/>
+          </a:xfrm>
+          <a:prstGeom prst="rect">
+            <a:avLst/>
+          </a:prstGeom>
+          <a:noFill/>
+          <a:extLst>
+            <a:ext uri="{909E8E84-426E-40DD-AFC4-6F175D3DCCD1}">
+              <a14:hiddenFill xmlns:a14="http://schemas.microsoft.com/office/drawing/2010/main">
+                <a:solidFill>
+                  <a:srgbClr val="FFFFFF"/>
+                </a:solidFill>
+              </a14:hiddenFill>
+            </a:ext>
+          </a:extLst>
+        </p:spPr>
+      </p:pic>
+      <p:pic>
+        <p:nvPicPr>
+          <p:cNvPr id="15" name="Picture 6" descr="C:\Users\xiejava\Downloads\网络设备.png"/>
+          <p:cNvPicPr>
+            <a:picLocks noChangeAspect="1" noChangeArrowheads="1"/>
+          </p:cNvPicPr>
+          <p:nvPr/>
+        </p:nvPicPr>
+        <p:blipFill>
+          <a:blip r:embed="rId4" cstate="print">
+            <a:extLst>
+              <a:ext uri="{28A0092B-C50C-407E-A947-70E740481C1C}">
+                <a14:useLocalDpi xmlns:a14="http://schemas.microsoft.com/office/drawing/2010/main" val="0"/>
+              </a:ext>
+            </a:extLst>
+          </a:blip>
+          <a:srcRect/>
+          <a:stretch>
+            <a:fillRect/>
+          </a:stretch>
+        </p:blipFill>
+        <p:spPr bwMode="auto">
+          <a:xfrm>
+            <a:off x="8056193" y="2774339"/>
+            <a:ext cx="456041" cy="456041"/>
+          </a:xfrm>
+          <a:prstGeom prst="rect">
+            <a:avLst/>
+          </a:prstGeom>
+          <a:noFill/>
+          <a:extLst>
+            <a:ext uri="{909E8E84-426E-40DD-AFC4-6F175D3DCCD1}">
+              <a14:hiddenFill xmlns:a14="http://schemas.microsoft.com/office/drawing/2010/main">
+                <a:solidFill>
+                  <a:srgbClr val="FFFFFF"/>
+                </a:solidFill>
+              </a14:hiddenFill>
+            </a:ext>
+          </a:extLst>
+        </p:spPr>
+      </p:pic>
+      <p:pic>
+        <p:nvPicPr>
+          <p:cNvPr id="16" name="Picture 7" descr="C:\Users\xiejava\Downloads\数据库.png"/>
+          <p:cNvPicPr>
+            <a:picLocks noChangeAspect="1" noChangeArrowheads="1"/>
+          </p:cNvPicPr>
+          <p:nvPr/>
+        </p:nvPicPr>
+        <p:blipFill>
+          <a:blip r:embed="rId5" cstate="print">
+            <a:extLst>
+              <a:ext uri="{28A0092B-C50C-407E-A947-70E740481C1C}">
+                <a14:useLocalDpi xmlns:a14="http://schemas.microsoft.com/office/drawing/2010/main" val="0"/>
+              </a:ext>
+            </a:extLst>
+          </a:blip>
+          <a:srcRect/>
+          <a:stretch>
+            <a:fillRect/>
+          </a:stretch>
+        </p:blipFill>
+        <p:spPr bwMode="auto">
+          <a:xfrm>
+            <a:off x="8008308" y="3706474"/>
+            <a:ext cx="551810" cy="551810"/>
+          </a:xfrm>
+          <a:prstGeom prst="rect">
+            <a:avLst/>
+          </a:prstGeom>
+          <a:noFill/>
+          <a:extLst>
+            <a:ext uri="{909E8E84-426E-40DD-AFC4-6F175D3DCCD1}">
+              <a14:hiddenFill xmlns:a14="http://schemas.microsoft.com/office/drawing/2010/main">
+                <a:solidFill>
+                  <a:srgbClr val="FFFFFF"/>
+                </a:solidFill>
+              </a14:hiddenFill>
+            </a:ext>
+          </a:extLst>
+        </p:spPr>
+      </p:pic>
+      <p:pic>
+        <p:nvPicPr>
+          <p:cNvPr id="17" name="Picture 8" descr="C:\Users\xiejava\Downloads\IT应用系统数据调整流程-01 (1).png"/>
+          <p:cNvPicPr>
+            <a:picLocks noChangeAspect="1" noChangeArrowheads="1"/>
+          </p:cNvPicPr>
+          <p:nvPr/>
+        </p:nvPicPr>
+        <p:blipFill>
+          <a:blip r:embed="rId6" cstate="print">
+            <a:extLst>
+              <a:ext uri="{28A0092B-C50C-407E-A947-70E740481C1C}">
+                <a14:useLocalDpi xmlns:a14="http://schemas.microsoft.com/office/drawing/2010/main" val="0"/>
+              </a:ext>
+            </a:extLst>
+          </a:blip>
+          <a:srcRect/>
+          <a:stretch>
+            <a:fillRect/>
+          </a:stretch>
+        </p:blipFill>
+        <p:spPr bwMode="auto">
+          <a:xfrm>
+            <a:off x="8056193" y="4734378"/>
+            <a:ext cx="456041" cy="456041"/>
+          </a:xfrm>
+          <a:prstGeom prst="rect">
+            <a:avLst/>
+          </a:prstGeom>
+          <a:noFill/>
+          <a:extLst>
+            <a:ext uri="{909E8E84-426E-40DD-AFC4-6F175D3DCCD1}">
+              <a14:hiddenFill xmlns:a14="http://schemas.microsoft.com/office/drawing/2010/main">
+                <a:solidFill>
+                  <a:srgbClr val="FFFFFF"/>
+                </a:solidFill>
+              </a14:hiddenFill>
+            </a:ext>
+          </a:extLst>
+        </p:spPr>
+      </p:pic>
+      <p:sp>
+        <p:nvSpPr>
+          <p:cNvPr id="18" name="TextBox 17"/>
+          <p:cNvSpPr txBox="1"/>
+          <p:nvPr/>
+        </p:nvSpPr>
+        <p:spPr>
+          <a:xfrm>
+            <a:off x="7829602" y="2409334"/>
+            <a:ext cx="909223" cy="253916"/>
+          </a:xfrm>
+          <a:prstGeom prst="rect">
+            <a:avLst/>
+          </a:prstGeom>
+          <a:noFill/>
+        </p:spPr>
+        <p:txBody>
+          <a:bodyPr wrap="none" rtlCol="0">
+            <a:spAutoFit/>
+          </a:bodyPr>
+          <a:lstStyle/>
+          <a:p>
+            <a:r>
+              <a:rPr lang="zh-CN" altLang="en-US" sz="1050" dirty="0" smtClean="0"/>
+              <a:t>主机</a:t>
+            </a:r>
+            <a:r>
+              <a:rPr lang="en-US" altLang="zh-CN" sz="1050" dirty="0" smtClean="0"/>
+              <a:t>/</a:t>
+            </a:r>
+            <a:r>
+              <a:rPr lang="zh-CN" altLang="en-US" sz="1050" dirty="0" smtClean="0"/>
+              <a:t>服务器</a:t>
+            </a:r>
+            <a:endParaRPr lang="zh-CN" altLang="en-US" sz="1050" dirty="0"/>
+          </a:p>
+        </p:txBody>
+      </p:sp>
+      <p:sp>
+        <p:nvSpPr>
+          <p:cNvPr id="19" name="TextBox 18"/>
+          <p:cNvSpPr txBox="1"/>
+          <p:nvPr/>
+        </p:nvSpPr>
+        <p:spPr>
+          <a:xfrm>
+            <a:off x="7922576" y="3341469"/>
+            <a:ext cx="723275" cy="253916"/>
+          </a:xfrm>
+          <a:prstGeom prst="rect">
+            <a:avLst/>
+          </a:prstGeom>
+          <a:noFill/>
+        </p:spPr>
+        <p:txBody>
+          <a:bodyPr wrap="none" rtlCol="0">
+            <a:spAutoFit/>
+          </a:bodyPr>
+          <a:lstStyle/>
+          <a:p>
+            <a:r>
+              <a:rPr lang="zh-CN" altLang="en-US" sz="1050" dirty="0" smtClean="0"/>
+              <a:t>网络设备</a:t>
+            </a:r>
+            <a:endParaRPr lang="zh-CN" altLang="en-US" sz="1050" dirty="0"/>
+          </a:p>
+        </p:txBody>
+      </p:sp>
+      <p:sp>
+        <p:nvSpPr>
+          <p:cNvPr id="20" name="TextBox 19"/>
+          <p:cNvSpPr txBox="1"/>
+          <p:nvPr/>
+        </p:nvSpPr>
+        <p:spPr>
+          <a:xfrm>
+            <a:off x="7989902" y="4369373"/>
+            <a:ext cx="588623" cy="253916"/>
+          </a:xfrm>
+          <a:prstGeom prst="rect">
+            <a:avLst/>
+          </a:prstGeom>
+          <a:noFill/>
+        </p:spPr>
+        <p:txBody>
+          <a:bodyPr wrap="none" rtlCol="0">
+            <a:spAutoFit/>
+          </a:bodyPr>
+          <a:lstStyle/>
+          <a:p>
+            <a:r>
+              <a:rPr lang="zh-CN" altLang="en-US" sz="1050" dirty="0" smtClean="0"/>
+              <a:t>数据库</a:t>
+            </a:r>
+            <a:endParaRPr lang="zh-CN" altLang="en-US" sz="1050" dirty="0"/>
+          </a:p>
+        </p:txBody>
+      </p:sp>
+      <p:sp>
+        <p:nvSpPr>
+          <p:cNvPr id="21" name="TextBox 20"/>
+          <p:cNvSpPr txBox="1"/>
+          <p:nvPr/>
+        </p:nvSpPr>
+        <p:spPr>
+          <a:xfrm>
+            <a:off x="7922576" y="5301510"/>
+            <a:ext cx="723275" cy="253916"/>
+          </a:xfrm>
+          <a:prstGeom prst="rect">
+            <a:avLst/>
+          </a:prstGeom>
+          <a:noFill/>
+        </p:spPr>
+        <p:txBody>
+          <a:bodyPr wrap="none" rtlCol="0">
+            <a:spAutoFit/>
+          </a:bodyPr>
+          <a:lstStyle/>
+          <a:p>
+            <a:r>
+              <a:rPr lang="zh-CN" altLang="en-US" sz="1050" dirty="0" smtClean="0"/>
+              <a:t>应用系统</a:t>
+            </a:r>
+            <a:endParaRPr lang="zh-CN" altLang="en-US" sz="1050" dirty="0"/>
+          </a:p>
+        </p:txBody>
+      </p:sp>
+      <p:sp>
+        <p:nvSpPr>
+          <p:cNvPr id="27" name="矩形 26"/>
+          <p:cNvSpPr/>
+          <p:nvPr/>
+        </p:nvSpPr>
+        <p:spPr>
+          <a:xfrm>
+            <a:off x="3267075" y="1647825"/>
+            <a:ext cx="390525" cy="3971924"/>
+          </a:xfrm>
+          <a:prstGeom prst="rect">
+            <a:avLst/>
+          </a:prstGeom>
+        </p:spPr>
+        <p:style>
+          <a:lnRef idx="2">
+            <a:schemeClr val="accent1">
+              <a:shade val="50000"/>
+            </a:schemeClr>
+          </a:lnRef>
+          <a:fillRef idx="1">
+            <a:schemeClr val="accent1"/>
+          </a:fillRef>
+          <a:effectRef idx="0">
+            <a:schemeClr val="accent1"/>
+          </a:effectRef>
+          <a:fontRef idx="minor">
+            <a:schemeClr val="lt1"/>
+          </a:fontRef>
+        </p:style>
+        <p:txBody>
+          <a:bodyPr rtlCol="0" anchor="ctr"/>
+          <a:lstStyle/>
+          <a:p>
+            <a:pPr algn="ctr"/>
+            <a:r>
+              <a:rPr lang="zh-CN" altLang="en-US" dirty="0" smtClean="0"/>
+              <a:t>认证中心</a:t>
+            </a:r>
+            <a:endParaRPr lang="zh-CN" altLang="en-US" dirty="0"/>
+          </a:p>
+        </p:txBody>
+      </p:sp>
+      <p:sp>
+        <p:nvSpPr>
+          <p:cNvPr id="28" name="矩形 27"/>
+          <p:cNvSpPr/>
+          <p:nvPr/>
+        </p:nvSpPr>
+        <p:spPr>
+          <a:xfrm>
+            <a:off x="6838950" y="1614797"/>
+            <a:ext cx="390525" cy="3971924"/>
+          </a:xfrm>
+          <a:prstGeom prst="rect">
+            <a:avLst/>
+          </a:prstGeom>
+        </p:spPr>
+        <p:style>
+          <a:lnRef idx="2">
+            <a:schemeClr val="accent1">
+              <a:shade val="50000"/>
+            </a:schemeClr>
+          </a:lnRef>
+          <a:fillRef idx="1">
+            <a:schemeClr val="accent1"/>
+          </a:fillRef>
+          <a:effectRef idx="0">
+            <a:schemeClr val="accent1"/>
+          </a:effectRef>
+          <a:fontRef idx="minor">
+            <a:schemeClr val="lt1"/>
+          </a:fontRef>
+        </p:style>
+        <p:txBody>
+          <a:bodyPr rtlCol="0" anchor="ctr"/>
+          <a:lstStyle/>
+          <a:p>
+            <a:pPr algn="ctr"/>
+            <a:r>
+              <a:rPr lang="zh-CN" altLang="en-US" dirty="0" smtClean="0"/>
+              <a:t>访问控通道</a:t>
+            </a:r>
+            <a:endParaRPr lang="zh-CN" altLang="en-US" dirty="0"/>
+          </a:p>
+        </p:txBody>
+      </p:sp>
+      <p:sp>
+        <p:nvSpPr>
+          <p:cNvPr id="29" name="右箭头 28"/>
+          <p:cNvSpPr/>
+          <p:nvPr/>
+        </p:nvSpPr>
+        <p:spPr>
+          <a:xfrm>
+            <a:off x="7267575" y="1880401"/>
+            <a:ext cx="330838" cy="541352"/>
+          </a:xfrm>
+          <a:prstGeom prst="rightArrow">
+            <a:avLst/>
+          </a:prstGeom>
+        </p:spPr>
+        <p:style>
+          <a:lnRef idx="2">
+            <a:schemeClr val="accent3">
+              <a:shade val="50000"/>
+            </a:schemeClr>
+          </a:lnRef>
+          <a:fillRef idx="1">
+            <a:schemeClr val="accent3"/>
+          </a:fillRef>
+          <a:effectRef idx="0">
+            <a:schemeClr val="accent3"/>
+          </a:effectRef>
+          <a:fontRef idx="minor">
+            <a:schemeClr val="lt1"/>
+          </a:fontRef>
+        </p:style>
+        <p:txBody>
+          <a:bodyPr rtlCol="0" anchor="ctr"/>
+          <a:lstStyle/>
+          <a:p>
+            <a:pPr algn="ctr"/>
+            <a:endParaRPr lang="zh-CN" altLang="en-US"/>
+          </a:p>
+        </p:txBody>
+      </p:sp>
+      <p:sp>
+        <p:nvSpPr>
+          <p:cNvPr id="30" name="右箭头 29"/>
+          <p:cNvSpPr/>
+          <p:nvPr/>
+        </p:nvSpPr>
+        <p:spPr>
+          <a:xfrm>
+            <a:off x="7267575" y="2819655"/>
+            <a:ext cx="330838" cy="541352"/>
+          </a:xfrm>
+          <a:prstGeom prst="rightArrow">
+            <a:avLst/>
+          </a:prstGeom>
+        </p:spPr>
+        <p:style>
+          <a:lnRef idx="2">
+            <a:schemeClr val="accent3">
+              <a:shade val="50000"/>
+            </a:schemeClr>
+          </a:lnRef>
+          <a:fillRef idx="1">
+            <a:schemeClr val="accent3"/>
+          </a:fillRef>
+          <a:effectRef idx="0">
+            <a:schemeClr val="accent3"/>
+          </a:effectRef>
+          <a:fontRef idx="minor">
+            <a:schemeClr val="lt1"/>
+          </a:fontRef>
+        </p:style>
+        <p:txBody>
+          <a:bodyPr rtlCol="0" anchor="ctr"/>
+          <a:lstStyle/>
+          <a:p>
+            <a:pPr algn="ctr"/>
+            <a:endParaRPr lang="zh-CN" altLang="en-US"/>
+          </a:p>
+        </p:txBody>
+      </p:sp>
+      <p:sp>
+        <p:nvSpPr>
+          <p:cNvPr id="31" name="右箭头 30"/>
+          <p:cNvSpPr/>
+          <p:nvPr/>
+        </p:nvSpPr>
+        <p:spPr>
+          <a:xfrm>
+            <a:off x="7267575" y="3758909"/>
+            <a:ext cx="330838" cy="541352"/>
+          </a:xfrm>
+          <a:prstGeom prst="rightArrow">
+            <a:avLst/>
+          </a:prstGeom>
+        </p:spPr>
+        <p:style>
+          <a:lnRef idx="2">
+            <a:schemeClr val="accent3">
+              <a:shade val="50000"/>
+            </a:schemeClr>
+          </a:lnRef>
+          <a:fillRef idx="1">
+            <a:schemeClr val="accent3"/>
+          </a:fillRef>
+          <a:effectRef idx="0">
+            <a:schemeClr val="accent3"/>
+          </a:effectRef>
+          <a:fontRef idx="minor">
+            <a:schemeClr val="lt1"/>
+          </a:fontRef>
+        </p:style>
+        <p:txBody>
+          <a:bodyPr rtlCol="0" anchor="ctr"/>
+          <a:lstStyle/>
+          <a:p>
+            <a:pPr algn="ctr"/>
+            <a:endParaRPr lang="zh-CN" altLang="en-US"/>
+          </a:p>
+        </p:txBody>
+      </p:sp>
+      <p:sp>
+        <p:nvSpPr>
+          <p:cNvPr id="32" name="右箭头 31"/>
+          <p:cNvSpPr/>
+          <p:nvPr/>
+        </p:nvSpPr>
+        <p:spPr>
+          <a:xfrm>
+            <a:off x="7267575" y="4698163"/>
+            <a:ext cx="330838" cy="541352"/>
+          </a:xfrm>
+          <a:prstGeom prst="rightArrow">
+            <a:avLst/>
+          </a:prstGeom>
+        </p:spPr>
+        <p:style>
+          <a:lnRef idx="2">
+            <a:schemeClr val="accent3">
+              <a:shade val="50000"/>
+            </a:schemeClr>
+          </a:lnRef>
+          <a:fillRef idx="1">
+            <a:schemeClr val="accent3"/>
+          </a:fillRef>
+          <a:effectRef idx="0">
+            <a:schemeClr val="accent3"/>
+          </a:effectRef>
+          <a:fontRef idx="minor">
+            <a:schemeClr val="lt1"/>
+          </a:fontRef>
+        </p:style>
+        <p:txBody>
+          <a:bodyPr rtlCol="0" anchor="ctr"/>
+          <a:lstStyle/>
+          <a:p>
+            <a:pPr algn="ctr"/>
+            <a:endParaRPr lang="zh-CN" altLang="en-US"/>
+          </a:p>
+        </p:txBody>
+      </p:sp>
+      <p:sp>
+        <p:nvSpPr>
+          <p:cNvPr id="33" name="TextBox 32"/>
+          <p:cNvSpPr txBox="1"/>
+          <p:nvPr/>
+        </p:nvSpPr>
+        <p:spPr>
+          <a:xfrm>
+            <a:off x="7158197" y="2309683"/>
+            <a:ext cx="492443" cy="338554"/>
+          </a:xfrm>
+          <a:prstGeom prst="rect">
+            <a:avLst/>
+          </a:prstGeom>
+          <a:noFill/>
+        </p:spPr>
+        <p:txBody>
+          <a:bodyPr wrap="none" rtlCol="0">
+            <a:spAutoFit/>
+          </a:bodyPr>
+          <a:lstStyle/>
+          <a:p>
+            <a:pPr algn="ctr"/>
+            <a:r>
+              <a:rPr lang="zh-CN" altLang="en-US" sz="800" dirty="0" smtClean="0"/>
+              <a:t>接口</a:t>
+            </a:r>
+            <a:endParaRPr lang="en-US" altLang="zh-CN" sz="800" dirty="0" smtClean="0"/>
+          </a:p>
+          <a:p>
+            <a:pPr algn="ctr"/>
+            <a:r>
+              <a:rPr lang="zh-CN" altLang="en-US" sz="800" dirty="0" smtClean="0"/>
+              <a:t>适配器</a:t>
+            </a:r>
+            <a:endParaRPr lang="zh-CN" altLang="en-US" sz="800" dirty="0"/>
+          </a:p>
+        </p:txBody>
+      </p:sp>
+      <p:sp>
+        <p:nvSpPr>
+          <p:cNvPr id="34" name="TextBox 33"/>
+          <p:cNvSpPr txBox="1"/>
+          <p:nvPr/>
+        </p:nvSpPr>
+        <p:spPr>
+          <a:xfrm>
+            <a:off x="7186772" y="3260903"/>
+            <a:ext cx="492443" cy="338554"/>
+          </a:xfrm>
+          <a:prstGeom prst="rect">
+            <a:avLst/>
+          </a:prstGeom>
+          <a:noFill/>
+        </p:spPr>
+        <p:txBody>
+          <a:bodyPr wrap="none" rtlCol="0">
+            <a:spAutoFit/>
+          </a:bodyPr>
+          <a:lstStyle/>
+          <a:p>
+            <a:pPr algn="ctr"/>
+            <a:r>
+              <a:rPr lang="zh-CN" altLang="en-US" sz="800" dirty="0" smtClean="0"/>
+              <a:t>接口</a:t>
+            </a:r>
+            <a:endParaRPr lang="en-US" altLang="zh-CN" sz="800" dirty="0" smtClean="0"/>
+          </a:p>
+          <a:p>
+            <a:pPr algn="ctr"/>
+            <a:r>
+              <a:rPr lang="zh-CN" altLang="en-US" sz="800" dirty="0" smtClean="0"/>
+              <a:t>适配器</a:t>
+            </a:r>
+            <a:endParaRPr lang="zh-CN" altLang="en-US" sz="800" dirty="0"/>
+          </a:p>
+        </p:txBody>
+      </p:sp>
+      <p:sp>
+        <p:nvSpPr>
+          <p:cNvPr id="35" name="TextBox 34"/>
+          <p:cNvSpPr txBox="1"/>
+          <p:nvPr/>
+        </p:nvSpPr>
+        <p:spPr>
+          <a:xfrm>
+            <a:off x="7193760" y="4226532"/>
+            <a:ext cx="492443" cy="338554"/>
+          </a:xfrm>
+          <a:prstGeom prst="rect">
+            <a:avLst/>
+          </a:prstGeom>
+          <a:noFill/>
+        </p:spPr>
+        <p:txBody>
+          <a:bodyPr wrap="none" rtlCol="0">
+            <a:spAutoFit/>
+          </a:bodyPr>
+          <a:lstStyle/>
+          <a:p>
+            <a:pPr algn="ctr"/>
+            <a:r>
+              <a:rPr lang="zh-CN" altLang="en-US" sz="800" dirty="0" smtClean="0"/>
+              <a:t>接口</a:t>
+            </a:r>
+            <a:endParaRPr lang="en-US" altLang="zh-CN" sz="800" dirty="0" smtClean="0"/>
+          </a:p>
+          <a:p>
+            <a:pPr algn="ctr"/>
+            <a:r>
+              <a:rPr lang="zh-CN" altLang="en-US" sz="800" dirty="0" smtClean="0"/>
+              <a:t>适配器</a:t>
+            </a:r>
+            <a:endParaRPr lang="zh-CN" altLang="en-US" sz="800" dirty="0"/>
+          </a:p>
+        </p:txBody>
+      </p:sp>
+      <p:sp>
+        <p:nvSpPr>
+          <p:cNvPr id="36" name="TextBox 35"/>
+          <p:cNvSpPr txBox="1"/>
+          <p:nvPr/>
+        </p:nvSpPr>
+        <p:spPr>
+          <a:xfrm>
+            <a:off x="7193760" y="5155185"/>
+            <a:ext cx="492443" cy="338554"/>
+          </a:xfrm>
+          <a:prstGeom prst="rect">
+            <a:avLst/>
+          </a:prstGeom>
+          <a:noFill/>
+        </p:spPr>
+        <p:txBody>
+          <a:bodyPr wrap="none" rtlCol="0">
+            <a:spAutoFit/>
+          </a:bodyPr>
+          <a:lstStyle/>
+          <a:p>
+            <a:pPr algn="ctr"/>
+            <a:r>
+              <a:rPr lang="zh-CN" altLang="en-US" sz="800" dirty="0" smtClean="0"/>
+              <a:t>接口</a:t>
+            </a:r>
+            <a:endParaRPr lang="en-US" altLang="zh-CN" sz="800" dirty="0" smtClean="0"/>
+          </a:p>
+          <a:p>
+            <a:pPr algn="ctr"/>
+            <a:r>
+              <a:rPr lang="zh-CN" altLang="en-US" sz="800" dirty="0" smtClean="0"/>
+              <a:t>适配器</a:t>
+            </a:r>
+            <a:endParaRPr lang="zh-CN" altLang="en-US" sz="800" dirty="0"/>
+          </a:p>
+        </p:txBody>
+      </p:sp>
+      <p:cxnSp>
+        <p:nvCxnSpPr>
+          <p:cNvPr id="38" name="直接箭头连接符 37"/>
+          <p:cNvCxnSpPr/>
+          <p:nvPr/>
+        </p:nvCxnSpPr>
+        <p:spPr>
+          <a:xfrm>
+            <a:off x="2809875" y="2151077"/>
+            <a:ext cx="457200" cy="0"/>
+          </a:xfrm>
+          <a:prstGeom prst="straightConnector1">
+            <a:avLst/>
+          </a:prstGeom>
+          <a:ln>
+            <a:tailEnd type="arrow"/>
+          </a:ln>
+        </p:spPr>
+        <p:style>
+          <a:lnRef idx="3">
+            <a:schemeClr val="accent1"/>
+          </a:lnRef>
+          <a:fillRef idx="0">
+            <a:schemeClr val="accent1"/>
+          </a:fillRef>
+          <a:effectRef idx="2">
+            <a:schemeClr val="accent1"/>
+          </a:effectRef>
+          <a:fontRef idx="minor">
+            <a:schemeClr val="tx1"/>
+          </a:fontRef>
+        </p:style>
+      </p:cxnSp>
+      <p:cxnSp>
+        <p:nvCxnSpPr>
+          <p:cNvPr id="39" name="直接箭头连接符 38"/>
+          <p:cNvCxnSpPr/>
+          <p:nvPr/>
+        </p:nvCxnSpPr>
+        <p:spPr>
+          <a:xfrm>
+            <a:off x="2809875" y="3090331"/>
+            <a:ext cx="457200" cy="0"/>
+          </a:xfrm>
+          <a:prstGeom prst="straightConnector1">
+            <a:avLst/>
+          </a:prstGeom>
+          <a:ln>
+            <a:tailEnd type="arrow"/>
+          </a:ln>
+        </p:spPr>
+        <p:style>
+          <a:lnRef idx="3">
+            <a:schemeClr val="accent1"/>
+          </a:lnRef>
+          <a:fillRef idx="0">
+            <a:schemeClr val="accent1"/>
+          </a:fillRef>
+          <a:effectRef idx="2">
+            <a:schemeClr val="accent1"/>
+          </a:effectRef>
+          <a:fontRef idx="minor">
+            <a:schemeClr val="tx1"/>
+          </a:fontRef>
+        </p:style>
+      </p:cxnSp>
+      <p:cxnSp>
+        <p:nvCxnSpPr>
+          <p:cNvPr id="40" name="直接箭头连接符 39"/>
+          <p:cNvCxnSpPr/>
+          <p:nvPr/>
+        </p:nvCxnSpPr>
+        <p:spPr>
+          <a:xfrm>
+            <a:off x="2800350" y="4029585"/>
+            <a:ext cx="457200" cy="0"/>
+          </a:xfrm>
+          <a:prstGeom prst="straightConnector1">
+            <a:avLst/>
+          </a:prstGeom>
+          <a:ln>
+            <a:tailEnd type="arrow"/>
+          </a:ln>
+        </p:spPr>
+        <p:style>
+          <a:lnRef idx="3">
+            <a:schemeClr val="accent1"/>
+          </a:lnRef>
+          <a:fillRef idx="0">
+            <a:schemeClr val="accent1"/>
+          </a:fillRef>
+          <a:effectRef idx="2">
+            <a:schemeClr val="accent1"/>
+          </a:effectRef>
+          <a:fontRef idx="minor">
+            <a:schemeClr val="tx1"/>
+          </a:fontRef>
+        </p:style>
+      </p:cxnSp>
+      <p:cxnSp>
+        <p:nvCxnSpPr>
+          <p:cNvPr id="41" name="直接箭头连接符 40"/>
+          <p:cNvCxnSpPr/>
+          <p:nvPr/>
+        </p:nvCxnSpPr>
+        <p:spPr>
+          <a:xfrm>
+            <a:off x="2809875" y="4968839"/>
+            <a:ext cx="457200" cy="0"/>
+          </a:xfrm>
+          <a:prstGeom prst="straightConnector1">
+            <a:avLst/>
+          </a:prstGeom>
+          <a:ln>
+            <a:tailEnd type="arrow"/>
+          </a:ln>
+        </p:spPr>
+        <p:style>
+          <a:lnRef idx="3">
+            <a:schemeClr val="accent1"/>
+          </a:lnRef>
+          <a:fillRef idx="0">
+            <a:schemeClr val="accent1"/>
+          </a:fillRef>
+          <a:effectRef idx="2">
+            <a:schemeClr val="accent1"/>
+          </a:effectRef>
+          <a:fontRef idx="minor">
+            <a:schemeClr val="tx1"/>
+          </a:fontRef>
+        </p:style>
+      </p:cxnSp>
+      <p:sp>
+        <p:nvSpPr>
+          <p:cNvPr id="42" name="矩形 41"/>
+          <p:cNvSpPr/>
+          <p:nvPr/>
+        </p:nvSpPr>
+        <p:spPr>
+          <a:xfrm>
+            <a:off x="3886200" y="1762125"/>
+            <a:ext cx="2762250" cy="1498778"/>
+          </a:xfrm>
+          <a:prstGeom prst="rect">
+            <a:avLst/>
+          </a:prstGeom>
+        </p:spPr>
+        <p:style>
+          <a:lnRef idx="2">
+            <a:schemeClr val="accent1"/>
+          </a:lnRef>
+          <a:fillRef idx="1">
+            <a:schemeClr val="lt1"/>
+          </a:fillRef>
+          <a:effectRef idx="0">
+            <a:schemeClr val="accent1"/>
+          </a:effectRef>
+          <a:fontRef idx="minor">
+            <a:schemeClr val="dk1"/>
+          </a:fontRef>
+        </p:style>
+        <p:txBody>
+          <a:bodyPr rtlCol="0" anchor="ctr"/>
+          <a:lstStyle/>
+          <a:p>
+            <a:pPr algn="ctr"/>
+            <a:endParaRPr lang="zh-CN" altLang="en-US"/>
+          </a:p>
+        </p:txBody>
+      </p:sp>
+      <p:sp>
+        <p:nvSpPr>
+          <p:cNvPr id="43" name="矩形 42"/>
+          <p:cNvSpPr/>
+          <p:nvPr/>
+        </p:nvSpPr>
+        <p:spPr>
+          <a:xfrm>
+            <a:off x="3886200" y="3686176"/>
+            <a:ext cx="2762250" cy="1807564"/>
+          </a:xfrm>
+          <a:prstGeom prst="rect">
+            <a:avLst/>
+          </a:prstGeom>
+        </p:spPr>
+        <p:style>
+          <a:lnRef idx="2">
+            <a:schemeClr val="accent1"/>
+          </a:lnRef>
+          <a:fillRef idx="1">
+            <a:schemeClr val="lt1"/>
+          </a:fillRef>
+          <a:effectRef idx="0">
+            <a:schemeClr val="accent1"/>
+          </a:effectRef>
+          <a:fontRef idx="minor">
+            <a:schemeClr val="dk1"/>
+          </a:fontRef>
+        </p:style>
+        <p:txBody>
+          <a:bodyPr rtlCol="0" anchor="ctr"/>
+          <a:lstStyle/>
+          <a:p>
+            <a:pPr algn="ctr"/>
+            <a:endParaRPr lang="zh-CN" altLang="en-US"/>
+          </a:p>
+        </p:txBody>
+      </p:sp>
+      <p:sp>
+        <p:nvSpPr>
+          <p:cNvPr id="44" name="上下箭头 43"/>
+          <p:cNvSpPr/>
+          <p:nvPr/>
+        </p:nvSpPr>
+        <p:spPr>
+          <a:xfrm>
+            <a:off x="5138737" y="3317059"/>
+            <a:ext cx="180975" cy="309025"/>
+          </a:xfrm>
+          <a:prstGeom prst="upDownArrow">
+            <a:avLst/>
+          </a:prstGeom>
+        </p:spPr>
+        <p:style>
+          <a:lnRef idx="2">
+            <a:schemeClr val="accent1">
+              <a:shade val="50000"/>
+            </a:schemeClr>
+          </a:lnRef>
+          <a:fillRef idx="1">
+            <a:schemeClr val="accent1"/>
+          </a:fillRef>
+          <a:effectRef idx="0">
+            <a:schemeClr val="accent1"/>
+          </a:effectRef>
+          <a:fontRef idx="minor">
+            <a:schemeClr val="lt1"/>
+          </a:fontRef>
+        </p:style>
+        <p:txBody>
+          <a:bodyPr rtlCol="0" anchor="ctr"/>
+          <a:lstStyle/>
+          <a:p>
+            <a:pPr algn="ctr"/>
+            <a:endParaRPr lang="zh-CN" altLang="en-US"/>
+          </a:p>
+        </p:txBody>
+      </p:sp>
+      <p:pic>
+        <p:nvPicPr>
+          <p:cNvPr id="3075" name="Picture 3"/>
+          <p:cNvPicPr>
+            <a:picLocks noChangeAspect="1" noChangeArrowheads="1"/>
+          </p:cNvPicPr>
+          <p:nvPr/>
+        </p:nvPicPr>
+        <p:blipFill>
+          <a:blip r:embed="rId7" cstate="print">
+            <a:extLst>
+              <a:ext uri="{28A0092B-C50C-407E-A947-70E740481C1C}">
+                <a14:useLocalDpi xmlns:a14="http://schemas.microsoft.com/office/drawing/2010/main" val="0"/>
+              </a:ext>
+            </a:extLst>
+          </a:blip>
+          <a:srcRect/>
+          <a:stretch>
+            <a:fillRect/>
+          </a:stretch>
+        </p:blipFill>
+        <p:spPr bwMode="auto">
+          <a:xfrm>
+            <a:off x="4036686" y="1931084"/>
+            <a:ext cx="2421101" cy="1096115"/>
+          </a:xfrm>
+          <a:prstGeom prst="rect">
+            <a:avLst/>
+          </a:prstGeom>
+          <a:noFill/>
+          <a:ln>
+            <a:noFill/>
+          </a:ln>
+          <a:extLst>
+            <a:ext uri="{909E8E84-426E-40DD-AFC4-6F175D3DCCD1}">
+              <a14:hiddenFill xmlns:a14="http://schemas.microsoft.com/office/drawing/2010/main">
+                <a:solidFill>
+                  <a:schemeClr val="accent1"/>
+                </a:solidFill>
+              </a14:hiddenFill>
+            </a:ext>
+            <a:ext uri="{91240B29-F687-4F45-9708-019B960494DF}">
+              <a14:hiddenLine xmlns:a14="http://schemas.microsoft.com/office/drawing/2010/main" w="9525">
+                <a:solidFill>
+                  <a:schemeClr val="tx1"/>
+                </a:solidFill>
+                <a:miter lim="800000"/>
+                <a:headEnd/>
+                <a:tailEnd/>
+              </a14:hiddenLine>
+            </a:ext>
+          </a:extLst>
+        </p:spPr>
+      </p:pic>
+      <p:sp>
+        <p:nvSpPr>
+          <p:cNvPr id="48" name="TextBox 47"/>
+          <p:cNvSpPr txBox="1"/>
+          <p:nvPr/>
+        </p:nvSpPr>
+        <p:spPr>
+          <a:xfrm>
+            <a:off x="4569057" y="3006987"/>
+            <a:ext cx="1396536" cy="253916"/>
+          </a:xfrm>
+          <a:prstGeom prst="rect">
+            <a:avLst/>
+          </a:prstGeom>
+          <a:noFill/>
+        </p:spPr>
+        <p:txBody>
+          <a:bodyPr wrap="none" rtlCol="0">
+            <a:spAutoFit/>
+          </a:bodyPr>
+          <a:lstStyle/>
+          <a:p>
+            <a:r>
+              <a:rPr lang="zh-CN" altLang="en-US" sz="1050" dirty="0" smtClean="0"/>
+              <a:t>安全审计与报表管理</a:t>
+            </a:r>
+            <a:endParaRPr lang="zh-CN" altLang="en-US" sz="1050" dirty="0"/>
+          </a:p>
+        </p:txBody>
+      </p:sp>
+      <p:sp>
+        <p:nvSpPr>
+          <p:cNvPr id="49" name="TextBox 48"/>
+          <p:cNvSpPr txBox="1"/>
+          <p:nvPr/>
+        </p:nvSpPr>
+        <p:spPr>
+          <a:xfrm>
+            <a:off x="4352139" y="5239823"/>
+            <a:ext cx="1935145" cy="253916"/>
+          </a:xfrm>
+          <a:prstGeom prst="rect">
+            <a:avLst/>
+          </a:prstGeom>
+          <a:noFill/>
+        </p:spPr>
+        <p:txBody>
+          <a:bodyPr wrap="none" rtlCol="0">
+            <a:spAutoFit/>
+          </a:bodyPr>
+          <a:lstStyle/>
+          <a:p>
+            <a:r>
+              <a:rPr lang="zh-CN" altLang="en-US" sz="1050" dirty="0" smtClean="0"/>
+              <a:t>认证、授权、账号与流程结合</a:t>
+            </a:r>
+            <a:endParaRPr lang="zh-CN" altLang="en-US" sz="1050" dirty="0"/>
+          </a:p>
+        </p:txBody>
+      </p:sp>
+      <p:sp>
+        <p:nvSpPr>
+          <p:cNvPr id="45" name="矩形 44"/>
+          <p:cNvSpPr/>
+          <p:nvPr/>
+        </p:nvSpPr>
+        <p:spPr>
+          <a:xfrm>
+            <a:off x="4036686" y="4968839"/>
+            <a:ext cx="2421101" cy="221580"/>
+          </a:xfrm>
+          <a:prstGeom prst="rect">
+            <a:avLst/>
+          </a:prstGeom>
+        </p:spPr>
+        <p:style>
+          <a:lnRef idx="2">
+            <a:schemeClr val="accent5">
+              <a:shade val="50000"/>
+            </a:schemeClr>
+          </a:lnRef>
+          <a:fillRef idx="1">
+            <a:schemeClr val="accent5"/>
+          </a:fillRef>
+          <a:effectRef idx="0">
+            <a:schemeClr val="accent5"/>
+          </a:effectRef>
+          <a:fontRef idx="minor">
+            <a:schemeClr val="lt1"/>
+          </a:fontRef>
+        </p:style>
+        <p:txBody>
+          <a:bodyPr rtlCol="0" anchor="ctr"/>
+          <a:lstStyle/>
+          <a:p>
+            <a:pPr algn="ctr"/>
+            <a:r>
+              <a:rPr lang="zh-CN" altLang="en-US" sz="1100" dirty="0" smtClean="0"/>
+              <a:t>资源管理</a:t>
+            </a:r>
+            <a:endParaRPr lang="zh-CN" altLang="en-US" sz="1100" dirty="0"/>
+          </a:p>
+        </p:txBody>
+      </p:sp>
+      <p:sp>
+        <p:nvSpPr>
+          <p:cNvPr id="53" name="圆角矩形 52"/>
+          <p:cNvSpPr/>
+          <p:nvPr/>
+        </p:nvSpPr>
+        <p:spPr>
+          <a:xfrm>
+            <a:off x="4008879" y="3929930"/>
+            <a:ext cx="755703" cy="303656"/>
+          </a:xfrm>
+          <a:prstGeom prst="roundRect">
+            <a:avLst/>
+          </a:prstGeom>
+        </p:spPr>
+        <p:style>
+          <a:lnRef idx="2">
+            <a:schemeClr val="accent5">
+              <a:shade val="50000"/>
+            </a:schemeClr>
+          </a:lnRef>
+          <a:fillRef idx="1">
+            <a:schemeClr val="accent5"/>
+          </a:fillRef>
+          <a:effectRef idx="0">
+            <a:schemeClr val="accent5"/>
+          </a:effectRef>
+          <a:fontRef idx="minor">
+            <a:schemeClr val="lt1"/>
+          </a:fontRef>
+        </p:style>
+        <p:txBody>
+          <a:bodyPr rtlCol="0" anchor="ctr"/>
+          <a:lstStyle/>
+          <a:p>
+            <a:pPr algn="ctr"/>
+            <a:r>
+              <a:rPr lang="zh-CN" altLang="en-US" sz="1000" dirty="0" smtClean="0"/>
+              <a:t>身份认证</a:t>
+            </a:r>
+            <a:endParaRPr lang="zh-CN" altLang="en-US" sz="1000" dirty="0"/>
+          </a:p>
+        </p:txBody>
+      </p:sp>
+      <p:sp>
+        <p:nvSpPr>
+          <p:cNvPr id="54" name="圆角矩形 53"/>
+          <p:cNvSpPr/>
+          <p:nvPr/>
+        </p:nvSpPr>
+        <p:spPr>
+          <a:xfrm>
+            <a:off x="4849227" y="3929930"/>
+            <a:ext cx="755703" cy="294410"/>
+          </a:xfrm>
+          <a:prstGeom prst="roundRect">
+            <a:avLst/>
+          </a:prstGeom>
+        </p:spPr>
+        <p:style>
+          <a:lnRef idx="2">
+            <a:schemeClr val="accent5">
+              <a:shade val="50000"/>
+            </a:schemeClr>
+          </a:lnRef>
+          <a:fillRef idx="1">
+            <a:schemeClr val="accent5"/>
+          </a:fillRef>
+          <a:effectRef idx="0">
+            <a:schemeClr val="accent5"/>
+          </a:effectRef>
+          <a:fontRef idx="minor">
+            <a:schemeClr val="lt1"/>
+          </a:fontRef>
+        </p:style>
+        <p:txBody>
+          <a:bodyPr rtlCol="0" anchor="ctr"/>
+          <a:lstStyle/>
+          <a:p>
+            <a:pPr algn="ctr"/>
+            <a:r>
+              <a:rPr lang="zh-CN" altLang="en-US" sz="1000" dirty="0" smtClean="0"/>
+              <a:t>访问控制</a:t>
+            </a:r>
+            <a:endParaRPr lang="zh-CN" altLang="en-US" sz="1000" dirty="0"/>
+          </a:p>
+        </p:txBody>
+      </p:sp>
+      <p:sp>
+        <p:nvSpPr>
+          <p:cNvPr id="55" name="圆角矩形 54"/>
+          <p:cNvSpPr/>
+          <p:nvPr/>
+        </p:nvSpPr>
+        <p:spPr>
+          <a:xfrm>
+            <a:off x="5689574" y="3929930"/>
+            <a:ext cx="755703" cy="294410"/>
+          </a:xfrm>
+          <a:prstGeom prst="roundRect">
+            <a:avLst/>
+          </a:prstGeom>
+        </p:spPr>
+        <p:style>
+          <a:lnRef idx="2">
+            <a:schemeClr val="accent5">
+              <a:shade val="50000"/>
+            </a:schemeClr>
+          </a:lnRef>
+          <a:fillRef idx="1">
+            <a:schemeClr val="accent5"/>
+          </a:fillRef>
+          <a:effectRef idx="0">
+            <a:schemeClr val="accent5"/>
+          </a:effectRef>
+          <a:fontRef idx="minor">
+            <a:schemeClr val="lt1"/>
+          </a:fontRef>
+        </p:style>
+        <p:txBody>
+          <a:bodyPr rtlCol="0" anchor="ctr"/>
+          <a:lstStyle/>
+          <a:p>
+            <a:pPr algn="ctr"/>
+            <a:r>
+              <a:rPr lang="zh-CN" altLang="en-US" sz="1000" dirty="0" smtClean="0"/>
+              <a:t>账号管理</a:t>
+            </a:r>
+            <a:endParaRPr lang="zh-CN" altLang="en-US" sz="1000" dirty="0"/>
+          </a:p>
+        </p:txBody>
+      </p:sp>
+      <p:sp>
+        <p:nvSpPr>
+          <p:cNvPr id="56" name="圆角矩形 55"/>
+          <p:cNvSpPr/>
+          <p:nvPr/>
+        </p:nvSpPr>
+        <p:spPr>
+          <a:xfrm>
+            <a:off x="4019756" y="4303130"/>
+            <a:ext cx="755703" cy="294410"/>
+          </a:xfrm>
+          <a:prstGeom prst="roundRect">
+            <a:avLst/>
+          </a:prstGeom>
+        </p:spPr>
+        <p:style>
+          <a:lnRef idx="2">
+            <a:schemeClr val="accent5">
+              <a:shade val="50000"/>
+            </a:schemeClr>
+          </a:lnRef>
+          <a:fillRef idx="1">
+            <a:schemeClr val="accent5"/>
+          </a:fillRef>
+          <a:effectRef idx="0">
+            <a:schemeClr val="accent5"/>
+          </a:effectRef>
+          <a:fontRef idx="minor">
+            <a:schemeClr val="lt1"/>
+          </a:fontRef>
+        </p:style>
+        <p:txBody>
+          <a:bodyPr rtlCol="0" anchor="ctr"/>
+          <a:lstStyle/>
+          <a:p>
+            <a:pPr algn="ctr"/>
+            <a:r>
+              <a:rPr lang="zh-CN" altLang="en-US" sz="1000" dirty="0" smtClean="0"/>
+              <a:t>资源授权</a:t>
+            </a:r>
+            <a:endParaRPr lang="zh-CN" altLang="en-US" sz="1000" dirty="0"/>
+          </a:p>
+        </p:txBody>
+      </p:sp>
+      <p:sp>
+        <p:nvSpPr>
+          <p:cNvPr id="57" name="圆角矩形 56"/>
+          <p:cNvSpPr/>
+          <p:nvPr/>
+        </p:nvSpPr>
+        <p:spPr>
+          <a:xfrm>
+            <a:off x="4845140" y="4303130"/>
+            <a:ext cx="755703" cy="294410"/>
+          </a:xfrm>
+          <a:prstGeom prst="roundRect">
+            <a:avLst/>
+          </a:prstGeom>
+        </p:spPr>
+        <p:style>
+          <a:lnRef idx="2">
+            <a:schemeClr val="accent5">
+              <a:shade val="50000"/>
+            </a:schemeClr>
+          </a:lnRef>
+          <a:fillRef idx="1">
+            <a:schemeClr val="accent5"/>
+          </a:fillRef>
+          <a:effectRef idx="0">
+            <a:schemeClr val="accent5"/>
+          </a:effectRef>
+          <a:fontRef idx="minor">
+            <a:schemeClr val="lt1"/>
+          </a:fontRef>
+        </p:style>
+        <p:txBody>
+          <a:bodyPr rtlCol="0" anchor="ctr"/>
+          <a:lstStyle/>
+          <a:p>
+            <a:pPr algn="ctr"/>
+            <a:r>
+              <a:rPr lang="zh-CN" altLang="en-US" sz="1000" dirty="0" smtClean="0"/>
+              <a:t>指令审核</a:t>
+            </a:r>
+            <a:endParaRPr lang="zh-CN" altLang="en-US" sz="1000" dirty="0"/>
+          </a:p>
+        </p:txBody>
+      </p:sp>
+      <p:sp>
+        <p:nvSpPr>
+          <p:cNvPr id="58" name="圆角矩形 57"/>
+          <p:cNvSpPr/>
+          <p:nvPr/>
+        </p:nvSpPr>
+        <p:spPr>
+          <a:xfrm>
+            <a:off x="5689574" y="4303130"/>
+            <a:ext cx="755703" cy="294410"/>
+          </a:xfrm>
+          <a:prstGeom prst="roundRect">
+            <a:avLst/>
+          </a:prstGeom>
+        </p:spPr>
+        <p:style>
+          <a:lnRef idx="2">
+            <a:schemeClr val="accent5">
+              <a:shade val="50000"/>
+            </a:schemeClr>
+          </a:lnRef>
+          <a:fillRef idx="1">
+            <a:schemeClr val="accent5"/>
+          </a:fillRef>
+          <a:effectRef idx="0">
+            <a:schemeClr val="accent5"/>
+          </a:effectRef>
+          <a:fontRef idx="minor">
+            <a:schemeClr val="lt1"/>
+          </a:fontRef>
+        </p:style>
+        <p:txBody>
+          <a:bodyPr rtlCol="0" anchor="ctr"/>
+          <a:lstStyle/>
+          <a:p>
+            <a:pPr algn="ctr"/>
+            <a:r>
+              <a:rPr lang="zh-CN" altLang="en-US" sz="1000" dirty="0"/>
+              <a:t>运</a:t>
+            </a:r>
+            <a:r>
+              <a:rPr lang="zh-CN" altLang="en-US" sz="1000" dirty="0" smtClean="0"/>
+              <a:t>维监控</a:t>
+            </a:r>
+            <a:endParaRPr lang="zh-CN" altLang="en-US" sz="1000" dirty="0"/>
+          </a:p>
+        </p:txBody>
+      </p:sp>
+      <p:sp>
+        <p:nvSpPr>
+          <p:cNvPr id="59" name="矩形 58"/>
+          <p:cNvSpPr/>
+          <p:nvPr/>
+        </p:nvSpPr>
+        <p:spPr>
+          <a:xfrm>
+            <a:off x="4036686" y="4674017"/>
+            <a:ext cx="2421101" cy="221580"/>
+          </a:xfrm>
+          <a:prstGeom prst="rect">
+            <a:avLst/>
+          </a:prstGeom>
+        </p:spPr>
+        <p:style>
+          <a:lnRef idx="2">
+            <a:schemeClr val="accent5">
+              <a:shade val="50000"/>
+            </a:schemeClr>
+          </a:lnRef>
+          <a:fillRef idx="1">
+            <a:schemeClr val="accent5"/>
+          </a:fillRef>
+          <a:effectRef idx="0">
+            <a:schemeClr val="accent5"/>
+          </a:effectRef>
+          <a:fontRef idx="minor">
+            <a:schemeClr val="lt1"/>
+          </a:fontRef>
+        </p:style>
+        <p:txBody>
+          <a:bodyPr rtlCol="0" anchor="ctr"/>
+          <a:lstStyle/>
+          <a:p>
+            <a:pPr algn="ctr"/>
+            <a:r>
+              <a:rPr lang="zh-CN" altLang="en-US" sz="1100" dirty="0"/>
+              <a:t>流程</a:t>
+            </a:r>
+            <a:r>
+              <a:rPr lang="zh-CN" altLang="en-US" sz="1100" dirty="0" smtClean="0"/>
+              <a:t>管理</a:t>
+            </a:r>
+            <a:endParaRPr lang="zh-CN" altLang="en-US" sz="1100" dirty="0"/>
+          </a:p>
+        </p:txBody>
+      </p:sp>
+    </p:spTree>
+    <p:extLst>
+      <p:ext uri="{BB962C8B-B14F-4D97-AF65-F5344CB8AC3E}">
+        <p14:creationId xmlns:p14="http://schemas.microsoft.com/office/powerpoint/2010/main" val="861228630"/>
+      </p:ext>
+    </p:extLst>
+  </p:cSld>
+  <p:clrMapOvr>
+    <a:masterClrMapping/>
+  </p:clrMapOvr>
+</p:sld>
+</file>
+
+<file path=ppt/slides/slide21.xml><?xml version="1.0" encoding="utf-8"?>
+<p:sld xmlns:a="http://schemas.openxmlformats.org/drawingml/2006/main" xmlns:r="http://schemas.openxmlformats.org/officeDocument/2006/relationships" xmlns:p="http://schemas.openxmlformats.org/presentationml/2006/main">
+  <p:cSld>
+    <p:spTree>
+      <p:nvGrpSpPr>
+        <p:cNvPr id="1" name=""/>
+        <p:cNvGrpSpPr/>
+        <p:nvPr/>
+      </p:nvGrpSpPr>
+      <p:grpSpPr>
+        <a:xfrm>
+          <a:off x="0" y="0"/>
+          <a:ext cx="0" cy="0"/>
+          <a:chOff x="0" y="0"/>
+          <a:chExt cx="0" cy="0"/>
+        </a:xfrm>
+      </p:grpSpPr>
+      <p:sp>
+        <p:nvSpPr>
+          <p:cNvPr id="77" name="圆角矩形 76"/>
+          <p:cNvSpPr/>
+          <p:nvPr/>
+        </p:nvSpPr>
+        <p:spPr>
+          <a:xfrm>
+            <a:off x="6440487" y="4878105"/>
+            <a:ext cx="4965808" cy="977566"/>
+          </a:xfrm>
+          <a:prstGeom prst="roundRect">
+            <a:avLst/>
+          </a:prstGeom>
+          <a:ln w="19050">
+            <a:prstDash val="dash"/>
+          </a:ln>
+        </p:spPr>
+        <p:style>
+          <a:lnRef idx="2">
+            <a:schemeClr val="accent3"/>
+          </a:lnRef>
+          <a:fillRef idx="1">
+            <a:schemeClr val="lt1"/>
+          </a:fillRef>
+          <a:effectRef idx="0">
+            <a:schemeClr val="accent3"/>
+          </a:effectRef>
+          <a:fontRef idx="minor">
+            <a:schemeClr val="dk1"/>
+          </a:fontRef>
+        </p:style>
+        <p:txBody>
+          <a:bodyPr rtlCol="0" anchor="ctr"/>
+          <a:lstStyle/>
+          <a:p>
+            <a:pPr algn="ctr"/>
+            <a:endParaRPr lang="zh-CN" altLang="en-US"/>
+          </a:p>
+        </p:txBody>
+      </p:sp>
+      <p:sp>
+        <p:nvSpPr>
+          <p:cNvPr id="11" name="圆角矩形 10"/>
+          <p:cNvSpPr/>
+          <p:nvPr/>
+        </p:nvSpPr>
+        <p:spPr>
+          <a:xfrm>
+            <a:off x="351620" y="2988164"/>
+            <a:ext cx="1304925" cy="977566"/>
+          </a:xfrm>
+          <a:prstGeom prst="roundRect">
+            <a:avLst/>
+          </a:prstGeom>
+          <a:ln w="19050">
+            <a:prstDash val="dash"/>
+          </a:ln>
+        </p:spPr>
+        <p:style>
+          <a:lnRef idx="2">
+            <a:schemeClr val="accent3"/>
+          </a:lnRef>
+          <a:fillRef idx="1">
+            <a:schemeClr val="lt1"/>
+          </a:fillRef>
+          <a:effectRef idx="0">
+            <a:schemeClr val="accent3"/>
+          </a:effectRef>
+          <a:fontRef idx="minor">
+            <a:schemeClr val="dk1"/>
+          </a:fontRef>
+        </p:style>
+        <p:txBody>
+          <a:bodyPr rtlCol="0" anchor="ctr"/>
+          <a:lstStyle/>
+          <a:p>
+            <a:pPr algn="ctr"/>
+            <a:endParaRPr lang="zh-CN" altLang="en-US"/>
+          </a:p>
+        </p:txBody>
+      </p:sp>
+      <p:sp>
+        <p:nvSpPr>
+          <p:cNvPr id="4" name="圆角矩形 3"/>
+          <p:cNvSpPr/>
+          <p:nvPr/>
+        </p:nvSpPr>
+        <p:spPr>
+          <a:xfrm>
+            <a:off x="1926107" y="4888511"/>
+            <a:ext cx="1304925" cy="977566"/>
+          </a:xfrm>
+          <a:prstGeom prst="roundRect">
+            <a:avLst/>
+          </a:prstGeom>
+          <a:ln w="19050">
+            <a:prstDash val="dash"/>
+          </a:ln>
+        </p:spPr>
+        <p:style>
+          <a:lnRef idx="2">
+            <a:schemeClr val="accent3"/>
+          </a:lnRef>
+          <a:fillRef idx="1">
+            <a:schemeClr val="lt1"/>
+          </a:fillRef>
+          <a:effectRef idx="0">
+            <a:schemeClr val="accent3"/>
+          </a:effectRef>
+          <a:fontRef idx="minor">
+            <a:schemeClr val="dk1"/>
+          </a:fontRef>
+        </p:style>
+        <p:txBody>
+          <a:bodyPr rtlCol="0" anchor="ctr"/>
+          <a:lstStyle/>
+          <a:p>
+            <a:pPr algn="ctr"/>
+            <a:endParaRPr lang="zh-CN" altLang="en-US"/>
+          </a:p>
+        </p:txBody>
+      </p:sp>
+      <p:pic>
+        <p:nvPicPr>
+          <p:cNvPr id="4098" name="Picture 2" descr="C:\Users\xiejava\Downloads\核心交换机 (1).png"/>
+          <p:cNvPicPr>
+            <a:picLocks noChangeAspect="1" noChangeArrowheads="1"/>
+          </p:cNvPicPr>
+          <p:nvPr/>
+        </p:nvPicPr>
+        <p:blipFill>
+          <a:blip r:embed="rId2" cstate="print">
+            <a:extLst>
+              <a:ext uri="{28A0092B-C50C-407E-A947-70E740481C1C}">
+                <a14:useLocalDpi xmlns:a14="http://schemas.microsoft.com/office/drawing/2010/main" val="0"/>
+              </a:ext>
+            </a:extLst>
+          </a:blip>
+          <a:srcRect/>
+          <a:stretch>
+            <a:fillRect/>
+          </a:stretch>
+        </p:blipFill>
+        <p:spPr bwMode="auto">
+          <a:xfrm>
+            <a:off x="2251906" y="3076427"/>
+            <a:ext cx="667690" cy="667690"/>
+          </a:xfrm>
+          <a:prstGeom prst="rect">
+            <a:avLst/>
+          </a:prstGeom>
+          <a:noFill/>
+          <a:extLst>
+            <a:ext uri="{909E8E84-426E-40DD-AFC4-6F175D3DCCD1}">
+              <a14:hiddenFill xmlns:a14="http://schemas.microsoft.com/office/drawing/2010/main">
+                <a:solidFill>
+                  <a:srgbClr val="FFFFFF"/>
+                </a:solidFill>
+              </a14:hiddenFill>
+            </a:ext>
+          </a:extLst>
+        </p:spPr>
+      </p:pic>
+      <p:pic>
+        <p:nvPicPr>
+          <p:cNvPr id="4100" name="Picture 4" descr="C:\Users\xiejava\Downloads\vpn VPN网关.png"/>
+          <p:cNvPicPr>
+            <a:picLocks noChangeAspect="1" noChangeArrowheads="1"/>
+          </p:cNvPicPr>
+          <p:nvPr/>
+        </p:nvPicPr>
+        <p:blipFill>
+          <a:blip r:embed="rId3" cstate="print">
+            <a:extLst>
+              <a:ext uri="{28A0092B-C50C-407E-A947-70E740481C1C}">
+                <a14:useLocalDpi xmlns:a14="http://schemas.microsoft.com/office/drawing/2010/main" val="0"/>
+              </a:ext>
+            </a:extLst>
+          </a:blip>
+          <a:srcRect/>
+          <a:stretch>
+            <a:fillRect/>
+          </a:stretch>
+        </p:blipFill>
+        <p:spPr bwMode="auto">
+          <a:xfrm>
+            <a:off x="2251906" y="922222"/>
+            <a:ext cx="606991" cy="606991"/>
+          </a:xfrm>
+          <a:prstGeom prst="rect">
+            <a:avLst/>
+          </a:prstGeom>
+          <a:noFill/>
+          <a:extLst>
+            <a:ext uri="{909E8E84-426E-40DD-AFC4-6F175D3DCCD1}">
+              <a14:hiddenFill xmlns:a14="http://schemas.microsoft.com/office/drawing/2010/main">
+                <a:solidFill>
+                  <a:srgbClr val="FFFFFF"/>
+                </a:solidFill>
+              </a14:hiddenFill>
+            </a:ext>
+          </a:extLst>
+        </p:spPr>
+      </p:pic>
+      <p:pic>
+        <p:nvPicPr>
+          <p:cNvPr id="7" name="Picture 3" descr="C:\Users\xiejava\Downloads\堡垒机.png"/>
+          <p:cNvPicPr>
+            <a:picLocks noChangeAspect="1" noChangeArrowheads="1"/>
+          </p:cNvPicPr>
+          <p:nvPr/>
+        </p:nvPicPr>
+        <p:blipFill>
+          <a:blip r:embed="rId4" cstate="print">
+            <a:extLst>
+              <a:ext uri="{28A0092B-C50C-407E-A947-70E740481C1C}">
+                <a14:useLocalDpi xmlns:a14="http://schemas.microsoft.com/office/drawing/2010/main" val="0"/>
+              </a:ext>
+            </a:extLst>
+          </a:blip>
+          <a:srcRect/>
+          <a:stretch>
+            <a:fillRect/>
+          </a:stretch>
+        </p:blipFill>
+        <p:spPr bwMode="auto">
+          <a:xfrm>
+            <a:off x="3838105" y="3137586"/>
+            <a:ext cx="667690" cy="667690"/>
+          </a:xfrm>
+          <a:prstGeom prst="rect">
+            <a:avLst/>
+          </a:prstGeom>
+          <a:noFill/>
+          <a:extLst>
+            <a:ext uri="{909E8E84-426E-40DD-AFC4-6F175D3DCCD1}">
+              <a14:hiddenFill xmlns:a14="http://schemas.microsoft.com/office/drawing/2010/main">
+                <a:solidFill>
+                  <a:srgbClr val="FFFFFF"/>
+                </a:solidFill>
+              </a14:hiddenFill>
+            </a:ext>
+          </a:extLst>
+        </p:spPr>
+      </p:pic>
+      <p:pic>
+        <p:nvPicPr>
+          <p:cNvPr id="4101" name="Picture 5" descr="C:\Users\xiejava\Downloads\服务器 (2).png"/>
+          <p:cNvPicPr>
+            <a:picLocks noChangeAspect="1" noChangeArrowheads="1"/>
+          </p:cNvPicPr>
+          <p:nvPr/>
+        </p:nvPicPr>
+        <p:blipFill>
+          <a:blip r:embed="rId5">
+            <a:extLst>
+              <a:ext uri="{28A0092B-C50C-407E-A947-70E740481C1C}">
+                <a14:useLocalDpi xmlns:a14="http://schemas.microsoft.com/office/drawing/2010/main" val="0"/>
+              </a:ext>
+            </a:extLst>
+          </a:blip>
+          <a:srcRect/>
+          <a:stretch>
+            <a:fillRect/>
+          </a:stretch>
+        </p:blipFill>
+        <p:spPr bwMode="auto">
+          <a:xfrm>
+            <a:off x="2089787" y="4831361"/>
+            <a:ext cx="977566" cy="977566"/>
+          </a:xfrm>
+          <a:prstGeom prst="rect">
+            <a:avLst/>
+          </a:prstGeom>
+          <a:noFill/>
+          <a:extLst>
+            <a:ext uri="{909E8E84-426E-40DD-AFC4-6F175D3DCCD1}">
+              <a14:hiddenFill xmlns:a14="http://schemas.microsoft.com/office/drawing/2010/main">
+                <a:solidFill>
+                  <a:srgbClr val="FFFFFF"/>
+                </a:solidFill>
+              </a14:hiddenFill>
+            </a:ext>
+          </a:extLst>
+        </p:spPr>
+      </p:pic>
+      <p:pic>
+        <p:nvPicPr>
+          <p:cNvPr id="4102" name="Picture 6" descr="C:\Users\xiejava\Downloads\服务器维护保养.png"/>
+          <p:cNvPicPr>
+            <a:picLocks noChangeAspect="1" noChangeArrowheads="1"/>
+          </p:cNvPicPr>
+          <p:nvPr/>
+        </p:nvPicPr>
+        <p:blipFill>
+          <a:blip r:embed="rId6" cstate="print">
+            <a:extLst>
+              <a:ext uri="{28A0092B-C50C-407E-A947-70E740481C1C}">
+                <a14:useLocalDpi xmlns:a14="http://schemas.microsoft.com/office/drawing/2010/main" val="0"/>
+              </a:ext>
+            </a:extLst>
+          </a:blip>
+          <a:srcRect/>
+          <a:stretch>
+            <a:fillRect/>
+          </a:stretch>
+        </p:blipFill>
+        <p:spPr bwMode="auto">
+          <a:xfrm>
+            <a:off x="632896" y="3043042"/>
+            <a:ext cx="734459" cy="734459"/>
+          </a:xfrm>
+          <a:prstGeom prst="rect">
+            <a:avLst/>
+          </a:prstGeom>
+          <a:noFill/>
+          <a:extLst>
+            <a:ext uri="{909E8E84-426E-40DD-AFC4-6F175D3DCCD1}">
+              <a14:hiddenFill xmlns:a14="http://schemas.microsoft.com/office/drawing/2010/main">
+                <a:solidFill>
+                  <a:srgbClr val="FFFFFF"/>
+                </a:solidFill>
+              </a14:hiddenFill>
+            </a:ext>
+          </a:extLst>
+        </p:spPr>
+      </p:pic>
+      <p:sp>
+        <p:nvSpPr>
+          <p:cNvPr id="15" name="TextBox 14"/>
+          <p:cNvSpPr txBox="1"/>
+          <p:nvPr/>
+        </p:nvSpPr>
+        <p:spPr>
+          <a:xfrm>
+            <a:off x="2247340" y="5624261"/>
+            <a:ext cx="646331" cy="276999"/>
+          </a:xfrm>
+          <a:prstGeom prst="rect">
+            <a:avLst/>
+          </a:prstGeom>
+          <a:noFill/>
+        </p:spPr>
+        <p:txBody>
+          <a:bodyPr wrap="none" rtlCol="0">
+            <a:spAutoFit/>
+          </a:bodyPr>
+          <a:lstStyle/>
+          <a:p>
+            <a:r>
+              <a:rPr lang="zh-CN" altLang="en-US" sz="1200" dirty="0" smtClean="0"/>
+              <a:t>服务器</a:t>
+            </a:r>
+            <a:endParaRPr lang="zh-CN" altLang="en-US" sz="1200" dirty="0"/>
+          </a:p>
+        </p:txBody>
+      </p:sp>
+      <p:sp>
+        <p:nvSpPr>
+          <p:cNvPr id="16" name="TextBox 15"/>
+          <p:cNvSpPr txBox="1"/>
+          <p:nvPr/>
+        </p:nvSpPr>
+        <p:spPr>
+          <a:xfrm>
+            <a:off x="539503" y="3752167"/>
+            <a:ext cx="954107" cy="276999"/>
+          </a:xfrm>
+          <a:prstGeom prst="rect">
+            <a:avLst/>
+          </a:prstGeom>
+          <a:noFill/>
+        </p:spPr>
+        <p:txBody>
+          <a:bodyPr wrap="none" rtlCol="0">
+            <a:spAutoFit/>
+          </a:bodyPr>
+          <a:lstStyle/>
+          <a:p>
+            <a:r>
+              <a:rPr lang="zh-CN" altLang="en-US" sz="1200" dirty="0" smtClean="0"/>
+              <a:t>内部维护区</a:t>
+            </a:r>
+            <a:endParaRPr lang="zh-CN" altLang="en-US" sz="1200" dirty="0"/>
+          </a:p>
+        </p:txBody>
+      </p:sp>
+      <p:sp>
+        <p:nvSpPr>
+          <p:cNvPr id="17" name="TextBox 16"/>
+          <p:cNvSpPr txBox="1"/>
+          <p:nvPr/>
+        </p:nvSpPr>
+        <p:spPr>
+          <a:xfrm>
+            <a:off x="2166181" y="1529213"/>
+            <a:ext cx="758541" cy="276999"/>
+          </a:xfrm>
+          <a:prstGeom prst="rect">
+            <a:avLst/>
+          </a:prstGeom>
+          <a:noFill/>
+        </p:spPr>
+        <p:txBody>
+          <a:bodyPr wrap="none" rtlCol="0">
+            <a:spAutoFit/>
+          </a:bodyPr>
+          <a:lstStyle/>
+          <a:p>
+            <a:r>
+              <a:rPr lang="en-US" altLang="zh-CN" sz="1200" dirty="0" smtClean="0"/>
+              <a:t>VPN</a:t>
+            </a:r>
+            <a:r>
+              <a:rPr lang="zh-CN" altLang="en-US" sz="1200" dirty="0" smtClean="0"/>
+              <a:t>设备</a:t>
+            </a:r>
+            <a:endParaRPr lang="zh-CN" altLang="en-US" sz="1200" dirty="0"/>
+          </a:p>
+        </p:txBody>
+      </p:sp>
+      <p:sp>
+        <p:nvSpPr>
+          <p:cNvPr id="18" name="TextBox 17"/>
+          <p:cNvSpPr txBox="1"/>
+          <p:nvPr/>
+        </p:nvSpPr>
+        <p:spPr>
+          <a:xfrm>
+            <a:off x="2184839" y="3688731"/>
+            <a:ext cx="800219" cy="276999"/>
+          </a:xfrm>
+          <a:prstGeom prst="rect">
+            <a:avLst/>
+          </a:prstGeom>
+          <a:noFill/>
+        </p:spPr>
+        <p:txBody>
+          <a:bodyPr wrap="none" rtlCol="0">
+            <a:spAutoFit/>
+          </a:bodyPr>
+          <a:lstStyle/>
+          <a:p>
+            <a:r>
+              <a:rPr lang="zh-CN" altLang="en-US" sz="1200" dirty="0" smtClean="0"/>
+              <a:t>核心交换</a:t>
+            </a:r>
+            <a:endParaRPr lang="zh-CN" altLang="en-US" sz="1200" dirty="0"/>
+          </a:p>
+        </p:txBody>
+      </p:sp>
+      <p:cxnSp>
+        <p:nvCxnSpPr>
+          <p:cNvPr id="8" name="直接连接符 7"/>
+          <p:cNvCxnSpPr/>
+          <p:nvPr/>
+        </p:nvCxnSpPr>
+        <p:spPr>
+          <a:xfrm>
+            <a:off x="1694645" y="3476947"/>
+            <a:ext cx="449430" cy="0"/>
+          </a:xfrm>
+          <a:prstGeom prst="line">
+            <a:avLst/>
+          </a:prstGeom>
+        </p:spPr>
+        <p:style>
+          <a:lnRef idx="1">
+            <a:schemeClr val="accent1"/>
+          </a:lnRef>
+          <a:fillRef idx="0">
+            <a:schemeClr val="accent1"/>
+          </a:fillRef>
+          <a:effectRef idx="0">
+            <a:schemeClr val="accent1"/>
+          </a:effectRef>
+          <a:fontRef idx="minor">
+            <a:schemeClr val="tx1"/>
+          </a:fontRef>
+        </p:style>
+      </p:cxnSp>
+      <p:cxnSp>
+        <p:nvCxnSpPr>
+          <p:cNvPr id="21" name="直接连接符 20"/>
+          <p:cNvCxnSpPr>
+            <a:endCxn id="7" idx="1"/>
+          </p:cNvCxnSpPr>
+          <p:nvPr/>
+        </p:nvCxnSpPr>
+        <p:spPr>
+          <a:xfrm flipV="1">
+            <a:off x="3022505" y="3471431"/>
+            <a:ext cx="815600" cy="5838"/>
+          </a:xfrm>
+          <a:prstGeom prst="line">
+            <a:avLst/>
+          </a:prstGeom>
+        </p:spPr>
+        <p:style>
+          <a:lnRef idx="1">
+            <a:schemeClr val="accent1"/>
+          </a:lnRef>
+          <a:fillRef idx="0">
+            <a:schemeClr val="accent1"/>
+          </a:fillRef>
+          <a:effectRef idx="0">
+            <a:schemeClr val="accent1"/>
+          </a:effectRef>
+          <a:fontRef idx="minor">
+            <a:schemeClr val="tx1"/>
+          </a:fontRef>
+        </p:style>
+      </p:cxnSp>
+      <p:cxnSp>
+        <p:nvCxnSpPr>
+          <p:cNvPr id="23" name="直接连接符 22"/>
+          <p:cNvCxnSpPr/>
+          <p:nvPr/>
+        </p:nvCxnSpPr>
+        <p:spPr>
+          <a:xfrm flipH="1">
+            <a:off x="2543705" y="1806212"/>
+            <a:ext cx="1746" cy="987823"/>
+          </a:xfrm>
+          <a:prstGeom prst="line">
+            <a:avLst/>
+          </a:prstGeom>
+        </p:spPr>
+        <p:style>
+          <a:lnRef idx="1">
+            <a:schemeClr val="accent1"/>
+          </a:lnRef>
+          <a:fillRef idx="0">
+            <a:schemeClr val="accent1"/>
+          </a:fillRef>
+          <a:effectRef idx="0">
+            <a:schemeClr val="accent1"/>
+          </a:effectRef>
+          <a:fontRef idx="minor">
+            <a:schemeClr val="tx1"/>
+          </a:fontRef>
+        </p:style>
+      </p:cxnSp>
+      <p:cxnSp>
+        <p:nvCxnSpPr>
+          <p:cNvPr id="30" name="直接连接符 29"/>
+          <p:cNvCxnSpPr/>
+          <p:nvPr/>
+        </p:nvCxnSpPr>
+        <p:spPr>
+          <a:xfrm flipH="1">
+            <a:off x="2583202" y="4013494"/>
+            <a:ext cx="1746" cy="742166"/>
+          </a:xfrm>
+          <a:prstGeom prst="line">
+            <a:avLst/>
+          </a:prstGeom>
+        </p:spPr>
+        <p:style>
+          <a:lnRef idx="1">
+            <a:schemeClr val="accent1"/>
+          </a:lnRef>
+          <a:fillRef idx="0">
+            <a:schemeClr val="accent1"/>
+          </a:fillRef>
+          <a:effectRef idx="0">
+            <a:schemeClr val="accent1"/>
+          </a:effectRef>
+          <a:fontRef idx="minor">
+            <a:schemeClr val="tx1"/>
+          </a:fontRef>
+        </p:style>
+      </p:cxnSp>
+      <p:sp>
+        <p:nvSpPr>
+          <p:cNvPr id="24" name="矩形 23"/>
+          <p:cNvSpPr/>
+          <p:nvPr/>
+        </p:nvSpPr>
+        <p:spPr>
+          <a:xfrm>
+            <a:off x="3313895" y="3890666"/>
+            <a:ext cx="1877437" cy="461665"/>
+          </a:xfrm>
+          <a:prstGeom prst="rect">
+            <a:avLst/>
+          </a:prstGeom>
+        </p:spPr>
+        <p:txBody>
+          <a:bodyPr wrap="none">
+            <a:spAutoFit/>
+          </a:bodyPr>
+          <a:lstStyle/>
+          <a:p>
+            <a:pPr algn="ctr"/>
+            <a:r>
+              <a:rPr lang="zh-CN" altLang="en-US" sz="1200" dirty="0"/>
+              <a:t>运维安全管理与审计</a:t>
+            </a:r>
+            <a:r>
+              <a:rPr lang="zh-CN" altLang="en-US" sz="1200" dirty="0" smtClean="0"/>
+              <a:t>系统</a:t>
+            </a:r>
+            <a:endParaRPr lang="en-US" altLang="zh-CN" sz="1200" dirty="0" smtClean="0"/>
+          </a:p>
+          <a:p>
+            <a:pPr algn="ctr"/>
+            <a:r>
+              <a:rPr lang="zh-CN" altLang="en-US" sz="1200" dirty="0" smtClean="0"/>
+              <a:t>（堡垒机）</a:t>
+            </a:r>
+            <a:endParaRPr lang="zh-CN" altLang="en-US" sz="1200" dirty="0"/>
+          </a:p>
+        </p:txBody>
+      </p:sp>
+      <p:cxnSp>
+        <p:nvCxnSpPr>
+          <p:cNvPr id="31" name="曲线连接符 30"/>
+          <p:cNvCxnSpPr/>
+          <p:nvPr/>
+        </p:nvCxnSpPr>
+        <p:spPr>
+          <a:xfrm flipV="1">
+            <a:off x="1493610" y="3688731"/>
+            <a:ext cx="2459265" cy="324763"/>
+          </a:xfrm>
+          <a:prstGeom prst="curvedConnector3">
+            <a:avLst>
+              <a:gd name="adj1" fmla="val 50000"/>
+            </a:avLst>
+          </a:prstGeom>
+          <a:ln>
+            <a:prstDash val="dash"/>
+            <a:tailEnd type="arrow"/>
+          </a:ln>
+        </p:spPr>
+        <p:style>
+          <a:lnRef idx="3">
+            <a:schemeClr val="accent2"/>
+          </a:lnRef>
+          <a:fillRef idx="0">
+            <a:schemeClr val="accent2"/>
+          </a:fillRef>
+          <a:effectRef idx="2">
+            <a:schemeClr val="accent2"/>
+          </a:effectRef>
+          <a:fontRef idx="minor">
+            <a:schemeClr val="tx1"/>
+          </a:fontRef>
+        </p:style>
+      </p:cxnSp>
+      <p:sp>
+        <p:nvSpPr>
+          <p:cNvPr id="54" name="圆角矩形 53"/>
+          <p:cNvSpPr/>
+          <p:nvPr/>
+        </p:nvSpPr>
+        <p:spPr>
+          <a:xfrm>
+            <a:off x="10200805" y="997117"/>
+            <a:ext cx="1304925" cy="977566"/>
+          </a:xfrm>
+          <a:prstGeom prst="roundRect">
+            <a:avLst/>
+          </a:prstGeom>
+          <a:ln w="19050">
+            <a:prstDash val="dash"/>
+          </a:ln>
+        </p:spPr>
+        <p:style>
+          <a:lnRef idx="2">
+            <a:schemeClr val="accent3"/>
+          </a:lnRef>
+          <a:fillRef idx="1">
+            <a:schemeClr val="lt1"/>
+          </a:fillRef>
+          <a:effectRef idx="0">
+            <a:schemeClr val="accent3"/>
+          </a:effectRef>
+          <a:fontRef idx="minor">
+            <a:schemeClr val="dk1"/>
+          </a:fontRef>
+        </p:style>
+        <p:txBody>
+          <a:bodyPr rtlCol="0" anchor="ctr"/>
+          <a:lstStyle/>
+          <a:p>
+            <a:pPr algn="ctr"/>
+            <a:endParaRPr lang="zh-CN" altLang="en-US"/>
+          </a:p>
+        </p:txBody>
+      </p:sp>
+      <p:pic>
+        <p:nvPicPr>
+          <p:cNvPr id="56" name="Picture 2" descr="C:\Users\xiejava\Downloads\核心交换机 (1).png"/>
+          <p:cNvPicPr>
+            <a:picLocks noChangeAspect="1" noChangeArrowheads="1"/>
+          </p:cNvPicPr>
+          <p:nvPr/>
+        </p:nvPicPr>
+        <p:blipFill>
+          <a:blip r:embed="rId2" cstate="print">
+            <a:extLst>
+              <a:ext uri="{28A0092B-C50C-407E-A947-70E740481C1C}">
+                <a14:useLocalDpi xmlns:a14="http://schemas.microsoft.com/office/drawing/2010/main" val="0"/>
+              </a:ext>
+            </a:extLst>
+          </a:blip>
+          <a:srcRect/>
+          <a:stretch>
+            <a:fillRect/>
+          </a:stretch>
+        </p:blipFill>
+        <p:spPr bwMode="auto">
+          <a:xfrm>
+            <a:off x="8614606" y="3076427"/>
+            <a:ext cx="667690" cy="667690"/>
+          </a:xfrm>
+          <a:prstGeom prst="rect">
+            <a:avLst/>
+          </a:prstGeom>
+          <a:noFill/>
+          <a:extLst>
+            <a:ext uri="{909E8E84-426E-40DD-AFC4-6F175D3DCCD1}">
+              <a14:hiddenFill xmlns:a14="http://schemas.microsoft.com/office/drawing/2010/main">
+                <a:solidFill>
+                  <a:srgbClr val="FFFFFF"/>
+                </a:solidFill>
+              </a14:hiddenFill>
+            </a:ext>
+          </a:extLst>
+        </p:spPr>
+      </p:pic>
+      <p:pic>
+        <p:nvPicPr>
+          <p:cNvPr id="58" name="Picture 3" descr="C:\Users\xiejava\Downloads\堡垒机.png"/>
+          <p:cNvPicPr>
+            <a:picLocks noChangeAspect="1" noChangeArrowheads="1"/>
+          </p:cNvPicPr>
+          <p:nvPr/>
+        </p:nvPicPr>
+        <p:blipFill>
+          <a:blip r:embed="rId4" cstate="print">
+            <a:extLst>
+              <a:ext uri="{28A0092B-C50C-407E-A947-70E740481C1C}">
+                <a14:useLocalDpi xmlns:a14="http://schemas.microsoft.com/office/drawing/2010/main" val="0"/>
+              </a:ext>
+            </a:extLst>
+          </a:blip>
+          <a:srcRect/>
+          <a:stretch>
+            <a:fillRect/>
+          </a:stretch>
+        </p:blipFill>
+        <p:spPr bwMode="auto">
+          <a:xfrm>
+            <a:off x="10200805" y="3137586"/>
+            <a:ext cx="667690" cy="667690"/>
+          </a:xfrm>
+          <a:prstGeom prst="rect">
+            <a:avLst/>
+          </a:prstGeom>
+          <a:noFill/>
+          <a:extLst>
+            <a:ext uri="{909E8E84-426E-40DD-AFC4-6F175D3DCCD1}">
+              <a14:hiddenFill xmlns:a14="http://schemas.microsoft.com/office/drawing/2010/main">
+                <a:solidFill>
+                  <a:srgbClr val="FFFFFF"/>
+                </a:solidFill>
+              </a14:hiddenFill>
+            </a:ext>
+          </a:extLst>
+        </p:spPr>
+      </p:pic>
+      <p:pic>
+        <p:nvPicPr>
+          <p:cNvPr id="59" name="Picture 5" descr="C:\Users\xiejava\Downloads\服务器 (2).png"/>
+          <p:cNvPicPr>
+            <a:picLocks noChangeAspect="1" noChangeArrowheads="1"/>
+          </p:cNvPicPr>
+          <p:nvPr/>
+        </p:nvPicPr>
+        <p:blipFill>
+          <a:blip r:embed="rId5">
+            <a:extLst>
+              <a:ext uri="{28A0092B-C50C-407E-A947-70E740481C1C}">
+                <a14:useLocalDpi xmlns:a14="http://schemas.microsoft.com/office/drawing/2010/main" val="0"/>
+              </a:ext>
+            </a:extLst>
+          </a:blip>
+          <a:srcRect/>
+          <a:stretch>
+            <a:fillRect/>
+          </a:stretch>
+        </p:blipFill>
+        <p:spPr bwMode="auto">
+          <a:xfrm>
+            <a:off x="7660977" y="4819160"/>
+            <a:ext cx="977566" cy="977566"/>
+          </a:xfrm>
+          <a:prstGeom prst="rect">
+            <a:avLst/>
+          </a:prstGeom>
+          <a:noFill/>
+          <a:extLst>
+            <a:ext uri="{909E8E84-426E-40DD-AFC4-6F175D3DCCD1}">
+              <a14:hiddenFill xmlns:a14="http://schemas.microsoft.com/office/drawing/2010/main">
+                <a:solidFill>
+                  <a:srgbClr val="FFFFFF"/>
+                </a:solidFill>
+              </a14:hiddenFill>
+            </a:ext>
+          </a:extLst>
+        </p:spPr>
+      </p:pic>
+      <p:pic>
+        <p:nvPicPr>
+          <p:cNvPr id="60" name="Picture 6" descr="C:\Users\xiejava\Downloads\服务器维护保养.png"/>
+          <p:cNvPicPr>
+            <a:picLocks noChangeAspect="1" noChangeArrowheads="1"/>
+          </p:cNvPicPr>
+          <p:nvPr/>
+        </p:nvPicPr>
+        <p:blipFill>
+          <a:blip r:embed="rId6" cstate="print">
+            <a:extLst>
+              <a:ext uri="{28A0092B-C50C-407E-A947-70E740481C1C}">
+                <a14:useLocalDpi xmlns:a14="http://schemas.microsoft.com/office/drawing/2010/main" val="0"/>
+              </a:ext>
+            </a:extLst>
+          </a:blip>
+          <a:srcRect/>
+          <a:stretch>
+            <a:fillRect/>
+          </a:stretch>
+        </p:blipFill>
+        <p:spPr bwMode="auto">
+          <a:xfrm>
+            <a:off x="10482081" y="1051995"/>
+            <a:ext cx="734459" cy="734459"/>
+          </a:xfrm>
+          <a:prstGeom prst="rect">
+            <a:avLst/>
+          </a:prstGeom>
+          <a:noFill/>
+          <a:extLst>
+            <a:ext uri="{909E8E84-426E-40DD-AFC4-6F175D3DCCD1}">
+              <a14:hiddenFill xmlns:a14="http://schemas.microsoft.com/office/drawing/2010/main">
+                <a:solidFill>
+                  <a:srgbClr val="FFFFFF"/>
+                </a:solidFill>
+              </a14:hiddenFill>
+            </a:ext>
+          </a:extLst>
+        </p:spPr>
+      </p:pic>
+      <p:sp>
+        <p:nvSpPr>
+          <p:cNvPr id="61" name="TextBox 60"/>
+          <p:cNvSpPr txBox="1"/>
+          <p:nvPr/>
+        </p:nvSpPr>
+        <p:spPr>
+          <a:xfrm>
+            <a:off x="7678830" y="5616773"/>
+            <a:ext cx="954107" cy="276999"/>
+          </a:xfrm>
+          <a:prstGeom prst="rect">
+            <a:avLst/>
+          </a:prstGeom>
+          <a:noFill/>
+        </p:spPr>
+        <p:txBody>
+          <a:bodyPr wrap="none" rtlCol="0">
+            <a:spAutoFit/>
+          </a:bodyPr>
+          <a:lstStyle/>
+          <a:p>
+            <a:r>
+              <a:rPr lang="zh-CN" altLang="en-US" sz="1200" dirty="0" smtClean="0"/>
+              <a:t>文件服务器</a:t>
+            </a:r>
+            <a:endParaRPr lang="zh-CN" altLang="en-US" sz="1200" dirty="0"/>
+          </a:p>
+        </p:txBody>
+      </p:sp>
+      <p:sp>
+        <p:nvSpPr>
+          <p:cNvPr id="62" name="TextBox 61"/>
+          <p:cNvSpPr txBox="1"/>
+          <p:nvPr/>
+        </p:nvSpPr>
+        <p:spPr>
+          <a:xfrm>
+            <a:off x="10388688" y="1761120"/>
+            <a:ext cx="954107" cy="276999"/>
+          </a:xfrm>
+          <a:prstGeom prst="rect">
+            <a:avLst/>
+          </a:prstGeom>
+          <a:noFill/>
+        </p:spPr>
+        <p:txBody>
+          <a:bodyPr wrap="none" rtlCol="0">
+            <a:spAutoFit/>
+          </a:bodyPr>
+          <a:lstStyle/>
+          <a:p>
+            <a:r>
+              <a:rPr lang="zh-CN" altLang="en-US" sz="1200" dirty="0" smtClean="0"/>
+              <a:t>内部维护区</a:t>
+            </a:r>
+            <a:endParaRPr lang="zh-CN" altLang="en-US" sz="1200" dirty="0"/>
+          </a:p>
+        </p:txBody>
+      </p:sp>
+      <p:sp>
+        <p:nvSpPr>
+          <p:cNvPr id="63" name="TextBox 62"/>
+          <p:cNvSpPr txBox="1"/>
+          <p:nvPr/>
+        </p:nvSpPr>
+        <p:spPr>
+          <a:xfrm>
+            <a:off x="8547539" y="3688731"/>
+            <a:ext cx="800219" cy="276999"/>
+          </a:xfrm>
+          <a:prstGeom prst="rect">
+            <a:avLst/>
+          </a:prstGeom>
+          <a:noFill/>
+        </p:spPr>
+        <p:txBody>
+          <a:bodyPr wrap="none" rtlCol="0">
+            <a:spAutoFit/>
+          </a:bodyPr>
+          <a:lstStyle/>
+          <a:p>
+            <a:r>
+              <a:rPr lang="zh-CN" altLang="en-US" sz="1200" dirty="0" smtClean="0"/>
+              <a:t>核心交换</a:t>
+            </a:r>
+            <a:endParaRPr lang="zh-CN" altLang="en-US" sz="1200" dirty="0"/>
+          </a:p>
+        </p:txBody>
+      </p:sp>
+      <p:cxnSp>
+        <p:nvCxnSpPr>
+          <p:cNvPr id="65" name="直接连接符 64"/>
+          <p:cNvCxnSpPr>
+            <a:endCxn id="58" idx="1"/>
+          </p:cNvCxnSpPr>
+          <p:nvPr/>
+        </p:nvCxnSpPr>
+        <p:spPr>
+          <a:xfrm flipV="1">
+            <a:off x="9385205" y="3471431"/>
+            <a:ext cx="815600" cy="5838"/>
+          </a:xfrm>
+          <a:prstGeom prst="line">
+            <a:avLst/>
+          </a:prstGeom>
+        </p:spPr>
+        <p:style>
+          <a:lnRef idx="1">
+            <a:schemeClr val="accent1"/>
+          </a:lnRef>
+          <a:fillRef idx="0">
+            <a:schemeClr val="accent1"/>
+          </a:fillRef>
+          <a:effectRef idx="0">
+            <a:schemeClr val="accent1"/>
+          </a:effectRef>
+          <a:fontRef idx="minor">
+            <a:schemeClr val="tx1"/>
+          </a:fontRef>
+        </p:style>
+      </p:cxnSp>
+      <p:cxnSp>
+        <p:nvCxnSpPr>
+          <p:cNvPr id="67" name="直接连接符 66"/>
+          <p:cNvCxnSpPr/>
+          <p:nvPr/>
+        </p:nvCxnSpPr>
+        <p:spPr>
+          <a:xfrm flipH="1">
+            <a:off x="8945902" y="4013494"/>
+            <a:ext cx="1746" cy="742166"/>
+          </a:xfrm>
+          <a:prstGeom prst="line">
+            <a:avLst/>
+          </a:prstGeom>
+        </p:spPr>
+        <p:style>
+          <a:lnRef idx="1">
+            <a:schemeClr val="accent1"/>
+          </a:lnRef>
+          <a:fillRef idx="0">
+            <a:schemeClr val="accent1"/>
+          </a:fillRef>
+          <a:effectRef idx="0">
+            <a:schemeClr val="accent1"/>
+          </a:effectRef>
+          <a:fontRef idx="minor">
+            <a:schemeClr val="tx1"/>
+          </a:fontRef>
+        </p:style>
+      </p:cxnSp>
+      <p:sp>
+        <p:nvSpPr>
+          <p:cNvPr id="68" name="矩形 67"/>
+          <p:cNvSpPr/>
+          <p:nvPr/>
+        </p:nvSpPr>
+        <p:spPr>
+          <a:xfrm>
+            <a:off x="9676595" y="3890666"/>
+            <a:ext cx="1877437" cy="461665"/>
+          </a:xfrm>
+          <a:prstGeom prst="rect">
+            <a:avLst/>
+          </a:prstGeom>
+        </p:spPr>
+        <p:txBody>
+          <a:bodyPr wrap="none">
+            <a:spAutoFit/>
+          </a:bodyPr>
+          <a:lstStyle/>
+          <a:p>
+            <a:pPr algn="ctr"/>
+            <a:r>
+              <a:rPr lang="zh-CN" altLang="en-US" sz="1200" dirty="0"/>
+              <a:t>运维安全管理与审计</a:t>
+            </a:r>
+            <a:r>
+              <a:rPr lang="zh-CN" altLang="en-US" sz="1200" dirty="0" smtClean="0"/>
+              <a:t>系统</a:t>
+            </a:r>
+            <a:endParaRPr lang="en-US" altLang="zh-CN" sz="1200" dirty="0" smtClean="0"/>
+          </a:p>
+          <a:p>
+            <a:pPr algn="ctr"/>
+            <a:r>
+              <a:rPr lang="zh-CN" altLang="en-US" sz="1200" dirty="0" smtClean="0"/>
+              <a:t>（堡垒机</a:t>
+            </a:r>
+            <a:r>
+              <a:rPr lang="en-US" altLang="zh-CN" sz="1200" dirty="0" smtClean="0"/>
+              <a:t>-</a:t>
+            </a:r>
+            <a:r>
+              <a:rPr lang="zh-CN" altLang="en-US" sz="1200" dirty="0" smtClean="0"/>
+              <a:t>备机）</a:t>
+            </a:r>
+            <a:endParaRPr lang="zh-CN" altLang="en-US" sz="1200" dirty="0"/>
+          </a:p>
+        </p:txBody>
+      </p:sp>
+      <p:pic>
+        <p:nvPicPr>
+          <p:cNvPr id="74" name="Picture 3" descr="C:\Users\xiejava\Downloads\堡垒机.png"/>
+          <p:cNvPicPr>
+            <a:picLocks noChangeAspect="1" noChangeArrowheads="1"/>
+          </p:cNvPicPr>
+          <p:nvPr/>
+        </p:nvPicPr>
+        <p:blipFill>
+          <a:blip r:embed="rId4" cstate="print">
+            <a:extLst>
+              <a:ext uri="{28A0092B-C50C-407E-A947-70E740481C1C}">
+                <a14:useLocalDpi xmlns:a14="http://schemas.microsoft.com/office/drawing/2010/main" val="0"/>
+              </a:ext>
+            </a:extLst>
+          </a:blip>
+          <a:srcRect/>
+          <a:stretch>
+            <a:fillRect/>
+          </a:stretch>
+        </p:blipFill>
+        <p:spPr bwMode="auto">
+          <a:xfrm>
+            <a:off x="6695605" y="3126151"/>
+            <a:ext cx="667690" cy="667690"/>
+          </a:xfrm>
+          <a:prstGeom prst="rect">
+            <a:avLst/>
+          </a:prstGeom>
+          <a:noFill/>
+          <a:extLst>
+            <a:ext uri="{909E8E84-426E-40DD-AFC4-6F175D3DCCD1}">
+              <a14:hiddenFill xmlns:a14="http://schemas.microsoft.com/office/drawing/2010/main">
+                <a:solidFill>
+                  <a:srgbClr val="FFFFFF"/>
+                </a:solidFill>
+              </a14:hiddenFill>
+            </a:ext>
+          </a:extLst>
+        </p:spPr>
+      </p:pic>
+      <p:sp>
+        <p:nvSpPr>
+          <p:cNvPr id="75" name="矩形 74"/>
+          <p:cNvSpPr/>
+          <p:nvPr/>
+        </p:nvSpPr>
+        <p:spPr>
+          <a:xfrm>
+            <a:off x="6171395" y="3879231"/>
+            <a:ext cx="1877437" cy="461665"/>
+          </a:xfrm>
+          <a:prstGeom prst="rect">
+            <a:avLst/>
+          </a:prstGeom>
+        </p:spPr>
+        <p:txBody>
+          <a:bodyPr wrap="none">
+            <a:spAutoFit/>
+          </a:bodyPr>
+          <a:lstStyle/>
+          <a:p>
+            <a:pPr algn="ctr"/>
+            <a:r>
+              <a:rPr lang="zh-CN" altLang="en-US" sz="1200" dirty="0"/>
+              <a:t>运维安全管理与审计</a:t>
+            </a:r>
+            <a:r>
+              <a:rPr lang="zh-CN" altLang="en-US" sz="1200" dirty="0" smtClean="0"/>
+              <a:t>系统</a:t>
+            </a:r>
+            <a:endParaRPr lang="en-US" altLang="zh-CN" sz="1200" dirty="0" smtClean="0"/>
+          </a:p>
+          <a:p>
+            <a:pPr algn="ctr"/>
+            <a:r>
+              <a:rPr lang="zh-CN" altLang="en-US" sz="1200" dirty="0" smtClean="0"/>
+              <a:t>（堡垒机</a:t>
+            </a:r>
+            <a:r>
+              <a:rPr lang="en-US" altLang="zh-CN" sz="1200" dirty="0" smtClean="0"/>
+              <a:t>-</a:t>
+            </a:r>
+            <a:r>
+              <a:rPr lang="zh-CN" altLang="en-US" sz="1200" dirty="0" smtClean="0"/>
+              <a:t>主机）</a:t>
+            </a:r>
+            <a:endParaRPr lang="zh-CN" altLang="en-US" sz="1200" dirty="0"/>
+          </a:p>
+        </p:txBody>
+      </p:sp>
+      <p:pic>
+        <p:nvPicPr>
+          <p:cNvPr id="78" name="Picture 5" descr="C:\Users\xiejava\Downloads\服务器 (2).png"/>
+          <p:cNvPicPr>
+            <a:picLocks noChangeAspect="1" noChangeArrowheads="1"/>
+          </p:cNvPicPr>
+          <p:nvPr/>
+        </p:nvPicPr>
+        <p:blipFill>
+          <a:blip r:embed="rId5">
+            <a:extLst>
+              <a:ext uri="{28A0092B-C50C-407E-A947-70E740481C1C}">
+                <a14:useLocalDpi xmlns:a14="http://schemas.microsoft.com/office/drawing/2010/main" val="0"/>
+              </a:ext>
+            </a:extLst>
+          </a:blip>
+          <a:srcRect/>
+          <a:stretch>
+            <a:fillRect/>
+          </a:stretch>
+        </p:blipFill>
+        <p:spPr bwMode="auto">
+          <a:xfrm>
+            <a:off x="6540667" y="4820955"/>
+            <a:ext cx="977566" cy="977566"/>
+          </a:xfrm>
+          <a:prstGeom prst="rect">
+            <a:avLst/>
+          </a:prstGeom>
+          <a:noFill/>
+          <a:extLst>
+            <a:ext uri="{909E8E84-426E-40DD-AFC4-6F175D3DCCD1}">
+              <a14:hiddenFill xmlns:a14="http://schemas.microsoft.com/office/drawing/2010/main">
+                <a:solidFill>
+                  <a:srgbClr val="FFFFFF"/>
+                </a:solidFill>
+              </a14:hiddenFill>
+            </a:ext>
+          </a:extLst>
+        </p:spPr>
+      </p:pic>
+      <p:sp>
+        <p:nvSpPr>
+          <p:cNvPr id="79" name="TextBox 78"/>
+          <p:cNvSpPr txBox="1"/>
+          <p:nvPr/>
+        </p:nvSpPr>
+        <p:spPr>
+          <a:xfrm>
+            <a:off x="6571220" y="5616773"/>
+            <a:ext cx="954107" cy="276999"/>
+          </a:xfrm>
+          <a:prstGeom prst="rect">
+            <a:avLst/>
+          </a:prstGeom>
+          <a:noFill/>
+        </p:spPr>
+        <p:txBody>
+          <a:bodyPr wrap="none" rtlCol="0">
+            <a:spAutoFit/>
+          </a:bodyPr>
+          <a:lstStyle/>
+          <a:p>
+            <a:r>
+              <a:rPr lang="zh-CN" altLang="en-US" sz="1200" dirty="0"/>
+              <a:t>管理</a:t>
+            </a:r>
+            <a:r>
+              <a:rPr lang="zh-CN" altLang="en-US" sz="1200" dirty="0" smtClean="0"/>
+              <a:t>服务器</a:t>
+            </a:r>
+            <a:endParaRPr lang="zh-CN" altLang="en-US" sz="1200" dirty="0"/>
+          </a:p>
+        </p:txBody>
+      </p:sp>
+      <p:pic>
+        <p:nvPicPr>
+          <p:cNvPr id="44" name="Picture 5" descr="C:\Users\xiejava\Downloads\服务器 (2).png"/>
+          <p:cNvPicPr>
+            <a:picLocks noChangeAspect="1" noChangeArrowheads="1"/>
+          </p:cNvPicPr>
+          <p:nvPr/>
+        </p:nvPicPr>
+        <p:blipFill>
+          <a:blip r:embed="rId5">
+            <a:extLst>
+              <a:ext uri="{28A0092B-C50C-407E-A947-70E740481C1C}">
+                <a14:useLocalDpi xmlns:a14="http://schemas.microsoft.com/office/drawing/2010/main" val="0"/>
+              </a:ext>
+            </a:extLst>
+          </a:blip>
+          <a:srcRect/>
+          <a:stretch>
+            <a:fillRect/>
+          </a:stretch>
+        </p:blipFill>
+        <p:spPr bwMode="auto">
+          <a:xfrm>
+            <a:off x="8637038" y="4817522"/>
+            <a:ext cx="977566" cy="977566"/>
+          </a:xfrm>
+          <a:prstGeom prst="rect">
+            <a:avLst/>
+          </a:prstGeom>
+          <a:noFill/>
+          <a:extLst>
+            <a:ext uri="{909E8E84-426E-40DD-AFC4-6F175D3DCCD1}">
+              <a14:hiddenFill xmlns:a14="http://schemas.microsoft.com/office/drawing/2010/main">
+                <a:solidFill>
+                  <a:srgbClr val="FFFFFF"/>
+                </a:solidFill>
+              </a14:hiddenFill>
+            </a:ext>
+          </a:extLst>
+        </p:spPr>
+      </p:pic>
+      <p:sp>
+        <p:nvSpPr>
+          <p:cNvPr id="45" name="TextBox 44"/>
+          <p:cNvSpPr txBox="1"/>
+          <p:nvPr/>
+        </p:nvSpPr>
+        <p:spPr>
+          <a:xfrm>
+            <a:off x="8654891" y="5616773"/>
+            <a:ext cx="912686" cy="276999"/>
+          </a:xfrm>
+          <a:prstGeom prst="rect">
+            <a:avLst/>
+          </a:prstGeom>
+          <a:noFill/>
+        </p:spPr>
+        <p:txBody>
+          <a:bodyPr wrap="none" rtlCol="0">
+            <a:spAutoFit/>
+          </a:bodyPr>
+          <a:lstStyle/>
+          <a:p>
+            <a:r>
+              <a:rPr lang="en-US" altLang="zh-CN" sz="1200" dirty="0" smtClean="0"/>
+              <a:t>web</a:t>
+            </a:r>
+            <a:r>
+              <a:rPr lang="zh-CN" altLang="en-US" sz="1200" dirty="0" smtClean="0"/>
+              <a:t>服务器</a:t>
+            </a:r>
+            <a:endParaRPr lang="zh-CN" altLang="en-US" sz="1200" dirty="0"/>
+          </a:p>
+        </p:txBody>
+      </p:sp>
+      <p:pic>
+        <p:nvPicPr>
+          <p:cNvPr id="46" name="Picture 5" descr="C:\Users\xiejava\Downloads\服务器 (2).png"/>
+          <p:cNvPicPr>
+            <a:picLocks noChangeAspect="1" noChangeArrowheads="1"/>
+          </p:cNvPicPr>
+          <p:nvPr/>
+        </p:nvPicPr>
+        <p:blipFill>
+          <a:blip r:embed="rId5">
+            <a:extLst>
+              <a:ext uri="{28A0092B-C50C-407E-A947-70E740481C1C}">
+                <a14:useLocalDpi xmlns:a14="http://schemas.microsoft.com/office/drawing/2010/main" val="0"/>
+              </a:ext>
+            </a:extLst>
+          </a:blip>
+          <a:srcRect/>
+          <a:stretch>
+            <a:fillRect/>
+          </a:stretch>
+        </p:blipFill>
+        <p:spPr bwMode="auto">
+          <a:xfrm>
+            <a:off x="9594340" y="4811173"/>
+            <a:ext cx="977566" cy="977566"/>
+          </a:xfrm>
+          <a:prstGeom prst="rect">
+            <a:avLst/>
+          </a:prstGeom>
+          <a:noFill/>
+          <a:extLst>
+            <a:ext uri="{909E8E84-426E-40DD-AFC4-6F175D3DCCD1}">
+              <a14:hiddenFill xmlns:a14="http://schemas.microsoft.com/office/drawing/2010/main">
+                <a:solidFill>
+                  <a:srgbClr val="FFFFFF"/>
+                </a:solidFill>
+              </a14:hiddenFill>
+            </a:ext>
+          </a:extLst>
+        </p:spPr>
+      </p:pic>
+      <p:sp>
+        <p:nvSpPr>
+          <p:cNvPr id="47" name="TextBox 46"/>
+          <p:cNvSpPr txBox="1"/>
+          <p:nvPr/>
+        </p:nvSpPr>
+        <p:spPr>
+          <a:xfrm>
+            <a:off x="9548693" y="5616773"/>
+            <a:ext cx="1107996" cy="276999"/>
+          </a:xfrm>
+          <a:prstGeom prst="rect">
+            <a:avLst/>
+          </a:prstGeom>
+          <a:noFill/>
+        </p:spPr>
+        <p:txBody>
+          <a:bodyPr wrap="none" rtlCol="0">
+            <a:spAutoFit/>
+          </a:bodyPr>
+          <a:lstStyle/>
+          <a:p>
+            <a:r>
+              <a:rPr lang="zh-CN" altLang="en-US" sz="1200" dirty="0" smtClean="0"/>
+              <a:t>数据库服务器</a:t>
+            </a:r>
+            <a:endParaRPr lang="zh-CN" altLang="en-US" sz="1200" dirty="0"/>
+          </a:p>
+        </p:txBody>
+      </p:sp>
+      <p:pic>
+        <p:nvPicPr>
+          <p:cNvPr id="48" name="Picture 5" descr="C:\Users\xiejava\Downloads\服务器 (2).png"/>
+          <p:cNvPicPr>
+            <a:picLocks noChangeAspect="1" noChangeArrowheads="1"/>
+          </p:cNvPicPr>
+          <p:nvPr/>
+        </p:nvPicPr>
+        <p:blipFill>
+          <a:blip r:embed="rId5">
+            <a:extLst>
+              <a:ext uri="{28A0092B-C50C-407E-A947-70E740481C1C}">
+                <a14:useLocalDpi xmlns:a14="http://schemas.microsoft.com/office/drawing/2010/main" val="0"/>
+              </a:ext>
+            </a:extLst>
+          </a:blip>
+          <a:srcRect/>
+          <a:stretch>
+            <a:fillRect/>
+          </a:stretch>
+        </p:blipFill>
+        <p:spPr bwMode="auto">
+          <a:xfrm>
+            <a:off x="10443446" y="4811093"/>
+            <a:ext cx="977566" cy="977566"/>
+          </a:xfrm>
+          <a:prstGeom prst="rect">
+            <a:avLst/>
+          </a:prstGeom>
+          <a:noFill/>
+          <a:extLst>
+            <a:ext uri="{909E8E84-426E-40DD-AFC4-6F175D3DCCD1}">
+              <a14:hiddenFill xmlns:a14="http://schemas.microsoft.com/office/drawing/2010/main">
+                <a:solidFill>
+                  <a:srgbClr val="FFFFFF"/>
+                </a:solidFill>
+              </a14:hiddenFill>
+            </a:ext>
+          </a:extLst>
+        </p:spPr>
+      </p:pic>
+      <p:sp>
+        <p:nvSpPr>
+          <p:cNvPr id="49" name="TextBox 48"/>
+          <p:cNvSpPr txBox="1"/>
+          <p:nvPr/>
+        </p:nvSpPr>
+        <p:spPr>
+          <a:xfrm>
+            <a:off x="10715299" y="5603993"/>
+            <a:ext cx="415498" cy="276999"/>
+          </a:xfrm>
+          <a:prstGeom prst="rect">
+            <a:avLst/>
+          </a:prstGeom>
+          <a:noFill/>
+        </p:spPr>
+        <p:txBody>
+          <a:bodyPr wrap="none" rtlCol="0">
+            <a:spAutoFit/>
+          </a:bodyPr>
+          <a:lstStyle/>
+          <a:p>
+            <a:r>
+              <a:rPr lang="en-US" altLang="zh-CN" sz="1200" dirty="0" smtClean="0"/>
+              <a:t>......</a:t>
+            </a:r>
+            <a:endParaRPr lang="zh-CN" altLang="en-US" sz="1200" dirty="0"/>
+          </a:p>
+        </p:txBody>
+      </p:sp>
+      <p:cxnSp>
+        <p:nvCxnSpPr>
+          <p:cNvPr id="50" name="直接连接符 49"/>
+          <p:cNvCxnSpPr/>
+          <p:nvPr/>
+        </p:nvCxnSpPr>
+        <p:spPr>
+          <a:xfrm flipV="1">
+            <a:off x="7575450" y="3481600"/>
+            <a:ext cx="815600" cy="5838"/>
+          </a:xfrm>
+          <a:prstGeom prst="line">
+            <a:avLst/>
+          </a:prstGeom>
+        </p:spPr>
+        <p:style>
+          <a:lnRef idx="1">
+            <a:schemeClr val="accent1"/>
+          </a:lnRef>
+          <a:fillRef idx="0">
+            <a:schemeClr val="accent1"/>
+          </a:fillRef>
+          <a:effectRef idx="0">
+            <a:schemeClr val="accent1"/>
+          </a:effectRef>
+          <a:fontRef idx="minor">
+            <a:schemeClr val="tx1"/>
+          </a:fontRef>
+        </p:style>
+      </p:cxnSp>
+      <p:pic>
+        <p:nvPicPr>
+          <p:cNvPr id="51" name="Picture 4" descr="C:\Users\xiejava\Downloads\工作点工程师.png"/>
+          <p:cNvPicPr>
+            <a:picLocks noChangeAspect="1" noChangeArrowheads="1"/>
+          </p:cNvPicPr>
+          <p:nvPr/>
+        </p:nvPicPr>
+        <p:blipFill>
+          <a:blip r:embed="rId7" cstate="print">
+            <a:extLst>
+              <a:ext uri="{28A0092B-C50C-407E-A947-70E740481C1C}">
+                <a14:useLocalDpi xmlns:a14="http://schemas.microsoft.com/office/drawing/2010/main" val="0"/>
+              </a:ext>
+            </a:extLst>
+          </a:blip>
+          <a:srcRect/>
+          <a:stretch>
+            <a:fillRect/>
+          </a:stretch>
+        </p:blipFill>
+        <p:spPr bwMode="auto">
+          <a:xfrm>
+            <a:off x="597130" y="962350"/>
+            <a:ext cx="551810" cy="551810"/>
+          </a:xfrm>
+          <a:prstGeom prst="rect">
+            <a:avLst/>
+          </a:prstGeom>
+          <a:noFill/>
+          <a:extLst>
+            <a:ext uri="{909E8E84-426E-40DD-AFC4-6F175D3DCCD1}">
+              <a14:hiddenFill xmlns:a14="http://schemas.microsoft.com/office/drawing/2010/main">
+                <a:solidFill>
+                  <a:srgbClr val="FFFFFF"/>
+                </a:solidFill>
+              </a14:hiddenFill>
+            </a:ext>
+          </a:extLst>
+        </p:spPr>
+      </p:pic>
+      <p:sp>
+        <p:nvSpPr>
+          <p:cNvPr id="52" name="TextBox 51"/>
+          <p:cNvSpPr txBox="1"/>
+          <p:nvPr/>
+        </p:nvSpPr>
+        <p:spPr>
+          <a:xfrm>
+            <a:off x="511398" y="1585547"/>
+            <a:ext cx="723275" cy="253916"/>
+          </a:xfrm>
+          <a:prstGeom prst="rect">
+            <a:avLst/>
+          </a:prstGeom>
+          <a:noFill/>
+        </p:spPr>
+        <p:txBody>
+          <a:bodyPr wrap="none" rtlCol="0">
+            <a:spAutoFit/>
+          </a:bodyPr>
+          <a:lstStyle/>
+          <a:p>
+            <a:r>
+              <a:rPr lang="zh-CN" altLang="en-US" sz="1050" dirty="0" smtClean="0"/>
+              <a:t>远程运维</a:t>
+            </a:r>
+            <a:endParaRPr lang="zh-CN" altLang="en-US" sz="1050" dirty="0"/>
+          </a:p>
+        </p:txBody>
+      </p:sp>
+      <p:pic>
+        <p:nvPicPr>
+          <p:cNvPr id="53" name="Picture 4" descr="C:\Users\xiejava\Downloads\工作点工程师.png"/>
+          <p:cNvPicPr>
+            <a:picLocks noChangeAspect="1" noChangeArrowheads="1"/>
+          </p:cNvPicPr>
+          <p:nvPr/>
+        </p:nvPicPr>
+        <p:blipFill>
+          <a:blip r:embed="rId7" cstate="print">
+            <a:extLst>
+              <a:ext uri="{28A0092B-C50C-407E-A947-70E740481C1C}">
+                <a14:useLocalDpi xmlns:a14="http://schemas.microsoft.com/office/drawing/2010/main" val="0"/>
+              </a:ext>
+            </a:extLst>
+          </a:blip>
+          <a:srcRect/>
+          <a:stretch>
+            <a:fillRect/>
+          </a:stretch>
+        </p:blipFill>
+        <p:spPr bwMode="auto">
+          <a:xfrm>
+            <a:off x="6697647" y="1102795"/>
+            <a:ext cx="551810" cy="551810"/>
+          </a:xfrm>
+          <a:prstGeom prst="rect">
+            <a:avLst/>
+          </a:prstGeom>
+          <a:noFill/>
+          <a:extLst>
+            <a:ext uri="{909E8E84-426E-40DD-AFC4-6F175D3DCCD1}">
+              <a14:hiddenFill xmlns:a14="http://schemas.microsoft.com/office/drawing/2010/main">
+                <a:solidFill>
+                  <a:srgbClr val="FFFFFF"/>
+                </a:solidFill>
+              </a14:hiddenFill>
+            </a:ext>
+          </a:extLst>
+        </p:spPr>
+      </p:pic>
+      <p:sp>
+        <p:nvSpPr>
+          <p:cNvPr id="64" name="TextBox 63"/>
+          <p:cNvSpPr txBox="1"/>
+          <p:nvPr/>
+        </p:nvSpPr>
+        <p:spPr>
+          <a:xfrm>
+            <a:off x="6459515" y="1725992"/>
+            <a:ext cx="992579" cy="253916"/>
+          </a:xfrm>
+          <a:prstGeom prst="rect">
+            <a:avLst/>
+          </a:prstGeom>
+          <a:noFill/>
+        </p:spPr>
+        <p:txBody>
+          <a:bodyPr wrap="none" rtlCol="0">
+            <a:spAutoFit/>
+          </a:bodyPr>
+          <a:lstStyle/>
+          <a:p>
+            <a:r>
+              <a:rPr lang="zh-CN" altLang="en-US" sz="1050" dirty="0" smtClean="0"/>
+              <a:t>外部远程维护</a:t>
+            </a:r>
+            <a:endParaRPr lang="zh-CN" altLang="en-US" sz="1050" dirty="0"/>
+          </a:p>
+        </p:txBody>
+      </p:sp>
+      <p:cxnSp>
+        <p:nvCxnSpPr>
+          <p:cNvPr id="10" name="曲线连接符 9"/>
+          <p:cNvCxnSpPr>
+            <a:stCxn id="4100" idx="3"/>
+          </p:cNvCxnSpPr>
+          <p:nvPr/>
+        </p:nvCxnSpPr>
+        <p:spPr>
+          <a:xfrm>
+            <a:off x="2858897" y="1225718"/>
+            <a:ext cx="1217803" cy="1817324"/>
+          </a:xfrm>
+          <a:prstGeom prst="curvedConnector2">
+            <a:avLst/>
+          </a:prstGeom>
+          <a:ln>
+            <a:prstDash val="dash"/>
+            <a:tailEnd type="arrow"/>
+          </a:ln>
+        </p:spPr>
+        <p:style>
+          <a:lnRef idx="3">
+            <a:schemeClr val="accent2"/>
+          </a:lnRef>
+          <a:fillRef idx="0">
+            <a:schemeClr val="accent2"/>
+          </a:fillRef>
+          <a:effectRef idx="2">
+            <a:schemeClr val="accent2"/>
+          </a:effectRef>
+          <a:fontRef idx="minor">
+            <a:schemeClr val="tx1"/>
+          </a:fontRef>
+        </p:style>
+      </p:cxnSp>
+      <p:cxnSp>
+        <p:nvCxnSpPr>
+          <p:cNvPr id="13" name="曲线连接符 12"/>
+          <p:cNvCxnSpPr>
+            <a:stCxn id="24" idx="2"/>
+          </p:cNvCxnSpPr>
+          <p:nvPr/>
+        </p:nvCxnSpPr>
+        <p:spPr>
+          <a:xfrm rot="5400000">
+            <a:off x="3215495" y="4329768"/>
+            <a:ext cx="1014557" cy="1059682"/>
+          </a:xfrm>
+          <a:prstGeom prst="curvedConnector2">
+            <a:avLst/>
+          </a:prstGeom>
+          <a:ln>
+            <a:prstDash val="dash"/>
+            <a:tailEnd type="arrow"/>
+          </a:ln>
+        </p:spPr>
+        <p:style>
+          <a:lnRef idx="3">
+            <a:schemeClr val="accent2"/>
+          </a:lnRef>
+          <a:fillRef idx="0">
+            <a:schemeClr val="accent2"/>
+          </a:fillRef>
+          <a:effectRef idx="2">
+            <a:schemeClr val="accent2"/>
+          </a:effectRef>
+          <a:fontRef idx="minor">
+            <a:schemeClr val="tx1"/>
+          </a:fontRef>
+        </p:style>
+      </p:cxnSp>
+      <p:cxnSp>
+        <p:nvCxnSpPr>
+          <p:cNvPr id="20" name="直接箭头连接符 19"/>
+          <p:cNvCxnSpPr/>
+          <p:nvPr/>
+        </p:nvCxnSpPr>
+        <p:spPr>
+          <a:xfrm>
+            <a:off x="1269898" y="1206510"/>
+            <a:ext cx="884551" cy="1"/>
+          </a:xfrm>
+          <a:prstGeom prst="straightConnector1">
+            <a:avLst/>
+          </a:prstGeom>
+          <a:ln>
+            <a:solidFill>
+              <a:schemeClr val="accent1"/>
+            </a:solidFill>
+            <a:prstDash val="dash"/>
+            <a:headEnd type="arrow"/>
+            <a:tailEnd type="arrow"/>
+          </a:ln>
+        </p:spPr>
+        <p:style>
+          <a:lnRef idx="3">
+            <a:schemeClr val="accent1"/>
+          </a:lnRef>
+          <a:fillRef idx="0">
+            <a:schemeClr val="accent1"/>
+          </a:fillRef>
+          <a:effectRef idx="2">
+            <a:schemeClr val="accent1"/>
+          </a:effectRef>
+          <a:fontRef idx="minor">
+            <a:schemeClr val="tx1"/>
+          </a:fontRef>
+        </p:style>
+      </p:cxnSp>
+      <p:pic>
+        <p:nvPicPr>
+          <p:cNvPr id="1027" name="Picture 3" descr="C:\Users\xiejava\Downloads\防火墙 (2).png"/>
+          <p:cNvPicPr>
+            <a:picLocks noChangeAspect="1" noChangeArrowheads="1"/>
+          </p:cNvPicPr>
+          <p:nvPr/>
+        </p:nvPicPr>
+        <p:blipFill>
+          <a:blip r:embed="rId8" cstate="print">
+            <a:extLst>
+              <a:ext uri="{28A0092B-C50C-407E-A947-70E740481C1C}">
+                <a14:useLocalDpi xmlns:a14="http://schemas.microsoft.com/office/drawing/2010/main" val="0"/>
+              </a:ext>
+            </a:extLst>
+          </a:blip>
+          <a:srcRect/>
+          <a:stretch>
+            <a:fillRect/>
+          </a:stretch>
+        </p:blipFill>
+        <p:spPr bwMode="auto">
+          <a:xfrm>
+            <a:off x="8505362" y="1042471"/>
+            <a:ext cx="734459" cy="734459"/>
+          </a:xfrm>
+          <a:prstGeom prst="rect">
+            <a:avLst/>
+          </a:prstGeom>
+          <a:noFill/>
+          <a:extLst>
+            <a:ext uri="{909E8E84-426E-40DD-AFC4-6F175D3DCCD1}">
+              <a14:hiddenFill xmlns:a14="http://schemas.microsoft.com/office/drawing/2010/main">
+                <a:solidFill>
+                  <a:srgbClr val="FFFFFF"/>
+                </a:solidFill>
+              </a14:hiddenFill>
+            </a:ext>
+          </a:extLst>
+        </p:spPr>
+      </p:pic>
+      <p:sp>
+        <p:nvSpPr>
+          <p:cNvPr id="72" name="TextBox 71"/>
+          <p:cNvSpPr txBox="1"/>
+          <p:nvPr/>
+        </p:nvSpPr>
+        <p:spPr>
+          <a:xfrm>
+            <a:off x="8545048" y="1800831"/>
+            <a:ext cx="646331" cy="276999"/>
+          </a:xfrm>
+          <a:prstGeom prst="rect">
+            <a:avLst/>
+          </a:prstGeom>
+          <a:noFill/>
+        </p:spPr>
+        <p:txBody>
+          <a:bodyPr wrap="none" rtlCol="0">
+            <a:spAutoFit/>
+          </a:bodyPr>
+          <a:lstStyle/>
+          <a:p>
+            <a:r>
+              <a:rPr lang="zh-CN" altLang="en-US" sz="1200" dirty="0" smtClean="0"/>
+              <a:t>防火墙</a:t>
+            </a:r>
+            <a:endParaRPr lang="zh-CN" altLang="en-US" sz="1200" dirty="0"/>
+          </a:p>
+        </p:txBody>
+      </p:sp>
+      <p:cxnSp>
+        <p:nvCxnSpPr>
+          <p:cNvPr id="73" name="直接箭头连接符 72"/>
+          <p:cNvCxnSpPr/>
+          <p:nvPr/>
+        </p:nvCxnSpPr>
+        <p:spPr>
+          <a:xfrm>
+            <a:off x="7581672" y="1425741"/>
+            <a:ext cx="884551" cy="1"/>
+          </a:xfrm>
+          <a:prstGeom prst="straightConnector1">
+            <a:avLst/>
+          </a:prstGeom>
+          <a:ln>
+            <a:solidFill>
+              <a:schemeClr val="accent1"/>
+            </a:solidFill>
+            <a:prstDash val="dash"/>
+            <a:headEnd type="arrow"/>
+            <a:tailEnd type="arrow"/>
+          </a:ln>
+        </p:spPr>
+        <p:style>
+          <a:lnRef idx="3">
+            <a:schemeClr val="accent1"/>
+          </a:lnRef>
+          <a:fillRef idx="0">
+            <a:schemeClr val="accent1"/>
+          </a:fillRef>
+          <a:effectRef idx="2">
+            <a:schemeClr val="accent1"/>
+          </a:effectRef>
+          <a:fontRef idx="minor">
+            <a:schemeClr val="tx1"/>
+          </a:fontRef>
+        </p:style>
+      </p:cxnSp>
+      <p:cxnSp>
+        <p:nvCxnSpPr>
+          <p:cNvPr id="76" name="直接连接符 75"/>
+          <p:cNvCxnSpPr/>
+          <p:nvPr/>
+        </p:nvCxnSpPr>
+        <p:spPr>
+          <a:xfrm flipV="1">
+            <a:off x="9239821" y="1561947"/>
+            <a:ext cx="815600" cy="5838"/>
+          </a:xfrm>
+          <a:prstGeom prst="line">
+            <a:avLst/>
+          </a:prstGeom>
+        </p:spPr>
+        <p:style>
+          <a:lnRef idx="1">
+            <a:schemeClr val="accent1"/>
+          </a:lnRef>
+          <a:fillRef idx="0">
+            <a:schemeClr val="accent1"/>
+          </a:fillRef>
+          <a:effectRef idx="0">
+            <a:schemeClr val="accent1"/>
+          </a:effectRef>
+          <a:fontRef idx="minor">
+            <a:schemeClr val="tx1"/>
+          </a:fontRef>
+        </p:style>
+      </p:cxnSp>
+      <p:cxnSp>
+        <p:nvCxnSpPr>
+          <p:cNvPr id="80" name="直接连接符 79"/>
+          <p:cNvCxnSpPr/>
+          <p:nvPr/>
+        </p:nvCxnSpPr>
+        <p:spPr>
+          <a:xfrm flipH="1">
+            <a:off x="8945902" y="2150157"/>
+            <a:ext cx="1746" cy="742166"/>
+          </a:xfrm>
+          <a:prstGeom prst="line">
+            <a:avLst/>
+          </a:prstGeom>
+        </p:spPr>
+        <p:style>
+          <a:lnRef idx="1">
+            <a:schemeClr val="accent1"/>
+          </a:lnRef>
+          <a:fillRef idx="0">
+            <a:schemeClr val="accent1"/>
+          </a:fillRef>
+          <a:effectRef idx="0">
+            <a:schemeClr val="accent1"/>
+          </a:effectRef>
+          <a:fontRef idx="minor">
+            <a:schemeClr val="tx1"/>
+          </a:fontRef>
+        </p:style>
+      </p:cxnSp>
+      <p:cxnSp>
+        <p:nvCxnSpPr>
+          <p:cNvPr id="27" name="曲线连接符 26"/>
+          <p:cNvCxnSpPr>
+            <a:stCxn id="74" idx="0"/>
+            <a:endCxn id="58" idx="0"/>
+          </p:cNvCxnSpPr>
+          <p:nvPr/>
+        </p:nvCxnSpPr>
+        <p:spPr>
+          <a:xfrm rot="16200000" flipH="1">
+            <a:off x="8776332" y="1379268"/>
+            <a:ext cx="11435" cy="3505200"/>
+          </a:xfrm>
+          <a:prstGeom prst="curvedConnector3">
+            <a:avLst>
+              <a:gd name="adj1" fmla="val -3331893"/>
+            </a:avLst>
+          </a:prstGeom>
+          <a:ln>
+            <a:prstDash val="dash"/>
+            <a:headEnd type="arrow"/>
+            <a:tailEnd type="arrow"/>
+          </a:ln>
+        </p:spPr>
+        <p:style>
+          <a:lnRef idx="3">
+            <a:schemeClr val="accent2"/>
+          </a:lnRef>
+          <a:fillRef idx="0">
+            <a:schemeClr val="accent2"/>
+          </a:fillRef>
+          <a:effectRef idx="2">
+            <a:schemeClr val="accent2"/>
+          </a:effectRef>
+          <a:fontRef idx="minor">
+            <a:schemeClr val="tx1"/>
+          </a:fontRef>
+        </p:style>
+      </p:cxnSp>
+      <p:sp>
+        <p:nvSpPr>
+          <p:cNvPr id="81" name="TextBox 80"/>
+          <p:cNvSpPr txBox="1"/>
+          <p:nvPr/>
+        </p:nvSpPr>
+        <p:spPr>
+          <a:xfrm>
+            <a:off x="8333869" y="2612755"/>
+            <a:ext cx="800219" cy="276999"/>
+          </a:xfrm>
+          <a:prstGeom prst="rect">
+            <a:avLst/>
+          </a:prstGeom>
+          <a:noFill/>
+        </p:spPr>
+        <p:txBody>
+          <a:bodyPr wrap="none" rtlCol="0">
+            <a:spAutoFit/>
+          </a:bodyPr>
+          <a:lstStyle/>
+          <a:p>
+            <a:r>
+              <a:rPr lang="zh-CN" altLang="en-US" sz="1200" dirty="0" smtClean="0">
+                <a:solidFill>
+                  <a:schemeClr val="accent2">
+                    <a:lumMod val="75000"/>
+                  </a:schemeClr>
+                </a:solidFill>
+              </a:rPr>
+              <a:t>数据同步</a:t>
+            </a:r>
+            <a:endParaRPr lang="zh-CN" altLang="en-US" sz="1200" dirty="0">
+              <a:solidFill>
+                <a:schemeClr val="accent2">
+                  <a:lumMod val="75000"/>
+                </a:schemeClr>
+              </a:solidFill>
+            </a:endParaRPr>
+          </a:p>
+        </p:txBody>
+      </p:sp>
+    </p:spTree>
+    <p:extLst>
+      <p:ext uri="{BB962C8B-B14F-4D97-AF65-F5344CB8AC3E}">
+        <p14:creationId xmlns:p14="http://schemas.microsoft.com/office/powerpoint/2010/main" val="2962598291"/>
+      </p:ext>
+    </p:extLst>
   </p:cSld>
   <p:clrMapOvr>
     <a:masterClrMapping/>
@@ -39312,7 +46228,7 @@
   <a:extraClrSchemeLst/>
   <a:extLst>
     <a:ext uri="{05A4C25C-085E-4340-85A3-A5531E510DB2}">
-      <thm15:themeFamily xmlns:thm15="http://schemas.microsoft.com/office/thememl/2012/main" xmlns="" name="Office Theme" id="{62F939B6-93AF-4DB8-9C6B-D6C7DFDC589F}" vid="{4A3C46E8-61CC-4603-A589-7422A47A8E4A}"/>
+      <thm15:themeFamily xmlns="" xmlns:thm15="http://schemas.microsoft.com/office/thememl/2012/main" name="Office Theme" id="{62F939B6-93AF-4DB8-9C6B-D6C7DFDC589F}" vid="{4A3C46E8-61CC-4603-A589-7422A47A8E4A}"/>
     </a:ext>
   </a:extLst>
 </a:theme>

--- a/images/2022/画图.pptx
+++ b/images/2022/画图.pptx
@@ -21774,60 +21774,6 @@
           </a:p>
         </p:txBody>
       </p:sp>
-      <p:pic>
-        <p:nvPicPr>
-          <p:cNvPr id="1026" name="Picture 2"/>
-          <p:cNvPicPr>
-            <a:picLocks noChangeAspect="1" noChangeArrowheads="1"/>
-          </p:cNvPicPr>
-          <p:nvPr/>
-        </p:nvPicPr>
-        <p:blipFill>
-          <a:blip r:embed="rId2">
-            <a:extLst>
-              <a:ext uri="{28A0092B-C50C-407E-A947-70E740481C1C}">
-                <a14:useLocalDpi xmlns:a14="http://schemas.microsoft.com/office/drawing/2010/main" val="0"/>
-              </a:ext>
-            </a:extLst>
-          </a:blip>
-          <a:srcRect/>
-          <a:stretch>
-            <a:fillRect/>
-          </a:stretch>
-        </p:blipFill>
-        <p:spPr bwMode="auto">
-          <a:xfrm>
-            <a:off x="2118821" y="4542823"/>
-            <a:ext cx="7343171" cy="1121378"/>
-          </a:xfrm>
-          <a:prstGeom prst="rect">
-            <a:avLst/>
-          </a:prstGeom>
-          <a:noFill/>
-          <a:ln>
-            <a:noFill/>
-          </a:ln>
-          <a:extLst>
-            <a:ext uri="{909E8E84-426E-40DD-AFC4-6F175D3DCCD1}">
-              <a14:hiddenFill xmlns:a14="http://schemas.microsoft.com/office/drawing/2010/main">
-                <a:solidFill>
-                  <a:schemeClr val="accent1"/>
-                </a:solidFill>
-              </a14:hiddenFill>
-            </a:ext>
-            <a:ext uri="{91240B29-F687-4F45-9708-019B960494DF}">
-              <a14:hiddenLine xmlns:a14="http://schemas.microsoft.com/office/drawing/2010/main" w="9525">
-                <a:solidFill>
-                  <a:schemeClr val="tx1"/>
-                </a:solidFill>
-                <a:miter lim="800000"/>
-                <a:headEnd/>
-                <a:tailEnd/>
-              </a14:hiddenLine>
-            </a:ext>
-          </a:extLst>
-        </p:spPr>
-      </p:pic>
       <p:sp>
         <p:nvSpPr>
           <p:cNvPr id="4" name="矩形 3"/>
@@ -23330,6 +23276,678 @@
               <a:t>算法模型场景配置</a:t>
             </a:r>
             <a:endParaRPr lang="zh-CN" altLang="en-US" sz="1100" dirty="0"/>
+          </a:p>
+        </p:txBody>
+      </p:sp>
+      <p:sp>
+        <p:nvSpPr>
+          <p:cNvPr id="2" name="矩形 1"/>
+          <p:cNvSpPr/>
+          <p:nvPr/>
+        </p:nvSpPr>
+        <p:spPr>
+          <a:xfrm>
+            <a:off x="2169193" y="4619967"/>
+            <a:ext cx="7292800" cy="967090"/>
+          </a:xfrm>
+          <a:prstGeom prst="rect">
+            <a:avLst/>
+          </a:prstGeom>
+        </p:spPr>
+        <p:style>
+          <a:lnRef idx="2">
+            <a:schemeClr val="accent1"/>
+          </a:lnRef>
+          <a:fillRef idx="1">
+            <a:schemeClr val="lt1"/>
+          </a:fillRef>
+          <a:effectRef idx="0">
+            <a:schemeClr val="accent1"/>
+          </a:effectRef>
+          <a:fontRef idx="minor">
+            <a:schemeClr val="dk1"/>
+          </a:fontRef>
+        </p:style>
+        <p:txBody>
+          <a:bodyPr rtlCol="0" anchor="ctr"/>
+          <a:lstStyle/>
+          <a:p>
+            <a:pPr algn="ctr"/>
+            <a:endParaRPr lang="zh-CN" altLang="en-US"/>
+          </a:p>
+        </p:txBody>
+      </p:sp>
+      <p:sp>
+        <p:nvSpPr>
+          <p:cNvPr id="42" name="矩形 41"/>
+          <p:cNvSpPr/>
+          <p:nvPr/>
+        </p:nvSpPr>
+        <p:spPr>
+          <a:xfrm>
+            <a:off x="2600613" y="4766630"/>
+            <a:ext cx="882869" cy="316965"/>
+          </a:xfrm>
+          <a:prstGeom prst="rect">
+            <a:avLst/>
+          </a:prstGeom>
+        </p:spPr>
+        <p:style>
+          <a:lnRef idx="2">
+            <a:schemeClr val="accent1"/>
+          </a:lnRef>
+          <a:fillRef idx="1">
+            <a:schemeClr val="lt1"/>
+          </a:fillRef>
+          <a:effectRef idx="0">
+            <a:schemeClr val="accent1"/>
+          </a:effectRef>
+          <a:fontRef idx="minor">
+            <a:schemeClr val="dk1"/>
+          </a:fontRef>
+        </p:style>
+        <p:txBody>
+          <a:bodyPr rtlCol="0" anchor="ctr"/>
+          <a:lstStyle/>
+          <a:p>
+            <a:pPr algn="ctr"/>
+            <a:r>
+              <a:rPr lang="zh-CN" altLang="en-US" sz="1200" dirty="0" smtClean="0"/>
+              <a:t>人脸识别</a:t>
+            </a:r>
+            <a:endParaRPr lang="zh-CN" altLang="en-US" sz="1200" dirty="0"/>
+          </a:p>
+        </p:txBody>
+      </p:sp>
+      <p:sp>
+        <p:nvSpPr>
+          <p:cNvPr id="43" name="矩形 42"/>
+          <p:cNvSpPr/>
+          <p:nvPr/>
+        </p:nvSpPr>
+        <p:spPr>
+          <a:xfrm>
+            <a:off x="3572788" y="4755818"/>
+            <a:ext cx="882869" cy="316965"/>
+          </a:xfrm>
+          <a:prstGeom prst="rect">
+            <a:avLst/>
+          </a:prstGeom>
+        </p:spPr>
+        <p:style>
+          <a:lnRef idx="2">
+            <a:schemeClr val="accent1"/>
+          </a:lnRef>
+          <a:fillRef idx="1">
+            <a:schemeClr val="lt1"/>
+          </a:fillRef>
+          <a:effectRef idx="0">
+            <a:schemeClr val="accent1"/>
+          </a:effectRef>
+          <a:fontRef idx="minor">
+            <a:schemeClr val="dk1"/>
+          </a:fontRef>
+        </p:style>
+        <p:txBody>
+          <a:bodyPr rtlCol="0" anchor="ctr"/>
+          <a:lstStyle/>
+          <a:p>
+            <a:pPr algn="ctr"/>
+            <a:r>
+              <a:rPr lang="zh-CN" altLang="en-US" sz="1200" dirty="0" smtClean="0"/>
+              <a:t>账号认证</a:t>
+            </a:r>
+            <a:endParaRPr lang="zh-CN" altLang="en-US" sz="1200" dirty="0"/>
+          </a:p>
+        </p:txBody>
+      </p:sp>
+      <p:sp>
+        <p:nvSpPr>
+          <p:cNvPr id="44" name="矩形 43"/>
+          <p:cNvSpPr/>
+          <p:nvPr/>
+        </p:nvSpPr>
+        <p:spPr>
+          <a:xfrm>
+            <a:off x="4544963" y="4777269"/>
+            <a:ext cx="882869" cy="316965"/>
+          </a:xfrm>
+          <a:prstGeom prst="rect">
+            <a:avLst/>
+          </a:prstGeom>
+        </p:spPr>
+        <p:style>
+          <a:lnRef idx="2">
+            <a:schemeClr val="accent1"/>
+          </a:lnRef>
+          <a:fillRef idx="1">
+            <a:schemeClr val="lt1"/>
+          </a:fillRef>
+          <a:effectRef idx="0">
+            <a:schemeClr val="accent1"/>
+          </a:effectRef>
+          <a:fontRef idx="minor">
+            <a:schemeClr val="dk1"/>
+          </a:fontRef>
+        </p:style>
+        <p:txBody>
+          <a:bodyPr rtlCol="0" anchor="ctr"/>
+          <a:lstStyle/>
+          <a:p>
+            <a:pPr algn="ctr"/>
+            <a:r>
+              <a:rPr lang="zh-CN" altLang="en-US" sz="1200" dirty="0" smtClean="0"/>
+              <a:t>权限管理</a:t>
+            </a:r>
+            <a:endParaRPr lang="zh-CN" altLang="en-US" sz="1200" dirty="0"/>
+          </a:p>
+        </p:txBody>
+      </p:sp>
+      <p:sp>
+        <p:nvSpPr>
+          <p:cNvPr id="45" name="矩形 44"/>
+          <p:cNvSpPr/>
+          <p:nvPr/>
+        </p:nvSpPr>
+        <p:spPr>
+          <a:xfrm>
+            <a:off x="5517138" y="4777269"/>
+            <a:ext cx="882869" cy="316965"/>
+          </a:xfrm>
+          <a:prstGeom prst="rect">
+            <a:avLst/>
+          </a:prstGeom>
+        </p:spPr>
+        <p:style>
+          <a:lnRef idx="2">
+            <a:schemeClr val="accent1"/>
+          </a:lnRef>
+          <a:fillRef idx="1">
+            <a:schemeClr val="lt1"/>
+          </a:fillRef>
+          <a:effectRef idx="0">
+            <a:schemeClr val="accent1"/>
+          </a:effectRef>
+          <a:fontRef idx="minor">
+            <a:schemeClr val="dk1"/>
+          </a:fontRef>
+        </p:style>
+        <p:txBody>
+          <a:bodyPr rtlCol="0" anchor="ctr"/>
+          <a:lstStyle/>
+          <a:p>
+            <a:pPr algn="ctr"/>
+            <a:r>
+              <a:rPr lang="zh-CN" altLang="en-US" sz="1200" dirty="0" smtClean="0"/>
+              <a:t>终端</a:t>
+            </a:r>
+            <a:r>
+              <a:rPr lang="en-US" altLang="zh-CN" sz="1200" dirty="0" smtClean="0"/>
+              <a:t>DLP</a:t>
+            </a:r>
+            <a:endParaRPr lang="zh-CN" altLang="en-US" sz="1200" dirty="0"/>
+          </a:p>
+        </p:txBody>
+      </p:sp>
+      <p:sp>
+        <p:nvSpPr>
+          <p:cNvPr id="46" name="矩形 45"/>
+          <p:cNvSpPr/>
+          <p:nvPr/>
+        </p:nvSpPr>
+        <p:spPr>
+          <a:xfrm>
+            <a:off x="6489313" y="4755818"/>
+            <a:ext cx="882869" cy="316965"/>
+          </a:xfrm>
+          <a:prstGeom prst="rect">
+            <a:avLst/>
+          </a:prstGeom>
+        </p:spPr>
+        <p:style>
+          <a:lnRef idx="2">
+            <a:schemeClr val="accent1"/>
+          </a:lnRef>
+          <a:fillRef idx="1">
+            <a:schemeClr val="lt1"/>
+          </a:fillRef>
+          <a:effectRef idx="0">
+            <a:schemeClr val="accent1"/>
+          </a:effectRef>
+          <a:fontRef idx="minor">
+            <a:schemeClr val="dk1"/>
+          </a:fontRef>
+        </p:style>
+        <p:txBody>
+          <a:bodyPr rtlCol="0" anchor="ctr"/>
+          <a:lstStyle/>
+          <a:p>
+            <a:pPr algn="ctr"/>
+            <a:r>
+              <a:rPr lang="zh-CN" altLang="en-US" sz="1200" dirty="0" smtClean="0"/>
+              <a:t>邮件</a:t>
+            </a:r>
+            <a:r>
+              <a:rPr lang="en-US" altLang="zh-CN" sz="1200" dirty="0" smtClean="0"/>
+              <a:t>DLP</a:t>
+            </a:r>
+            <a:endParaRPr lang="zh-CN" altLang="en-US" sz="1200" dirty="0"/>
+          </a:p>
+        </p:txBody>
+      </p:sp>
+      <p:sp>
+        <p:nvSpPr>
+          <p:cNvPr id="47" name="矩形 46"/>
+          <p:cNvSpPr/>
+          <p:nvPr/>
+        </p:nvSpPr>
+        <p:spPr>
+          <a:xfrm>
+            <a:off x="7461488" y="4768518"/>
+            <a:ext cx="882869" cy="316965"/>
+          </a:xfrm>
+          <a:prstGeom prst="rect">
+            <a:avLst/>
+          </a:prstGeom>
+        </p:spPr>
+        <p:style>
+          <a:lnRef idx="2">
+            <a:schemeClr val="accent1"/>
+          </a:lnRef>
+          <a:fillRef idx="1">
+            <a:schemeClr val="lt1"/>
+          </a:fillRef>
+          <a:effectRef idx="0">
+            <a:schemeClr val="accent1"/>
+          </a:effectRef>
+          <a:fontRef idx="minor">
+            <a:schemeClr val="dk1"/>
+          </a:fontRef>
+        </p:style>
+        <p:txBody>
+          <a:bodyPr rtlCol="0" anchor="ctr"/>
+          <a:lstStyle/>
+          <a:p>
+            <a:pPr algn="ctr"/>
+            <a:r>
+              <a:rPr lang="zh-CN" altLang="en-US" sz="1200" dirty="0" smtClean="0"/>
+              <a:t>上网行为管控</a:t>
+            </a:r>
+            <a:endParaRPr lang="zh-CN" altLang="en-US" sz="1200" dirty="0"/>
+          </a:p>
+        </p:txBody>
+      </p:sp>
+      <p:sp>
+        <p:nvSpPr>
+          <p:cNvPr id="48" name="矩形 47"/>
+          <p:cNvSpPr/>
+          <p:nvPr/>
+        </p:nvSpPr>
+        <p:spPr>
+          <a:xfrm>
+            <a:off x="8433663" y="4755818"/>
+            <a:ext cx="882869" cy="316965"/>
+          </a:xfrm>
+          <a:prstGeom prst="rect">
+            <a:avLst/>
+          </a:prstGeom>
+        </p:spPr>
+        <p:style>
+          <a:lnRef idx="2">
+            <a:schemeClr val="accent1"/>
+          </a:lnRef>
+          <a:fillRef idx="1">
+            <a:schemeClr val="lt1"/>
+          </a:fillRef>
+          <a:effectRef idx="0">
+            <a:schemeClr val="accent1"/>
+          </a:effectRef>
+          <a:fontRef idx="minor">
+            <a:schemeClr val="dk1"/>
+          </a:fontRef>
+        </p:style>
+        <p:txBody>
+          <a:bodyPr rtlCol="0" anchor="ctr"/>
+          <a:lstStyle/>
+          <a:p>
+            <a:pPr algn="ctr"/>
+            <a:r>
+              <a:rPr lang="en-US" altLang="zh-CN" sz="1200" dirty="0" smtClean="0"/>
+              <a:t>USB</a:t>
+            </a:r>
+            <a:r>
+              <a:rPr lang="zh-CN" altLang="en-US" sz="1200" dirty="0" smtClean="0"/>
+              <a:t>管控</a:t>
+            </a:r>
+            <a:endParaRPr lang="zh-CN" altLang="en-US" sz="1200" dirty="0"/>
+          </a:p>
+        </p:txBody>
+      </p:sp>
+      <p:sp>
+        <p:nvSpPr>
+          <p:cNvPr id="49" name="矩形 48"/>
+          <p:cNvSpPr/>
+          <p:nvPr/>
+        </p:nvSpPr>
+        <p:spPr>
+          <a:xfrm>
+            <a:off x="2595534" y="5141793"/>
+            <a:ext cx="882869" cy="316965"/>
+          </a:xfrm>
+          <a:prstGeom prst="rect">
+            <a:avLst/>
+          </a:prstGeom>
+        </p:spPr>
+        <p:style>
+          <a:lnRef idx="2">
+            <a:schemeClr val="accent1"/>
+          </a:lnRef>
+          <a:fillRef idx="1">
+            <a:schemeClr val="lt1"/>
+          </a:fillRef>
+          <a:effectRef idx="0">
+            <a:schemeClr val="accent1"/>
+          </a:effectRef>
+          <a:fontRef idx="minor">
+            <a:schemeClr val="dk1"/>
+          </a:fontRef>
+        </p:style>
+        <p:txBody>
+          <a:bodyPr rtlCol="0" anchor="ctr"/>
+          <a:lstStyle/>
+          <a:p>
+            <a:pPr algn="ctr"/>
+            <a:r>
+              <a:rPr lang="zh-CN" altLang="en-US" sz="1200" dirty="0" smtClean="0"/>
+              <a:t>门禁</a:t>
+            </a:r>
+            <a:endParaRPr lang="zh-CN" altLang="en-US" sz="1200" dirty="0"/>
+          </a:p>
+        </p:txBody>
+      </p:sp>
+      <p:sp>
+        <p:nvSpPr>
+          <p:cNvPr id="50" name="矩形 49"/>
+          <p:cNvSpPr/>
+          <p:nvPr/>
+        </p:nvSpPr>
+        <p:spPr>
+          <a:xfrm>
+            <a:off x="3567709" y="5130981"/>
+            <a:ext cx="882869" cy="316965"/>
+          </a:xfrm>
+          <a:prstGeom prst="rect">
+            <a:avLst/>
+          </a:prstGeom>
+        </p:spPr>
+        <p:style>
+          <a:lnRef idx="2">
+            <a:schemeClr val="accent1"/>
+          </a:lnRef>
+          <a:fillRef idx="1">
+            <a:schemeClr val="lt1"/>
+          </a:fillRef>
+          <a:effectRef idx="0">
+            <a:schemeClr val="accent1"/>
+          </a:effectRef>
+          <a:fontRef idx="minor">
+            <a:schemeClr val="dk1"/>
+          </a:fontRef>
+        </p:style>
+        <p:txBody>
+          <a:bodyPr rtlCol="0" anchor="ctr"/>
+          <a:lstStyle/>
+          <a:p>
+            <a:pPr algn="ctr"/>
+            <a:r>
+              <a:rPr lang="zh-CN" altLang="en-US" sz="1200" dirty="0" smtClean="0"/>
+              <a:t>双因素认证</a:t>
+            </a:r>
+            <a:endParaRPr lang="zh-CN" altLang="en-US" sz="1200" dirty="0"/>
+          </a:p>
+        </p:txBody>
+      </p:sp>
+      <p:sp>
+        <p:nvSpPr>
+          <p:cNvPr id="51" name="矩形 50"/>
+          <p:cNvSpPr/>
+          <p:nvPr/>
+        </p:nvSpPr>
+        <p:spPr>
+          <a:xfrm>
+            <a:off x="4539884" y="5152432"/>
+            <a:ext cx="882869" cy="316965"/>
+          </a:xfrm>
+          <a:prstGeom prst="rect">
+            <a:avLst/>
+          </a:prstGeom>
+        </p:spPr>
+        <p:style>
+          <a:lnRef idx="2">
+            <a:schemeClr val="accent1"/>
+          </a:lnRef>
+          <a:fillRef idx="1">
+            <a:schemeClr val="lt1"/>
+          </a:fillRef>
+          <a:effectRef idx="0">
+            <a:schemeClr val="accent1"/>
+          </a:effectRef>
+          <a:fontRef idx="minor">
+            <a:schemeClr val="dk1"/>
+          </a:fontRef>
+        </p:style>
+        <p:txBody>
+          <a:bodyPr rtlCol="0" anchor="ctr"/>
+          <a:lstStyle/>
+          <a:p>
+            <a:pPr algn="ctr"/>
+            <a:r>
+              <a:rPr lang="zh-CN" altLang="en-US" sz="1200" dirty="0" smtClean="0"/>
+              <a:t>离职员工管理</a:t>
+            </a:r>
+            <a:endParaRPr lang="zh-CN" altLang="en-US" sz="1200" dirty="0"/>
+          </a:p>
+        </p:txBody>
+      </p:sp>
+      <p:sp>
+        <p:nvSpPr>
+          <p:cNvPr id="52" name="矩形 51"/>
+          <p:cNvSpPr/>
+          <p:nvPr/>
+        </p:nvSpPr>
+        <p:spPr>
+          <a:xfrm>
+            <a:off x="5512059" y="5152432"/>
+            <a:ext cx="882869" cy="316965"/>
+          </a:xfrm>
+          <a:prstGeom prst="rect">
+            <a:avLst/>
+          </a:prstGeom>
+        </p:spPr>
+        <p:style>
+          <a:lnRef idx="2">
+            <a:schemeClr val="accent1"/>
+          </a:lnRef>
+          <a:fillRef idx="1">
+            <a:schemeClr val="lt1"/>
+          </a:fillRef>
+          <a:effectRef idx="0">
+            <a:schemeClr val="accent1"/>
+          </a:effectRef>
+          <a:fontRef idx="minor">
+            <a:schemeClr val="dk1"/>
+          </a:fontRef>
+        </p:style>
+        <p:txBody>
+          <a:bodyPr rtlCol="0" anchor="ctr"/>
+          <a:lstStyle/>
+          <a:p>
+            <a:pPr algn="ctr"/>
+            <a:r>
+              <a:rPr lang="zh-CN" altLang="en-US" sz="1200" dirty="0" smtClean="0"/>
+              <a:t>打印管理</a:t>
+            </a:r>
+            <a:endParaRPr lang="zh-CN" altLang="en-US" sz="1200" dirty="0"/>
+          </a:p>
+        </p:txBody>
+      </p:sp>
+      <p:sp>
+        <p:nvSpPr>
+          <p:cNvPr id="53" name="矩形 52"/>
+          <p:cNvSpPr/>
+          <p:nvPr/>
+        </p:nvSpPr>
+        <p:spPr>
+          <a:xfrm>
+            <a:off x="6484234" y="5130981"/>
+            <a:ext cx="882869" cy="316965"/>
+          </a:xfrm>
+          <a:prstGeom prst="rect">
+            <a:avLst/>
+          </a:prstGeom>
+        </p:spPr>
+        <p:style>
+          <a:lnRef idx="2">
+            <a:schemeClr val="accent1"/>
+          </a:lnRef>
+          <a:fillRef idx="1">
+            <a:schemeClr val="lt1"/>
+          </a:fillRef>
+          <a:effectRef idx="0">
+            <a:schemeClr val="accent1"/>
+          </a:effectRef>
+          <a:fontRef idx="minor">
+            <a:schemeClr val="dk1"/>
+          </a:fontRef>
+        </p:style>
+        <p:txBody>
+          <a:bodyPr rtlCol="0" anchor="ctr"/>
+          <a:lstStyle/>
+          <a:p>
+            <a:pPr algn="ctr"/>
+            <a:r>
+              <a:rPr lang="en-US" altLang="zh-CN" sz="1200" dirty="0" smtClean="0"/>
+              <a:t>IM</a:t>
+            </a:r>
+            <a:r>
+              <a:rPr lang="zh-CN" altLang="en-US" sz="1200" dirty="0" smtClean="0"/>
+              <a:t>监控</a:t>
+            </a:r>
+            <a:endParaRPr lang="zh-CN" altLang="en-US" sz="1200" dirty="0"/>
+          </a:p>
+        </p:txBody>
+      </p:sp>
+      <p:sp>
+        <p:nvSpPr>
+          <p:cNvPr id="54" name="矩形 53"/>
+          <p:cNvSpPr/>
+          <p:nvPr/>
+        </p:nvSpPr>
+        <p:spPr>
+          <a:xfrm>
+            <a:off x="7456409" y="5143681"/>
+            <a:ext cx="882869" cy="316965"/>
+          </a:xfrm>
+          <a:prstGeom prst="rect">
+            <a:avLst/>
+          </a:prstGeom>
+        </p:spPr>
+        <p:style>
+          <a:lnRef idx="2">
+            <a:schemeClr val="accent1"/>
+          </a:lnRef>
+          <a:fillRef idx="1">
+            <a:schemeClr val="lt1"/>
+          </a:fillRef>
+          <a:effectRef idx="0">
+            <a:schemeClr val="accent1"/>
+          </a:effectRef>
+          <a:fontRef idx="minor">
+            <a:schemeClr val="dk1"/>
+          </a:fontRef>
+        </p:style>
+        <p:txBody>
+          <a:bodyPr rtlCol="0" anchor="ctr"/>
+          <a:lstStyle/>
+          <a:p>
+            <a:pPr algn="ctr"/>
+            <a:r>
+              <a:rPr lang="en-US" altLang="zh-CN" sz="1200" dirty="0" smtClean="0"/>
+              <a:t>EDR</a:t>
+            </a:r>
+            <a:endParaRPr lang="zh-CN" altLang="en-US" sz="1200" dirty="0"/>
+          </a:p>
+        </p:txBody>
+      </p:sp>
+      <p:sp>
+        <p:nvSpPr>
+          <p:cNvPr id="55" name="矩形 54"/>
+          <p:cNvSpPr/>
+          <p:nvPr/>
+        </p:nvSpPr>
+        <p:spPr>
+          <a:xfrm>
+            <a:off x="8428584" y="5130981"/>
+            <a:ext cx="882869" cy="316965"/>
+          </a:xfrm>
+          <a:prstGeom prst="rect">
+            <a:avLst/>
+          </a:prstGeom>
+        </p:spPr>
+        <p:style>
+          <a:lnRef idx="2">
+            <a:schemeClr val="accent1"/>
+          </a:lnRef>
+          <a:fillRef idx="1">
+            <a:schemeClr val="lt1"/>
+          </a:fillRef>
+          <a:effectRef idx="0">
+            <a:schemeClr val="accent1"/>
+          </a:effectRef>
+          <a:fontRef idx="minor">
+            <a:schemeClr val="dk1"/>
+          </a:fontRef>
+        </p:style>
+        <p:txBody>
+          <a:bodyPr rtlCol="0" anchor="ctr"/>
+          <a:lstStyle/>
+          <a:p>
+            <a:pPr algn="ctr"/>
+            <a:r>
+              <a:rPr lang="zh-CN" altLang="en-US" sz="1200" dirty="0" smtClean="0"/>
+              <a:t>远程访问管控</a:t>
+            </a:r>
+            <a:endParaRPr lang="zh-CN" altLang="en-US" sz="1200" dirty="0"/>
+          </a:p>
+        </p:txBody>
+      </p:sp>
+      <p:sp>
+        <p:nvSpPr>
+          <p:cNvPr id="37" name="TextBox 36"/>
+          <p:cNvSpPr txBox="1"/>
+          <p:nvPr/>
+        </p:nvSpPr>
+        <p:spPr>
+          <a:xfrm>
+            <a:off x="2213948" y="4801615"/>
+            <a:ext cx="323165" cy="646331"/>
+          </a:xfrm>
+          <a:prstGeom prst="rect">
+            <a:avLst/>
+          </a:prstGeom>
+          <a:noFill/>
+        </p:spPr>
+        <p:txBody>
+          <a:bodyPr wrap="square" rtlCol="0">
+            <a:spAutoFit/>
+          </a:bodyPr>
+          <a:lstStyle/>
+          <a:p>
+            <a:r>
+              <a:rPr lang="zh-CN" altLang="en-US" sz="1200" dirty="0" smtClean="0"/>
+              <a:t>数据源</a:t>
+            </a:r>
+            <a:endParaRPr lang="zh-CN" altLang="en-US" sz="1200" dirty="0"/>
           </a:p>
         </p:txBody>
       </p:sp>
@@ -46228,7 +46846,7 @@
   <a:extraClrSchemeLst/>
   <a:extLst>
     <a:ext uri="{05A4C25C-085E-4340-85A3-A5531E510DB2}">
-      <thm15:themeFamily xmlns="" xmlns:thm15="http://schemas.microsoft.com/office/thememl/2012/main" name="Office Theme" id="{62F939B6-93AF-4DB8-9C6B-D6C7DFDC589F}" vid="{4A3C46E8-61CC-4603-A589-7422A47A8E4A}"/>
+      <thm15:themeFamily xmlns:thm15="http://schemas.microsoft.com/office/thememl/2012/main" xmlns="" name="Office Theme" id="{62F939B6-93AF-4DB8-9C6B-D6C7DFDC589F}" vid="{4A3C46E8-61CC-4603-A589-7422A47A8E4A}"/>
     </a:ext>
   </a:extLst>
 </a:theme>
